--- a/genie_python_and_ibex/genie_python_and_ibex.pptx
+++ b/genie_python_and_ibex/genie_python_and_ibex.pptx
@@ -1572,7 +1572,7 @@
             </a:r>
             <a:r>
               <a:rPr lang="en-GB" dirty="0" err="1" smtClean="0"/>
-              <a:t>g.runstate</a:t>
+              <a:t>g.get_runstate</a:t>
             </a:r>
             <a:r>
               <a:rPr lang="en-GB" dirty="0" smtClean="0"/>
@@ -1631,7 +1631,19 @@
             </a:r>
             <a:r>
               <a:rPr lang="en-GB" dirty="0" smtClean="0"/>
-              <a:t> in range(</a:t>
+              <a:t> in </a:t>
+            </a:r>
+            <a:r>
+              <a:rPr lang="en-GB" dirty="0" smtClean="0"/>
+              <a:t>range(</a:t>
+            </a:r>
+            <a:r>
+              <a:rPr lang="en-GB" dirty="0" err="1" smtClean="0"/>
+              <a:t>int</a:t>
+            </a:r>
+            <a:r>
+              <a:rPr lang="en-GB" dirty="0" smtClean="0"/>
+              <a:t>(</a:t>
             </a:r>
             <a:r>
               <a:rPr lang="en-GB" dirty="0" err="1" smtClean="0"/>
@@ -1639,7 +1651,15 @@
             </a:r>
             <a:r>
               <a:rPr lang="en-GB" dirty="0" smtClean="0"/>
-              <a:t>("MY_BLOCK")['value'], 4, -1): </a:t>
+              <a:t>("MY_BLOCK")['value</a:t>
+            </a:r>
+            <a:r>
+              <a:rPr lang="en-GB" dirty="0" smtClean="0"/>
+              <a:t>']), </a:t>
+            </a:r>
+            <a:r>
+              <a:rPr lang="en-GB" dirty="0" smtClean="0"/>
+              <a:t>4, -1): </a:t>
             </a:r>
           </a:p>
           <a:p>
@@ -1758,7 +1778,6 @@
               <a:rPr lang="en-GB" dirty="0" smtClean="0"/>
               <a:t>()</a:t>
             </a:r>
-            <a:endParaRPr lang="en-GB" dirty="0" smtClean="0"/>
           </a:p>
         </p:txBody>
       </p:sp>
@@ -3696,21 +3715,13 @@
           <a:p>
             <a:r>
               <a:rPr lang="en-GB" baseline="0" dirty="0" smtClean="0"/>
-              <a:t>- Prepared </a:t>
-            </a:r>
+              <a:t>- Prepared some slides with info on (in black) and tasks to try (to green)</a:t>
+            </a:r>
+          </a:p>
+          <a:p>
             <a:r>
               <a:rPr lang="en-GB" baseline="0" dirty="0" smtClean="0"/>
-              <a:t>some slides with info on (in black) and tasks to try (to green)</a:t>
-            </a:r>
-          </a:p>
-          <a:p>
-            <a:r>
-              <a:rPr lang="en-GB" baseline="0" dirty="0" smtClean="0"/>
-              <a:t>- You </a:t>
-            </a:r>
-            <a:r>
-              <a:rPr lang="en-GB" baseline="0" dirty="0" smtClean="0"/>
-              <a:t>are in control this is to help you so can ignore slides. Ask questions whenever and you can choose the order</a:t>
+              <a:t>- You are in control this is to help you so can ignore slides. Ask questions whenever and you can choose the order</a:t>
             </a:r>
           </a:p>
           <a:p>
@@ -3722,7 +3733,6 @@
               <a:rPr lang="en-GB" baseline="0" dirty="0" smtClean="0"/>
               <a:t>- Today’s session is scheduled to last for 3 hours</a:t>
             </a:r>
-            <a:endParaRPr lang="en-GB" baseline="0" dirty="0" smtClean="0"/>
           </a:p>
           <a:p>
             <a:pPr marL="0" lvl="0" indent="0">
@@ -4932,7 +4942,6 @@
               <a:rPr lang="en-GB" dirty="0" smtClean="0"/>
               <a:t>The list will be refined as you type more characters.</a:t>
             </a:r>
-            <a:endParaRPr lang="en-GB" dirty="0" smtClean="0"/>
           </a:p>
         </p:txBody>
       </p:sp>
@@ -9957,7 +9966,7 @@
       </p:sp>
       <p:pic>
         <p:nvPicPr>
-          <p:cNvPr id="3074" name="Picture 2"/>
+          <p:cNvPr id="1026" name="Picture 2"/>
           <p:cNvPicPr>
             <a:picLocks noChangeAspect="1" noChangeArrowheads="1"/>
           </p:cNvPicPr>
@@ -9978,8 +9987,8 @@
         </p:blipFill>
         <p:spPr bwMode="auto">
           <a:xfrm>
-            <a:off x="467544" y="1556792"/>
-            <a:ext cx="8136904" cy="4556934"/>
+            <a:off x="647155" y="1556792"/>
+            <a:ext cx="7858125" cy="4448175"/>
           </a:xfrm>
           <a:prstGeom prst="rect">
             <a:avLst/>
@@ -10435,7 +10444,7 @@
       </p:sp>
       <p:pic>
         <p:nvPicPr>
-          <p:cNvPr id="11267" name="Picture 3"/>
+          <p:cNvPr id="2050" name="Picture 2"/>
           <p:cNvPicPr>
             <a:picLocks noChangeAspect="1" noChangeArrowheads="1"/>
           </p:cNvPicPr>
@@ -10456,8 +10465,8 @@
         </p:blipFill>
         <p:spPr bwMode="auto">
           <a:xfrm>
-            <a:off x="1619672" y="1489440"/>
-            <a:ext cx="6048671" cy="4654936"/>
+            <a:off x="2339752" y="1556792"/>
+            <a:ext cx="4740563" cy="4428228"/>
           </a:xfrm>
           <a:prstGeom prst="rect">
             <a:avLst/>
@@ -12726,11 +12735,7 @@
             </a:r>
             <a:r>
               <a:rPr lang="en-GB" sz="2400" dirty="0"/>
-              <a:t>(...)</a:t>
-            </a:r>
-            <a:r>
-              <a:rPr lang="en-GB" sz="2400" dirty="0"/>
-              <a:t> </a:t>
+              <a:t>(...) </a:t>
             </a:r>
             <a:r>
               <a:rPr lang="en-GB" sz="2400" dirty="0" smtClean="0"/>
@@ -15178,7 +15183,7 @@
       </p:sp>
       <p:pic>
         <p:nvPicPr>
-          <p:cNvPr id="25602" name="Picture 2"/>
+          <p:cNvPr id="3074" name="Picture 2"/>
           <p:cNvPicPr>
             <a:picLocks noChangeAspect="1" noChangeArrowheads="1"/>
           </p:cNvPicPr>
@@ -15199,8 +15204,8 @@
         </p:blipFill>
         <p:spPr bwMode="auto">
           <a:xfrm>
-            <a:off x="1547664" y="1556792"/>
-            <a:ext cx="6183037" cy="4429894"/>
+            <a:off x="1619672" y="1628800"/>
+            <a:ext cx="6336704" cy="4477115"/>
           </a:xfrm>
           <a:prstGeom prst="rect">
             <a:avLst/>
@@ -15454,36 +15459,30 @@
               <a:rPr lang="en-GB" dirty="0" smtClean="0">
                 <a:hlinkClick r:id="rId3"/>
               </a:rPr>
-              <a:t>User </a:t>
-            </a:r>
+              <a:t>User Manual</a:t>
+            </a:r>
+          </a:p>
+          <a:p>
+            <a:pPr lvl="1"/>
+            <a:r>
+              <a:rPr lang="en-GB" sz="2000" u="sng" dirty="0">
+                <a:hlinkClick r:id="rId4"/>
+              </a:rPr>
+              <a:t>http://</a:t>
+            </a:r>
+            <a:r>
+              <a:rPr lang="en-GB" sz="2000" u="sng" dirty="0" smtClean="0">
+                <a:hlinkClick r:id="rId4"/>
+              </a:rPr>
+              <a:t>shadow.nd.rl.ac.uk/ibex_user_manual/Home</a:t>
+            </a:r>
+            <a:endParaRPr lang="en-GB" sz="2000" u="sng" dirty="0"/>
+          </a:p>
+          <a:p>
             <a:r>
               <a:rPr lang="en-GB" dirty="0" smtClean="0">
                 <a:hlinkClick r:id="rId3"/>
               </a:rPr>
-              <a:t>Manual</a:t>
-            </a:r>
-          </a:p>
-          <a:p>
-            <a:pPr lvl="1"/>
-            <a:r>
-              <a:rPr lang="en-GB" sz="2000" u="sng" dirty="0">
-                <a:hlinkClick r:id="rId4"/>
-              </a:rPr>
-              <a:t>http://</a:t>
-            </a:r>
-            <a:r>
-              <a:rPr lang="en-GB" sz="2000" u="sng" dirty="0" smtClean="0">
-                <a:hlinkClick r:id="rId4"/>
-              </a:rPr>
-              <a:t>shadow.nd.rl.ac.uk/ibex_user_manual/Home</a:t>
-            </a:r>
-            <a:endParaRPr lang="en-GB" sz="2000" u="sng" dirty="0"/>
-          </a:p>
-          <a:p>
-            <a:r>
-              <a:rPr lang="en-GB" dirty="0" smtClean="0">
-                <a:hlinkClick r:id="rId3"/>
-              </a:rPr>
               <a:t>Course notes</a:t>
             </a:r>
           </a:p>
@@ -15508,13 +15507,7 @@
               <a:rPr lang="en-GB" dirty="0" smtClean="0">
                 <a:hlinkClick r:id="rId6"/>
               </a:rPr>
-              <a:t>Genie </a:t>
-            </a:r>
-            <a:r>
-              <a:rPr lang="en-GB" dirty="0" smtClean="0">
-                <a:hlinkClick r:id="rId6"/>
-              </a:rPr>
-              <a:t>Python Manual</a:t>
+              <a:t>Genie Python Manual</a:t>
             </a:r>
           </a:p>
           <a:p>
@@ -17695,6 +17688,21 @@
 </file>
 
 <file path=customXml/item1.xml><?xml version="1.0" encoding="utf-8"?>
+<?mso-contentType ?>
+<FormTemplates xmlns="http://schemas.microsoft.com/sharepoint/v3/contenttype/forms">
+  <Display>DocumentLibraryForm</Display>
+  <Edit>DocumentLibraryForm</Edit>
+  <New>DocumentLibraryForm</New>
+</FormTemplates>
+</file>
+
+<file path=customXml/item2.xml><?xml version="1.0" encoding="utf-8"?>
+<p:properties xmlns:p="http://schemas.microsoft.com/office/2006/metadata/properties" xmlns:xsi="http://www.w3.org/2001/XMLSchema-instance" xmlns:pc="http://schemas.microsoft.com/office/infopath/2007/PartnerControls">
+  <documentManagement/>
+</p:properties>
+</file>
+
+<file path=customXml/item3.xml><?xml version="1.0" encoding="utf-8"?>
 <ct:contentTypeSchema xmlns:ct="http://schemas.microsoft.com/office/2006/metadata/contentType" xmlns:ma="http://schemas.microsoft.com/office/2006/metadata/properties/metaAttributes" ct:_="" ma:_="" ma:contentTypeName="Document" ma:contentTypeID="0x010100D8BDAAA291872E4C9CBDBAE9DC1F214B" ma:contentTypeVersion="0" ma:contentTypeDescription="Create a new document." ma:contentTypeScope="" ma:versionID="37718d931242bc0231cb88c3dc8184c7">
   <xsd:schema xmlns:xsd="http://www.w3.org/2001/XMLSchema" xmlns:xs="http://www.w3.org/2001/XMLSchema" xmlns:p="http://schemas.microsoft.com/office/2006/metadata/properties" targetNamespace="http://schemas.microsoft.com/office/2006/metadata/properties" ma:root="true" ma:fieldsID="8022916f55ab85163ee9a5069dec31d5">
     <xsd:element name="properties">
@@ -17808,33 +17816,10 @@
 </ct:contentTypeSchema>
 </file>
 
-<file path=customXml/item2.xml><?xml version="1.0" encoding="utf-8"?>
-<p:properties xmlns:p="http://schemas.microsoft.com/office/2006/metadata/properties" xmlns:xsi="http://www.w3.org/2001/XMLSchema-instance" xmlns:pc="http://schemas.microsoft.com/office/infopath/2007/PartnerControls">
-  <documentManagement/>
-</p:properties>
-</file>
-
-<file path=customXml/item3.xml><?xml version="1.0" encoding="utf-8"?>
-<?mso-contentType ?>
-<FormTemplates xmlns="http://schemas.microsoft.com/sharepoint/v3/contenttype/forms">
-  <Display>DocumentLibraryForm</Display>
-  <Edit>DocumentLibraryForm</Edit>
-  <New>DocumentLibraryForm</New>
-</FormTemplates>
-</file>
-
 <file path=customXml/itemProps1.xml><?xml version="1.0" encoding="utf-8"?>
-<ds:datastoreItem xmlns:ds="http://schemas.openxmlformats.org/officeDocument/2006/customXml" ds:itemID="{DD040A56-8D6F-4114-A272-42AE3B7D7ECA}">
+<ds:datastoreItem xmlns:ds="http://schemas.openxmlformats.org/officeDocument/2006/customXml" ds:itemID="{1D176834-956F-4505-BD61-698C091AD5AA}">
   <ds:schemaRefs>
-    <ds:schemaRef ds:uri="http://schemas.microsoft.com/office/2006/metadata/contentType"/>
-    <ds:schemaRef ds:uri="http://schemas.microsoft.com/office/2006/metadata/properties/metaAttributes"/>
-    <ds:schemaRef ds:uri="http://www.w3.org/2001/XMLSchema"/>
-    <ds:schemaRef ds:uri="http://schemas.microsoft.com/office/2006/metadata/properties"/>
-    <ds:schemaRef ds:uri="http://schemas.openxmlformats.org/package/2006/metadata/core-properties"/>
-    <ds:schemaRef ds:uri="http://purl.org/dc/elements/1.1/"/>
-    <ds:schemaRef ds:uri="http://purl.org/dc/terms/"/>
-    <ds:schemaRef ds:uri="http://schemas.microsoft.com/internal/obd"/>
-    <ds:schemaRef ds:uri="http://schemas.microsoft.com/office/infopath/2007/PartnerControls"/>
+    <ds:schemaRef ds:uri="http://schemas.microsoft.com/sharepoint/v3/contenttype/forms"/>
   </ds:schemaRefs>
 </ds:datastoreItem>
 </file>
@@ -17855,9 +17840,17 @@
 </file>
 
 <file path=customXml/itemProps3.xml><?xml version="1.0" encoding="utf-8"?>
-<ds:datastoreItem xmlns:ds="http://schemas.openxmlformats.org/officeDocument/2006/customXml" ds:itemID="{1D176834-956F-4505-BD61-698C091AD5AA}">
+<ds:datastoreItem xmlns:ds="http://schemas.openxmlformats.org/officeDocument/2006/customXml" ds:itemID="{DD040A56-8D6F-4114-A272-42AE3B7D7ECA}">
   <ds:schemaRefs>
-    <ds:schemaRef ds:uri="http://schemas.microsoft.com/sharepoint/v3/contenttype/forms"/>
+    <ds:schemaRef ds:uri="http://schemas.microsoft.com/office/2006/metadata/contentType"/>
+    <ds:schemaRef ds:uri="http://schemas.microsoft.com/office/2006/metadata/properties/metaAttributes"/>
+    <ds:schemaRef ds:uri="http://www.w3.org/2001/XMLSchema"/>
+    <ds:schemaRef ds:uri="http://schemas.microsoft.com/office/2006/metadata/properties"/>
+    <ds:schemaRef ds:uri="http://schemas.openxmlformats.org/package/2006/metadata/core-properties"/>
+    <ds:schemaRef ds:uri="http://purl.org/dc/elements/1.1/"/>
+    <ds:schemaRef ds:uri="http://purl.org/dc/terms/"/>
+    <ds:schemaRef ds:uri="http://schemas.microsoft.com/internal/obd"/>
+    <ds:schemaRef ds:uri="http://schemas.microsoft.com/office/infopath/2007/PartnerControls"/>
   </ds:schemaRefs>
 </ds:datastoreItem>
 </file>
--- a/genie_python_and_ibex/genie_python_and_ibex.pptx
+++ b/genie_python_and_ibex/genie_python_and_ibex.pptx
@@ -256,7 +256,7 @@
           <a:p>
             <a:fld id="{0DA9C53C-B82A-4351-B1EF-A4391C7B86A2}" type="datetimeFigureOut">
               <a:rPr lang="en-GB" smtClean="0"/>
-              <a:t>03/07/2017</a:t>
+              <a:t>10/07/2017</a:t>
             </a:fld>
             <a:endParaRPr lang="en-GB" dirty="0"/>
           </a:p>
@@ -1631,11 +1631,7 @@
             </a:r>
             <a:r>
               <a:rPr lang="en-GB" dirty="0" smtClean="0"/>
-              <a:t> in </a:t>
-            </a:r>
-            <a:r>
-              <a:rPr lang="en-GB" dirty="0" smtClean="0"/>
-              <a:t>range(</a:t>
+              <a:t> in range(</a:t>
             </a:r>
             <a:r>
               <a:rPr lang="en-GB" dirty="0" err="1" smtClean="0"/>
@@ -1651,15 +1647,7 @@
             </a:r>
             <a:r>
               <a:rPr lang="en-GB" dirty="0" smtClean="0"/>
-              <a:t>("MY_BLOCK")['value</a:t>
-            </a:r>
-            <a:r>
-              <a:rPr lang="en-GB" dirty="0" smtClean="0"/>
-              <a:t>']), </a:t>
-            </a:r>
-            <a:r>
-              <a:rPr lang="en-GB" dirty="0" smtClean="0"/>
-              <a:t>4, -1): </a:t>
+              <a:t>("MY_BLOCK")['value']), 4, -1): </a:t>
             </a:r>
           </a:p>
           <a:p>
@@ -5369,7 +5357,19 @@
             </a:pPr>
             <a:r>
               <a:rPr lang="en-GB" dirty="0" smtClean="0"/>
-              <a:t>Named arguments will be interpreted in the order of the function definition. Un-named arguments can be in any order. So ``</a:t>
+              <a:t>Un-named </a:t>
+            </a:r>
+            <a:r>
+              <a:rPr lang="en-GB" dirty="0" smtClean="0"/>
+              <a:t>arguments will be interpreted in the order of the function definition. </a:t>
+            </a:r>
+            <a:r>
+              <a:rPr lang="en-GB" dirty="0" smtClean="0"/>
+              <a:t>Named </a:t>
+            </a:r>
+            <a:r>
+              <a:rPr lang="en-GB" dirty="0" smtClean="0"/>
+              <a:t>arguments can be in any order. So ``</a:t>
             </a:r>
             <a:r>
               <a:rPr lang="en-GB" dirty="0" err="1" smtClean="0"/>
@@ -5477,13 +5477,9 @@
             </a:r>
             <a:r>
               <a:rPr lang="en-GB" baseline="0" dirty="0" smtClean="0"/>
-              <a:t> would pick the first if I never want verbose output, I would choose the latter if I sometimes wanted verbose output and wanted to make my choice explicit. I would use the final syntax if the script was being read/modified by a novice user unfamiliar with what the argument is likely </a:t>
-            </a:r>
-            <a:r>
-              <a:rPr lang="en-GB" baseline="0" smtClean="0"/>
-              <a:t>to mean</a:t>
-            </a:r>
-            <a:endParaRPr lang="en-GB" smtClean="0"/>
+              <a:t> would pick the first if I never want verbose output, I would choose the latter if I sometimes wanted verbose output and wanted to make my choice explicit. I would use the final syntax if the script was being read/modified by a novice user unfamiliar with what the argument is likely to mean</a:t>
+            </a:r>
+            <a:endParaRPr lang="en-GB" dirty="0" smtClean="0"/>
           </a:p>
         </p:txBody>
       </p:sp>
@@ -6051,7 +6047,7 @@
               <a:pPr>
                 <a:defRPr/>
               </a:pPr>
-              <a:t>03/07/2017</a:t>
+              <a:t>10/07/2017</a:t>
             </a:fld>
             <a:endParaRPr lang="en-GB" dirty="0"/>
           </a:p>
@@ -6248,7 +6244,7 @@
               <a:pPr>
                 <a:defRPr/>
               </a:pPr>
-              <a:t>03/07/2017</a:t>
+              <a:t>10/07/2017</a:t>
             </a:fld>
             <a:endParaRPr lang="en-GB" dirty="0"/>
           </a:p>
@@ -6455,7 +6451,7 @@
               <a:pPr>
                 <a:defRPr/>
               </a:pPr>
-              <a:t>03/07/2017</a:t>
+              <a:t>10/07/2017</a:t>
             </a:fld>
             <a:endParaRPr lang="en-GB" dirty="0"/>
           </a:p>
@@ -6652,7 +6648,7 @@
               <a:pPr>
                 <a:defRPr/>
               </a:pPr>
-              <a:t>03/07/2017</a:t>
+              <a:t>10/07/2017</a:t>
             </a:fld>
             <a:endParaRPr lang="en-GB" dirty="0"/>
           </a:p>
@@ -6925,7 +6921,7 @@
               <a:pPr>
                 <a:defRPr/>
               </a:pPr>
-              <a:t>03/07/2017</a:t>
+              <a:t>10/07/2017</a:t>
             </a:fld>
             <a:endParaRPr lang="en-GB" dirty="0"/>
           </a:p>
@@ -7240,7 +7236,7 @@
               <a:pPr>
                 <a:defRPr/>
               </a:pPr>
-              <a:t>03/07/2017</a:t>
+              <a:t>10/07/2017</a:t>
             </a:fld>
             <a:endParaRPr lang="en-GB" dirty="0"/>
           </a:p>
@@ -7689,7 +7685,7 @@
               <a:pPr>
                 <a:defRPr/>
               </a:pPr>
-              <a:t>03/07/2017</a:t>
+              <a:t>10/07/2017</a:t>
             </a:fld>
             <a:endParaRPr lang="en-GB" dirty="0"/>
           </a:p>
@@ -7834,7 +7830,7 @@
               <a:pPr>
                 <a:defRPr/>
               </a:pPr>
-              <a:t>03/07/2017</a:t>
+              <a:t>10/07/2017</a:t>
             </a:fld>
             <a:endParaRPr lang="en-GB" dirty="0"/>
           </a:p>
@@ -7956,7 +7952,7 @@
               <a:pPr>
                 <a:defRPr/>
               </a:pPr>
-              <a:t>03/07/2017</a:t>
+              <a:t>10/07/2017</a:t>
             </a:fld>
             <a:endParaRPr lang="en-GB" dirty="0"/>
           </a:p>
@@ -8260,7 +8256,7 @@
               <a:pPr>
                 <a:defRPr/>
               </a:pPr>
-              <a:t>03/07/2017</a:t>
+              <a:t>10/07/2017</a:t>
             </a:fld>
             <a:endParaRPr lang="en-GB" dirty="0"/>
           </a:p>
@@ -8543,7 +8539,7 @@
               <a:pPr>
                 <a:defRPr/>
               </a:pPr>
-              <a:t>03/07/2017</a:t>
+              <a:t>10/07/2017</a:t>
             </a:fld>
             <a:endParaRPr lang="en-GB" dirty="0"/>
           </a:p>
@@ -8838,7 +8834,7 @@
               <a:pPr>
                 <a:defRPr/>
               </a:pPr>
-              <a:t>03/07/2017</a:t>
+              <a:t>10/07/2017</a:t>
             </a:fld>
             <a:endParaRPr lang="en-GB" dirty="0"/>
           </a:p>
@@ -9966,7 +9962,7 @@
       </p:sp>
       <p:pic>
         <p:nvPicPr>
-          <p:cNvPr id="1026" name="Picture 2"/>
+          <p:cNvPr id="3" name="Picture 2"/>
           <p:cNvPicPr>
             <a:picLocks noChangeAspect="1" noChangeArrowheads="1"/>
           </p:cNvPicPr>
@@ -9987,8 +9983,8 @@
         </p:blipFill>
         <p:spPr bwMode="auto">
           <a:xfrm>
-            <a:off x="647155" y="1556792"/>
-            <a:ext cx="7858125" cy="4448175"/>
+            <a:off x="683568" y="1556792"/>
+            <a:ext cx="7972425" cy="4581525"/>
           </a:xfrm>
           <a:prstGeom prst="rect">
             <a:avLst/>
@@ -17688,21 +17684,6 @@
 </file>
 
 <file path=customXml/item1.xml><?xml version="1.0" encoding="utf-8"?>
-<?mso-contentType ?>
-<FormTemplates xmlns="http://schemas.microsoft.com/sharepoint/v3/contenttype/forms">
-  <Display>DocumentLibraryForm</Display>
-  <Edit>DocumentLibraryForm</Edit>
-  <New>DocumentLibraryForm</New>
-</FormTemplates>
-</file>
-
-<file path=customXml/item2.xml><?xml version="1.0" encoding="utf-8"?>
-<p:properties xmlns:p="http://schemas.microsoft.com/office/2006/metadata/properties" xmlns:xsi="http://www.w3.org/2001/XMLSchema-instance" xmlns:pc="http://schemas.microsoft.com/office/infopath/2007/PartnerControls">
-  <documentManagement/>
-</p:properties>
-</file>
-
-<file path=customXml/item3.xml><?xml version="1.0" encoding="utf-8"?>
 <ct:contentTypeSchema xmlns:ct="http://schemas.microsoft.com/office/2006/metadata/contentType" xmlns:ma="http://schemas.microsoft.com/office/2006/metadata/properties/metaAttributes" ct:_="" ma:_="" ma:contentTypeName="Document" ma:contentTypeID="0x010100D8BDAAA291872E4C9CBDBAE9DC1F214B" ma:contentTypeVersion="0" ma:contentTypeDescription="Create a new document." ma:contentTypeScope="" ma:versionID="37718d931242bc0231cb88c3dc8184c7">
   <xsd:schema xmlns:xsd="http://www.w3.org/2001/XMLSchema" xmlns:xs="http://www.w3.org/2001/XMLSchema" xmlns:p="http://schemas.microsoft.com/office/2006/metadata/properties" targetNamespace="http://schemas.microsoft.com/office/2006/metadata/properties" ma:root="true" ma:fieldsID="8022916f55ab85163ee9a5069dec31d5">
     <xsd:element name="properties">
@@ -17816,10 +17797,33 @@
 </ct:contentTypeSchema>
 </file>
 
+<file path=customXml/item2.xml><?xml version="1.0" encoding="utf-8"?>
+<p:properties xmlns:p="http://schemas.microsoft.com/office/2006/metadata/properties" xmlns:xsi="http://www.w3.org/2001/XMLSchema-instance" xmlns:pc="http://schemas.microsoft.com/office/infopath/2007/PartnerControls">
+  <documentManagement/>
+</p:properties>
+</file>
+
+<file path=customXml/item3.xml><?xml version="1.0" encoding="utf-8"?>
+<?mso-contentType ?>
+<FormTemplates xmlns="http://schemas.microsoft.com/sharepoint/v3/contenttype/forms">
+  <Display>DocumentLibraryForm</Display>
+  <Edit>DocumentLibraryForm</Edit>
+  <New>DocumentLibraryForm</New>
+</FormTemplates>
+</file>
+
 <file path=customXml/itemProps1.xml><?xml version="1.0" encoding="utf-8"?>
-<ds:datastoreItem xmlns:ds="http://schemas.openxmlformats.org/officeDocument/2006/customXml" ds:itemID="{1D176834-956F-4505-BD61-698C091AD5AA}">
+<ds:datastoreItem xmlns:ds="http://schemas.openxmlformats.org/officeDocument/2006/customXml" ds:itemID="{DD040A56-8D6F-4114-A272-42AE3B7D7ECA}">
   <ds:schemaRefs>
-    <ds:schemaRef ds:uri="http://schemas.microsoft.com/sharepoint/v3/contenttype/forms"/>
+    <ds:schemaRef ds:uri="http://schemas.microsoft.com/office/2006/metadata/contentType"/>
+    <ds:schemaRef ds:uri="http://schemas.microsoft.com/office/2006/metadata/properties/metaAttributes"/>
+    <ds:schemaRef ds:uri="http://www.w3.org/2001/XMLSchema"/>
+    <ds:schemaRef ds:uri="http://schemas.microsoft.com/office/2006/metadata/properties"/>
+    <ds:schemaRef ds:uri="http://schemas.openxmlformats.org/package/2006/metadata/core-properties"/>
+    <ds:schemaRef ds:uri="http://purl.org/dc/elements/1.1/"/>
+    <ds:schemaRef ds:uri="http://purl.org/dc/terms/"/>
+    <ds:schemaRef ds:uri="http://schemas.microsoft.com/internal/obd"/>
+    <ds:schemaRef ds:uri="http://schemas.microsoft.com/office/infopath/2007/PartnerControls"/>
   </ds:schemaRefs>
 </ds:datastoreItem>
 </file>
@@ -17840,17 +17844,9 @@
 </file>
 
 <file path=customXml/itemProps3.xml><?xml version="1.0" encoding="utf-8"?>
-<ds:datastoreItem xmlns:ds="http://schemas.openxmlformats.org/officeDocument/2006/customXml" ds:itemID="{DD040A56-8D6F-4114-A272-42AE3B7D7ECA}">
+<ds:datastoreItem xmlns:ds="http://schemas.openxmlformats.org/officeDocument/2006/customXml" ds:itemID="{1D176834-956F-4505-BD61-698C091AD5AA}">
   <ds:schemaRefs>
-    <ds:schemaRef ds:uri="http://schemas.microsoft.com/office/2006/metadata/contentType"/>
-    <ds:schemaRef ds:uri="http://schemas.microsoft.com/office/2006/metadata/properties/metaAttributes"/>
-    <ds:schemaRef ds:uri="http://www.w3.org/2001/XMLSchema"/>
-    <ds:schemaRef ds:uri="http://schemas.microsoft.com/office/2006/metadata/properties"/>
-    <ds:schemaRef ds:uri="http://schemas.openxmlformats.org/package/2006/metadata/core-properties"/>
-    <ds:schemaRef ds:uri="http://purl.org/dc/elements/1.1/"/>
-    <ds:schemaRef ds:uri="http://purl.org/dc/terms/"/>
-    <ds:schemaRef ds:uri="http://schemas.microsoft.com/internal/obd"/>
-    <ds:schemaRef ds:uri="http://schemas.microsoft.com/office/infopath/2007/PartnerControls"/>
+    <ds:schemaRef ds:uri="http://schemas.microsoft.com/sharepoint/v3/contenttype/forms"/>
   </ds:schemaRefs>
 </ds:datastoreItem>
 </file>
--- a/genie_python_and_ibex/genie_python_and_ibex.pptx
+++ b/genie_python_and_ibex/genie_python_and_ibex.pptx
@@ -5,7 +5,7 @@
     <p:sldMasterId id="2147483648" r:id="rId4"/>
   </p:sldMasterIdLst>
   <p:notesMasterIdLst>
-    <p:notesMasterId r:id="rId40"/>
+    <p:notesMasterId r:id="rId38"/>
   </p:notesMasterIdLst>
   <p:sldIdLst>
     <p:sldId id="299" r:id="rId5"/>
@@ -17,32 +17,30 @@
     <p:sldId id="301" r:id="rId11"/>
     <p:sldId id="302" r:id="rId12"/>
     <p:sldId id="303" r:id="rId13"/>
-    <p:sldId id="304" r:id="rId14"/>
-    <p:sldId id="305" r:id="rId15"/>
-    <p:sldId id="306" r:id="rId16"/>
-    <p:sldId id="307" r:id="rId17"/>
-    <p:sldId id="308" r:id="rId18"/>
-    <p:sldId id="309" r:id="rId19"/>
-    <p:sldId id="310" r:id="rId20"/>
-    <p:sldId id="311" r:id="rId21"/>
-    <p:sldId id="312" r:id="rId22"/>
-    <p:sldId id="313" r:id="rId23"/>
-    <p:sldId id="314" r:id="rId24"/>
-    <p:sldId id="315" r:id="rId25"/>
-    <p:sldId id="316" r:id="rId26"/>
-    <p:sldId id="317" r:id="rId27"/>
-    <p:sldId id="318" r:id="rId28"/>
-    <p:sldId id="319" r:id="rId29"/>
-    <p:sldId id="321" r:id="rId30"/>
-    <p:sldId id="322" r:id="rId31"/>
-    <p:sldId id="323" r:id="rId32"/>
-    <p:sldId id="324" r:id="rId33"/>
-    <p:sldId id="325" r:id="rId34"/>
-    <p:sldId id="326" r:id="rId35"/>
-    <p:sldId id="327" r:id="rId36"/>
-    <p:sldId id="328" r:id="rId37"/>
-    <p:sldId id="272" r:id="rId38"/>
-    <p:sldId id="274" r:id="rId39"/>
+    <p:sldId id="305" r:id="rId14"/>
+    <p:sldId id="306" r:id="rId15"/>
+    <p:sldId id="307" r:id="rId16"/>
+    <p:sldId id="308" r:id="rId17"/>
+    <p:sldId id="309" r:id="rId18"/>
+    <p:sldId id="310" r:id="rId19"/>
+    <p:sldId id="311" r:id="rId20"/>
+    <p:sldId id="312" r:id="rId21"/>
+    <p:sldId id="313" r:id="rId22"/>
+    <p:sldId id="314" r:id="rId23"/>
+    <p:sldId id="315" r:id="rId24"/>
+    <p:sldId id="316" r:id="rId25"/>
+    <p:sldId id="317" r:id="rId26"/>
+    <p:sldId id="318" r:id="rId27"/>
+    <p:sldId id="319" r:id="rId28"/>
+    <p:sldId id="321" r:id="rId29"/>
+    <p:sldId id="322" r:id="rId30"/>
+    <p:sldId id="323" r:id="rId31"/>
+    <p:sldId id="324" r:id="rId32"/>
+    <p:sldId id="325" r:id="rId33"/>
+    <p:sldId id="326" r:id="rId34"/>
+    <p:sldId id="327" r:id="rId35"/>
+    <p:sldId id="328" r:id="rId36"/>
+    <p:sldId id="272" r:id="rId37"/>
   </p:sldIdLst>
   <p:sldSz cx="9144000" cy="6858000" type="screen4x3"/>
   <p:notesSz cx="6858000" cy="9144000"/>
@@ -256,7 +254,7 @@
           <a:p>
             <a:fld id="{0DA9C53C-B82A-4351-B1EF-A4391C7B86A2}" type="datetimeFigureOut">
               <a:rPr lang="en-GB" smtClean="0"/>
-              <a:t>10/07/2017</a:t>
+              <a:t>18/07/2017</a:t>
             </a:fld>
             <a:endParaRPr lang="en-GB" dirty="0"/>
           </a:p>
@@ -740,10 +738,36 @@
           <a:bodyPr/>
           <a:lstStyle/>
           <a:p>
-            <a:pPr marL="0" indent="0">
+            <a:pPr marL="171450" indent="-171450">
               <a:buFontTx/>
-              <a:buNone/>
-            </a:pPr>
+              <a:buChar char="-"/>
+            </a:pPr>
+            <a:r>
+              <a:rPr lang="en-GB" dirty="0" smtClean="0"/>
+              <a:t>Get the attendees</a:t>
+            </a:r>
+            <a:r>
+              <a:rPr lang="en-GB" baseline="0" dirty="0" smtClean="0"/>
+              <a:t> to put the script in via the terminal</a:t>
+            </a:r>
+          </a:p>
+          <a:p>
+            <a:pPr marL="171450" indent="-171450">
+              <a:buFontTx/>
+              <a:buChar char="-"/>
+            </a:pPr>
+            <a:r>
+              <a:rPr lang="en-GB" baseline="0" dirty="0" smtClean="0"/>
+              <a:t>They’ll need to put something token in place of </a:t>
+            </a:r>
+            <a:r>
+              <a:rPr lang="en-GB" baseline="0" dirty="0" err="1" smtClean="0"/>
+              <a:t>do_experimental_stuff</a:t>
+            </a:r>
+            <a:r>
+              <a:rPr lang="en-GB" baseline="0" dirty="0" smtClean="0"/>
+              <a:t>()</a:t>
+            </a:r>
             <a:endParaRPr lang="en-GB" dirty="0" smtClean="0"/>
           </a:p>
         </p:txBody>
@@ -832,32 +856,6 @@
               <a:buFontTx/>
               <a:buChar char="-"/>
             </a:pPr>
-            <a:r>
-              <a:rPr lang="en-GB" dirty="0" smtClean="0"/>
-              <a:t>Get the attendees</a:t>
-            </a:r>
-            <a:r>
-              <a:rPr lang="en-GB" baseline="0" dirty="0" smtClean="0"/>
-              <a:t> to put the script in via the terminal</a:t>
-            </a:r>
-          </a:p>
-          <a:p>
-            <a:pPr marL="171450" indent="-171450">
-              <a:buFontTx/>
-              <a:buChar char="-"/>
-            </a:pPr>
-            <a:r>
-              <a:rPr lang="en-GB" baseline="0" dirty="0" smtClean="0"/>
-              <a:t>They’ll need to put something token in place of </a:t>
-            </a:r>
-            <a:r>
-              <a:rPr lang="en-GB" baseline="0" dirty="0" err="1" smtClean="0"/>
-              <a:t>do_experimental_stuff</a:t>
-            </a:r>
-            <a:r>
-              <a:rPr lang="en-GB" baseline="0" dirty="0" smtClean="0"/>
-              <a:t>()</a:t>
-            </a:r>
             <a:endParaRPr lang="en-GB" dirty="0" smtClean="0"/>
           </a:p>
         </p:txBody>
@@ -946,6 +944,32 @@
               <a:buFontTx/>
               <a:buChar char="-"/>
             </a:pPr>
+            <a:r>
+              <a:rPr lang="en-GB" dirty="0" smtClean="0"/>
+              <a:t>Get the attendees</a:t>
+            </a:r>
+            <a:r>
+              <a:rPr lang="en-GB" baseline="0" dirty="0" smtClean="0"/>
+              <a:t> to put the script in via the terminal</a:t>
+            </a:r>
+          </a:p>
+          <a:p>
+            <a:pPr marL="171450" indent="-171450">
+              <a:buFontTx/>
+              <a:buChar char="-"/>
+            </a:pPr>
+            <a:r>
+              <a:rPr lang="en-GB" baseline="0" dirty="0" smtClean="0"/>
+              <a:t>They’ll need to put something token in place of </a:t>
+            </a:r>
+            <a:r>
+              <a:rPr lang="en-GB" baseline="0" dirty="0" err="1" smtClean="0"/>
+              <a:t>do_experimental_stuff</a:t>
+            </a:r>
+            <a:r>
+              <a:rPr lang="en-GB" baseline="0" dirty="0" smtClean="0"/>
+              <a:t>()</a:t>
+            </a:r>
             <a:endParaRPr lang="en-GB" dirty="0" smtClean="0"/>
           </a:p>
         </p:txBody>
@@ -1034,32 +1058,6 @@
               <a:buFontTx/>
               <a:buChar char="-"/>
             </a:pPr>
-            <a:r>
-              <a:rPr lang="en-GB" dirty="0" smtClean="0"/>
-              <a:t>Get the attendees</a:t>
-            </a:r>
-            <a:r>
-              <a:rPr lang="en-GB" baseline="0" dirty="0" smtClean="0"/>
-              <a:t> to put the script in via the terminal</a:t>
-            </a:r>
-          </a:p>
-          <a:p>
-            <a:pPr marL="171450" indent="-171450">
-              <a:buFontTx/>
-              <a:buChar char="-"/>
-            </a:pPr>
-            <a:r>
-              <a:rPr lang="en-GB" baseline="0" dirty="0" smtClean="0"/>
-              <a:t>They’ll need to put something token in place of </a:t>
-            </a:r>
-            <a:r>
-              <a:rPr lang="en-GB" baseline="0" dirty="0" err="1" smtClean="0"/>
-              <a:t>do_experimental_stuff</a:t>
-            </a:r>
-            <a:r>
-              <a:rPr lang="en-GB" baseline="0" dirty="0" smtClean="0"/>
-              <a:t>()</a:t>
-            </a:r>
             <a:endParaRPr lang="en-GB" dirty="0" smtClean="0"/>
           </a:p>
         </p:txBody>
@@ -1148,6 +1146,22 @@
               <a:buFontTx/>
               <a:buChar char="-"/>
             </a:pPr>
+            <a:r>
+              <a:rPr lang="en-GB" dirty="0" smtClean="0"/>
+              <a:t>Use auto-complete or </a:t>
+            </a:r>
+            <a:r>
+              <a:rPr lang="en-GB" dirty="0" err="1" smtClean="0"/>
+              <a:t>genie_python</a:t>
+            </a:r>
+            <a:r>
+              <a:rPr lang="en-GB" dirty="0" smtClean="0"/>
+              <a:t> reference manual to look up</a:t>
+            </a:r>
+            <a:r>
+              <a:rPr lang="en-GB" baseline="0" dirty="0" smtClean="0"/>
+              <a:t> change commands</a:t>
+            </a:r>
             <a:endParaRPr lang="en-GB" dirty="0" smtClean="0"/>
           </a:p>
         </p:txBody>
@@ -1232,27 +1246,436 @@
           <a:bodyPr/>
           <a:lstStyle/>
           <a:p>
-            <a:pPr marL="171450" indent="-171450">
+            <a:pPr marL="0" indent="0">
               <a:buFontTx/>
-              <a:buChar char="-"/>
-            </a:pPr>
-            <a:r>
-              <a:rPr lang="en-GB" dirty="0" smtClean="0"/>
-              <a:t>Use auto-complete or </a:t>
-            </a:r>
+              <a:buNone/>
+            </a:pPr>
+            <a:r>
+              <a:rPr lang="en-GB" sz="1200" b="0" i="0" kern="1200" dirty="0" err="1" smtClean="0">
+                <a:solidFill>
+                  <a:schemeClr val="tx1"/>
+                </a:solidFill>
+                <a:effectLst/>
+                <a:latin typeface="+mn-lt"/>
+                <a:ea typeface="+mn-ea"/>
+                <a:cs typeface="+mn-cs"/>
+              </a:rPr>
+              <a:t>g.change_title</a:t>
+            </a:r>
+            <a:r>
+              <a:rPr lang="en-GB" sz="1200" b="0" i="0" kern="1200" dirty="0" smtClean="0">
+                <a:solidFill>
+                  <a:schemeClr val="tx1"/>
+                </a:solidFill>
+                <a:effectLst/>
+                <a:latin typeface="+mn-lt"/>
+                <a:ea typeface="+mn-ea"/>
+                <a:cs typeface="+mn-cs"/>
+              </a:rPr>
+              <a:t>("Exercise 2")</a:t>
+            </a:r>
+          </a:p>
+          <a:p>
+            <a:pPr marL="0" indent="0">
+              <a:buFontTx/>
+              <a:buNone/>
+            </a:pPr>
+            <a:endParaRPr lang="en-GB" sz="1200" b="0" i="0" kern="1200" dirty="0" smtClean="0">
+              <a:solidFill>
+                <a:schemeClr val="tx1"/>
+              </a:solidFill>
+              <a:effectLst/>
+              <a:latin typeface="+mn-lt"/>
+              <a:ea typeface="+mn-ea"/>
+              <a:cs typeface="+mn-cs"/>
+            </a:endParaRPr>
+          </a:p>
+          <a:p>
+            <a:pPr marL="0" indent="0">
+              <a:buFontTx/>
+              <a:buNone/>
+            </a:pPr>
             <a:r>
               <a:rPr lang="en-GB" dirty="0" err="1" smtClean="0"/>
-              <a:t>genie_python</a:t>
-            </a:r>
-            <a:r>
-              <a:rPr lang="en-GB" dirty="0" smtClean="0"/>
-              <a:t> reference manual to look up</a:t>
+              <a:t>g.begin</a:t>
+            </a:r>
+            <a:r>
+              <a:rPr lang="en-GB" dirty="0" smtClean="0"/>
+              <a:t>() </a:t>
+            </a:r>
+          </a:p>
+          <a:p>
+            <a:pPr marL="0" indent="0">
+              <a:buFontTx/>
+              <a:buNone/>
+            </a:pPr>
+            <a:r>
+              <a:rPr lang="en-GB" dirty="0" err="1" smtClean="0"/>
+              <a:t>g.waitfor</a:t>
+            </a:r>
+            <a:r>
+              <a:rPr lang="en-GB" dirty="0" smtClean="0"/>
+              <a:t>(</a:t>
+            </a:r>
+            <a:r>
+              <a:rPr lang="en-GB" dirty="0" err="1" smtClean="0"/>
+              <a:t>uamps</a:t>
+            </a:r>
+            <a:r>
+              <a:rPr lang="en-GB" dirty="0" smtClean="0"/>
+              <a:t>=1, </a:t>
+            </a:r>
+            <a:r>
+              <a:rPr lang="en-GB" dirty="0" err="1" smtClean="0"/>
+              <a:t>max_wait</a:t>
+            </a:r>
+            <a:r>
+              <a:rPr lang="en-GB" dirty="0" smtClean="0"/>
+              <a:t>=10) </a:t>
+            </a:r>
+          </a:p>
+          <a:p>
+            <a:pPr marL="0" indent="0">
+              <a:buFontTx/>
+              <a:buNone/>
+            </a:pPr>
+            <a:r>
+              <a:rPr lang="en-GB" dirty="0" err="1" smtClean="0"/>
+              <a:t>g.pause</a:t>
+            </a:r>
+            <a:r>
+              <a:rPr lang="en-GB" dirty="0" smtClean="0"/>
+              <a:t>()</a:t>
+            </a:r>
+          </a:p>
+          <a:p>
+            <a:pPr marL="0" indent="0">
+              <a:buFontTx/>
+              <a:buNone/>
+            </a:pPr>
+            <a:endParaRPr lang="en-GB" dirty="0" smtClean="0"/>
+          </a:p>
+          <a:p>
+            <a:pPr marL="0" indent="0">
+              <a:buFontTx/>
+              <a:buNone/>
+            </a:pPr>
+            <a:r>
+              <a:rPr lang="en-GB" dirty="0" err="1" smtClean="0"/>
+              <a:t>g.cset</a:t>
+            </a:r>
+            <a:r>
+              <a:rPr lang="en-GB" dirty="0" smtClean="0"/>
+              <a:t>("MY_BLOCK", 5, </a:t>
+            </a:r>
+            <a:r>
+              <a:rPr lang="en-GB" dirty="0" err="1" smtClean="0"/>
+              <a:t>lowlimit</a:t>
+            </a:r>
+            <a:r>
+              <a:rPr lang="en-GB" dirty="0" smtClean="0"/>
+              <a:t>=1, </a:t>
+            </a:r>
+            <a:r>
+              <a:rPr lang="en-GB" dirty="0" err="1" smtClean="0"/>
+              <a:t>highlimit</a:t>
+            </a:r>
+            <a:r>
+              <a:rPr lang="en-GB" dirty="0" smtClean="0"/>
+              <a:t>=10, </a:t>
+            </a:r>
+            <a:r>
+              <a:rPr lang="en-GB" dirty="0" err="1" smtClean="0"/>
+              <a:t>runcontrol</a:t>
+            </a:r>
+            <a:r>
+              <a:rPr lang="en-GB" dirty="0" smtClean="0"/>
+              <a:t>=True)</a:t>
+            </a:r>
+          </a:p>
+          <a:p>
+            <a:pPr marL="0" indent="0">
+              <a:buFontTx/>
+              <a:buNone/>
+            </a:pPr>
+            <a:endParaRPr lang="en-GB" dirty="0" smtClean="0"/>
+          </a:p>
+          <a:p>
+            <a:pPr marL="0" indent="0">
+              <a:buFontTx/>
+              <a:buNone/>
+            </a:pPr>
+            <a:r>
+              <a:rPr lang="en-GB" dirty="0" err="1" smtClean="0"/>
+              <a:t>g.resume</a:t>
+            </a:r>
+            <a:r>
+              <a:rPr lang="en-GB" dirty="0" smtClean="0"/>
+              <a:t>()</a:t>
+            </a:r>
+          </a:p>
+          <a:p>
+            <a:pPr marL="0" indent="0">
+              <a:buFontTx/>
+              <a:buNone/>
+            </a:pPr>
+            <a:endParaRPr lang="en-GB" dirty="0" smtClean="0"/>
+          </a:p>
+          <a:p>
+            <a:pPr marL="0" indent="0">
+              <a:buFontTx/>
+              <a:buNone/>
+            </a:pPr>
+            <a:r>
+              <a:rPr lang="en-GB" dirty="0" err="1" smtClean="0"/>
+              <a:t>g.cset</a:t>
+            </a:r>
+            <a:r>
+              <a:rPr lang="en-GB" dirty="0" smtClean="0"/>
+              <a:t>(MY_BLOCK=20) </a:t>
+            </a:r>
+          </a:p>
+          <a:p>
+            <a:pPr marL="0" indent="0">
+              <a:buFontTx/>
+              <a:buNone/>
+            </a:pPr>
+            <a:endParaRPr lang="en-GB" dirty="0" smtClean="0"/>
+          </a:p>
+          <a:p>
+            <a:pPr marL="0" marR="0" indent="0" algn="l" defTabSz="914400" rtl="0" eaLnBrk="1" fontAlgn="auto" latinLnBrk="0" hangingPunct="1">
+              <a:lnSpc>
+                <a:spcPct val="100000"/>
+              </a:lnSpc>
+              <a:spcBef>
+                <a:spcPts val="0"/>
+              </a:spcBef>
+              <a:spcAft>
+                <a:spcPts val="0"/>
+              </a:spcAft>
+              <a:buClrTx/>
+              <a:buSzTx/>
+              <a:buFontTx/>
+              <a:buNone/>
+              <a:tabLst/>
+              <a:defRPr/>
+            </a:pPr>
+            <a:r>
+              <a:rPr lang="en-GB" dirty="0" smtClean="0"/>
+              <a:t>print</a:t>
             </a:r>
             <a:r>
               <a:rPr lang="en-GB" baseline="0" dirty="0" smtClean="0"/>
-              <a:t> change commands</a:t>
-            </a:r>
+              <a:t> </a:t>
+            </a:r>
+            <a:r>
+              <a:rPr lang="en-GB" dirty="0" smtClean="0"/>
+              <a:t>"The instrument {0} </a:t>
+            </a:r>
+            <a:r>
+              <a:rPr lang="en-GB" dirty="0" err="1" smtClean="0"/>
+              <a:t>waiting“.format</a:t>
+            </a:r>
+            <a:r>
+              <a:rPr lang="en-GB" dirty="0" smtClean="0"/>
+              <a:t>(“is” if </a:t>
+            </a:r>
+            <a:r>
+              <a:rPr lang="en-GB" dirty="0" err="1" smtClean="0"/>
+              <a:t>g.get_runstate</a:t>
+            </a:r>
+            <a:r>
+              <a:rPr lang="en-GB" dirty="0" smtClean="0"/>
+              <a:t>()=="WAITING“</a:t>
+            </a:r>
+            <a:r>
+              <a:rPr lang="en-GB" baseline="0" dirty="0" smtClean="0"/>
+              <a:t> else “is not”)</a:t>
+            </a:r>
+          </a:p>
+          <a:p>
+            <a:pPr marL="0" marR="0" indent="0" algn="l" defTabSz="914400" rtl="0" eaLnBrk="1" fontAlgn="auto" latinLnBrk="0" hangingPunct="1">
+              <a:lnSpc>
+                <a:spcPct val="100000"/>
+              </a:lnSpc>
+              <a:spcBef>
+                <a:spcPts val="0"/>
+              </a:spcBef>
+              <a:spcAft>
+                <a:spcPts val="0"/>
+              </a:spcAft>
+              <a:buClrTx/>
+              <a:buSzTx/>
+              <a:buFontTx/>
+              <a:buNone/>
+              <a:tabLst/>
+              <a:defRPr/>
+            </a:pPr>
+            <a:endParaRPr lang="en-GB" baseline="0" dirty="0" smtClean="0"/>
+          </a:p>
+          <a:p>
+            <a:pPr marL="0" marR="0" indent="0" algn="l" defTabSz="914400" rtl="0" eaLnBrk="1" fontAlgn="auto" latinLnBrk="0" hangingPunct="1">
+              <a:lnSpc>
+                <a:spcPct val="100000"/>
+              </a:lnSpc>
+              <a:spcBef>
+                <a:spcPts val="0"/>
+              </a:spcBef>
+              <a:spcAft>
+                <a:spcPts val="0"/>
+              </a:spcAft>
+              <a:buClrTx/>
+              <a:buSzTx/>
+              <a:buFontTx/>
+              <a:buNone/>
+              <a:tabLst/>
+              <a:defRPr/>
+            </a:pPr>
+            <a:r>
+              <a:rPr lang="en-GB" dirty="0" smtClean="0"/>
+              <a:t>for </a:t>
+            </a:r>
+            <a:r>
+              <a:rPr lang="en-GB" dirty="0" err="1" smtClean="0"/>
+              <a:t>i</a:t>
+            </a:r>
+            <a:r>
+              <a:rPr lang="en-GB" dirty="0" smtClean="0"/>
+              <a:t> in range(</a:t>
+            </a:r>
+            <a:r>
+              <a:rPr lang="en-GB" dirty="0" err="1" smtClean="0"/>
+              <a:t>int</a:t>
+            </a:r>
+            <a:r>
+              <a:rPr lang="en-GB" dirty="0" smtClean="0"/>
+              <a:t>(</a:t>
+            </a:r>
+            <a:r>
+              <a:rPr lang="en-GB" dirty="0" err="1" smtClean="0"/>
+              <a:t>g.cget</a:t>
+            </a:r>
+            <a:r>
+              <a:rPr lang="en-GB" dirty="0" smtClean="0"/>
+              <a:t>("MY_BLOCK")['value']), 4, -1): </a:t>
+            </a:r>
+          </a:p>
+          <a:p>
+            <a:pPr marL="0" marR="0" indent="0" algn="l" defTabSz="914400" rtl="0" eaLnBrk="1" fontAlgn="auto" latinLnBrk="0" hangingPunct="1">
+              <a:lnSpc>
+                <a:spcPct val="100000"/>
+              </a:lnSpc>
+              <a:spcBef>
+                <a:spcPts val="0"/>
+              </a:spcBef>
+              <a:spcAft>
+                <a:spcPts val="0"/>
+              </a:spcAft>
+              <a:buClrTx/>
+              <a:buSzTx/>
+              <a:buFontTx/>
+              <a:buNone/>
+              <a:tabLst/>
+              <a:defRPr/>
+            </a:pPr>
+            <a:r>
+              <a:rPr lang="en-GB" dirty="0" smtClean="0"/>
+              <a:t>	</a:t>
+            </a:r>
+            <a:r>
+              <a:rPr lang="en-GB" dirty="0" err="1" smtClean="0"/>
+              <a:t>g.cset</a:t>
+            </a:r>
+            <a:r>
+              <a:rPr lang="en-GB" dirty="0" smtClean="0"/>
+              <a:t>(MY_BLOCK=</a:t>
+            </a:r>
+            <a:r>
+              <a:rPr lang="en-GB" dirty="0" err="1" smtClean="0"/>
+              <a:t>i</a:t>
+            </a:r>
+            <a:r>
+              <a:rPr lang="en-GB" dirty="0" smtClean="0"/>
+              <a:t>) </a:t>
+            </a:r>
+          </a:p>
+          <a:p>
+            <a:pPr marL="0" marR="0" indent="0" algn="l" defTabSz="914400" rtl="0" eaLnBrk="1" fontAlgn="auto" latinLnBrk="0" hangingPunct="1">
+              <a:lnSpc>
+                <a:spcPct val="100000"/>
+              </a:lnSpc>
+              <a:spcBef>
+                <a:spcPts val="0"/>
+              </a:spcBef>
+              <a:spcAft>
+                <a:spcPts val="0"/>
+              </a:spcAft>
+              <a:buClrTx/>
+              <a:buSzTx/>
+              <a:buFontTx/>
+              <a:buNone/>
+              <a:tabLst/>
+              <a:defRPr/>
+            </a:pPr>
+            <a:r>
+              <a:rPr lang="en-GB" dirty="0" smtClean="0"/>
+              <a:t>	</a:t>
+            </a:r>
+            <a:r>
+              <a:rPr lang="en-GB" dirty="0" err="1" smtClean="0"/>
+              <a:t>g.waitfor</a:t>
+            </a:r>
+            <a:r>
+              <a:rPr lang="en-GB" dirty="0" smtClean="0"/>
+              <a:t>(seconds=1)</a:t>
+            </a:r>
+          </a:p>
+          <a:p>
+            <a:pPr marL="0" marR="0" indent="0" algn="l" defTabSz="914400" rtl="0" eaLnBrk="1" fontAlgn="auto" latinLnBrk="0" hangingPunct="1">
+              <a:lnSpc>
+                <a:spcPct val="100000"/>
+              </a:lnSpc>
+              <a:spcBef>
+                <a:spcPts val="0"/>
+              </a:spcBef>
+              <a:spcAft>
+                <a:spcPts val="0"/>
+              </a:spcAft>
+              <a:buClrTx/>
+              <a:buSzTx/>
+              <a:buFontTx/>
+              <a:buNone/>
+              <a:tabLst/>
+              <a:defRPr/>
+            </a:pPr>
             <a:endParaRPr lang="en-GB" dirty="0" smtClean="0"/>
+          </a:p>
+          <a:p>
+            <a:pPr marL="0" marR="0" indent="0" algn="l" defTabSz="914400" rtl="0" eaLnBrk="1" fontAlgn="auto" latinLnBrk="0" hangingPunct="1">
+              <a:lnSpc>
+                <a:spcPct val="100000"/>
+              </a:lnSpc>
+              <a:spcBef>
+                <a:spcPts val="0"/>
+              </a:spcBef>
+              <a:spcAft>
+                <a:spcPts val="0"/>
+              </a:spcAft>
+              <a:buClrTx/>
+              <a:buSzTx/>
+              <a:buFontTx/>
+              <a:buNone/>
+              <a:tabLst/>
+              <a:defRPr/>
+            </a:pPr>
+            <a:r>
+              <a:rPr lang="en-GB" dirty="0" err="1" smtClean="0"/>
+              <a:t>g.end</a:t>
+            </a:r>
+            <a:r>
+              <a:rPr lang="en-GB" dirty="0" smtClean="0"/>
+              <a:t>()</a:t>
+            </a:r>
           </a:p>
         </p:txBody>
       </p:sp>
@@ -1336,12 +1759,12 @@
           <a:bodyPr/>
           <a:lstStyle/>
           <a:p>
-            <a:pPr marL="0" indent="0">
+            <a:pPr marL="171450" indent="-171450">
               <a:buFontTx/>
-              <a:buNone/>
-            </a:pPr>
-            <a:r>
-              <a:rPr lang="en-GB" sz="1200" b="0" i="0" kern="1200" dirty="0" err="1" smtClean="0">
+              <a:buChar char="-"/>
+            </a:pPr>
+            <a:r>
+              <a:rPr lang="en-GB" sz="1200" b="0" i="0" kern="1200" dirty="0" smtClean="0">
                 <a:solidFill>
                   <a:schemeClr val="tx1"/>
                 </a:solidFill>
@@ -1350,10 +1773,10 @@
                 <a:ea typeface="+mn-ea"/>
                 <a:cs typeface="+mn-cs"/>
               </a:rPr>
-              <a:t>g.change_title</a:t>
-            </a:r>
-            <a:r>
-              <a:rPr lang="en-GB" sz="1200" b="0" i="0" kern="1200" dirty="0" smtClean="0">
+              <a:t>Explain what it means for scripts to be under version</a:t>
+            </a:r>
+            <a:r>
+              <a:rPr lang="en-GB" sz="1200" b="0" i="0" kern="1200" baseline="0" dirty="0" smtClean="0">
                 <a:solidFill>
                   <a:schemeClr val="tx1"/>
                 </a:solidFill>
@@ -1362,178 +1785,11 @@
                 <a:ea typeface="+mn-ea"/>
                 <a:cs typeface="+mn-cs"/>
               </a:rPr>
-              <a:t>("Exercise 2")</a:t>
-            </a:r>
-          </a:p>
-          <a:p>
-            <a:pPr marL="0" indent="0">
-              <a:buFontTx/>
-              <a:buNone/>
-            </a:pPr>
-            <a:endParaRPr lang="en-GB" sz="1200" b="0" i="0" kern="1200" dirty="0" smtClean="0">
-              <a:solidFill>
-                <a:schemeClr val="tx1"/>
-              </a:solidFill>
-              <a:effectLst/>
-              <a:latin typeface="+mn-lt"/>
-              <a:ea typeface="+mn-ea"/>
-              <a:cs typeface="+mn-cs"/>
-            </a:endParaRPr>
-          </a:p>
-          <a:p>
-            <a:pPr marL="0" indent="0">
-              <a:buFontTx/>
-              <a:buNone/>
-            </a:pPr>
-            <a:r>
-              <a:rPr lang="en-GB" dirty="0" err="1" smtClean="0"/>
-              <a:t>g.begin</a:t>
-            </a:r>
-            <a:r>
-              <a:rPr lang="en-GB" dirty="0" smtClean="0"/>
-              <a:t>() </a:t>
-            </a:r>
-          </a:p>
-          <a:p>
-            <a:pPr marL="0" indent="0">
-              <a:buFontTx/>
-              <a:buNone/>
-            </a:pPr>
-            <a:r>
-              <a:rPr lang="en-GB" dirty="0" err="1" smtClean="0"/>
-              <a:t>g.waitfor</a:t>
-            </a:r>
-            <a:r>
-              <a:rPr lang="en-GB" dirty="0" smtClean="0"/>
-              <a:t>(</a:t>
-            </a:r>
-            <a:r>
-              <a:rPr lang="en-GB" dirty="0" err="1" smtClean="0"/>
-              <a:t>uamps</a:t>
-            </a:r>
-            <a:r>
-              <a:rPr lang="en-GB" dirty="0" smtClean="0"/>
-              <a:t>=1, </a:t>
-            </a:r>
-            <a:r>
-              <a:rPr lang="en-GB" dirty="0" err="1" smtClean="0"/>
-              <a:t>max_wait</a:t>
-            </a:r>
-            <a:r>
-              <a:rPr lang="en-GB" dirty="0" smtClean="0"/>
-              <a:t>=10) </a:t>
-            </a:r>
-          </a:p>
-          <a:p>
-            <a:pPr marL="0" indent="0">
-              <a:buFontTx/>
-              <a:buNone/>
-            </a:pPr>
-            <a:r>
-              <a:rPr lang="en-GB" dirty="0" err="1" smtClean="0"/>
-              <a:t>g.pause</a:t>
-            </a:r>
-            <a:r>
-              <a:rPr lang="en-GB" dirty="0" smtClean="0"/>
-              <a:t>()</a:t>
-            </a:r>
-          </a:p>
-          <a:p>
-            <a:pPr marL="0" indent="0">
-              <a:buFontTx/>
-              <a:buNone/>
-            </a:pPr>
-            <a:endParaRPr lang="en-GB" dirty="0" smtClean="0"/>
-          </a:p>
-          <a:p>
-            <a:pPr marL="0" indent="0">
-              <a:buFontTx/>
-              <a:buNone/>
-            </a:pPr>
-            <a:r>
-              <a:rPr lang="en-GB" dirty="0" err="1" smtClean="0"/>
-              <a:t>g.cset</a:t>
-            </a:r>
-            <a:r>
-              <a:rPr lang="en-GB" dirty="0" smtClean="0"/>
-              <a:t>("MY_BLOCK", 5, </a:t>
-            </a:r>
-            <a:r>
-              <a:rPr lang="en-GB" dirty="0" err="1" smtClean="0"/>
-              <a:t>lowlimit</a:t>
-            </a:r>
-            <a:r>
-              <a:rPr lang="en-GB" dirty="0" smtClean="0"/>
-              <a:t>=1, </a:t>
-            </a:r>
-            <a:r>
-              <a:rPr lang="en-GB" dirty="0" err="1" smtClean="0"/>
-              <a:t>highlimit</a:t>
-            </a:r>
-            <a:r>
-              <a:rPr lang="en-GB" dirty="0" smtClean="0"/>
-              <a:t>=10, </a:t>
-            </a:r>
-            <a:r>
-              <a:rPr lang="en-GB" dirty="0" err="1" smtClean="0"/>
-              <a:t>runcontrol</a:t>
-            </a:r>
-            <a:r>
-              <a:rPr lang="en-GB" dirty="0" smtClean="0"/>
-              <a:t>=True)</a:t>
-            </a:r>
-          </a:p>
-          <a:p>
-            <a:pPr marL="0" indent="0">
-              <a:buFontTx/>
-              <a:buNone/>
-            </a:pPr>
-            <a:endParaRPr lang="en-GB" dirty="0" smtClean="0"/>
-          </a:p>
-          <a:p>
-            <a:pPr marL="0" indent="0">
-              <a:buFontTx/>
-              <a:buNone/>
-            </a:pPr>
-            <a:r>
-              <a:rPr lang="en-GB" dirty="0" err="1" smtClean="0"/>
-              <a:t>g.resume</a:t>
-            </a:r>
-            <a:r>
-              <a:rPr lang="en-GB" dirty="0" smtClean="0"/>
-              <a:t>()</a:t>
-            </a:r>
-          </a:p>
-          <a:p>
-            <a:pPr marL="0" indent="0">
-              <a:buFontTx/>
-              <a:buNone/>
-            </a:pPr>
-            <a:endParaRPr lang="en-GB" dirty="0" smtClean="0"/>
-          </a:p>
-          <a:p>
-            <a:pPr marL="0" indent="0">
-              <a:buFontTx/>
-              <a:buNone/>
-            </a:pPr>
-            <a:r>
-              <a:rPr lang="en-GB" dirty="0" err="1" smtClean="0"/>
-              <a:t>g.cset</a:t>
-            </a:r>
-            <a:r>
-              <a:rPr lang="en-GB" dirty="0" smtClean="0"/>
-              <a:t>(MY_BLOCK=20) </a:t>
-            </a:r>
-          </a:p>
-          <a:p>
-            <a:pPr marL="0" indent="0">
-              <a:buFontTx/>
-              <a:buNone/>
-            </a:pPr>
-            <a:endParaRPr lang="en-GB" dirty="0" smtClean="0"/>
-          </a:p>
-          <a:p>
-            <a:pPr marL="0" marR="0" indent="0" algn="l" defTabSz="914400" rtl="0" eaLnBrk="1" fontAlgn="auto" latinLnBrk="0" hangingPunct="1">
+              <a:t> control. Why is that good?</a:t>
+            </a:r>
+          </a:p>
+          <a:p>
+            <a:pPr marL="171450" marR="0" indent="-171450" algn="l" defTabSz="914400" rtl="0" eaLnBrk="1" fontAlgn="auto" latinLnBrk="0" hangingPunct="1">
               <a:lnSpc>
                 <a:spcPct val="100000"/>
               </a:lnSpc>
@@ -1546,226 +1802,54 @@
               <a:buClrTx/>
               <a:buSzTx/>
               <a:buFontTx/>
-              <a:buNone/>
+              <a:buChar char="-"/>
               <a:tabLst/>
               <a:defRPr/>
             </a:pPr>
             <a:r>
-              <a:rPr lang="en-GB" dirty="0" smtClean="0"/>
-              <a:t>print</a:t>
-            </a:r>
-            <a:r>
-              <a:rPr lang="en-GB" baseline="0" dirty="0" smtClean="0"/>
-              <a:t> </a:t>
-            </a:r>
-            <a:r>
-              <a:rPr lang="en-GB" dirty="0" smtClean="0"/>
-              <a:t>"The instrument {0} </a:t>
+              <a:rPr lang="en-GB" sz="1200" b="0" i="0" kern="1200" dirty="0" smtClean="0">
+                <a:solidFill>
+                  <a:schemeClr val="tx1"/>
+                </a:solidFill>
+                <a:effectLst/>
+                <a:latin typeface="+mn-lt"/>
+                <a:ea typeface="+mn-ea"/>
+                <a:cs typeface="+mn-cs"/>
+              </a:rPr>
+              <a:t>After creating the files, you should have one new file in </a:t>
+            </a:r>
+            <a:r>
+              <a:rPr lang="en-GB" dirty="0" smtClean="0"/>
+              <a:t>C:\scripts</a:t>
+            </a:r>
+            <a:r>
+              <a:rPr lang="en-GB" sz="1200" b="0" i="0" kern="1200" dirty="0" smtClean="0">
+                <a:solidFill>
+                  <a:schemeClr val="tx1"/>
+                </a:solidFill>
+                <a:effectLst/>
+                <a:latin typeface="+mn-lt"/>
+                <a:ea typeface="+mn-ea"/>
+                <a:cs typeface="+mn-cs"/>
+              </a:rPr>
+              <a:t> and another in </a:t>
+            </a:r>
+            <a:r>
+              <a:rPr lang="en-GB" dirty="0" smtClean="0"/>
+              <a:t>C:\Instrument\Settings\config\[Instrument name]\Python\</a:t>
             </a:r>
             <a:r>
               <a:rPr lang="en-GB" dirty="0" err="1" smtClean="0"/>
-              <a:t>waiting“.format</a:t>
-            </a:r>
-            <a:r>
-              <a:rPr lang="en-GB" dirty="0" smtClean="0"/>
-              <a:t>(“is” if </a:t>
-            </a:r>
-            <a:r>
-              <a:rPr lang="en-GB" dirty="0" err="1" smtClean="0"/>
-              <a:t>g.get_runstate</a:t>
-            </a:r>
-            <a:r>
-              <a:rPr lang="en-GB" dirty="0" smtClean="0"/>
-              <a:t>()=="WAITING“</a:t>
-            </a:r>
-            <a:r>
-              <a:rPr lang="en-GB" baseline="0" dirty="0" smtClean="0"/>
-              <a:t> else “is not”)</a:t>
-            </a:r>
-          </a:p>
-          <a:p>
-            <a:pPr marL="0" marR="0" indent="0" algn="l" defTabSz="914400" rtl="0" eaLnBrk="1" fontAlgn="auto" latinLnBrk="0" hangingPunct="1">
-              <a:lnSpc>
-                <a:spcPct val="100000"/>
-              </a:lnSpc>
-              <a:spcBef>
-                <a:spcPts val="0"/>
-              </a:spcBef>
-              <a:spcAft>
-                <a:spcPts val="0"/>
-              </a:spcAft>
-              <a:buClrTx/>
-              <a:buSzTx/>
+              <a:t>inst</a:t>
+            </a:r>
+            <a:endParaRPr lang="en-GB" dirty="0" smtClean="0"/>
+          </a:p>
+          <a:p>
+            <a:pPr marL="171450" indent="-171450">
               <a:buFontTx/>
-              <a:buNone/>
-              <a:tabLst/>
-              <a:defRPr/>
-            </a:pPr>
-            <a:endParaRPr lang="en-GB" baseline="0" dirty="0" smtClean="0"/>
-          </a:p>
-          <a:p>
-            <a:pPr marL="0" marR="0" indent="0" algn="l" defTabSz="914400" rtl="0" eaLnBrk="1" fontAlgn="auto" latinLnBrk="0" hangingPunct="1">
-              <a:lnSpc>
-                <a:spcPct val="100000"/>
-              </a:lnSpc>
-              <a:spcBef>
-                <a:spcPts val="0"/>
-              </a:spcBef>
-              <a:spcAft>
-                <a:spcPts val="0"/>
-              </a:spcAft>
-              <a:buClrTx/>
-              <a:buSzTx/>
-              <a:buFontTx/>
-              <a:buNone/>
-              <a:tabLst/>
-              <a:defRPr/>
-            </a:pPr>
-            <a:r>
-              <a:rPr lang="en-GB" dirty="0" smtClean="0"/>
-              <a:t>for </a:t>
-            </a:r>
-            <a:r>
-              <a:rPr lang="en-GB" dirty="0" err="1" smtClean="0"/>
-              <a:t>i</a:t>
-            </a:r>
-            <a:r>
-              <a:rPr lang="en-GB" dirty="0" smtClean="0"/>
-              <a:t> in range(</a:t>
-            </a:r>
-            <a:r>
-              <a:rPr lang="en-GB" dirty="0" err="1" smtClean="0"/>
-              <a:t>int</a:t>
-            </a:r>
-            <a:r>
-              <a:rPr lang="en-GB" dirty="0" smtClean="0"/>
-              <a:t>(</a:t>
-            </a:r>
-            <a:r>
-              <a:rPr lang="en-GB" dirty="0" err="1" smtClean="0"/>
-              <a:t>g.cget</a:t>
-            </a:r>
-            <a:r>
-              <a:rPr lang="en-GB" dirty="0" smtClean="0"/>
-              <a:t>("MY_BLOCK")['value']), 4, -1): </a:t>
-            </a:r>
-          </a:p>
-          <a:p>
-            <a:pPr marL="0" marR="0" indent="0" algn="l" defTabSz="914400" rtl="0" eaLnBrk="1" fontAlgn="auto" latinLnBrk="0" hangingPunct="1">
-              <a:lnSpc>
-                <a:spcPct val="100000"/>
-              </a:lnSpc>
-              <a:spcBef>
-                <a:spcPts val="0"/>
-              </a:spcBef>
-              <a:spcAft>
-                <a:spcPts val="0"/>
-              </a:spcAft>
-              <a:buClrTx/>
-              <a:buSzTx/>
-              <a:buFontTx/>
-              <a:buNone/>
-              <a:tabLst/>
-              <a:defRPr/>
-            </a:pPr>
-            <a:r>
-              <a:rPr lang="en-GB" dirty="0" smtClean="0"/>
-              <a:t>	</a:t>
-            </a:r>
-            <a:r>
-              <a:rPr lang="en-GB" dirty="0" err="1" smtClean="0"/>
-              <a:t>g.cset</a:t>
-            </a:r>
-            <a:r>
-              <a:rPr lang="en-GB" dirty="0" smtClean="0"/>
-              <a:t>(MY_BLOCK=</a:t>
-            </a:r>
-            <a:r>
-              <a:rPr lang="en-GB" dirty="0" err="1" smtClean="0"/>
-              <a:t>i</a:t>
-            </a:r>
-            <a:r>
-              <a:rPr lang="en-GB" dirty="0" smtClean="0"/>
-              <a:t>) </a:t>
-            </a:r>
-          </a:p>
-          <a:p>
-            <a:pPr marL="0" marR="0" indent="0" algn="l" defTabSz="914400" rtl="0" eaLnBrk="1" fontAlgn="auto" latinLnBrk="0" hangingPunct="1">
-              <a:lnSpc>
-                <a:spcPct val="100000"/>
-              </a:lnSpc>
-              <a:spcBef>
-                <a:spcPts val="0"/>
-              </a:spcBef>
-              <a:spcAft>
-                <a:spcPts val="0"/>
-              </a:spcAft>
-              <a:buClrTx/>
-              <a:buSzTx/>
-              <a:buFontTx/>
-              <a:buNone/>
-              <a:tabLst/>
-              <a:defRPr/>
-            </a:pPr>
-            <a:r>
-              <a:rPr lang="en-GB" dirty="0" smtClean="0"/>
-              <a:t>	</a:t>
-            </a:r>
-            <a:r>
-              <a:rPr lang="en-GB" dirty="0" err="1" smtClean="0"/>
-              <a:t>g.waitfor</a:t>
-            </a:r>
-            <a:r>
-              <a:rPr lang="en-GB" dirty="0" smtClean="0"/>
-              <a:t>(seconds=1)</a:t>
-            </a:r>
-          </a:p>
-          <a:p>
-            <a:pPr marL="0" marR="0" indent="0" algn="l" defTabSz="914400" rtl="0" eaLnBrk="1" fontAlgn="auto" latinLnBrk="0" hangingPunct="1">
-              <a:lnSpc>
-                <a:spcPct val="100000"/>
-              </a:lnSpc>
-              <a:spcBef>
-                <a:spcPts val="0"/>
-              </a:spcBef>
-              <a:spcAft>
-                <a:spcPts val="0"/>
-              </a:spcAft>
-              <a:buClrTx/>
-              <a:buSzTx/>
-              <a:buFontTx/>
-              <a:buNone/>
-              <a:tabLst/>
-              <a:defRPr/>
+              <a:buChar char="-"/>
             </a:pPr>
             <a:endParaRPr lang="en-GB" dirty="0" smtClean="0"/>
-          </a:p>
-          <a:p>
-            <a:pPr marL="0" marR="0" indent="0" algn="l" defTabSz="914400" rtl="0" eaLnBrk="1" fontAlgn="auto" latinLnBrk="0" hangingPunct="1">
-              <a:lnSpc>
-                <a:spcPct val="100000"/>
-              </a:lnSpc>
-              <a:spcBef>
-                <a:spcPts val="0"/>
-              </a:spcBef>
-              <a:spcAft>
-                <a:spcPts val="0"/>
-              </a:spcAft>
-              <a:buClrTx/>
-              <a:buSzTx/>
-              <a:buFontTx/>
-              <a:buNone/>
-              <a:tabLst/>
-              <a:defRPr/>
-            </a:pPr>
-            <a:r>
-              <a:rPr lang="en-GB" dirty="0" err="1" smtClean="0"/>
-              <a:t>g.end</a:t>
-            </a:r>
-            <a:r>
-              <a:rPr lang="en-GB" dirty="0" smtClean="0"/>
-              <a:t>()</a:t>
-            </a:r>
           </a:p>
         </p:txBody>
       </p:sp>
@@ -1854,92 +1938,139 @@
               <a:buChar char="-"/>
             </a:pPr>
             <a:r>
-              <a:rPr lang="en-GB" sz="1200" b="0" i="0" kern="1200" dirty="0" smtClean="0">
-                <a:solidFill>
-                  <a:schemeClr val="tx1"/>
-                </a:solidFill>
-                <a:effectLst/>
-                <a:latin typeface="+mn-lt"/>
-                <a:ea typeface="+mn-ea"/>
-                <a:cs typeface="+mn-cs"/>
-              </a:rPr>
-              <a:t>Explain what it means for scripts to be under version</a:t>
-            </a:r>
-            <a:r>
-              <a:rPr lang="en-GB" sz="1200" b="0" i="0" kern="1200" baseline="0" dirty="0" smtClean="0">
-                <a:solidFill>
-                  <a:schemeClr val="tx1"/>
-                </a:solidFill>
-                <a:effectLst/>
-                <a:latin typeface="+mn-lt"/>
-                <a:ea typeface="+mn-ea"/>
-                <a:cs typeface="+mn-cs"/>
-              </a:rPr>
-              <a:t> control. Why is that good?</a:t>
-            </a:r>
-          </a:p>
-          <a:p>
-            <a:pPr marL="171450" marR="0" indent="-171450" algn="l" defTabSz="914400" rtl="0" eaLnBrk="1" fontAlgn="auto" latinLnBrk="0" hangingPunct="1">
-              <a:lnSpc>
-                <a:spcPct val="100000"/>
-              </a:lnSpc>
-              <a:spcBef>
-                <a:spcPts val="0"/>
-              </a:spcBef>
-              <a:spcAft>
-                <a:spcPts val="0"/>
-              </a:spcAft>
-              <a:buClrTx/>
-              <a:buSzTx/>
+              <a:rPr lang="en-GB" dirty="0" err="1" smtClean="0"/>
+              <a:t>def</a:t>
+            </a:r>
+            <a:r>
+              <a:rPr lang="en-GB" dirty="0" smtClean="0"/>
+              <a:t> </a:t>
+            </a:r>
+            <a:r>
+              <a:rPr lang="en-GB" dirty="0" err="1" smtClean="0"/>
+              <a:t>set_up_instrument</a:t>
+            </a:r>
+            <a:r>
+              <a:rPr lang="en-GB" dirty="0" smtClean="0"/>
+              <a:t>(): </a:t>
+            </a:r>
+          </a:p>
+          <a:p>
+            <a:pPr marL="457200" lvl="1" indent="0">
               <a:buFontTx/>
-              <a:buChar char="-"/>
-              <a:tabLst/>
-              <a:defRPr/>
-            </a:pPr>
-            <a:r>
-              <a:rPr lang="en-GB" sz="1200" b="0" i="0" kern="1200" dirty="0" smtClean="0">
-                <a:solidFill>
-                  <a:schemeClr val="tx1"/>
-                </a:solidFill>
-                <a:effectLst/>
-                <a:latin typeface="+mn-lt"/>
-                <a:ea typeface="+mn-ea"/>
-                <a:cs typeface="+mn-cs"/>
-              </a:rPr>
-              <a:t>After creating the files, you should have one new file in </a:t>
-            </a:r>
-            <a:r>
-              <a:rPr lang="en-GB" dirty="0" smtClean="0"/>
-              <a:t>C:\scripts</a:t>
-            </a:r>
-            <a:r>
-              <a:rPr lang="en-GB" sz="1200" b="0" i="0" kern="1200" dirty="0" smtClean="0">
-                <a:solidFill>
-                  <a:schemeClr val="tx1"/>
-                </a:solidFill>
-                <a:effectLst/>
-                <a:latin typeface="+mn-lt"/>
-                <a:ea typeface="+mn-ea"/>
-                <a:cs typeface="+mn-cs"/>
-              </a:rPr>
-              <a:t> and another in </a:t>
-            </a:r>
-            <a:r>
-              <a:rPr lang="en-GB" dirty="0" smtClean="0"/>
-              <a:t>C:\Instrument\Settings\config\[Instrument name]\Python\</a:t>
-            </a:r>
+              <a:buNone/>
+            </a:pPr>
             <a:r>
               <a:rPr lang="en-GB" dirty="0" err="1" smtClean="0"/>
-              <a:t>inst</a:t>
-            </a:r>
-            <a:endParaRPr lang="en-GB" dirty="0" smtClean="0"/>
+              <a:t>g.change</a:t>
+            </a:r>
+            <a:r>
+              <a:rPr lang="en-GB" dirty="0" smtClean="0"/>
+              <a:t>(title="My experiment", user="Adrian")</a:t>
+            </a:r>
           </a:p>
           <a:p>
             <a:pPr marL="171450" indent="-171450">
               <a:buFontTx/>
               <a:buChar char="-"/>
             </a:pPr>
-            <a:endParaRPr lang="en-GB" dirty="0" smtClean="0"/>
+            <a:r>
+              <a:rPr lang="en-GB" dirty="0" err="1" smtClean="0"/>
+              <a:t>def</a:t>
+            </a:r>
+            <a:r>
+              <a:rPr lang="en-GB" dirty="0" smtClean="0"/>
+              <a:t> </a:t>
+            </a:r>
+            <a:r>
+              <a:rPr lang="en-GB" dirty="0" err="1" smtClean="0"/>
+              <a:t>get_uamps_run</a:t>
+            </a:r>
+            <a:r>
+              <a:rPr lang="en-GB" dirty="0" smtClean="0"/>
+              <a:t>(): </a:t>
+            </a:r>
+          </a:p>
+          <a:p>
+            <a:pPr marL="457200" lvl="1" indent="0">
+              <a:buFontTx/>
+              <a:buNone/>
+            </a:pPr>
+            <a:r>
+              <a:rPr lang="en-GB" dirty="0" err="1" smtClean="0"/>
+              <a:t>g.begin</a:t>
+            </a:r>
+            <a:r>
+              <a:rPr lang="en-GB" dirty="0" smtClean="0"/>
+              <a:t>() </a:t>
+            </a:r>
+          </a:p>
+          <a:p>
+            <a:pPr marL="457200" lvl="1" indent="0">
+              <a:buFontTx/>
+              <a:buNone/>
+            </a:pPr>
+            <a:r>
+              <a:rPr lang="en-GB" dirty="0" smtClean="0"/>
+              <a:t>period = </a:t>
+            </a:r>
+            <a:r>
+              <a:rPr lang="en-GB" dirty="0" err="1" smtClean="0"/>
+              <a:t>g.get_period</a:t>
+            </a:r>
+            <a:r>
+              <a:rPr lang="en-GB" dirty="0" smtClean="0"/>
+              <a:t>() </a:t>
+            </a:r>
+          </a:p>
+          <a:p>
+            <a:pPr marL="457200" lvl="1" indent="0">
+              <a:buFontTx/>
+              <a:buNone/>
+            </a:pPr>
+            <a:r>
+              <a:rPr lang="en-GB" dirty="0" smtClean="0"/>
+              <a:t>for </a:t>
+            </a:r>
+            <a:r>
+              <a:rPr lang="en-GB" dirty="0" err="1" smtClean="0"/>
+              <a:t>i</a:t>
+            </a:r>
+            <a:r>
+              <a:rPr lang="en-GB" dirty="0" smtClean="0"/>
+              <a:t> in range(10): </a:t>
+            </a:r>
+          </a:p>
+          <a:p>
+            <a:pPr marL="457200" lvl="1" indent="0">
+              <a:buFontTx/>
+              <a:buNone/>
+            </a:pPr>
+            <a:r>
+              <a:rPr lang="en-GB" dirty="0" smtClean="0"/>
+              <a:t>	print "Total current after {0}s: {1}.format(i+1, </a:t>
+            </a:r>
+            <a:r>
+              <a:rPr lang="en-GB" dirty="0" err="1" smtClean="0"/>
+              <a:t>g.get_uamps</a:t>
+            </a:r>
+            <a:r>
+              <a:rPr lang="en-GB" dirty="0" smtClean="0"/>
+              <a:t>(period)) </a:t>
+            </a:r>
+          </a:p>
+          <a:p>
+            <a:pPr marL="457200" lvl="1" indent="0">
+              <a:buFontTx/>
+              <a:buNone/>
+            </a:pPr>
+            <a:r>
+              <a:rPr lang="en-GB" dirty="0" err="1" smtClean="0"/>
+              <a:t>g.end</a:t>
+            </a:r>
+            <a:r>
+              <a:rPr lang="en-GB" dirty="0" smtClean="0"/>
+              <a:t>()</a:t>
+            </a:r>
           </a:p>
         </p:txBody>
       </p:sp>
@@ -2023,143 +2154,40 @@
           <a:bodyPr/>
           <a:lstStyle/>
           <a:p>
+            <a:pPr marL="171450" marR="0" indent="-171450" algn="l" defTabSz="914400" rtl="0" eaLnBrk="1" fontAlgn="auto" latinLnBrk="0" hangingPunct="1">
+              <a:lnSpc>
+                <a:spcPct val="100000"/>
+              </a:lnSpc>
+              <a:spcBef>
+                <a:spcPts val="0"/>
+              </a:spcBef>
+              <a:spcAft>
+                <a:spcPts val="0"/>
+              </a:spcAft>
+              <a:buClrTx/>
+              <a:buSzTx/>
+              <a:buFontTx/>
+              <a:buChar char="-"/>
+              <a:tabLst/>
+              <a:defRPr/>
+            </a:pPr>
+            <a:r>
+              <a:rPr lang="en-GB" sz="1200" b="1" dirty="0" smtClean="0"/>
+              <a:t>IMPORTANT</a:t>
+            </a:r>
+            <a:r>
+              <a:rPr lang="en-GB" sz="1200" dirty="0" smtClean="0"/>
+              <a:t>: When a script is loaded, Python runs all the commands contained within. We strongly recommend keeping all executable code within functions, so that it runs when you call it rather than executing immediately.</a:t>
+            </a:r>
+          </a:p>
+          <a:p>
             <a:pPr marL="171450" indent="-171450">
               <a:buFontTx/>
               <a:buChar char="-"/>
             </a:pPr>
             <a:r>
-              <a:rPr lang="en-GB" dirty="0" err="1" smtClean="0"/>
-              <a:t>def</a:t>
-            </a:r>
-            <a:r>
-              <a:rPr lang="en-GB" dirty="0" smtClean="0"/>
-              <a:t> </a:t>
-            </a:r>
-            <a:r>
-              <a:rPr lang="en-GB" dirty="0" err="1" smtClean="0"/>
-              <a:t>set_up_instrument</a:t>
-            </a:r>
-            <a:r>
-              <a:rPr lang="en-GB" dirty="0" smtClean="0"/>
-              <a:t>(): </a:t>
-            </a:r>
-          </a:p>
-          <a:p>
-            <a:pPr marL="457200" lvl="1" indent="0">
-              <a:buFontTx/>
-              <a:buNone/>
-            </a:pPr>
-            <a:r>
-              <a:rPr lang="en-GB" dirty="0" err="1" smtClean="0"/>
-              <a:t>g.change</a:t>
-            </a:r>
-            <a:r>
-              <a:rPr lang="en-GB" dirty="0" smtClean="0"/>
-              <a:t>(title="My experiment", user="Adrian")</a:t>
-            </a:r>
-          </a:p>
-          <a:p>
-            <a:pPr marL="171450" indent="-171450">
-              <a:buFontTx/>
-              <a:buChar char="-"/>
-            </a:pPr>
-            <a:r>
-              <a:rPr lang="en-GB" dirty="0" err="1" smtClean="0"/>
-              <a:t>def</a:t>
-            </a:r>
-            <a:r>
-              <a:rPr lang="en-GB" dirty="0" smtClean="0"/>
-              <a:t> </a:t>
-            </a:r>
-            <a:r>
-              <a:rPr lang="en-GB" dirty="0" err="1" smtClean="0"/>
-              <a:t>get_uamps_run</a:t>
-            </a:r>
-            <a:r>
-              <a:rPr lang="en-GB" dirty="0" smtClean="0"/>
-              <a:t>(): </a:t>
-            </a:r>
-          </a:p>
-          <a:p>
-            <a:pPr marL="457200" lvl="1" indent="0">
-              <a:buFontTx/>
-              <a:buNone/>
-            </a:pPr>
-            <a:r>
-              <a:rPr lang="en-GB" dirty="0" err="1" smtClean="0"/>
-              <a:t>g.begin</a:t>
-            </a:r>
-            <a:r>
-              <a:rPr lang="en-GB" dirty="0" smtClean="0"/>
-              <a:t>() </a:t>
-            </a:r>
-          </a:p>
-          <a:p>
-            <a:pPr marL="457200" lvl="1" indent="0">
-              <a:buFontTx/>
-              <a:buNone/>
-            </a:pPr>
-            <a:r>
-              <a:rPr lang="en-GB" dirty="0" smtClean="0"/>
-              <a:t>period = </a:t>
-            </a:r>
-            <a:r>
-              <a:rPr lang="en-GB" dirty="0" err="1" smtClean="0"/>
-              <a:t>g.get_period</a:t>
-            </a:r>
-            <a:r>
-              <a:rPr lang="en-GB" dirty="0" smtClean="0"/>
-              <a:t>() </a:t>
-            </a:r>
-          </a:p>
-          <a:p>
-            <a:pPr marL="457200" lvl="1" indent="0">
-              <a:buFontTx/>
-              <a:buNone/>
-            </a:pPr>
-            <a:r>
-              <a:rPr lang="en-GB" dirty="0" smtClean="0"/>
-              <a:t>for </a:t>
-            </a:r>
-            <a:r>
-              <a:rPr lang="en-GB" dirty="0" err="1" smtClean="0"/>
-              <a:t>i</a:t>
-            </a:r>
-            <a:r>
-              <a:rPr lang="en-GB" dirty="0" smtClean="0"/>
-              <a:t> in range(10): </a:t>
-            </a:r>
-          </a:p>
-          <a:p>
-            <a:pPr marL="457200" lvl="1" indent="0">
-              <a:buFontTx/>
-              <a:buNone/>
-            </a:pPr>
-            <a:r>
-              <a:rPr lang="en-GB" dirty="0" smtClean="0"/>
-              <a:t>	print "Total current after {0}s: {1}.format(i+1, </a:t>
-            </a:r>
-            <a:r>
-              <a:rPr lang="en-GB" dirty="0" err="1" smtClean="0"/>
-              <a:t>g.get_uamps</a:t>
-            </a:r>
-            <a:r>
-              <a:rPr lang="en-GB" dirty="0" smtClean="0"/>
-              <a:t>(period)) </a:t>
-            </a:r>
-          </a:p>
-          <a:p>
-            <a:pPr marL="457200" lvl="1" indent="0">
-              <a:buFontTx/>
-              <a:buNone/>
-            </a:pPr>
-            <a:r>
-              <a:rPr lang="en-GB" dirty="0" err="1" smtClean="0"/>
-              <a:t>g.end</a:t>
-            </a:r>
-            <a:r>
-              <a:rPr lang="en-GB" dirty="0" smtClean="0"/>
-              <a:t>()</a:t>
+              <a:rPr lang="en-GB" dirty="0" smtClean="0"/>
+              <a:t>Loading the scripts should be easy but it’s when the most problems are likely to become apparent</a:t>
             </a:r>
           </a:p>
         </p:txBody>
@@ -2577,7 +2605,7 @@
           <a:bodyPr/>
           <a:lstStyle/>
           <a:p>
-            <a:pPr marL="171450" marR="0" indent="-171450" algn="l" defTabSz="914400" rtl="0" eaLnBrk="1" fontAlgn="auto" latinLnBrk="0" hangingPunct="1">
+            <a:pPr marL="0" marR="0" indent="0" algn="l" defTabSz="914400" rtl="0" eaLnBrk="1" fontAlgn="auto" latinLnBrk="0" hangingPunct="1">
               <a:lnSpc>
                 <a:spcPct val="100000"/>
               </a:lnSpc>
@@ -2590,28 +2618,35 @@
               <a:buClrTx/>
               <a:buSzTx/>
               <a:buFontTx/>
-              <a:buChar char="-"/>
+              <a:buNone/>
               <a:tabLst/>
               <a:defRPr/>
             </a:pPr>
             <a:r>
-              <a:rPr lang="en-GB" sz="1200" b="1" dirty="0" smtClean="0"/>
-              <a:t>IMPORTANT</a:t>
-            </a:r>
-            <a:r>
-              <a:rPr lang="en-GB" sz="1200" dirty="0" smtClean="0"/>
-              <a:t>: When a script is loaded, Python runs all the commands contained within. We strongly recommend keeping all executable code within functions, so that it runs when you call it rather than executing immediately.</a:t>
-            </a:r>
-          </a:p>
-          <a:p>
-            <a:pPr marL="171450" indent="-171450">
-              <a:buFontTx/>
-              <a:buChar char="-"/>
-            </a:pPr>
-            <a:r>
-              <a:rPr lang="en-GB" dirty="0" smtClean="0"/>
-              <a:t>Loading the scripts should be easy but it’s when the most problems are likely to become apparent</a:t>
-            </a:r>
+              <a:rPr lang="en-GB" sz="1200" b="0" dirty="0" smtClean="0"/>
+              <a:t>-</a:t>
+            </a:r>
+            <a:r>
+              <a:rPr lang="en-GB" sz="1200" b="0" baseline="0" dirty="0" smtClean="0"/>
+              <a:t> Again, running should be easy but most likely where they will run into problems. Check the scripting window </a:t>
+            </a:r>
+            <a:r>
+              <a:rPr lang="en-GB" sz="1200" b="0" baseline="0" dirty="0" err="1" smtClean="0"/>
+              <a:t>startup</a:t>
+            </a:r>
+            <a:r>
+              <a:rPr lang="en-GB" sz="1200" b="0" baseline="0" dirty="0" smtClean="0"/>
+              <a:t> for signs of issues loading </a:t>
+            </a:r>
+            <a:r>
+              <a:rPr lang="en-GB" sz="1200" b="0" baseline="0" dirty="0" err="1" smtClean="0"/>
+              <a:t>inst</a:t>
+            </a:r>
+            <a:r>
+              <a:rPr lang="en-GB" sz="1200" b="0" baseline="0" dirty="0" smtClean="0"/>
+              <a:t> scripts</a:t>
+            </a:r>
+            <a:endParaRPr lang="en-GB" b="0" dirty="0" smtClean="0"/>
           </a:p>
         </p:txBody>
       </p:sp>
@@ -2733,7 +2768,7 @@
               <a:t>inst</a:t>
             </a:r>
             <a:r>
-              <a:rPr lang="en-GB" sz="1200" b="0" baseline="0" dirty="0" smtClean="0"/>
+              <a:rPr lang="en-GB" sz="1200" b="0" baseline="0" smtClean="0"/>
               <a:t> scripts</a:t>
             </a:r>
             <a:endParaRPr lang="en-GB" b="0" dirty="0" smtClean="0"/>
@@ -2837,30 +2872,6 @@
               <a:tabLst/>
               <a:defRPr/>
             </a:pPr>
-            <a:r>
-              <a:rPr lang="en-GB" sz="1200" b="0" dirty="0" smtClean="0"/>
-              <a:t>-</a:t>
-            </a:r>
-            <a:r>
-              <a:rPr lang="en-GB" sz="1200" b="0" baseline="0" dirty="0" smtClean="0"/>
-              <a:t> Again, running should be easy but most likely where they will run into problems. Check the scripting window </a:t>
-            </a:r>
-            <a:r>
-              <a:rPr lang="en-GB" sz="1200" b="0" baseline="0" dirty="0" err="1" smtClean="0"/>
-              <a:t>startup</a:t>
-            </a:r>
-            <a:r>
-              <a:rPr lang="en-GB" sz="1200" b="0" baseline="0" dirty="0" smtClean="0"/>
-              <a:t> for signs of issues loading </a:t>
-            </a:r>
-            <a:r>
-              <a:rPr lang="en-GB" sz="1200" b="0" baseline="0" dirty="0" err="1" smtClean="0"/>
-              <a:t>inst</a:t>
-            </a:r>
-            <a:r>
-              <a:rPr lang="en-GB" sz="1200" b="0" baseline="0" smtClean="0"/>
-              <a:t> scripts</a:t>
-            </a:r>
             <a:endParaRPr lang="en-GB" b="0" dirty="0" smtClean="0"/>
           </a:p>
         </p:txBody>
@@ -3063,7 +3074,10 @@
               <a:tabLst/>
               <a:defRPr/>
             </a:pPr>
-            <a:endParaRPr lang="en-GB" b="0" dirty="0" smtClean="0"/>
+            <a:r>
+              <a:rPr lang="en-GB" b="0" dirty="0" smtClean="0"/>
+              <a:t>See https://github.com/ISISComputingGroup/ibex_user_manual/wiki/genie_python-and-Ibex-%28Exercise-solutions%29</a:t>
+            </a:r>
           </a:p>
         </p:txBody>
       </p:sp>
@@ -3166,8 +3180,13 @@
             </a:pPr>
             <a:r>
               <a:rPr lang="en-GB" b="0" dirty="0" smtClean="0"/>
-              <a:t>See https://github.com/ISISComputingGroup/ibex_user_manual/wiki/genie_python-and-Ibex-%28Exercise-solutions%29</a:t>
-            </a:r>
+              <a:t>No ENDPROCEDURE</a:t>
+            </a:r>
+            <a:r>
+              <a:rPr lang="en-GB" b="0" baseline="0" dirty="0" smtClean="0"/>
+              <a:t> needed in Python, indentation makes it implicit</a:t>
+            </a:r>
+            <a:endParaRPr lang="en-GB" b="0" dirty="0" smtClean="0"/>
           </a:p>
         </p:txBody>
       </p:sp>
@@ -3270,13 +3289,8 @@
             </a:pPr>
             <a:r>
               <a:rPr lang="en-GB" b="0" dirty="0" smtClean="0"/>
-              <a:t>No ENDPROCEDURE</a:t>
-            </a:r>
-            <a:r>
-              <a:rPr lang="en-GB" b="0" baseline="0" dirty="0" smtClean="0"/>
-              <a:t> needed in Python, indentation makes it implicit</a:t>
-            </a:r>
-            <a:endParaRPr lang="en-GB" b="0" dirty="0" smtClean="0"/>
+              <a:t>Arguments don’t need typing in Python</a:t>
+            </a:r>
           </a:p>
         </p:txBody>
       </p:sp>
@@ -3360,7 +3374,7 @@
           <a:bodyPr/>
           <a:lstStyle/>
           <a:p>
-            <a:pPr marL="0" marR="0" indent="0" algn="l" defTabSz="914400" rtl="0" eaLnBrk="1" fontAlgn="auto" latinLnBrk="0" hangingPunct="1">
+            <a:pPr marL="171450" marR="0" indent="-171450" algn="l" defTabSz="914400" rtl="0" eaLnBrk="1" fontAlgn="auto" latinLnBrk="0" hangingPunct="1">
               <a:lnSpc>
                 <a:spcPct val="100000"/>
               </a:lnSpc>
@@ -3373,14 +3387,42 @@
               <a:buClrTx/>
               <a:buSzTx/>
               <a:buFontTx/>
-              <a:buNone/>
+              <a:buChar char="-"/>
               <a:tabLst/>
               <a:defRPr/>
             </a:pPr>
             <a:r>
               <a:rPr lang="en-GB" b="0" dirty="0" smtClean="0"/>
-              <a:t>Arguments don’t need typing in Python</a:t>
-            </a:r>
+              <a:t>The endpoint</a:t>
+            </a:r>
+            <a:r>
+              <a:rPr lang="en-GB" b="0" baseline="0" dirty="0" smtClean="0"/>
+              <a:t> of Python’s range function is not inclusive</a:t>
+            </a:r>
+          </a:p>
+          <a:p>
+            <a:pPr marL="171450" marR="0" indent="-171450" algn="l" defTabSz="914400" rtl="0" eaLnBrk="1" fontAlgn="auto" latinLnBrk="0" hangingPunct="1">
+              <a:lnSpc>
+                <a:spcPct val="100000"/>
+              </a:lnSpc>
+              <a:spcBef>
+                <a:spcPts val="0"/>
+              </a:spcBef>
+              <a:spcAft>
+                <a:spcPts val="0"/>
+              </a:spcAft>
+              <a:buClrTx/>
+              <a:buSzTx/>
+              <a:buFontTx/>
+              <a:buChar char="-"/>
+              <a:tabLst/>
+              <a:defRPr/>
+            </a:pPr>
+            <a:r>
+              <a:rPr lang="en-GB" b="0" baseline="0" dirty="0" smtClean="0"/>
+              <a:t>No ENDLOOP needed in python</a:t>
+            </a:r>
+            <a:endParaRPr lang="en-GB" b="0" dirty="0" smtClean="0"/>
           </a:p>
         </p:txBody>
       </p:sp>
@@ -3464,7 +3506,7 @@
           <a:bodyPr/>
           <a:lstStyle/>
           <a:p>
-            <a:pPr marL="171450" marR="0" indent="-171450" algn="l" defTabSz="914400" rtl="0" eaLnBrk="1" fontAlgn="auto" latinLnBrk="0" hangingPunct="1">
+            <a:pPr marL="0" marR="0" indent="0" algn="l" defTabSz="914400" rtl="0" eaLnBrk="1" fontAlgn="auto" latinLnBrk="0" hangingPunct="1">
               <a:lnSpc>
                 <a:spcPct val="100000"/>
               </a:lnSpc>
@@ -3477,40 +3519,13 @@
               <a:buClrTx/>
               <a:buSzTx/>
               <a:buFontTx/>
-              <a:buChar char="-"/>
+              <a:buNone/>
               <a:tabLst/>
               <a:defRPr/>
             </a:pPr>
             <a:r>
-              <a:rPr lang="en-GB" b="0" dirty="0" smtClean="0"/>
-              <a:t>The endpoint</a:t>
-            </a:r>
-            <a:r>
               <a:rPr lang="en-GB" b="0" baseline="0" dirty="0" smtClean="0"/>
-              <a:t> of Python’s range function is not inclusive</a:t>
-            </a:r>
-          </a:p>
-          <a:p>
-            <a:pPr marL="171450" marR="0" indent="-171450" algn="l" defTabSz="914400" rtl="0" eaLnBrk="1" fontAlgn="auto" latinLnBrk="0" hangingPunct="1">
-              <a:lnSpc>
-                <a:spcPct val="100000"/>
-              </a:lnSpc>
-              <a:spcBef>
-                <a:spcPts val="0"/>
-              </a:spcBef>
-              <a:spcAft>
-                <a:spcPts val="0"/>
-              </a:spcAft>
-              <a:buClrTx/>
-              <a:buSzTx/>
-              <a:buFontTx/>
-              <a:buChar char="-"/>
-              <a:tabLst/>
-              <a:defRPr/>
-            </a:pPr>
-            <a:r>
-              <a:rPr lang="en-GB" b="0" baseline="0" dirty="0" smtClean="0"/>
-              <a:t>No ENDLOOP needed in python</a:t>
+              <a:t>No ENDIF needed in python</a:t>
             </a:r>
             <a:endParaRPr lang="en-GB" b="0" dirty="0" smtClean="0"/>
           </a:p>
@@ -3614,8 +3629,28 @@
               <a:defRPr/>
             </a:pPr>
             <a:r>
-              <a:rPr lang="en-GB" b="0" baseline="0" dirty="0" smtClean="0"/>
-              <a:t>No ENDIF needed in python</a:t>
+              <a:rPr lang="en-GB" sz="1200" b="1" i="0" kern="1200" dirty="0" smtClean="0">
+                <a:solidFill>
+                  <a:schemeClr val="tx1"/>
+                </a:solidFill>
+                <a:effectLst/>
+                <a:latin typeface="+mn-lt"/>
+                <a:ea typeface="+mn-ea"/>
+                <a:cs typeface="+mn-cs"/>
+              </a:rPr>
+              <a:t>NOTE</a:t>
+            </a:r>
+            <a:r>
+              <a:rPr lang="en-GB" sz="1200" b="0" i="0" kern="1200" dirty="0" smtClean="0">
+                <a:solidFill>
+                  <a:schemeClr val="tx1"/>
+                </a:solidFill>
+                <a:effectLst/>
+                <a:latin typeface="+mn-lt"/>
+                <a:ea typeface="+mn-ea"/>
+                <a:cs typeface="+mn-cs"/>
+              </a:rPr>
+              <a:t> Python is case sensitive and the arguments, apart from the block name, are in lower case</a:t>
             </a:r>
             <a:endParaRPr lang="en-GB" b="0" dirty="0" smtClean="0"/>
           </a:p>
@@ -3829,7 +3864,7 @@
               <a:defRPr/>
             </a:pPr>
             <a:r>
-              <a:rPr lang="en-GB" sz="1200" b="1" i="0" kern="1200" dirty="0" smtClean="0">
+              <a:rPr lang="en-GB" sz="1200" b="0" i="0" kern="1200" dirty="0" smtClean="0">
                 <a:solidFill>
                   <a:schemeClr val="tx1"/>
                 </a:solidFill>
@@ -3838,10 +3873,10 @@
                 <a:ea typeface="+mn-ea"/>
                 <a:cs typeface="+mn-cs"/>
               </a:rPr>
-              <a:t>NOTE</a:t>
-            </a:r>
-            <a:r>
-              <a:rPr lang="en-GB" sz="1200" b="0" i="0" kern="1200" dirty="0" smtClean="0">
+              <a:t>Go</a:t>
+            </a:r>
+            <a:r>
+              <a:rPr lang="en-GB" sz="1200" b="0" i="0" kern="1200" baseline="0" dirty="0" smtClean="0">
                 <a:solidFill>
                   <a:schemeClr val="tx1"/>
                 </a:solidFill>
@@ -3850,9 +3885,31 @@
                 <a:ea typeface="+mn-ea"/>
                 <a:cs typeface="+mn-cs"/>
               </a:rPr>
-              <a:t> Python is case sensitive and the arguments, apart from the block name, are in lower case</a:t>
-            </a:r>
-            <a:endParaRPr lang="en-GB" b="0" dirty="0" smtClean="0"/>
+              <a:t> through this step-by step with the attendees so they’re happy with the conversion process:</a:t>
+            </a:r>
+          </a:p>
+          <a:p>
+            <a:pPr marL="0" marR="0" indent="0" algn="l" defTabSz="914400" rtl="0" eaLnBrk="1" fontAlgn="auto" latinLnBrk="0" hangingPunct="1">
+              <a:lnSpc>
+                <a:spcPct val="100000"/>
+              </a:lnSpc>
+              <a:spcBef>
+                <a:spcPts val="0"/>
+              </a:spcBef>
+              <a:spcAft>
+                <a:spcPts val="0"/>
+              </a:spcAft>
+              <a:buClrTx/>
+              <a:buSzTx/>
+              <a:buFontTx/>
+              <a:buNone/>
+              <a:tabLst/>
+              <a:defRPr/>
+            </a:pPr>
+            <a:r>
+              <a:rPr lang="en-GB" b="0" dirty="0" smtClean="0"/>
+              <a:t>https://github.com/ISISComputingGroup/ibex_user_manual/wiki/genie_python-and-Ibex-%28Converting-from-OpenGENIE%29</a:t>
+            </a:r>
           </a:p>
         </p:txBody>
       </p:sp>
@@ -3936,22 +3993,9 @@
           <a:bodyPr/>
           <a:lstStyle/>
           <a:p>
-            <a:pPr marL="0" marR="0" indent="0" algn="l" defTabSz="914400" rtl="0" eaLnBrk="1" fontAlgn="auto" latinLnBrk="0" hangingPunct="1">
-              <a:lnSpc>
-                <a:spcPct val="100000"/>
-              </a:lnSpc>
-              <a:spcBef>
-                <a:spcPts val="0"/>
-              </a:spcBef>
-              <a:spcAft>
-                <a:spcPts val="0"/>
-              </a:spcAft>
-              <a:buClrTx/>
-              <a:buSzTx/>
-              <a:buFontTx/>
-              <a:buNone/>
-              <a:tabLst/>
-              <a:defRPr/>
+            <a:pPr marL="171450" indent="-171450">
+              <a:buFont typeface="Arial" panose="020B0604020202020204" pitchFamily="34" charset="0"/>
+              <a:buChar char="•"/>
             </a:pPr>
             <a:r>
               <a:rPr lang="en-GB" sz="1200" b="0" i="0" kern="1200" dirty="0" smtClean="0">
@@ -3963,10 +4007,16 @@
                 <a:ea typeface="+mn-ea"/>
                 <a:cs typeface="+mn-cs"/>
               </a:rPr>
-              <a:t>Go</a:t>
-            </a:r>
-            <a:r>
-              <a:rPr lang="en-GB" sz="1200" b="0" i="0" kern="1200" baseline="0" dirty="0" smtClean="0">
+              <a:t>Rather than use the value 10 for the number of minutes to wait, we've set it as a variable. That means if we change the value, we only need to change it in one place.</a:t>
+            </a:r>
+          </a:p>
+          <a:p>
+            <a:pPr marL="171450" indent="-171450">
+              <a:buFont typeface="Arial" panose="020B0604020202020204" pitchFamily="34" charset="0"/>
+              <a:buChar char="•"/>
+            </a:pPr>
+            <a:r>
+              <a:rPr lang="en-GB" sz="1200" b="0" i="0" kern="1200" dirty="0" smtClean="0">
                 <a:solidFill>
                   <a:schemeClr val="tx1"/>
                 </a:solidFill>
@@ -3975,31 +4025,149 @@
                 <a:ea typeface="+mn-ea"/>
                 <a:cs typeface="+mn-cs"/>
               </a:rPr>
-              <a:t> through this step-by step with the attendees so they’re happy with the conversion process:</a:t>
-            </a:r>
-          </a:p>
-          <a:p>
-            <a:pPr marL="0" marR="0" indent="0" algn="l" defTabSz="914400" rtl="0" eaLnBrk="1" fontAlgn="auto" latinLnBrk="0" hangingPunct="1">
-              <a:lnSpc>
-                <a:spcPct val="100000"/>
-              </a:lnSpc>
-              <a:spcBef>
-                <a:spcPts val="0"/>
-              </a:spcBef>
-              <a:spcAft>
-                <a:spcPts val="0"/>
-              </a:spcAft>
-              <a:buClrTx/>
-              <a:buSzTx/>
-              <a:buFontTx/>
-              <a:buNone/>
-              <a:tabLst/>
-              <a:defRPr/>
-            </a:pPr>
-            <a:r>
-              <a:rPr lang="en-GB" b="0" dirty="0" smtClean="0"/>
-              <a:t>https://github.com/ISISComputingGroup/ibex_user_manual/wiki/genie_python-and-Ibex-%28Converting-from-OpenGENIE%29</a:t>
-            </a:r>
+              <a:t>We've used the minutes argument in </a:t>
+            </a:r>
+            <a:r>
+              <a:rPr lang="en-GB" sz="1200" b="0" i="0" kern="1200" dirty="0" err="1" smtClean="0">
+                <a:solidFill>
+                  <a:schemeClr val="tx1"/>
+                </a:solidFill>
+                <a:effectLst/>
+                <a:latin typeface="+mn-lt"/>
+                <a:ea typeface="+mn-ea"/>
+                <a:cs typeface="+mn-cs"/>
+              </a:rPr>
+              <a:t>waitfor_time</a:t>
+            </a:r>
+            <a:r>
+              <a:rPr lang="en-GB" sz="1200" b="0" i="0" kern="1200" dirty="0" smtClean="0">
+                <a:solidFill>
+                  <a:schemeClr val="tx1"/>
+                </a:solidFill>
+                <a:effectLst/>
+                <a:latin typeface="+mn-lt"/>
+                <a:ea typeface="+mn-ea"/>
+                <a:cs typeface="+mn-cs"/>
+              </a:rPr>
+              <a:t> rather than having to apply the conversion factor between minutes and seconds ourselves.</a:t>
+            </a:r>
+          </a:p>
+          <a:p>
+            <a:pPr marL="171450" indent="-171450">
+              <a:buFont typeface="Arial" panose="020B0604020202020204" pitchFamily="34" charset="0"/>
+              <a:buChar char="•"/>
+            </a:pPr>
+            <a:r>
+              <a:rPr lang="en-GB" sz="1200" b="0" i="0" kern="1200" dirty="0" smtClean="0">
+                <a:solidFill>
+                  <a:schemeClr val="tx1"/>
+                </a:solidFill>
+                <a:effectLst/>
+                <a:latin typeface="+mn-lt"/>
+                <a:ea typeface="+mn-ea"/>
+                <a:cs typeface="+mn-cs"/>
+              </a:rPr>
+              <a:t>We've used the syntax "...".format(arg1, arg2) to build our output strings. There are lots of ways to build strings in Python. Alternatively you can just use "..." + </a:t>
+            </a:r>
+            <a:r>
+              <a:rPr lang="en-GB" sz="1200" b="0" i="0" kern="1200" dirty="0" err="1" smtClean="0">
+                <a:solidFill>
+                  <a:schemeClr val="tx1"/>
+                </a:solidFill>
+                <a:effectLst/>
+                <a:latin typeface="+mn-lt"/>
+                <a:ea typeface="+mn-ea"/>
+                <a:cs typeface="+mn-cs"/>
+              </a:rPr>
+              <a:t>str</a:t>
+            </a:r>
+            <a:r>
+              <a:rPr lang="en-GB" sz="1200" b="0" i="0" kern="1200" dirty="0" smtClean="0">
+                <a:solidFill>
+                  <a:schemeClr val="tx1"/>
+                </a:solidFill>
+                <a:effectLst/>
+                <a:latin typeface="+mn-lt"/>
+                <a:ea typeface="+mn-ea"/>
+                <a:cs typeface="+mn-cs"/>
+              </a:rPr>
+              <a:t>(arg1) + "..." + </a:t>
+            </a:r>
+            <a:r>
+              <a:rPr lang="en-GB" sz="1200" b="0" i="0" kern="1200" dirty="0" err="1" smtClean="0">
+                <a:solidFill>
+                  <a:schemeClr val="tx1"/>
+                </a:solidFill>
+                <a:effectLst/>
+                <a:latin typeface="+mn-lt"/>
+                <a:ea typeface="+mn-ea"/>
+                <a:cs typeface="+mn-cs"/>
+              </a:rPr>
+              <a:t>str</a:t>
+            </a:r>
+            <a:r>
+              <a:rPr lang="en-GB" sz="1200" b="0" i="0" kern="1200" dirty="0" smtClean="0">
+                <a:solidFill>
+                  <a:schemeClr val="tx1"/>
+                </a:solidFill>
+                <a:effectLst/>
+                <a:latin typeface="+mn-lt"/>
+                <a:ea typeface="+mn-ea"/>
+                <a:cs typeface="+mn-cs"/>
+              </a:rPr>
+              <a:t>(arg2) + "..." but we like this way because it makes it easier to read and you don't have to remember to use </a:t>
+            </a:r>
+            <a:r>
+              <a:rPr lang="en-GB" sz="1200" b="0" i="0" kern="1200" dirty="0" err="1" smtClean="0">
+                <a:solidFill>
+                  <a:schemeClr val="tx1"/>
+                </a:solidFill>
+                <a:effectLst/>
+                <a:latin typeface="+mn-lt"/>
+                <a:ea typeface="+mn-ea"/>
+                <a:cs typeface="+mn-cs"/>
+              </a:rPr>
+              <a:t>str</a:t>
+            </a:r>
+            <a:r>
+              <a:rPr lang="en-GB" sz="1200" b="0" i="0" kern="1200" dirty="0" smtClean="0">
+                <a:solidFill>
+                  <a:schemeClr val="tx1"/>
+                </a:solidFill>
+                <a:effectLst/>
+                <a:latin typeface="+mn-lt"/>
+                <a:ea typeface="+mn-ea"/>
+                <a:cs typeface="+mn-cs"/>
+              </a:rPr>
+              <a:t>(...) to convert the types</a:t>
+            </a:r>
+          </a:p>
+          <a:p>
+            <a:pPr marL="171450" indent="-171450">
+              <a:buFont typeface="Arial" panose="020B0604020202020204" pitchFamily="34" charset="0"/>
+              <a:buChar char="•"/>
+            </a:pPr>
+            <a:r>
+              <a:rPr lang="en-GB" sz="1200" b="0" i="0" kern="1200" dirty="0" smtClean="0">
+                <a:solidFill>
+                  <a:schemeClr val="tx1"/>
+                </a:solidFill>
+                <a:effectLst/>
+                <a:latin typeface="+mn-lt"/>
+                <a:ea typeface="+mn-ea"/>
+                <a:cs typeface="+mn-cs"/>
+              </a:rPr>
+              <a:t>Full conversion steps at: https://github.com/ISISComputingGroup/ibex_user_manual/wiki/genie_python-and-Ibex-%28Converting-from-OpenGENIE%29</a:t>
+            </a:r>
+            <a:endParaRPr lang="en-GB" sz="1200" b="0" i="0" kern="1200" dirty="0">
+              <a:solidFill>
+                <a:schemeClr val="tx1"/>
+              </a:solidFill>
+              <a:effectLst/>
+              <a:latin typeface="+mn-lt"/>
+              <a:ea typeface="+mn-ea"/>
+              <a:cs typeface="+mn-cs"/>
+            </a:endParaRPr>
           </a:p>
         </p:txBody>
       </p:sp>
@@ -4097,7 +4265,7 @@
                 <a:ea typeface="+mn-ea"/>
                 <a:cs typeface="+mn-cs"/>
               </a:rPr>
-              <a:t>Rather than use the value 10 for the number of minutes to wait, we've set it as a variable. That means if we change the value, we only need to change it in one place.</a:t>
+              <a:t>https://github.com/ISISComputingGroup/ibex_user_manual/wiki/genie_python-and-Ibex-%28Exercise-solutions%29</a:t>
             </a:r>
           </a:p>
           <a:p>
@@ -4115,10 +4283,10 @@
                 <a:ea typeface="+mn-ea"/>
                 <a:cs typeface="+mn-cs"/>
               </a:rPr>
-              <a:t>We've used the minutes argument in </a:t>
-            </a:r>
-            <a:r>
-              <a:rPr lang="en-GB" sz="1200" b="0" i="0" kern="1200" dirty="0" err="1" smtClean="0">
+              <a:t>Should be quite straightforward.</a:t>
+            </a:r>
+            <a:r>
+              <a:rPr lang="en-GB" sz="1200" b="0" i="0" kern="1200" baseline="0" dirty="0" smtClean="0">
                 <a:solidFill>
                   <a:schemeClr val="tx1"/>
                 </a:solidFill>
@@ -4127,127 +4295,35 @@
                 <a:ea typeface="+mn-ea"/>
                 <a:cs typeface="+mn-cs"/>
               </a:rPr>
-              <a:t>waitfor_time</a:t>
-            </a:r>
-            <a:r>
-              <a:rPr lang="en-GB" sz="1200" b="0" i="0" kern="1200" dirty="0" smtClean="0">
-                <a:solidFill>
-                  <a:schemeClr val="tx1"/>
-                </a:solidFill>
-                <a:effectLst/>
-                <a:latin typeface="+mn-lt"/>
-                <a:ea typeface="+mn-ea"/>
-                <a:cs typeface="+mn-cs"/>
-              </a:rPr>
-              <a:t> rather than having to apply the conversion factor between minutes and seconds ourselves.</a:t>
-            </a:r>
-          </a:p>
-          <a:p>
-            <a:pPr marL="171450" indent="-171450">
-              <a:buFont typeface="Arial" panose="020B0604020202020204" pitchFamily="34" charset="0"/>
-              <a:buChar char="•"/>
-            </a:pPr>
-            <a:r>
-              <a:rPr lang="en-GB" sz="1200" b="0" i="0" kern="1200" dirty="0" smtClean="0">
-                <a:solidFill>
-                  <a:schemeClr val="tx1"/>
-                </a:solidFill>
-                <a:effectLst/>
-                <a:latin typeface="+mn-lt"/>
-                <a:ea typeface="+mn-ea"/>
-                <a:cs typeface="+mn-cs"/>
-              </a:rPr>
-              <a:t>We've used the syntax "...".format(arg1, arg2) to build our output strings. There are lots of ways to build strings in Python. Alternatively you can just use "..." + </a:t>
-            </a:r>
-            <a:r>
-              <a:rPr lang="en-GB" sz="1200" b="0" i="0" kern="1200" dirty="0" err="1" smtClean="0">
-                <a:solidFill>
-                  <a:schemeClr val="tx1"/>
-                </a:solidFill>
-                <a:effectLst/>
-                <a:latin typeface="+mn-lt"/>
-                <a:ea typeface="+mn-ea"/>
-                <a:cs typeface="+mn-cs"/>
-              </a:rPr>
-              <a:t>str</a:t>
-            </a:r>
-            <a:r>
-              <a:rPr lang="en-GB" sz="1200" b="0" i="0" kern="1200" dirty="0" smtClean="0">
-                <a:solidFill>
-                  <a:schemeClr val="tx1"/>
-                </a:solidFill>
-                <a:effectLst/>
-                <a:latin typeface="+mn-lt"/>
-                <a:ea typeface="+mn-ea"/>
-                <a:cs typeface="+mn-cs"/>
-              </a:rPr>
-              <a:t>(arg1) + "..." + </a:t>
-            </a:r>
-            <a:r>
-              <a:rPr lang="en-GB" sz="1200" b="0" i="0" kern="1200" dirty="0" err="1" smtClean="0">
-                <a:solidFill>
-                  <a:schemeClr val="tx1"/>
-                </a:solidFill>
-                <a:effectLst/>
-                <a:latin typeface="+mn-lt"/>
-                <a:ea typeface="+mn-ea"/>
-                <a:cs typeface="+mn-cs"/>
-              </a:rPr>
-              <a:t>str</a:t>
-            </a:r>
-            <a:r>
-              <a:rPr lang="en-GB" sz="1200" b="0" i="0" kern="1200" dirty="0" smtClean="0">
-                <a:solidFill>
-                  <a:schemeClr val="tx1"/>
-                </a:solidFill>
-                <a:effectLst/>
-                <a:latin typeface="+mn-lt"/>
-                <a:ea typeface="+mn-ea"/>
-                <a:cs typeface="+mn-cs"/>
-              </a:rPr>
-              <a:t>(arg2) + "..." but we like this way because it makes it easier to read and you don't have to remember to use </a:t>
-            </a:r>
-            <a:r>
-              <a:rPr lang="en-GB" sz="1200" b="0" i="0" kern="1200" dirty="0" err="1" smtClean="0">
-                <a:solidFill>
-                  <a:schemeClr val="tx1"/>
-                </a:solidFill>
-                <a:effectLst/>
-                <a:latin typeface="+mn-lt"/>
-                <a:ea typeface="+mn-ea"/>
-                <a:cs typeface="+mn-cs"/>
-              </a:rPr>
-              <a:t>str</a:t>
-            </a:r>
-            <a:r>
-              <a:rPr lang="en-GB" sz="1200" b="0" i="0" kern="1200" dirty="0" smtClean="0">
-                <a:solidFill>
-                  <a:schemeClr val="tx1"/>
-                </a:solidFill>
-                <a:effectLst/>
-                <a:latin typeface="+mn-lt"/>
-                <a:ea typeface="+mn-ea"/>
-                <a:cs typeface="+mn-cs"/>
-              </a:rPr>
-              <a:t>(...) to convert the types</a:t>
-            </a:r>
-          </a:p>
-          <a:p>
-            <a:pPr marL="171450" indent="-171450">
-              <a:buFont typeface="Arial" panose="020B0604020202020204" pitchFamily="34" charset="0"/>
-              <a:buChar char="•"/>
-            </a:pPr>
-            <a:r>
-              <a:rPr lang="en-GB" sz="1200" b="0" i="0" kern="1200" dirty="0" smtClean="0">
-                <a:solidFill>
-                  <a:schemeClr val="tx1"/>
-                </a:solidFill>
-                <a:effectLst/>
-                <a:latin typeface="+mn-lt"/>
-                <a:ea typeface="+mn-ea"/>
-                <a:cs typeface="+mn-cs"/>
-              </a:rPr>
-              <a:t>Full conversion steps at: https://github.com/ISISComputingGroup/ibex_user_manual/wiki/genie_python-and-Ibex-%28Converting-from-OpenGENIE%29</a:t>
+              <a:t> Note the simplification “</a:t>
+            </a:r>
+            <a:r>
+              <a:rPr lang="en-GB" dirty="0" err="1" smtClean="0"/>
+              <a:t>setpoint</a:t>
+            </a:r>
+            <a:r>
+              <a:rPr lang="en-GB" dirty="0" smtClean="0"/>
+              <a:t> = (start + </a:t>
+            </a:r>
+            <a:r>
+              <a:rPr lang="en-GB" dirty="0" err="1" smtClean="0"/>
+              <a:t>i</a:t>
+            </a:r>
+            <a:r>
+              <a:rPr lang="en-GB" dirty="0" smtClean="0"/>
+              <a:t>*</a:t>
+            </a:r>
+            <a:r>
+              <a:rPr lang="en-GB" dirty="0" err="1" smtClean="0"/>
+              <a:t>step_size</a:t>
+            </a:r>
+            <a:r>
+              <a:rPr lang="en-GB" dirty="0" smtClean="0"/>
+              <a:t>) % 360” to avoid</a:t>
+            </a:r>
+            <a:r>
+              <a:rPr lang="en-GB" baseline="0" dirty="0" smtClean="0"/>
+              <a:t> needing to increment step size and do modulo in one step</a:t>
             </a:r>
             <a:endParaRPr lang="en-GB" sz="1200" b="0" i="0" kern="1200" dirty="0">
               <a:solidFill>
@@ -4341,89 +4417,17 @@
           <a:bodyPr/>
           <a:lstStyle/>
           <a:p>
-            <a:pPr marL="171450" indent="-171450">
-              <a:buFont typeface="Arial" panose="020B0604020202020204" pitchFamily="34" charset="0"/>
-              <a:buChar char="•"/>
-            </a:pPr>
-            <a:r>
-              <a:rPr lang="en-GB" sz="1200" b="0" i="0" kern="1200" dirty="0" smtClean="0">
-                <a:solidFill>
-                  <a:schemeClr val="tx1"/>
-                </a:solidFill>
-                <a:effectLst/>
-                <a:latin typeface="+mn-lt"/>
-                <a:ea typeface="+mn-ea"/>
-                <a:cs typeface="+mn-cs"/>
-              </a:rPr>
-              <a:t>https://github.com/ISISComputingGroup/ibex_user_manual/wiki/genie_python-and-Ibex-%28Exercise-solutions%29</a:t>
-            </a:r>
-          </a:p>
-          <a:p>
-            <a:pPr marL="171450" indent="-171450">
-              <a:buFont typeface="Arial" panose="020B0604020202020204" pitchFamily="34" charset="0"/>
-              <a:buChar char="•"/>
-            </a:pPr>
-            <a:r>
-              <a:rPr lang="en-GB" sz="1200" b="0" i="0" kern="1200" dirty="0" smtClean="0">
-                <a:solidFill>
-                  <a:schemeClr val="tx1"/>
-                </a:solidFill>
-                <a:effectLst/>
-                <a:latin typeface="+mn-lt"/>
-                <a:ea typeface="+mn-ea"/>
-                <a:cs typeface="+mn-cs"/>
-              </a:rPr>
-              <a:t>Should be quite straightforward.</a:t>
-            </a:r>
-            <a:r>
-              <a:rPr lang="en-GB" sz="1200" b="0" i="0" kern="1200" baseline="0" dirty="0" smtClean="0">
-                <a:solidFill>
-                  <a:schemeClr val="tx1"/>
-                </a:solidFill>
-                <a:effectLst/>
-                <a:latin typeface="+mn-lt"/>
-                <a:ea typeface="+mn-ea"/>
-                <a:cs typeface="+mn-cs"/>
-              </a:rPr>
-              <a:t> Note the simplification “</a:t>
-            </a:r>
-            <a:r>
-              <a:rPr lang="en-GB" dirty="0" err="1" smtClean="0"/>
-              <a:t>setpoint</a:t>
-            </a:r>
-            <a:r>
-              <a:rPr lang="en-GB" dirty="0" smtClean="0"/>
-              <a:t> = (start + </a:t>
-            </a:r>
-            <a:r>
-              <a:rPr lang="en-GB" dirty="0" err="1" smtClean="0"/>
-              <a:t>i</a:t>
-            </a:r>
-            <a:r>
-              <a:rPr lang="en-GB" dirty="0" smtClean="0"/>
-              <a:t>*</a:t>
-            </a:r>
-            <a:r>
-              <a:rPr lang="en-GB" dirty="0" err="1" smtClean="0"/>
-              <a:t>step_size</a:t>
-            </a:r>
-            <a:r>
-              <a:rPr lang="en-GB" dirty="0" smtClean="0"/>
-              <a:t>) % 360” to avoid</a:t>
+            <a:r>
+              <a:rPr lang="en-GB" dirty="0" smtClean="0"/>
+              <a:t>User manual and genie</a:t>
             </a:r>
             <a:r>
               <a:rPr lang="en-GB" baseline="0" dirty="0" smtClean="0"/>
-              <a:t> needing to increment step size and do modulo in one step</a:t>
-            </a:r>
-            <a:endParaRPr lang="en-GB" sz="1200" b="0" i="0" kern="1200" dirty="0">
-              <a:solidFill>
-                <a:schemeClr val="tx1"/>
-              </a:solidFill>
-              <a:effectLst/>
-              <a:latin typeface="+mn-lt"/>
-              <a:ea typeface="+mn-ea"/>
-              <a:cs typeface="+mn-cs"/>
-            </a:endParaRPr>
+              <a:t> python manual</a:t>
+            </a:r>
+          </a:p>
+          <a:p>
+            <a:endParaRPr lang="en-GB" dirty="0"/>
           </a:p>
         </p:txBody>
       </p:sp>
@@ -4445,100 +4449,6 @@
             <a:fld id="{EAEECE71-DBFB-4B75-8F10-14EC87FCE1EC}" type="slidenum">
               <a:rPr lang="en-GB" smtClean="0"/>
               <a:t>33</a:t>
-            </a:fld>
-            <a:endParaRPr lang="en-GB" dirty="0"/>
-          </a:p>
-        </p:txBody>
-      </p:sp>
-    </p:spTree>
-    <p:extLst>
-      <p:ext uri="{BB962C8B-B14F-4D97-AF65-F5344CB8AC3E}">
-        <p14:creationId xmlns:p14="http://schemas.microsoft.com/office/powerpoint/2010/main" val="1049264693"/>
-      </p:ext>
-    </p:extLst>
-  </p:cSld>
-  <p:clrMapOvr>
-    <a:masterClrMapping/>
-  </p:clrMapOvr>
-</p:notes>
-</file>
-
-<file path=ppt/notesSlides/notesSlide34.xml><?xml version="1.0" encoding="utf-8"?>
-<p:notes xmlns:a="http://schemas.openxmlformats.org/drawingml/2006/main" xmlns:r="http://schemas.openxmlformats.org/officeDocument/2006/relationships" xmlns:p="http://schemas.openxmlformats.org/presentationml/2006/main">
-  <p:cSld>
-    <p:spTree>
-      <p:nvGrpSpPr>
-        <p:cNvPr id="1" name=""/>
-        <p:cNvGrpSpPr/>
-        <p:nvPr/>
-      </p:nvGrpSpPr>
-      <p:grpSpPr>
-        <a:xfrm>
-          <a:off x="0" y="0"/>
-          <a:ext cx="0" cy="0"/>
-          <a:chOff x="0" y="0"/>
-          <a:chExt cx="0" cy="0"/>
-        </a:xfrm>
-      </p:grpSpPr>
-      <p:sp>
-        <p:nvSpPr>
-          <p:cNvPr id="2" name="Slide Image Placeholder 1"/>
-          <p:cNvSpPr>
-            <a:spLocks noGrp="1" noRot="1" noChangeAspect="1"/>
-          </p:cNvSpPr>
-          <p:nvPr>
-            <p:ph type="sldImg"/>
-          </p:nvPr>
-        </p:nvSpPr>
-        <p:spPr/>
-      </p:sp>
-      <p:sp>
-        <p:nvSpPr>
-          <p:cNvPr id="3" name="Notes Placeholder 2"/>
-          <p:cNvSpPr>
-            <a:spLocks noGrp="1"/>
-          </p:cNvSpPr>
-          <p:nvPr>
-            <p:ph type="body" idx="1"/>
-          </p:nvPr>
-        </p:nvSpPr>
-        <p:spPr/>
-        <p:txBody>
-          <a:bodyPr/>
-          <a:lstStyle/>
-          <a:p>
-            <a:r>
-              <a:rPr lang="en-GB" dirty="0" smtClean="0"/>
-              <a:t>User manual and genie</a:t>
-            </a:r>
-            <a:r>
-              <a:rPr lang="en-GB" baseline="0" dirty="0" smtClean="0"/>
-              <a:t> python manual</a:t>
-            </a:r>
-          </a:p>
-          <a:p>
-            <a:endParaRPr lang="en-GB" dirty="0"/>
-          </a:p>
-        </p:txBody>
-      </p:sp>
-      <p:sp>
-        <p:nvSpPr>
-          <p:cNvPr id="4" name="Slide Number Placeholder 3"/>
-          <p:cNvSpPr>
-            <a:spLocks noGrp="1"/>
-          </p:cNvSpPr>
-          <p:nvPr>
-            <p:ph type="sldNum" sz="quarter" idx="10"/>
-          </p:nvPr>
-        </p:nvSpPr>
-        <p:spPr/>
-        <p:txBody>
-          <a:bodyPr/>
-          <a:lstStyle/>
-          <a:p>
-            <a:fld id="{EAEECE71-DBFB-4B75-8F10-14EC87FCE1EC}" type="slidenum">
-              <a:rPr lang="en-GB" smtClean="0"/>
-              <a:t>34</a:t>
             </a:fld>
             <a:endParaRPr lang="en-GB" dirty="0"/>
           </a:p>
@@ -5357,19 +5267,7 @@
             </a:pPr>
             <a:r>
               <a:rPr lang="en-GB" dirty="0" smtClean="0"/>
-              <a:t>Un-named </a:t>
-            </a:r>
-            <a:r>
-              <a:rPr lang="en-GB" dirty="0" smtClean="0"/>
-              <a:t>arguments will be interpreted in the order of the function definition. </a:t>
-            </a:r>
-            <a:r>
-              <a:rPr lang="en-GB" dirty="0" smtClean="0"/>
-              <a:t>Named </a:t>
-            </a:r>
-            <a:r>
-              <a:rPr lang="en-GB" dirty="0" smtClean="0"/>
-              <a:t>arguments can be in any order. So ``</a:t>
+              <a:t>Un-named arguments will be interpreted in the order of the function definition. Named arguments can be in any order. So ``</a:t>
             </a:r>
             <a:r>
               <a:rPr lang="en-GB" dirty="0" err="1" smtClean="0"/>
@@ -5694,11 +5592,15 @@
             </a:r>
             <a:r>
               <a:rPr lang="en-GB" dirty="0" err="1" smtClean="0"/>
-              <a:t>g.waitfor</a:t>
-            </a:r>
-            <a:r>
-              <a:rPr lang="en-GB" dirty="0" smtClean="0"/>
-              <a:t>(seconds=10)``. Wait for 10 seconds</a:t>
+              <a:t>g.waitfor_time</a:t>
+            </a:r>
+            <a:r>
+              <a:rPr lang="en-GB" dirty="0" smtClean="0"/>
+              <a:t>(seconds=10</a:t>
+            </a:r>
+            <a:r>
+              <a:rPr lang="en-GB" dirty="0" smtClean="0"/>
+              <a:t>)``. Wait for 10 seconds</a:t>
             </a:r>
           </a:p>
           <a:p>
@@ -5712,11 +5614,15 @@
             </a:r>
             <a:r>
               <a:rPr lang="en-GB" dirty="0" err="1" smtClean="0"/>
-              <a:t>g.waitfor</a:t>
-            </a:r>
-            <a:r>
-              <a:rPr lang="en-GB" dirty="0" smtClean="0"/>
-              <a:t>(minutes=10)``. Wait for 10 minutes</a:t>
+              <a:t>g.waitfor_time</a:t>
+            </a:r>
+            <a:r>
+              <a:rPr lang="en-GB" dirty="0" smtClean="0"/>
+              <a:t>(minutes=10</a:t>
+            </a:r>
+            <a:r>
+              <a:rPr lang="en-GB" dirty="0" smtClean="0"/>
+              <a:t>)``. Wait for 10 minutes</a:t>
             </a:r>
           </a:p>
           <a:p>
@@ -5730,19 +5636,15 @@
             </a:r>
             <a:r>
               <a:rPr lang="en-GB" dirty="0" err="1" smtClean="0"/>
-              <a:t>g.waitfor</a:t>
-            </a:r>
-            <a:r>
-              <a:rPr lang="en-GB" dirty="0" smtClean="0"/>
-              <a:t>(</a:t>
-            </a:r>
-            <a:r>
-              <a:rPr lang="en-GB" dirty="0" err="1" smtClean="0"/>
-              <a:t>uamps</a:t>
-            </a:r>
-            <a:r>
-              <a:rPr lang="en-GB" dirty="0" smtClean="0"/>
-              <a:t>=10)``. Wait for the total received current to reach 10 </a:t>
+              <a:t>g.waitfor_uamps</a:t>
+            </a:r>
+            <a:r>
+              <a:rPr lang="en-GB" dirty="0" smtClean="0"/>
+              <a:t>(10</a:t>
+            </a:r>
+            <a:r>
+              <a:rPr lang="en-GB" dirty="0" smtClean="0"/>
+              <a:t>)``. Wait for the total received current to reach 10 </a:t>
             </a:r>
             <a:r>
               <a:rPr lang="en-GB" dirty="0" err="1" smtClean="0"/>
@@ -5761,53 +5663,15 @@
             </a:r>
             <a:r>
               <a:rPr lang="en-GB" dirty="0" err="1" smtClean="0"/>
-              <a:t>g.waitfor</a:t>
-            </a:r>
-            <a:r>
-              <a:rPr lang="en-GB" dirty="0" smtClean="0"/>
-              <a:t>(</a:t>
-            </a:r>
-            <a:r>
-              <a:rPr lang="en-GB" dirty="0" err="1" smtClean="0"/>
-              <a:t>uamps</a:t>
-            </a:r>
-            <a:r>
-              <a:rPr lang="en-GB" dirty="0" smtClean="0"/>
-              <a:t>=10, </a:t>
-            </a:r>
-            <a:r>
-              <a:rPr lang="en-GB" dirty="0" err="1" smtClean="0"/>
-              <a:t>maxwait</a:t>
-            </a:r>
-            <a:r>
-              <a:rPr lang="en-GB" dirty="0" smtClean="0"/>
-              <a:t>=10)``. Wait for the total received current to reach 10 </a:t>
-            </a:r>
-            <a:r>
-              <a:rPr lang="en-GB" dirty="0" err="1" smtClean="0"/>
-              <a:t>uamps</a:t>
-            </a:r>
-            <a:r>
-              <a:rPr lang="en-GB" dirty="0" smtClean="0"/>
-              <a:t>, but wait no more than 10 seconds</a:t>
-            </a:r>
-          </a:p>
-          <a:p>
-            <a:pPr marL="171450" indent="-171450">
-              <a:buFontTx/>
-              <a:buChar char="-"/>
-            </a:pPr>
-            <a:r>
-              <a:rPr lang="en-GB" dirty="0" smtClean="0"/>
-              <a:t>``</a:t>
-            </a:r>
-            <a:r>
-              <a:rPr lang="en-GB" dirty="0" err="1" smtClean="0"/>
-              <a:t>g.waitfor</a:t>
-            </a:r>
-            <a:r>
-              <a:rPr lang="en-GB" dirty="0" smtClean="0"/>
-              <a:t>(block="MY_BLOCK", </a:t>
+              <a:t>g.waitfor_block</a:t>
+            </a:r>
+            <a:r>
+              <a:rPr lang="en-GB" dirty="0" smtClean="0"/>
+              <a:t>(block</a:t>
+            </a:r>
+            <a:r>
+              <a:rPr lang="en-GB" dirty="0" smtClean="0"/>
+              <a:t>="MY_BLOCK", </a:t>
             </a:r>
             <a:r>
               <a:rPr lang="en-GB" dirty="0" err="1" smtClean="0"/>
@@ -6047,7 +5911,7 @@
               <a:pPr>
                 <a:defRPr/>
               </a:pPr>
-              <a:t>10/07/2017</a:t>
+              <a:t>18/07/2017</a:t>
             </a:fld>
             <a:endParaRPr lang="en-GB" dirty="0"/>
           </a:p>
@@ -6244,7 +6108,7 @@
               <a:pPr>
                 <a:defRPr/>
               </a:pPr>
-              <a:t>10/07/2017</a:t>
+              <a:t>18/07/2017</a:t>
             </a:fld>
             <a:endParaRPr lang="en-GB" dirty="0"/>
           </a:p>
@@ -6451,7 +6315,7 @@
               <a:pPr>
                 <a:defRPr/>
               </a:pPr>
-              <a:t>10/07/2017</a:t>
+              <a:t>18/07/2017</a:t>
             </a:fld>
             <a:endParaRPr lang="en-GB" dirty="0"/>
           </a:p>
@@ -6648,7 +6512,7 @@
               <a:pPr>
                 <a:defRPr/>
               </a:pPr>
-              <a:t>10/07/2017</a:t>
+              <a:t>18/07/2017</a:t>
             </a:fld>
             <a:endParaRPr lang="en-GB" dirty="0"/>
           </a:p>
@@ -6921,7 +6785,7 @@
               <a:pPr>
                 <a:defRPr/>
               </a:pPr>
-              <a:t>10/07/2017</a:t>
+              <a:t>18/07/2017</a:t>
             </a:fld>
             <a:endParaRPr lang="en-GB" dirty="0"/>
           </a:p>
@@ -7236,7 +7100,7 @@
               <a:pPr>
                 <a:defRPr/>
               </a:pPr>
-              <a:t>10/07/2017</a:t>
+              <a:t>18/07/2017</a:t>
             </a:fld>
             <a:endParaRPr lang="en-GB" dirty="0"/>
           </a:p>
@@ -7685,7 +7549,7 @@
               <a:pPr>
                 <a:defRPr/>
               </a:pPr>
-              <a:t>10/07/2017</a:t>
+              <a:t>18/07/2017</a:t>
             </a:fld>
             <a:endParaRPr lang="en-GB" dirty="0"/>
           </a:p>
@@ -7830,7 +7694,7 @@
               <a:pPr>
                 <a:defRPr/>
               </a:pPr>
-              <a:t>10/07/2017</a:t>
+              <a:t>18/07/2017</a:t>
             </a:fld>
             <a:endParaRPr lang="en-GB" dirty="0"/>
           </a:p>
@@ -7952,7 +7816,7 @@
               <a:pPr>
                 <a:defRPr/>
               </a:pPr>
-              <a:t>10/07/2017</a:t>
+              <a:t>18/07/2017</a:t>
             </a:fld>
             <a:endParaRPr lang="en-GB" dirty="0"/>
           </a:p>
@@ -8256,7 +8120,7 @@
               <a:pPr>
                 <a:defRPr/>
               </a:pPr>
-              <a:t>10/07/2017</a:t>
+              <a:t>18/07/2017</a:t>
             </a:fld>
             <a:endParaRPr lang="en-GB" dirty="0"/>
           </a:p>
@@ -8539,7 +8403,7 @@
               <a:pPr>
                 <a:defRPr/>
               </a:pPr>
-              <a:t>10/07/2017</a:t>
+              <a:t>18/07/2017</a:t>
             </a:fld>
             <a:endParaRPr lang="en-GB" dirty="0"/>
           </a:p>
@@ -8834,7 +8698,7 @@
               <a:pPr>
                 <a:defRPr/>
               </a:pPr>
-              <a:t>10/07/2017</a:t>
+              <a:t>18/07/2017</a:t>
             </a:fld>
             <a:endParaRPr lang="en-GB" dirty="0"/>
           </a:p>
@@ -9560,7 +9424,7 @@
             </a:br>
             <a:r>
               <a:rPr lang="en-GB" dirty="0" smtClean="0"/>
-              <a:t>Waiting</a:t>
+              <a:t>Update and store</a:t>
             </a:r>
             <a:endParaRPr lang="en-GB" dirty="0"/>
           </a:p>
@@ -9575,7 +9439,7 @@
         <p:spPr>
           <a:xfrm>
             <a:off x="395536" y="1844824"/>
-            <a:ext cx="8496944" cy="3970318"/>
+            <a:ext cx="8496944" cy="3108543"/>
           </a:xfrm>
           <a:prstGeom prst="rect">
             <a:avLst/>
@@ -9593,18 +9457,13 @@
               <a:buChar char="•"/>
             </a:pPr>
             <a:r>
+              <a:rPr lang="en-GB" sz="2800" dirty="0"/>
+              <a:t>You can update and store DAE results </a:t>
+            </a:r>
+            <a:r>
               <a:rPr lang="en-GB" sz="2800" dirty="0" smtClean="0"/>
-              <a:t>Many standalone </a:t>
-            </a:r>
-            <a:r>
-              <a:rPr lang="en-GB" sz="2800" i="1" dirty="0" err="1" smtClean="0"/>
-              <a:t>waitfor</a:t>
-            </a:r>
-            <a:r>
-              <a:rPr lang="en-GB" sz="2800" dirty="0" smtClean="0"/>
-              <a:t> functions. A few examples:</a:t>
-            </a:r>
-            <a:endParaRPr lang="en-GB" sz="2800" dirty="0"/>
+              <a:t>using:</a:t>
+            </a:r>
           </a:p>
           <a:p>
             <a:pPr marL="800100" lvl="1" indent="-342900">
@@ -9612,10 +9471,21 @@
               <a:buChar char="•"/>
             </a:pPr>
             <a:r>
-              <a:rPr lang="en-GB" sz="2800" dirty="0" err="1" smtClean="0"/>
-              <a:t>waitfor_block</a:t>
-            </a:r>
-            <a:endParaRPr lang="en-GB" sz="2800" dirty="0" smtClean="0"/>
+              <a:rPr lang="en-GB" sz="2800" i="1" dirty="0" smtClean="0"/>
+              <a:t>update</a:t>
+            </a:r>
+            <a:r>
+              <a:rPr lang="en-GB" sz="2800" dirty="0" smtClean="0"/>
+              <a:t>: </a:t>
+            </a:r>
+            <a:r>
+              <a:rPr lang="en-GB" sz="2800" dirty="0"/>
+              <a:t>Load the data from the DAE into </a:t>
+            </a:r>
+            <a:r>
+              <a:rPr lang="en-GB" sz="2800" dirty="0" smtClean="0"/>
+              <a:t>memory</a:t>
+            </a:r>
           </a:p>
           <a:p>
             <a:pPr marL="800100" lvl="1" indent="-342900">
@@ -9623,10 +9493,21 @@
               <a:buChar char="•"/>
             </a:pPr>
             <a:r>
-              <a:rPr lang="en-GB" sz="2800" dirty="0" err="1" smtClean="0"/>
-              <a:t>waitfor_frames</a:t>
-            </a:r>
-            <a:endParaRPr lang="en-GB" sz="2800" dirty="0" smtClean="0"/>
+              <a:rPr lang="en-GB" sz="2800" i="1" dirty="0" smtClean="0"/>
+              <a:t>store</a:t>
+            </a:r>
+            <a:r>
+              <a:rPr lang="en-GB" sz="2800" dirty="0" smtClean="0"/>
+              <a:t>: </a:t>
+            </a:r>
+            <a:r>
+              <a:rPr lang="en-GB" sz="2800" dirty="0"/>
+              <a:t>Write the updated DAE information to </a:t>
+            </a:r>
+            <a:r>
+              <a:rPr lang="en-GB" sz="2800" dirty="0" smtClean="0"/>
+              <a:t>disk</a:t>
+            </a:r>
           </a:p>
           <a:p>
             <a:pPr marL="800100" lvl="1" indent="-342900">
@@ -9634,28 +9515,16 @@
               <a:buChar char="•"/>
             </a:pPr>
             <a:r>
-              <a:rPr lang="en-GB" sz="2800" dirty="0" smtClean="0">
-                <a:solidFill>
-                  <a:srgbClr val="00B050"/>
-                </a:solidFill>
-              </a:rPr>
-              <a:t>Use autocomplete to bring up a list of available </a:t>
-            </a:r>
-            <a:r>
-              <a:rPr lang="en-GB" sz="2800" i="1" dirty="0" err="1" smtClean="0">
-                <a:solidFill>
-                  <a:srgbClr val="00B050"/>
-                </a:solidFill>
-              </a:rPr>
-              <a:t>waitfor</a:t>
-            </a:r>
-            <a:r>
-              <a:rPr lang="en-GB" sz="2800" dirty="0" smtClean="0">
-                <a:solidFill>
-                  <a:srgbClr val="00B050"/>
-                </a:solidFill>
-              </a:rPr>
-              <a:t> functions</a:t>
+              <a:rPr lang="en-GB" sz="2800" i="1" dirty="0" err="1" smtClean="0"/>
+              <a:t>updatestore</a:t>
+            </a:r>
+            <a:r>
+              <a:rPr lang="en-GB" sz="2800" dirty="0" smtClean="0"/>
+              <a:t>: </a:t>
+            </a:r>
+            <a:r>
+              <a:rPr lang="en-GB" sz="2800" dirty="0"/>
+              <a:t>Load the data from the DAE into memory and store it to disk</a:t>
             </a:r>
             <a:endParaRPr lang="en-GB" sz="2800" dirty="0">
               <a:solidFill>
@@ -9663,61 +9532,12 @@
               </a:solidFill>
             </a:endParaRPr>
           </a:p>
-          <a:p>
-            <a:pPr marL="342900" indent="-342900">
-              <a:buFont typeface="Arial" panose="020B0604020202020204" pitchFamily="34" charset="0"/>
-              <a:buChar char="•"/>
-            </a:pPr>
-            <a:r>
-              <a:rPr lang="en-GB" sz="2800" dirty="0" smtClean="0"/>
-              <a:t>A special </a:t>
-            </a:r>
-            <a:r>
-              <a:rPr lang="en-GB" sz="2800" dirty="0" err="1" smtClean="0"/>
-              <a:t>waitfor</a:t>
-            </a:r>
-            <a:r>
-              <a:rPr lang="en-GB" sz="2800" dirty="0" smtClean="0"/>
-              <a:t> </a:t>
-            </a:r>
-            <a:r>
-              <a:rPr lang="en-GB" sz="2800" dirty="0"/>
-              <a:t>function is</a:t>
-            </a:r>
-            <a:r>
-              <a:rPr lang="en-GB" sz="2800" dirty="0" smtClean="0"/>
-              <a:t>:</a:t>
-            </a:r>
-          </a:p>
-          <a:p>
-            <a:pPr marL="800100" lvl="1" indent="-342900">
-              <a:buFont typeface="Arial" panose="020B0604020202020204" pitchFamily="34" charset="0"/>
-              <a:buChar char="•"/>
-            </a:pPr>
-            <a:r>
-              <a:rPr lang="en-GB" sz="2800" i="1" dirty="0" err="1" smtClean="0"/>
-              <a:t>waitfor_move</a:t>
-            </a:r>
-            <a:r>
-              <a:rPr lang="en-GB" sz="2800" dirty="0" smtClean="0"/>
-              <a:t>: </a:t>
-            </a:r>
-            <a:r>
-              <a:rPr lang="en-GB" sz="2800" dirty="0"/>
-              <a:t>Waits for all motors, or a specific motor, to finish moving</a:t>
-            </a:r>
-            <a:endParaRPr lang="en-GB" sz="2800" dirty="0">
-              <a:solidFill>
-                <a:srgbClr val="00B050"/>
-              </a:solidFill>
-            </a:endParaRPr>
-          </a:p>
         </p:txBody>
       </p:sp>
     </p:spTree>
     <p:extLst>
       <p:ext uri="{BB962C8B-B14F-4D97-AF65-F5344CB8AC3E}">
-        <p14:creationId xmlns:p14="http://schemas.microsoft.com/office/powerpoint/2010/main" val="3734521923"/>
+        <p14:creationId xmlns:p14="http://schemas.microsoft.com/office/powerpoint/2010/main" val="1268031764"/>
       </p:ext>
     </p:extLst>
   </p:cSld>
@@ -9774,121 +9594,79 @@
               <a:rPr lang="en-GB" dirty="0" smtClean="0"/>
             </a:br>
             <a:r>
-              <a:rPr lang="en-GB" dirty="0" smtClean="0"/>
-              <a:t>Update and store</a:t>
-            </a:r>
-            <a:endParaRPr lang="en-GB" dirty="0"/>
-          </a:p>
-        </p:txBody>
-      </p:sp>
-      <p:sp>
-        <p:nvSpPr>
-          <p:cNvPr id="3" name="TextBox 2"/>
-          <p:cNvSpPr txBox="1"/>
+              <a:rPr lang="en-GB" dirty="0" smtClean="0">
+                <a:solidFill>
+                  <a:srgbClr val="00B050"/>
+                </a:solidFill>
+              </a:rPr>
+              <a:t>Worked example</a:t>
+            </a:r>
+            <a:endParaRPr lang="en-GB" dirty="0">
+              <a:solidFill>
+                <a:srgbClr val="00B050"/>
+              </a:solidFill>
+            </a:endParaRPr>
+          </a:p>
+        </p:txBody>
+      </p:sp>
+      <p:pic>
+        <p:nvPicPr>
+          <p:cNvPr id="1026" name="Picture 2"/>
+          <p:cNvPicPr>
+            <a:picLocks noChangeAspect="1" noChangeArrowheads="1"/>
+          </p:cNvPicPr>
           <p:nvPr/>
-        </p:nvSpPr>
-        <p:spPr>
+        </p:nvPicPr>
+        <p:blipFill>
+          <a:blip r:embed="rId3">
+            <a:extLst>
+              <a:ext uri="{28A0092B-C50C-407E-A947-70E740481C1C}">
+                <a14:useLocalDpi xmlns:a14="http://schemas.microsoft.com/office/drawing/2010/main" val="0"/>
+              </a:ext>
+            </a:extLst>
+          </a:blip>
+          <a:srcRect/>
+          <a:stretch>
+            <a:fillRect/>
+          </a:stretch>
+        </p:blipFill>
+        <p:spPr bwMode="auto">
           <a:xfrm>
-            <a:off x="395536" y="1844824"/>
-            <a:ext cx="8496944" cy="3108543"/>
+            <a:off x="1187624" y="1556792"/>
+            <a:ext cx="7349428" cy="4476353"/>
           </a:xfrm>
           <a:prstGeom prst="rect">
             <a:avLst/>
           </a:prstGeom>
           <a:noFill/>
+          <a:ln>
+            <a:noFill/>
+          </a:ln>
+          <a:extLst>
+            <a:ext uri="{909E8E84-426E-40DD-AFC4-6F175D3DCCD1}">
+              <a14:hiddenFill xmlns:a14="http://schemas.microsoft.com/office/drawing/2010/main">
+                <a:solidFill>
+                  <a:schemeClr val="accent1"/>
+                </a:solidFill>
+              </a14:hiddenFill>
+            </a:ext>
+            <a:ext uri="{91240B29-F687-4F45-9708-019B960494DF}">
+              <a14:hiddenLine xmlns:a14="http://schemas.microsoft.com/office/drawing/2010/main" w="9525">
+                <a:solidFill>
+                  <a:schemeClr val="tx1"/>
+                </a:solidFill>
+                <a:miter lim="800000"/>
+                <a:headEnd/>
+                <a:tailEnd/>
+              </a14:hiddenLine>
+            </a:ext>
+          </a:extLst>
         </p:spPr>
-        <p:txBody>
-          <a:bodyPr wrap="square" rtlCol="0">
-            <a:spAutoFit/>
-          </a:bodyPr>
-          <a:lstStyle/>
-          <a:p>
-            <a:pPr marL="342900" indent="-342900">
-              <a:buFont typeface="Arial" panose="020B0604020202020204" pitchFamily="34" charset="0"/>
-              <a:buChar char="•"/>
-            </a:pPr>
-            <a:r>
-              <a:rPr lang="en-GB" sz="2800" dirty="0"/>
-              <a:t>You can update and store DAE results </a:t>
-            </a:r>
-            <a:r>
-              <a:rPr lang="en-GB" sz="2800" dirty="0" smtClean="0"/>
-              <a:t>using:</a:t>
-            </a:r>
-          </a:p>
-          <a:p>
-            <a:pPr marL="800100" lvl="1" indent="-342900">
-              <a:buFont typeface="Arial" panose="020B0604020202020204" pitchFamily="34" charset="0"/>
-              <a:buChar char="•"/>
-            </a:pPr>
-            <a:r>
-              <a:rPr lang="en-GB" sz="2800" i="1" dirty="0" smtClean="0"/>
-              <a:t>update</a:t>
-            </a:r>
-            <a:r>
-              <a:rPr lang="en-GB" sz="2800" dirty="0" smtClean="0"/>
-              <a:t>: </a:t>
-            </a:r>
-            <a:r>
-              <a:rPr lang="en-GB" sz="2800" dirty="0"/>
-              <a:t>Load the data from the DAE into </a:t>
-            </a:r>
-            <a:r>
-              <a:rPr lang="en-GB" sz="2800" dirty="0" smtClean="0"/>
-              <a:t>memory</a:t>
-            </a:r>
-          </a:p>
-          <a:p>
-            <a:pPr marL="800100" lvl="1" indent="-342900">
-              <a:buFont typeface="Arial" panose="020B0604020202020204" pitchFamily="34" charset="0"/>
-              <a:buChar char="•"/>
-            </a:pPr>
-            <a:r>
-              <a:rPr lang="en-GB" sz="2800" i="1" dirty="0" smtClean="0"/>
-              <a:t>store</a:t>
-            </a:r>
-            <a:r>
-              <a:rPr lang="en-GB" sz="2800" dirty="0" smtClean="0"/>
-              <a:t>: </a:t>
-            </a:r>
-            <a:r>
-              <a:rPr lang="en-GB" sz="2800" dirty="0"/>
-              <a:t>Write the updated DAE information to </a:t>
-            </a:r>
-            <a:r>
-              <a:rPr lang="en-GB" sz="2800" dirty="0" smtClean="0"/>
-              <a:t>disk</a:t>
-            </a:r>
-          </a:p>
-          <a:p>
-            <a:pPr marL="800100" lvl="1" indent="-342900">
-              <a:buFont typeface="Arial" panose="020B0604020202020204" pitchFamily="34" charset="0"/>
-              <a:buChar char="•"/>
-            </a:pPr>
-            <a:r>
-              <a:rPr lang="en-GB" sz="2800" i="1" dirty="0" err="1" smtClean="0"/>
-              <a:t>updatestore</a:t>
-            </a:r>
-            <a:r>
-              <a:rPr lang="en-GB" sz="2800" dirty="0" smtClean="0"/>
-              <a:t>: </a:t>
-            </a:r>
-            <a:r>
-              <a:rPr lang="en-GB" sz="2800" dirty="0"/>
-              <a:t>Load the data from the DAE into memory and store it to disk</a:t>
-            </a:r>
-            <a:endParaRPr lang="en-GB" sz="2800" dirty="0">
-              <a:solidFill>
-                <a:srgbClr val="00B050"/>
-              </a:solidFill>
-            </a:endParaRPr>
-          </a:p>
-        </p:txBody>
-      </p:sp>
+      </p:pic>
     </p:spTree>
     <p:extLst>
       <p:ext uri="{BB962C8B-B14F-4D97-AF65-F5344CB8AC3E}">
-        <p14:creationId xmlns:p14="http://schemas.microsoft.com/office/powerpoint/2010/main" val="1268031764"/>
+        <p14:creationId xmlns:p14="http://schemas.microsoft.com/office/powerpoint/2010/main" val="3420022021"/>
       </p:ext>
     </p:extLst>
   </p:cSld>
@@ -9945,79 +9723,299 @@
               <a:rPr lang="en-GB" dirty="0" smtClean="0"/>
             </a:br>
             <a:r>
-              <a:rPr lang="en-GB" dirty="0" smtClean="0">
-                <a:solidFill>
-                  <a:srgbClr val="00B050"/>
-                </a:solidFill>
-              </a:rPr>
-              <a:t>Worked example</a:t>
-            </a:r>
-            <a:endParaRPr lang="en-GB" dirty="0">
-              <a:solidFill>
-                <a:srgbClr val="00B050"/>
-              </a:solidFill>
-            </a:endParaRPr>
-          </a:p>
-        </p:txBody>
-      </p:sp>
-      <p:pic>
-        <p:nvPicPr>
-          <p:cNvPr id="3" name="Picture 2"/>
-          <p:cNvPicPr>
-            <a:picLocks noChangeAspect="1" noChangeArrowheads="1"/>
-          </p:cNvPicPr>
+              <a:rPr lang="en-GB" dirty="0" smtClean="0"/>
+              <a:t>Blocks</a:t>
+            </a:r>
+            <a:endParaRPr lang="en-GB" dirty="0"/>
+          </a:p>
+        </p:txBody>
+      </p:sp>
+      <p:sp>
+        <p:nvSpPr>
+          <p:cNvPr id="4" name="TextBox 3"/>
+          <p:cNvSpPr txBox="1"/>
           <p:nvPr/>
-        </p:nvPicPr>
-        <p:blipFill>
-          <a:blip r:embed="rId3">
-            <a:extLst>
-              <a:ext uri="{28A0092B-C50C-407E-A947-70E740481C1C}">
-                <a14:useLocalDpi xmlns:a14="http://schemas.microsoft.com/office/drawing/2010/main" val="0"/>
-              </a:ext>
-            </a:extLst>
-          </a:blip>
-          <a:srcRect/>
-          <a:stretch>
-            <a:fillRect/>
-          </a:stretch>
-        </p:blipFill>
-        <p:spPr bwMode="auto">
+        </p:nvSpPr>
+        <p:spPr>
           <a:xfrm>
-            <a:off x="683568" y="1556792"/>
-            <a:ext cx="7972425" cy="4581525"/>
+            <a:off x="395536" y="1844824"/>
+            <a:ext cx="8496944" cy="3539430"/>
           </a:xfrm>
           <a:prstGeom prst="rect">
             <a:avLst/>
           </a:prstGeom>
           <a:noFill/>
-          <a:ln>
-            <a:noFill/>
-          </a:ln>
-          <a:extLst>
-            <a:ext uri="{909E8E84-426E-40DD-AFC4-6F175D3DCCD1}">
-              <a14:hiddenFill xmlns:a14="http://schemas.microsoft.com/office/drawing/2010/main">
-                <a:solidFill>
-                  <a:schemeClr val="accent1"/>
-                </a:solidFill>
-              </a14:hiddenFill>
-            </a:ext>
-            <a:ext uri="{91240B29-F687-4F45-9708-019B960494DF}">
-              <a14:hiddenLine xmlns:a14="http://schemas.microsoft.com/office/drawing/2010/main" w="9525">
-                <a:solidFill>
-                  <a:schemeClr val="tx1"/>
-                </a:solidFill>
-                <a:miter lim="800000"/>
-                <a:headEnd/>
-                <a:tailEnd/>
-              </a14:hiddenLine>
-            </a:ext>
-          </a:extLst>
         </p:spPr>
-      </p:pic>
+        <p:txBody>
+          <a:bodyPr wrap="square" rtlCol="0">
+            <a:spAutoFit/>
+          </a:bodyPr>
+          <a:lstStyle/>
+          <a:p>
+            <a:pPr marL="285750" indent="-285750">
+              <a:buFont typeface="Arial" panose="020B0604020202020204" pitchFamily="34" charset="0"/>
+              <a:buChar char="•"/>
+            </a:pPr>
+            <a:r>
+              <a:rPr lang="en-GB" sz="1400" i="1" dirty="0" err="1"/>
+              <a:t>get_blocks</a:t>
+            </a:r>
+            <a:r>
+              <a:rPr lang="en-GB" sz="1400" dirty="0"/>
+              <a:t>: Gets a list of the currently available blocks</a:t>
+            </a:r>
+          </a:p>
+          <a:p>
+            <a:pPr marL="285750" indent="-285750">
+              <a:buFont typeface="Arial" panose="020B0604020202020204" pitchFamily="34" charset="0"/>
+              <a:buChar char="•"/>
+            </a:pPr>
+            <a:r>
+              <a:rPr lang="en-GB" sz="1400" i="1" dirty="0" err="1"/>
+              <a:t>cshow</a:t>
+            </a:r>
+            <a:r>
+              <a:rPr lang="en-GB" sz="1400" dirty="0"/>
+              <a:t>: Shows the properties of a named block/all blocks</a:t>
+            </a:r>
+          </a:p>
+          <a:p>
+            <a:pPr marL="742950" lvl="1" indent="-285750">
+              <a:buFont typeface="Arial" panose="020B0604020202020204" pitchFamily="34" charset="0"/>
+              <a:buChar char="•"/>
+            </a:pPr>
+            <a:r>
+              <a:rPr lang="en-GB" sz="1400" dirty="0"/>
+              <a:t>If given a name (e.g. MY_BLOCK) it will return a string containing properties of the </a:t>
+            </a:r>
+            <a:r>
+              <a:rPr lang="en-GB" sz="1400" dirty="0" smtClean="0"/>
+              <a:t>block</a:t>
+            </a:r>
+          </a:p>
+          <a:p>
+            <a:pPr marL="742950" lvl="1" indent="-285750">
+              <a:buFont typeface="Arial" panose="020B0604020202020204" pitchFamily="34" charset="0"/>
+              <a:buChar char="•"/>
+            </a:pPr>
+            <a:r>
+              <a:rPr lang="en-GB" sz="1400" dirty="0" smtClean="0"/>
+              <a:t>If </a:t>
+            </a:r>
+            <a:r>
+              <a:rPr lang="en-GB" sz="1400" dirty="0"/>
+              <a:t>called without arguments, it will show the same information for all blocks, with each block on a new line</a:t>
+            </a:r>
+          </a:p>
+          <a:p>
+            <a:pPr marL="285750" indent="-285750">
+              <a:buFont typeface="Arial" panose="020B0604020202020204" pitchFamily="34" charset="0"/>
+              <a:buChar char="•"/>
+            </a:pPr>
+            <a:r>
+              <a:rPr lang="en-GB" sz="1400" i="1" dirty="0" err="1"/>
+              <a:t>cget</a:t>
+            </a:r>
+            <a:r>
+              <a:rPr lang="en-GB" sz="1400" dirty="0"/>
+              <a:t>: Gets properties of a named block as a dictionary of </a:t>
+            </a:r>
+            <a:r>
+              <a:rPr lang="en-GB" sz="1400" dirty="0" smtClean="0"/>
+              <a:t>values</a:t>
+            </a:r>
+          </a:p>
+          <a:p>
+            <a:pPr marL="742950" lvl="1" indent="-285750">
+              <a:buFont typeface="Arial" panose="020B0604020202020204" pitchFamily="34" charset="0"/>
+              <a:buChar char="•"/>
+            </a:pPr>
+            <a:r>
+              <a:rPr lang="en-GB" sz="1400" dirty="0" smtClean="0"/>
+              <a:t>Unlike</a:t>
+            </a:r>
+            <a:r>
+              <a:rPr lang="en-GB" sz="1400" dirty="0"/>
+              <a:t> </a:t>
+            </a:r>
+            <a:r>
+              <a:rPr lang="en-GB" sz="1400" dirty="0" err="1"/>
+              <a:t>cshow</a:t>
+            </a:r>
+            <a:r>
+              <a:rPr lang="en-GB" sz="1400" dirty="0"/>
+              <a:t>, a block name must be specified</a:t>
+            </a:r>
+          </a:p>
+          <a:p>
+            <a:pPr marL="742950" lvl="1" indent="-285750">
+              <a:buFont typeface="Arial" panose="020B0604020202020204" pitchFamily="34" charset="0"/>
+              <a:buChar char="•"/>
+            </a:pPr>
+            <a:r>
+              <a:rPr lang="en-GB" sz="1400" dirty="0"/>
+              <a:t>Properties can be accessed as standard </a:t>
+            </a:r>
+            <a:r>
+              <a:rPr lang="en-GB" sz="1400" dirty="0" smtClean="0"/>
+              <a:t>Python</a:t>
+            </a:r>
+            <a:endParaRPr lang="en-GB" sz="1400" dirty="0"/>
+          </a:p>
+          <a:p>
+            <a:pPr marL="285750" indent="-285750">
+              <a:buFont typeface="Arial" panose="020B0604020202020204" pitchFamily="34" charset="0"/>
+              <a:buChar char="•"/>
+            </a:pPr>
+            <a:r>
+              <a:rPr lang="en-GB" sz="1400" i="1" dirty="0" err="1" smtClean="0"/>
+              <a:t>cset</a:t>
+            </a:r>
+            <a:r>
+              <a:rPr lang="en-GB" sz="1400" dirty="0"/>
+              <a:t>: Sets the value for a particular block</a:t>
+            </a:r>
+          </a:p>
+          <a:p>
+            <a:pPr marL="742950" lvl="1" indent="-285750">
+              <a:buFont typeface="Arial" panose="020B0604020202020204" pitchFamily="34" charset="0"/>
+              <a:buChar char="•"/>
+            </a:pPr>
+            <a:r>
+              <a:rPr lang="en-GB" sz="1400" dirty="0"/>
+              <a:t>Assumes that either a </a:t>
+            </a:r>
+            <a:r>
+              <a:rPr lang="en-GB" sz="1400" dirty="0" err="1"/>
+              <a:t>setpoint</a:t>
+            </a:r>
+            <a:r>
+              <a:rPr lang="en-GB" sz="1400" dirty="0"/>
+              <a:t> exists for the underlying value or the block itself points at a </a:t>
+            </a:r>
+            <a:r>
+              <a:rPr lang="en-GB" sz="1400" dirty="0" err="1"/>
+              <a:t>setpoint</a:t>
+            </a:r>
+            <a:endParaRPr lang="en-GB" sz="1400" dirty="0"/>
+          </a:p>
+          <a:p>
+            <a:pPr marL="742950" lvl="1" indent="-285750">
+              <a:buFont typeface="Arial" panose="020B0604020202020204" pitchFamily="34" charset="0"/>
+              <a:buChar char="•"/>
+            </a:pPr>
+            <a:r>
+              <a:rPr lang="en-GB" sz="1400" dirty="0"/>
+              <a:t>Can be called with block names as named arguments. This is useful for setting multiple blocks</a:t>
+            </a:r>
+          </a:p>
+          <a:p>
+            <a:pPr marL="1200150" lvl="2" indent="-285750">
+              <a:buFont typeface="Arial" panose="020B0604020202020204" pitchFamily="34" charset="0"/>
+              <a:buChar char="•"/>
+            </a:pPr>
+            <a:r>
+              <a:rPr lang="en-GB" sz="1400" dirty="0" smtClean="0"/>
+              <a:t>E.g.</a:t>
+            </a:r>
+            <a:r>
+              <a:rPr lang="en-GB" sz="1400" dirty="0"/>
+              <a:t> </a:t>
+            </a:r>
+            <a:r>
+              <a:rPr lang="en-GB" sz="1400" dirty="0" err="1"/>
+              <a:t>g.cset</a:t>
+            </a:r>
+            <a:r>
+              <a:rPr lang="en-GB" sz="1400" dirty="0"/>
+              <a:t>(MY_BLOCK=1, MY_OTHER_BLOCK=2)</a:t>
+            </a:r>
+          </a:p>
+          <a:p>
+            <a:pPr marL="742950" lvl="1" indent="-285750">
+              <a:buFont typeface="Arial" panose="020B0604020202020204" pitchFamily="34" charset="0"/>
+              <a:buChar char="•"/>
+            </a:pPr>
+            <a:r>
+              <a:rPr lang="en-GB" sz="1400" dirty="0"/>
+              <a:t>The block can also be passed in by name. This is useful when setting advanced block properties</a:t>
+            </a:r>
+          </a:p>
+          <a:p>
+            <a:pPr marL="1200150" lvl="2" indent="-285750">
+              <a:buFont typeface="Arial" panose="020B0604020202020204" pitchFamily="34" charset="0"/>
+              <a:buChar char="•"/>
+            </a:pPr>
+            <a:r>
+              <a:rPr lang="en-GB" sz="1400" dirty="0" smtClean="0"/>
+              <a:t>E.g.</a:t>
+            </a:r>
+            <a:r>
+              <a:rPr lang="en-GB" sz="1400" dirty="0"/>
+              <a:t> </a:t>
+            </a:r>
+            <a:r>
+              <a:rPr lang="en-GB" sz="1400" dirty="0" err="1"/>
+              <a:t>g.cset</a:t>
+            </a:r>
+            <a:r>
+              <a:rPr lang="en-GB" sz="1400" dirty="0"/>
+              <a:t>("MY_BLOCK", </a:t>
+            </a:r>
+            <a:r>
+              <a:rPr lang="en-GB" sz="1400" dirty="0" err="1"/>
+              <a:t>lowlimit</a:t>
+            </a:r>
+            <a:r>
+              <a:rPr lang="en-GB" sz="1400" dirty="0"/>
+              <a:t>=1, </a:t>
+            </a:r>
+            <a:r>
+              <a:rPr lang="en-GB" sz="1400" dirty="0" err="1"/>
+              <a:t>highlimit</a:t>
+            </a:r>
+            <a:r>
+              <a:rPr lang="en-GB" sz="1400" dirty="0"/>
+              <a:t>=10, </a:t>
+            </a:r>
+            <a:r>
+              <a:rPr lang="en-GB" sz="1400" dirty="0" err="1"/>
+              <a:t>runcontrol</a:t>
+            </a:r>
+            <a:r>
+              <a:rPr lang="en-GB" sz="1400" dirty="0"/>
+              <a:t>=True</a:t>
+            </a:r>
+            <a:r>
+              <a:rPr lang="en-GB" sz="1400" dirty="0" smtClean="0"/>
+              <a:t>)</a:t>
+            </a:r>
+          </a:p>
+          <a:p>
+            <a:pPr marL="285750" indent="-285750">
+              <a:buFont typeface="Arial" panose="020B0604020202020204" pitchFamily="34" charset="0"/>
+              <a:buChar char="•"/>
+            </a:pPr>
+            <a:r>
+              <a:rPr lang="en-GB" sz="1400" dirty="0" smtClean="0">
+                <a:solidFill>
+                  <a:srgbClr val="00B050"/>
+                </a:solidFill>
+              </a:rPr>
+              <a:t>Try using the above commands to get and set the value of the blocks in the current configuration</a:t>
+            </a:r>
+            <a:endParaRPr lang="en-GB" sz="1400" dirty="0">
+              <a:solidFill>
+                <a:srgbClr val="00B050"/>
+              </a:solidFill>
+            </a:endParaRPr>
+          </a:p>
+        </p:txBody>
+      </p:sp>
     </p:spTree>
     <p:extLst>
       <p:ext uri="{BB962C8B-B14F-4D97-AF65-F5344CB8AC3E}">
-        <p14:creationId xmlns:p14="http://schemas.microsoft.com/office/powerpoint/2010/main" val="3420022021"/>
+        <p14:creationId xmlns:p14="http://schemas.microsoft.com/office/powerpoint/2010/main" val="168524727"/>
       </p:ext>
     </p:extLst>
   </p:cSld>
@@ -10074,299 +10072,79 @@
               <a:rPr lang="en-GB" dirty="0" smtClean="0"/>
             </a:br>
             <a:r>
-              <a:rPr lang="en-GB" dirty="0" smtClean="0"/>
-              <a:t>Blocks</a:t>
-            </a:r>
-            <a:endParaRPr lang="en-GB" dirty="0"/>
-          </a:p>
-        </p:txBody>
-      </p:sp>
-      <p:sp>
-        <p:nvSpPr>
-          <p:cNvPr id="4" name="TextBox 3"/>
-          <p:cNvSpPr txBox="1"/>
+              <a:rPr lang="en-GB" dirty="0" smtClean="0">
+                <a:solidFill>
+                  <a:srgbClr val="00B050"/>
+                </a:solidFill>
+              </a:rPr>
+              <a:t>Worked example</a:t>
+            </a:r>
+            <a:endParaRPr lang="en-GB" dirty="0">
+              <a:solidFill>
+                <a:srgbClr val="00B050"/>
+              </a:solidFill>
+            </a:endParaRPr>
+          </a:p>
+        </p:txBody>
+      </p:sp>
+      <p:pic>
+        <p:nvPicPr>
+          <p:cNvPr id="3" name="Picture 2"/>
+          <p:cNvPicPr>
+            <a:picLocks noChangeAspect="1" noChangeArrowheads="1"/>
+          </p:cNvPicPr>
           <p:nvPr/>
-        </p:nvSpPr>
-        <p:spPr>
+        </p:nvPicPr>
+        <p:blipFill>
+          <a:blip r:embed="rId3">
+            <a:extLst>
+              <a:ext uri="{28A0092B-C50C-407E-A947-70E740481C1C}">
+                <a14:useLocalDpi xmlns:a14="http://schemas.microsoft.com/office/drawing/2010/main" val="0"/>
+              </a:ext>
+            </a:extLst>
+          </a:blip>
+          <a:srcRect/>
+          <a:stretch>
+            <a:fillRect/>
+          </a:stretch>
+        </p:blipFill>
+        <p:spPr bwMode="auto">
           <a:xfrm>
-            <a:off x="395536" y="1844824"/>
-            <a:ext cx="8496944" cy="3539430"/>
+            <a:off x="827585" y="1628800"/>
+            <a:ext cx="4550750" cy="4923582"/>
           </a:xfrm>
           <a:prstGeom prst="rect">
             <a:avLst/>
           </a:prstGeom>
           <a:noFill/>
+          <a:ln>
+            <a:noFill/>
+          </a:ln>
+          <a:extLst>
+            <a:ext uri="{909E8E84-426E-40DD-AFC4-6F175D3DCCD1}">
+              <a14:hiddenFill xmlns:a14="http://schemas.microsoft.com/office/drawing/2010/main">
+                <a:solidFill>
+                  <a:schemeClr val="accent1"/>
+                </a:solidFill>
+              </a14:hiddenFill>
+            </a:ext>
+            <a:ext uri="{91240B29-F687-4F45-9708-019B960494DF}">
+              <a14:hiddenLine xmlns:a14="http://schemas.microsoft.com/office/drawing/2010/main" w="9525">
+                <a:solidFill>
+                  <a:schemeClr val="tx1"/>
+                </a:solidFill>
+                <a:miter lim="800000"/>
+                <a:headEnd/>
+                <a:tailEnd/>
+              </a14:hiddenLine>
+            </a:ext>
+          </a:extLst>
         </p:spPr>
-        <p:txBody>
-          <a:bodyPr wrap="square" rtlCol="0">
-            <a:spAutoFit/>
-          </a:bodyPr>
-          <a:lstStyle/>
-          <a:p>
-            <a:pPr marL="285750" indent="-285750">
-              <a:buFont typeface="Arial" panose="020B0604020202020204" pitchFamily="34" charset="0"/>
-              <a:buChar char="•"/>
-            </a:pPr>
-            <a:r>
-              <a:rPr lang="en-GB" sz="1400" i="1" dirty="0" err="1"/>
-              <a:t>get_blocks</a:t>
-            </a:r>
-            <a:r>
-              <a:rPr lang="en-GB" sz="1400" dirty="0"/>
-              <a:t>: Gets a list of the currently available blocks</a:t>
-            </a:r>
-          </a:p>
-          <a:p>
-            <a:pPr marL="285750" indent="-285750">
-              <a:buFont typeface="Arial" panose="020B0604020202020204" pitchFamily="34" charset="0"/>
-              <a:buChar char="•"/>
-            </a:pPr>
-            <a:r>
-              <a:rPr lang="en-GB" sz="1400" i="1" dirty="0" err="1"/>
-              <a:t>cshow</a:t>
-            </a:r>
-            <a:r>
-              <a:rPr lang="en-GB" sz="1400" dirty="0"/>
-              <a:t>: Shows the properties of a named block/all blocks</a:t>
-            </a:r>
-          </a:p>
-          <a:p>
-            <a:pPr marL="742950" lvl="1" indent="-285750">
-              <a:buFont typeface="Arial" panose="020B0604020202020204" pitchFamily="34" charset="0"/>
-              <a:buChar char="•"/>
-            </a:pPr>
-            <a:r>
-              <a:rPr lang="en-GB" sz="1400" dirty="0"/>
-              <a:t>If given a name (e.g. MY_BLOCK) it will return a string containing properties of the </a:t>
-            </a:r>
-            <a:r>
-              <a:rPr lang="en-GB" sz="1400" dirty="0" smtClean="0"/>
-              <a:t>block</a:t>
-            </a:r>
-          </a:p>
-          <a:p>
-            <a:pPr marL="742950" lvl="1" indent="-285750">
-              <a:buFont typeface="Arial" panose="020B0604020202020204" pitchFamily="34" charset="0"/>
-              <a:buChar char="•"/>
-            </a:pPr>
-            <a:r>
-              <a:rPr lang="en-GB" sz="1400" dirty="0" smtClean="0"/>
-              <a:t>If </a:t>
-            </a:r>
-            <a:r>
-              <a:rPr lang="en-GB" sz="1400" dirty="0"/>
-              <a:t>called without arguments, it will show the same information for all blocks, with each block on a new line</a:t>
-            </a:r>
-          </a:p>
-          <a:p>
-            <a:pPr marL="285750" indent="-285750">
-              <a:buFont typeface="Arial" panose="020B0604020202020204" pitchFamily="34" charset="0"/>
-              <a:buChar char="•"/>
-            </a:pPr>
-            <a:r>
-              <a:rPr lang="en-GB" sz="1400" i="1" dirty="0" err="1"/>
-              <a:t>cget</a:t>
-            </a:r>
-            <a:r>
-              <a:rPr lang="en-GB" sz="1400" dirty="0"/>
-              <a:t>: Gets properties of a named block as a dictionary of </a:t>
-            </a:r>
-            <a:r>
-              <a:rPr lang="en-GB" sz="1400" dirty="0" smtClean="0"/>
-              <a:t>values</a:t>
-            </a:r>
-          </a:p>
-          <a:p>
-            <a:pPr marL="742950" lvl="1" indent="-285750">
-              <a:buFont typeface="Arial" panose="020B0604020202020204" pitchFamily="34" charset="0"/>
-              <a:buChar char="•"/>
-            </a:pPr>
-            <a:r>
-              <a:rPr lang="en-GB" sz="1400" dirty="0" smtClean="0"/>
-              <a:t>Unlike</a:t>
-            </a:r>
-            <a:r>
-              <a:rPr lang="en-GB" sz="1400" dirty="0"/>
-              <a:t> </a:t>
-            </a:r>
-            <a:r>
-              <a:rPr lang="en-GB" sz="1400" dirty="0" err="1"/>
-              <a:t>cshow</a:t>
-            </a:r>
-            <a:r>
-              <a:rPr lang="en-GB" sz="1400" dirty="0"/>
-              <a:t>, a block name must be specified</a:t>
-            </a:r>
-          </a:p>
-          <a:p>
-            <a:pPr marL="742950" lvl="1" indent="-285750">
-              <a:buFont typeface="Arial" panose="020B0604020202020204" pitchFamily="34" charset="0"/>
-              <a:buChar char="•"/>
-            </a:pPr>
-            <a:r>
-              <a:rPr lang="en-GB" sz="1400" dirty="0"/>
-              <a:t>Properties can be accessed as standard </a:t>
-            </a:r>
-            <a:r>
-              <a:rPr lang="en-GB" sz="1400" dirty="0" smtClean="0"/>
-              <a:t>Python</a:t>
-            </a:r>
-            <a:endParaRPr lang="en-GB" sz="1400" dirty="0"/>
-          </a:p>
-          <a:p>
-            <a:pPr marL="285750" indent="-285750">
-              <a:buFont typeface="Arial" panose="020B0604020202020204" pitchFamily="34" charset="0"/>
-              <a:buChar char="•"/>
-            </a:pPr>
-            <a:r>
-              <a:rPr lang="en-GB" sz="1400" i="1" dirty="0" err="1" smtClean="0"/>
-              <a:t>cset</a:t>
-            </a:r>
-            <a:r>
-              <a:rPr lang="en-GB" sz="1400" dirty="0"/>
-              <a:t>: Sets the value for a particular block</a:t>
-            </a:r>
-          </a:p>
-          <a:p>
-            <a:pPr marL="742950" lvl="1" indent="-285750">
-              <a:buFont typeface="Arial" panose="020B0604020202020204" pitchFamily="34" charset="0"/>
-              <a:buChar char="•"/>
-            </a:pPr>
-            <a:r>
-              <a:rPr lang="en-GB" sz="1400" dirty="0"/>
-              <a:t>Assumes that either a </a:t>
-            </a:r>
-            <a:r>
-              <a:rPr lang="en-GB" sz="1400" dirty="0" err="1"/>
-              <a:t>setpoint</a:t>
-            </a:r>
-            <a:r>
-              <a:rPr lang="en-GB" sz="1400" dirty="0"/>
-              <a:t> exists for the underlying value or the block itself points at a </a:t>
-            </a:r>
-            <a:r>
-              <a:rPr lang="en-GB" sz="1400" dirty="0" err="1"/>
-              <a:t>setpoint</a:t>
-            </a:r>
-            <a:endParaRPr lang="en-GB" sz="1400" dirty="0"/>
-          </a:p>
-          <a:p>
-            <a:pPr marL="742950" lvl="1" indent="-285750">
-              <a:buFont typeface="Arial" panose="020B0604020202020204" pitchFamily="34" charset="0"/>
-              <a:buChar char="•"/>
-            </a:pPr>
-            <a:r>
-              <a:rPr lang="en-GB" sz="1400" dirty="0"/>
-              <a:t>Can be called with block names as named arguments. This is useful for setting multiple blocks</a:t>
-            </a:r>
-          </a:p>
-          <a:p>
-            <a:pPr marL="1200150" lvl="2" indent="-285750">
-              <a:buFont typeface="Arial" panose="020B0604020202020204" pitchFamily="34" charset="0"/>
-              <a:buChar char="•"/>
-            </a:pPr>
-            <a:r>
-              <a:rPr lang="en-GB" sz="1400" dirty="0" smtClean="0"/>
-              <a:t>E.g.</a:t>
-            </a:r>
-            <a:r>
-              <a:rPr lang="en-GB" sz="1400" dirty="0"/>
-              <a:t> </a:t>
-            </a:r>
-            <a:r>
-              <a:rPr lang="en-GB" sz="1400" dirty="0" err="1"/>
-              <a:t>g.cset</a:t>
-            </a:r>
-            <a:r>
-              <a:rPr lang="en-GB" sz="1400" dirty="0"/>
-              <a:t>(MY_BLOCK=1, MY_OTHER_BLOCK=2)</a:t>
-            </a:r>
-          </a:p>
-          <a:p>
-            <a:pPr marL="742950" lvl="1" indent="-285750">
-              <a:buFont typeface="Arial" panose="020B0604020202020204" pitchFamily="34" charset="0"/>
-              <a:buChar char="•"/>
-            </a:pPr>
-            <a:r>
-              <a:rPr lang="en-GB" sz="1400" dirty="0"/>
-              <a:t>The block can also be passed in by name. This is useful when setting advanced block properties</a:t>
-            </a:r>
-          </a:p>
-          <a:p>
-            <a:pPr marL="1200150" lvl="2" indent="-285750">
-              <a:buFont typeface="Arial" panose="020B0604020202020204" pitchFamily="34" charset="0"/>
-              <a:buChar char="•"/>
-            </a:pPr>
-            <a:r>
-              <a:rPr lang="en-GB" sz="1400" dirty="0" smtClean="0"/>
-              <a:t>E.g.</a:t>
-            </a:r>
-            <a:r>
-              <a:rPr lang="en-GB" sz="1400" dirty="0"/>
-              <a:t> </a:t>
-            </a:r>
-            <a:r>
-              <a:rPr lang="en-GB" sz="1400" dirty="0" err="1"/>
-              <a:t>g.cset</a:t>
-            </a:r>
-            <a:r>
-              <a:rPr lang="en-GB" sz="1400" dirty="0"/>
-              <a:t>("MY_BLOCK", </a:t>
-            </a:r>
-            <a:r>
-              <a:rPr lang="en-GB" sz="1400" dirty="0" err="1"/>
-              <a:t>lowlimit</a:t>
-            </a:r>
-            <a:r>
-              <a:rPr lang="en-GB" sz="1400" dirty="0"/>
-              <a:t>=1, </a:t>
-            </a:r>
-            <a:r>
-              <a:rPr lang="en-GB" sz="1400" dirty="0" err="1"/>
-              <a:t>highlimit</a:t>
-            </a:r>
-            <a:r>
-              <a:rPr lang="en-GB" sz="1400" dirty="0"/>
-              <a:t>=10, </a:t>
-            </a:r>
-            <a:r>
-              <a:rPr lang="en-GB" sz="1400" dirty="0" err="1"/>
-              <a:t>runcontrol</a:t>
-            </a:r>
-            <a:r>
-              <a:rPr lang="en-GB" sz="1400" dirty="0"/>
-              <a:t>=True</a:t>
-            </a:r>
-            <a:r>
-              <a:rPr lang="en-GB" sz="1400" dirty="0" smtClean="0"/>
-              <a:t>)</a:t>
-            </a:r>
-          </a:p>
-          <a:p>
-            <a:pPr marL="285750" indent="-285750">
-              <a:buFont typeface="Arial" panose="020B0604020202020204" pitchFamily="34" charset="0"/>
-              <a:buChar char="•"/>
-            </a:pPr>
-            <a:r>
-              <a:rPr lang="en-GB" sz="1400" dirty="0" smtClean="0">
-                <a:solidFill>
-                  <a:srgbClr val="00B050"/>
-                </a:solidFill>
-              </a:rPr>
-              <a:t>Try using the above commands to get and set the value of the blocks in the current configuration</a:t>
-            </a:r>
-            <a:endParaRPr lang="en-GB" sz="1400" dirty="0">
-              <a:solidFill>
-                <a:srgbClr val="00B050"/>
-              </a:solidFill>
-            </a:endParaRPr>
-          </a:p>
-        </p:txBody>
-      </p:sp>
+      </p:pic>
     </p:spTree>
     <p:extLst>
       <p:ext uri="{BB962C8B-B14F-4D97-AF65-F5344CB8AC3E}">
-        <p14:creationId xmlns:p14="http://schemas.microsoft.com/office/powerpoint/2010/main" val="168524727"/>
+        <p14:creationId xmlns:p14="http://schemas.microsoft.com/office/powerpoint/2010/main" val="2773475985"/>
       </p:ext>
     </p:extLst>
   </p:cSld>
@@ -10423,79 +10201,165 @@
               <a:rPr lang="en-GB" dirty="0" smtClean="0"/>
             </a:br>
             <a:r>
-              <a:rPr lang="en-GB" dirty="0" smtClean="0">
-                <a:solidFill>
-                  <a:srgbClr val="00B050"/>
-                </a:solidFill>
-              </a:rPr>
-              <a:t>Worked example</a:t>
-            </a:r>
-            <a:endParaRPr lang="en-GB" dirty="0">
-              <a:solidFill>
-                <a:srgbClr val="00B050"/>
-              </a:solidFill>
-            </a:endParaRPr>
-          </a:p>
-        </p:txBody>
-      </p:sp>
-      <p:pic>
-        <p:nvPicPr>
-          <p:cNvPr id="2050" name="Picture 2"/>
-          <p:cNvPicPr>
-            <a:picLocks noChangeAspect="1" noChangeArrowheads="1"/>
-          </p:cNvPicPr>
+              <a:rPr lang="en-GB" dirty="0" smtClean="0"/>
+              <a:t>Experiment setup</a:t>
+            </a:r>
+            <a:endParaRPr lang="en-GB" dirty="0"/>
+          </a:p>
+        </p:txBody>
+      </p:sp>
+      <p:sp>
+        <p:nvSpPr>
+          <p:cNvPr id="4" name="TextBox 3"/>
+          <p:cNvSpPr txBox="1"/>
           <p:nvPr/>
-        </p:nvPicPr>
-        <p:blipFill>
-          <a:blip r:embed="rId3">
-            <a:extLst>
-              <a:ext uri="{28A0092B-C50C-407E-A947-70E740481C1C}">
-                <a14:useLocalDpi xmlns:a14="http://schemas.microsoft.com/office/drawing/2010/main" val="0"/>
-              </a:ext>
-            </a:extLst>
-          </a:blip>
-          <a:srcRect/>
-          <a:stretch>
-            <a:fillRect/>
-          </a:stretch>
-        </p:blipFill>
-        <p:spPr bwMode="auto">
+        </p:nvSpPr>
+        <p:spPr>
           <a:xfrm>
-            <a:off x="2339752" y="1556792"/>
-            <a:ext cx="4740563" cy="4428228"/>
+            <a:off x="395536" y="1844824"/>
+            <a:ext cx="8496944" cy="3416320"/>
           </a:xfrm>
           <a:prstGeom prst="rect">
             <a:avLst/>
           </a:prstGeom>
           <a:noFill/>
-          <a:ln>
-            <a:noFill/>
-          </a:ln>
-          <a:extLst>
-            <a:ext uri="{909E8E84-426E-40DD-AFC4-6F175D3DCCD1}">
-              <a14:hiddenFill xmlns:a14="http://schemas.microsoft.com/office/drawing/2010/main">
-                <a:solidFill>
-                  <a:schemeClr val="accent1"/>
-                </a:solidFill>
-              </a14:hiddenFill>
-            </a:ext>
-            <a:ext uri="{91240B29-F687-4F45-9708-019B960494DF}">
-              <a14:hiddenLine xmlns:a14="http://schemas.microsoft.com/office/drawing/2010/main" w="9525">
-                <a:solidFill>
-                  <a:schemeClr val="tx1"/>
-                </a:solidFill>
-                <a:miter lim="800000"/>
-                <a:headEnd/>
-                <a:tailEnd/>
-              </a14:hiddenLine>
-            </a:ext>
-          </a:extLst>
         </p:spPr>
-      </p:pic>
+        <p:txBody>
+          <a:bodyPr wrap="square" rtlCol="0">
+            <a:spAutoFit/>
+          </a:bodyPr>
+          <a:lstStyle/>
+          <a:p>
+            <a:r>
+              <a:rPr lang="en-GB" dirty="0"/>
+              <a:t>You can change various elements of the experiment setup using </a:t>
+            </a:r>
+            <a:r>
+              <a:rPr lang="en-GB" i="1" dirty="0" err="1"/>
+              <a:t>genie_python</a:t>
+            </a:r>
+            <a:r>
+              <a:rPr lang="en-GB" dirty="0"/>
+              <a:t>. For example</a:t>
+            </a:r>
+            <a:r>
+              <a:rPr lang="en-GB" dirty="0" smtClean="0"/>
+              <a:t>:</a:t>
+            </a:r>
+          </a:p>
+          <a:p>
+            <a:pPr marL="285750" indent="-285750">
+              <a:buFont typeface="Arial" panose="020B0604020202020204" pitchFamily="34" charset="0"/>
+              <a:buChar char="•"/>
+            </a:pPr>
+            <a:endParaRPr lang="en-GB" i="1" dirty="0"/>
+          </a:p>
+          <a:p>
+            <a:pPr marL="285750" indent="-285750">
+              <a:buFont typeface="Arial" panose="020B0604020202020204" pitchFamily="34" charset="0"/>
+              <a:buChar char="•"/>
+            </a:pPr>
+            <a:r>
+              <a:rPr lang="en-GB" i="1" dirty="0" err="1" smtClean="0"/>
+              <a:t>change_tcb</a:t>
+            </a:r>
+            <a:r>
+              <a:rPr lang="en-GB" dirty="0"/>
+              <a:t>: Change the time channel binning</a:t>
+            </a:r>
+          </a:p>
+          <a:p>
+            <a:pPr marL="285750" indent="-285750">
+              <a:buFont typeface="Arial" panose="020B0604020202020204" pitchFamily="34" charset="0"/>
+              <a:buChar char="•"/>
+            </a:pPr>
+            <a:r>
+              <a:rPr lang="en-GB" i="1" dirty="0" err="1"/>
+              <a:t>change_tables</a:t>
+            </a:r>
+            <a:r>
+              <a:rPr lang="en-GB" dirty="0"/>
+              <a:t>: Change the wiring, spectra and detector table locations</a:t>
+            </a:r>
+          </a:p>
+          <a:p>
+            <a:pPr marL="285750" indent="-285750">
+              <a:buFont typeface="Arial" panose="020B0604020202020204" pitchFamily="34" charset="0"/>
+              <a:buChar char="•"/>
+            </a:pPr>
+            <a:r>
+              <a:rPr lang="en-GB" i="1" dirty="0" err="1"/>
+              <a:t>change_monitor</a:t>
+            </a:r>
+            <a:r>
+              <a:rPr lang="en-GB" dirty="0"/>
+              <a:t>: Change the monitor to a specified spectrum and </a:t>
+            </a:r>
+            <a:r>
+              <a:rPr lang="en-GB" dirty="0" smtClean="0"/>
+              <a:t>range</a:t>
+            </a:r>
+          </a:p>
+          <a:p>
+            <a:pPr marL="285750" indent="-285750">
+              <a:buFont typeface="Arial" panose="020B0604020202020204" pitchFamily="34" charset="0"/>
+              <a:buChar char="•"/>
+            </a:pPr>
+            <a:endParaRPr lang="en-GB" dirty="0"/>
+          </a:p>
+          <a:p>
+            <a:r>
+              <a:rPr lang="en-GB" dirty="0" smtClean="0"/>
+              <a:t>If you use the following commands, you can stop a run from starting while you’re still applying changes:</a:t>
+            </a:r>
+            <a:endParaRPr lang="en-GB" dirty="0" smtClean="0"/>
+          </a:p>
+          <a:p>
+            <a:pPr marL="285750" indent="-285750">
+              <a:buFont typeface="Arial" panose="020B0604020202020204" pitchFamily="34" charset="0"/>
+              <a:buChar char="•"/>
+            </a:pPr>
+            <a:endParaRPr lang="en-GB" dirty="0"/>
+          </a:p>
+          <a:p>
+            <a:pPr marL="285750" indent="-285750">
+              <a:buFont typeface="Arial" panose="020B0604020202020204" pitchFamily="34" charset="0"/>
+              <a:buChar char="•"/>
+            </a:pPr>
+            <a:r>
+              <a:rPr lang="en-GB" i="1" dirty="0" err="1"/>
+              <a:t>change_start</a:t>
+            </a:r>
+            <a:r>
+              <a:rPr lang="en-GB" dirty="0"/>
+              <a:t>: Marks the start of a change</a:t>
+            </a:r>
+          </a:p>
+          <a:p>
+            <a:pPr marL="285750" indent="-285750">
+              <a:buFont typeface="Arial" panose="020B0604020202020204" pitchFamily="34" charset="0"/>
+              <a:buChar char="•"/>
+            </a:pPr>
+            <a:r>
+              <a:rPr lang="en-GB" i="1" dirty="0" err="1"/>
+              <a:t>change_finish</a:t>
+            </a:r>
+            <a:r>
+              <a:rPr lang="en-GB" dirty="0"/>
+              <a:t>: Marks that the current set of changes is complete</a:t>
+            </a:r>
+            <a:r>
+              <a:rPr lang="en-GB" dirty="0" smtClean="0"/>
+              <a:t>.</a:t>
+            </a:r>
+            <a:endParaRPr lang="en-GB" dirty="0"/>
+          </a:p>
+        </p:txBody>
+      </p:sp>
     </p:spTree>
     <p:extLst>
       <p:ext uri="{BB962C8B-B14F-4D97-AF65-F5344CB8AC3E}">
-        <p14:creationId xmlns:p14="http://schemas.microsoft.com/office/powerpoint/2010/main" val="2773475985"/>
+        <p14:creationId xmlns:p14="http://schemas.microsoft.com/office/powerpoint/2010/main" val="1380173549"/>
       </p:ext>
     </p:extLst>
   </p:cSld>
@@ -10553,7 +10417,7 @@
             </a:br>
             <a:r>
               <a:rPr lang="en-GB" dirty="0" smtClean="0"/>
-              <a:t>Experiment setup</a:t>
+              <a:t>Experiment details</a:t>
             </a:r>
             <a:endParaRPr lang="en-GB" dirty="0"/>
           </a:p>
@@ -10568,7 +10432,7 @@
         <p:spPr>
           <a:xfrm>
             <a:off x="395536" y="1844824"/>
-            <a:ext cx="8496944" cy="3693319"/>
+            <a:ext cx="8496944" cy="3724096"/>
           </a:xfrm>
           <a:prstGeom prst="rect">
             <a:avLst/>
@@ -10583,27 +10447,55 @@
           <a:p>
             <a:r>
               <a:rPr lang="en-GB" dirty="0"/>
-              <a:t>You can change various elements of the experiment setup using </a:t>
-            </a:r>
-            <a:r>
-              <a:rPr lang="en-GB" i="1" dirty="0" err="1"/>
-              <a:t>genie_python</a:t>
+              <a:t>You can change various experiment details with </a:t>
+            </a:r>
+            <a:r>
+              <a:rPr lang="en-GB" dirty="0" smtClean="0"/>
+              <a:t>one of the</a:t>
+            </a:r>
+            <a:r>
+              <a:rPr lang="en-GB" i="1" dirty="0" smtClean="0"/>
+              <a:t> “c</a:t>
+            </a:r>
+            <a:r>
+              <a:rPr lang="en-GB" i="1" dirty="0" smtClean="0"/>
+              <a:t>hange_...”</a:t>
             </a:r>
             <a:r>
               <a:rPr lang="en-GB" dirty="0"/>
-              <a:t>. For example</a:t>
-            </a:r>
-            <a:r>
-              <a:rPr lang="en-GB" dirty="0" smtClean="0"/>
-              <a:t>:</a:t>
-            </a:r>
+              <a:t> </a:t>
+            </a:r>
+            <a:r>
+              <a:rPr lang="en-GB" dirty="0" smtClean="0"/>
+              <a:t>functions:</a:t>
+            </a:r>
+            <a:endParaRPr lang="en-GB" dirty="0" smtClean="0"/>
+          </a:p>
+          <a:p>
+            <a:pPr lvl="1"/>
+            <a:endParaRPr lang="en-GB" i="1" dirty="0" smtClean="0"/>
           </a:p>
           <a:p>
             <a:pPr marL="285750" indent="-285750">
               <a:buFont typeface="Arial" panose="020B0604020202020204" pitchFamily="34" charset="0"/>
               <a:buChar char="•"/>
             </a:pPr>
-            <a:endParaRPr lang="en-GB" i="1" dirty="0"/>
+            <a:r>
+              <a:rPr lang="en-GB" i="1" dirty="0" err="1" smtClean="0"/>
+              <a:t>g.change_title</a:t>
+            </a:r>
+            <a:r>
+              <a:rPr lang="en-GB" i="1" dirty="0" smtClean="0"/>
+              <a:t>("New </a:t>
+            </a:r>
+            <a:r>
+              <a:rPr lang="en-GB" i="1" dirty="0"/>
+              <a:t>title</a:t>
+            </a:r>
+            <a:r>
+              <a:rPr lang="en-GB" i="1" dirty="0" smtClean="0"/>
+              <a:t>")</a:t>
+            </a:r>
           </a:p>
           <a:p>
             <a:pPr marL="285750" indent="-285750">
@@ -10612,11 +10504,19 @@
             </a:pPr>
             <a:r>
               <a:rPr lang="en-GB" i="1" dirty="0" err="1" smtClean="0"/>
-              <a:t>change_tcb</a:t>
-            </a:r>
-            <a:r>
-              <a:rPr lang="en-GB" dirty="0"/>
-              <a:t>: Change the time channel binning</a:t>
+              <a:t>g.change_user</a:t>
+            </a:r>
+            <a:r>
+              <a:rPr lang="en-GB" i="1" dirty="0" smtClean="0"/>
+              <a:t>(“Adrian </a:t>
+            </a:r>
+            <a:r>
+              <a:rPr lang="en-GB" i="1" dirty="0"/>
+              <a:t>and John</a:t>
+            </a:r>
+            <a:r>
+              <a:rPr lang="en-GB" i="1" dirty="0" smtClean="0"/>
+              <a:t>")</a:t>
             </a:r>
           </a:p>
           <a:p>
@@ -10625,13 +10525,56 @@
               <a:buChar char="•"/>
             </a:pPr>
             <a:r>
-              <a:rPr lang="en-GB" i="1" dirty="0" err="1"/>
-              <a:t>change_tables</a:t>
-            </a:r>
-            <a:r>
-              <a:rPr lang="en-GB" dirty="0"/>
-              <a:t>: Change the wiring, spectra and detector table locations</a:t>
-            </a:r>
+              <a:rPr lang="en-GB" i="1" dirty="0" err="1" smtClean="0"/>
+              <a:t>g.change_rb</a:t>
+            </a:r>
+            <a:r>
+              <a:rPr lang="en-GB" i="1" dirty="0" smtClean="0"/>
+              <a:t>(10)</a:t>
+            </a:r>
+          </a:p>
+          <a:p>
+            <a:pPr lvl="1"/>
+            <a:endParaRPr lang="en-GB" i="1" dirty="0" smtClean="0"/>
+          </a:p>
+          <a:p>
+            <a:r>
+              <a:rPr lang="en-GB" sz="2000" i="1" dirty="0" smtClean="0">
+                <a:solidFill>
+                  <a:srgbClr val="00B050"/>
+                </a:solidFill>
+              </a:rPr>
+              <a:t>What </a:t>
+            </a:r>
+            <a:r>
+              <a:rPr lang="en-GB" sz="2000" i="1" dirty="0">
+                <a:solidFill>
+                  <a:srgbClr val="00B050"/>
+                </a:solidFill>
+              </a:rPr>
+              <a:t>other “change” commands are there?</a:t>
+            </a:r>
+          </a:p>
+          <a:p>
+            <a:pPr lvl="1"/>
+            <a:endParaRPr lang="en-GB" i="1" dirty="0" smtClean="0"/>
+          </a:p>
+          <a:p>
+            <a:r>
+              <a:rPr lang="en-GB" dirty="0" smtClean="0"/>
+              <a:t>You can get properties using the equivalent </a:t>
+            </a:r>
+            <a:r>
+              <a:rPr lang="en-GB" i="1" dirty="0" smtClean="0"/>
+              <a:t>“get_...” </a:t>
+            </a:r>
+            <a:r>
+              <a:rPr lang="en-GB" dirty="0" smtClean="0"/>
+              <a:t>command:</a:t>
+            </a:r>
+          </a:p>
+          <a:p>
+            <a:endParaRPr lang="en-GB" dirty="0" smtClean="0"/>
           </a:p>
           <a:p>
             <a:pPr marL="285750" indent="-285750">
@@ -10639,16 +10582,12 @@
               <a:buChar char="•"/>
             </a:pPr>
             <a:r>
-              <a:rPr lang="en-GB" i="1" dirty="0" err="1"/>
-              <a:t>change_monitor</a:t>
-            </a:r>
-            <a:r>
-              <a:rPr lang="en-GB" dirty="0"/>
-              <a:t>: Change the monitor to a specified spectrum and </a:t>
-            </a:r>
-            <a:r>
-              <a:rPr lang="en-GB" dirty="0" smtClean="0"/>
-              <a:t>range</a:t>
+              <a:rPr lang="en-GB" dirty="0" err="1" smtClean="0"/>
+              <a:t>g.get_title</a:t>
+            </a:r>
+            <a:r>
+              <a:rPr lang="en-GB" dirty="0" smtClean="0"/>
+              <a:t>()</a:t>
             </a:r>
           </a:p>
           <a:p>
@@ -10656,16 +10595,13 @@
               <a:buFont typeface="Arial" panose="020B0604020202020204" pitchFamily="34" charset="0"/>
               <a:buChar char="•"/>
             </a:pPr>
-            <a:endParaRPr lang="en-GB" dirty="0"/>
-          </a:p>
-          <a:p>
-            <a:r>
-              <a:rPr lang="en-GB" dirty="0"/>
-              <a:t>If used on their own, these methods will apply their changes immediately. If you want to apply several changes at once you can use the following commands</a:t>
-            </a:r>
-            <a:r>
-              <a:rPr lang="en-GB" dirty="0" smtClean="0"/>
-              <a:t>:</a:t>
+            <a:r>
+              <a:rPr lang="en-GB" i="1" dirty="0" err="1" smtClean="0"/>
+              <a:t>g.get_user</a:t>
+            </a:r>
+            <a:r>
+              <a:rPr lang="en-GB" i="1" dirty="0" smtClean="0"/>
+              <a:t>()</a:t>
             </a:r>
           </a:p>
           <a:p>
@@ -10673,42 +10609,13 @@
               <a:buFont typeface="Arial" panose="020B0604020202020204" pitchFamily="34" charset="0"/>
               <a:buChar char="•"/>
             </a:pPr>
-            <a:endParaRPr lang="en-GB" dirty="0"/>
-          </a:p>
-          <a:p>
-            <a:pPr marL="285750" indent="-285750">
-              <a:buFont typeface="Arial" panose="020B0604020202020204" pitchFamily="34" charset="0"/>
-              <a:buChar char="•"/>
-            </a:pPr>
-            <a:r>
-              <a:rPr lang="en-GB" i="1" dirty="0" err="1"/>
-              <a:t>change_start</a:t>
-            </a:r>
-            <a:r>
-              <a:rPr lang="en-GB" dirty="0"/>
-              <a:t>: Marks the start of a change</a:t>
-            </a:r>
-          </a:p>
-          <a:p>
-            <a:pPr marL="285750" indent="-285750">
-              <a:buFont typeface="Arial" panose="020B0604020202020204" pitchFamily="34" charset="0"/>
-              <a:buChar char="•"/>
-            </a:pPr>
-            <a:r>
-              <a:rPr lang="en-GB" i="1" dirty="0" err="1"/>
-              <a:t>change_finish</a:t>
-            </a:r>
-            <a:r>
-              <a:rPr lang="en-GB" dirty="0"/>
-              <a:t>: Marks that the current set of changes is complete. All changes recorded since </a:t>
-            </a:r>
-            <a:r>
-              <a:rPr lang="en-GB" dirty="0" err="1"/>
-              <a:t>g.change_start</a:t>
-            </a:r>
-            <a:r>
-              <a:rPr lang="en-GB" dirty="0"/>
-              <a:t>() will be applied</a:t>
+            <a:r>
+              <a:rPr lang="en-GB" i="1" dirty="0" err="1" smtClean="0"/>
+              <a:t>g.get_rb</a:t>
+            </a:r>
+            <a:r>
+              <a:rPr lang="en-GB" i="1" dirty="0" smtClean="0"/>
+              <a:t>()</a:t>
             </a:r>
           </a:p>
         </p:txBody>
@@ -10716,7 +10623,7 @@
     </p:spTree>
     <p:extLst>
       <p:ext uri="{BB962C8B-B14F-4D97-AF65-F5344CB8AC3E}">
-        <p14:creationId xmlns:p14="http://schemas.microsoft.com/office/powerpoint/2010/main" val="1380173549"/>
+        <p14:creationId xmlns:p14="http://schemas.microsoft.com/office/powerpoint/2010/main" val="1100711507"/>
       </p:ext>
     </p:extLst>
   </p:cSld>
@@ -10773,10 +10680,18 @@
               <a:rPr lang="en-GB" dirty="0" smtClean="0"/>
             </a:br>
             <a:r>
-              <a:rPr lang="en-GB" dirty="0" smtClean="0"/>
-              <a:t>Experiment details</a:t>
-            </a:r>
-            <a:endParaRPr lang="en-GB" dirty="0"/>
+              <a:rPr lang="en-GB" dirty="0" smtClean="0">
+                <a:solidFill>
+                  <a:srgbClr val="00B050"/>
+                </a:solidFill>
+              </a:rPr>
+              <a:t>Exercise</a:t>
+            </a:r>
+            <a:endParaRPr lang="en-GB" dirty="0">
+              <a:solidFill>
+                <a:srgbClr val="00B050"/>
+              </a:solidFill>
+            </a:endParaRPr>
           </a:p>
         </p:txBody>
       </p:sp>
@@ -10789,7 +10704,7 @@
         <p:spPr>
           <a:xfrm>
             <a:off x="395536" y="1844824"/>
-            <a:ext cx="8496944" cy="4308872"/>
+            <a:ext cx="8496944" cy="3754874"/>
           </a:xfrm>
           <a:prstGeom prst="rect">
             <a:avLst/>
@@ -10802,207 +10717,264 @@
           </a:bodyPr>
           <a:lstStyle/>
           <a:p>
-            <a:r>
-              <a:rPr lang="en-GB" dirty="0"/>
-              <a:t>You can change various experiment details with the change </a:t>
-            </a:r>
-            <a:r>
-              <a:rPr lang="en-GB" dirty="0" smtClean="0"/>
-              <a:t>function:</a:t>
-            </a:r>
-          </a:p>
-          <a:p>
-            <a:endParaRPr lang="en-GB" dirty="0"/>
-          </a:p>
-          <a:p>
             <a:pPr marL="285750" indent="-285750">
               <a:buFont typeface="Arial" panose="020B0604020202020204" pitchFamily="34" charset="0"/>
               <a:buChar char="•"/>
             </a:pPr>
             <a:r>
-              <a:rPr lang="en-GB" i="1" dirty="0"/>
-              <a:t>change</a:t>
-            </a:r>
-            <a:r>
-              <a:rPr lang="en-GB" dirty="0"/>
-              <a:t>: Modify experiment </a:t>
-            </a:r>
-            <a:r>
-              <a:rPr lang="en-GB" dirty="0" smtClean="0"/>
-              <a:t>details. E.g.</a:t>
-            </a:r>
-            <a:endParaRPr lang="en-GB" dirty="0"/>
-          </a:p>
-          <a:p>
-            <a:pPr lvl="1"/>
-            <a:r>
-              <a:rPr lang="en-GB" i="1" dirty="0" err="1" smtClean="0"/>
-              <a:t>g.change</a:t>
-            </a:r>
-            <a:r>
-              <a:rPr lang="en-GB" i="1" dirty="0" smtClean="0"/>
-              <a:t>(title</a:t>
-            </a:r>
-            <a:r>
-              <a:rPr lang="en-GB" i="1" dirty="0"/>
-              <a:t>="New title")</a:t>
-            </a:r>
-          </a:p>
-          <a:p>
-            <a:pPr lvl="1"/>
-            <a:r>
-              <a:rPr lang="en-GB" i="1" dirty="0" err="1" smtClean="0"/>
-              <a:t>g.change</a:t>
-            </a:r>
-            <a:r>
-              <a:rPr lang="en-GB" i="1" dirty="0" smtClean="0"/>
-              <a:t>(user</a:t>
-            </a:r>
-            <a:r>
-              <a:rPr lang="en-GB" i="1" dirty="0"/>
-              <a:t>="Adrian and John")</a:t>
-            </a:r>
-          </a:p>
-          <a:p>
-            <a:pPr lvl="1"/>
-            <a:r>
-              <a:rPr lang="en-GB" i="1" dirty="0" err="1" smtClean="0"/>
-              <a:t>g.change</a:t>
-            </a:r>
-            <a:r>
-              <a:rPr lang="en-GB" i="1" dirty="0" smtClean="0"/>
-              <a:t>(</a:t>
-            </a:r>
-            <a:r>
-              <a:rPr lang="en-GB" i="1" dirty="0" err="1" smtClean="0"/>
-              <a:t>rb</a:t>
-            </a:r>
-            <a:r>
-              <a:rPr lang="en-GB" i="1" dirty="0" smtClean="0"/>
-              <a:t>=10</a:t>
-            </a:r>
-            <a:r>
-              <a:rPr lang="en-GB" i="1" dirty="0"/>
-              <a:t>)</a:t>
-            </a:r>
-          </a:p>
-          <a:p>
-            <a:pPr lvl="1"/>
-            <a:r>
-              <a:rPr lang="en-GB" i="1" dirty="0" err="1" smtClean="0"/>
-              <a:t>g.change</a:t>
-            </a:r>
-            <a:r>
-              <a:rPr lang="en-GB" i="1" dirty="0" smtClean="0"/>
-              <a:t>(title</a:t>
-            </a:r>
-            <a:r>
-              <a:rPr lang="en-GB" i="1" dirty="0"/>
-              <a:t>="New title", user="Adrian and John</a:t>
-            </a:r>
-            <a:r>
-              <a:rPr lang="en-GB" i="1" dirty="0" smtClean="0"/>
-              <a:t>")</a:t>
-            </a:r>
-          </a:p>
-          <a:p>
-            <a:pPr lvl="1"/>
-            <a:endParaRPr lang="en-GB" i="1" dirty="0"/>
-          </a:p>
-          <a:p>
-            <a:r>
-              <a:rPr lang="en-GB" dirty="0"/>
-              <a:t>As with </a:t>
-            </a:r>
-            <a:r>
-              <a:rPr lang="en-GB" dirty="0" err="1"/>
-              <a:t>waitfor</a:t>
-            </a:r>
-            <a:r>
-              <a:rPr lang="en-GB" dirty="0"/>
-              <a:t>, there are also standalone </a:t>
-            </a:r>
-            <a:r>
-              <a:rPr lang="en-GB" dirty="0" smtClean="0"/>
-              <a:t>functions. E.g.</a:t>
-            </a:r>
-            <a:endParaRPr lang="en-GB" dirty="0"/>
-          </a:p>
-          <a:p>
-            <a:r>
-              <a:rPr lang="en-GB" dirty="0"/>
-              <a:t>	</a:t>
-            </a:r>
-            <a:r>
-              <a:rPr lang="en-GB" i="1" dirty="0" err="1" smtClean="0"/>
-              <a:t>change_user</a:t>
-            </a:r>
-            <a:endParaRPr lang="en-GB" i="1" dirty="0" smtClean="0"/>
-          </a:p>
-          <a:p>
-            <a:r>
-              <a:rPr lang="en-GB" i="1" dirty="0" smtClean="0"/>
-              <a:t>	</a:t>
-            </a:r>
-            <a:r>
-              <a:rPr lang="en-GB" i="1" dirty="0" err="1" smtClean="0"/>
-              <a:t>change_title</a:t>
-            </a:r>
-            <a:endParaRPr lang="en-GB" i="1" dirty="0" smtClean="0"/>
-          </a:p>
-          <a:p>
-            <a:r>
-              <a:rPr lang="en-GB" i="1" dirty="0" smtClean="0"/>
-              <a:t>	</a:t>
-            </a:r>
-            <a:r>
-              <a:rPr lang="en-GB" i="1" dirty="0" err="1" smtClean="0"/>
-              <a:t>change_rb</a:t>
-            </a:r>
-            <a:endParaRPr lang="en-GB" i="1" dirty="0" smtClean="0"/>
-          </a:p>
-          <a:p>
-            <a:endParaRPr lang="en-GB" i="1" dirty="0"/>
-          </a:p>
-          <a:p>
-            <a:pPr marL="342900" indent="-342900">
-              <a:buFont typeface="Arial" panose="020B0604020202020204" pitchFamily="34" charset="0"/>
-              <a:buChar char="•"/>
-            </a:pPr>
-            <a:r>
-              <a:rPr lang="en-GB" sz="2000" i="1" dirty="0" smtClean="0">
+              <a:rPr lang="en-GB" sz="2000" dirty="0" smtClean="0">
                 <a:solidFill>
                   <a:srgbClr val="00B050"/>
                 </a:solidFill>
               </a:rPr>
-              <a:t>What other “change” commands are there?</a:t>
-            </a:r>
-          </a:p>
-          <a:p>
-            <a:pPr marL="342900" indent="-342900">
-              <a:buFont typeface="Arial" panose="020B0604020202020204" pitchFamily="34" charset="0"/>
-              <a:buChar char="•"/>
-            </a:pPr>
-            <a:r>
-              <a:rPr lang="en-GB" sz="2000" i="1" dirty="0" smtClean="0">
+              <a:t>Change </a:t>
+            </a:r>
+            <a:r>
+              <a:rPr lang="en-GB" sz="2000" dirty="0">
                 <a:solidFill>
                   <a:srgbClr val="00B050"/>
                 </a:solidFill>
               </a:rPr>
-              <a:t>What other arguments does “change” support?</a:t>
-            </a:r>
-            <a:endParaRPr lang="en-GB" sz="2000" i="1" dirty="0">
+              <a:t>the title of the run to </a:t>
+            </a:r>
+            <a:r>
+              <a:rPr lang="en-GB" sz="2000" b="1" dirty="0" smtClean="0">
+                <a:solidFill>
+                  <a:srgbClr val="00B050"/>
+                </a:solidFill>
+              </a:rPr>
+              <a:t>Exercise 2</a:t>
+            </a:r>
+            <a:endParaRPr lang="en-GB" sz="2000" b="1" dirty="0">
               <a:solidFill>
                 <a:srgbClr val="00B050"/>
               </a:solidFill>
             </a:endParaRPr>
           </a:p>
+          <a:p>
+            <a:pPr marL="285750" indent="-285750">
+              <a:buFont typeface="Arial" panose="020B0604020202020204" pitchFamily="34" charset="0"/>
+              <a:buChar char="•"/>
+            </a:pPr>
+            <a:r>
+              <a:rPr lang="en-GB" sz="2000" dirty="0">
+                <a:solidFill>
+                  <a:srgbClr val="00B050"/>
+                </a:solidFill>
+              </a:rPr>
+              <a:t>Start a </a:t>
+            </a:r>
+            <a:r>
+              <a:rPr lang="en-GB" sz="2000" dirty="0" smtClean="0">
+                <a:solidFill>
+                  <a:srgbClr val="00B050"/>
+                </a:solidFill>
+              </a:rPr>
+              <a:t>run</a:t>
+            </a:r>
+          </a:p>
+          <a:p>
+            <a:pPr marL="285750" indent="-285750">
+              <a:buFont typeface="Arial" panose="020B0604020202020204" pitchFamily="34" charset="0"/>
+              <a:buChar char="•"/>
+            </a:pPr>
+            <a:r>
+              <a:rPr lang="en-GB" sz="2000" dirty="0" smtClean="0">
+                <a:solidFill>
+                  <a:srgbClr val="00B050"/>
+                </a:solidFill>
+              </a:rPr>
+              <a:t>Wait </a:t>
+            </a:r>
+            <a:r>
+              <a:rPr lang="en-GB" sz="2000" dirty="0">
+                <a:solidFill>
+                  <a:srgbClr val="00B050"/>
+                </a:solidFill>
+              </a:rPr>
+              <a:t>for 1 </a:t>
+            </a:r>
+            <a:r>
+              <a:rPr lang="en-GB" sz="2000" dirty="0" err="1">
+                <a:solidFill>
+                  <a:srgbClr val="00B050"/>
+                </a:solidFill>
+              </a:rPr>
+              <a:t>uamps</a:t>
+            </a:r>
+            <a:r>
+              <a:rPr lang="en-GB" sz="2000" dirty="0">
+                <a:solidFill>
+                  <a:srgbClr val="00B050"/>
+                </a:solidFill>
+              </a:rPr>
+              <a:t> (maximum wait 10 seconds) before pausing</a:t>
+            </a:r>
+          </a:p>
+          <a:p>
+            <a:pPr marL="285750" indent="-285750">
+              <a:buFont typeface="Arial" panose="020B0604020202020204" pitchFamily="34" charset="0"/>
+              <a:buChar char="•"/>
+            </a:pPr>
+            <a:r>
+              <a:rPr lang="en-GB" sz="2000" dirty="0">
+                <a:solidFill>
+                  <a:srgbClr val="00B050"/>
+                </a:solidFill>
+              </a:rPr>
+              <a:t>Set the value of </a:t>
+            </a:r>
+            <a:r>
+              <a:rPr lang="en-GB" sz="2000" b="1" dirty="0" smtClean="0">
+                <a:solidFill>
+                  <a:srgbClr val="00B050"/>
+                </a:solidFill>
+              </a:rPr>
+              <a:t>MY_BLOCK</a:t>
+            </a:r>
+            <a:r>
+              <a:rPr lang="en-GB" sz="2000" dirty="0" smtClean="0">
+                <a:solidFill>
+                  <a:srgbClr val="00B050"/>
+                </a:solidFill>
+              </a:rPr>
+              <a:t> </a:t>
+            </a:r>
+            <a:r>
+              <a:rPr lang="en-GB" sz="2000" dirty="0">
+                <a:solidFill>
+                  <a:srgbClr val="00B050"/>
+                </a:solidFill>
+              </a:rPr>
+              <a:t>to 5, with a high limit of 10, a low limit of 1 and put it under run control</a:t>
+            </a:r>
+          </a:p>
+          <a:p>
+            <a:pPr marL="285750" indent="-285750">
+              <a:buFont typeface="Arial" panose="020B0604020202020204" pitchFamily="34" charset="0"/>
+              <a:buChar char="•"/>
+            </a:pPr>
+            <a:r>
+              <a:rPr lang="en-GB" sz="2000" dirty="0">
+                <a:solidFill>
+                  <a:srgbClr val="00B050"/>
+                </a:solidFill>
+              </a:rPr>
+              <a:t>Resume the run</a:t>
+            </a:r>
+          </a:p>
+          <a:p>
+            <a:pPr marL="285750" indent="-285750">
+              <a:buFont typeface="Arial" panose="020B0604020202020204" pitchFamily="34" charset="0"/>
+              <a:buChar char="•"/>
+            </a:pPr>
+            <a:r>
+              <a:rPr lang="en-GB" sz="2000" dirty="0">
+                <a:solidFill>
+                  <a:srgbClr val="00B050"/>
+                </a:solidFill>
+              </a:rPr>
+              <a:t>Set the value of </a:t>
+            </a:r>
+            <a:r>
+              <a:rPr lang="en-GB" sz="2000" b="1" dirty="0" smtClean="0">
+                <a:solidFill>
+                  <a:srgbClr val="00B050"/>
+                </a:solidFill>
+              </a:rPr>
+              <a:t>MY_BLOCK</a:t>
+            </a:r>
+            <a:r>
+              <a:rPr lang="en-GB" sz="2000" dirty="0" smtClean="0">
+                <a:solidFill>
+                  <a:srgbClr val="00B050"/>
+                </a:solidFill>
+              </a:rPr>
+              <a:t> </a:t>
+            </a:r>
+            <a:r>
+              <a:rPr lang="en-GB" sz="2000" dirty="0">
+                <a:solidFill>
+                  <a:srgbClr val="00B050"/>
+                </a:solidFill>
+              </a:rPr>
+              <a:t>to 20 and confirm (using </a:t>
+            </a:r>
+            <a:r>
+              <a:rPr lang="en-GB" sz="2000" dirty="0" err="1">
+                <a:solidFill>
+                  <a:srgbClr val="00B050"/>
+                </a:solidFill>
+              </a:rPr>
+              <a:t>genie_python</a:t>
+            </a:r>
+            <a:r>
+              <a:rPr lang="en-GB" sz="2000" dirty="0">
+                <a:solidFill>
+                  <a:srgbClr val="00B050"/>
+                </a:solidFill>
+              </a:rPr>
+              <a:t>) that the instrument has entered a waiting state</a:t>
+            </a:r>
+          </a:p>
+          <a:p>
+            <a:pPr marL="285750" indent="-285750">
+              <a:buFont typeface="Arial" panose="020B0604020202020204" pitchFamily="34" charset="0"/>
+              <a:buChar char="•"/>
+            </a:pPr>
+            <a:r>
+              <a:rPr lang="en-GB" sz="2000" dirty="0">
+                <a:solidFill>
+                  <a:srgbClr val="00B050"/>
+                </a:solidFill>
+              </a:rPr>
+              <a:t>Decrease the value of </a:t>
+            </a:r>
+            <a:r>
+              <a:rPr lang="en-GB" sz="2000" b="1" dirty="0" smtClean="0">
+                <a:solidFill>
+                  <a:srgbClr val="00B050"/>
+                </a:solidFill>
+              </a:rPr>
+              <a:t>MY_BLOCK</a:t>
+            </a:r>
+            <a:r>
+              <a:rPr lang="en-GB" sz="2000" dirty="0" smtClean="0">
+                <a:solidFill>
+                  <a:srgbClr val="00B050"/>
+                </a:solidFill>
+              </a:rPr>
+              <a:t> </a:t>
+            </a:r>
+            <a:r>
+              <a:rPr lang="en-GB" sz="2000" dirty="0">
+                <a:solidFill>
+                  <a:srgbClr val="00B050"/>
+                </a:solidFill>
+              </a:rPr>
+              <a:t>down in steps of 1 until it reaches 10. Wait for 1 second between steps. Notice how the run state changes back to running when the block value drops below 10.</a:t>
+            </a:r>
+          </a:p>
+          <a:p>
+            <a:pPr marL="285750" indent="-285750">
+              <a:buFont typeface="Arial" panose="020B0604020202020204" pitchFamily="34" charset="0"/>
+              <a:buChar char="•"/>
+            </a:pPr>
+            <a:r>
+              <a:rPr lang="en-GB" sz="2000" dirty="0">
+                <a:solidFill>
+                  <a:srgbClr val="00B050"/>
+                </a:solidFill>
+              </a:rPr>
+              <a:t>End the run</a:t>
+            </a:r>
+          </a:p>
         </p:txBody>
       </p:sp>
     </p:spTree>
     <p:extLst>
       <p:ext uri="{BB962C8B-B14F-4D97-AF65-F5344CB8AC3E}">
-        <p14:creationId xmlns:p14="http://schemas.microsoft.com/office/powerpoint/2010/main" val="1100711507"/>
+        <p14:creationId xmlns:p14="http://schemas.microsoft.com/office/powerpoint/2010/main" val="2754241730"/>
       </p:ext>
     </p:extLst>
   </p:cSld>
@@ -11053,18 +11025,14 @@
           <a:p>
             <a:r>
               <a:rPr lang="en-GB" dirty="0" smtClean="0"/>
-              <a:t>Common commands: </a:t>
+              <a:t>Scripting</a:t>
             </a:r>
             <a:br>
               <a:rPr lang="en-GB" dirty="0" smtClean="0"/>
             </a:br>
             <a:r>
-              <a:rPr lang="en-GB" dirty="0" smtClean="0">
-                <a:solidFill>
-                  <a:srgbClr val="00B050"/>
-                </a:solidFill>
-              </a:rPr>
-              <a:t>Exercise</a:t>
+              <a:rPr lang="en-GB" dirty="0" smtClean="0"/>
+              <a:t>Create</a:t>
             </a:r>
             <a:endParaRPr lang="en-GB" dirty="0">
               <a:solidFill>
@@ -11083,7 +11051,7 @@
         <p:spPr>
           <a:xfrm>
             <a:off x="395536" y="1844824"/>
-            <a:ext cx="8496944" cy="3754874"/>
+            <a:ext cx="8496944" cy="4524315"/>
           </a:xfrm>
           <a:prstGeom prst="rect">
             <a:avLst/>
@@ -11096,264 +11064,317 @@
           </a:bodyPr>
           <a:lstStyle/>
           <a:p>
-            <a:pPr marL="285750" indent="-285750">
+            <a:pPr marL="342900" indent="-342900">
               <a:buFont typeface="Arial" panose="020B0604020202020204" pitchFamily="34" charset="0"/>
               <a:buChar char="•"/>
             </a:pPr>
             <a:r>
-              <a:rPr lang="en-GB" sz="2000" dirty="0" smtClean="0">
-                <a:solidFill>
-                  <a:srgbClr val="00B050"/>
-                </a:solidFill>
-              </a:rPr>
-              <a:t>Change </a:t>
-            </a:r>
-            <a:r>
-              <a:rPr lang="en-GB" sz="2000" dirty="0">
-                <a:solidFill>
-                  <a:srgbClr val="00B050"/>
-                </a:solidFill>
-              </a:rPr>
-              <a:t>the title of the run to </a:t>
-            </a:r>
-            <a:r>
-              <a:rPr lang="en-GB" sz="2000" b="1" dirty="0" smtClean="0">
-                <a:solidFill>
-                  <a:srgbClr val="00B050"/>
-                </a:solidFill>
-              </a:rPr>
-              <a:t>Exercise 2</a:t>
-            </a:r>
-            <a:endParaRPr lang="en-GB" sz="2000" b="1" dirty="0">
+              <a:rPr lang="en-GB" dirty="0"/>
+              <a:t>Python scripts have the extension .</a:t>
+            </a:r>
+            <a:r>
+              <a:rPr lang="en-GB" dirty="0" err="1"/>
+              <a:t>py</a:t>
+            </a:r>
+            <a:r>
+              <a:rPr lang="en-GB" dirty="0"/>
+              <a:t>. </a:t>
+            </a:r>
+            <a:endParaRPr lang="en-GB" dirty="0" smtClean="0"/>
+          </a:p>
+          <a:p>
+            <a:pPr marL="342900" indent="-342900">
+              <a:buFont typeface="Arial" panose="020B0604020202020204" pitchFamily="34" charset="0"/>
+              <a:buChar char="•"/>
+            </a:pPr>
+            <a:r>
+              <a:rPr lang="en-GB" dirty="0" smtClean="0"/>
+              <a:t>Many editors available. We like Notepad++</a:t>
+            </a:r>
+            <a:endParaRPr lang="en-GB" dirty="0"/>
+          </a:p>
+          <a:p>
+            <a:pPr marL="342900" indent="-342900">
+              <a:buFont typeface="Arial" panose="020B0604020202020204" pitchFamily="34" charset="0"/>
+              <a:buChar char="•"/>
+            </a:pPr>
+            <a:r>
+              <a:rPr lang="en-GB" dirty="0" smtClean="0"/>
+              <a:t>Two types of script:</a:t>
+            </a:r>
+          </a:p>
+          <a:p>
+            <a:pPr marL="800100" lvl="1" indent="-342900">
+              <a:buFont typeface="Arial" panose="020B0604020202020204" pitchFamily="34" charset="0"/>
+              <a:buChar char="•"/>
+            </a:pPr>
+            <a:r>
+              <a:rPr lang="en-GB" b="1" dirty="0" smtClean="0"/>
+              <a:t>Instrument </a:t>
+            </a:r>
+            <a:r>
+              <a:rPr lang="en-GB" b="1" dirty="0"/>
+              <a:t>scripts</a:t>
+            </a:r>
+            <a:r>
+              <a:rPr lang="en-GB" dirty="0"/>
+              <a:t>. </a:t>
+            </a:r>
+            <a:r>
+              <a:rPr lang="en-GB" dirty="0" smtClean="0"/>
+              <a:t>Aimed </a:t>
+            </a:r>
+            <a:r>
+              <a:rPr lang="en-GB" dirty="0"/>
+              <a:t>at instrument scientists, or </a:t>
+            </a:r>
+            <a:r>
+              <a:rPr lang="en-GB" dirty="0" smtClean="0"/>
+              <a:t>an instrument-specific functions that </a:t>
+            </a:r>
+            <a:r>
+              <a:rPr lang="en-GB" dirty="0"/>
+              <a:t>multiple users may wish to </a:t>
+            </a:r>
+            <a:r>
+              <a:rPr lang="en-GB" dirty="0" smtClean="0"/>
+              <a:t>access.</a:t>
+            </a:r>
+          </a:p>
+          <a:p>
+            <a:pPr marL="800100" lvl="1" indent="-342900">
+              <a:buFont typeface="Arial" panose="020B0604020202020204" pitchFamily="34" charset="0"/>
+              <a:buChar char="•"/>
+            </a:pPr>
+            <a:r>
+              <a:rPr lang="en-GB" b="1" dirty="0" smtClean="0"/>
+              <a:t>User </a:t>
+            </a:r>
+            <a:r>
+              <a:rPr lang="en-GB" b="1" dirty="0"/>
+              <a:t>scripts</a:t>
+            </a:r>
+            <a:r>
+              <a:rPr lang="en-GB" dirty="0"/>
+              <a:t>. </a:t>
+            </a:r>
+            <a:r>
+              <a:rPr lang="en-GB" dirty="0" smtClean="0"/>
+              <a:t>Specific </a:t>
+            </a:r>
+            <a:r>
+              <a:rPr lang="en-GB" dirty="0"/>
+              <a:t>users need for particular experiments</a:t>
+            </a:r>
+            <a:r>
+              <a:rPr lang="en-GB" dirty="0" smtClean="0"/>
+              <a:t>.</a:t>
+            </a:r>
+          </a:p>
+          <a:p>
+            <a:pPr marL="342900" indent="-342900">
+              <a:buFont typeface="Arial" panose="020B0604020202020204" pitchFamily="34" charset="0"/>
+              <a:buChar char="•"/>
+            </a:pPr>
+            <a:r>
+              <a:rPr lang="en-GB" dirty="0" smtClean="0"/>
+              <a:t>Ibex </a:t>
+            </a:r>
+            <a:r>
+              <a:rPr lang="en-GB" dirty="0"/>
+              <a:t>puts all </a:t>
+            </a:r>
+            <a:r>
+              <a:rPr lang="en-GB" b="1" dirty="0" smtClean="0"/>
+              <a:t>Instrument </a:t>
+            </a:r>
+            <a:r>
+              <a:rPr lang="en-GB" b="1" dirty="0"/>
+              <a:t>scripts</a:t>
+            </a:r>
+            <a:r>
+              <a:rPr lang="en-GB" dirty="0"/>
+              <a:t> under version control</a:t>
+            </a:r>
+            <a:r>
+              <a:rPr lang="en-GB" dirty="0" smtClean="0"/>
+              <a:t>.</a:t>
+            </a:r>
+            <a:endParaRPr lang="en-GB" dirty="0"/>
+          </a:p>
+          <a:p>
+            <a:pPr marL="342900" indent="-342900">
+              <a:buFont typeface="Arial" panose="020B0604020202020204" pitchFamily="34" charset="0"/>
+              <a:buChar char="•"/>
+            </a:pPr>
+            <a:r>
+              <a:rPr lang="en-GB" dirty="0"/>
+              <a:t>Instrument </a:t>
+            </a:r>
+            <a:r>
+              <a:rPr lang="en-GB" dirty="0" smtClean="0"/>
+              <a:t>scripts are in:</a:t>
+            </a:r>
+            <a:r>
+              <a:rPr lang="en-GB" dirty="0"/>
+              <a:t> </a:t>
+            </a:r>
+            <a:endParaRPr lang="en-GB" dirty="0" smtClean="0"/>
+          </a:p>
+          <a:p>
+            <a:pPr marL="800100" lvl="1" indent="-342900">
+              <a:buFont typeface="Arial" panose="020B0604020202020204" pitchFamily="34" charset="0"/>
+              <a:buChar char="•"/>
+            </a:pPr>
+            <a:r>
+              <a:rPr lang="en-GB" dirty="0" smtClean="0"/>
+              <a:t>C</a:t>
+            </a:r>
+            <a:r>
+              <a:rPr lang="en-GB" dirty="0"/>
+              <a:t>:\Instrument\Settings\config\NDX[Instrument name]\Python\</a:t>
+            </a:r>
+            <a:r>
+              <a:rPr lang="en-GB" dirty="0" err="1"/>
+              <a:t>inst</a:t>
+            </a:r>
+            <a:endParaRPr lang="en-GB" dirty="0"/>
+          </a:p>
+          <a:p>
+            <a:pPr marL="342900" indent="-342900">
+              <a:buFont typeface="Arial" panose="020B0604020202020204" pitchFamily="34" charset="0"/>
+              <a:buChar char="•"/>
+            </a:pPr>
+            <a:r>
+              <a:rPr lang="en-GB" dirty="0"/>
+              <a:t>User scripts are </a:t>
+            </a:r>
+            <a:r>
+              <a:rPr lang="en-GB" dirty="0" smtClean="0"/>
+              <a:t>in</a:t>
+            </a:r>
+            <a:r>
+              <a:rPr lang="en-GB" dirty="0"/>
+              <a:t>: </a:t>
+            </a:r>
+            <a:endParaRPr lang="en-GB" dirty="0" smtClean="0"/>
+          </a:p>
+          <a:p>
+            <a:pPr marL="800100" lvl="1" indent="-342900">
+              <a:buFont typeface="Arial" panose="020B0604020202020204" pitchFamily="34" charset="0"/>
+              <a:buChar char="•"/>
+            </a:pPr>
+            <a:r>
+              <a:rPr lang="en-GB" dirty="0" smtClean="0"/>
+              <a:t>C</a:t>
+            </a:r>
+            <a:r>
+              <a:rPr lang="en-GB" dirty="0"/>
+              <a:t>:\</a:t>
+            </a:r>
+            <a:r>
+              <a:rPr lang="en-GB" dirty="0" smtClean="0"/>
+              <a:t>scripts</a:t>
+            </a:r>
+          </a:p>
+          <a:p>
+            <a:endParaRPr lang="en-GB" dirty="0" smtClean="0">
               <a:solidFill>
                 <a:srgbClr val="00B050"/>
               </a:solidFill>
             </a:endParaRPr>
           </a:p>
           <a:p>
-            <a:pPr marL="285750" indent="-285750">
+            <a:r>
+              <a:rPr lang="en-GB" dirty="0" smtClean="0">
+                <a:solidFill>
+                  <a:srgbClr val="00B050"/>
+                </a:solidFill>
+              </a:rPr>
+              <a:t>Create </a:t>
+            </a:r>
+            <a:r>
+              <a:rPr lang="en-GB" dirty="0">
+                <a:solidFill>
+                  <a:srgbClr val="00B050"/>
+                </a:solidFill>
+              </a:rPr>
+              <a:t>two empty scripts:</a:t>
+            </a:r>
+          </a:p>
+          <a:p>
+            <a:pPr marL="342900" indent="-342900">
               <a:buFont typeface="Arial" panose="020B0604020202020204" pitchFamily="34" charset="0"/>
               <a:buChar char="•"/>
             </a:pPr>
             <a:r>
-              <a:rPr lang="en-GB" sz="2000" dirty="0">
+              <a:rPr lang="en-GB" dirty="0">
                 <a:solidFill>
                   <a:srgbClr val="00B050"/>
                 </a:solidFill>
               </a:rPr>
-              <a:t>Start a </a:t>
-            </a:r>
-            <a:r>
-              <a:rPr lang="en-GB" sz="2000" dirty="0" smtClean="0">
+              <a:t>An </a:t>
+            </a:r>
+            <a:r>
+              <a:rPr lang="en-GB" b="1" dirty="0">
                 <a:solidFill>
                   <a:srgbClr val="00B050"/>
                 </a:solidFill>
               </a:rPr>
-              <a:t>run</a:t>
-            </a:r>
-          </a:p>
-          <a:p>
-            <a:pPr marL="285750" indent="-285750">
+              <a:t>instrument</a:t>
+            </a:r>
+            <a:r>
+              <a:rPr lang="en-GB" dirty="0">
+                <a:solidFill>
+                  <a:srgbClr val="00B050"/>
+                </a:solidFill>
+              </a:rPr>
+              <a:t> script called set_up_instrument.py</a:t>
+            </a:r>
+          </a:p>
+          <a:p>
+            <a:pPr marL="342900" indent="-342900">
               <a:buFont typeface="Arial" panose="020B0604020202020204" pitchFamily="34" charset="0"/>
               <a:buChar char="•"/>
             </a:pPr>
             <a:r>
-              <a:rPr lang="en-GB" sz="2000" dirty="0" smtClean="0">
+              <a:rPr lang="en-GB" dirty="0">
                 <a:solidFill>
                   <a:srgbClr val="00B050"/>
                 </a:solidFill>
               </a:rPr>
-              <a:t>Wait </a:t>
-            </a:r>
-            <a:r>
-              <a:rPr lang="en-GB" sz="2000" dirty="0">
+              <a:t>A </a:t>
+            </a:r>
+            <a:r>
+              <a:rPr lang="en-GB" b="1" dirty="0">
                 <a:solidFill>
                   <a:srgbClr val="00B050"/>
                 </a:solidFill>
               </a:rPr>
-              <a:t>for 1 </a:t>
-            </a:r>
-            <a:r>
-              <a:rPr lang="en-GB" sz="2000" dirty="0" err="1">
+              <a:t>user</a:t>
+            </a:r>
+            <a:r>
+              <a:rPr lang="en-GB" dirty="0">
                 <a:solidFill>
                   <a:srgbClr val="00B050"/>
                 </a:solidFill>
               </a:rPr>
-              <a:t>uamps</a:t>
-            </a:r>
-            <a:r>
-              <a:rPr lang="en-GB" sz="2000" dirty="0">
-                <a:solidFill>
-                  <a:srgbClr val="00B050"/>
-                </a:solidFill>
-              </a:rPr>
-              <a:t> (maximum wait 10 seconds) before pausing</a:t>
-            </a:r>
-          </a:p>
-          <a:p>
-            <a:pPr marL="285750" indent="-285750">
+              <a:t> script called run_my_experiment.py</a:t>
+            </a:r>
+          </a:p>
+          <a:p>
+            <a:pPr marL="800100" lvl="1" indent="-342900">
               <a:buFont typeface="Arial" panose="020B0604020202020204" pitchFamily="34" charset="0"/>
               <a:buChar char="•"/>
             </a:pPr>
-            <a:r>
-              <a:rPr lang="en-GB" sz="2000" dirty="0">
-                <a:solidFill>
-                  <a:srgbClr val="00B050"/>
-                </a:solidFill>
-              </a:rPr>
-              <a:t>Set the value of </a:t>
-            </a:r>
-            <a:r>
-              <a:rPr lang="en-GB" sz="2000" b="1" dirty="0" smtClean="0">
-                <a:solidFill>
-                  <a:srgbClr val="00B050"/>
-                </a:solidFill>
-              </a:rPr>
-              <a:t>MY_BLOCK</a:t>
-            </a:r>
-            <a:r>
-              <a:rPr lang="en-GB" sz="2000" dirty="0" smtClean="0">
-                <a:solidFill>
-                  <a:srgbClr val="00B050"/>
-                </a:solidFill>
-              </a:rPr>
-              <a:t> </a:t>
-            </a:r>
-            <a:r>
-              <a:rPr lang="en-GB" sz="2000" dirty="0">
-                <a:solidFill>
-                  <a:srgbClr val="00B050"/>
-                </a:solidFill>
-              </a:rPr>
-              <a:t>to 5, with a high limit of 10, a low limit of 1 and put it under run control</a:t>
-            </a:r>
-          </a:p>
-          <a:p>
-            <a:pPr marL="285750" indent="-285750">
-              <a:buFont typeface="Arial" panose="020B0604020202020204" pitchFamily="34" charset="0"/>
-              <a:buChar char="•"/>
-            </a:pPr>
-            <a:r>
-              <a:rPr lang="en-GB" sz="2000" dirty="0">
-                <a:solidFill>
-                  <a:srgbClr val="00B050"/>
-                </a:solidFill>
-              </a:rPr>
-              <a:t>Resume the run</a:t>
-            </a:r>
-          </a:p>
-          <a:p>
-            <a:pPr marL="285750" indent="-285750">
-              <a:buFont typeface="Arial" panose="020B0604020202020204" pitchFamily="34" charset="0"/>
-              <a:buChar char="•"/>
-            </a:pPr>
-            <a:r>
-              <a:rPr lang="en-GB" sz="2000" dirty="0">
-                <a:solidFill>
-                  <a:srgbClr val="00B050"/>
-                </a:solidFill>
-              </a:rPr>
-              <a:t>Set the value of </a:t>
-            </a:r>
-            <a:r>
-              <a:rPr lang="en-GB" sz="2000" b="1" dirty="0" smtClean="0">
-                <a:solidFill>
-                  <a:srgbClr val="00B050"/>
-                </a:solidFill>
-              </a:rPr>
-              <a:t>MY_BLOCK</a:t>
-            </a:r>
-            <a:r>
-              <a:rPr lang="en-GB" sz="2000" dirty="0" smtClean="0">
-                <a:solidFill>
-                  <a:srgbClr val="00B050"/>
-                </a:solidFill>
-              </a:rPr>
-              <a:t> </a:t>
-            </a:r>
-            <a:r>
-              <a:rPr lang="en-GB" sz="2000" dirty="0">
-                <a:solidFill>
-                  <a:srgbClr val="00B050"/>
-                </a:solidFill>
-              </a:rPr>
-              <a:t>to 20 and confirm (using </a:t>
-            </a:r>
-            <a:r>
-              <a:rPr lang="en-GB" sz="2000" dirty="0" err="1">
-                <a:solidFill>
-                  <a:srgbClr val="00B050"/>
-                </a:solidFill>
-              </a:rPr>
-              <a:t>genie_python</a:t>
-            </a:r>
-            <a:r>
-              <a:rPr lang="en-GB" sz="2000" dirty="0">
-                <a:solidFill>
-                  <a:srgbClr val="00B050"/>
-                </a:solidFill>
-              </a:rPr>
-              <a:t>) that the instrument has entered a waiting state</a:t>
-            </a:r>
-          </a:p>
-          <a:p>
-            <a:pPr marL="285750" indent="-285750">
-              <a:buFont typeface="Arial" panose="020B0604020202020204" pitchFamily="34" charset="0"/>
-              <a:buChar char="•"/>
-            </a:pPr>
-            <a:r>
-              <a:rPr lang="en-GB" sz="2000" dirty="0">
-                <a:solidFill>
-                  <a:srgbClr val="00B050"/>
-                </a:solidFill>
-              </a:rPr>
-              <a:t>Decrease the value of </a:t>
-            </a:r>
-            <a:r>
-              <a:rPr lang="en-GB" sz="2000" b="1" dirty="0" smtClean="0">
-                <a:solidFill>
-                  <a:srgbClr val="00B050"/>
-                </a:solidFill>
-              </a:rPr>
-              <a:t>MY_BLOCK</a:t>
-            </a:r>
-            <a:r>
-              <a:rPr lang="en-GB" sz="2000" dirty="0" smtClean="0">
-                <a:solidFill>
-                  <a:srgbClr val="00B050"/>
-                </a:solidFill>
-              </a:rPr>
-              <a:t> </a:t>
-            </a:r>
-            <a:r>
-              <a:rPr lang="en-GB" sz="2000" dirty="0">
-                <a:solidFill>
-                  <a:srgbClr val="00B050"/>
-                </a:solidFill>
-              </a:rPr>
-              <a:t>down in steps of 1 until it reaches 10. Wait for 1 second between steps. Notice how the run state changes back to running when the block value drops below 10.</a:t>
-            </a:r>
-          </a:p>
-          <a:p>
-            <a:pPr marL="285750" indent="-285750">
-              <a:buFont typeface="Arial" panose="020B0604020202020204" pitchFamily="34" charset="0"/>
-              <a:buChar char="•"/>
-            </a:pPr>
-            <a:r>
-              <a:rPr lang="en-GB" sz="2000" dirty="0">
-                <a:solidFill>
-                  <a:srgbClr val="00B050"/>
-                </a:solidFill>
-              </a:rPr>
-              <a:t>End the run</a:t>
-            </a:r>
+            <a:endParaRPr lang="en-GB" dirty="0"/>
           </a:p>
         </p:txBody>
       </p:sp>
     </p:spTree>
     <p:extLst>
       <p:ext uri="{BB962C8B-B14F-4D97-AF65-F5344CB8AC3E}">
-        <p14:creationId xmlns:p14="http://schemas.microsoft.com/office/powerpoint/2010/main" val="2754241730"/>
+        <p14:creationId xmlns:p14="http://schemas.microsoft.com/office/powerpoint/2010/main" val="730955884"/>
       </p:ext>
     </p:extLst>
   </p:cSld>
@@ -11411,7 +11432,7 @@
             </a:br>
             <a:r>
               <a:rPr lang="en-GB" dirty="0" smtClean="0"/>
-              <a:t>Create</a:t>
+              <a:t>Write</a:t>
             </a:r>
             <a:endParaRPr lang="en-GB" dirty="0">
               <a:solidFill>
@@ -11430,7 +11451,7 @@
         <p:spPr>
           <a:xfrm>
             <a:off x="395536" y="1844824"/>
-            <a:ext cx="8496944" cy="4524315"/>
+            <a:ext cx="8496944" cy="4124206"/>
           </a:xfrm>
           <a:prstGeom prst="rect">
             <a:avLst/>
@@ -11443,317 +11464,278 @@
           </a:bodyPr>
           <a:lstStyle/>
           <a:p>
-            <a:pPr marL="342900" indent="-342900">
+            <a:pPr marL="285750" indent="-285750">
               <a:buFont typeface="Arial" panose="020B0604020202020204" pitchFamily="34" charset="0"/>
               <a:buChar char="•"/>
             </a:pPr>
             <a:r>
-              <a:rPr lang="en-GB" dirty="0"/>
-              <a:t>Python scripts have the extension .</a:t>
-            </a:r>
-            <a:r>
-              <a:rPr lang="en-GB" dirty="0" err="1"/>
-              <a:t>py</a:t>
-            </a:r>
-            <a:r>
-              <a:rPr lang="en-GB" dirty="0"/>
-              <a:t>. </a:t>
-            </a:r>
-            <a:endParaRPr lang="en-GB" dirty="0" smtClean="0"/>
-          </a:p>
-          <a:p>
-            <a:pPr marL="342900" indent="-342900">
+              <a:rPr lang="en-GB" sz="1600" dirty="0" smtClean="0"/>
+              <a:t>Scripts can </a:t>
+            </a:r>
+            <a:r>
+              <a:rPr lang="en-GB" sz="1600" dirty="0"/>
+              <a:t>use any Python and </a:t>
+            </a:r>
+            <a:r>
+              <a:rPr lang="en-GB" sz="1600" i="1" dirty="0" err="1"/>
+              <a:t>genie_python</a:t>
+            </a:r>
+            <a:r>
+              <a:rPr lang="en-GB" sz="1600" dirty="0"/>
+              <a:t> functionality that you've already learnt.</a:t>
+            </a:r>
+          </a:p>
+          <a:p>
+            <a:pPr marL="285750" indent="-285750">
               <a:buFont typeface="Arial" panose="020B0604020202020204" pitchFamily="34" charset="0"/>
               <a:buChar char="•"/>
             </a:pPr>
             <a:r>
-              <a:rPr lang="en-GB" dirty="0" smtClean="0"/>
-              <a:t>Many editors available. We like Notepad++</a:t>
-            </a:r>
-            <a:endParaRPr lang="en-GB" dirty="0"/>
-          </a:p>
-          <a:p>
-            <a:pPr marL="342900" indent="-342900">
+              <a:rPr lang="en-GB" sz="1600" dirty="0" smtClean="0"/>
+              <a:t>We recommend </a:t>
+            </a:r>
+            <a:r>
+              <a:rPr lang="en-GB" sz="1600" dirty="0"/>
+              <a:t>all executable code within a script should be contained within functions and classes. For example</a:t>
+            </a:r>
+            <a:r>
+              <a:rPr lang="en-GB" sz="1600" dirty="0" smtClean="0"/>
+              <a:t>:</a:t>
+            </a:r>
+          </a:p>
+          <a:p>
+            <a:pPr marL="285750" indent="-285750">
               <a:buFont typeface="Arial" panose="020B0604020202020204" pitchFamily="34" charset="0"/>
               <a:buChar char="•"/>
             </a:pPr>
-            <a:r>
-              <a:rPr lang="en-GB" dirty="0" smtClean="0"/>
-              <a:t>Two types of script:</a:t>
-            </a:r>
-          </a:p>
-          <a:p>
-            <a:pPr marL="800100" lvl="1" indent="-342900">
+            <a:endParaRPr lang="en-GB" sz="1600" dirty="0"/>
+          </a:p>
+          <a:p>
+            <a:pPr marL="285750" indent="-285750">
               <a:buFont typeface="Arial" panose="020B0604020202020204" pitchFamily="34" charset="0"/>
               <a:buChar char="•"/>
             </a:pPr>
-            <a:r>
-              <a:rPr lang="en-GB" b="1" dirty="0" smtClean="0"/>
-              <a:t>Instrument </a:t>
-            </a:r>
-            <a:r>
-              <a:rPr lang="en-GB" b="1" dirty="0"/>
-              <a:t>scripts</a:t>
-            </a:r>
-            <a:r>
-              <a:rPr lang="en-GB" dirty="0"/>
-              <a:t>. </a:t>
-            </a:r>
-            <a:r>
-              <a:rPr lang="en-GB" dirty="0" smtClean="0"/>
-              <a:t>Aimed </a:t>
-            </a:r>
-            <a:r>
-              <a:rPr lang="en-GB" dirty="0"/>
-              <a:t>at instrument scientists, or </a:t>
-            </a:r>
-            <a:r>
-              <a:rPr lang="en-GB" dirty="0" smtClean="0"/>
-              <a:t>an instrument-specific functions that </a:t>
-            </a:r>
-            <a:r>
-              <a:rPr lang="en-GB" dirty="0"/>
-              <a:t>multiple users may wish to </a:t>
-            </a:r>
-            <a:r>
-              <a:rPr lang="en-GB" dirty="0" smtClean="0"/>
-              <a:t>access.</a:t>
-            </a:r>
-          </a:p>
-          <a:p>
-            <a:pPr marL="800100" lvl="1" indent="-342900">
+            <a:endParaRPr lang="en-GB" sz="1600" dirty="0" smtClean="0"/>
+          </a:p>
+          <a:p>
+            <a:pPr marL="285750" indent="-285750">
               <a:buFont typeface="Arial" panose="020B0604020202020204" pitchFamily="34" charset="0"/>
               <a:buChar char="•"/>
             </a:pPr>
-            <a:r>
-              <a:rPr lang="en-GB" b="1" dirty="0" smtClean="0"/>
-              <a:t>User </a:t>
-            </a:r>
-            <a:r>
-              <a:rPr lang="en-GB" b="1" dirty="0"/>
-              <a:t>scripts</a:t>
-            </a:r>
-            <a:r>
-              <a:rPr lang="en-GB" dirty="0"/>
-              <a:t>. </a:t>
-            </a:r>
-            <a:r>
-              <a:rPr lang="en-GB" dirty="0" smtClean="0"/>
-              <a:t>Specific </a:t>
-            </a:r>
-            <a:r>
-              <a:rPr lang="en-GB" dirty="0"/>
-              <a:t>users need for particular experiments</a:t>
-            </a:r>
-            <a:r>
-              <a:rPr lang="en-GB" dirty="0" smtClean="0"/>
-              <a:t>.</a:t>
-            </a:r>
-          </a:p>
-          <a:p>
-            <a:pPr marL="342900" indent="-342900">
+            <a:endParaRPr lang="en-GB" sz="1600" dirty="0"/>
+          </a:p>
+          <a:p>
+            <a:pPr marL="285750" indent="-285750">
               <a:buFont typeface="Arial" panose="020B0604020202020204" pitchFamily="34" charset="0"/>
               <a:buChar char="•"/>
             </a:pPr>
             <a:r>
-              <a:rPr lang="en-GB" dirty="0" smtClean="0"/>
-              <a:t>Ibex </a:t>
-            </a:r>
-            <a:r>
-              <a:rPr lang="en-GB" dirty="0"/>
-              <a:t>puts all </a:t>
-            </a:r>
-            <a:r>
-              <a:rPr lang="en-GB" b="1" dirty="0" smtClean="0"/>
-              <a:t>Instrument </a:t>
-            </a:r>
-            <a:r>
-              <a:rPr lang="en-GB" b="1" dirty="0"/>
-              <a:t>scripts</a:t>
-            </a:r>
-            <a:r>
-              <a:rPr lang="en-GB" dirty="0"/>
-              <a:t> under version control</a:t>
-            </a:r>
-            <a:r>
-              <a:rPr lang="en-GB" dirty="0" smtClean="0"/>
-              <a:t>.</a:t>
-            </a:r>
-            <a:endParaRPr lang="en-GB" dirty="0"/>
-          </a:p>
-          <a:p>
-            <a:pPr marL="342900" indent="-342900">
+              <a:rPr lang="en-GB" sz="1600" dirty="0" smtClean="0">
+                <a:solidFill>
+                  <a:srgbClr val="00B050"/>
+                </a:solidFill>
+              </a:rPr>
+              <a:t>Update </a:t>
+            </a:r>
+            <a:r>
+              <a:rPr lang="en-GB" sz="1600" dirty="0">
+                <a:solidFill>
+                  <a:srgbClr val="00B050"/>
+                </a:solidFill>
+              </a:rPr>
+              <a:t>your instrument script, set_up_instrument.py, so that it contains a single function</a:t>
+            </a:r>
+          </a:p>
+          <a:p>
+            <a:pPr marL="742950" lvl="1" indent="-285750">
               <a:buFont typeface="Arial" panose="020B0604020202020204" pitchFamily="34" charset="0"/>
               <a:buChar char="•"/>
             </a:pPr>
             <a:r>
-              <a:rPr lang="en-GB" dirty="0"/>
-              <a:t>Instrument </a:t>
-            </a:r>
-            <a:r>
-              <a:rPr lang="en-GB" dirty="0" smtClean="0"/>
-              <a:t>scripts are in:</a:t>
-            </a:r>
-            <a:r>
-              <a:rPr lang="en-GB" dirty="0"/>
-              <a:t> </a:t>
-            </a:r>
-            <a:endParaRPr lang="en-GB" dirty="0" smtClean="0"/>
-          </a:p>
-          <a:p>
-            <a:pPr marL="800100" lvl="1" indent="-342900">
+              <a:rPr lang="en-GB" sz="1600" dirty="0">
+                <a:solidFill>
+                  <a:srgbClr val="00B050"/>
+                </a:solidFill>
+              </a:rPr>
+              <a:t>The function should be called "</a:t>
+            </a:r>
+            <a:r>
+              <a:rPr lang="en-GB" sz="1600" dirty="0" err="1">
+                <a:solidFill>
+                  <a:srgbClr val="00B050"/>
+                </a:solidFill>
+              </a:rPr>
+              <a:t>set_up_instrument</a:t>
+            </a:r>
+            <a:r>
+              <a:rPr lang="en-GB" sz="1600" dirty="0">
+                <a:solidFill>
+                  <a:srgbClr val="00B050"/>
+                </a:solidFill>
+              </a:rPr>
+              <a:t>"</a:t>
+            </a:r>
+          </a:p>
+          <a:p>
+            <a:pPr marL="742950" lvl="1" indent="-285750">
               <a:buFont typeface="Arial" panose="020B0604020202020204" pitchFamily="34" charset="0"/>
               <a:buChar char="•"/>
             </a:pPr>
             <a:r>
-              <a:rPr lang="en-GB" dirty="0" smtClean="0"/>
-              <a:t>C</a:t>
-            </a:r>
-            <a:r>
-              <a:rPr lang="en-GB" dirty="0"/>
-              <a:t>:\Instrument\Settings\config\NDX[Instrument name]\Python\</a:t>
-            </a:r>
-            <a:r>
-              <a:rPr lang="en-GB" dirty="0" err="1"/>
-              <a:t>inst</a:t>
-            </a:r>
-            <a:endParaRPr lang="en-GB" dirty="0"/>
-          </a:p>
-          <a:p>
-            <a:pPr marL="342900" indent="-342900">
+              <a:rPr lang="en-GB" sz="1600" dirty="0">
+                <a:solidFill>
+                  <a:srgbClr val="00B050"/>
+                </a:solidFill>
+              </a:rPr>
+              <a:t>It should set the title to "My experiment"</a:t>
+            </a:r>
+          </a:p>
+          <a:p>
+            <a:pPr marL="742950" lvl="1" indent="-285750">
               <a:buFont typeface="Arial" panose="020B0604020202020204" pitchFamily="34" charset="0"/>
               <a:buChar char="•"/>
             </a:pPr>
             <a:r>
-              <a:rPr lang="en-GB" dirty="0"/>
-              <a:t>User scripts are </a:t>
-            </a:r>
-            <a:r>
-              <a:rPr lang="en-GB" dirty="0" smtClean="0"/>
-              <a:t>in</a:t>
-            </a:r>
-            <a:r>
-              <a:rPr lang="en-GB" dirty="0"/>
-              <a:t>: </a:t>
-            </a:r>
-            <a:endParaRPr lang="en-GB" dirty="0" smtClean="0"/>
-          </a:p>
-          <a:p>
-            <a:pPr marL="800100" lvl="1" indent="-342900">
+              <a:rPr lang="en-GB" sz="1600" dirty="0">
+                <a:solidFill>
+                  <a:srgbClr val="00B050"/>
+                </a:solidFill>
+              </a:rPr>
+              <a:t>It should set the username to your name</a:t>
+            </a:r>
+          </a:p>
+          <a:p>
+            <a:pPr marL="285750" indent="-285750">
               <a:buFont typeface="Arial" panose="020B0604020202020204" pitchFamily="34" charset="0"/>
               <a:buChar char="•"/>
             </a:pPr>
             <a:r>
-              <a:rPr lang="en-GB" dirty="0" smtClean="0"/>
-              <a:t>C</a:t>
-            </a:r>
-            <a:r>
-              <a:rPr lang="en-GB" dirty="0"/>
-              <a:t>:\</a:t>
-            </a:r>
-            <a:r>
-              <a:rPr lang="en-GB" dirty="0" smtClean="0"/>
-              <a:t>scripts</a:t>
-            </a:r>
-          </a:p>
-          <a:p>
-            <a:endParaRPr lang="en-GB" dirty="0" smtClean="0">
-              <a:solidFill>
-                <a:srgbClr val="00B050"/>
-              </a:solidFill>
-            </a:endParaRPr>
-          </a:p>
-          <a:p>
-            <a:r>
-              <a:rPr lang="en-GB" dirty="0" smtClean="0">
+              <a:rPr lang="en-GB" sz="1600" dirty="0">
                 <a:solidFill>
                   <a:srgbClr val="00B050"/>
                 </a:solidFill>
               </a:rPr>
-              <a:t>Create </a:t>
-            </a:r>
-            <a:r>
-              <a:rPr lang="en-GB" dirty="0">
-                <a:solidFill>
-                  <a:srgbClr val="00B050"/>
-                </a:solidFill>
-              </a:rPr>
-              <a:t>two empty scripts:</a:t>
-            </a:r>
-          </a:p>
-          <a:p>
-            <a:pPr marL="342900" indent="-342900">
+              <a:t>Update your user script, run_my_experiment.py which contains a function that does the following</a:t>
+            </a:r>
+          </a:p>
+          <a:p>
+            <a:pPr marL="742950" lvl="1" indent="-285750">
               <a:buFont typeface="Arial" panose="020B0604020202020204" pitchFamily="34" charset="0"/>
               <a:buChar char="•"/>
             </a:pPr>
             <a:r>
-              <a:rPr lang="en-GB" dirty="0">
+              <a:rPr lang="en-GB" sz="1600" dirty="0">
                 <a:solidFill>
                   <a:srgbClr val="00B050"/>
                 </a:solidFill>
               </a:rPr>
-              <a:t>An </a:t>
-            </a:r>
-            <a:r>
-              <a:rPr lang="en-GB" b="1" dirty="0">
-                <a:solidFill>
-                  <a:srgbClr val="00B050"/>
-                </a:solidFill>
-              </a:rPr>
-              <a:t>instrument</a:t>
-            </a:r>
-            <a:r>
-              <a:rPr lang="en-GB" dirty="0">
-                <a:solidFill>
-                  <a:srgbClr val="00B050"/>
-                </a:solidFill>
-              </a:rPr>
-              <a:t> script called set_up_instrument.py</a:t>
-            </a:r>
-          </a:p>
-          <a:p>
-            <a:pPr marL="342900" indent="-342900">
+              <a:t>Begins the run</a:t>
+            </a:r>
+          </a:p>
+          <a:p>
+            <a:pPr marL="742950" lvl="1" indent="-285750">
               <a:buFont typeface="Arial" panose="020B0604020202020204" pitchFamily="34" charset="0"/>
               <a:buChar char="•"/>
             </a:pPr>
             <a:r>
-              <a:rPr lang="en-GB" dirty="0">
+              <a:rPr lang="en-GB" sz="1600" dirty="0">
                 <a:solidFill>
                   <a:srgbClr val="00B050"/>
                 </a:solidFill>
               </a:rPr>
-              <a:t>A </a:t>
-            </a:r>
-            <a:r>
-              <a:rPr lang="en-GB" b="1" dirty="0">
+              <a:t>Prints the current </a:t>
+            </a:r>
+            <a:r>
+              <a:rPr lang="en-GB" sz="1600" dirty="0" err="1">
                 <a:solidFill>
                   <a:srgbClr val="00B050"/>
                 </a:solidFill>
               </a:rPr>
-              <a:t>user</a:t>
-            </a:r>
-            <a:r>
-              <a:rPr lang="en-GB" dirty="0">
+              <a:t>uamps</a:t>
+            </a:r>
+            <a:r>
+              <a:rPr lang="en-GB" sz="1600" dirty="0">
                 <a:solidFill>
                   <a:srgbClr val="00B050"/>
                 </a:solidFill>
               </a:rPr>
-              <a:t> script called run_my_experiment.py</a:t>
-            </a:r>
-          </a:p>
-          <a:p>
-            <a:pPr marL="800100" lvl="1" indent="-342900">
+              <a:t> for the current period over 10 seconds at 1 second intervals</a:t>
+            </a:r>
+          </a:p>
+          <a:p>
+            <a:pPr marL="742950" lvl="1" indent="-285750">
               <a:buFont typeface="Arial" panose="020B0604020202020204" pitchFamily="34" charset="0"/>
               <a:buChar char="•"/>
             </a:pPr>
-            <a:endParaRPr lang="en-GB" dirty="0"/>
-          </a:p>
-        </p:txBody>
-      </p:sp>
+            <a:r>
+              <a:rPr lang="en-GB" sz="1600" dirty="0">
+                <a:solidFill>
+                  <a:srgbClr val="00B050"/>
+                </a:solidFill>
+              </a:rPr>
+              <a:t>Ends the run</a:t>
+            </a:r>
+          </a:p>
+        </p:txBody>
+      </p:sp>
+      <p:pic>
+        <p:nvPicPr>
+          <p:cNvPr id="3074" name="Picture 2"/>
+          <p:cNvPicPr>
+            <a:picLocks noChangeAspect="1" noChangeArrowheads="1"/>
+          </p:cNvPicPr>
+          <p:nvPr/>
+        </p:nvPicPr>
+        <p:blipFill>
+          <a:blip r:embed="rId3">
+            <a:extLst>
+              <a:ext uri="{28A0092B-C50C-407E-A947-70E740481C1C}">
+                <a14:useLocalDpi xmlns:a14="http://schemas.microsoft.com/office/drawing/2010/main" val="0"/>
+              </a:ext>
+            </a:extLst>
+          </a:blip>
+          <a:srcRect/>
+          <a:stretch>
+            <a:fillRect/>
+          </a:stretch>
+        </p:blipFill>
+        <p:spPr bwMode="auto">
+          <a:xfrm>
+            <a:off x="449796" y="2701300"/>
+            <a:ext cx="8388424" cy="627103"/>
+          </a:xfrm>
+          <a:prstGeom prst="rect">
+            <a:avLst/>
+          </a:prstGeom>
+          <a:noFill/>
+          <a:ln>
+            <a:noFill/>
+          </a:ln>
+          <a:extLst>
+            <a:ext uri="{909E8E84-426E-40DD-AFC4-6F175D3DCCD1}">
+              <a14:hiddenFill xmlns:a14="http://schemas.microsoft.com/office/drawing/2010/main">
+                <a:solidFill>
+                  <a:schemeClr val="accent1"/>
+                </a:solidFill>
+              </a14:hiddenFill>
+            </a:ext>
+            <a:ext uri="{91240B29-F687-4F45-9708-019B960494DF}">
+              <a14:hiddenLine xmlns:a14="http://schemas.microsoft.com/office/drawing/2010/main" w="9525">
+                <a:solidFill>
+                  <a:schemeClr val="tx1"/>
+                </a:solidFill>
+                <a:miter lim="800000"/>
+                <a:headEnd/>
+                <a:tailEnd/>
+              </a14:hiddenLine>
+            </a:ext>
+          </a:extLst>
+        </p:spPr>
+      </p:pic>
     </p:spTree>
     <p:extLst>
       <p:ext uri="{BB962C8B-B14F-4D97-AF65-F5344CB8AC3E}">
-        <p14:creationId xmlns:p14="http://schemas.microsoft.com/office/powerpoint/2010/main" val="730955884"/>
+        <p14:creationId xmlns:p14="http://schemas.microsoft.com/office/powerpoint/2010/main" val="707563875"/>
       </p:ext>
     </p:extLst>
   </p:cSld>
@@ -11811,7 +11793,7 @@
             </a:br>
             <a:r>
               <a:rPr lang="en-GB" dirty="0" smtClean="0"/>
-              <a:t>Write</a:t>
+              <a:t>Load</a:t>
             </a:r>
             <a:endParaRPr lang="en-GB" dirty="0">
               <a:solidFill>
@@ -11830,7 +11812,7 @@
         <p:spPr>
           <a:xfrm>
             <a:off x="395536" y="1844824"/>
-            <a:ext cx="8496944" cy="4124206"/>
+            <a:ext cx="8496944" cy="2677656"/>
           </a:xfrm>
           <a:prstGeom prst="rect">
             <a:avLst/>
@@ -11848,20 +11830,16 @@
               <a:buChar char="•"/>
             </a:pPr>
             <a:r>
-              <a:rPr lang="en-GB" sz="1600" dirty="0" smtClean="0"/>
-              <a:t>Scripts can </a:t>
-            </a:r>
-            <a:r>
-              <a:rPr lang="en-GB" sz="1600" dirty="0"/>
-              <a:t>use any Python and </a:t>
-            </a:r>
-            <a:r>
-              <a:rPr lang="en-GB" sz="1600" i="1" dirty="0" err="1"/>
-              <a:t>genie_python</a:t>
-            </a:r>
-            <a:r>
-              <a:rPr lang="en-GB" sz="1600" dirty="0"/>
-              <a:t> functionality that you've already learnt.</a:t>
+              <a:rPr lang="en-GB" sz="2400" b="1" dirty="0" smtClean="0"/>
+              <a:t>Instrument </a:t>
+            </a:r>
+            <a:r>
+              <a:rPr lang="en-GB" sz="2400" b="1" dirty="0"/>
+              <a:t>scripts</a:t>
+            </a:r>
+            <a:r>
+              <a:rPr lang="en-GB" sz="2400" dirty="0"/>
+              <a:t> are loaded automatically when you open the scripting perspective</a:t>
             </a:r>
           </a:p>
           <a:p>
@@ -11870,16 +11848,36 @@
               <a:buChar char="•"/>
             </a:pPr>
             <a:r>
-              <a:rPr lang="en-GB" sz="1600" dirty="0" smtClean="0"/>
-              <a:t>We recommend </a:t>
-            </a:r>
-            <a:r>
-              <a:rPr lang="en-GB" sz="1600" dirty="0"/>
-              <a:t>all executable code within a script should be contained within functions and classes. For example</a:t>
-            </a:r>
-            <a:r>
-              <a:rPr lang="en-GB" sz="1600" dirty="0" smtClean="0"/>
-              <a:t>:</a:t>
+              <a:rPr lang="en-GB" sz="2400" b="1" dirty="0"/>
+              <a:t>User scripts</a:t>
+            </a:r>
+            <a:r>
+              <a:rPr lang="en-GB" sz="2400" dirty="0"/>
+              <a:t> can be loaded by using the </a:t>
+            </a:r>
+            <a:r>
+              <a:rPr lang="en-GB" sz="2400" i="1" dirty="0" err="1"/>
+              <a:t>load_script</a:t>
+            </a:r>
+            <a:r>
+              <a:rPr lang="en-GB" sz="2400" dirty="0"/>
+              <a:t> </a:t>
+            </a:r>
+            <a:r>
+              <a:rPr lang="en-GB" sz="2400" dirty="0" smtClean="0"/>
+              <a:t>function, e.g. </a:t>
+            </a:r>
+            <a:r>
+              <a:rPr lang="en-GB" sz="2400" i="1" dirty="0" err="1" smtClean="0"/>
+              <a:t>g.load_script</a:t>
+            </a:r>
+            <a:r>
+              <a:rPr lang="en-GB" sz="2400" i="1" dirty="0"/>
+              <a:t>('C:\script\my_script.py</a:t>
+            </a:r>
+            <a:r>
+              <a:rPr lang="en-GB" sz="2400" i="1" dirty="0" smtClean="0"/>
+              <a:t>')</a:t>
             </a:r>
           </a:p>
           <a:p>
@@ -11887,234 +11885,44 @@
               <a:buFont typeface="Arial" panose="020B0604020202020204" pitchFamily="34" charset="0"/>
               <a:buChar char="•"/>
             </a:pPr>
-            <a:endParaRPr lang="en-GB" sz="1600" dirty="0"/>
+            <a:endParaRPr lang="en-GB" sz="2400" i="1" dirty="0"/>
           </a:p>
           <a:p>
             <a:pPr marL="285750" indent="-285750">
               <a:buFont typeface="Arial" panose="020B0604020202020204" pitchFamily="34" charset="0"/>
               <a:buChar char="•"/>
             </a:pPr>
-            <a:endParaRPr lang="en-GB" sz="1600" dirty="0" smtClean="0"/>
-          </a:p>
-          <a:p>
-            <a:pPr marL="285750" indent="-285750">
-              <a:buFont typeface="Arial" panose="020B0604020202020204" pitchFamily="34" charset="0"/>
-              <a:buChar char="•"/>
-            </a:pPr>
-            <a:endParaRPr lang="en-GB" sz="1600" dirty="0"/>
-          </a:p>
-          <a:p>
-            <a:pPr marL="285750" indent="-285750">
-              <a:buFont typeface="Arial" panose="020B0604020202020204" pitchFamily="34" charset="0"/>
-              <a:buChar char="•"/>
-            </a:pPr>
-            <a:r>
-              <a:rPr lang="en-GB" sz="1600" dirty="0" smtClean="0">
+            <a:r>
+              <a:rPr lang="en-GB" sz="2400" dirty="0" smtClean="0">
                 <a:solidFill>
                   <a:srgbClr val="00B050"/>
                 </a:solidFill>
               </a:rPr>
-              <a:t>Update </a:t>
-            </a:r>
-            <a:r>
-              <a:rPr lang="en-GB" sz="1600" dirty="0">
+              <a:t>Load </a:t>
+            </a:r>
+            <a:r>
+              <a:rPr lang="en-GB" sz="2400" dirty="0">
                 <a:solidFill>
                   <a:srgbClr val="00B050"/>
                 </a:solidFill>
               </a:rPr>
-              <a:t>your instrument script, set_up_instrument.py, so that it contains a single function</a:t>
-            </a:r>
-          </a:p>
-          <a:p>
-            <a:pPr marL="742950" lvl="1" indent="-285750">
-              <a:buFont typeface="Arial" panose="020B0604020202020204" pitchFamily="34" charset="0"/>
-              <a:buChar char="•"/>
-            </a:pPr>
-            <a:r>
-              <a:rPr lang="en-GB" sz="1600" dirty="0">
+              <a:t>your user script </a:t>
+            </a:r>
+            <a:r>
+              <a:rPr lang="en-GB" sz="2400" i="1" dirty="0">
                 <a:solidFill>
                   <a:srgbClr val="00B050"/>
                 </a:solidFill>
               </a:rPr>
-              <a:t>The function should be called "</a:t>
-            </a:r>
-            <a:r>
-              <a:rPr lang="en-GB" sz="1600" dirty="0" err="1">
-                <a:solidFill>
-                  <a:srgbClr val="00B050"/>
-                </a:solidFill>
-              </a:rPr>
-              <a:t>set_up_instrument</a:t>
-            </a:r>
-            <a:r>
-              <a:rPr lang="en-GB" sz="1600" dirty="0">
-                <a:solidFill>
-                  <a:srgbClr val="00B050"/>
-                </a:solidFill>
-              </a:rPr>
-              <a:t>"</a:t>
-            </a:r>
-          </a:p>
-          <a:p>
-            <a:pPr marL="742950" lvl="1" indent="-285750">
-              <a:buFont typeface="Arial" panose="020B0604020202020204" pitchFamily="34" charset="0"/>
-              <a:buChar char="•"/>
-            </a:pPr>
-            <a:r>
-              <a:rPr lang="en-GB" sz="1600" dirty="0">
-                <a:solidFill>
-                  <a:srgbClr val="00B050"/>
-                </a:solidFill>
-              </a:rPr>
-              <a:t>It should set the title to "My experiment"</a:t>
-            </a:r>
-          </a:p>
-          <a:p>
-            <a:pPr marL="742950" lvl="1" indent="-285750">
-              <a:buFont typeface="Arial" panose="020B0604020202020204" pitchFamily="34" charset="0"/>
-              <a:buChar char="•"/>
-            </a:pPr>
-            <a:r>
-              <a:rPr lang="en-GB" sz="1600" dirty="0">
-                <a:solidFill>
-                  <a:srgbClr val="00B050"/>
-                </a:solidFill>
-              </a:rPr>
-              <a:t>It should set the username to your name</a:t>
-            </a:r>
-          </a:p>
-          <a:p>
-            <a:pPr marL="285750" indent="-285750">
-              <a:buFont typeface="Arial" panose="020B0604020202020204" pitchFamily="34" charset="0"/>
-              <a:buChar char="•"/>
-            </a:pPr>
-            <a:r>
-              <a:rPr lang="en-GB" sz="1600" dirty="0">
-                <a:solidFill>
-                  <a:srgbClr val="00B050"/>
-                </a:solidFill>
-              </a:rPr>
-              <a:t>Update your user script, run_my_experiment.py which contains a function that does the following</a:t>
-            </a:r>
-          </a:p>
-          <a:p>
-            <a:pPr marL="742950" lvl="1" indent="-285750">
-              <a:buFont typeface="Arial" panose="020B0604020202020204" pitchFamily="34" charset="0"/>
-              <a:buChar char="•"/>
-            </a:pPr>
-            <a:r>
-              <a:rPr lang="en-GB" sz="1600" dirty="0">
-                <a:solidFill>
-                  <a:srgbClr val="00B050"/>
-                </a:solidFill>
-              </a:rPr>
-              <a:t>Begins the run</a:t>
-            </a:r>
-          </a:p>
-          <a:p>
-            <a:pPr marL="742950" lvl="1" indent="-285750">
-              <a:buFont typeface="Arial" panose="020B0604020202020204" pitchFamily="34" charset="0"/>
-              <a:buChar char="•"/>
-            </a:pPr>
-            <a:r>
-              <a:rPr lang="en-GB" sz="1600" dirty="0">
-                <a:solidFill>
-                  <a:srgbClr val="00B050"/>
-                </a:solidFill>
-              </a:rPr>
-              <a:t>Prints the current </a:t>
-            </a:r>
-            <a:r>
-              <a:rPr lang="en-GB" sz="1600" dirty="0" err="1">
-                <a:solidFill>
-                  <a:srgbClr val="00B050"/>
-                </a:solidFill>
-              </a:rPr>
-              <a:t>uamps</a:t>
-            </a:r>
-            <a:r>
-              <a:rPr lang="en-GB" sz="1600" dirty="0">
-                <a:solidFill>
-                  <a:srgbClr val="00B050"/>
-                </a:solidFill>
-              </a:rPr>
-              <a:t> for the current period over 10 seconds at 1 second intervals</a:t>
-            </a:r>
-          </a:p>
-          <a:p>
-            <a:pPr marL="742950" lvl="1" indent="-285750">
-              <a:buFont typeface="Arial" panose="020B0604020202020204" pitchFamily="34" charset="0"/>
-              <a:buChar char="•"/>
-            </a:pPr>
-            <a:r>
-              <a:rPr lang="en-GB" sz="1600" dirty="0">
-                <a:solidFill>
-                  <a:srgbClr val="00B050"/>
-                </a:solidFill>
-              </a:rPr>
-              <a:t>Ends the run</a:t>
-            </a:r>
-          </a:p>
-        </p:txBody>
-      </p:sp>
-      <p:pic>
-        <p:nvPicPr>
-          <p:cNvPr id="12290" name="Picture 2"/>
-          <p:cNvPicPr>
-            <a:picLocks noChangeAspect="1" noChangeArrowheads="1"/>
-          </p:cNvPicPr>
-          <p:nvPr/>
-        </p:nvPicPr>
-        <p:blipFill>
-          <a:blip r:embed="rId3">
-            <a:extLst>
-              <a:ext uri="{28A0092B-C50C-407E-A947-70E740481C1C}">
-                <a14:useLocalDpi xmlns:a14="http://schemas.microsoft.com/office/drawing/2010/main" val="0"/>
-              </a:ext>
-            </a:extLst>
-          </a:blip>
-          <a:srcRect/>
-          <a:stretch>
-            <a:fillRect/>
-          </a:stretch>
-        </p:blipFill>
-        <p:spPr bwMode="auto">
-          <a:xfrm>
-            <a:off x="1403648" y="2708920"/>
-            <a:ext cx="5953125" cy="571500"/>
-          </a:xfrm>
-          <a:prstGeom prst="rect">
-            <a:avLst/>
-          </a:prstGeom>
-          <a:noFill/>
-          <a:ln>
-            <a:noFill/>
-          </a:ln>
-          <a:extLst>
-            <a:ext uri="{909E8E84-426E-40DD-AFC4-6F175D3DCCD1}">
-              <a14:hiddenFill xmlns:a14="http://schemas.microsoft.com/office/drawing/2010/main">
-                <a:solidFill>
-                  <a:schemeClr val="accent1"/>
-                </a:solidFill>
-              </a14:hiddenFill>
-            </a:ext>
-            <a:ext uri="{91240B29-F687-4F45-9708-019B960494DF}">
-              <a14:hiddenLine xmlns:a14="http://schemas.microsoft.com/office/drawing/2010/main" w="9525">
-                <a:solidFill>
-                  <a:schemeClr val="tx1"/>
-                </a:solidFill>
-                <a:miter lim="800000"/>
-                <a:headEnd/>
-                <a:tailEnd/>
-              </a14:hiddenLine>
-            </a:ext>
-          </a:extLst>
-        </p:spPr>
-      </p:pic>
+              <a:t>run_my_experiment.py</a:t>
+            </a:r>
+          </a:p>
+        </p:txBody>
+      </p:sp>
     </p:spTree>
     <p:extLst>
       <p:ext uri="{BB962C8B-B14F-4D97-AF65-F5344CB8AC3E}">
-        <p14:creationId xmlns:p14="http://schemas.microsoft.com/office/powerpoint/2010/main" val="707563875"/>
+        <p14:creationId xmlns:p14="http://schemas.microsoft.com/office/powerpoint/2010/main" val="196124235"/>
       </p:ext>
     </p:extLst>
   </p:cSld>
@@ -12279,7 +12087,7 @@
             </a:br>
             <a:r>
               <a:rPr lang="en-GB" dirty="0" smtClean="0"/>
-              <a:t>Load</a:t>
+              <a:t>Run</a:t>
             </a:r>
             <a:endParaRPr lang="en-GB" dirty="0">
               <a:solidFill>
@@ -12311,80 +12119,107 @@
           </a:bodyPr>
           <a:lstStyle/>
           <a:p>
-            <a:pPr marL="285750" indent="-285750">
+            <a:pPr marL="342900" indent="-342900">
               <a:buFont typeface="Arial" panose="020B0604020202020204" pitchFamily="34" charset="0"/>
               <a:buChar char="•"/>
             </a:pPr>
             <a:r>
-              <a:rPr lang="en-GB" sz="2400" b="1" dirty="0" smtClean="0"/>
-              <a:t>Instrument </a:t>
-            </a:r>
-            <a:r>
-              <a:rPr lang="en-GB" sz="2400" b="1" dirty="0"/>
-              <a:t>scripts</a:t>
-            </a:r>
-            <a:r>
               <a:rPr lang="en-GB" sz="2400" dirty="0"/>
-              <a:t> are loaded automatically when you open the scripting perspective</a:t>
-            </a:r>
-          </a:p>
-          <a:p>
-            <a:pPr marL="285750" indent="-285750">
+              <a:t>I</a:t>
+            </a:r>
+            <a:r>
+              <a:rPr lang="en-GB" sz="2400" dirty="0" smtClean="0"/>
+              <a:t>nstrument script functions can be called with </a:t>
+            </a:r>
+            <a:r>
+              <a:rPr lang="en-GB" sz="2400" i="1" dirty="0" smtClean="0"/>
+              <a:t>inst.[</a:t>
+            </a:r>
+            <a:r>
+              <a:rPr lang="en-GB" sz="2400" i="1" dirty="0" err="1" smtClean="0"/>
+              <a:t>function_name</a:t>
+            </a:r>
+            <a:r>
+              <a:rPr lang="en-GB" sz="2400" i="1" dirty="0" smtClean="0"/>
+              <a:t>](</a:t>
+            </a:r>
+            <a:r>
+              <a:rPr lang="en-GB" sz="2400" i="1" dirty="0" err="1" smtClean="0"/>
+              <a:t>args</a:t>
+            </a:r>
+            <a:r>
+              <a:rPr lang="en-GB" sz="2400" i="1" dirty="0" smtClean="0"/>
+              <a:t>), </a:t>
+            </a:r>
+            <a:r>
+              <a:rPr lang="en-GB" sz="2400" dirty="0" smtClean="0"/>
+              <a:t>for example:</a:t>
+            </a:r>
+          </a:p>
+          <a:p>
+            <a:pPr marL="800100" lvl="1" indent="-342900">
               <a:buFont typeface="Arial" panose="020B0604020202020204" pitchFamily="34" charset="0"/>
               <a:buChar char="•"/>
             </a:pPr>
             <a:r>
-              <a:rPr lang="en-GB" sz="2400" b="1" dirty="0"/>
-              <a:t>User scripts</a:t>
+              <a:rPr lang="en-GB" sz="2400" i="1" dirty="0" err="1" smtClean="0"/>
+              <a:t>inst.my_method</a:t>
+            </a:r>
+            <a:r>
+              <a:rPr lang="en-GB" sz="2400" i="1" dirty="0"/>
+              <a:t>("MY_BLOCK")</a:t>
             </a:r>
             <a:r>
               <a:rPr lang="en-GB" sz="2400" dirty="0"/>
-              <a:t> can be loaded by using the </a:t>
-            </a:r>
-            <a:r>
-              <a:rPr lang="en-GB" sz="2400" i="1" dirty="0" err="1"/>
-              <a:t>load_script</a:t>
-            </a:r>
-            <a:r>
-              <a:rPr lang="en-GB" sz="2400" dirty="0"/>
-              <a:t> </a:t>
-            </a:r>
-            <a:r>
-              <a:rPr lang="en-GB" sz="2400" dirty="0" smtClean="0"/>
-              <a:t>function, e.g. </a:t>
-            </a:r>
-            <a:r>
-              <a:rPr lang="en-GB" sz="2400" i="1" dirty="0" err="1" smtClean="0"/>
-              <a:t>g.load_script</a:t>
-            </a:r>
-            <a:r>
-              <a:rPr lang="en-GB" sz="2400" i="1" dirty="0"/>
-              <a:t>('C:\script\my_script.py</a:t>
-            </a:r>
-            <a:r>
-              <a:rPr lang="en-GB" sz="2400" i="1" dirty="0" smtClean="0"/>
-              <a:t>')</a:t>
-            </a:r>
-          </a:p>
-          <a:p>
-            <a:pPr marL="285750" indent="-285750">
+              <a:t> </a:t>
+            </a:r>
+            <a:endParaRPr lang="en-GB" sz="2400" dirty="0" smtClean="0"/>
+          </a:p>
+          <a:p>
+            <a:pPr marL="342900" indent="-342900">
               <a:buFont typeface="Arial" panose="020B0604020202020204" pitchFamily="34" charset="0"/>
               <a:buChar char="•"/>
             </a:pPr>
-            <a:endParaRPr lang="en-GB" sz="2400" i="1" dirty="0"/>
-          </a:p>
-          <a:p>
-            <a:pPr marL="285750" indent="-285750">
+            <a:r>
+              <a:rPr lang="en-GB" sz="2400" dirty="0" smtClean="0"/>
+              <a:t>The </a:t>
+            </a:r>
+            <a:r>
+              <a:rPr lang="en-GB" sz="2400" dirty="0"/>
+              <a:t>Ibex scripting perspective will provide auto-completion for instrument methods so you can see what is </a:t>
+            </a:r>
+            <a:r>
+              <a:rPr lang="en-GB" sz="2400" dirty="0" smtClean="0"/>
+              <a:t>available</a:t>
+            </a:r>
+          </a:p>
+          <a:p>
+            <a:pPr marL="342900" indent="-342900">
               <a:buFont typeface="Arial" panose="020B0604020202020204" pitchFamily="34" charset="0"/>
               <a:buChar char="•"/>
             </a:pPr>
+            <a:endParaRPr lang="en-GB" sz="2400" dirty="0"/>
+          </a:p>
+          <a:p>
+            <a:pPr marL="342900" indent="-342900">
+              <a:buFont typeface="Arial" panose="020B0604020202020204" pitchFamily="34" charset="0"/>
+              <a:buChar char="•"/>
+            </a:pPr>
+            <a:r>
+              <a:rPr lang="en-GB" sz="2400" dirty="0">
+                <a:solidFill>
+                  <a:srgbClr val="00B050"/>
+                </a:solidFill>
+              </a:rPr>
+              <a:t>Run the instrument </a:t>
+            </a:r>
             <a:r>
               <a:rPr lang="en-GB" sz="2400" dirty="0" smtClean="0">
                 <a:solidFill>
                   <a:srgbClr val="00B050"/>
                 </a:solidFill>
               </a:rPr>
-              <a:t>Load </a:t>
+              <a:t>function </a:t>
             </a:r>
             <a:r>
               <a:rPr lang="en-GB" sz="2400" dirty="0">
@@ -12392,23 +12227,28 @@
                   <a:srgbClr val="00B050"/>
                 </a:solidFill>
               </a:rPr>
-              <a:t>your user script </a:t>
-            </a:r>
-            <a:r>
-              <a:rPr lang="en-GB" sz="2400" i="1" dirty="0">
+              <a:t>you </a:t>
+            </a:r>
+            <a:r>
+              <a:rPr lang="en-GB" sz="2400" dirty="0" smtClean="0">
                 <a:solidFill>
                   <a:srgbClr val="00B050"/>
                 </a:solidFill>
               </a:rPr>
-              <a:t>run_my_experiment.py</a:t>
-            </a:r>
+              <a:t>wrote earlier</a:t>
+            </a:r>
+            <a:endParaRPr lang="en-GB" sz="2400" dirty="0">
+              <a:solidFill>
+                <a:srgbClr val="00B050"/>
+              </a:solidFill>
+            </a:endParaRPr>
           </a:p>
         </p:txBody>
       </p:sp>
     </p:spTree>
     <p:extLst>
       <p:ext uri="{BB962C8B-B14F-4D97-AF65-F5344CB8AC3E}">
-        <p14:creationId xmlns:p14="http://schemas.microsoft.com/office/powerpoint/2010/main" val="196124235"/>
+        <p14:creationId xmlns:p14="http://schemas.microsoft.com/office/powerpoint/2010/main" val="2846568426"/>
       </p:ext>
     </p:extLst>
   </p:cSld>
@@ -12485,7 +12325,7 @@
         <p:spPr>
           <a:xfrm>
             <a:off x="395536" y="1844824"/>
-            <a:ext cx="8496944" cy="2677656"/>
+            <a:ext cx="8496944" cy="3046988"/>
           </a:xfrm>
           <a:prstGeom prst="rect">
             <a:avLst/>
@@ -12504,93 +12344,70 @@
             </a:pPr>
             <a:r>
               <a:rPr lang="en-GB" sz="2400" dirty="0"/>
-              <a:t>I</a:t>
+              <a:t>Functions loaded from user scripts using </a:t>
+            </a:r>
+            <a:r>
+              <a:rPr lang="en-GB" sz="2400" dirty="0" err="1" smtClean="0"/>
+              <a:t>g.load_script</a:t>
+            </a:r>
+            <a:r>
+              <a:rPr lang="en-GB" sz="2400" dirty="0"/>
+              <a:t>(...) </a:t>
             </a:r>
             <a:r>
               <a:rPr lang="en-GB" sz="2400" dirty="0" smtClean="0"/>
-              <a:t>nstrument script functions can be called with </a:t>
-            </a:r>
-            <a:r>
-              <a:rPr lang="en-GB" sz="2400" i="1" dirty="0" smtClean="0"/>
-              <a:t>inst.[</a:t>
-            </a:r>
-            <a:r>
-              <a:rPr lang="en-GB" sz="2400" i="1" dirty="0" err="1" smtClean="0"/>
-              <a:t>function_name</a:t>
-            </a:r>
-            <a:r>
-              <a:rPr lang="en-GB" sz="2400" i="1" dirty="0" smtClean="0"/>
-              <a:t>](</a:t>
-            </a:r>
-            <a:r>
-              <a:rPr lang="en-GB" sz="2400" i="1" dirty="0" err="1" smtClean="0"/>
-              <a:t>args</a:t>
-            </a:r>
-            <a:r>
-              <a:rPr lang="en-GB" sz="2400" i="1" dirty="0" smtClean="0"/>
-              <a:t>), </a:t>
+              <a:t>will </a:t>
+            </a:r>
+            <a:r>
+              <a:rPr lang="en-GB" sz="2400" dirty="0"/>
+              <a:t>be available to call like any other </a:t>
             </a:r>
             <a:r>
               <a:rPr lang="en-GB" sz="2400" dirty="0" smtClean="0"/>
-              <a:t>for example:</a:t>
-            </a:r>
-          </a:p>
-          <a:p>
-            <a:pPr marL="800100" lvl="1" indent="-342900">
-              <a:buFont typeface="Arial" panose="020B0604020202020204" pitchFamily="34" charset="0"/>
-              <a:buChar char="•"/>
-            </a:pPr>
-            <a:r>
-              <a:rPr lang="en-GB" sz="2400" i="1" dirty="0" err="1" smtClean="0"/>
-              <a:t>inst.my_method</a:t>
-            </a:r>
-            <a:r>
-              <a:rPr lang="en-GB" sz="2400" i="1" dirty="0"/>
-              <a:t>("MY_BLOCK")</a:t>
+              <a:t>function</a:t>
             </a:r>
             <a:r>
               <a:rPr lang="en-GB" sz="2400" dirty="0"/>
-              <a:t> </a:t>
-            </a:r>
-            <a:endParaRPr lang="en-GB" sz="2400" dirty="0" smtClean="0"/>
+              <a:t>. For </a:t>
+            </a:r>
+            <a:r>
+              <a:rPr lang="en-GB" sz="2400" dirty="0" smtClean="0"/>
+              <a:t>example:</a:t>
+            </a:r>
           </a:p>
           <a:p>
             <a:pPr marL="342900" indent="-342900">
               <a:buFont typeface="Arial" panose="020B0604020202020204" pitchFamily="34" charset="0"/>
               <a:buChar char="•"/>
             </a:pPr>
-            <a:r>
-              <a:rPr lang="en-GB" sz="2400" dirty="0" smtClean="0"/>
-              <a:t>The </a:t>
-            </a:r>
-            <a:r>
-              <a:rPr lang="en-GB" sz="2400" dirty="0"/>
-              <a:t>Ibex scripting perspective will provide auto-completion for instrument methods so you can see what is </a:t>
-            </a:r>
-            <a:r>
-              <a:rPr lang="en-GB" sz="2400" dirty="0" smtClean="0"/>
-              <a:t>available</a:t>
-            </a:r>
+            <a:endParaRPr lang="en-GB" sz="2400" dirty="0"/>
           </a:p>
           <a:p>
             <a:pPr marL="342900" indent="-342900">
               <a:buFont typeface="Arial" panose="020B0604020202020204" pitchFamily="34" charset="0"/>
               <a:buChar char="•"/>
             </a:pPr>
-            <a:endParaRPr lang="en-GB" sz="2400" dirty="0"/>
+            <a:endParaRPr lang="en-GB" sz="2400" dirty="0" smtClean="0"/>
           </a:p>
           <a:p>
             <a:pPr marL="342900" indent="-342900">
               <a:buFont typeface="Arial" panose="020B0604020202020204" pitchFamily="34" charset="0"/>
               <a:buChar char="•"/>
             </a:pPr>
+            <a:endParaRPr lang="en-GB" sz="2400" dirty="0"/>
+          </a:p>
+          <a:p>
+            <a:pPr marL="342900" indent="-342900">
+              <a:buFont typeface="Arial" panose="020B0604020202020204" pitchFamily="34" charset="0"/>
+              <a:buChar char="•"/>
+            </a:pPr>
             <a:r>
               <a:rPr lang="en-GB" sz="2400" dirty="0">
                 <a:solidFill>
                   <a:srgbClr val="00B050"/>
                 </a:solidFill>
               </a:rPr>
-              <a:t>Run the instrument </a:t>
+              <a:t>Run the </a:t>
             </a:r>
             <a:r>
               <a:rPr lang="en-GB" sz="2400" dirty="0" smtClean="0">
@@ -12598,7 +12415,7 @@
                   <a:srgbClr val="00B050"/>
                 </a:solidFill>
               </a:rPr>
-              <a:t>function </a:t>
+              <a:t>user </a:t>
             </a:r>
             <a:r>
               <a:rPr lang="en-GB" sz="2400" dirty="0">
@@ -12606,28 +12423,76 @@
                   <a:srgbClr val="00B050"/>
                 </a:solidFill>
               </a:rPr>
-              <a:t>you </a:t>
-            </a:r>
-            <a:r>
-              <a:rPr lang="en-GB" sz="2400" dirty="0" smtClean="0">
-                <a:solidFill>
-                  <a:srgbClr val="00B050"/>
-                </a:solidFill>
-              </a:rPr>
-              <a:t>wrote earlier</a:t>
-            </a:r>
-            <a:endParaRPr lang="en-GB" sz="2400" dirty="0">
-              <a:solidFill>
-                <a:srgbClr val="00B050"/>
-              </a:solidFill>
-            </a:endParaRPr>
-          </a:p>
-        </p:txBody>
-      </p:sp>
+              <a:t>function you wrote earlier</a:t>
+            </a:r>
+          </a:p>
+          <a:p>
+            <a:pPr marL="342900" indent="-342900">
+              <a:buFont typeface="Arial" panose="020B0604020202020204" pitchFamily="34" charset="0"/>
+              <a:buChar char="•"/>
+            </a:pPr>
+            <a:endParaRPr lang="en-GB" sz="2400" dirty="0" smtClean="0"/>
+          </a:p>
+        </p:txBody>
+      </p:sp>
+      <p:pic>
+        <p:nvPicPr>
+          <p:cNvPr id="4098" name="Picture 2"/>
+          <p:cNvPicPr>
+            <a:picLocks noChangeAspect="1" noChangeArrowheads="1"/>
+          </p:cNvPicPr>
+          <p:nvPr/>
+        </p:nvPicPr>
+        <p:blipFill>
+          <a:blip r:embed="rId3">
+            <a:extLst>
+              <a:ext uri="{28A0092B-C50C-407E-A947-70E740481C1C}">
+                <a14:useLocalDpi xmlns:a14="http://schemas.microsoft.com/office/drawing/2010/main" val="0"/>
+              </a:ext>
+            </a:extLst>
+          </a:blip>
+          <a:srcRect/>
+          <a:stretch>
+            <a:fillRect/>
+          </a:stretch>
+        </p:blipFill>
+        <p:spPr bwMode="auto">
+          <a:xfrm>
+            <a:off x="1979712" y="3140968"/>
+            <a:ext cx="4572000" cy="933450"/>
+          </a:xfrm>
+          <a:prstGeom prst="rect">
+            <a:avLst/>
+          </a:prstGeom>
+          <a:noFill/>
+          <a:ln>
+            <a:noFill/>
+          </a:ln>
+          <a:extLst>
+            <a:ext uri="{909E8E84-426E-40DD-AFC4-6F175D3DCCD1}">
+              <a14:hiddenFill xmlns:a14="http://schemas.microsoft.com/office/drawing/2010/main">
+                <a:solidFill>
+                  <a:schemeClr val="accent1"/>
+                </a:solidFill>
+              </a14:hiddenFill>
+            </a:ext>
+            <a:ext uri="{91240B29-F687-4F45-9708-019B960494DF}">
+              <a14:hiddenLine xmlns:a14="http://schemas.microsoft.com/office/drawing/2010/main" w="9525">
+                <a:solidFill>
+                  <a:schemeClr val="tx1"/>
+                </a:solidFill>
+                <a:miter lim="800000"/>
+                <a:headEnd/>
+                <a:tailEnd/>
+              </a14:hiddenLine>
+            </a:ext>
+          </a:extLst>
+        </p:spPr>
+      </p:pic>
     </p:spTree>
     <p:extLst>
       <p:ext uri="{BB962C8B-B14F-4D97-AF65-F5344CB8AC3E}">
-        <p14:creationId xmlns:p14="http://schemas.microsoft.com/office/powerpoint/2010/main" val="2846568426"/>
+        <p14:creationId xmlns:p14="http://schemas.microsoft.com/office/powerpoint/2010/main" val="731964753"/>
       </p:ext>
     </p:extLst>
   </p:cSld>
@@ -12685,7 +12550,7 @@
             </a:br>
             <a:r>
               <a:rPr lang="en-GB" dirty="0" smtClean="0"/>
-              <a:t>Run</a:t>
+              <a:t>Modify</a:t>
             </a:r>
             <a:endParaRPr lang="en-GB" dirty="0">
               <a:solidFill>
@@ -12704,7 +12569,7 @@
         <p:spPr>
           <a:xfrm>
             <a:off x="395536" y="1844824"/>
-            <a:ext cx="8496944" cy="3046988"/>
+            <a:ext cx="8496944" cy="4154984"/>
           </a:xfrm>
           <a:prstGeom prst="rect">
             <a:avLst/>
@@ -12723,35 +12588,11 @@
             </a:pPr>
             <a:r>
               <a:rPr lang="en-GB" sz="2400" dirty="0"/>
-              <a:t>Functions loaded from user scripts using </a:t>
-            </a:r>
-            <a:r>
-              <a:rPr lang="en-GB" sz="2400" dirty="0" err="1" smtClean="0"/>
-              <a:t>g.load_script</a:t>
-            </a:r>
-            <a:r>
-              <a:rPr lang="en-GB" sz="2400" dirty="0"/>
-              <a:t>(...) </a:t>
+              <a:t>Every new scripting perspective will be a clean </a:t>
             </a:r>
             <a:r>
               <a:rPr lang="en-GB" sz="2400" dirty="0" smtClean="0"/>
-              <a:t>will </a:t>
-            </a:r>
-            <a:r>
-              <a:rPr lang="en-GB" sz="2400" dirty="0"/>
-              <a:t>be available to call like any other </a:t>
-            </a:r>
-            <a:r>
-              <a:rPr lang="en-GB" sz="2400" dirty="0" smtClean="0"/>
-              <a:t>function</a:t>
-            </a:r>
-            <a:r>
-              <a:rPr lang="en-GB" sz="2400" dirty="0"/>
-              <a:t>. For </a:t>
-            </a:r>
-            <a:r>
-              <a:rPr lang="en-GB" sz="2400" dirty="0" smtClean="0"/>
-              <a:t>example:</a:t>
+              <a:t>slate.</a:t>
             </a:r>
           </a:p>
           <a:p>
@@ -12759,6 +12600,76 @@
               <a:buFont typeface="Arial" panose="020B0604020202020204" pitchFamily="34" charset="0"/>
               <a:buChar char="•"/>
             </a:pPr>
+            <a:r>
+              <a:rPr lang="en-GB" sz="2400" dirty="0" smtClean="0"/>
+              <a:t>Sometimes </a:t>
+            </a:r>
+            <a:r>
+              <a:rPr lang="en-GB" sz="2400" dirty="0"/>
+              <a:t>you might want to change a script and update it without having to change scripting </a:t>
+            </a:r>
+            <a:r>
+              <a:rPr lang="en-GB" sz="2400" dirty="0" smtClean="0"/>
+              <a:t>terminal.</a:t>
+            </a:r>
+          </a:p>
+          <a:p>
+            <a:pPr marL="800100" lvl="1" indent="-342900">
+              <a:buFont typeface="Arial" panose="020B0604020202020204" pitchFamily="34" charset="0"/>
+              <a:buChar char="•"/>
+            </a:pPr>
+            <a:r>
+              <a:rPr lang="en-GB" sz="2400" b="1" dirty="0" smtClean="0"/>
+              <a:t>Instrument </a:t>
+            </a:r>
+            <a:r>
+              <a:rPr lang="en-GB" sz="2400" b="1" dirty="0"/>
+              <a:t>scripts: </a:t>
+            </a:r>
+            <a:r>
+              <a:rPr lang="en-GB" sz="2400" dirty="0"/>
+              <a:t>Run the command </a:t>
+            </a:r>
+            <a:r>
+              <a:rPr lang="en-GB" sz="2400" dirty="0" smtClean="0"/>
+              <a:t>reload(</a:t>
+            </a:r>
+            <a:r>
+              <a:rPr lang="en-GB" sz="2400" dirty="0" err="1" smtClean="0"/>
+              <a:t>inst</a:t>
+            </a:r>
+            <a:r>
+              <a:rPr lang="en-GB" sz="2400" dirty="0" smtClean="0"/>
+              <a:t>)</a:t>
+            </a:r>
+          </a:p>
+          <a:p>
+            <a:pPr marL="800100" lvl="1" indent="-342900">
+              <a:buFont typeface="Arial" panose="020B0604020202020204" pitchFamily="34" charset="0"/>
+              <a:buChar char="•"/>
+            </a:pPr>
+            <a:r>
+              <a:rPr lang="en-GB" sz="2400" b="1" dirty="0" smtClean="0"/>
+              <a:t>User scripts: </a:t>
+            </a:r>
+            <a:r>
+              <a:rPr lang="en-GB" sz="2400" dirty="0" smtClean="0"/>
+              <a:t>Rerun </a:t>
+            </a:r>
+            <a:r>
+              <a:rPr lang="en-GB" sz="2400" dirty="0" err="1" smtClean="0"/>
+              <a:t>g.load_script</a:t>
+            </a:r>
+            <a:r>
+              <a:rPr lang="en-GB" sz="2400" dirty="0" smtClean="0"/>
+              <a:t>(…)</a:t>
+            </a:r>
+          </a:p>
+          <a:p>
+            <a:pPr marL="800100" lvl="1" indent="-342900">
+              <a:buFont typeface="Arial" panose="020B0604020202020204" pitchFamily="34" charset="0"/>
+              <a:buChar char="•"/>
+            </a:pPr>
             <a:endParaRPr lang="en-GB" sz="2400" dirty="0"/>
           </a:p>
           <a:p>
@@ -12766,14 +12677,28 @@
               <a:buFont typeface="Arial" panose="020B0604020202020204" pitchFamily="34" charset="0"/>
               <a:buChar char="•"/>
             </a:pPr>
-            <a:endParaRPr lang="en-GB" sz="2400" dirty="0" smtClean="0"/>
+            <a:r>
+              <a:rPr lang="en-GB" sz="2400" dirty="0">
+                <a:solidFill>
+                  <a:srgbClr val="00B050"/>
+                </a:solidFill>
+              </a:rPr>
+              <a:t>Modify your instrument script to output the current at 0.1 second intervals</a:t>
+            </a:r>
           </a:p>
           <a:p>
             <a:pPr marL="342900" indent="-342900">
               <a:buFont typeface="Arial" panose="020B0604020202020204" pitchFamily="34" charset="0"/>
               <a:buChar char="•"/>
             </a:pPr>
-            <a:endParaRPr lang="en-GB" sz="2400" dirty="0"/>
+            <a:r>
+              <a:rPr lang="en-GB" sz="2400" dirty="0">
+                <a:solidFill>
+                  <a:srgbClr val="00B050"/>
+                </a:solidFill>
+              </a:rPr>
+              <a:t>Reload the script</a:t>
+            </a:r>
           </a:p>
           <a:p>
             <a:pPr marL="342900" indent="-342900">
@@ -12786,23 +12711,7 @@
                   <a:srgbClr val="00B050"/>
                 </a:solidFill>
               </a:rPr>
-              <a:t>Run the </a:t>
-            </a:r>
-            <a:r>
-              <a:rPr lang="en-GB" sz="2400" dirty="0" smtClean="0">
-                <a:solidFill>
-                  <a:srgbClr val="00B050"/>
-                </a:solidFill>
-              </a:rPr>
-              <a:t>user </a:t>
-            </a:r>
-            <a:r>
-              <a:rPr lang="en-GB" sz="2400" dirty="0">
-                <a:solidFill>
-                  <a:srgbClr val="00B050"/>
-                </a:solidFill>
-              </a:rPr>
-              <a:t>function you wrote earlier</a:t>
+              <a:t>Run it again and confirm the behaviour has changed</a:t>
             </a:r>
           </a:p>
           <a:p>
@@ -12810,68 +12719,18 @@
               <a:buFont typeface="Arial" panose="020B0604020202020204" pitchFamily="34" charset="0"/>
               <a:buChar char="•"/>
             </a:pPr>
-            <a:endParaRPr lang="en-GB" sz="2400" dirty="0" smtClean="0"/>
-          </a:p>
-        </p:txBody>
-      </p:sp>
-      <p:pic>
-        <p:nvPicPr>
-          <p:cNvPr id="18434" name="Picture 2"/>
-          <p:cNvPicPr>
-            <a:picLocks noChangeAspect="1" noChangeArrowheads="1"/>
-          </p:cNvPicPr>
-          <p:nvPr/>
-        </p:nvPicPr>
-        <p:blipFill>
-          <a:blip r:embed="rId3">
-            <a:extLst>
-              <a:ext uri="{28A0092B-C50C-407E-A947-70E740481C1C}">
-                <a14:useLocalDpi xmlns:a14="http://schemas.microsoft.com/office/drawing/2010/main" val="0"/>
-              </a:ext>
-            </a:extLst>
-          </a:blip>
-          <a:srcRect/>
-          <a:stretch>
-            <a:fillRect/>
-          </a:stretch>
-        </p:blipFill>
-        <p:spPr bwMode="auto">
-          <a:xfrm>
-            <a:off x="2005013" y="3143250"/>
-            <a:ext cx="5133975" cy="571500"/>
-          </a:xfrm>
-          <a:prstGeom prst="rect">
-            <a:avLst/>
-          </a:prstGeom>
-          <a:noFill/>
-          <a:ln>
-            <a:noFill/>
-          </a:ln>
-          <a:extLst>
-            <a:ext uri="{909E8E84-426E-40DD-AFC4-6F175D3DCCD1}">
-              <a14:hiddenFill xmlns:a14="http://schemas.microsoft.com/office/drawing/2010/main">
-                <a:solidFill>
-                  <a:schemeClr val="accent1"/>
-                </a:solidFill>
-              </a14:hiddenFill>
-            </a:ext>
-            <a:ext uri="{91240B29-F687-4F45-9708-019B960494DF}">
-              <a14:hiddenLine xmlns:a14="http://schemas.microsoft.com/office/drawing/2010/main" w="9525">
-                <a:solidFill>
-                  <a:schemeClr val="tx1"/>
-                </a:solidFill>
-                <a:miter lim="800000"/>
-                <a:headEnd/>
-                <a:tailEnd/>
-              </a14:hiddenLine>
-            </a:ext>
-          </a:extLst>
-        </p:spPr>
-      </p:pic>
+            <a:endParaRPr lang="en-GB" sz="2400" dirty="0">
+              <a:solidFill>
+                <a:srgbClr val="00B050"/>
+              </a:solidFill>
+            </a:endParaRPr>
+          </a:p>
+        </p:txBody>
+      </p:sp>
     </p:spTree>
     <p:extLst>
       <p:ext uri="{BB962C8B-B14F-4D97-AF65-F5344CB8AC3E}">
-        <p14:creationId xmlns:p14="http://schemas.microsoft.com/office/powerpoint/2010/main" val="731964753"/>
+        <p14:creationId xmlns:p14="http://schemas.microsoft.com/office/powerpoint/2010/main" val="1987010721"/>
       </p:ext>
     </p:extLst>
   </p:cSld>
@@ -12929,7 +12788,7 @@
             </a:br>
             <a:r>
               <a:rPr lang="en-GB" dirty="0" smtClean="0"/>
-              <a:t>Modify</a:t>
+              <a:t>Importing modules</a:t>
             </a:r>
             <a:endParaRPr lang="en-GB" dirty="0">
               <a:solidFill>
@@ -12948,7 +12807,7 @@
         <p:spPr>
           <a:xfrm>
             <a:off x="395536" y="1844824"/>
-            <a:ext cx="8496944" cy="4154984"/>
+            <a:ext cx="8496944" cy="3693319"/>
           </a:xfrm>
           <a:prstGeom prst="rect">
             <a:avLst/>
@@ -12966,12 +12825,8 @@
               <a:buChar char="•"/>
             </a:pPr>
             <a:r>
-              <a:rPr lang="en-GB" sz="2400" dirty="0"/>
-              <a:t>Every new scripting perspective will be a clean </a:t>
-            </a:r>
-            <a:r>
-              <a:rPr lang="en-GB" sz="2400" dirty="0" smtClean="0"/>
-              <a:t>slate.</a:t>
+              <a:rPr lang="en-GB" dirty="0"/>
+              <a:t>You may want to call a function from one file in another file.</a:t>
             </a:r>
           </a:p>
           <a:p>
@@ -12980,16 +12835,12 @@
               <a:buChar char="•"/>
             </a:pPr>
             <a:r>
-              <a:rPr lang="en-GB" sz="2400" dirty="0" smtClean="0"/>
-              <a:t>Sometimes </a:t>
-            </a:r>
-            <a:r>
-              <a:rPr lang="en-GB" sz="2400" dirty="0"/>
-              <a:t>you might want to change a script and update it without having to change scripting </a:t>
-            </a:r>
-            <a:r>
-              <a:rPr lang="en-GB" sz="2400" dirty="0" smtClean="0"/>
-              <a:t>terminal.</a:t>
+              <a:rPr lang="en-GB" b="1" dirty="0"/>
+              <a:t>Calling an instrument function from a different instrument </a:t>
+            </a:r>
+            <a:r>
+              <a:rPr lang="en-GB" b="1" dirty="0" smtClean="0"/>
+              <a:t>script</a:t>
             </a:r>
           </a:p>
           <a:p>
@@ -12998,28 +12849,101 @@
               <a:buChar char="•"/>
             </a:pPr>
             <a:r>
-              <a:rPr lang="en-GB" sz="2400" b="1" dirty="0" smtClean="0"/>
-              <a:t>Instrument </a:t>
-            </a:r>
-            <a:r>
-              <a:rPr lang="en-GB" sz="2400" b="1" dirty="0"/>
-              <a:t>scripts: </a:t>
-            </a:r>
-            <a:r>
-              <a:rPr lang="en-GB" sz="2400" dirty="0"/>
-              <a:t>Run the command </a:t>
-            </a:r>
-            <a:r>
-              <a:rPr lang="en-GB" sz="2400" dirty="0" smtClean="0"/>
-              <a:t>reload(</a:t>
-            </a:r>
-            <a:r>
-              <a:rPr lang="en-GB" sz="2400" dirty="0" err="1" smtClean="0"/>
-              <a:t>inst</a:t>
-            </a:r>
-            <a:r>
-              <a:rPr lang="en-GB" sz="2400" dirty="0" smtClean="0"/>
-              <a:t>)</a:t>
+              <a:rPr lang="en-GB" dirty="0" smtClean="0"/>
+              <a:t>Use the </a:t>
+            </a:r>
+            <a:r>
+              <a:rPr lang="en-GB" i="1" dirty="0" smtClean="0"/>
+              <a:t>import </a:t>
+            </a:r>
+            <a:r>
+              <a:rPr lang="en-GB" dirty="0" smtClean="0"/>
+              <a:t>command:</a:t>
+            </a:r>
+            <a:endParaRPr lang="en-GB" dirty="0" smtClean="0"/>
+          </a:p>
+          <a:p>
+            <a:pPr lvl="2"/>
+            <a:r>
+              <a:rPr lang="en-GB" i="1" dirty="0" smtClean="0"/>
+              <a:t>   from </a:t>
+            </a:r>
+            <a:r>
+              <a:rPr lang="en-GB" i="1" dirty="0"/>
+              <a:t>counts import vanadium </a:t>
+            </a:r>
+            <a:endParaRPr lang="en-GB" i="1" dirty="0" smtClean="0"/>
+          </a:p>
+          <a:p>
+            <a:pPr lvl="2"/>
+            <a:r>
+              <a:rPr lang="en-GB" i="1" dirty="0" smtClean="0"/>
+              <a:t>   </a:t>
+            </a:r>
+            <a:r>
+              <a:rPr lang="en-GB" i="1" dirty="0" err="1" smtClean="0"/>
+              <a:t>def</a:t>
+            </a:r>
+            <a:r>
+              <a:rPr lang="en-GB" i="1" dirty="0" smtClean="0"/>
+              <a:t> </a:t>
+            </a:r>
+            <a:r>
+              <a:rPr lang="en-GB" i="1" dirty="0"/>
+              <a:t>calibration(): </a:t>
+            </a:r>
+            <a:endParaRPr lang="en-GB" i="1" dirty="0" smtClean="0"/>
+          </a:p>
+          <a:p>
+            <a:pPr lvl="2"/>
+            <a:r>
+              <a:rPr lang="en-GB" i="1" dirty="0"/>
+              <a:t> </a:t>
+            </a:r>
+            <a:r>
+              <a:rPr lang="en-GB" i="1" dirty="0" smtClean="0"/>
+              <a:t>      </a:t>
+            </a:r>
+            <a:r>
+              <a:rPr lang="en-GB" i="1" dirty="0" smtClean="0"/>
+              <a:t>for </a:t>
+            </a:r>
+            <a:r>
+              <a:rPr lang="en-GB" i="1" dirty="0" err="1" smtClean="0"/>
+              <a:t>i</a:t>
+            </a:r>
+            <a:r>
+              <a:rPr lang="en-GB" i="1" dirty="0" smtClean="0"/>
+              <a:t> in range(5):</a:t>
+            </a:r>
+          </a:p>
+          <a:p>
+            <a:pPr lvl="2"/>
+            <a:r>
+              <a:rPr lang="en-GB" i="1" dirty="0" smtClean="0"/>
+              <a:t>           vanadium</a:t>
+            </a:r>
+            <a:r>
+              <a:rPr lang="en-GB" i="1" dirty="0" smtClean="0"/>
+              <a:t>()</a:t>
+            </a:r>
+          </a:p>
+          <a:p>
+            <a:pPr marL="342900" indent="-342900">
+              <a:buFont typeface="Arial" panose="020B0604020202020204" pitchFamily="34" charset="0"/>
+              <a:buChar char="•"/>
+            </a:pPr>
+            <a:r>
+              <a:rPr lang="en-GB" b="1" dirty="0" smtClean="0"/>
+              <a:t>Calling </a:t>
+            </a:r>
+            <a:r>
+              <a:rPr lang="en-GB" b="1" dirty="0"/>
+              <a:t>an instrument function from a user </a:t>
+            </a:r>
+            <a:r>
+              <a:rPr lang="en-GB" b="1" dirty="0" smtClean="0"/>
+              <a:t>script</a:t>
             </a:r>
           </a:p>
           <a:p>
@@ -13028,20 +12952,43 @@
               <a:buChar char="•"/>
             </a:pPr>
             <a:r>
-              <a:rPr lang="en-GB" sz="2400" b="1" dirty="0" smtClean="0"/>
-              <a:t>User scripts: </a:t>
-            </a:r>
-            <a:r>
-              <a:rPr lang="en-GB" sz="2400" dirty="0" smtClean="0"/>
-              <a:t>Rerun </a:t>
-            </a:r>
-            <a:r>
-              <a:rPr lang="en-GB" sz="2400" dirty="0" err="1" smtClean="0"/>
-              <a:t>g.load_script</a:t>
-            </a:r>
-            <a:r>
-              <a:rPr lang="en-GB" sz="2400" dirty="0" smtClean="0"/>
-              <a:t>(…)</a:t>
+              <a:rPr lang="en-GB" dirty="0" smtClean="0"/>
+              <a:t>Use</a:t>
+            </a:r>
+            <a:r>
+              <a:rPr lang="en-GB" dirty="0"/>
+              <a:t> </a:t>
+            </a:r>
+            <a:r>
+              <a:rPr lang="en-GB" i="1" dirty="0"/>
+              <a:t>inst.</a:t>
+            </a:r>
+            <a:r>
+              <a:rPr lang="en-GB" dirty="0"/>
+              <a:t> </a:t>
+            </a:r>
+            <a:r>
+              <a:rPr lang="en-GB" dirty="0" smtClean="0"/>
+              <a:t>prefix</a:t>
+            </a:r>
+            <a:endParaRPr lang="en-GB" dirty="0"/>
+          </a:p>
+          <a:p>
+            <a:pPr marL="342900" indent="-342900">
+              <a:buFont typeface="Arial" panose="020B0604020202020204" pitchFamily="34" charset="0"/>
+              <a:buChar char="•"/>
+            </a:pPr>
+            <a:r>
+              <a:rPr lang="en-GB" b="1" dirty="0" smtClean="0"/>
+              <a:t>Calling </a:t>
+            </a:r>
+            <a:r>
+              <a:rPr lang="en-GB" b="1" dirty="0"/>
+              <a:t>a user function from an instrument </a:t>
+            </a:r>
+            <a:r>
+              <a:rPr lang="en-GB" b="1" dirty="0" smtClean="0"/>
+              <a:t>script</a:t>
             </a:r>
           </a:p>
           <a:p>
@@ -13049,7 +12996,10 @@
               <a:buFont typeface="Arial" panose="020B0604020202020204" pitchFamily="34" charset="0"/>
               <a:buChar char="•"/>
             </a:pPr>
-            <a:endParaRPr lang="en-GB" sz="2400" dirty="0"/>
+            <a:r>
+              <a:rPr lang="en-GB" dirty="0" smtClean="0"/>
+              <a:t>Not a good idea</a:t>
+            </a:r>
           </a:p>
           <a:p>
             <a:pPr marL="342900" indent="-342900">
@@ -13057,59 +13007,35 @@
               <a:buChar char="•"/>
             </a:pPr>
             <a:r>
-              <a:rPr lang="en-GB" sz="2400" dirty="0">
-                <a:solidFill>
-                  <a:srgbClr val="00B050"/>
-                </a:solidFill>
-              </a:rPr>
-              <a:t>Modify your instrument script to output the current at 0.1 second intervals</a:t>
-            </a:r>
-          </a:p>
-          <a:p>
-            <a:pPr marL="342900" indent="-342900">
+              <a:rPr lang="en-GB" b="1" dirty="0" smtClean="0"/>
+              <a:t>Calling </a:t>
+            </a:r>
+            <a:r>
+              <a:rPr lang="en-GB" b="1" dirty="0"/>
+              <a:t>a user function from a different user </a:t>
+            </a:r>
+            <a:r>
+              <a:rPr lang="en-GB" b="1" dirty="0" smtClean="0"/>
+              <a:t>script</a:t>
+            </a:r>
+          </a:p>
+          <a:p>
+            <a:pPr marL="800100" lvl="1" indent="-342900">
               <a:buFont typeface="Arial" panose="020B0604020202020204" pitchFamily="34" charset="0"/>
               <a:buChar char="•"/>
             </a:pPr>
             <a:r>
-              <a:rPr lang="en-GB" sz="2400" dirty="0">
-                <a:solidFill>
-                  <a:srgbClr val="00B050"/>
-                </a:solidFill>
-              </a:rPr>
-              <a:t>Reload the script</a:t>
-            </a:r>
-          </a:p>
-          <a:p>
-            <a:pPr marL="342900" indent="-342900">
-              <a:buFont typeface="Arial" panose="020B0604020202020204" pitchFamily="34" charset="0"/>
-              <a:buChar char="•"/>
-            </a:pPr>
-            <a:r>
-              <a:rPr lang="en-GB" sz="2400" dirty="0">
-                <a:solidFill>
-                  <a:srgbClr val="00B050"/>
-                </a:solidFill>
-              </a:rPr>
-              <a:t>Run it again and confirm the behaviour has changed</a:t>
-            </a:r>
-          </a:p>
-          <a:p>
-            <a:pPr marL="342900" indent="-342900">
-              <a:buFont typeface="Arial" panose="020B0604020202020204" pitchFamily="34" charset="0"/>
-              <a:buChar char="•"/>
-            </a:pPr>
-            <a:endParaRPr lang="en-GB" sz="2400" dirty="0">
-              <a:solidFill>
-                <a:srgbClr val="00B050"/>
-              </a:solidFill>
-            </a:endParaRPr>
+              <a:rPr lang="en-GB" dirty="0" smtClean="0"/>
+              <a:t>Same as calling a function from one instrument script in another</a:t>
+            </a:r>
+            <a:endParaRPr lang="en-GB" dirty="0"/>
           </a:p>
         </p:txBody>
       </p:sp>
     </p:spTree>
     <p:extLst>
       <p:ext uri="{BB962C8B-B14F-4D97-AF65-F5344CB8AC3E}">
-        <p14:creationId xmlns:p14="http://schemas.microsoft.com/office/powerpoint/2010/main" val="1987010721"/>
+        <p14:creationId xmlns:p14="http://schemas.microsoft.com/office/powerpoint/2010/main" val="1742094023"/>
       </p:ext>
     </p:extLst>
   </p:cSld>
@@ -13166,298 +13092,6 @@
               <a:rPr lang="en-GB" dirty="0" smtClean="0"/>
             </a:br>
             <a:r>
-              <a:rPr lang="en-GB" dirty="0" smtClean="0"/>
-              <a:t>Importing modules</a:t>
-            </a:r>
-            <a:endParaRPr lang="en-GB" dirty="0">
-              <a:solidFill>
-                <a:srgbClr val="00B050"/>
-              </a:solidFill>
-            </a:endParaRPr>
-          </a:p>
-        </p:txBody>
-      </p:sp>
-      <p:sp>
-        <p:nvSpPr>
-          <p:cNvPr id="4" name="TextBox 3"/>
-          <p:cNvSpPr txBox="1"/>
-          <p:nvPr/>
-        </p:nvSpPr>
-        <p:spPr>
-          <a:xfrm>
-            <a:off x="395536" y="1844824"/>
-            <a:ext cx="8496944" cy="3693319"/>
-          </a:xfrm>
-          <a:prstGeom prst="rect">
-            <a:avLst/>
-          </a:prstGeom>
-          <a:noFill/>
-        </p:spPr>
-        <p:txBody>
-          <a:bodyPr wrap="square" rtlCol="0">
-            <a:spAutoFit/>
-          </a:bodyPr>
-          <a:lstStyle/>
-          <a:p>
-            <a:pPr marL="342900" indent="-342900">
-              <a:buFont typeface="Arial" panose="020B0604020202020204" pitchFamily="34" charset="0"/>
-              <a:buChar char="•"/>
-            </a:pPr>
-            <a:r>
-              <a:rPr lang="en-GB" dirty="0"/>
-              <a:t>You may want to call a function from one file in another file.</a:t>
-            </a:r>
-          </a:p>
-          <a:p>
-            <a:pPr marL="342900" indent="-342900">
-              <a:buFont typeface="Arial" panose="020B0604020202020204" pitchFamily="34" charset="0"/>
-              <a:buChar char="•"/>
-            </a:pPr>
-            <a:r>
-              <a:rPr lang="en-GB" b="1" dirty="0"/>
-              <a:t>Calling an instrument function from a different instrument </a:t>
-            </a:r>
-            <a:r>
-              <a:rPr lang="en-GB" b="1" dirty="0" smtClean="0"/>
-              <a:t>script</a:t>
-            </a:r>
-          </a:p>
-          <a:p>
-            <a:pPr marL="800100" lvl="1" indent="-342900">
-              <a:buFont typeface="Arial" panose="020B0604020202020204" pitchFamily="34" charset="0"/>
-              <a:buChar char="•"/>
-            </a:pPr>
-            <a:r>
-              <a:rPr lang="en-GB" dirty="0" smtClean="0"/>
-              <a:t>Use the </a:t>
-            </a:r>
-            <a:r>
-              <a:rPr lang="en-GB" i="1" dirty="0" smtClean="0"/>
-              <a:t>import </a:t>
-            </a:r>
-            <a:r>
-              <a:rPr lang="en-GB" dirty="0" smtClean="0"/>
-              <a:t>command</a:t>
-            </a:r>
-          </a:p>
-          <a:p>
-            <a:pPr lvl="2"/>
-            <a:r>
-              <a:rPr lang="en-GB" i="1" dirty="0"/>
-              <a:t>from counts import vanadium </a:t>
-            </a:r>
-            <a:endParaRPr lang="en-GB" i="1" dirty="0" smtClean="0"/>
-          </a:p>
-          <a:p>
-            <a:pPr lvl="2"/>
-            <a:r>
-              <a:rPr lang="en-GB" i="1" dirty="0" err="1" smtClean="0"/>
-              <a:t>def</a:t>
-            </a:r>
-            <a:r>
-              <a:rPr lang="en-GB" i="1" dirty="0" smtClean="0"/>
-              <a:t> </a:t>
-            </a:r>
-            <a:r>
-              <a:rPr lang="en-GB" i="1" dirty="0"/>
-              <a:t>calibration(): </a:t>
-            </a:r>
-            <a:endParaRPr lang="en-GB" i="1" dirty="0" smtClean="0"/>
-          </a:p>
-          <a:p>
-            <a:pPr lvl="2"/>
-            <a:r>
-              <a:rPr lang="en-GB" i="1" dirty="0"/>
-              <a:t>	</a:t>
-            </a:r>
-            <a:r>
-              <a:rPr lang="en-GB" i="1" dirty="0" smtClean="0"/>
-              <a:t>for </a:t>
-            </a:r>
-            <a:r>
-              <a:rPr lang="en-GB" i="1" dirty="0" err="1" smtClean="0"/>
-              <a:t>i</a:t>
-            </a:r>
-            <a:r>
-              <a:rPr lang="en-GB" i="1" dirty="0" smtClean="0"/>
-              <a:t> in range(5):</a:t>
-            </a:r>
-          </a:p>
-          <a:p>
-            <a:pPr lvl="2"/>
-            <a:r>
-              <a:rPr lang="en-GB" i="1" dirty="0"/>
-              <a:t>	</a:t>
-            </a:r>
-            <a:r>
-              <a:rPr lang="en-GB" i="1" dirty="0" smtClean="0"/>
-              <a:t>	vanadium()</a:t>
-            </a:r>
-          </a:p>
-          <a:p>
-            <a:pPr marL="342900" indent="-342900">
-              <a:buFont typeface="Arial" panose="020B0604020202020204" pitchFamily="34" charset="0"/>
-              <a:buChar char="•"/>
-            </a:pPr>
-            <a:r>
-              <a:rPr lang="en-GB" b="1" dirty="0" smtClean="0"/>
-              <a:t>Calling </a:t>
-            </a:r>
-            <a:r>
-              <a:rPr lang="en-GB" b="1" dirty="0"/>
-              <a:t>an instrument function from a user </a:t>
-            </a:r>
-            <a:r>
-              <a:rPr lang="en-GB" b="1" dirty="0" smtClean="0"/>
-              <a:t>script</a:t>
-            </a:r>
-          </a:p>
-          <a:p>
-            <a:pPr marL="800100" lvl="1" indent="-342900">
-              <a:buFont typeface="Arial" panose="020B0604020202020204" pitchFamily="34" charset="0"/>
-              <a:buChar char="•"/>
-            </a:pPr>
-            <a:r>
-              <a:rPr lang="en-GB" dirty="0" smtClean="0"/>
-              <a:t>Use</a:t>
-            </a:r>
-            <a:r>
-              <a:rPr lang="en-GB" dirty="0"/>
-              <a:t> </a:t>
-            </a:r>
-            <a:r>
-              <a:rPr lang="en-GB" i="1" dirty="0"/>
-              <a:t>inst.</a:t>
-            </a:r>
-            <a:r>
-              <a:rPr lang="en-GB" dirty="0"/>
-              <a:t> </a:t>
-            </a:r>
-            <a:r>
-              <a:rPr lang="en-GB" dirty="0" smtClean="0"/>
-              <a:t>prefix</a:t>
-            </a:r>
-            <a:endParaRPr lang="en-GB" dirty="0"/>
-          </a:p>
-          <a:p>
-            <a:pPr marL="342900" indent="-342900">
-              <a:buFont typeface="Arial" panose="020B0604020202020204" pitchFamily="34" charset="0"/>
-              <a:buChar char="•"/>
-            </a:pPr>
-            <a:r>
-              <a:rPr lang="en-GB" b="1" dirty="0" smtClean="0"/>
-              <a:t>Calling </a:t>
-            </a:r>
-            <a:r>
-              <a:rPr lang="en-GB" b="1" dirty="0"/>
-              <a:t>a user function from an instrument </a:t>
-            </a:r>
-            <a:r>
-              <a:rPr lang="en-GB" b="1" dirty="0" smtClean="0"/>
-              <a:t>script</a:t>
-            </a:r>
-          </a:p>
-          <a:p>
-            <a:pPr marL="800100" lvl="1" indent="-342900">
-              <a:buFont typeface="Arial" panose="020B0604020202020204" pitchFamily="34" charset="0"/>
-              <a:buChar char="•"/>
-            </a:pPr>
-            <a:r>
-              <a:rPr lang="en-GB" dirty="0" smtClean="0"/>
-              <a:t>Not a good idea</a:t>
-            </a:r>
-          </a:p>
-          <a:p>
-            <a:pPr marL="342900" indent="-342900">
-              <a:buFont typeface="Arial" panose="020B0604020202020204" pitchFamily="34" charset="0"/>
-              <a:buChar char="•"/>
-            </a:pPr>
-            <a:r>
-              <a:rPr lang="en-GB" b="1" dirty="0" smtClean="0"/>
-              <a:t>Calling </a:t>
-            </a:r>
-            <a:r>
-              <a:rPr lang="en-GB" b="1" dirty="0"/>
-              <a:t>a user function from a different user </a:t>
-            </a:r>
-            <a:r>
-              <a:rPr lang="en-GB" b="1" dirty="0" smtClean="0"/>
-              <a:t>script</a:t>
-            </a:r>
-          </a:p>
-          <a:p>
-            <a:pPr marL="800100" lvl="1" indent="-342900">
-              <a:buFont typeface="Arial" panose="020B0604020202020204" pitchFamily="34" charset="0"/>
-              <a:buChar char="•"/>
-            </a:pPr>
-            <a:r>
-              <a:rPr lang="en-GB" dirty="0" smtClean="0"/>
-              <a:t>Same as calling a function from one instrument script in another</a:t>
-            </a:r>
-            <a:endParaRPr lang="en-GB" dirty="0"/>
-          </a:p>
-        </p:txBody>
-      </p:sp>
-    </p:spTree>
-    <p:extLst>
-      <p:ext uri="{BB962C8B-B14F-4D97-AF65-F5344CB8AC3E}">
-        <p14:creationId xmlns:p14="http://schemas.microsoft.com/office/powerpoint/2010/main" val="1742094023"/>
-      </p:ext>
-    </p:extLst>
-  </p:cSld>
-  <p:clrMapOvr>
-    <a:masterClrMapping/>
-  </p:clrMapOvr>
-  <p:timing>
-    <p:tnLst>
-      <p:par>
-        <p:cTn id="1" dur="indefinite" restart="never" nodeType="tmRoot"/>
-      </p:par>
-    </p:tnLst>
-  </p:timing>
-</p:sld>
-</file>
-
-<file path=ppt/slides/slide25.xml><?xml version="1.0" encoding="utf-8"?>
-<p:sld xmlns:a="http://schemas.openxmlformats.org/drawingml/2006/main" xmlns:r="http://schemas.openxmlformats.org/officeDocument/2006/relationships" xmlns:p="http://schemas.openxmlformats.org/presentationml/2006/main">
-  <p:cSld>
-    <p:spTree>
-      <p:nvGrpSpPr>
-        <p:cNvPr id="1" name=""/>
-        <p:cNvGrpSpPr/>
-        <p:nvPr/>
-      </p:nvGrpSpPr>
-      <p:grpSpPr>
-        <a:xfrm>
-          <a:off x="0" y="0"/>
-          <a:ext cx="0" cy="0"/>
-          <a:chOff x="0" y="0"/>
-          <a:chExt cx="0" cy="0"/>
-        </a:xfrm>
-      </p:grpSpPr>
-      <p:sp>
-        <p:nvSpPr>
-          <p:cNvPr id="2" name="Title 1"/>
-          <p:cNvSpPr>
-            <a:spLocks noGrp="1"/>
-          </p:cNvSpPr>
-          <p:nvPr>
-            <p:ph type="title"/>
-          </p:nvPr>
-        </p:nvSpPr>
-        <p:spPr/>
-        <p:txBody>
-          <a:bodyPr/>
-          <a:lstStyle/>
-          <a:p>
-            <a:r>
-              <a:rPr lang="en-GB" dirty="0" smtClean="0"/>
-              <a:t>Scripting</a:t>
-            </a:r>
-            <a:br>
-              <a:rPr lang="en-GB" dirty="0" smtClean="0"/>
-            </a:br>
-            <a:r>
               <a:rPr lang="en-GB" dirty="0" smtClean="0">
                 <a:solidFill>
                   <a:srgbClr val="00B050"/>
@@ -13674,7 +13308,7 @@
 </p:sld>
 </file>
 
-<file path=ppt/slides/slide26.xml><?xml version="1.0" encoding="utf-8"?>
+<file path=ppt/slides/slide25.xml><?xml version="1.0" encoding="utf-8"?>
 <p:sld xmlns:a="http://schemas.openxmlformats.org/drawingml/2006/main" xmlns:r="http://schemas.openxmlformats.org/officeDocument/2006/relationships" xmlns:p="http://schemas.openxmlformats.org/presentationml/2006/main">
   <p:cSld>
     <p:spTree>
@@ -13900,7 +13534,7 @@
 </p:sld>
 </file>
 
-<file path=ppt/slides/slide27.xml><?xml version="1.0" encoding="utf-8"?>
+<file path=ppt/slides/slide26.xml><?xml version="1.0" encoding="utf-8"?>
 <p:sld xmlns:a="http://schemas.openxmlformats.org/drawingml/2006/main" xmlns:r="http://schemas.openxmlformats.org/officeDocument/2006/relationships" xmlns:p="http://schemas.openxmlformats.org/presentationml/2006/main">
   <p:cSld>
     <p:spTree>
@@ -14126,7 +13760,7 @@
 </p:sld>
 </file>
 
-<file path=ppt/slides/slide28.xml><?xml version="1.0" encoding="utf-8"?>
+<file path=ppt/slides/slide27.xml><?xml version="1.0" encoding="utf-8"?>
 <p:sld xmlns:a="http://schemas.openxmlformats.org/drawingml/2006/main" xmlns:r="http://schemas.openxmlformats.org/officeDocument/2006/relationships" xmlns:p="http://schemas.openxmlformats.org/presentationml/2006/main">
   <p:cSld>
     <p:spTree>
@@ -14352,7 +13986,7 @@
 </p:sld>
 </file>
 
-<file path=ppt/slides/slide29.xml><?xml version="1.0" encoding="utf-8"?>
+<file path=ppt/slides/slide28.xml><?xml version="1.0" encoding="utf-8"?>
 <p:sld xmlns:a="http://schemas.openxmlformats.org/drawingml/2006/main" xmlns:r="http://schemas.openxmlformats.org/officeDocument/2006/relationships" xmlns:p="http://schemas.openxmlformats.org/presentationml/2006/main">
   <p:cSld>
     <p:spTree>
@@ -14578,6 +14212,275 @@
 </p:sld>
 </file>
 
+<file path=ppt/slides/slide29.xml><?xml version="1.0" encoding="utf-8"?>
+<p:sld xmlns:a="http://schemas.openxmlformats.org/drawingml/2006/main" xmlns:r="http://schemas.openxmlformats.org/officeDocument/2006/relationships" xmlns:p="http://schemas.openxmlformats.org/presentationml/2006/main">
+  <p:cSld>
+    <p:spTree>
+      <p:nvGrpSpPr>
+        <p:cNvPr id="1" name=""/>
+        <p:cNvGrpSpPr/>
+        <p:nvPr/>
+      </p:nvGrpSpPr>
+      <p:grpSpPr>
+        <a:xfrm>
+          <a:off x="0" y="0"/>
+          <a:ext cx="0" cy="0"/>
+          <a:chOff x="0" y="0"/>
+          <a:chExt cx="0" cy="0"/>
+        </a:xfrm>
+      </p:grpSpPr>
+      <p:sp>
+        <p:nvSpPr>
+          <p:cNvPr id="2" name="Title 1"/>
+          <p:cNvSpPr>
+            <a:spLocks noGrp="1"/>
+          </p:cNvSpPr>
+          <p:nvPr>
+            <p:ph type="title"/>
+          </p:nvPr>
+        </p:nvSpPr>
+        <p:spPr/>
+        <p:txBody>
+          <a:bodyPr/>
+          <a:lstStyle/>
+          <a:p>
+            <a:r>
+              <a:rPr lang="en-GB" dirty="0" smtClean="0"/>
+              <a:t>Converting from </a:t>
+            </a:r>
+            <a:r>
+              <a:rPr lang="en-GB" dirty="0" err="1" smtClean="0"/>
+              <a:t>OpenGENIE</a:t>
+            </a:r>
+            <a:r>
+              <a:rPr lang="en-GB" dirty="0" smtClean="0"/>
+              <a:t/>
+            </a:r>
+            <a:br>
+              <a:rPr lang="en-GB" dirty="0" smtClean="0"/>
+            </a:br>
+            <a:r>
+              <a:rPr lang="en-GB" dirty="0" smtClean="0"/>
+              <a:t>Commands</a:t>
+            </a:r>
+            <a:endParaRPr lang="en-GB" dirty="0"/>
+          </a:p>
+        </p:txBody>
+      </p:sp>
+      <p:sp>
+        <p:nvSpPr>
+          <p:cNvPr id="6" name="TextBox 5"/>
+          <p:cNvSpPr txBox="1"/>
+          <p:nvPr/>
+        </p:nvSpPr>
+        <p:spPr>
+          <a:xfrm>
+            <a:off x="395536" y="1844824"/>
+            <a:ext cx="8496944" cy="2308324"/>
+          </a:xfrm>
+          <a:prstGeom prst="rect">
+            <a:avLst/>
+          </a:prstGeom>
+          <a:noFill/>
+        </p:spPr>
+        <p:txBody>
+          <a:bodyPr wrap="square" rtlCol="0">
+            <a:spAutoFit/>
+          </a:bodyPr>
+          <a:lstStyle/>
+          <a:p>
+            <a:pPr marL="342900" indent="-342900">
+              <a:buFont typeface="Arial" panose="020B0604020202020204" pitchFamily="34" charset="0"/>
+              <a:buChar char="•"/>
+            </a:pPr>
+            <a:r>
+              <a:rPr lang="en-GB" dirty="0"/>
+              <a:t>The majority of </a:t>
+            </a:r>
+            <a:r>
+              <a:rPr lang="en-GB" dirty="0" err="1"/>
+              <a:t>OpenGENIE</a:t>
+            </a:r>
+            <a:r>
+              <a:rPr lang="en-GB" dirty="0"/>
+              <a:t> </a:t>
+            </a:r>
+            <a:r>
+              <a:rPr lang="en-GB" dirty="0" smtClean="0"/>
+              <a:t>commands </a:t>
+            </a:r>
+            <a:r>
+              <a:rPr lang="en-GB" dirty="0"/>
+              <a:t>have a very close equivalent in </a:t>
+            </a:r>
+            <a:r>
+              <a:rPr lang="en-GB" dirty="0" err="1" smtClean="0"/>
+              <a:t>genie_python</a:t>
+            </a:r>
+            <a:r>
+              <a:rPr lang="en-GB" dirty="0" smtClean="0"/>
+              <a:t>:</a:t>
+            </a:r>
+          </a:p>
+          <a:p>
+            <a:pPr marL="800100" lvl="1" indent="-342900">
+              <a:buFont typeface="Arial" panose="020B0604020202020204" pitchFamily="34" charset="0"/>
+              <a:buChar char="•"/>
+            </a:pPr>
+            <a:r>
+              <a:rPr lang="en-GB" i="1" dirty="0" smtClean="0"/>
+              <a:t>BEGIN</a:t>
+            </a:r>
+            <a:r>
+              <a:rPr lang="en-GB" dirty="0" smtClean="0"/>
+              <a:t> becomes </a:t>
+            </a:r>
+            <a:r>
+              <a:rPr lang="en-GB" i="1" dirty="0" err="1" smtClean="0"/>
+              <a:t>g.begin</a:t>
+            </a:r>
+            <a:r>
+              <a:rPr lang="en-GB" i="1" dirty="0" smtClean="0"/>
+              <a:t>()</a:t>
+            </a:r>
+          </a:p>
+          <a:p>
+            <a:pPr marL="800100" lvl="1" indent="-342900">
+              <a:buFont typeface="Arial" panose="020B0604020202020204" pitchFamily="34" charset="0"/>
+              <a:buChar char="•"/>
+            </a:pPr>
+            <a:r>
+              <a:rPr lang="en-GB" i="1" dirty="0" smtClean="0"/>
+              <a:t>CHANGE TITLE=‘New title’</a:t>
+            </a:r>
+            <a:r>
+              <a:rPr lang="en-GB" dirty="0" smtClean="0"/>
+              <a:t> becomes </a:t>
+            </a:r>
+            <a:r>
+              <a:rPr lang="en-GB" i="1" dirty="0" err="1" smtClean="0"/>
+              <a:t>g.change_title</a:t>
+            </a:r>
+            <a:r>
+              <a:rPr lang="en-GB" i="1" dirty="0" smtClean="0"/>
+              <a:t>(“New title”)</a:t>
+            </a:r>
+            <a:endParaRPr lang="en-GB" i="1" dirty="0"/>
+          </a:p>
+          <a:p>
+            <a:pPr marL="342900" indent="-342900">
+              <a:buFont typeface="Arial" panose="020B0604020202020204" pitchFamily="34" charset="0"/>
+              <a:buChar char="•"/>
+            </a:pPr>
+            <a:r>
+              <a:rPr lang="en-GB" dirty="0"/>
+              <a:t>Similarly, most arguments will be very </a:t>
+            </a:r>
+            <a:r>
+              <a:rPr lang="en-GB" dirty="0" smtClean="0"/>
+              <a:t>similar between</a:t>
+            </a:r>
+            <a:r>
+              <a:rPr lang="en-GB" dirty="0"/>
+              <a:t> </a:t>
+            </a:r>
+            <a:r>
+              <a:rPr lang="en-GB" dirty="0" err="1" smtClean="0"/>
+              <a:t>OpenGENIE</a:t>
+            </a:r>
+            <a:r>
+              <a:rPr lang="en-GB" dirty="0"/>
+              <a:t> </a:t>
+            </a:r>
+            <a:r>
+              <a:rPr lang="en-GB" dirty="0" smtClean="0"/>
+              <a:t>and</a:t>
+            </a:r>
+            <a:r>
+              <a:rPr lang="en-GB" dirty="0"/>
+              <a:t> </a:t>
+            </a:r>
+            <a:r>
+              <a:rPr lang="en-GB" dirty="0" err="1" smtClean="0"/>
+              <a:t>genie_python</a:t>
+            </a:r>
+            <a:r>
+              <a:rPr lang="en-GB" dirty="0" smtClean="0"/>
+              <a:t>:</a:t>
+            </a:r>
+          </a:p>
+          <a:p>
+            <a:pPr marL="800100" lvl="1" indent="-342900">
+              <a:buFont typeface="Arial" panose="020B0604020202020204" pitchFamily="34" charset="0"/>
+              <a:buChar char="•"/>
+            </a:pPr>
+            <a:r>
+              <a:rPr lang="en-GB" i="1" dirty="0"/>
+              <a:t>CSET/CONTROL TEMP1=5 LOWLIMIT=1 </a:t>
+            </a:r>
+            <a:r>
+              <a:rPr lang="en-GB" i="1" dirty="0" smtClean="0"/>
+              <a:t>HIGHLIMIT=10 </a:t>
+            </a:r>
+            <a:r>
+              <a:rPr lang="en-GB" dirty="0"/>
+              <a:t>becomes </a:t>
+            </a:r>
+            <a:r>
+              <a:rPr lang="en-GB" i="1" dirty="0" err="1"/>
+              <a:t>g.cset</a:t>
+            </a:r>
+            <a:r>
+              <a:rPr lang="en-GB" i="1" dirty="0"/>
+              <a:t>(TEMP1=5, </a:t>
+            </a:r>
+            <a:r>
+              <a:rPr lang="en-GB" i="1" dirty="0" err="1"/>
+              <a:t>runcontrol</a:t>
+            </a:r>
+            <a:r>
+              <a:rPr lang="en-GB" i="1" dirty="0"/>
+              <a:t>=True, </a:t>
+            </a:r>
+            <a:r>
+              <a:rPr lang="en-GB" i="1" dirty="0" err="1"/>
+              <a:t>lowlimit</a:t>
+            </a:r>
+            <a:r>
+              <a:rPr lang="en-GB" i="1" dirty="0"/>
+              <a:t>=1, </a:t>
+            </a:r>
+            <a:r>
+              <a:rPr lang="en-GB" i="1" dirty="0" err="1"/>
+              <a:t>highlimit</a:t>
+            </a:r>
+            <a:r>
+              <a:rPr lang="en-GB" i="1" dirty="0"/>
+              <a:t>=10)</a:t>
+            </a:r>
+          </a:p>
+        </p:txBody>
+      </p:sp>
+    </p:spTree>
+    <p:extLst>
+      <p:ext uri="{BB962C8B-B14F-4D97-AF65-F5344CB8AC3E}">
+        <p14:creationId xmlns:p14="http://schemas.microsoft.com/office/powerpoint/2010/main" val="3876693292"/>
+      </p:ext>
+    </p:extLst>
+  </p:cSld>
+  <p:clrMapOvr>
+    <a:masterClrMapping/>
+  </p:clrMapOvr>
+  <p:timing>
+    <p:tnLst>
+      <p:par>
+        <p:cTn id="1" dur="indefinite" restart="never" nodeType="tmRoot"/>
+      </p:par>
+    </p:tnLst>
+  </p:timing>
+</p:sld>
+</file>
+
 <file path=ppt/slides/slide3.xml><?xml version="1.0" encoding="utf-8"?>
 <p:sld xmlns:a="http://schemas.openxmlformats.org/drawingml/2006/main" xmlns:r="http://schemas.openxmlformats.org/officeDocument/2006/relationships" xmlns:p="http://schemas.openxmlformats.org/presentationml/2006/main">
   <p:cSld>
@@ -14756,275 +14659,6 @@
               <a:rPr lang="en-GB" dirty="0" smtClean="0"/>
             </a:br>
             <a:r>
-              <a:rPr lang="en-GB" dirty="0" smtClean="0"/>
-              <a:t>Commands</a:t>
-            </a:r>
-            <a:endParaRPr lang="en-GB" dirty="0"/>
-          </a:p>
-        </p:txBody>
-      </p:sp>
-      <p:sp>
-        <p:nvSpPr>
-          <p:cNvPr id="6" name="TextBox 5"/>
-          <p:cNvSpPr txBox="1"/>
-          <p:nvPr/>
-        </p:nvSpPr>
-        <p:spPr>
-          <a:xfrm>
-            <a:off x="395536" y="1844824"/>
-            <a:ext cx="8496944" cy="2308324"/>
-          </a:xfrm>
-          <a:prstGeom prst="rect">
-            <a:avLst/>
-          </a:prstGeom>
-          <a:noFill/>
-        </p:spPr>
-        <p:txBody>
-          <a:bodyPr wrap="square" rtlCol="0">
-            <a:spAutoFit/>
-          </a:bodyPr>
-          <a:lstStyle/>
-          <a:p>
-            <a:pPr marL="342900" indent="-342900">
-              <a:buFont typeface="Arial" panose="020B0604020202020204" pitchFamily="34" charset="0"/>
-              <a:buChar char="•"/>
-            </a:pPr>
-            <a:r>
-              <a:rPr lang="en-GB" dirty="0"/>
-              <a:t>The majority of </a:t>
-            </a:r>
-            <a:r>
-              <a:rPr lang="en-GB" dirty="0" err="1"/>
-              <a:t>OpenGENIE</a:t>
-            </a:r>
-            <a:r>
-              <a:rPr lang="en-GB" dirty="0"/>
-              <a:t> </a:t>
-            </a:r>
-            <a:r>
-              <a:rPr lang="en-GB" dirty="0" smtClean="0"/>
-              <a:t>commands </a:t>
-            </a:r>
-            <a:r>
-              <a:rPr lang="en-GB" dirty="0"/>
-              <a:t>have a very close equivalent in </a:t>
-            </a:r>
-            <a:r>
-              <a:rPr lang="en-GB" dirty="0" err="1" smtClean="0"/>
-              <a:t>genie_python</a:t>
-            </a:r>
-            <a:r>
-              <a:rPr lang="en-GB" dirty="0" smtClean="0"/>
-              <a:t>:</a:t>
-            </a:r>
-          </a:p>
-          <a:p>
-            <a:pPr marL="800100" lvl="1" indent="-342900">
-              <a:buFont typeface="Arial" panose="020B0604020202020204" pitchFamily="34" charset="0"/>
-              <a:buChar char="•"/>
-            </a:pPr>
-            <a:r>
-              <a:rPr lang="en-GB" i="1" dirty="0" smtClean="0"/>
-              <a:t>BEGIN</a:t>
-            </a:r>
-            <a:r>
-              <a:rPr lang="en-GB" dirty="0" smtClean="0"/>
-              <a:t> becomes </a:t>
-            </a:r>
-            <a:r>
-              <a:rPr lang="en-GB" i="1" dirty="0" err="1" smtClean="0"/>
-              <a:t>g.begin</a:t>
-            </a:r>
-            <a:r>
-              <a:rPr lang="en-GB" i="1" dirty="0" smtClean="0"/>
-              <a:t>()</a:t>
-            </a:r>
-          </a:p>
-          <a:p>
-            <a:pPr marL="800100" lvl="1" indent="-342900">
-              <a:buFont typeface="Arial" panose="020B0604020202020204" pitchFamily="34" charset="0"/>
-              <a:buChar char="•"/>
-            </a:pPr>
-            <a:r>
-              <a:rPr lang="en-GB" i="1" dirty="0" smtClean="0"/>
-              <a:t>CHANGE TITLE=‘New title’</a:t>
-            </a:r>
-            <a:r>
-              <a:rPr lang="en-GB" dirty="0" smtClean="0"/>
-              <a:t> becomes </a:t>
-            </a:r>
-            <a:r>
-              <a:rPr lang="en-GB" i="1" dirty="0" err="1" smtClean="0"/>
-              <a:t>g.change_title</a:t>
-            </a:r>
-            <a:r>
-              <a:rPr lang="en-GB" i="1" dirty="0" smtClean="0"/>
-              <a:t>(“New title”)</a:t>
-            </a:r>
-            <a:endParaRPr lang="en-GB" i="1" dirty="0"/>
-          </a:p>
-          <a:p>
-            <a:pPr marL="342900" indent="-342900">
-              <a:buFont typeface="Arial" panose="020B0604020202020204" pitchFamily="34" charset="0"/>
-              <a:buChar char="•"/>
-            </a:pPr>
-            <a:r>
-              <a:rPr lang="en-GB" dirty="0"/>
-              <a:t>Similarly, most arguments will be very </a:t>
-            </a:r>
-            <a:r>
-              <a:rPr lang="en-GB" dirty="0" smtClean="0"/>
-              <a:t>similar between</a:t>
-            </a:r>
-            <a:r>
-              <a:rPr lang="en-GB" dirty="0"/>
-              <a:t> </a:t>
-            </a:r>
-            <a:r>
-              <a:rPr lang="en-GB" dirty="0" err="1" smtClean="0"/>
-              <a:t>OpenGENIE</a:t>
-            </a:r>
-            <a:r>
-              <a:rPr lang="en-GB" dirty="0"/>
-              <a:t> </a:t>
-            </a:r>
-            <a:r>
-              <a:rPr lang="en-GB" dirty="0" smtClean="0"/>
-              <a:t>and</a:t>
-            </a:r>
-            <a:r>
-              <a:rPr lang="en-GB" dirty="0"/>
-              <a:t> </a:t>
-            </a:r>
-            <a:r>
-              <a:rPr lang="en-GB" dirty="0" err="1" smtClean="0"/>
-              <a:t>genie_python</a:t>
-            </a:r>
-            <a:r>
-              <a:rPr lang="en-GB" dirty="0" smtClean="0"/>
-              <a:t>:</a:t>
-            </a:r>
-          </a:p>
-          <a:p>
-            <a:pPr marL="800100" lvl="1" indent="-342900">
-              <a:buFont typeface="Arial" panose="020B0604020202020204" pitchFamily="34" charset="0"/>
-              <a:buChar char="•"/>
-            </a:pPr>
-            <a:r>
-              <a:rPr lang="en-GB" i="1" dirty="0"/>
-              <a:t>CSET/CONTROL TEMP1=5 LOWLIMIT=1 </a:t>
-            </a:r>
-            <a:r>
-              <a:rPr lang="en-GB" i="1" dirty="0" smtClean="0"/>
-              <a:t>HIGHLIMIT=10 </a:t>
-            </a:r>
-            <a:r>
-              <a:rPr lang="en-GB" dirty="0"/>
-              <a:t>becomes </a:t>
-            </a:r>
-            <a:r>
-              <a:rPr lang="en-GB" i="1" dirty="0" err="1"/>
-              <a:t>g.cset</a:t>
-            </a:r>
-            <a:r>
-              <a:rPr lang="en-GB" i="1" dirty="0"/>
-              <a:t>(TEMP1=5, </a:t>
-            </a:r>
-            <a:r>
-              <a:rPr lang="en-GB" i="1" dirty="0" err="1"/>
-              <a:t>runcontrol</a:t>
-            </a:r>
-            <a:r>
-              <a:rPr lang="en-GB" i="1" dirty="0"/>
-              <a:t>=True, </a:t>
-            </a:r>
-            <a:r>
-              <a:rPr lang="en-GB" i="1" dirty="0" err="1"/>
-              <a:t>lowlimit</a:t>
-            </a:r>
-            <a:r>
-              <a:rPr lang="en-GB" i="1" dirty="0"/>
-              <a:t>=1, </a:t>
-            </a:r>
-            <a:r>
-              <a:rPr lang="en-GB" i="1" dirty="0" err="1"/>
-              <a:t>highlimit</a:t>
-            </a:r>
-            <a:r>
-              <a:rPr lang="en-GB" i="1" dirty="0"/>
-              <a:t>=10)</a:t>
-            </a:r>
-          </a:p>
-        </p:txBody>
-      </p:sp>
-    </p:spTree>
-    <p:extLst>
-      <p:ext uri="{BB962C8B-B14F-4D97-AF65-F5344CB8AC3E}">
-        <p14:creationId xmlns:p14="http://schemas.microsoft.com/office/powerpoint/2010/main" val="3876693292"/>
-      </p:ext>
-    </p:extLst>
-  </p:cSld>
-  <p:clrMapOvr>
-    <a:masterClrMapping/>
-  </p:clrMapOvr>
-  <p:timing>
-    <p:tnLst>
-      <p:par>
-        <p:cTn id="1" dur="indefinite" restart="never" nodeType="tmRoot"/>
-      </p:par>
-    </p:tnLst>
-  </p:timing>
-</p:sld>
-</file>
-
-<file path=ppt/slides/slide31.xml><?xml version="1.0" encoding="utf-8"?>
-<p:sld xmlns:a="http://schemas.openxmlformats.org/drawingml/2006/main" xmlns:r="http://schemas.openxmlformats.org/officeDocument/2006/relationships" xmlns:p="http://schemas.openxmlformats.org/presentationml/2006/main">
-  <p:cSld>
-    <p:spTree>
-      <p:nvGrpSpPr>
-        <p:cNvPr id="1" name=""/>
-        <p:cNvGrpSpPr/>
-        <p:nvPr/>
-      </p:nvGrpSpPr>
-      <p:grpSpPr>
-        <a:xfrm>
-          <a:off x="0" y="0"/>
-          <a:ext cx="0" cy="0"/>
-          <a:chOff x="0" y="0"/>
-          <a:chExt cx="0" cy="0"/>
-        </a:xfrm>
-      </p:grpSpPr>
-      <p:sp>
-        <p:nvSpPr>
-          <p:cNvPr id="2" name="Title 1"/>
-          <p:cNvSpPr>
-            <a:spLocks noGrp="1"/>
-          </p:cNvSpPr>
-          <p:nvPr>
-            <p:ph type="title"/>
-          </p:nvPr>
-        </p:nvSpPr>
-        <p:spPr/>
-        <p:txBody>
-          <a:bodyPr/>
-          <a:lstStyle/>
-          <a:p>
-            <a:r>
-              <a:rPr lang="en-GB" dirty="0" smtClean="0"/>
-              <a:t>Converting from </a:t>
-            </a:r>
-            <a:r>
-              <a:rPr lang="en-GB" dirty="0" err="1" smtClean="0"/>
-              <a:t>OpenGENIE</a:t>
-            </a:r>
-            <a:r>
-              <a:rPr lang="en-GB" dirty="0" smtClean="0"/>
-              <a:t/>
-            </a:r>
-            <a:br>
-              <a:rPr lang="en-GB" dirty="0" smtClean="0"/>
-            </a:br>
-            <a:r>
               <a:rPr lang="en-GB" dirty="0" smtClean="0">
                 <a:solidFill>
                   <a:srgbClr val="00B050"/>
@@ -15114,7 +14748,7 @@
 </p:sld>
 </file>
 
-<file path=ppt/slides/slide32.xml><?xml version="1.0" encoding="utf-8"?>
+<file path=ppt/slides/slide31.xml><?xml version="1.0" encoding="utf-8"?>
 <p:sld xmlns:a="http://schemas.openxmlformats.org/drawingml/2006/main" xmlns:r="http://schemas.openxmlformats.org/officeDocument/2006/relationships" xmlns:p="http://schemas.openxmlformats.org/presentationml/2006/main">
   <p:cSld>
     <p:spTree>
@@ -15179,7 +14813,7 @@
       </p:sp>
       <p:pic>
         <p:nvPicPr>
-          <p:cNvPr id="3074" name="Picture 2"/>
+          <p:cNvPr id="5122" name="Picture 2"/>
           <p:cNvPicPr>
             <a:picLocks noChangeAspect="1" noChangeArrowheads="1"/>
           </p:cNvPicPr>
@@ -15200,8 +14834,8 @@
         </p:blipFill>
         <p:spPr bwMode="auto">
           <a:xfrm>
-            <a:off x="1619672" y="1628800"/>
-            <a:ext cx="6336704" cy="4477115"/>
+            <a:off x="1763689" y="1628801"/>
+            <a:ext cx="6048672" cy="4466242"/>
           </a:xfrm>
           <a:prstGeom prst="rect">
             <a:avLst/>
@@ -15251,7 +14885,7 @@
 </p:sld>
 </file>
 
-<file path=ppt/slides/slide33.xml><?xml version="1.0" encoding="utf-8"?>
+<file path=ppt/slides/slide32.xml><?xml version="1.0" encoding="utf-8"?>
 <p:sld xmlns:a="http://schemas.openxmlformats.org/drawingml/2006/main" xmlns:r="http://schemas.openxmlformats.org/officeDocument/2006/relationships" xmlns:p="http://schemas.openxmlformats.org/presentationml/2006/main">
   <p:cSld>
     <p:spTree>
@@ -15396,7 +15030,7 @@
 </p:sld>
 </file>
 
-<file path=ppt/slides/slide34.xml><?xml version="1.0" encoding="utf-8"?>
+<file path=ppt/slides/slide33.xml><?xml version="1.0" encoding="utf-8"?>
 <p:sld xmlns:a="http://schemas.openxmlformats.org/drawingml/2006/main" xmlns:r="http://schemas.openxmlformats.org/officeDocument/2006/relationships" xmlns:p="http://schemas.openxmlformats.org/presentationml/2006/main">
   <p:cSld>
     <p:spTree>
@@ -15541,121 +15175,6 @@
     <p:extLst>
       <p:ext uri="{BB962C8B-B14F-4D97-AF65-F5344CB8AC3E}">
         <p14:creationId xmlns:p14="http://schemas.microsoft.com/office/powerpoint/2010/main" val="2398565025"/>
-      </p:ext>
-    </p:extLst>
-  </p:cSld>
-  <p:clrMapOvr>
-    <a:masterClrMapping/>
-  </p:clrMapOvr>
-  <p:timing>
-    <p:tnLst>
-      <p:par>
-        <p:cTn id="1" dur="indefinite" restart="never" nodeType="tmRoot"/>
-      </p:par>
-    </p:tnLst>
-  </p:timing>
-</p:sld>
-</file>
-
-<file path=ppt/slides/slide35.xml><?xml version="1.0" encoding="utf-8"?>
-<p:sld xmlns:a="http://schemas.openxmlformats.org/drawingml/2006/main" xmlns:r="http://schemas.openxmlformats.org/officeDocument/2006/relationships" xmlns:p="http://schemas.openxmlformats.org/presentationml/2006/main">
-  <p:cSld>
-    <p:spTree>
-      <p:nvGrpSpPr>
-        <p:cNvPr id="1" name=""/>
-        <p:cNvGrpSpPr/>
-        <p:nvPr/>
-      </p:nvGrpSpPr>
-      <p:grpSpPr>
-        <a:xfrm>
-          <a:off x="0" y="0"/>
-          <a:ext cx="0" cy="0"/>
-          <a:chOff x="0" y="0"/>
-          <a:chExt cx="0" cy="0"/>
-        </a:xfrm>
-      </p:grpSpPr>
-      <p:sp>
-        <p:nvSpPr>
-          <p:cNvPr id="2" name="Title 1"/>
-          <p:cNvSpPr>
-            <a:spLocks noGrp="1"/>
-          </p:cNvSpPr>
-          <p:nvPr>
-            <p:ph type="title"/>
-          </p:nvPr>
-        </p:nvSpPr>
-        <p:spPr/>
-        <p:txBody>
-          <a:bodyPr/>
-          <a:lstStyle/>
-          <a:p>
-            <a:r>
-              <a:rPr lang="en-GB" dirty="0" smtClean="0"/>
-              <a:t>Feedback</a:t>
-            </a:r>
-            <a:endParaRPr lang="en-GB" dirty="0"/>
-          </a:p>
-        </p:txBody>
-      </p:sp>
-      <p:sp>
-        <p:nvSpPr>
-          <p:cNvPr id="3" name="Content Placeholder 2"/>
-          <p:cNvSpPr>
-            <a:spLocks noGrp="1"/>
-          </p:cNvSpPr>
-          <p:nvPr>
-            <p:ph idx="1"/>
-          </p:nvPr>
-        </p:nvSpPr>
-        <p:spPr/>
-        <p:txBody>
-          <a:bodyPr/>
-          <a:lstStyle/>
-          <a:p>
-            <a:r>
-              <a:rPr lang="en-GB" dirty="0" smtClean="0"/>
-              <a:t>Rate the course out of 3</a:t>
-            </a:r>
-          </a:p>
-          <a:p>
-            <a:r>
-              <a:rPr lang="en-GB" dirty="0" smtClean="0"/>
-              <a:t>Good</a:t>
-            </a:r>
-          </a:p>
-          <a:p>
-            <a:r>
-              <a:rPr lang="en-GB" dirty="0" smtClean="0"/>
-              <a:t>To improve</a:t>
-            </a:r>
-          </a:p>
-          <a:p>
-            <a:pPr lvl="1"/>
-            <a:r>
-              <a:rPr lang="en-GB" dirty="0" smtClean="0"/>
-              <a:t>Topics to add/remove</a:t>
-            </a:r>
-          </a:p>
-          <a:p>
-            <a:pPr lvl="1"/>
-            <a:r>
-              <a:rPr lang="en-GB" smtClean="0"/>
-              <a:t>Additional reading material </a:t>
-            </a:r>
-            <a:r>
-              <a:rPr lang="en-GB" dirty="0" smtClean="0"/>
-              <a:t>before/after training?</a:t>
-            </a:r>
-          </a:p>
-          <a:p>
-            <a:endParaRPr lang="en-GB" dirty="0"/>
-          </a:p>
-        </p:txBody>
-      </p:sp>
-    </p:spTree>
-    <p:extLst>
-      <p:ext uri="{BB962C8B-B14F-4D97-AF65-F5344CB8AC3E}">
-        <p14:creationId xmlns:p14="http://schemas.microsoft.com/office/powerpoint/2010/main" val="4286582855"/>
       </p:ext>
     </p:extLst>
   </p:cSld>
@@ -16840,7 +16359,7 @@
         <p:spPr>
           <a:xfrm>
             <a:off x="395536" y="1844824"/>
-            <a:ext cx="8496944" cy="3539430"/>
+            <a:ext cx="8496944" cy="4154984"/>
           </a:xfrm>
           <a:prstGeom prst="rect">
             <a:avLst/>
@@ -16858,20 +16377,24 @@
               <a:buChar char="•"/>
             </a:pPr>
             <a:r>
-              <a:rPr lang="en-GB" sz="2800" dirty="0" smtClean="0"/>
-              <a:t>Wait for a specific event before continuing. Use the function </a:t>
-            </a:r>
-            <a:r>
-              <a:rPr lang="en-GB" sz="2800" i="1" dirty="0" err="1" smtClean="0"/>
+              <a:rPr lang="en-GB" sz="2400" dirty="0" smtClean="0"/>
+              <a:t>Wait for a specific event before continuing. </a:t>
+            </a:r>
+            <a:r>
+              <a:rPr lang="en-GB" sz="2400" dirty="0" smtClean="0"/>
+              <a:t>Use a “</a:t>
+            </a:r>
+            <a:r>
+              <a:rPr lang="en-GB" sz="2400" i="1" dirty="0" err="1" smtClean="0"/>
               <a:t>waitfor</a:t>
             </a:r>
             <a:r>
-              <a:rPr lang="en-GB" sz="2800" i="1" dirty="0" smtClean="0"/>
-              <a:t> </a:t>
-            </a:r>
-            <a:r>
-              <a:rPr lang="en-GB" sz="2800" dirty="0" smtClean="0"/>
-              <a:t>(lots of available options)</a:t>
+              <a:rPr lang="en-GB" sz="2400" i="1" dirty="0" smtClean="0"/>
+              <a:t>_...” </a:t>
+            </a:r>
+            <a:r>
+              <a:rPr lang="en-GB" sz="2400" dirty="0" smtClean="0"/>
+              <a:t>function:</a:t>
             </a:r>
           </a:p>
           <a:p>
@@ -16880,12 +16403,20 @@
               <a:buChar char="•"/>
             </a:pPr>
             <a:r>
-              <a:rPr lang="en-GB" sz="2800" dirty="0" smtClean="0">
+              <a:rPr lang="en-GB" sz="2400" dirty="0" smtClean="0">
                 <a:solidFill>
                   <a:srgbClr val="00B050"/>
                 </a:solidFill>
               </a:rPr>
-              <a:t>What do you think the following commands do?</a:t>
+              <a:t>What </a:t>
+            </a:r>
+            <a:r>
+              <a:rPr lang="en-GB" sz="2400" dirty="0" smtClean="0">
+                <a:solidFill>
+                  <a:srgbClr val="00B050"/>
+                </a:solidFill>
+              </a:rPr>
+              <a:t>do you think the following commands do?</a:t>
             </a:r>
           </a:p>
           <a:p>
@@ -16894,20 +16425,28 @@
               <a:buChar char="•"/>
             </a:pPr>
             <a:r>
-              <a:rPr lang="en-GB" sz="2800" i="1" dirty="0" err="1" smtClean="0">
+              <a:rPr lang="en-GB" sz="2400" i="1" dirty="0" err="1" smtClean="0">
                 <a:solidFill>
                   <a:srgbClr val="00B050"/>
                 </a:solidFill>
               </a:rPr>
-              <a:t>g.waitfor</a:t>
-            </a:r>
-            <a:r>
-              <a:rPr lang="en-GB" sz="2800" i="1" dirty="0" smtClean="0">
+              <a:t>g.waitfor_time</a:t>
+            </a:r>
+            <a:r>
+              <a:rPr lang="en-GB" sz="2400" i="1" dirty="0" smtClean="0">
                 <a:solidFill>
                   <a:srgbClr val="00B050"/>
                 </a:solidFill>
               </a:rPr>
-              <a:t>(seconds=10)</a:t>
+              <a:t>(seconds=10</a:t>
+            </a:r>
+            <a:r>
+              <a:rPr lang="en-GB" sz="2400" i="1" dirty="0" smtClean="0">
+                <a:solidFill>
+                  <a:srgbClr val="00B050"/>
+                </a:solidFill>
+              </a:rPr>
+              <a:t>)</a:t>
             </a:r>
           </a:p>
           <a:p>
@@ -16916,22 +16455,30 @@
               <a:buChar char="•"/>
             </a:pPr>
             <a:r>
-              <a:rPr lang="en-GB" sz="2800" i="1" dirty="0" err="1" smtClean="0">
+              <a:rPr lang="en-GB" sz="2400" i="1" dirty="0" err="1" smtClean="0">
                 <a:solidFill>
                   <a:srgbClr val="00B050"/>
                 </a:solidFill>
               </a:rPr>
-              <a:t>g.waitfor</a:t>
-            </a:r>
-            <a:r>
-              <a:rPr lang="en-GB" sz="2800" i="1" dirty="0" smtClean="0">
+              <a:t>g.waitfor_time</a:t>
+            </a:r>
+            <a:r>
+              <a:rPr lang="en-GB" sz="2400" i="1" dirty="0" smtClean="0">
                 <a:solidFill>
                   <a:srgbClr val="00B050"/>
                 </a:solidFill>
               </a:rPr>
-              <a:t>(minutes=10)</a:t>
-            </a:r>
-            <a:endParaRPr lang="en-GB" sz="2800" dirty="0" smtClean="0">
+              <a:t>(minutes=10</a:t>
+            </a:r>
+            <a:r>
+              <a:rPr lang="en-GB" sz="2400" i="1" dirty="0" smtClean="0">
+                <a:solidFill>
+                  <a:srgbClr val="00B050"/>
+                </a:solidFill>
+              </a:rPr>
+              <a:t>)</a:t>
+            </a:r>
+            <a:endParaRPr lang="en-GB" sz="2400" dirty="0" smtClean="0">
               <a:solidFill>
                 <a:srgbClr val="00B050"/>
               </a:solidFill>
@@ -16943,151 +16490,155 @@
               <a:buChar char="•"/>
             </a:pPr>
             <a:r>
-              <a:rPr lang="en-GB" sz="2800" i="1" dirty="0" err="1" smtClean="0">
+              <a:rPr lang="en-GB" sz="2400" i="1" dirty="0" err="1" smtClean="0">
                 <a:solidFill>
                   <a:srgbClr val="00B050"/>
                 </a:solidFill>
               </a:rPr>
-              <a:t>g.waitfor</a:t>
-            </a:r>
-            <a:r>
-              <a:rPr lang="en-GB" sz="2800" i="1" dirty="0" smtClean="0">
+              <a:t>g.waitfor_uamps</a:t>
+            </a:r>
+            <a:r>
+              <a:rPr lang="en-GB" sz="2400" i="1" dirty="0" smtClean="0">
                 <a:solidFill>
                   <a:srgbClr val="00B050"/>
                 </a:solidFill>
               </a:rPr>
-              <a:t>(</a:t>
-            </a:r>
-            <a:r>
-              <a:rPr lang="en-GB" sz="2800" i="1" dirty="0" err="1" smtClean="0">
+              <a:t>(10)</a:t>
+            </a:r>
+            <a:r>
+              <a:rPr lang="en-GB" sz="2400" dirty="0" smtClean="0">
                 <a:solidFill>
                   <a:srgbClr val="00B050"/>
                 </a:solidFill>
               </a:rPr>
-              <a:t>uamps</a:t>
-            </a:r>
-            <a:r>
-              <a:rPr lang="en-GB" sz="2800" i="1" dirty="0" smtClean="0">
+              <a:t> </a:t>
+            </a:r>
+          </a:p>
+          <a:p>
+            <a:pPr marL="800100" lvl="1" indent="-342900">
+              <a:buFont typeface="Arial" panose="020B0604020202020204" pitchFamily="34" charset="0"/>
+              <a:buChar char="•"/>
+            </a:pPr>
+            <a:r>
+              <a:rPr lang="en-GB" sz="2400" i="1" dirty="0" err="1">
                 <a:solidFill>
                   <a:srgbClr val="00B050"/>
                 </a:solidFill>
               </a:rPr>
-              <a:t>=10)</a:t>
-            </a:r>
-            <a:endParaRPr lang="en-GB" sz="2800" dirty="0" smtClean="0">
+              <a:t>g</a:t>
+            </a:r>
+            <a:r>
+              <a:rPr lang="en-GB" sz="2400" i="1" dirty="0" err="1" smtClean="0">
+                <a:solidFill>
+                  <a:srgbClr val="00B050"/>
+                </a:solidFill>
+              </a:rPr>
+              <a:t>.waitfor_block</a:t>
+            </a:r>
+            <a:r>
+              <a:rPr lang="en-GB" sz="2400" i="1" dirty="0" smtClean="0">
+                <a:solidFill>
+                  <a:srgbClr val="00B050"/>
+                </a:solidFill>
+              </a:rPr>
+              <a:t>("</a:t>
+            </a:r>
+            <a:r>
+              <a:rPr lang="en-GB" sz="2400" i="1" dirty="0">
+                <a:solidFill>
+                  <a:srgbClr val="00B050"/>
+                </a:solidFill>
+              </a:rPr>
+              <a:t>MY_BLOCK", </a:t>
+            </a:r>
+            <a:r>
+              <a:rPr lang="en-GB" sz="2400" i="1" dirty="0" err="1" smtClean="0">
+                <a:solidFill>
+                  <a:srgbClr val="00B050"/>
+                </a:solidFill>
+              </a:rPr>
+              <a:t>lowlimit</a:t>
+            </a:r>
+            <a:r>
+              <a:rPr lang="en-GB" sz="2400" i="1" dirty="0" smtClean="0">
+                <a:solidFill>
+                  <a:srgbClr val="00B050"/>
+                </a:solidFill>
+              </a:rPr>
+              <a:t>=10</a:t>
+            </a:r>
+            <a:r>
+              <a:rPr lang="en-GB" sz="2400" i="1" dirty="0" smtClean="0">
+                <a:solidFill>
+                  <a:srgbClr val="00B050"/>
+                </a:solidFill>
+              </a:rPr>
+              <a:t>)</a:t>
+            </a:r>
+          </a:p>
+          <a:p>
+            <a:pPr marL="800100" lvl="1" indent="-342900">
+              <a:buFont typeface="Arial" panose="020B0604020202020204" pitchFamily="34" charset="0"/>
+              <a:buChar char="•"/>
+            </a:pPr>
+            <a:r>
+              <a:rPr lang="en-GB" sz="2400" i="1" dirty="0" err="1" smtClean="0">
+                <a:solidFill>
+                  <a:srgbClr val="00B050"/>
+                </a:solidFill>
+              </a:rPr>
+              <a:t>G.waitfor_move</a:t>
+            </a:r>
+            <a:r>
+              <a:rPr lang="en-GB" sz="2400" i="1" dirty="0" smtClean="0">
+                <a:solidFill>
+                  <a:srgbClr val="00B050"/>
+                </a:solidFill>
+              </a:rPr>
+              <a:t>()</a:t>
+            </a:r>
+            <a:endParaRPr lang="en-GB" sz="2400" i="1" dirty="0" smtClean="0">
               <a:solidFill>
                 <a:srgbClr val="00B050"/>
               </a:solidFill>
             </a:endParaRPr>
           </a:p>
           <a:p>
+            <a:pPr marL="342900" indent="-342900">
+              <a:buFont typeface="Arial" panose="020B0604020202020204" pitchFamily="34" charset="0"/>
+              <a:buChar char="•"/>
+            </a:pPr>
+            <a:r>
+              <a:rPr lang="en-GB" sz="2400" dirty="0">
+                <a:solidFill>
+                  <a:srgbClr val="00B050"/>
+                </a:solidFill>
+              </a:rPr>
+              <a:t>Use autocomplete to bring up a list of available </a:t>
+            </a:r>
+            <a:r>
+              <a:rPr lang="en-GB" sz="2400" i="1" dirty="0" err="1">
+                <a:solidFill>
+                  <a:srgbClr val="00B050"/>
+                </a:solidFill>
+              </a:rPr>
+              <a:t>waitfor</a:t>
+            </a:r>
+            <a:r>
+              <a:rPr lang="en-GB" sz="2400" dirty="0">
+                <a:solidFill>
+                  <a:srgbClr val="00B050"/>
+                </a:solidFill>
+              </a:rPr>
+              <a:t> functions</a:t>
+            </a:r>
+          </a:p>
+          <a:p>
             <a:pPr marL="800100" lvl="1" indent="-342900">
               <a:buFont typeface="Arial" panose="020B0604020202020204" pitchFamily="34" charset="0"/>
               <a:buChar char="•"/>
             </a:pPr>
-            <a:r>
-              <a:rPr lang="en-GB" sz="2800" i="1" dirty="0" err="1" smtClean="0">
-                <a:solidFill>
-                  <a:srgbClr val="00B050"/>
-                </a:solidFill>
-              </a:rPr>
-              <a:t>g.waitfor</a:t>
-            </a:r>
-            <a:r>
-              <a:rPr lang="en-GB" sz="2800" i="1" dirty="0" smtClean="0">
-                <a:solidFill>
-                  <a:srgbClr val="00B050"/>
-                </a:solidFill>
-              </a:rPr>
-              <a:t>(</a:t>
-            </a:r>
-            <a:r>
-              <a:rPr lang="en-GB" sz="2800" i="1" dirty="0" err="1" smtClean="0">
-                <a:solidFill>
-                  <a:srgbClr val="00B050"/>
-                </a:solidFill>
-              </a:rPr>
-              <a:t>uamps</a:t>
-            </a:r>
-            <a:r>
-              <a:rPr lang="en-GB" sz="2800" i="1" dirty="0" smtClean="0">
-                <a:solidFill>
-                  <a:srgbClr val="00B050"/>
-                </a:solidFill>
-              </a:rPr>
-              <a:t>=10</a:t>
-            </a:r>
-            <a:r>
-              <a:rPr lang="en-GB" sz="2800" i="1" dirty="0">
-                <a:solidFill>
-                  <a:srgbClr val="00B050"/>
-                </a:solidFill>
-              </a:rPr>
-              <a:t>, </a:t>
-            </a:r>
-            <a:r>
-              <a:rPr lang="en-GB" sz="2800" i="1" dirty="0" err="1" smtClean="0">
-                <a:solidFill>
-                  <a:srgbClr val="00B050"/>
-                </a:solidFill>
-              </a:rPr>
-              <a:t>maxwait</a:t>
-            </a:r>
-            <a:r>
-              <a:rPr lang="en-GB" sz="2800" i="1" dirty="0" smtClean="0">
-                <a:solidFill>
-                  <a:srgbClr val="00B050"/>
-                </a:solidFill>
-              </a:rPr>
-              <a:t>=10)</a:t>
-            </a:r>
-          </a:p>
-          <a:p>
-            <a:pPr marL="800100" lvl="1" indent="-342900">
-              <a:buFont typeface="Arial" panose="020B0604020202020204" pitchFamily="34" charset="0"/>
-              <a:buChar char="•"/>
-            </a:pPr>
-            <a:r>
-              <a:rPr lang="en-GB" sz="2800" i="1" dirty="0" err="1" smtClean="0">
-                <a:solidFill>
-                  <a:srgbClr val="00B050"/>
-                </a:solidFill>
-              </a:rPr>
-              <a:t>g.waitfor</a:t>
-            </a:r>
-            <a:r>
-              <a:rPr lang="en-GB" sz="2800" i="1" dirty="0" smtClean="0">
-                <a:solidFill>
-                  <a:srgbClr val="00B050"/>
-                </a:solidFill>
-              </a:rPr>
-              <a:t>(block</a:t>
-            </a:r>
-            <a:r>
-              <a:rPr lang="en-GB" sz="2800" i="1" dirty="0">
-                <a:solidFill>
-                  <a:srgbClr val="00B050"/>
-                </a:solidFill>
-              </a:rPr>
-              <a:t>="MY_BLOCK", </a:t>
-            </a:r>
-            <a:r>
-              <a:rPr lang="en-GB" sz="2800" i="1" dirty="0" err="1" smtClean="0">
-                <a:solidFill>
-                  <a:srgbClr val="00B050"/>
-                </a:solidFill>
-              </a:rPr>
-              <a:t>lowlimit</a:t>
-            </a:r>
-            <a:r>
-              <a:rPr lang="en-GB" sz="2800" i="1" dirty="0" smtClean="0">
-                <a:solidFill>
-                  <a:srgbClr val="00B050"/>
-                </a:solidFill>
-              </a:rPr>
-              <a:t>=10)</a:t>
-            </a:r>
-            <a:endParaRPr lang="en-GB" sz="2800" dirty="0">
+            <a:endParaRPr lang="en-GB" sz="2400" dirty="0">
               <a:solidFill>
                 <a:srgbClr val="00B050"/>
               </a:solidFill>
@@ -17684,6 +17235,21 @@
 </file>
 
 <file path=customXml/item1.xml><?xml version="1.0" encoding="utf-8"?>
+<?mso-contentType ?>
+<FormTemplates xmlns="http://schemas.microsoft.com/sharepoint/v3/contenttype/forms">
+  <Display>DocumentLibraryForm</Display>
+  <Edit>DocumentLibraryForm</Edit>
+  <New>DocumentLibraryForm</New>
+</FormTemplates>
+</file>
+
+<file path=customXml/item2.xml><?xml version="1.0" encoding="utf-8"?>
+<p:properties xmlns:p="http://schemas.microsoft.com/office/2006/metadata/properties" xmlns:xsi="http://www.w3.org/2001/XMLSchema-instance" xmlns:pc="http://schemas.microsoft.com/office/infopath/2007/PartnerControls">
+  <documentManagement/>
+</p:properties>
+</file>
+
+<file path=customXml/item3.xml><?xml version="1.0" encoding="utf-8"?>
 <ct:contentTypeSchema xmlns:ct="http://schemas.microsoft.com/office/2006/metadata/contentType" xmlns:ma="http://schemas.microsoft.com/office/2006/metadata/properties/metaAttributes" ct:_="" ma:_="" ma:contentTypeName="Document" ma:contentTypeID="0x010100D8BDAAA291872E4C9CBDBAE9DC1F214B" ma:contentTypeVersion="0" ma:contentTypeDescription="Create a new document." ma:contentTypeScope="" ma:versionID="37718d931242bc0231cb88c3dc8184c7">
   <xsd:schema xmlns:xsd="http://www.w3.org/2001/XMLSchema" xmlns:xs="http://www.w3.org/2001/XMLSchema" xmlns:p="http://schemas.microsoft.com/office/2006/metadata/properties" targetNamespace="http://schemas.microsoft.com/office/2006/metadata/properties" ma:root="true" ma:fieldsID="8022916f55ab85163ee9a5069dec31d5">
     <xsd:element name="properties">
@@ -17797,33 +17363,10 @@
 </ct:contentTypeSchema>
 </file>
 
-<file path=customXml/item2.xml><?xml version="1.0" encoding="utf-8"?>
-<p:properties xmlns:p="http://schemas.microsoft.com/office/2006/metadata/properties" xmlns:xsi="http://www.w3.org/2001/XMLSchema-instance" xmlns:pc="http://schemas.microsoft.com/office/infopath/2007/PartnerControls">
-  <documentManagement/>
-</p:properties>
-</file>
-
-<file path=customXml/item3.xml><?xml version="1.0" encoding="utf-8"?>
-<?mso-contentType ?>
-<FormTemplates xmlns="http://schemas.microsoft.com/sharepoint/v3/contenttype/forms">
-  <Display>DocumentLibraryForm</Display>
-  <Edit>DocumentLibraryForm</Edit>
-  <New>DocumentLibraryForm</New>
-</FormTemplates>
-</file>
-
 <file path=customXml/itemProps1.xml><?xml version="1.0" encoding="utf-8"?>
-<ds:datastoreItem xmlns:ds="http://schemas.openxmlformats.org/officeDocument/2006/customXml" ds:itemID="{DD040A56-8D6F-4114-A272-42AE3B7D7ECA}">
+<ds:datastoreItem xmlns:ds="http://schemas.openxmlformats.org/officeDocument/2006/customXml" ds:itemID="{1D176834-956F-4505-BD61-698C091AD5AA}">
   <ds:schemaRefs>
-    <ds:schemaRef ds:uri="http://schemas.microsoft.com/office/2006/metadata/contentType"/>
-    <ds:schemaRef ds:uri="http://schemas.microsoft.com/office/2006/metadata/properties/metaAttributes"/>
-    <ds:schemaRef ds:uri="http://www.w3.org/2001/XMLSchema"/>
-    <ds:schemaRef ds:uri="http://schemas.microsoft.com/office/2006/metadata/properties"/>
-    <ds:schemaRef ds:uri="http://schemas.openxmlformats.org/package/2006/metadata/core-properties"/>
-    <ds:schemaRef ds:uri="http://purl.org/dc/elements/1.1/"/>
-    <ds:schemaRef ds:uri="http://purl.org/dc/terms/"/>
-    <ds:schemaRef ds:uri="http://schemas.microsoft.com/internal/obd"/>
-    <ds:schemaRef ds:uri="http://schemas.microsoft.com/office/infopath/2007/PartnerControls"/>
+    <ds:schemaRef ds:uri="http://schemas.microsoft.com/sharepoint/v3/contenttype/forms"/>
   </ds:schemaRefs>
 </ds:datastoreItem>
 </file>
@@ -17844,9 +17387,17 @@
 </file>
 
 <file path=customXml/itemProps3.xml><?xml version="1.0" encoding="utf-8"?>
-<ds:datastoreItem xmlns:ds="http://schemas.openxmlformats.org/officeDocument/2006/customXml" ds:itemID="{1D176834-956F-4505-BD61-698C091AD5AA}">
+<ds:datastoreItem xmlns:ds="http://schemas.openxmlformats.org/officeDocument/2006/customXml" ds:itemID="{DD040A56-8D6F-4114-A272-42AE3B7D7ECA}">
   <ds:schemaRefs>
-    <ds:schemaRef ds:uri="http://schemas.microsoft.com/sharepoint/v3/contenttype/forms"/>
+    <ds:schemaRef ds:uri="http://schemas.microsoft.com/office/2006/metadata/contentType"/>
+    <ds:schemaRef ds:uri="http://schemas.microsoft.com/office/2006/metadata/properties/metaAttributes"/>
+    <ds:schemaRef ds:uri="http://www.w3.org/2001/XMLSchema"/>
+    <ds:schemaRef ds:uri="http://schemas.microsoft.com/office/2006/metadata/properties"/>
+    <ds:schemaRef ds:uri="http://schemas.openxmlformats.org/package/2006/metadata/core-properties"/>
+    <ds:schemaRef ds:uri="http://purl.org/dc/elements/1.1/"/>
+    <ds:schemaRef ds:uri="http://purl.org/dc/terms/"/>
+    <ds:schemaRef ds:uri="http://schemas.microsoft.com/internal/obd"/>
+    <ds:schemaRef ds:uri="http://schemas.microsoft.com/office/infopath/2007/PartnerControls"/>
   </ds:schemaRefs>
 </ds:datastoreItem>
 </file>
--- a/genie_python_and_ibex/genie_python_and_ibex.pptx
+++ b/genie_python_and_ibex/genie_python_and_ibex.pptx
@@ -5,7 +5,7 @@
     <p:sldMasterId id="2147483648" r:id="rId4"/>
   </p:sldMasterIdLst>
   <p:notesMasterIdLst>
-    <p:notesMasterId r:id="rId38"/>
+    <p:notesMasterId r:id="rId37"/>
   </p:notesMasterIdLst>
   <p:sldIdLst>
     <p:sldId id="299" r:id="rId5"/>
@@ -14,33 +14,32 @@
     <p:sldId id="287" r:id="rId8"/>
     <p:sldId id="288" r:id="rId9"/>
     <p:sldId id="300" r:id="rId10"/>
-    <p:sldId id="301" r:id="rId11"/>
-    <p:sldId id="302" r:id="rId12"/>
-    <p:sldId id="303" r:id="rId13"/>
-    <p:sldId id="305" r:id="rId14"/>
-    <p:sldId id="306" r:id="rId15"/>
-    <p:sldId id="307" r:id="rId16"/>
-    <p:sldId id="308" r:id="rId17"/>
-    <p:sldId id="309" r:id="rId18"/>
-    <p:sldId id="310" r:id="rId19"/>
-    <p:sldId id="311" r:id="rId20"/>
-    <p:sldId id="312" r:id="rId21"/>
-    <p:sldId id="313" r:id="rId22"/>
-    <p:sldId id="314" r:id="rId23"/>
-    <p:sldId id="315" r:id="rId24"/>
-    <p:sldId id="316" r:id="rId25"/>
-    <p:sldId id="317" r:id="rId26"/>
-    <p:sldId id="318" r:id="rId27"/>
-    <p:sldId id="319" r:id="rId28"/>
-    <p:sldId id="321" r:id="rId29"/>
-    <p:sldId id="322" r:id="rId30"/>
-    <p:sldId id="323" r:id="rId31"/>
-    <p:sldId id="324" r:id="rId32"/>
-    <p:sldId id="325" r:id="rId33"/>
-    <p:sldId id="326" r:id="rId34"/>
-    <p:sldId id="327" r:id="rId35"/>
-    <p:sldId id="328" r:id="rId36"/>
-    <p:sldId id="272" r:id="rId37"/>
+    <p:sldId id="302" r:id="rId11"/>
+    <p:sldId id="303" r:id="rId12"/>
+    <p:sldId id="305" r:id="rId13"/>
+    <p:sldId id="306" r:id="rId14"/>
+    <p:sldId id="307" r:id="rId15"/>
+    <p:sldId id="308" r:id="rId16"/>
+    <p:sldId id="309" r:id="rId17"/>
+    <p:sldId id="310" r:id="rId18"/>
+    <p:sldId id="311" r:id="rId19"/>
+    <p:sldId id="312" r:id="rId20"/>
+    <p:sldId id="313" r:id="rId21"/>
+    <p:sldId id="314" r:id="rId22"/>
+    <p:sldId id="315" r:id="rId23"/>
+    <p:sldId id="316" r:id="rId24"/>
+    <p:sldId id="317" r:id="rId25"/>
+    <p:sldId id="318" r:id="rId26"/>
+    <p:sldId id="319" r:id="rId27"/>
+    <p:sldId id="321" r:id="rId28"/>
+    <p:sldId id="322" r:id="rId29"/>
+    <p:sldId id="323" r:id="rId30"/>
+    <p:sldId id="324" r:id="rId31"/>
+    <p:sldId id="325" r:id="rId32"/>
+    <p:sldId id="326" r:id="rId33"/>
+    <p:sldId id="327" r:id="rId34"/>
+    <p:sldId id="328" r:id="rId35"/>
+    <p:sldId id="272" r:id="rId36"/>
   </p:sldIdLst>
   <p:sldSz cx="9144000" cy="6858000" type="screen4x3"/>
   <p:notesSz cx="6858000" cy="9144000"/>
@@ -650,10 +649,36 @@
           <a:bodyPr/>
           <a:lstStyle/>
           <a:p>
-            <a:pPr marL="0" indent="0">
+            <a:pPr marL="171450" indent="-171450">
               <a:buFontTx/>
-              <a:buNone/>
-            </a:pPr>
+              <a:buChar char="-"/>
+            </a:pPr>
+            <a:r>
+              <a:rPr lang="en-GB" dirty="0" smtClean="0"/>
+              <a:t>Get the attendees</a:t>
+            </a:r>
+            <a:r>
+              <a:rPr lang="en-GB" baseline="0" dirty="0" smtClean="0"/>
+              <a:t> to put the script in via the terminal</a:t>
+            </a:r>
+          </a:p>
+          <a:p>
+            <a:pPr marL="171450" indent="-171450">
+              <a:buFontTx/>
+              <a:buChar char="-"/>
+            </a:pPr>
+            <a:r>
+              <a:rPr lang="en-GB" baseline="0" dirty="0" smtClean="0"/>
+              <a:t>They’ll need to put something token in place of </a:t>
+            </a:r>
+            <a:r>
+              <a:rPr lang="en-GB" baseline="0" dirty="0" err="1" smtClean="0"/>
+              <a:t>do_experimental_stuff</a:t>
+            </a:r>
+            <a:r>
+              <a:rPr lang="en-GB" baseline="0" dirty="0" smtClean="0"/>
+              <a:t>()</a:t>
+            </a:r>
             <a:endParaRPr lang="en-GB" dirty="0" smtClean="0"/>
           </a:p>
         </p:txBody>
@@ -742,32 +767,6 @@
               <a:buFontTx/>
               <a:buChar char="-"/>
             </a:pPr>
-            <a:r>
-              <a:rPr lang="en-GB" dirty="0" smtClean="0"/>
-              <a:t>Get the attendees</a:t>
-            </a:r>
-            <a:r>
-              <a:rPr lang="en-GB" baseline="0" dirty="0" smtClean="0"/>
-              <a:t> to put the script in via the terminal</a:t>
-            </a:r>
-          </a:p>
-          <a:p>
-            <a:pPr marL="171450" indent="-171450">
-              <a:buFontTx/>
-              <a:buChar char="-"/>
-            </a:pPr>
-            <a:r>
-              <a:rPr lang="en-GB" baseline="0" dirty="0" smtClean="0"/>
-              <a:t>They’ll need to put something token in place of </a:t>
-            </a:r>
-            <a:r>
-              <a:rPr lang="en-GB" baseline="0" dirty="0" err="1" smtClean="0"/>
-              <a:t>do_experimental_stuff</a:t>
-            </a:r>
-            <a:r>
-              <a:rPr lang="en-GB" baseline="0" dirty="0" smtClean="0"/>
-              <a:t>()</a:t>
-            </a:r>
             <a:endParaRPr lang="en-GB" dirty="0" smtClean="0"/>
           </a:p>
         </p:txBody>
@@ -856,6 +855,32 @@
               <a:buFontTx/>
               <a:buChar char="-"/>
             </a:pPr>
+            <a:r>
+              <a:rPr lang="en-GB" dirty="0" smtClean="0"/>
+              <a:t>Get the attendees</a:t>
+            </a:r>
+            <a:r>
+              <a:rPr lang="en-GB" baseline="0" dirty="0" smtClean="0"/>
+              <a:t> to put the script in via the terminal</a:t>
+            </a:r>
+          </a:p>
+          <a:p>
+            <a:pPr marL="171450" indent="-171450">
+              <a:buFontTx/>
+              <a:buChar char="-"/>
+            </a:pPr>
+            <a:r>
+              <a:rPr lang="en-GB" baseline="0" dirty="0" smtClean="0"/>
+              <a:t>They’ll need to put something token in place of </a:t>
+            </a:r>
+            <a:r>
+              <a:rPr lang="en-GB" baseline="0" dirty="0" err="1" smtClean="0"/>
+              <a:t>do_experimental_stuff</a:t>
+            </a:r>
+            <a:r>
+              <a:rPr lang="en-GB" baseline="0" dirty="0" smtClean="0"/>
+              <a:t>()</a:t>
+            </a:r>
             <a:endParaRPr lang="en-GB" dirty="0" smtClean="0"/>
           </a:p>
         </p:txBody>
@@ -944,32 +969,6 @@
               <a:buFontTx/>
               <a:buChar char="-"/>
             </a:pPr>
-            <a:r>
-              <a:rPr lang="en-GB" dirty="0" smtClean="0"/>
-              <a:t>Get the attendees</a:t>
-            </a:r>
-            <a:r>
-              <a:rPr lang="en-GB" baseline="0" dirty="0" smtClean="0"/>
-              <a:t> to put the script in via the terminal</a:t>
-            </a:r>
-          </a:p>
-          <a:p>
-            <a:pPr marL="171450" indent="-171450">
-              <a:buFontTx/>
-              <a:buChar char="-"/>
-            </a:pPr>
-            <a:r>
-              <a:rPr lang="en-GB" baseline="0" dirty="0" smtClean="0"/>
-              <a:t>They’ll need to put something token in place of </a:t>
-            </a:r>
-            <a:r>
-              <a:rPr lang="en-GB" baseline="0" dirty="0" err="1" smtClean="0"/>
-              <a:t>do_experimental_stuff</a:t>
-            </a:r>
-            <a:r>
-              <a:rPr lang="en-GB" baseline="0" dirty="0" smtClean="0"/>
-              <a:t>()</a:t>
-            </a:r>
             <a:endParaRPr lang="en-GB" dirty="0" smtClean="0"/>
           </a:p>
         </p:txBody>
@@ -1058,6 +1057,22 @@
               <a:buFontTx/>
               <a:buChar char="-"/>
             </a:pPr>
+            <a:r>
+              <a:rPr lang="en-GB" dirty="0" smtClean="0"/>
+              <a:t>Use auto-complete or </a:t>
+            </a:r>
+            <a:r>
+              <a:rPr lang="en-GB" dirty="0" err="1" smtClean="0"/>
+              <a:t>genie_python</a:t>
+            </a:r>
+            <a:r>
+              <a:rPr lang="en-GB" dirty="0" smtClean="0"/>
+              <a:t> reference manual to look up</a:t>
+            </a:r>
+            <a:r>
+              <a:rPr lang="en-GB" baseline="0" dirty="0" smtClean="0"/>
+              <a:t> change commands</a:t>
+            </a:r>
             <a:endParaRPr lang="en-GB" dirty="0" smtClean="0"/>
           </a:p>
         </p:txBody>
@@ -1142,27 +1157,436 @@
           <a:bodyPr/>
           <a:lstStyle/>
           <a:p>
-            <a:pPr marL="171450" indent="-171450">
+            <a:pPr marL="0" indent="0">
               <a:buFontTx/>
-              <a:buChar char="-"/>
-            </a:pPr>
-            <a:r>
-              <a:rPr lang="en-GB" dirty="0" smtClean="0"/>
-              <a:t>Use auto-complete or </a:t>
-            </a:r>
+              <a:buNone/>
+            </a:pPr>
+            <a:r>
+              <a:rPr lang="en-GB" sz="1200" b="0" i="0" kern="1200" dirty="0" err="1" smtClean="0">
+                <a:solidFill>
+                  <a:schemeClr val="tx1"/>
+                </a:solidFill>
+                <a:effectLst/>
+                <a:latin typeface="+mn-lt"/>
+                <a:ea typeface="+mn-ea"/>
+                <a:cs typeface="+mn-cs"/>
+              </a:rPr>
+              <a:t>g.change_title</a:t>
+            </a:r>
+            <a:r>
+              <a:rPr lang="en-GB" sz="1200" b="0" i="0" kern="1200" dirty="0" smtClean="0">
+                <a:solidFill>
+                  <a:schemeClr val="tx1"/>
+                </a:solidFill>
+                <a:effectLst/>
+                <a:latin typeface="+mn-lt"/>
+                <a:ea typeface="+mn-ea"/>
+                <a:cs typeface="+mn-cs"/>
+              </a:rPr>
+              <a:t>("Exercise 2")</a:t>
+            </a:r>
+          </a:p>
+          <a:p>
+            <a:pPr marL="0" indent="0">
+              <a:buFontTx/>
+              <a:buNone/>
+            </a:pPr>
+            <a:endParaRPr lang="en-GB" sz="1200" b="0" i="0" kern="1200" dirty="0" smtClean="0">
+              <a:solidFill>
+                <a:schemeClr val="tx1"/>
+              </a:solidFill>
+              <a:effectLst/>
+              <a:latin typeface="+mn-lt"/>
+              <a:ea typeface="+mn-ea"/>
+              <a:cs typeface="+mn-cs"/>
+            </a:endParaRPr>
+          </a:p>
+          <a:p>
+            <a:pPr marL="0" indent="0">
+              <a:buFontTx/>
+              <a:buNone/>
+            </a:pPr>
             <a:r>
               <a:rPr lang="en-GB" dirty="0" err="1" smtClean="0"/>
-              <a:t>genie_python</a:t>
-            </a:r>
-            <a:r>
-              <a:rPr lang="en-GB" dirty="0" smtClean="0"/>
-              <a:t> reference manual to look up</a:t>
+              <a:t>g.begin</a:t>
+            </a:r>
+            <a:r>
+              <a:rPr lang="en-GB" dirty="0" smtClean="0"/>
+              <a:t>() </a:t>
+            </a:r>
+          </a:p>
+          <a:p>
+            <a:pPr marL="0" indent="0">
+              <a:buFontTx/>
+              <a:buNone/>
+            </a:pPr>
+            <a:r>
+              <a:rPr lang="en-GB" dirty="0" err="1" smtClean="0"/>
+              <a:t>g.waitfor</a:t>
+            </a:r>
+            <a:r>
+              <a:rPr lang="en-GB" dirty="0" smtClean="0"/>
+              <a:t>(</a:t>
+            </a:r>
+            <a:r>
+              <a:rPr lang="en-GB" dirty="0" err="1" smtClean="0"/>
+              <a:t>uamps</a:t>
+            </a:r>
+            <a:r>
+              <a:rPr lang="en-GB" dirty="0" smtClean="0"/>
+              <a:t>=1, </a:t>
+            </a:r>
+            <a:r>
+              <a:rPr lang="en-GB" dirty="0" err="1" smtClean="0"/>
+              <a:t>max_wait</a:t>
+            </a:r>
+            <a:r>
+              <a:rPr lang="en-GB" dirty="0" smtClean="0"/>
+              <a:t>=10) </a:t>
+            </a:r>
+          </a:p>
+          <a:p>
+            <a:pPr marL="0" indent="0">
+              <a:buFontTx/>
+              <a:buNone/>
+            </a:pPr>
+            <a:r>
+              <a:rPr lang="en-GB" dirty="0" err="1" smtClean="0"/>
+              <a:t>g.pause</a:t>
+            </a:r>
+            <a:r>
+              <a:rPr lang="en-GB" dirty="0" smtClean="0"/>
+              <a:t>()</a:t>
+            </a:r>
+          </a:p>
+          <a:p>
+            <a:pPr marL="0" indent="0">
+              <a:buFontTx/>
+              <a:buNone/>
+            </a:pPr>
+            <a:endParaRPr lang="en-GB" dirty="0" smtClean="0"/>
+          </a:p>
+          <a:p>
+            <a:pPr marL="0" indent="0">
+              <a:buFontTx/>
+              <a:buNone/>
+            </a:pPr>
+            <a:r>
+              <a:rPr lang="en-GB" dirty="0" err="1" smtClean="0"/>
+              <a:t>g.cset</a:t>
+            </a:r>
+            <a:r>
+              <a:rPr lang="en-GB" dirty="0" smtClean="0"/>
+              <a:t>("MY_BLOCK", 5, </a:t>
+            </a:r>
+            <a:r>
+              <a:rPr lang="en-GB" dirty="0" err="1" smtClean="0"/>
+              <a:t>lowlimit</a:t>
+            </a:r>
+            <a:r>
+              <a:rPr lang="en-GB" dirty="0" smtClean="0"/>
+              <a:t>=1, </a:t>
+            </a:r>
+            <a:r>
+              <a:rPr lang="en-GB" dirty="0" err="1" smtClean="0"/>
+              <a:t>highlimit</a:t>
+            </a:r>
+            <a:r>
+              <a:rPr lang="en-GB" dirty="0" smtClean="0"/>
+              <a:t>=10, </a:t>
+            </a:r>
+            <a:r>
+              <a:rPr lang="en-GB" dirty="0" err="1" smtClean="0"/>
+              <a:t>runcontrol</a:t>
+            </a:r>
+            <a:r>
+              <a:rPr lang="en-GB" dirty="0" smtClean="0"/>
+              <a:t>=True)</a:t>
+            </a:r>
+          </a:p>
+          <a:p>
+            <a:pPr marL="0" indent="0">
+              <a:buFontTx/>
+              <a:buNone/>
+            </a:pPr>
+            <a:endParaRPr lang="en-GB" dirty="0" smtClean="0"/>
+          </a:p>
+          <a:p>
+            <a:pPr marL="0" indent="0">
+              <a:buFontTx/>
+              <a:buNone/>
+            </a:pPr>
+            <a:r>
+              <a:rPr lang="en-GB" dirty="0" err="1" smtClean="0"/>
+              <a:t>g.resume</a:t>
+            </a:r>
+            <a:r>
+              <a:rPr lang="en-GB" dirty="0" smtClean="0"/>
+              <a:t>()</a:t>
+            </a:r>
+          </a:p>
+          <a:p>
+            <a:pPr marL="0" indent="0">
+              <a:buFontTx/>
+              <a:buNone/>
+            </a:pPr>
+            <a:endParaRPr lang="en-GB" dirty="0" smtClean="0"/>
+          </a:p>
+          <a:p>
+            <a:pPr marL="0" indent="0">
+              <a:buFontTx/>
+              <a:buNone/>
+            </a:pPr>
+            <a:r>
+              <a:rPr lang="en-GB" dirty="0" err="1" smtClean="0"/>
+              <a:t>g.cset</a:t>
+            </a:r>
+            <a:r>
+              <a:rPr lang="en-GB" dirty="0" smtClean="0"/>
+              <a:t>(MY_BLOCK=20) </a:t>
+            </a:r>
+          </a:p>
+          <a:p>
+            <a:pPr marL="0" indent="0">
+              <a:buFontTx/>
+              <a:buNone/>
+            </a:pPr>
+            <a:endParaRPr lang="en-GB" dirty="0" smtClean="0"/>
+          </a:p>
+          <a:p>
+            <a:pPr marL="0" marR="0" indent="0" algn="l" defTabSz="914400" rtl="0" eaLnBrk="1" fontAlgn="auto" latinLnBrk="0" hangingPunct="1">
+              <a:lnSpc>
+                <a:spcPct val="100000"/>
+              </a:lnSpc>
+              <a:spcBef>
+                <a:spcPts val="0"/>
+              </a:spcBef>
+              <a:spcAft>
+                <a:spcPts val="0"/>
+              </a:spcAft>
+              <a:buClrTx/>
+              <a:buSzTx/>
+              <a:buFontTx/>
+              <a:buNone/>
+              <a:tabLst/>
+              <a:defRPr/>
+            </a:pPr>
+            <a:r>
+              <a:rPr lang="en-GB" dirty="0" smtClean="0"/>
+              <a:t>print</a:t>
             </a:r>
             <a:r>
               <a:rPr lang="en-GB" baseline="0" dirty="0" smtClean="0"/>
-              <a:t> change commands</a:t>
-            </a:r>
+              <a:t> </a:t>
+            </a:r>
+            <a:r>
+              <a:rPr lang="en-GB" dirty="0" smtClean="0"/>
+              <a:t>"The instrument {0} </a:t>
+            </a:r>
+            <a:r>
+              <a:rPr lang="en-GB" dirty="0" err="1" smtClean="0"/>
+              <a:t>waiting“.format</a:t>
+            </a:r>
+            <a:r>
+              <a:rPr lang="en-GB" dirty="0" smtClean="0"/>
+              <a:t>(“is” if </a:t>
+            </a:r>
+            <a:r>
+              <a:rPr lang="en-GB" dirty="0" err="1" smtClean="0"/>
+              <a:t>g.get_runstate</a:t>
+            </a:r>
+            <a:r>
+              <a:rPr lang="en-GB" dirty="0" smtClean="0"/>
+              <a:t>()=="WAITING“</a:t>
+            </a:r>
+            <a:r>
+              <a:rPr lang="en-GB" baseline="0" dirty="0" smtClean="0"/>
+              <a:t> else “is not”)</a:t>
+            </a:r>
+          </a:p>
+          <a:p>
+            <a:pPr marL="0" marR="0" indent="0" algn="l" defTabSz="914400" rtl="0" eaLnBrk="1" fontAlgn="auto" latinLnBrk="0" hangingPunct="1">
+              <a:lnSpc>
+                <a:spcPct val="100000"/>
+              </a:lnSpc>
+              <a:spcBef>
+                <a:spcPts val="0"/>
+              </a:spcBef>
+              <a:spcAft>
+                <a:spcPts val="0"/>
+              </a:spcAft>
+              <a:buClrTx/>
+              <a:buSzTx/>
+              <a:buFontTx/>
+              <a:buNone/>
+              <a:tabLst/>
+              <a:defRPr/>
+            </a:pPr>
+            <a:endParaRPr lang="en-GB" baseline="0" dirty="0" smtClean="0"/>
+          </a:p>
+          <a:p>
+            <a:pPr marL="0" marR="0" indent="0" algn="l" defTabSz="914400" rtl="0" eaLnBrk="1" fontAlgn="auto" latinLnBrk="0" hangingPunct="1">
+              <a:lnSpc>
+                <a:spcPct val="100000"/>
+              </a:lnSpc>
+              <a:spcBef>
+                <a:spcPts val="0"/>
+              </a:spcBef>
+              <a:spcAft>
+                <a:spcPts val="0"/>
+              </a:spcAft>
+              <a:buClrTx/>
+              <a:buSzTx/>
+              <a:buFontTx/>
+              <a:buNone/>
+              <a:tabLst/>
+              <a:defRPr/>
+            </a:pPr>
+            <a:r>
+              <a:rPr lang="en-GB" dirty="0" smtClean="0"/>
+              <a:t>for </a:t>
+            </a:r>
+            <a:r>
+              <a:rPr lang="en-GB" dirty="0" err="1" smtClean="0"/>
+              <a:t>i</a:t>
+            </a:r>
+            <a:r>
+              <a:rPr lang="en-GB" dirty="0" smtClean="0"/>
+              <a:t> in range(</a:t>
+            </a:r>
+            <a:r>
+              <a:rPr lang="en-GB" dirty="0" err="1" smtClean="0"/>
+              <a:t>int</a:t>
+            </a:r>
+            <a:r>
+              <a:rPr lang="en-GB" dirty="0" smtClean="0"/>
+              <a:t>(</a:t>
+            </a:r>
+            <a:r>
+              <a:rPr lang="en-GB" dirty="0" err="1" smtClean="0"/>
+              <a:t>g.cget</a:t>
+            </a:r>
+            <a:r>
+              <a:rPr lang="en-GB" dirty="0" smtClean="0"/>
+              <a:t>("MY_BLOCK")['value']), 4, -1): </a:t>
+            </a:r>
+          </a:p>
+          <a:p>
+            <a:pPr marL="0" marR="0" indent="0" algn="l" defTabSz="914400" rtl="0" eaLnBrk="1" fontAlgn="auto" latinLnBrk="0" hangingPunct="1">
+              <a:lnSpc>
+                <a:spcPct val="100000"/>
+              </a:lnSpc>
+              <a:spcBef>
+                <a:spcPts val="0"/>
+              </a:spcBef>
+              <a:spcAft>
+                <a:spcPts val="0"/>
+              </a:spcAft>
+              <a:buClrTx/>
+              <a:buSzTx/>
+              <a:buFontTx/>
+              <a:buNone/>
+              <a:tabLst/>
+              <a:defRPr/>
+            </a:pPr>
+            <a:r>
+              <a:rPr lang="en-GB" dirty="0" smtClean="0"/>
+              <a:t>	</a:t>
+            </a:r>
+            <a:r>
+              <a:rPr lang="en-GB" dirty="0" err="1" smtClean="0"/>
+              <a:t>g.cset</a:t>
+            </a:r>
+            <a:r>
+              <a:rPr lang="en-GB" dirty="0" smtClean="0"/>
+              <a:t>(MY_BLOCK=</a:t>
+            </a:r>
+            <a:r>
+              <a:rPr lang="en-GB" dirty="0" err="1" smtClean="0"/>
+              <a:t>i</a:t>
+            </a:r>
+            <a:r>
+              <a:rPr lang="en-GB" dirty="0" smtClean="0"/>
+              <a:t>) </a:t>
+            </a:r>
+          </a:p>
+          <a:p>
+            <a:pPr marL="0" marR="0" indent="0" algn="l" defTabSz="914400" rtl="0" eaLnBrk="1" fontAlgn="auto" latinLnBrk="0" hangingPunct="1">
+              <a:lnSpc>
+                <a:spcPct val="100000"/>
+              </a:lnSpc>
+              <a:spcBef>
+                <a:spcPts val="0"/>
+              </a:spcBef>
+              <a:spcAft>
+                <a:spcPts val="0"/>
+              </a:spcAft>
+              <a:buClrTx/>
+              <a:buSzTx/>
+              <a:buFontTx/>
+              <a:buNone/>
+              <a:tabLst/>
+              <a:defRPr/>
+            </a:pPr>
+            <a:r>
+              <a:rPr lang="en-GB" dirty="0" smtClean="0"/>
+              <a:t>	</a:t>
+            </a:r>
+            <a:r>
+              <a:rPr lang="en-GB" dirty="0" err="1" smtClean="0"/>
+              <a:t>g.waitfor</a:t>
+            </a:r>
+            <a:r>
+              <a:rPr lang="en-GB" dirty="0" smtClean="0"/>
+              <a:t>(seconds=1)</a:t>
+            </a:r>
+          </a:p>
+          <a:p>
+            <a:pPr marL="0" marR="0" indent="0" algn="l" defTabSz="914400" rtl="0" eaLnBrk="1" fontAlgn="auto" latinLnBrk="0" hangingPunct="1">
+              <a:lnSpc>
+                <a:spcPct val="100000"/>
+              </a:lnSpc>
+              <a:spcBef>
+                <a:spcPts val="0"/>
+              </a:spcBef>
+              <a:spcAft>
+                <a:spcPts val="0"/>
+              </a:spcAft>
+              <a:buClrTx/>
+              <a:buSzTx/>
+              <a:buFontTx/>
+              <a:buNone/>
+              <a:tabLst/>
+              <a:defRPr/>
+            </a:pPr>
             <a:endParaRPr lang="en-GB" dirty="0" smtClean="0"/>
+          </a:p>
+          <a:p>
+            <a:pPr marL="0" marR="0" indent="0" algn="l" defTabSz="914400" rtl="0" eaLnBrk="1" fontAlgn="auto" latinLnBrk="0" hangingPunct="1">
+              <a:lnSpc>
+                <a:spcPct val="100000"/>
+              </a:lnSpc>
+              <a:spcBef>
+                <a:spcPts val="0"/>
+              </a:spcBef>
+              <a:spcAft>
+                <a:spcPts val="0"/>
+              </a:spcAft>
+              <a:buClrTx/>
+              <a:buSzTx/>
+              <a:buFontTx/>
+              <a:buNone/>
+              <a:tabLst/>
+              <a:defRPr/>
+            </a:pPr>
+            <a:r>
+              <a:rPr lang="en-GB" dirty="0" err="1" smtClean="0"/>
+              <a:t>g.end</a:t>
+            </a:r>
+            <a:r>
+              <a:rPr lang="en-GB" dirty="0" smtClean="0"/>
+              <a:t>()</a:t>
+            </a:r>
           </a:p>
         </p:txBody>
       </p:sp>
@@ -1246,12 +1670,12 @@
           <a:bodyPr/>
           <a:lstStyle/>
           <a:p>
-            <a:pPr marL="0" indent="0">
+            <a:pPr marL="171450" indent="-171450">
               <a:buFontTx/>
-              <a:buNone/>
-            </a:pPr>
-            <a:r>
-              <a:rPr lang="en-GB" sz="1200" b="0" i="0" kern="1200" dirty="0" err="1" smtClean="0">
+              <a:buChar char="-"/>
+            </a:pPr>
+            <a:r>
+              <a:rPr lang="en-GB" sz="1200" b="0" i="0" kern="1200" dirty="0" smtClean="0">
                 <a:solidFill>
                   <a:schemeClr val="tx1"/>
                 </a:solidFill>
@@ -1260,10 +1684,10 @@
                 <a:ea typeface="+mn-ea"/>
                 <a:cs typeface="+mn-cs"/>
               </a:rPr>
-              <a:t>g.change_title</a:t>
-            </a:r>
-            <a:r>
-              <a:rPr lang="en-GB" sz="1200" b="0" i="0" kern="1200" dirty="0" smtClean="0">
+              <a:t>Explain what it means for scripts to be under version</a:t>
+            </a:r>
+            <a:r>
+              <a:rPr lang="en-GB" sz="1200" b="0" i="0" kern="1200" baseline="0" dirty="0" smtClean="0">
                 <a:solidFill>
                   <a:schemeClr val="tx1"/>
                 </a:solidFill>
@@ -1272,178 +1696,11 @@
                 <a:ea typeface="+mn-ea"/>
                 <a:cs typeface="+mn-cs"/>
               </a:rPr>
-              <a:t>("Exercise 2")</a:t>
-            </a:r>
-          </a:p>
-          <a:p>
-            <a:pPr marL="0" indent="0">
-              <a:buFontTx/>
-              <a:buNone/>
-            </a:pPr>
-            <a:endParaRPr lang="en-GB" sz="1200" b="0" i="0" kern="1200" dirty="0" smtClean="0">
-              <a:solidFill>
-                <a:schemeClr val="tx1"/>
-              </a:solidFill>
-              <a:effectLst/>
-              <a:latin typeface="+mn-lt"/>
-              <a:ea typeface="+mn-ea"/>
-              <a:cs typeface="+mn-cs"/>
-            </a:endParaRPr>
-          </a:p>
-          <a:p>
-            <a:pPr marL="0" indent="0">
-              <a:buFontTx/>
-              <a:buNone/>
-            </a:pPr>
-            <a:r>
-              <a:rPr lang="en-GB" dirty="0" err="1" smtClean="0"/>
-              <a:t>g.begin</a:t>
-            </a:r>
-            <a:r>
-              <a:rPr lang="en-GB" dirty="0" smtClean="0"/>
-              <a:t>() </a:t>
-            </a:r>
-          </a:p>
-          <a:p>
-            <a:pPr marL="0" indent="0">
-              <a:buFontTx/>
-              <a:buNone/>
-            </a:pPr>
-            <a:r>
-              <a:rPr lang="en-GB" dirty="0" err="1" smtClean="0"/>
-              <a:t>g.waitfor</a:t>
-            </a:r>
-            <a:r>
-              <a:rPr lang="en-GB" dirty="0" smtClean="0"/>
-              <a:t>(</a:t>
-            </a:r>
-            <a:r>
-              <a:rPr lang="en-GB" dirty="0" err="1" smtClean="0"/>
-              <a:t>uamps</a:t>
-            </a:r>
-            <a:r>
-              <a:rPr lang="en-GB" dirty="0" smtClean="0"/>
-              <a:t>=1, </a:t>
-            </a:r>
-            <a:r>
-              <a:rPr lang="en-GB" dirty="0" err="1" smtClean="0"/>
-              <a:t>max_wait</a:t>
-            </a:r>
-            <a:r>
-              <a:rPr lang="en-GB" dirty="0" smtClean="0"/>
-              <a:t>=10) </a:t>
-            </a:r>
-          </a:p>
-          <a:p>
-            <a:pPr marL="0" indent="0">
-              <a:buFontTx/>
-              <a:buNone/>
-            </a:pPr>
-            <a:r>
-              <a:rPr lang="en-GB" dirty="0" err="1" smtClean="0"/>
-              <a:t>g.pause</a:t>
-            </a:r>
-            <a:r>
-              <a:rPr lang="en-GB" dirty="0" smtClean="0"/>
-              <a:t>()</a:t>
-            </a:r>
-          </a:p>
-          <a:p>
-            <a:pPr marL="0" indent="0">
-              <a:buFontTx/>
-              <a:buNone/>
-            </a:pPr>
-            <a:endParaRPr lang="en-GB" dirty="0" smtClean="0"/>
-          </a:p>
-          <a:p>
-            <a:pPr marL="0" indent="0">
-              <a:buFontTx/>
-              <a:buNone/>
-            </a:pPr>
-            <a:r>
-              <a:rPr lang="en-GB" dirty="0" err="1" smtClean="0"/>
-              <a:t>g.cset</a:t>
-            </a:r>
-            <a:r>
-              <a:rPr lang="en-GB" dirty="0" smtClean="0"/>
-              <a:t>("MY_BLOCK", 5, </a:t>
-            </a:r>
-            <a:r>
-              <a:rPr lang="en-GB" dirty="0" err="1" smtClean="0"/>
-              <a:t>lowlimit</a:t>
-            </a:r>
-            <a:r>
-              <a:rPr lang="en-GB" dirty="0" smtClean="0"/>
-              <a:t>=1, </a:t>
-            </a:r>
-            <a:r>
-              <a:rPr lang="en-GB" dirty="0" err="1" smtClean="0"/>
-              <a:t>highlimit</a:t>
-            </a:r>
-            <a:r>
-              <a:rPr lang="en-GB" dirty="0" smtClean="0"/>
-              <a:t>=10, </a:t>
-            </a:r>
-            <a:r>
-              <a:rPr lang="en-GB" dirty="0" err="1" smtClean="0"/>
-              <a:t>runcontrol</a:t>
-            </a:r>
-            <a:r>
-              <a:rPr lang="en-GB" dirty="0" smtClean="0"/>
-              <a:t>=True)</a:t>
-            </a:r>
-          </a:p>
-          <a:p>
-            <a:pPr marL="0" indent="0">
-              <a:buFontTx/>
-              <a:buNone/>
-            </a:pPr>
-            <a:endParaRPr lang="en-GB" dirty="0" smtClean="0"/>
-          </a:p>
-          <a:p>
-            <a:pPr marL="0" indent="0">
-              <a:buFontTx/>
-              <a:buNone/>
-            </a:pPr>
-            <a:r>
-              <a:rPr lang="en-GB" dirty="0" err="1" smtClean="0"/>
-              <a:t>g.resume</a:t>
-            </a:r>
-            <a:r>
-              <a:rPr lang="en-GB" dirty="0" smtClean="0"/>
-              <a:t>()</a:t>
-            </a:r>
-          </a:p>
-          <a:p>
-            <a:pPr marL="0" indent="0">
-              <a:buFontTx/>
-              <a:buNone/>
-            </a:pPr>
-            <a:endParaRPr lang="en-GB" dirty="0" smtClean="0"/>
-          </a:p>
-          <a:p>
-            <a:pPr marL="0" indent="0">
-              <a:buFontTx/>
-              <a:buNone/>
-            </a:pPr>
-            <a:r>
-              <a:rPr lang="en-GB" dirty="0" err="1" smtClean="0"/>
-              <a:t>g.cset</a:t>
-            </a:r>
-            <a:r>
-              <a:rPr lang="en-GB" dirty="0" smtClean="0"/>
-              <a:t>(MY_BLOCK=20) </a:t>
-            </a:r>
-          </a:p>
-          <a:p>
-            <a:pPr marL="0" indent="0">
-              <a:buFontTx/>
-              <a:buNone/>
-            </a:pPr>
-            <a:endParaRPr lang="en-GB" dirty="0" smtClean="0"/>
-          </a:p>
-          <a:p>
-            <a:pPr marL="0" marR="0" indent="0" algn="l" defTabSz="914400" rtl="0" eaLnBrk="1" fontAlgn="auto" latinLnBrk="0" hangingPunct="1">
+              <a:t> control. Why is that good?</a:t>
+            </a:r>
+          </a:p>
+          <a:p>
+            <a:pPr marL="171450" marR="0" indent="-171450" algn="l" defTabSz="914400" rtl="0" eaLnBrk="1" fontAlgn="auto" latinLnBrk="0" hangingPunct="1">
               <a:lnSpc>
                 <a:spcPct val="100000"/>
               </a:lnSpc>
@@ -1456,226 +1713,54 @@
               <a:buClrTx/>
               <a:buSzTx/>
               <a:buFontTx/>
-              <a:buNone/>
+              <a:buChar char="-"/>
               <a:tabLst/>
               <a:defRPr/>
             </a:pPr>
             <a:r>
-              <a:rPr lang="en-GB" dirty="0" smtClean="0"/>
-              <a:t>print</a:t>
-            </a:r>
-            <a:r>
-              <a:rPr lang="en-GB" baseline="0" dirty="0" smtClean="0"/>
-              <a:t> </a:t>
-            </a:r>
-            <a:r>
-              <a:rPr lang="en-GB" dirty="0" smtClean="0"/>
-              <a:t>"The instrument {0} </a:t>
+              <a:rPr lang="en-GB" sz="1200" b="0" i="0" kern="1200" dirty="0" smtClean="0">
+                <a:solidFill>
+                  <a:schemeClr val="tx1"/>
+                </a:solidFill>
+                <a:effectLst/>
+                <a:latin typeface="+mn-lt"/>
+                <a:ea typeface="+mn-ea"/>
+                <a:cs typeface="+mn-cs"/>
+              </a:rPr>
+              <a:t>After creating the files, you should have one new file in </a:t>
+            </a:r>
+            <a:r>
+              <a:rPr lang="en-GB" dirty="0" smtClean="0"/>
+              <a:t>C:\scripts</a:t>
+            </a:r>
+            <a:r>
+              <a:rPr lang="en-GB" sz="1200" b="0" i="0" kern="1200" dirty="0" smtClean="0">
+                <a:solidFill>
+                  <a:schemeClr val="tx1"/>
+                </a:solidFill>
+                <a:effectLst/>
+                <a:latin typeface="+mn-lt"/>
+                <a:ea typeface="+mn-ea"/>
+                <a:cs typeface="+mn-cs"/>
+              </a:rPr>
+              <a:t> and another in </a:t>
+            </a:r>
+            <a:r>
+              <a:rPr lang="en-GB" dirty="0" smtClean="0"/>
+              <a:t>C:\Instrument\Settings\config\[Instrument name]\Python\</a:t>
             </a:r>
             <a:r>
               <a:rPr lang="en-GB" dirty="0" err="1" smtClean="0"/>
-              <a:t>waiting“.format</a:t>
-            </a:r>
-            <a:r>
-              <a:rPr lang="en-GB" dirty="0" smtClean="0"/>
-              <a:t>(“is” if </a:t>
-            </a:r>
-            <a:r>
-              <a:rPr lang="en-GB" dirty="0" err="1" smtClean="0"/>
-              <a:t>g.get_runstate</a:t>
-            </a:r>
-            <a:r>
-              <a:rPr lang="en-GB" dirty="0" smtClean="0"/>
-              <a:t>()=="WAITING“</a:t>
-            </a:r>
-            <a:r>
-              <a:rPr lang="en-GB" baseline="0" dirty="0" smtClean="0"/>
-              <a:t> else “is not”)</a:t>
-            </a:r>
-          </a:p>
-          <a:p>
-            <a:pPr marL="0" marR="0" indent="0" algn="l" defTabSz="914400" rtl="0" eaLnBrk="1" fontAlgn="auto" latinLnBrk="0" hangingPunct="1">
-              <a:lnSpc>
-                <a:spcPct val="100000"/>
-              </a:lnSpc>
-              <a:spcBef>
-                <a:spcPts val="0"/>
-              </a:spcBef>
-              <a:spcAft>
-                <a:spcPts val="0"/>
-              </a:spcAft>
-              <a:buClrTx/>
-              <a:buSzTx/>
+              <a:t>inst</a:t>
+            </a:r>
+            <a:endParaRPr lang="en-GB" dirty="0" smtClean="0"/>
+          </a:p>
+          <a:p>
+            <a:pPr marL="171450" indent="-171450">
               <a:buFontTx/>
-              <a:buNone/>
-              <a:tabLst/>
-              <a:defRPr/>
-            </a:pPr>
-            <a:endParaRPr lang="en-GB" baseline="0" dirty="0" smtClean="0"/>
-          </a:p>
-          <a:p>
-            <a:pPr marL="0" marR="0" indent="0" algn="l" defTabSz="914400" rtl="0" eaLnBrk="1" fontAlgn="auto" latinLnBrk="0" hangingPunct="1">
-              <a:lnSpc>
-                <a:spcPct val="100000"/>
-              </a:lnSpc>
-              <a:spcBef>
-                <a:spcPts val="0"/>
-              </a:spcBef>
-              <a:spcAft>
-                <a:spcPts val="0"/>
-              </a:spcAft>
-              <a:buClrTx/>
-              <a:buSzTx/>
-              <a:buFontTx/>
-              <a:buNone/>
-              <a:tabLst/>
-              <a:defRPr/>
-            </a:pPr>
-            <a:r>
-              <a:rPr lang="en-GB" dirty="0" smtClean="0"/>
-              <a:t>for </a:t>
-            </a:r>
-            <a:r>
-              <a:rPr lang="en-GB" dirty="0" err="1" smtClean="0"/>
-              <a:t>i</a:t>
-            </a:r>
-            <a:r>
-              <a:rPr lang="en-GB" dirty="0" smtClean="0"/>
-              <a:t> in range(</a:t>
-            </a:r>
-            <a:r>
-              <a:rPr lang="en-GB" dirty="0" err="1" smtClean="0"/>
-              <a:t>int</a:t>
-            </a:r>
-            <a:r>
-              <a:rPr lang="en-GB" dirty="0" smtClean="0"/>
-              <a:t>(</a:t>
-            </a:r>
-            <a:r>
-              <a:rPr lang="en-GB" dirty="0" err="1" smtClean="0"/>
-              <a:t>g.cget</a:t>
-            </a:r>
-            <a:r>
-              <a:rPr lang="en-GB" dirty="0" smtClean="0"/>
-              <a:t>("MY_BLOCK")['value']), 4, -1): </a:t>
-            </a:r>
-          </a:p>
-          <a:p>
-            <a:pPr marL="0" marR="0" indent="0" algn="l" defTabSz="914400" rtl="0" eaLnBrk="1" fontAlgn="auto" latinLnBrk="0" hangingPunct="1">
-              <a:lnSpc>
-                <a:spcPct val="100000"/>
-              </a:lnSpc>
-              <a:spcBef>
-                <a:spcPts val="0"/>
-              </a:spcBef>
-              <a:spcAft>
-                <a:spcPts val="0"/>
-              </a:spcAft>
-              <a:buClrTx/>
-              <a:buSzTx/>
-              <a:buFontTx/>
-              <a:buNone/>
-              <a:tabLst/>
-              <a:defRPr/>
-            </a:pPr>
-            <a:r>
-              <a:rPr lang="en-GB" dirty="0" smtClean="0"/>
-              <a:t>	</a:t>
-            </a:r>
-            <a:r>
-              <a:rPr lang="en-GB" dirty="0" err="1" smtClean="0"/>
-              <a:t>g.cset</a:t>
-            </a:r>
-            <a:r>
-              <a:rPr lang="en-GB" dirty="0" smtClean="0"/>
-              <a:t>(MY_BLOCK=</a:t>
-            </a:r>
-            <a:r>
-              <a:rPr lang="en-GB" dirty="0" err="1" smtClean="0"/>
-              <a:t>i</a:t>
-            </a:r>
-            <a:r>
-              <a:rPr lang="en-GB" dirty="0" smtClean="0"/>
-              <a:t>) </a:t>
-            </a:r>
-          </a:p>
-          <a:p>
-            <a:pPr marL="0" marR="0" indent="0" algn="l" defTabSz="914400" rtl="0" eaLnBrk="1" fontAlgn="auto" latinLnBrk="0" hangingPunct="1">
-              <a:lnSpc>
-                <a:spcPct val="100000"/>
-              </a:lnSpc>
-              <a:spcBef>
-                <a:spcPts val="0"/>
-              </a:spcBef>
-              <a:spcAft>
-                <a:spcPts val="0"/>
-              </a:spcAft>
-              <a:buClrTx/>
-              <a:buSzTx/>
-              <a:buFontTx/>
-              <a:buNone/>
-              <a:tabLst/>
-              <a:defRPr/>
-            </a:pPr>
-            <a:r>
-              <a:rPr lang="en-GB" dirty="0" smtClean="0"/>
-              <a:t>	</a:t>
-            </a:r>
-            <a:r>
-              <a:rPr lang="en-GB" dirty="0" err="1" smtClean="0"/>
-              <a:t>g.waitfor</a:t>
-            </a:r>
-            <a:r>
-              <a:rPr lang="en-GB" dirty="0" smtClean="0"/>
-              <a:t>(seconds=1)</a:t>
-            </a:r>
-          </a:p>
-          <a:p>
-            <a:pPr marL="0" marR="0" indent="0" algn="l" defTabSz="914400" rtl="0" eaLnBrk="1" fontAlgn="auto" latinLnBrk="0" hangingPunct="1">
-              <a:lnSpc>
-                <a:spcPct val="100000"/>
-              </a:lnSpc>
-              <a:spcBef>
-                <a:spcPts val="0"/>
-              </a:spcBef>
-              <a:spcAft>
-                <a:spcPts val="0"/>
-              </a:spcAft>
-              <a:buClrTx/>
-              <a:buSzTx/>
-              <a:buFontTx/>
-              <a:buNone/>
-              <a:tabLst/>
-              <a:defRPr/>
+              <a:buChar char="-"/>
             </a:pPr>
             <a:endParaRPr lang="en-GB" dirty="0" smtClean="0"/>
-          </a:p>
-          <a:p>
-            <a:pPr marL="0" marR="0" indent="0" algn="l" defTabSz="914400" rtl="0" eaLnBrk="1" fontAlgn="auto" latinLnBrk="0" hangingPunct="1">
-              <a:lnSpc>
-                <a:spcPct val="100000"/>
-              </a:lnSpc>
-              <a:spcBef>
-                <a:spcPts val="0"/>
-              </a:spcBef>
-              <a:spcAft>
-                <a:spcPts val="0"/>
-              </a:spcAft>
-              <a:buClrTx/>
-              <a:buSzTx/>
-              <a:buFontTx/>
-              <a:buNone/>
-              <a:tabLst/>
-              <a:defRPr/>
-            </a:pPr>
-            <a:r>
-              <a:rPr lang="en-GB" dirty="0" err="1" smtClean="0"/>
-              <a:t>g.end</a:t>
-            </a:r>
-            <a:r>
-              <a:rPr lang="en-GB" dirty="0" smtClean="0"/>
-              <a:t>()</a:t>
-            </a:r>
           </a:p>
         </p:txBody>
       </p:sp>
@@ -1764,92 +1849,139 @@
               <a:buChar char="-"/>
             </a:pPr>
             <a:r>
-              <a:rPr lang="en-GB" sz="1200" b="0" i="0" kern="1200" dirty="0" smtClean="0">
-                <a:solidFill>
-                  <a:schemeClr val="tx1"/>
-                </a:solidFill>
-                <a:effectLst/>
-                <a:latin typeface="+mn-lt"/>
-                <a:ea typeface="+mn-ea"/>
-                <a:cs typeface="+mn-cs"/>
-              </a:rPr>
-              <a:t>Explain what it means for scripts to be under version</a:t>
-            </a:r>
-            <a:r>
-              <a:rPr lang="en-GB" sz="1200" b="0" i="0" kern="1200" baseline="0" dirty="0" smtClean="0">
-                <a:solidFill>
-                  <a:schemeClr val="tx1"/>
-                </a:solidFill>
-                <a:effectLst/>
-                <a:latin typeface="+mn-lt"/>
-                <a:ea typeface="+mn-ea"/>
-                <a:cs typeface="+mn-cs"/>
-              </a:rPr>
-              <a:t> control. Why is that good?</a:t>
-            </a:r>
-          </a:p>
-          <a:p>
-            <a:pPr marL="171450" marR="0" indent="-171450" algn="l" defTabSz="914400" rtl="0" eaLnBrk="1" fontAlgn="auto" latinLnBrk="0" hangingPunct="1">
-              <a:lnSpc>
-                <a:spcPct val="100000"/>
-              </a:lnSpc>
-              <a:spcBef>
-                <a:spcPts val="0"/>
-              </a:spcBef>
-              <a:spcAft>
-                <a:spcPts val="0"/>
-              </a:spcAft>
-              <a:buClrTx/>
-              <a:buSzTx/>
+              <a:rPr lang="en-GB" dirty="0" err="1" smtClean="0"/>
+              <a:t>def</a:t>
+            </a:r>
+            <a:r>
+              <a:rPr lang="en-GB" dirty="0" smtClean="0"/>
+              <a:t> </a:t>
+            </a:r>
+            <a:r>
+              <a:rPr lang="en-GB" dirty="0" err="1" smtClean="0"/>
+              <a:t>set_up_instrument</a:t>
+            </a:r>
+            <a:r>
+              <a:rPr lang="en-GB" dirty="0" smtClean="0"/>
+              <a:t>(): </a:t>
+            </a:r>
+          </a:p>
+          <a:p>
+            <a:pPr marL="457200" lvl="1" indent="0">
               <a:buFontTx/>
-              <a:buChar char="-"/>
-              <a:tabLst/>
-              <a:defRPr/>
-            </a:pPr>
-            <a:r>
-              <a:rPr lang="en-GB" sz="1200" b="0" i="0" kern="1200" dirty="0" smtClean="0">
-                <a:solidFill>
-                  <a:schemeClr val="tx1"/>
-                </a:solidFill>
-                <a:effectLst/>
-                <a:latin typeface="+mn-lt"/>
-                <a:ea typeface="+mn-ea"/>
-                <a:cs typeface="+mn-cs"/>
-              </a:rPr>
-              <a:t>After creating the files, you should have one new file in </a:t>
-            </a:r>
-            <a:r>
-              <a:rPr lang="en-GB" dirty="0" smtClean="0"/>
-              <a:t>C:\scripts</a:t>
-            </a:r>
-            <a:r>
-              <a:rPr lang="en-GB" sz="1200" b="0" i="0" kern="1200" dirty="0" smtClean="0">
-                <a:solidFill>
-                  <a:schemeClr val="tx1"/>
-                </a:solidFill>
-                <a:effectLst/>
-                <a:latin typeface="+mn-lt"/>
-                <a:ea typeface="+mn-ea"/>
-                <a:cs typeface="+mn-cs"/>
-              </a:rPr>
-              <a:t> and another in </a:t>
-            </a:r>
-            <a:r>
-              <a:rPr lang="en-GB" dirty="0" smtClean="0"/>
-              <a:t>C:\Instrument\Settings\config\[Instrument name]\Python\</a:t>
-            </a:r>
+              <a:buNone/>
+            </a:pPr>
             <a:r>
               <a:rPr lang="en-GB" dirty="0" err="1" smtClean="0"/>
-              <a:t>inst</a:t>
-            </a:r>
-            <a:endParaRPr lang="en-GB" dirty="0" smtClean="0"/>
+              <a:t>g.change</a:t>
+            </a:r>
+            <a:r>
+              <a:rPr lang="en-GB" dirty="0" smtClean="0"/>
+              <a:t>(title="My experiment", user="Adrian")</a:t>
+            </a:r>
           </a:p>
           <a:p>
             <a:pPr marL="171450" indent="-171450">
               <a:buFontTx/>
               <a:buChar char="-"/>
             </a:pPr>
-            <a:endParaRPr lang="en-GB" dirty="0" smtClean="0"/>
+            <a:r>
+              <a:rPr lang="en-GB" dirty="0" err="1" smtClean="0"/>
+              <a:t>def</a:t>
+            </a:r>
+            <a:r>
+              <a:rPr lang="en-GB" dirty="0" smtClean="0"/>
+              <a:t> </a:t>
+            </a:r>
+            <a:r>
+              <a:rPr lang="en-GB" dirty="0" err="1" smtClean="0"/>
+              <a:t>get_uamps_run</a:t>
+            </a:r>
+            <a:r>
+              <a:rPr lang="en-GB" dirty="0" smtClean="0"/>
+              <a:t>(): </a:t>
+            </a:r>
+          </a:p>
+          <a:p>
+            <a:pPr marL="457200" lvl="1" indent="0">
+              <a:buFontTx/>
+              <a:buNone/>
+            </a:pPr>
+            <a:r>
+              <a:rPr lang="en-GB" dirty="0" err="1" smtClean="0"/>
+              <a:t>g.begin</a:t>
+            </a:r>
+            <a:r>
+              <a:rPr lang="en-GB" dirty="0" smtClean="0"/>
+              <a:t>() </a:t>
+            </a:r>
+          </a:p>
+          <a:p>
+            <a:pPr marL="457200" lvl="1" indent="0">
+              <a:buFontTx/>
+              <a:buNone/>
+            </a:pPr>
+            <a:r>
+              <a:rPr lang="en-GB" dirty="0" smtClean="0"/>
+              <a:t>period = </a:t>
+            </a:r>
+            <a:r>
+              <a:rPr lang="en-GB" dirty="0" err="1" smtClean="0"/>
+              <a:t>g.get_period</a:t>
+            </a:r>
+            <a:r>
+              <a:rPr lang="en-GB" dirty="0" smtClean="0"/>
+              <a:t>() </a:t>
+            </a:r>
+          </a:p>
+          <a:p>
+            <a:pPr marL="457200" lvl="1" indent="0">
+              <a:buFontTx/>
+              <a:buNone/>
+            </a:pPr>
+            <a:r>
+              <a:rPr lang="en-GB" dirty="0" smtClean="0"/>
+              <a:t>for </a:t>
+            </a:r>
+            <a:r>
+              <a:rPr lang="en-GB" dirty="0" err="1" smtClean="0"/>
+              <a:t>i</a:t>
+            </a:r>
+            <a:r>
+              <a:rPr lang="en-GB" dirty="0" smtClean="0"/>
+              <a:t> in range(10): </a:t>
+            </a:r>
+          </a:p>
+          <a:p>
+            <a:pPr marL="457200" lvl="1" indent="0">
+              <a:buFontTx/>
+              <a:buNone/>
+            </a:pPr>
+            <a:r>
+              <a:rPr lang="en-GB" dirty="0" smtClean="0"/>
+              <a:t>	print "Total current after {0}s: {1}.format(i+1, </a:t>
+            </a:r>
+            <a:r>
+              <a:rPr lang="en-GB" dirty="0" err="1" smtClean="0"/>
+              <a:t>g.get_uamps</a:t>
+            </a:r>
+            <a:r>
+              <a:rPr lang="en-GB" dirty="0" smtClean="0"/>
+              <a:t>(period)) </a:t>
+            </a:r>
+          </a:p>
+          <a:p>
+            <a:pPr marL="457200" lvl="1" indent="0">
+              <a:buFontTx/>
+              <a:buNone/>
+            </a:pPr>
+            <a:r>
+              <a:rPr lang="en-GB" dirty="0" err="1" smtClean="0"/>
+              <a:t>g.end</a:t>
+            </a:r>
+            <a:r>
+              <a:rPr lang="en-GB" dirty="0" smtClean="0"/>
+              <a:t>()</a:t>
+            </a:r>
           </a:p>
         </p:txBody>
       </p:sp>
@@ -1933,143 +2065,40 @@
           <a:bodyPr/>
           <a:lstStyle/>
           <a:p>
+            <a:pPr marL="171450" marR="0" indent="-171450" algn="l" defTabSz="914400" rtl="0" eaLnBrk="1" fontAlgn="auto" latinLnBrk="0" hangingPunct="1">
+              <a:lnSpc>
+                <a:spcPct val="100000"/>
+              </a:lnSpc>
+              <a:spcBef>
+                <a:spcPts val="0"/>
+              </a:spcBef>
+              <a:spcAft>
+                <a:spcPts val="0"/>
+              </a:spcAft>
+              <a:buClrTx/>
+              <a:buSzTx/>
+              <a:buFontTx/>
+              <a:buChar char="-"/>
+              <a:tabLst/>
+              <a:defRPr/>
+            </a:pPr>
+            <a:r>
+              <a:rPr lang="en-GB" sz="1200" b="1" dirty="0" smtClean="0"/>
+              <a:t>IMPORTANT</a:t>
+            </a:r>
+            <a:r>
+              <a:rPr lang="en-GB" sz="1200" dirty="0" smtClean="0"/>
+              <a:t>: When a script is loaded, Python runs all the commands contained within. We strongly recommend keeping all executable code within functions, so that it runs when you call it rather than executing immediately.</a:t>
+            </a:r>
+          </a:p>
+          <a:p>
             <a:pPr marL="171450" indent="-171450">
               <a:buFontTx/>
               <a:buChar char="-"/>
             </a:pPr>
             <a:r>
-              <a:rPr lang="en-GB" dirty="0" err="1" smtClean="0"/>
-              <a:t>def</a:t>
-            </a:r>
-            <a:r>
-              <a:rPr lang="en-GB" dirty="0" smtClean="0"/>
-              <a:t> </a:t>
-            </a:r>
-            <a:r>
-              <a:rPr lang="en-GB" dirty="0" err="1" smtClean="0"/>
-              <a:t>set_up_instrument</a:t>
-            </a:r>
-            <a:r>
-              <a:rPr lang="en-GB" dirty="0" smtClean="0"/>
-              <a:t>(): </a:t>
-            </a:r>
-          </a:p>
-          <a:p>
-            <a:pPr marL="457200" lvl="1" indent="0">
-              <a:buFontTx/>
-              <a:buNone/>
-            </a:pPr>
-            <a:r>
-              <a:rPr lang="en-GB" dirty="0" err="1" smtClean="0"/>
-              <a:t>g.change</a:t>
-            </a:r>
-            <a:r>
-              <a:rPr lang="en-GB" dirty="0" smtClean="0"/>
-              <a:t>(title="My experiment", user="Adrian")</a:t>
-            </a:r>
-          </a:p>
-          <a:p>
-            <a:pPr marL="171450" indent="-171450">
-              <a:buFontTx/>
-              <a:buChar char="-"/>
-            </a:pPr>
-            <a:r>
-              <a:rPr lang="en-GB" dirty="0" err="1" smtClean="0"/>
-              <a:t>def</a:t>
-            </a:r>
-            <a:r>
-              <a:rPr lang="en-GB" dirty="0" smtClean="0"/>
-              <a:t> </a:t>
-            </a:r>
-            <a:r>
-              <a:rPr lang="en-GB" dirty="0" err="1" smtClean="0"/>
-              <a:t>get_uamps_run</a:t>
-            </a:r>
-            <a:r>
-              <a:rPr lang="en-GB" dirty="0" smtClean="0"/>
-              <a:t>(): </a:t>
-            </a:r>
-          </a:p>
-          <a:p>
-            <a:pPr marL="457200" lvl="1" indent="0">
-              <a:buFontTx/>
-              <a:buNone/>
-            </a:pPr>
-            <a:r>
-              <a:rPr lang="en-GB" dirty="0" err="1" smtClean="0"/>
-              <a:t>g.begin</a:t>
-            </a:r>
-            <a:r>
-              <a:rPr lang="en-GB" dirty="0" smtClean="0"/>
-              <a:t>() </a:t>
-            </a:r>
-          </a:p>
-          <a:p>
-            <a:pPr marL="457200" lvl="1" indent="0">
-              <a:buFontTx/>
-              <a:buNone/>
-            </a:pPr>
-            <a:r>
-              <a:rPr lang="en-GB" dirty="0" smtClean="0"/>
-              <a:t>period = </a:t>
-            </a:r>
-            <a:r>
-              <a:rPr lang="en-GB" dirty="0" err="1" smtClean="0"/>
-              <a:t>g.get_period</a:t>
-            </a:r>
-            <a:r>
-              <a:rPr lang="en-GB" dirty="0" smtClean="0"/>
-              <a:t>() </a:t>
-            </a:r>
-          </a:p>
-          <a:p>
-            <a:pPr marL="457200" lvl="1" indent="0">
-              <a:buFontTx/>
-              <a:buNone/>
-            </a:pPr>
-            <a:r>
-              <a:rPr lang="en-GB" dirty="0" smtClean="0"/>
-              <a:t>for </a:t>
-            </a:r>
-            <a:r>
-              <a:rPr lang="en-GB" dirty="0" err="1" smtClean="0"/>
-              <a:t>i</a:t>
-            </a:r>
-            <a:r>
-              <a:rPr lang="en-GB" dirty="0" smtClean="0"/>
-              <a:t> in range(10): </a:t>
-            </a:r>
-          </a:p>
-          <a:p>
-            <a:pPr marL="457200" lvl="1" indent="0">
-              <a:buFontTx/>
-              <a:buNone/>
-            </a:pPr>
-            <a:r>
-              <a:rPr lang="en-GB" dirty="0" smtClean="0"/>
-              <a:t>	print "Total current after {0}s: {1}.format(i+1, </a:t>
-            </a:r>
-            <a:r>
-              <a:rPr lang="en-GB" dirty="0" err="1" smtClean="0"/>
-              <a:t>g.get_uamps</a:t>
-            </a:r>
-            <a:r>
-              <a:rPr lang="en-GB" dirty="0" smtClean="0"/>
-              <a:t>(period)) </a:t>
-            </a:r>
-          </a:p>
-          <a:p>
-            <a:pPr marL="457200" lvl="1" indent="0">
-              <a:buFontTx/>
-              <a:buNone/>
-            </a:pPr>
-            <a:r>
-              <a:rPr lang="en-GB" dirty="0" err="1" smtClean="0"/>
-              <a:t>g.end</a:t>
-            </a:r>
-            <a:r>
-              <a:rPr lang="en-GB" dirty="0" smtClean="0"/>
-              <a:t>()</a:t>
+              <a:rPr lang="en-GB" dirty="0" smtClean="0"/>
+              <a:t>Loading the scripts should be easy but it’s when the most problems are likely to become apparent</a:t>
             </a:r>
           </a:p>
         </p:txBody>
@@ -2154,7 +2183,7 @@
           <a:bodyPr/>
           <a:lstStyle/>
           <a:p>
-            <a:pPr marL="171450" marR="0" indent="-171450" algn="l" defTabSz="914400" rtl="0" eaLnBrk="1" fontAlgn="auto" latinLnBrk="0" hangingPunct="1">
+            <a:pPr marL="0" marR="0" indent="0" algn="l" defTabSz="914400" rtl="0" eaLnBrk="1" fontAlgn="auto" latinLnBrk="0" hangingPunct="1">
               <a:lnSpc>
                 <a:spcPct val="100000"/>
               </a:lnSpc>
@@ -2167,28 +2196,35 @@
               <a:buClrTx/>
               <a:buSzTx/>
               <a:buFontTx/>
-              <a:buChar char="-"/>
+              <a:buNone/>
               <a:tabLst/>
               <a:defRPr/>
             </a:pPr>
             <a:r>
-              <a:rPr lang="en-GB" sz="1200" b="1" dirty="0" smtClean="0"/>
-              <a:t>IMPORTANT</a:t>
-            </a:r>
-            <a:r>
-              <a:rPr lang="en-GB" sz="1200" dirty="0" smtClean="0"/>
-              <a:t>: When a script is loaded, Python runs all the commands contained within. We strongly recommend keeping all executable code within functions, so that it runs when you call it rather than executing immediately.</a:t>
-            </a:r>
-          </a:p>
-          <a:p>
-            <a:pPr marL="171450" indent="-171450">
-              <a:buFontTx/>
-              <a:buChar char="-"/>
-            </a:pPr>
-            <a:r>
-              <a:rPr lang="en-GB" dirty="0" smtClean="0"/>
-              <a:t>Loading the scripts should be easy but it’s when the most problems are likely to become apparent</a:t>
-            </a:r>
+              <a:rPr lang="en-GB" sz="1200" b="0" dirty="0" smtClean="0"/>
+              <a:t>-</a:t>
+            </a:r>
+            <a:r>
+              <a:rPr lang="en-GB" sz="1200" b="0" baseline="0" dirty="0" smtClean="0"/>
+              <a:t> Again, running should be easy but most likely where they will run into problems. Check the scripting window </a:t>
+            </a:r>
+            <a:r>
+              <a:rPr lang="en-GB" sz="1200" b="0" baseline="0" dirty="0" err="1" smtClean="0"/>
+              <a:t>startup</a:t>
+            </a:r>
+            <a:r>
+              <a:rPr lang="en-GB" sz="1200" b="0" baseline="0" dirty="0" smtClean="0"/>
+              <a:t> for signs of issues loading </a:t>
+            </a:r>
+            <a:r>
+              <a:rPr lang="en-GB" sz="1200" b="0" baseline="0" dirty="0" err="1" smtClean="0"/>
+              <a:t>inst</a:t>
+            </a:r>
+            <a:r>
+              <a:rPr lang="en-GB" sz="1200" b="0" baseline="0" dirty="0" smtClean="0"/>
+              <a:t> scripts</a:t>
+            </a:r>
+            <a:endParaRPr lang="en-GB" b="0" dirty="0" smtClean="0"/>
           </a:p>
         </p:txBody>
       </p:sp>
@@ -2643,7 +2679,7 @@
               <a:t>inst</a:t>
             </a:r>
             <a:r>
-              <a:rPr lang="en-GB" sz="1200" b="0" baseline="0" dirty="0" smtClean="0"/>
+              <a:rPr lang="en-GB" sz="1200" b="0" baseline="0" smtClean="0"/>
               <a:t> scripts</a:t>
             </a:r>
             <a:endParaRPr lang="en-GB" b="0" dirty="0" smtClean="0"/>
@@ -2747,30 +2783,6 @@
               <a:tabLst/>
               <a:defRPr/>
             </a:pPr>
-            <a:r>
-              <a:rPr lang="en-GB" sz="1200" b="0" dirty="0" smtClean="0"/>
-              <a:t>-</a:t>
-            </a:r>
-            <a:r>
-              <a:rPr lang="en-GB" sz="1200" b="0" baseline="0" dirty="0" smtClean="0"/>
-              <a:t> Again, running should be easy but most likely where they will run into problems. Check the scripting window </a:t>
-            </a:r>
-            <a:r>
-              <a:rPr lang="en-GB" sz="1200" b="0" baseline="0" dirty="0" err="1" smtClean="0"/>
-              <a:t>startup</a:t>
-            </a:r>
-            <a:r>
-              <a:rPr lang="en-GB" sz="1200" b="0" baseline="0" dirty="0" smtClean="0"/>
-              <a:t> for signs of issues loading </a:t>
-            </a:r>
-            <a:r>
-              <a:rPr lang="en-GB" sz="1200" b="0" baseline="0" dirty="0" err="1" smtClean="0"/>
-              <a:t>inst</a:t>
-            </a:r>
-            <a:r>
-              <a:rPr lang="en-GB" sz="1200" b="0" baseline="0" smtClean="0"/>
-              <a:t> scripts</a:t>
-            </a:r>
             <a:endParaRPr lang="en-GB" b="0" dirty="0" smtClean="0"/>
           </a:p>
         </p:txBody>
@@ -2973,7 +2985,10 @@
               <a:tabLst/>
               <a:defRPr/>
             </a:pPr>
-            <a:endParaRPr lang="en-GB" b="0" dirty="0" smtClean="0"/>
+            <a:r>
+              <a:rPr lang="en-GB" b="0" dirty="0" smtClean="0"/>
+              <a:t>See https://github.com/ISISComputingGroup/ibex_user_manual/wiki/genie_python-and-Ibex-%28Exercise-solutions%29</a:t>
+            </a:r>
           </a:p>
         </p:txBody>
       </p:sp>
@@ -3076,8 +3091,13 @@
             </a:pPr>
             <a:r>
               <a:rPr lang="en-GB" b="0" dirty="0" smtClean="0"/>
-              <a:t>See https://github.com/ISISComputingGroup/ibex_user_manual/wiki/genie_python-and-Ibex-%28Exercise-solutions%29</a:t>
-            </a:r>
+              <a:t>No ENDPROCEDURE</a:t>
+            </a:r>
+            <a:r>
+              <a:rPr lang="en-GB" b="0" baseline="0" dirty="0" smtClean="0"/>
+              <a:t> needed in Python, indentation makes it implicit</a:t>
+            </a:r>
+            <a:endParaRPr lang="en-GB" b="0" dirty="0" smtClean="0"/>
           </a:p>
         </p:txBody>
       </p:sp>
@@ -3180,13 +3200,8 @@
             </a:pPr>
             <a:r>
               <a:rPr lang="en-GB" b="0" dirty="0" smtClean="0"/>
-              <a:t>No ENDPROCEDURE</a:t>
-            </a:r>
-            <a:r>
-              <a:rPr lang="en-GB" b="0" baseline="0" dirty="0" smtClean="0"/>
-              <a:t> needed in Python, indentation makes it implicit</a:t>
-            </a:r>
-            <a:endParaRPr lang="en-GB" b="0" dirty="0" smtClean="0"/>
+              <a:t>Arguments don’t need typing in Python</a:t>
+            </a:r>
           </a:p>
         </p:txBody>
       </p:sp>
@@ -3270,7 +3285,7 @@
           <a:bodyPr/>
           <a:lstStyle/>
           <a:p>
-            <a:pPr marL="0" marR="0" indent="0" algn="l" defTabSz="914400" rtl="0" eaLnBrk="1" fontAlgn="auto" latinLnBrk="0" hangingPunct="1">
+            <a:pPr marL="171450" marR="0" indent="-171450" algn="l" defTabSz="914400" rtl="0" eaLnBrk="1" fontAlgn="auto" latinLnBrk="0" hangingPunct="1">
               <a:lnSpc>
                 <a:spcPct val="100000"/>
               </a:lnSpc>
@@ -3283,14 +3298,42 @@
               <a:buClrTx/>
               <a:buSzTx/>
               <a:buFontTx/>
-              <a:buNone/>
+              <a:buChar char="-"/>
               <a:tabLst/>
               <a:defRPr/>
             </a:pPr>
             <a:r>
               <a:rPr lang="en-GB" b="0" dirty="0" smtClean="0"/>
-              <a:t>Arguments don’t need typing in Python</a:t>
-            </a:r>
+              <a:t>The endpoint</a:t>
+            </a:r>
+            <a:r>
+              <a:rPr lang="en-GB" b="0" baseline="0" dirty="0" smtClean="0"/>
+              <a:t> of Python’s range function is not inclusive</a:t>
+            </a:r>
+          </a:p>
+          <a:p>
+            <a:pPr marL="171450" marR="0" indent="-171450" algn="l" defTabSz="914400" rtl="0" eaLnBrk="1" fontAlgn="auto" latinLnBrk="0" hangingPunct="1">
+              <a:lnSpc>
+                <a:spcPct val="100000"/>
+              </a:lnSpc>
+              <a:spcBef>
+                <a:spcPts val="0"/>
+              </a:spcBef>
+              <a:spcAft>
+                <a:spcPts val="0"/>
+              </a:spcAft>
+              <a:buClrTx/>
+              <a:buSzTx/>
+              <a:buFontTx/>
+              <a:buChar char="-"/>
+              <a:tabLst/>
+              <a:defRPr/>
+            </a:pPr>
+            <a:r>
+              <a:rPr lang="en-GB" b="0" baseline="0" dirty="0" smtClean="0"/>
+              <a:t>No ENDLOOP needed in python</a:t>
+            </a:r>
+            <a:endParaRPr lang="en-GB" b="0" dirty="0" smtClean="0"/>
           </a:p>
         </p:txBody>
       </p:sp>
@@ -3374,7 +3417,7 @@
           <a:bodyPr/>
           <a:lstStyle/>
           <a:p>
-            <a:pPr marL="171450" marR="0" indent="-171450" algn="l" defTabSz="914400" rtl="0" eaLnBrk="1" fontAlgn="auto" latinLnBrk="0" hangingPunct="1">
+            <a:pPr marL="0" marR="0" indent="0" algn="l" defTabSz="914400" rtl="0" eaLnBrk="1" fontAlgn="auto" latinLnBrk="0" hangingPunct="1">
               <a:lnSpc>
                 <a:spcPct val="100000"/>
               </a:lnSpc>
@@ -3387,40 +3430,13 @@
               <a:buClrTx/>
               <a:buSzTx/>
               <a:buFontTx/>
-              <a:buChar char="-"/>
+              <a:buNone/>
               <a:tabLst/>
               <a:defRPr/>
             </a:pPr>
             <a:r>
-              <a:rPr lang="en-GB" b="0" dirty="0" smtClean="0"/>
-              <a:t>The endpoint</a:t>
-            </a:r>
-            <a:r>
               <a:rPr lang="en-GB" b="0" baseline="0" dirty="0" smtClean="0"/>
-              <a:t> of Python’s range function is not inclusive</a:t>
-            </a:r>
-          </a:p>
-          <a:p>
-            <a:pPr marL="171450" marR="0" indent="-171450" algn="l" defTabSz="914400" rtl="0" eaLnBrk="1" fontAlgn="auto" latinLnBrk="0" hangingPunct="1">
-              <a:lnSpc>
-                <a:spcPct val="100000"/>
-              </a:lnSpc>
-              <a:spcBef>
-                <a:spcPts val="0"/>
-              </a:spcBef>
-              <a:spcAft>
-                <a:spcPts val="0"/>
-              </a:spcAft>
-              <a:buClrTx/>
-              <a:buSzTx/>
-              <a:buFontTx/>
-              <a:buChar char="-"/>
-              <a:tabLst/>
-              <a:defRPr/>
-            </a:pPr>
-            <a:r>
-              <a:rPr lang="en-GB" b="0" baseline="0" dirty="0" smtClean="0"/>
-              <a:t>No ENDLOOP needed in python</a:t>
+              <a:t>No ENDIF needed in python</a:t>
             </a:r>
             <a:endParaRPr lang="en-GB" b="0" dirty="0" smtClean="0"/>
           </a:p>
@@ -3524,8 +3540,28 @@
               <a:defRPr/>
             </a:pPr>
             <a:r>
-              <a:rPr lang="en-GB" b="0" baseline="0" dirty="0" smtClean="0"/>
-              <a:t>No ENDIF needed in python</a:t>
+              <a:rPr lang="en-GB" sz="1200" b="1" i="0" kern="1200" dirty="0" smtClean="0">
+                <a:solidFill>
+                  <a:schemeClr val="tx1"/>
+                </a:solidFill>
+                <a:effectLst/>
+                <a:latin typeface="+mn-lt"/>
+                <a:ea typeface="+mn-ea"/>
+                <a:cs typeface="+mn-cs"/>
+              </a:rPr>
+              <a:t>NOTE</a:t>
+            </a:r>
+            <a:r>
+              <a:rPr lang="en-GB" sz="1200" b="0" i="0" kern="1200" dirty="0" smtClean="0">
+                <a:solidFill>
+                  <a:schemeClr val="tx1"/>
+                </a:solidFill>
+                <a:effectLst/>
+                <a:latin typeface="+mn-lt"/>
+                <a:ea typeface="+mn-ea"/>
+                <a:cs typeface="+mn-cs"/>
+              </a:rPr>
+              <a:t> Python is case sensitive and the arguments, apart from the block name, are in lower case</a:t>
             </a:r>
             <a:endParaRPr lang="en-GB" b="0" dirty="0" smtClean="0"/>
           </a:p>
@@ -3629,7 +3665,7 @@
               <a:defRPr/>
             </a:pPr>
             <a:r>
-              <a:rPr lang="en-GB" sz="1200" b="1" i="0" kern="1200" dirty="0" smtClean="0">
+              <a:rPr lang="en-GB" sz="1200" b="0" i="0" kern="1200" dirty="0" smtClean="0">
                 <a:solidFill>
                   <a:schemeClr val="tx1"/>
                 </a:solidFill>
@@ -3638,10 +3674,10 @@
                 <a:ea typeface="+mn-ea"/>
                 <a:cs typeface="+mn-cs"/>
               </a:rPr>
-              <a:t>NOTE</a:t>
-            </a:r>
-            <a:r>
-              <a:rPr lang="en-GB" sz="1200" b="0" i="0" kern="1200" dirty="0" smtClean="0">
+              <a:t>Go</a:t>
+            </a:r>
+            <a:r>
+              <a:rPr lang="en-GB" sz="1200" b="0" i="0" kern="1200" baseline="0" dirty="0" smtClean="0">
                 <a:solidFill>
                   <a:schemeClr val="tx1"/>
                 </a:solidFill>
@@ -3650,9 +3686,31 @@
                 <a:ea typeface="+mn-ea"/>
                 <a:cs typeface="+mn-cs"/>
               </a:rPr>
-              <a:t> Python is case sensitive and the arguments, apart from the block name, are in lower case</a:t>
-            </a:r>
-            <a:endParaRPr lang="en-GB" b="0" dirty="0" smtClean="0"/>
+              <a:t> through this step-by step with the attendees so they’re happy with the conversion process:</a:t>
+            </a:r>
+          </a:p>
+          <a:p>
+            <a:pPr marL="0" marR="0" indent="0" algn="l" defTabSz="914400" rtl="0" eaLnBrk="1" fontAlgn="auto" latinLnBrk="0" hangingPunct="1">
+              <a:lnSpc>
+                <a:spcPct val="100000"/>
+              </a:lnSpc>
+              <a:spcBef>
+                <a:spcPts val="0"/>
+              </a:spcBef>
+              <a:spcAft>
+                <a:spcPts val="0"/>
+              </a:spcAft>
+              <a:buClrTx/>
+              <a:buSzTx/>
+              <a:buFontTx/>
+              <a:buNone/>
+              <a:tabLst/>
+              <a:defRPr/>
+            </a:pPr>
+            <a:r>
+              <a:rPr lang="en-GB" b="0" dirty="0" smtClean="0"/>
+              <a:t>https://github.com/ISISComputingGroup/ibex_user_manual/wiki/genie_python-and-Ibex-%28Converting-from-OpenGENIE%29</a:t>
+            </a:r>
           </a:p>
         </p:txBody>
       </p:sp>
@@ -3846,22 +3904,9 @@
           <a:bodyPr/>
           <a:lstStyle/>
           <a:p>
-            <a:pPr marL="0" marR="0" indent="0" algn="l" defTabSz="914400" rtl="0" eaLnBrk="1" fontAlgn="auto" latinLnBrk="0" hangingPunct="1">
-              <a:lnSpc>
-                <a:spcPct val="100000"/>
-              </a:lnSpc>
-              <a:spcBef>
-                <a:spcPts val="0"/>
-              </a:spcBef>
-              <a:spcAft>
-                <a:spcPts val="0"/>
-              </a:spcAft>
-              <a:buClrTx/>
-              <a:buSzTx/>
-              <a:buFontTx/>
-              <a:buNone/>
-              <a:tabLst/>
-              <a:defRPr/>
+            <a:pPr marL="171450" indent="-171450">
+              <a:buFont typeface="Arial" panose="020B0604020202020204" pitchFamily="34" charset="0"/>
+              <a:buChar char="•"/>
             </a:pPr>
             <a:r>
               <a:rPr lang="en-GB" sz="1200" b="0" i="0" kern="1200" dirty="0" smtClean="0">
@@ -3873,10 +3918,16 @@
                 <a:ea typeface="+mn-ea"/>
                 <a:cs typeface="+mn-cs"/>
               </a:rPr>
-              <a:t>Go</a:t>
-            </a:r>
-            <a:r>
-              <a:rPr lang="en-GB" sz="1200" b="0" i="0" kern="1200" baseline="0" dirty="0" smtClean="0">
+              <a:t>Rather than use the value 10 for the number of minutes to wait, we've set it as a variable. That means if we change the value, we only need to change it in one place.</a:t>
+            </a:r>
+          </a:p>
+          <a:p>
+            <a:pPr marL="171450" indent="-171450">
+              <a:buFont typeface="Arial" panose="020B0604020202020204" pitchFamily="34" charset="0"/>
+              <a:buChar char="•"/>
+            </a:pPr>
+            <a:r>
+              <a:rPr lang="en-GB" sz="1200" b="0" i="0" kern="1200" dirty="0" smtClean="0">
                 <a:solidFill>
                   <a:schemeClr val="tx1"/>
                 </a:solidFill>
@@ -3885,31 +3936,149 @@
                 <a:ea typeface="+mn-ea"/>
                 <a:cs typeface="+mn-cs"/>
               </a:rPr>
-              <a:t> through this step-by step with the attendees so they’re happy with the conversion process:</a:t>
-            </a:r>
-          </a:p>
-          <a:p>
-            <a:pPr marL="0" marR="0" indent="0" algn="l" defTabSz="914400" rtl="0" eaLnBrk="1" fontAlgn="auto" latinLnBrk="0" hangingPunct="1">
-              <a:lnSpc>
-                <a:spcPct val="100000"/>
-              </a:lnSpc>
-              <a:spcBef>
-                <a:spcPts val="0"/>
-              </a:spcBef>
-              <a:spcAft>
-                <a:spcPts val="0"/>
-              </a:spcAft>
-              <a:buClrTx/>
-              <a:buSzTx/>
-              <a:buFontTx/>
-              <a:buNone/>
-              <a:tabLst/>
-              <a:defRPr/>
-            </a:pPr>
-            <a:r>
-              <a:rPr lang="en-GB" b="0" dirty="0" smtClean="0"/>
-              <a:t>https://github.com/ISISComputingGroup/ibex_user_manual/wiki/genie_python-and-Ibex-%28Converting-from-OpenGENIE%29</a:t>
-            </a:r>
+              <a:t>We've used the minutes argument in </a:t>
+            </a:r>
+            <a:r>
+              <a:rPr lang="en-GB" sz="1200" b="0" i="0" kern="1200" dirty="0" err="1" smtClean="0">
+                <a:solidFill>
+                  <a:schemeClr val="tx1"/>
+                </a:solidFill>
+                <a:effectLst/>
+                <a:latin typeface="+mn-lt"/>
+                <a:ea typeface="+mn-ea"/>
+                <a:cs typeface="+mn-cs"/>
+              </a:rPr>
+              <a:t>waitfor_time</a:t>
+            </a:r>
+            <a:r>
+              <a:rPr lang="en-GB" sz="1200" b="0" i="0" kern="1200" dirty="0" smtClean="0">
+                <a:solidFill>
+                  <a:schemeClr val="tx1"/>
+                </a:solidFill>
+                <a:effectLst/>
+                <a:latin typeface="+mn-lt"/>
+                <a:ea typeface="+mn-ea"/>
+                <a:cs typeface="+mn-cs"/>
+              </a:rPr>
+              <a:t> rather than having to apply the conversion factor between minutes and seconds ourselves.</a:t>
+            </a:r>
+          </a:p>
+          <a:p>
+            <a:pPr marL="171450" indent="-171450">
+              <a:buFont typeface="Arial" panose="020B0604020202020204" pitchFamily="34" charset="0"/>
+              <a:buChar char="•"/>
+            </a:pPr>
+            <a:r>
+              <a:rPr lang="en-GB" sz="1200" b="0" i="0" kern="1200" dirty="0" smtClean="0">
+                <a:solidFill>
+                  <a:schemeClr val="tx1"/>
+                </a:solidFill>
+                <a:effectLst/>
+                <a:latin typeface="+mn-lt"/>
+                <a:ea typeface="+mn-ea"/>
+                <a:cs typeface="+mn-cs"/>
+              </a:rPr>
+              <a:t>We've used the syntax "...".format(arg1, arg2) to build our output strings. There are lots of ways to build strings in Python. Alternatively you can just use "..." + </a:t>
+            </a:r>
+            <a:r>
+              <a:rPr lang="en-GB" sz="1200" b="0" i="0" kern="1200" dirty="0" err="1" smtClean="0">
+                <a:solidFill>
+                  <a:schemeClr val="tx1"/>
+                </a:solidFill>
+                <a:effectLst/>
+                <a:latin typeface="+mn-lt"/>
+                <a:ea typeface="+mn-ea"/>
+                <a:cs typeface="+mn-cs"/>
+              </a:rPr>
+              <a:t>str</a:t>
+            </a:r>
+            <a:r>
+              <a:rPr lang="en-GB" sz="1200" b="0" i="0" kern="1200" dirty="0" smtClean="0">
+                <a:solidFill>
+                  <a:schemeClr val="tx1"/>
+                </a:solidFill>
+                <a:effectLst/>
+                <a:latin typeface="+mn-lt"/>
+                <a:ea typeface="+mn-ea"/>
+                <a:cs typeface="+mn-cs"/>
+              </a:rPr>
+              <a:t>(arg1) + "..." + </a:t>
+            </a:r>
+            <a:r>
+              <a:rPr lang="en-GB" sz="1200" b="0" i="0" kern="1200" dirty="0" err="1" smtClean="0">
+                <a:solidFill>
+                  <a:schemeClr val="tx1"/>
+                </a:solidFill>
+                <a:effectLst/>
+                <a:latin typeface="+mn-lt"/>
+                <a:ea typeface="+mn-ea"/>
+                <a:cs typeface="+mn-cs"/>
+              </a:rPr>
+              <a:t>str</a:t>
+            </a:r>
+            <a:r>
+              <a:rPr lang="en-GB" sz="1200" b="0" i="0" kern="1200" dirty="0" smtClean="0">
+                <a:solidFill>
+                  <a:schemeClr val="tx1"/>
+                </a:solidFill>
+                <a:effectLst/>
+                <a:latin typeface="+mn-lt"/>
+                <a:ea typeface="+mn-ea"/>
+                <a:cs typeface="+mn-cs"/>
+              </a:rPr>
+              <a:t>(arg2) + "..." but we like this way because it makes it easier to read and you don't have to remember to use </a:t>
+            </a:r>
+            <a:r>
+              <a:rPr lang="en-GB" sz="1200" b="0" i="0" kern="1200" dirty="0" err="1" smtClean="0">
+                <a:solidFill>
+                  <a:schemeClr val="tx1"/>
+                </a:solidFill>
+                <a:effectLst/>
+                <a:latin typeface="+mn-lt"/>
+                <a:ea typeface="+mn-ea"/>
+                <a:cs typeface="+mn-cs"/>
+              </a:rPr>
+              <a:t>str</a:t>
+            </a:r>
+            <a:r>
+              <a:rPr lang="en-GB" sz="1200" b="0" i="0" kern="1200" dirty="0" smtClean="0">
+                <a:solidFill>
+                  <a:schemeClr val="tx1"/>
+                </a:solidFill>
+                <a:effectLst/>
+                <a:latin typeface="+mn-lt"/>
+                <a:ea typeface="+mn-ea"/>
+                <a:cs typeface="+mn-cs"/>
+              </a:rPr>
+              <a:t>(...) to convert the types</a:t>
+            </a:r>
+          </a:p>
+          <a:p>
+            <a:pPr marL="171450" indent="-171450">
+              <a:buFont typeface="Arial" panose="020B0604020202020204" pitchFamily="34" charset="0"/>
+              <a:buChar char="•"/>
+            </a:pPr>
+            <a:r>
+              <a:rPr lang="en-GB" sz="1200" b="0" i="0" kern="1200" dirty="0" smtClean="0">
+                <a:solidFill>
+                  <a:schemeClr val="tx1"/>
+                </a:solidFill>
+                <a:effectLst/>
+                <a:latin typeface="+mn-lt"/>
+                <a:ea typeface="+mn-ea"/>
+                <a:cs typeface="+mn-cs"/>
+              </a:rPr>
+              <a:t>Full conversion steps at: https://github.com/ISISComputingGroup/ibex_user_manual/wiki/genie_python-and-Ibex-%28Converting-from-OpenGENIE%29</a:t>
+            </a:r>
+            <a:endParaRPr lang="en-GB" sz="1200" b="0" i="0" kern="1200" dirty="0">
+              <a:solidFill>
+                <a:schemeClr val="tx1"/>
+              </a:solidFill>
+              <a:effectLst/>
+              <a:latin typeface="+mn-lt"/>
+              <a:ea typeface="+mn-ea"/>
+              <a:cs typeface="+mn-cs"/>
+            </a:endParaRPr>
           </a:p>
         </p:txBody>
       </p:sp>
@@ -4007,7 +4176,7 @@
                 <a:ea typeface="+mn-ea"/>
                 <a:cs typeface="+mn-cs"/>
               </a:rPr>
-              <a:t>Rather than use the value 10 for the number of minutes to wait, we've set it as a variable. That means if we change the value, we only need to change it in one place.</a:t>
+              <a:t>https://github.com/ISISComputingGroup/ibex_user_manual/wiki/genie_python-and-Ibex-%28Exercise-solutions%29</a:t>
             </a:r>
           </a:p>
           <a:p>
@@ -4025,10 +4194,10 @@
                 <a:ea typeface="+mn-ea"/>
                 <a:cs typeface="+mn-cs"/>
               </a:rPr>
-              <a:t>We've used the minutes argument in </a:t>
-            </a:r>
-            <a:r>
-              <a:rPr lang="en-GB" sz="1200" b="0" i="0" kern="1200" dirty="0" err="1" smtClean="0">
+              <a:t>Should be quite straightforward.</a:t>
+            </a:r>
+            <a:r>
+              <a:rPr lang="en-GB" sz="1200" b="0" i="0" kern="1200" baseline="0" dirty="0" smtClean="0">
                 <a:solidFill>
                   <a:schemeClr val="tx1"/>
                 </a:solidFill>
@@ -4037,127 +4206,35 @@
                 <a:ea typeface="+mn-ea"/>
                 <a:cs typeface="+mn-cs"/>
               </a:rPr>
-              <a:t>waitfor_time</a:t>
-            </a:r>
-            <a:r>
-              <a:rPr lang="en-GB" sz="1200" b="0" i="0" kern="1200" dirty="0" smtClean="0">
-                <a:solidFill>
-                  <a:schemeClr val="tx1"/>
-                </a:solidFill>
-                <a:effectLst/>
-                <a:latin typeface="+mn-lt"/>
-                <a:ea typeface="+mn-ea"/>
-                <a:cs typeface="+mn-cs"/>
-              </a:rPr>
-              <a:t> rather than having to apply the conversion factor between minutes and seconds ourselves.</a:t>
-            </a:r>
-          </a:p>
-          <a:p>
-            <a:pPr marL="171450" indent="-171450">
-              <a:buFont typeface="Arial" panose="020B0604020202020204" pitchFamily="34" charset="0"/>
-              <a:buChar char="•"/>
-            </a:pPr>
-            <a:r>
-              <a:rPr lang="en-GB" sz="1200" b="0" i="0" kern="1200" dirty="0" smtClean="0">
-                <a:solidFill>
-                  <a:schemeClr val="tx1"/>
-                </a:solidFill>
-                <a:effectLst/>
-                <a:latin typeface="+mn-lt"/>
-                <a:ea typeface="+mn-ea"/>
-                <a:cs typeface="+mn-cs"/>
-              </a:rPr>
-              <a:t>We've used the syntax "...".format(arg1, arg2) to build our output strings. There are lots of ways to build strings in Python. Alternatively you can just use "..." + </a:t>
-            </a:r>
-            <a:r>
-              <a:rPr lang="en-GB" sz="1200" b="0" i="0" kern="1200" dirty="0" err="1" smtClean="0">
-                <a:solidFill>
-                  <a:schemeClr val="tx1"/>
-                </a:solidFill>
-                <a:effectLst/>
-                <a:latin typeface="+mn-lt"/>
-                <a:ea typeface="+mn-ea"/>
-                <a:cs typeface="+mn-cs"/>
-              </a:rPr>
-              <a:t>str</a:t>
-            </a:r>
-            <a:r>
-              <a:rPr lang="en-GB" sz="1200" b="0" i="0" kern="1200" dirty="0" smtClean="0">
-                <a:solidFill>
-                  <a:schemeClr val="tx1"/>
-                </a:solidFill>
-                <a:effectLst/>
-                <a:latin typeface="+mn-lt"/>
-                <a:ea typeface="+mn-ea"/>
-                <a:cs typeface="+mn-cs"/>
-              </a:rPr>
-              <a:t>(arg1) + "..." + </a:t>
-            </a:r>
-            <a:r>
-              <a:rPr lang="en-GB" sz="1200" b="0" i="0" kern="1200" dirty="0" err="1" smtClean="0">
-                <a:solidFill>
-                  <a:schemeClr val="tx1"/>
-                </a:solidFill>
-                <a:effectLst/>
-                <a:latin typeface="+mn-lt"/>
-                <a:ea typeface="+mn-ea"/>
-                <a:cs typeface="+mn-cs"/>
-              </a:rPr>
-              <a:t>str</a:t>
-            </a:r>
-            <a:r>
-              <a:rPr lang="en-GB" sz="1200" b="0" i="0" kern="1200" dirty="0" smtClean="0">
-                <a:solidFill>
-                  <a:schemeClr val="tx1"/>
-                </a:solidFill>
-                <a:effectLst/>
-                <a:latin typeface="+mn-lt"/>
-                <a:ea typeface="+mn-ea"/>
-                <a:cs typeface="+mn-cs"/>
-              </a:rPr>
-              <a:t>(arg2) + "..." but we like this way because it makes it easier to read and you don't have to remember to use </a:t>
-            </a:r>
-            <a:r>
-              <a:rPr lang="en-GB" sz="1200" b="0" i="0" kern="1200" dirty="0" err="1" smtClean="0">
-                <a:solidFill>
-                  <a:schemeClr val="tx1"/>
-                </a:solidFill>
-                <a:effectLst/>
-                <a:latin typeface="+mn-lt"/>
-                <a:ea typeface="+mn-ea"/>
-                <a:cs typeface="+mn-cs"/>
-              </a:rPr>
-              <a:t>str</a:t>
-            </a:r>
-            <a:r>
-              <a:rPr lang="en-GB" sz="1200" b="0" i="0" kern="1200" dirty="0" smtClean="0">
-                <a:solidFill>
-                  <a:schemeClr val="tx1"/>
-                </a:solidFill>
-                <a:effectLst/>
-                <a:latin typeface="+mn-lt"/>
-                <a:ea typeface="+mn-ea"/>
-                <a:cs typeface="+mn-cs"/>
-              </a:rPr>
-              <a:t>(...) to convert the types</a:t>
-            </a:r>
-          </a:p>
-          <a:p>
-            <a:pPr marL="171450" indent="-171450">
-              <a:buFont typeface="Arial" panose="020B0604020202020204" pitchFamily="34" charset="0"/>
-              <a:buChar char="•"/>
-            </a:pPr>
-            <a:r>
-              <a:rPr lang="en-GB" sz="1200" b="0" i="0" kern="1200" dirty="0" smtClean="0">
-                <a:solidFill>
-                  <a:schemeClr val="tx1"/>
-                </a:solidFill>
-                <a:effectLst/>
-                <a:latin typeface="+mn-lt"/>
-                <a:ea typeface="+mn-ea"/>
-                <a:cs typeface="+mn-cs"/>
-              </a:rPr>
-              <a:t>Full conversion steps at: https://github.com/ISISComputingGroup/ibex_user_manual/wiki/genie_python-and-Ibex-%28Converting-from-OpenGENIE%29</a:t>
+              <a:t> Note the simplification “</a:t>
+            </a:r>
+            <a:r>
+              <a:rPr lang="en-GB" dirty="0" err="1" smtClean="0"/>
+              <a:t>setpoint</a:t>
+            </a:r>
+            <a:r>
+              <a:rPr lang="en-GB" dirty="0" smtClean="0"/>
+              <a:t> = (start + </a:t>
+            </a:r>
+            <a:r>
+              <a:rPr lang="en-GB" dirty="0" err="1" smtClean="0"/>
+              <a:t>i</a:t>
+            </a:r>
+            <a:r>
+              <a:rPr lang="en-GB" dirty="0" smtClean="0"/>
+              <a:t>*</a:t>
+            </a:r>
+            <a:r>
+              <a:rPr lang="en-GB" dirty="0" err="1" smtClean="0"/>
+              <a:t>step_size</a:t>
+            </a:r>
+            <a:r>
+              <a:rPr lang="en-GB" dirty="0" smtClean="0"/>
+              <a:t>) % 360” to avoid</a:t>
+            </a:r>
+            <a:r>
+              <a:rPr lang="en-GB" baseline="0" dirty="0" smtClean="0"/>
+              <a:t> needing to increment step size and do modulo in one step</a:t>
             </a:r>
             <a:endParaRPr lang="en-GB" sz="1200" b="0" i="0" kern="1200" dirty="0">
               <a:solidFill>
@@ -4251,89 +4328,17 @@
           <a:bodyPr/>
           <a:lstStyle/>
           <a:p>
-            <a:pPr marL="171450" indent="-171450">
-              <a:buFont typeface="Arial" panose="020B0604020202020204" pitchFamily="34" charset="0"/>
-              <a:buChar char="•"/>
-            </a:pPr>
-            <a:r>
-              <a:rPr lang="en-GB" sz="1200" b="0" i="0" kern="1200" dirty="0" smtClean="0">
-                <a:solidFill>
-                  <a:schemeClr val="tx1"/>
-                </a:solidFill>
-                <a:effectLst/>
-                <a:latin typeface="+mn-lt"/>
-                <a:ea typeface="+mn-ea"/>
-                <a:cs typeface="+mn-cs"/>
-              </a:rPr>
-              <a:t>https://github.com/ISISComputingGroup/ibex_user_manual/wiki/genie_python-and-Ibex-%28Exercise-solutions%29</a:t>
-            </a:r>
-          </a:p>
-          <a:p>
-            <a:pPr marL="171450" indent="-171450">
-              <a:buFont typeface="Arial" panose="020B0604020202020204" pitchFamily="34" charset="0"/>
-              <a:buChar char="•"/>
-            </a:pPr>
-            <a:r>
-              <a:rPr lang="en-GB" sz="1200" b="0" i="0" kern="1200" dirty="0" smtClean="0">
-                <a:solidFill>
-                  <a:schemeClr val="tx1"/>
-                </a:solidFill>
-                <a:effectLst/>
-                <a:latin typeface="+mn-lt"/>
-                <a:ea typeface="+mn-ea"/>
-                <a:cs typeface="+mn-cs"/>
-              </a:rPr>
-              <a:t>Should be quite straightforward.</a:t>
-            </a:r>
-            <a:r>
-              <a:rPr lang="en-GB" sz="1200" b="0" i="0" kern="1200" baseline="0" dirty="0" smtClean="0">
-                <a:solidFill>
-                  <a:schemeClr val="tx1"/>
-                </a:solidFill>
-                <a:effectLst/>
-                <a:latin typeface="+mn-lt"/>
-                <a:ea typeface="+mn-ea"/>
-                <a:cs typeface="+mn-cs"/>
-              </a:rPr>
-              <a:t> Note the simplification “</a:t>
-            </a:r>
-            <a:r>
-              <a:rPr lang="en-GB" dirty="0" err="1" smtClean="0"/>
-              <a:t>setpoint</a:t>
-            </a:r>
-            <a:r>
-              <a:rPr lang="en-GB" dirty="0" smtClean="0"/>
-              <a:t> = (start + </a:t>
-            </a:r>
-            <a:r>
-              <a:rPr lang="en-GB" dirty="0" err="1" smtClean="0"/>
-              <a:t>i</a:t>
-            </a:r>
-            <a:r>
-              <a:rPr lang="en-GB" dirty="0" smtClean="0"/>
-              <a:t>*</a:t>
-            </a:r>
-            <a:r>
-              <a:rPr lang="en-GB" dirty="0" err="1" smtClean="0"/>
-              <a:t>step_size</a:t>
-            </a:r>
-            <a:r>
-              <a:rPr lang="en-GB" dirty="0" smtClean="0"/>
-              <a:t>) % 360” to avoid</a:t>
+            <a:r>
+              <a:rPr lang="en-GB" dirty="0" smtClean="0"/>
+              <a:t>User manual and genie</a:t>
             </a:r>
             <a:r>
               <a:rPr lang="en-GB" baseline="0" dirty="0" smtClean="0"/>
-              <a:t> needing to increment step size and do modulo in one step</a:t>
-            </a:r>
-            <a:endParaRPr lang="en-GB" sz="1200" b="0" i="0" kern="1200" dirty="0">
-              <a:solidFill>
-                <a:schemeClr val="tx1"/>
-              </a:solidFill>
-              <a:effectLst/>
-              <a:latin typeface="+mn-lt"/>
-              <a:ea typeface="+mn-ea"/>
-              <a:cs typeface="+mn-cs"/>
-            </a:endParaRPr>
+              <a:t> python manual</a:t>
+            </a:r>
+          </a:p>
+          <a:p>
+            <a:endParaRPr lang="en-GB" dirty="0"/>
           </a:p>
         </p:txBody>
       </p:sp>
@@ -4355,100 +4360,6 @@
             <a:fld id="{EAEECE71-DBFB-4B75-8F10-14EC87FCE1EC}" type="slidenum">
               <a:rPr lang="en-GB" smtClean="0"/>
               <a:t>32</a:t>
-            </a:fld>
-            <a:endParaRPr lang="en-GB" dirty="0"/>
-          </a:p>
-        </p:txBody>
-      </p:sp>
-    </p:spTree>
-    <p:extLst>
-      <p:ext uri="{BB962C8B-B14F-4D97-AF65-F5344CB8AC3E}">
-        <p14:creationId xmlns:p14="http://schemas.microsoft.com/office/powerpoint/2010/main" val="1049264693"/>
-      </p:ext>
-    </p:extLst>
-  </p:cSld>
-  <p:clrMapOvr>
-    <a:masterClrMapping/>
-  </p:clrMapOvr>
-</p:notes>
-</file>
-
-<file path=ppt/notesSlides/notesSlide33.xml><?xml version="1.0" encoding="utf-8"?>
-<p:notes xmlns:a="http://schemas.openxmlformats.org/drawingml/2006/main" xmlns:r="http://schemas.openxmlformats.org/officeDocument/2006/relationships" xmlns:p="http://schemas.openxmlformats.org/presentationml/2006/main">
-  <p:cSld>
-    <p:spTree>
-      <p:nvGrpSpPr>
-        <p:cNvPr id="1" name=""/>
-        <p:cNvGrpSpPr/>
-        <p:nvPr/>
-      </p:nvGrpSpPr>
-      <p:grpSpPr>
-        <a:xfrm>
-          <a:off x="0" y="0"/>
-          <a:ext cx="0" cy="0"/>
-          <a:chOff x="0" y="0"/>
-          <a:chExt cx="0" cy="0"/>
-        </a:xfrm>
-      </p:grpSpPr>
-      <p:sp>
-        <p:nvSpPr>
-          <p:cNvPr id="2" name="Slide Image Placeholder 1"/>
-          <p:cNvSpPr>
-            <a:spLocks noGrp="1" noRot="1" noChangeAspect="1"/>
-          </p:cNvSpPr>
-          <p:nvPr>
-            <p:ph type="sldImg"/>
-          </p:nvPr>
-        </p:nvSpPr>
-        <p:spPr/>
-      </p:sp>
-      <p:sp>
-        <p:nvSpPr>
-          <p:cNvPr id="3" name="Notes Placeholder 2"/>
-          <p:cNvSpPr>
-            <a:spLocks noGrp="1"/>
-          </p:cNvSpPr>
-          <p:nvPr>
-            <p:ph type="body" idx="1"/>
-          </p:nvPr>
-        </p:nvSpPr>
-        <p:spPr/>
-        <p:txBody>
-          <a:bodyPr/>
-          <a:lstStyle/>
-          <a:p>
-            <a:r>
-              <a:rPr lang="en-GB" dirty="0" smtClean="0"/>
-              <a:t>User manual and genie</a:t>
-            </a:r>
-            <a:r>
-              <a:rPr lang="en-GB" baseline="0" dirty="0" smtClean="0"/>
-              <a:t> python manual</a:t>
-            </a:r>
-          </a:p>
-          <a:p>
-            <a:endParaRPr lang="en-GB" dirty="0"/>
-          </a:p>
-        </p:txBody>
-      </p:sp>
-      <p:sp>
-        <p:nvSpPr>
-          <p:cNvPr id="4" name="Slide Number Placeholder 3"/>
-          <p:cNvSpPr>
-            <a:spLocks noGrp="1"/>
-          </p:cNvSpPr>
-          <p:nvPr>
-            <p:ph type="sldNum" sz="quarter" idx="10"/>
-          </p:nvPr>
-        </p:nvSpPr>
-        <p:spPr/>
-        <p:txBody>
-          <a:bodyPr/>
-          <a:lstStyle/>
-          <a:p>
-            <a:fld id="{EAEECE71-DBFB-4B75-8F10-14EC87FCE1EC}" type="slidenum">
-              <a:rPr lang="en-GB" smtClean="0"/>
-              <a:t>33</a:t>
             </a:fld>
             <a:endParaRPr lang="en-GB" dirty="0"/>
           </a:p>
@@ -5198,13 +5109,12 @@
             </a:pPr>
             <a:r>
               <a:rPr lang="en-GB" dirty="0" smtClean="0"/>
-              <a:t>This</a:t>
+              <a:t>Run</a:t>
             </a:r>
             <a:r>
               <a:rPr lang="en-GB" baseline="0" dirty="0" smtClean="0"/>
-              <a:t> should all be review of how arguments are passed to functions. They should know this.</a:t>
-            </a:r>
-            <a:endParaRPr lang="en-GB" dirty="0" smtClean="0"/>
+              <a:t> through the basic run state commands</a:t>
+            </a:r>
           </a:p>
           <a:p>
             <a:pPr marL="171450" indent="-171450">
@@ -5213,171 +5123,24 @@
             </a:pPr>
             <a:r>
               <a:rPr lang="en-GB" dirty="0" smtClean="0"/>
-              <a:t>Arguments are passed to functions as a comma-separated list within brackets. For example ``</a:t>
-            </a:r>
-            <a:r>
-              <a:rPr lang="en-GB" dirty="0" err="1" smtClean="0"/>
-              <a:t>g.add_spectrum</a:t>
-            </a:r>
-            <a:r>
-              <a:rPr lang="en-GB" dirty="0" smtClean="0"/>
-              <a:t>(1, 2)``</a:t>
-            </a:r>
-          </a:p>
-          <a:p>
-            <a:pPr marL="171450" indent="-171450">
-              <a:buFontTx/>
-              <a:buChar char="-"/>
-            </a:pPr>
-            <a:r>
-              <a:rPr lang="en-GB" dirty="0" smtClean="0"/>
-              <a:t>Arguments may be named or not. For example ``</a:t>
-            </a:r>
-            <a:r>
-              <a:rPr lang="en-GB" dirty="0" err="1" smtClean="0"/>
-              <a:t>g.add_spectrum</a:t>
-            </a:r>
-            <a:r>
-              <a:rPr lang="en-GB" dirty="0" smtClean="0"/>
-              <a:t>(spectrum=1, period=2)``</a:t>
-            </a:r>
-          </a:p>
-          <a:p>
-            <a:pPr marL="171450" indent="-171450">
-              <a:buFontTx/>
-              <a:buChar char="-"/>
-            </a:pPr>
-            <a:r>
-              <a:rPr lang="en-GB" dirty="0" smtClean="0"/>
-              <a:t>Named and un-named arguments can be mixed but the named arguments must appear last. For example ``</a:t>
-            </a:r>
-            <a:r>
-              <a:rPr lang="en-GB" dirty="0" err="1" smtClean="0"/>
-              <a:t>g.add_spectrum</a:t>
-            </a:r>
-            <a:r>
-              <a:rPr lang="en-GB" dirty="0" smtClean="0"/>
-              <a:t>(1, period=2)``</a:t>
-            </a:r>
-          </a:p>
-          <a:p>
-            <a:pPr marL="171450" indent="-171450">
-              <a:buFontTx/>
-              <a:buChar char="-"/>
-            </a:pPr>
-            <a:r>
-              <a:rPr lang="en-GB" dirty="0" smtClean="0"/>
-              <a:t>Un-named arguments will be interpreted in the order of the function definition. Named arguments can be in any order. So ``</a:t>
-            </a:r>
-            <a:r>
-              <a:rPr lang="en-GB" dirty="0" err="1" smtClean="0"/>
-              <a:t>g.add_spectrum</a:t>
-            </a:r>
-            <a:r>
-              <a:rPr lang="en-GB" dirty="0" smtClean="0"/>
-              <a:t>(period=2, spectrum=1)`` would be valid but ``</a:t>
-            </a:r>
-            <a:r>
-              <a:rPr lang="en-GB" dirty="0" err="1" smtClean="0"/>
-              <a:t>g.add_spectrum</a:t>
-            </a:r>
-            <a:r>
-              <a:rPr lang="en-GB" dirty="0" smtClean="0"/>
-              <a:t>(2, spectrum=1)`` would not.</a:t>
-            </a:r>
-          </a:p>
-          <a:p>
-            <a:pPr marL="171450" indent="-171450">
-              <a:buFontTx/>
-              <a:buChar char="-"/>
-            </a:pPr>
-            <a:r>
-              <a:rPr lang="en-GB" dirty="0" smtClean="0"/>
-              <a:t>Some arguments may be defaulted in which case they do not need to be included in the argument list. For example ``</a:t>
-            </a:r>
-            <a:r>
-              <a:rPr lang="en-GB" dirty="0" err="1" smtClean="0"/>
-              <a:t>g.add_spectrum</a:t>
-            </a:r>
-            <a:r>
-              <a:rPr lang="en-GB" dirty="0" smtClean="0"/>
-              <a:t>(1)`` is equivalent to ``</a:t>
-            </a:r>
-            <a:r>
-              <a:rPr lang="en-GB" dirty="0" err="1" smtClean="0"/>
-              <a:t>g.add_spectrum</a:t>
-            </a:r>
-            <a:r>
-              <a:rPr lang="en-GB" dirty="0" smtClean="0"/>
-              <a:t>(1, 1)``.</a:t>
-            </a:r>
-          </a:p>
-          <a:p>
-            <a:pPr marL="171450" indent="-171450">
-              <a:buFontTx/>
-              <a:buChar char="-"/>
-            </a:pPr>
-            <a:r>
-              <a:rPr lang="en-GB" dirty="0" smtClean="0"/>
-              <a:t>The following three calls are all equivalent</a:t>
-            </a:r>
-          </a:p>
-          <a:p>
-            <a:pPr marL="628650" lvl="1" indent="-171450">
-              <a:buFontTx/>
-              <a:buChar char="-"/>
-            </a:pPr>
+              <a:t>Warn</a:t>
+            </a:r>
+            <a:r>
+              <a:rPr lang="en-GB" baseline="0" dirty="0" smtClean="0"/>
+              <a:t> users </a:t>
+            </a:r>
+            <a:r>
+              <a:rPr lang="en-GB" dirty="0" smtClean="0"/>
+              <a:t>not to assume the resultant state when using these commands. For example, you may run ``</a:t>
+            </a:r>
             <a:r>
               <a:rPr lang="en-GB" dirty="0" err="1" smtClean="0"/>
               <a:t>g.begin</a:t>
             </a:r>
             <a:r>
               <a:rPr lang="en-GB" dirty="0" smtClean="0"/>
-              <a:t>()</a:t>
-            </a:r>
-          </a:p>
-          <a:p>
-            <a:pPr marL="628650" lvl="1" indent="-171450">
-              <a:buFontTx/>
-              <a:buChar char="-"/>
-            </a:pPr>
-            <a:r>
-              <a:rPr lang="en-GB" dirty="0" err="1" smtClean="0"/>
-              <a:t>g.begin</a:t>
-            </a:r>
-            <a:r>
-              <a:rPr lang="en-GB" dirty="0" smtClean="0"/>
-              <a:t>(False)</a:t>
-            </a:r>
-          </a:p>
-          <a:p>
-            <a:pPr marL="628650" lvl="1" indent="-171450">
-              <a:buFontTx/>
-              <a:buChar char="-"/>
-            </a:pPr>
-            <a:r>
-              <a:rPr lang="en-GB" dirty="0" err="1" smtClean="0"/>
-              <a:t>g.begin</a:t>
-            </a:r>
-            <a:r>
-              <a:rPr lang="en-GB" dirty="0" smtClean="0"/>
-              <a:t>(verbose=False)</a:t>
-            </a:r>
-          </a:p>
-          <a:p>
-            <a:pPr marL="171450" lvl="0" indent="-171450">
-              <a:buFontTx/>
-              <a:buChar char="-"/>
-            </a:pPr>
-            <a:r>
-              <a:rPr lang="en-GB" dirty="0" smtClean="0"/>
-              <a:t>I</a:t>
-            </a:r>
-            <a:r>
-              <a:rPr lang="en-GB" baseline="0" dirty="0" smtClean="0"/>
-              <a:t> would pick the first if I never want verbose output, I would choose the latter if I sometimes wanted verbose output and wanted to make my choice explicit. I would use the final syntax if the script was being read/modified by a novice user unfamiliar with what the argument is likely to mean</a:t>
-            </a:r>
-            <a:endParaRPr lang="en-GB" dirty="0" smtClean="0"/>
+              <a:t>()`` and then expect the instrument to be running. That may be true, but it could also be waiting, vetoing, or still setup. It's a good idea to put checks into your scripts that you've reached the expected state.</a:t>
+            </a:r>
           </a:p>
         </p:txBody>
       </p:sp>
@@ -5467,11 +5230,15 @@
             </a:pPr>
             <a:r>
               <a:rPr lang="en-GB" dirty="0" smtClean="0"/>
-              <a:t>Run</a:t>
-            </a:r>
-            <a:r>
-              <a:rPr lang="en-GB" baseline="0" dirty="0" smtClean="0"/>
-              <a:t> through the basic run state commands</a:t>
+              <a:t>``</a:t>
+            </a:r>
+            <a:r>
+              <a:rPr lang="en-GB" dirty="0" err="1" smtClean="0"/>
+              <a:t>g.waitfor_time</a:t>
+            </a:r>
+            <a:r>
+              <a:rPr lang="en-GB" dirty="0" smtClean="0"/>
+              <a:t>(seconds=10)``. Wait for 10 seconds</a:t>
             </a:r>
           </a:p>
           <a:p>
@@ -5481,23 +5248,64 @@
             </a:pPr>
             <a:r>
               <a:rPr lang="en-GB" dirty="0" smtClean="0"/>
-              <a:t>Warn</a:t>
-            </a:r>
-            <a:r>
-              <a:rPr lang="en-GB" baseline="0" dirty="0" smtClean="0"/>
-              <a:t> users </a:t>
-            </a:r>
-            <a:r>
-              <a:rPr lang="en-GB" dirty="0" smtClean="0"/>
-              <a:t>not to assume the resultant state when using these commands. For example, you may run ``</a:t>
+              <a:t>``</a:t>
             </a:r>
             <a:r>
               <a:rPr lang="en-GB" dirty="0" err="1" smtClean="0"/>
-              <a:t>g.begin</a:t>
-            </a:r>
-            <a:r>
-              <a:rPr lang="en-GB" dirty="0" smtClean="0"/>
-              <a:t>()`` and then expect the instrument to be running. That may be true, but it could also be waiting, vetoing, or still setup. It's a good idea to put checks into your scripts that you've reached the expected state.</a:t>
+              <a:t>g.waitfor_time</a:t>
+            </a:r>
+            <a:r>
+              <a:rPr lang="en-GB" dirty="0" smtClean="0"/>
+              <a:t>(minutes=10)``. Wait for 10 minutes</a:t>
+            </a:r>
+          </a:p>
+          <a:p>
+            <a:pPr marL="171450" indent="-171450">
+              <a:buFontTx/>
+              <a:buChar char="-"/>
+            </a:pPr>
+            <a:r>
+              <a:rPr lang="en-GB" dirty="0" smtClean="0"/>
+              <a:t>``</a:t>
+            </a:r>
+            <a:r>
+              <a:rPr lang="en-GB" dirty="0" err="1" smtClean="0"/>
+              <a:t>g.waitfor_uamps</a:t>
+            </a:r>
+            <a:r>
+              <a:rPr lang="en-GB" dirty="0" smtClean="0"/>
+              <a:t>(10)``. Wait for the total received current to reach 10 </a:t>
+            </a:r>
+            <a:r>
+              <a:rPr lang="en-GB" dirty="0" err="1" smtClean="0"/>
+              <a:t>uamps</a:t>
+            </a:r>
+            <a:endParaRPr lang="en-GB" dirty="0" smtClean="0"/>
+          </a:p>
+          <a:p>
+            <a:pPr marL="171450" indent="-171450">
+              <a:buFontTx/>
+              <a:buChar char="-"/>
+            </a:pPr>
+            <a:r>
+              <a:rPr lang="en-GB" dirty="0" smtClean="0"/>
+              <a:t>``</a:t>
+            </a:r>
+            <a:r>
+              <a:rPr lang="en-GB" dirty="0" err="1" smtClean="0"/>
+              <a:t>g.waitfor_block</a:t>
+            </a:r>
+            <a:r>
+              <a:rPr lang="en-GB" dirty="0" smtClean="0"/>
+              <a:t>(block="MY_BLOCK", </a:t>
+            </a:r>
+            <a:r>
+              <a:rPr lang="en-GB" dirty="0" err="1" smtClean="0"/>
+              <a:t>lowlimit</a:t>
+            </a:r>
+            <a:r>
+              <a:rPr lang="en-GB" dirty="0" smtClean="0"/>
+              <a:t>=10)``. Wait for the block "MY_BLOCK" to be greater than or equal to 10</a:t>
             </a:r>
           </a:p>
         </p:txBody>
@@ -5582,105 +5390,11 @@
           <a:bodyPr/>
           <a:lstStyle/>
           <a:p>
-            <a:pPr marL="171450" indent="-171450">
+            <a:pPr marL="0" indent="0">
               <a:buFontTx/>
-              <a:buChar char="-"/>
-            </a:pPr>
-            <a:r>
-              <a:rPr lang="en-GB" dirty="0" smtClean="0"/>
-              <a:t>``</a:t>
-            </a:r>
-            <a:r>
-              <a:rPr lang="en-GB" dirty="0" err="1" smtClean="0"/>
-              <a:t>g.waitfor_time</a:t>
-            </a:r>
-            <a:r>
-              <a:rPr lang="en-GB" dirty="0" smtClean="0"/>
-              <a:t>(seconds=10</a:t>
-            </a:r>
-            <a:r>
-              <a:rPr lang="en-GB" dirty="0" smtClean="0"/>
-              <a:t>)``. Wait for 10 seconds</a:t>
-            </a:r>
-          </a:p>
-          <a:p>
-            <a:pPr marL="171450" indent="-171450">
-              <a:buFontTx/>
-              <a:buChar char="-"/>
-            </a:pPr>
-            <a:r>
-              <a:rPr lang="en-GB" dirty="0" smtClean="0"/>
-              <a:t>``</a:t>
-            </a:r>
-            <a:r>
-              <a:rPr lang="en-GB" dirty="0" err="1" smtClean="0"/>
-              <a:t>g.waitfor_time</a:t>
-            </a:r>
-            <a:r>
-              <a:rPr lang="en-GB" dirty="0" smtClean="0"/>
-              <a:t>(minutes=10</a:t>
-            </a:r>
-            <a:r>
-              <a:rPr lang="en-GB" dirty="0" smtClean="0"/>
-              <a:t>)``. Wait for 10 minutes</a:t>
-            </a:r>
-          </a:p>
-          <a:p>
-            <a:pPr marL="171450" indent="-171450">
-              <a:buFontTx/>
-              <a:buChar char="-"/>
-            </a:pPr>
-            <a:r>
-              <a:rPr lang="en-GB" dirty="0" smtClean="0"/>
-              <a:t>``</a:t>
-            </a:r>
-            <a:r>
-              <a:rPr lang="en-GB" dirty="0" err="1" smtClean="0"/>
-              <a:t>g.waitfor_uamps</a:t>
-            </a:r>
-            <a:r>
-              <a:rPr lang="en-GB" dirty="0" smtClean="0"/>
-              <a:t>(10</a:t>
-            </a:r>
-            <a:r>
-              <a:rPr lang="en-GB" dirty="0" smtClean="0"/>
-              <a:t>)``. Wait for the total received current to reach 10 </a:t>
-            </a:r>
-            <a:r>
-              <a:rPr lang="en-GB" dirty="0" err="1" smtClean="0"/>
-              <a:t>uamps</a:t>
-            </a:r>
+              <a:buNone/>
+            </a:pPr>
             <a:endParaRPr lang="en-GB" dirty="0" smtClean="0"/>
-          </a:p>
-          <a:p>
-            <a:pPr marL="171450" indent="-171450">
-              <a:buFontTx/>
-              <a:buChar char="-"/>
-            </a:pPr>
-            <a:r>
-              <a:rPr lang="en-GB" dirty="0" smtClean="0"/>
-              <a:t>``</a:t>
-            </a:r>
-            <a:r>
-              <a:rPr lang="en-GB" dirty="0" err="1" smtClean="0"/>
-              <a:t>g.waitfor_block</a:t>
-            </a:r>
-            <a:r>
-              <a:rPr lang="en-GB" dirty="0" smtClean="0"/>
-              <a:t>(block</a:t>
-            </a:r>
-            <a:r>
-              <a:rPr lang="en-GB" dirty="0" smtClean="0"/>
-              <a:t>="MY_BLOCK", </a:t>
-            </a:r>
-            <a:r>
-              <a:rPr lang="en-GB" dirty="0" err="1" smtClean="0"/>
-              <a:t>lowlimit</a:t>
-            </a:r>
-            <a:r>
-              <a:rPr lang="en-GB" dirty="0" smtClean="0"/>
-              <a:t>=10)``. Wait for the block "MY_BLOCK" to be greater than or equal to 10</a:t>
-            </a:r>
           </a:p>
         </p:txBody>
       </p:sp>
@@ -9423,177 +9137,6 @@
               <a:rPr lang="en-GB" dirty="0" smtClean="0"/>
             </a:br>
             <a:r>
-              <a:rPr lang="en-GB" dirty="0" smtClean="0"/>
-              <a:t>Update and store</a:t>
-            </a:r>
-            <a:endParaRPr lang="en-GB" dirty="0"/>
-          </a:p>
-        </p:txBody>
-      </p:sp>
-      <p:sp>
-        <p:nvSpPr>
-          <p:cNvPr id="3" name="TextBox 2"/>
-          <p:cNvSpPr txBox="1"/>
-          <p:nvPr/>
-        </p:nvSpPr>
-        <p:spPr>
-          <a:xfrm>
-            <a:off x="395536" y="1844824"/>
-            <a:ext cx="8496944" cy="3108543"/>
-          </a:xfrm>
-          <a:prstGeom prst="rect">
-            <a:avLst/>
-          </a:prstGeom>
-          <a:noFill/>
-        </p:spPr>
-        <p:txBody>
-          <a:bodyPr wrap="square" rtlCol="0">
-            <a:spAutoFit/>
-          </a:bodyPr>
-          <a:lstStyle/>
-          <a:p>
-            <a:pPr marL="342900" indent="-342900">
-              <a:buFont typeface="Arial" panose="020B0604020202020204" pitchFamily="34" charset="0"/>
-              <a:buChar char="•"/>
-            </a:pPr>
-            <a:r>
-              <a:rPr lang="en-GB" sz="2800" dirty="0"/>
-              <a:t>You can update and store DAE results </a:t>
-            </a:r>
-            <a:r>
-              <a:rPr lang="en-GB" sz="2800" dirty="0" smtClean="0"/>
-              <a:t>using:</a:t>
-            </a:r>
-          </a:p>
-          <a:p>
-            <a:pPr marL="800100" lvl="1" indent="-342900">
-              <a:buFont typeface="Arial" panose="020B0604020202020204" pitchFamily="34" charset="0"/>
-              <a:buChar char="•"/>
-            </a:pPr>
-            <a:r>
-              <a:rPr lang="en-GB" sz="2800" i="1" dirty="0" smtClean="0"/>
-              <a:t>update</a:t>
-            </a:r>
-            <a:r>
-              <a:rPr lang="en-GB" sz="2800" dirty="0" smtClean="0"/>
-              <a:t>: </a:t>
-            </a:r>
-            <a:r>
-              <a:rPr lang="en-GB" sz="2800" dirty="0"/>
-              <a:t>Load the data from the DAE into </a:t>
-            </a:r>
-            <a:r>
-              <a:rPr lang="en-GB" sz="2800" dirty="0" smtClean="0"/>
-              <a:t>memory</a:t>
-            </a:r>
-          </a:p>
-          <a:p>
-            <a:pPr marL="800100" lvl="1" indent="-342900">
-              <a:buFont typeface="Arial" panose="020B0604020202020204" pitchFamily="34" charset="0"/>
-              <a:buChar char="•"/>
-            </a:pPr>
-            <a:r>
-              <a:rPr lang="en-GB" sz="2800" i="1" dirty="0" smtClean="0"/>
-              <a:t>store</a:t>
-            </a:r>
-            <a:r>
-              <a:rPr lang="en-GB" sz="2800" dirty="0" smtClean="0"/>
-              <a:t>: </a:t>
-            </a:r>
-            <a:r>
-              <a:rPr lang="en-GB" sz="2800" dirty="0"/>
-              <a:t>Write the updated DAE information to </a:t>
-            </a:r>
-            <a:r>
-              <a:rPr lang="en-GB" sz="2800" dirty="0" smtClean="0"/>
-              <a:t>disk</a:t>
-            </a:r>
-          </a:p>
-          <a:p>
-            <a:pPr marL="800100" lvl="1" indent="-342900">
-              <a:buFont typeface="Arial" panose="020B0604020202020204" pitchFamily="34" charset="0"/>
-              <a:buChar char="•"/>
-            </a:pPr>
-            <a:r>
-              <a:rPr lang="en-GB" sz="2800" i="1" dirty="0" err="1" smtClean="0"/>
-              <a:t>updatestore</a:t>
-            </a:r>
-            <a:r>
-              <a:rPr lang="en-GB" sz="2800" dirty="0" smtClean="0"/>
-              <a:t>: </a:t>
-            </a:r>
-            <a:r>
-              <a:rPr lang="en-GB" sz="2800" dirty="0"/>
-              <a:t>Load the data from the DAE into memory and store it to disk</a:t>
-            </a:r>
-            <a:endParaRPr lang="en-GB" sz="2800" dirty="0">
-              <a:solidFill>
-                <a:srgbClr val="00B050"/>
-              </a:solidFill>
-            </a:endParaRPr>
-          </a:p>
-        </p:txBody>
-      </p:sp>
-    </p:spTree>
-    <p:extLst>
-      <p:ext uri="{BB962C8B-B14F-4D97-AF65-F5344CB8AC3E}">
-        <p14:creationId xmlns:p14="http://schemas.microsoft.com/office/powerpoint/2010/main" val="1268031764"/>
-      </p:ext>
-    </p:extLst>
-  </p:cSld>
-  <p:clrMapOvr>
-    <a:masterClrMapping/>
-  </p:clrMapOvr>
-  <p:timing>
-    <p:tnLst>
-      <p:par>
-        <p:cTn id="1" dur="indefinite" restart="never" nodeType="tmRoot"/>
-      </p:par>
-    </p:tnLst>
-  </p:timing>
-</p:sld>
-</file>
-
-<file path=ppt/slides/slide11.xml><?xml version="1.0" encoding="utf-8"?>
-<p:sld xmlns:a="http://schemas.openxmlformats.org/drawingml/2006/main" xmlns:r="http://schemas.openxmlformats.org/officeDocument/2006/relationships" xmlns:p="http://schemas.openxmlformats.org/presentationml/2006/main">
-  <p:cSld>
-    <p:spTree>
-      <p:nvGrpSpPr>
-        <p:cNvPr id="1" name=""/>
-        <p:cNvGrpSpPr/>
-        <p:nvPr/>
-      </p:nvGrpSpPr>
-      <p:grpSpPr>
-        <a:xfrm>
-          <a:off x="0" y="0"/>
-          <a:ext cx="0" cy="0"/>
-          <a:chOff x="0" y="0"/>
-          <a:chExt cx="0" cy="0"/>
-        </a:xfrm>
-      </p:grpSpPr>
-      <p:sp>
-        <p:nvSpPr>
-          <p:cNvPr id="2" name="Title 1"/>
-          <p:cNvSpPr>
-            <a:spLocks noGrp="1"/>
-          </p:cNvSpPr>
-          <p:nvPr>
-            <p:ph type="title"/>
-          </p:nvPr>
-        </p:nvSpPr>
-        <p:spPr/>
-        <p:txBody>
-          <a:bodyPr/>
-          <a:lstStyle/>
-          <a:p>
-            <a:r>
-              <a:rPr lang="en-GB" dirty="0" smtClean="0"/>
-              <a:t>Common commands: </a:t>
-            </a:r>
-            <a:br>
-              <a:rPr lang="en-GB" dirty="0" smtClean="0"/>
-            </a:br>
-            <a:r>
               <a:rPr lang="en-GB" dirty="0" smtClean="0">
                 <a:solidFill>
                   <a:srgbClr val="00B050"/>
@@ -9683,7 +9226,7 @@
 </p:sld>
 </file>
 
-<file path=ppt/slides/slide12.xml><?xml version="1.0" encoding="utf-8"?>
+<file path=ppt/slides/slide11.xml><?xml version="1.0" encoding="utf-8"?>
 <p:sld xmlns:a="http://schemas.openxmlformats.org/drawingml/2006/main" xmlns:r="http://schemas.openxmlformats.org/officeDocument/2006/relationships" xmlns:p="http://schemas.openxmlformats.org/presentationml/2006/main">
   <p:cSld>
     <p:spTree>
@@ -9757,7 +9300,13 @@
               <a:buChar char="•"/>
             </a:pPr>
             <a:r>
-              <a:rPr lang="en-GB" sz="1400" i="1" dirty="0" err="1"/>
+              <a:rPr lang="en-GB" sz="1400" dirty="0" err="1">
+                <a:solidFill>
+                  <a:schemeClr val="accent2"/>
+                </a:solidFill>
+                <a:latin typeface="Consolas" panose="020B0609020204030204" pitchFamily="49" charset="0"/>
+                <a:cs typeface="Consolas" panose="020B0609020204030204" pitchFamily="49" charset="0"/>
+              </a:rPr>
               <a:t>get_blocks</a:t>
             </a:r>
             <a:r>
@@ -9771,7 +9320,13 @@
               <a:buChar char="•"/>
             </a:pPr>
             <a:r>
-              <a:rPr lang="en-GB" sz="1400" i="1" dirty="0" err="1"/>
+              <a:rPr lang="en-GB" sz="1400" dirty="0" err="1">
+                <a:solidFill>
+                  <a:schemeClr val="accent2"/>
+                </a:solidFill>
+                <a:latin typeface="Consolas" panose="020B0609020204030204" pitchFamily="49" charset="0"/>
+                <a:cs typeface="Consolas" panose="020B0609020204030204" pitchFamily="49" charset="0"/>
+              </a:rPr>
               <a:t>cshow</a:t>
             </a:r>
             <a:r>
@@ -9813,7 +9368,13 @@
               <a:buChar char="•"/>
             </a:pPr>
             <a:r>
-              <a:rPr lang="en-GB" sz="1400" i="1" dirty="0" err="1"/>
+              <a:rPr lang="en-GB" sz="1400" dirty="0" err="1">
+                <a:solidFill>
+                  <a:schemeClr val="accent2"/>
+                </a:solidFill>
+                <a:latin typeface="Consolas" panose="020B0609020204030204" pitchFamily="49" charset="0"/>
+                <a:cs typeface="Consolas" panose="020B0609020204030204" pitchFamily="49" charset="0"/>
+              </a:rPr>
               <a:t>cget</a:t>
             </a:r>
             <a:r>
@@ -9839,7 +9400,13 @@
               <a:t> </a:t>
             </a:r>
             <a:r>
-              <a:rPr lang="en-GB" sz="1400" dirty="0" err="1"/>
+              <a:rPr lang="en-GB" sz="1400" dirty="0" err="1">
+                <a:solidFill>
+                  <a:schemeClr val="accent2"/>
+                </a:solidFill>
+                <a:latin typeface="Consolas" panose="020B0609020204030204" pitchFamily="49" charset="0"/>
+                <a:cs typeface="Consolas" panose="020B0609020204030204" pitchFamily="49" charset="0"/>
+              </a:rPr>
               <a:t>cshow</a:t>
             </a:r>
             <a:r>
@@ -9868,8 +9435,34 @@
               <a:buChar char="•"/>
             </a:pPr>
             <a:r>
-              <a:rPr lang="en-GB" sz="1400" i="1" dirty="0" err="1" smtClean="0"/>
-              <a:t>cset</a:t>
+              <a:rPr lang="en-GB" sz="1400" dirty="0" err="1">
+                <a:solidFill>
+                  <a:schemeClr val="accent2"/>
+                </a:solidFill>
+                <a:latin typeface="Consolas" panose="020B0609020204030204" pitchFamily="49" charset="0"/>
+                <a:cs typeface="Consolas" panose="020B0609020204030204" pitchFamily="49" charset="0"/>
+              </a:rPr>
+              <a:t>c</a:t>
+            </a:r>
+            <a:r>
+              <a:rPr lang="en-GB" sz="1400" dirty="0" err="1">
+                <a:solidFill>
+                  <a:schemeClr val="accent2"/>
+                </a:solidFill>
+                <a:latin typeface="Consolas" panose="020B0609020204030204" pitchFamily="49" charset="0"/>
+                <a:cs typeface="Consolas" panose="020B0609020204030204" pitchFamily="49" charset="0"/>
+              </a:rPr>
+              <a:t>se</a:t>
+            </a:r>
+            <a:r>
+              <a:rPr lang="en-GB" sz="1400" dirty="0" err="1">
+                <a:solidFill>
+                  <a:schemeClr val="accent2"/>
+                </a:solidFill>
+                <a:latin typeface="Consolas" panose="020B0609020204030204" pitchFamily="49" charset="0"/>
+                <a:cs typeface="Consolas" panose="020B0609020204030204" pitchFamily="49" charset="0"/>
+              </a:rPr>
+              <a:t>t</a:t>
             </a:r>
             <a:r>
               <a:rPr lang="en-GB" sz="1400" dirty="0"/>
@@ -9915,20 +9508,34 @@
               <a:buChar char="•"/>
             </a:pPr>
             <a:r>
-              <a:rPr lang="en-GB" sz="1400" dirty="0" smtClean="0"/>
-              <a:t>E.g.</a:t>
-            </a:r>
-            <a:r>
-              <a:rPr lang="en-GB" sz="1400" dirty="0"/>
-              <a:t> </a:t>
-            </a:r>
-            <a:r>
-              <a:rPr lang="en-GB" sz="1400" dirty="0" err="1"/>
+              <a:rPr lang="en-GB" sz="1400" dirty="0" err="1" smtClean="0">
+                <a:solidFill>
+                  <a:schemeClr val="accent2"/>
+                </a:solidFill>
+                <a:latin typeface="Consolas" panose="020B0609020204030204" pitchFamily="49" charset="0"/>
+                <a:cs typeface="Consolas" panose="020B0609020204030204" pitchFamily="49" charset="0"/>
+              </a:rPr>
               <a:t>g.cset</a:t>
             </a:r>
             <a:r>
-              <a:rPr lang="en-GB" sz="1400" dirty="0"/>
-              <a:t>(MY_BLOCK=1, MY_OTHER_BLOCK=2)</a:t>
+              <a:rPr lang="en-GB" sz="1400" dirty="0" smtClean="0">
+                <a:solidFill>
+                  <a:schemeClr val="accent2"/>
+                </a:solidFill>
+                <a:latin typeface="Consolas" panose="020B0609020204030204" pitchFamily="49" charset="0"/>
+                <a:cs typeface="Consolas" panose="020B0609020204030204" pitchFamily="49" charset="0"/>
+              </a:rPr>
+              <a:t>(MY_BLOCK=1</a:t>
+            </a:r>
+            <a:r>
+              <a:rPr lang="en-GB" sz="1400" dirty="0">
+                <a:solidFill>
+                  <a:schemeClr val="accent2"/>
+                </a:solidFill>
+                <a:latin typeface="Consolas" panose="020B0609020204030204" pitchFamily="49" charset="0"/>
+                <a:cs typeface="Consolas" panose="020B0609020204030204" pitchFamily="49" charset="0"/>
+              </a:rPr>
+              <a:t>, MY_OTHER_BLOCK=2)</a:t>
             </a:r>
           </a:p>
           <a:p>
@@ -9947,47 +9554,93 @@
               <a:buChar char="•"/>
             </a:pPr>
             <a:r>
-              <a:rPr lang="en-GB" sz="1400" dirty="0" smtClean="0"/>
-              <a:t>E.g.</a:t>
-            </a:r>
-            <a:r>
-              <a:rPr lang="en-GB" sz="1400" dirty="0"/>
-              <a:t> </a:t>
-            </a:r>
-            <a:r>
-              <a:rPr lang="en-GB" sz="1400" dirty="0" err="1"/>
+              <a:rPr lang="en-GB" sz="1400" dirty="0" err="1" smtClean="0">
+                <a:solidFill>
+                  <a:schemeClr val="accent2"/>
+                </a:solidFill>
+                <a:latin typeface="Consolas" panose="020B0609020204030204" pitchFamily="49" charset="0"/>
+                <a:cs typeface="Consolas" panose="020B0609020204030204" pitchFamily="49" charset="0"/>
+              </a:rPr>
               <a:t>g.cset</a:t>
             </a:r>
             <a:r>
-              <a:rPr lang="en-GB" sz="1400" dirty="0"/>
+              <a:rPr lang="en-GB" sz="1400" dirty="0">
+                <a:solidFill>
+                  <a:schemeClr val="accent2"/>
+                </a:solidFill>
+                <a:latin typeface="Consolas" panose="020B0609020204030204" pitchFamily="49" charset="0"/>
+                <a:cs typeface="Consolas" panose="020B0609020204030204" pitchFamily="49" charset="0"/>
+              </a:rPr>
               <a:t>("MY_BLOCK", </a:t>
             </a:r>
             <a:r>
-              <a:rPr lang="en-GB" sz="1400" dirty="0" err="1"/>
+              <a:rPr lang="en-GB" sz="1400" dirty="0" err="1">
+                <a:solidFill>
+                  <a:schemeClr val="accent2"/>
+                </a:solidFill>
+                <a:latin typeface="Consolas" panose="020B0609020204030204" pitchFamily="49" charset="0"/>
+                <a:cs typeface="Consolas" panose="020B0609020204030204" pitchFamily="49" charset="0"/>
+              </a:rPr>
               <a:t>lowlimit</a:t>
             </a:r>
             <a:r>
-              <a:rPr lang="en-GB" sz="1400" dirty="0"/>
+              <a:rPr lang="en-GB" sz="1400" dirty="0">
+                <a:solidFill>
+                  <a:schemeClr val="accent2"/>
+                </a:solidFill>
+                <a:latin typeface="Consolas" panose="020B0609020204030204" pitchFamily="49" charset="0"/>
+                <a:cs typeface="Consolas" panose="020B0609020204030204" pitchFamily="49" charset="0"/>
+              </a:rPr>
               <a:t>=1, </a:t>
             </a:r>
             <a:r>
-              <a:rPr lang="en-GB" sz="1400" dirty="0" err="1"/>
+              <a:rPr lang="en-GB" sz="1400" dirty="0" err="1">
+                <a:solidFill>
+                  <a:schemeClr val="accent2"/>
+                </a:solidFill>
+                <a:latin typeface="Consolas" panose="020B0609020204030204" pitchFamily="49" charset="0"/>
+                <a:cs typeface="Consolas" panose="020B0609020204030204" pitchFamily="49" charset="0"/>
+              </a:rPr>
               <a:t>highlimit</a:t>
             </a:r>
             <a:r>
-              <a:rPr lang="en-GB" sz="1400" dirty="0"/>
+              <a:rPr lang="en-GB" sz="1400" dirty="0">
+                <a:solidFill>
+                  <a:schemeClr val="accent2"/>
+                </a:solidFill>
+                <a:latin typeface="Consolas" panose="020B0609020204030204" pitchFamily="49" charset="0"/>
+                <a:cs typeface="Consolas" panose="020B0609020204030204" pitchFamily="49" charset="0"/>
+              </a:rPr>
               <a:t>=10, </a:t>
             </a:r>
             <a:r>
-              <a:rPr lang="en-GB" sz="1400" dirty="0" err="1"/>
+              <a:rPr lang="en-GB" sz="1400" dirty="0" err="1">
+                <a:solidFill>
+                  <a:schemeClr val="accent2"/>
+                </a:solidFill>
+                <a:latin typeface="Consolas" panose="020B0609020204030204" pitchFamily="49" charset="0"/>
+                <a:cs typeface="Consolas" panose="020B0609020204030204" pitchFamily="49" charset="0"/>
+              </a:rPr>
               <a:t>runcontrol</a:t>
             </a:r>
             <a:r>
-              <a:rPr lang="en-GB" sz="1400" dirty="0"/>
+              <a:rPr lang="en-GB" sz="1400" dirty="0">
+                <a:solidFill>
+                  <a:schemeClr val="accent2"/>
+                </a:solidFill>
+                <a:latin typeface="Consolas" panose="020B0609020204030204" pitchFamily="49" charset="0"/>
+                <a:cs typeface="Consolas" panose="020B0609020204030204" pitchFamily="49" charset="0"/>
+              </a:rPr>
               <a:t>=True</a:t>
             </a:r>
             <a:r>
-              <a:rPr lang="en-GB" sz="1400" dirty="0" smtClean="0"/>
+              <a:rPr lang="en-GB" sz="1400" dirty="0">
+                <a:solidFill>
+                  <a:schemeClr val="accent2"/>
+                </a:solidFill>
+                <a:latin typeface="Consolas" panose="020B0609020204030204" pitchFamily="49" charset="0"/>
+                <a:cs typeface="Consolas" panose="020B0609020204030204" pitchFamily="49" charset="0"/>
+              </a:rPr>
               <a:t>)</a:t>
             </a:r>
           </a:p>
@@ -10032,7 +9685,7 @@
 </p:sld>
 </file>
 
-<file path=ppt/slides/slide13.xml><?xml version="1.0" encoding="utf-8"?>
+<file path=ppt/slides/slide12.xml><?xml version="1.0" encoding="utf-8"?>
 <p:sld xmlns:a="http://schemas.openxmlformats.org/drawingml/2006/main" xmlns:r="http://schemas.openxmlformats.org/officeDocument/2006/relationships" xmlns:p="http://schemas.openxmlformats.org/presentationml/2006/main">
   <p:cSld>
     <p:spTree>
@@ -10161,6 +9814,250 @@
 </p:sld>
 </file>
 
+<file path=ppt/slides/slide13.xml><?xml version="1.0" encoding="utf-8"?>
+<p:sld xmlns:a="http://schemas.openxmlformats.org/drawingml/2006/main" xmlns:r="http://schemas.openxmlformats.org/officeDocument/2006/relationships" xmlns:p="http://schemas.openxmlformats.org/presentationml/2006/main">
+  <p:cSld>
+    <p:spTree>
+      <p:nvGrpSpPr>
+        <p:cNvPr id="1" name=""/>
+        <p:cNvGrpSpPr/>
+        <p:nvPr/>
+      </p:nvGrpSpPr>
+      <p:grpSpPr>
+        <a:xfrm>
+          <a:off x="0" y="0"/>
+          <a:ext cx="0" cy="0"/>
+          <a:chOff x="0" y="0"/>
+          <a:chExt cx="0" cy="0"/>
+        </a:xfrm>
+      </p:grpSpPr>
+      <p:sp>
+        <p:nvSpPr>
+          <p:cNvPr id="2" name="Title 1"/>
+          <p:cNvSpPr>
+            <a:spLocks noGrp="1"/>
+          </p:cNvSpPr>
+          <p:nvPr>
+            <p:ph type="title"/>
+          </p:nvPr>
+        </p:nvSpPr>
+        <p:spPr/>
+        <p:txBody>
+          <a:bodyPr/>
+          <a:lstStyle/>
+          <a:p>
+            <a:r>
+              <a:rPr lang="en-GB" dirty="0" smtClean="0"/>
+              <a:t>Common commands: </a:t>
+            </a:r>
+            <a:br>
+              <a:rPr lang="en-GB" dirty="0" smtClean="0"/>
+            </a:br>
+            <a:r>
+              <a:rPr lang="en-GB" dirty="0" smtClean="0"/>
+              <a:t>Experiment setup</a:t>
+            </a:r>
+            <a:endParaRPr lang="en-GB" dirty="0"/>
+          </a:p>
+        </p:txBody>
+      </p:sp>
+      <p:sp>
+        <p:nvSpPr>
+          <p:cNvPr id="4" name="TextBox 3"/>
+          <p:cNvSpPr txBox="1"/>
+          <p:nvPr/>
+        </p:nvSpPr>
+        <p:spPr>
+          <a:xfrm>
+            <a:off x="395536" y="1844824"/>
+            <a:ext cx="8496944" cy="3416320"/>
+          </a:xfrm>
+          <a:prstGeom prst="rect">
+            <a:avLst/>
+          </a:prstGeom>
+          <a:noFill/>
+        </p:spPr>
+        <p:txBody>
+          <a:bodyPr wrap="square" rtlCol="0">
+            <a:spAutoFit/>
+          </a:bodyPr>
+          <a:lstStyle/>
+          <a:p>
+            <a:r>
+              <a:rPr lang="en-GB" dirty="0"/>
+              <a:t>You can change various elements of the experiment setup using </a:t>
+            </a:r>
+            <a:r>
+              <a:rPr lang="en-GB" i="1" dirty="0" err="1"/>
+              <a:t>genie_python</a:t>
+            </a:r>
+            <a:r>
+              <a:rPr lang="en-GB" dirty="0"/>
+              <a:t>. For example</a:t>
+            </a:r>
+            <a:r>
+              <a:rPr lang="en-GB" dirty="0" smtClean="0"/>
+              <a:t>:</a:t>
+            </a:r>
+          </a:p>
+          <a:p>
+            <a:pPr marL="285750" indent="-285750">
+              <a:buFont typeface="Arial" panose="020B0604020202020204" pitchFamily="34" charset="0"/>
+              <a:buChar char="•"/>
+            </a:pPr>
+            <a:endParaRPr lang="en-GB" i="1" dirty="0"/>
+          </a:p>
+          <a:p>
+            <a:pPr marL="285750" indent="-285750">
+              <a:buFont typeface="Arial" panose="020B0604020202020204" pitchFamily="34" charset="0"/>
+              <a:buChar char="•"/>
+            </a:pPr>
+            <a:r>
+              <a:rPr lang="en-GB" dirty="0" err="1" smtClean="0">
+                <a:solidFill>
+                  <a:schemeClr val="accent2"/>
+                </a:solidFill>
+                <a:latin typeface="Consolas" panose="020B0609020204030204" pitchFamily="49" charset="0"/>
+                <a:cs typeface="Consolas" panose="020B0609020204030204" pitchFamily="49" charset="0"/>
+              </a:rPr>
+              <a:t>change_tcb</a:t>
+            </a:r>
+            <a:r>
+              <a:rPr lang="en-GB" dirty="0"/>
+              <a:t>: Change the time channel binning</a:t>
+            </a:r>
+          </a:p>
+          <a:p>
+            <a:pPr marL="285750" indent="-285750">
+              <a:buFont typeface="Arial" panose="020B0604020202020204" pitchFamily="34" charset="0"/>
+              <a:buChar char="•"/>
+            </a:pPr>
+            <a:r>
+              <a:rPr lang="en-GB" dirty="0" err="1">
+                <a:solidFill>
+                  <a:schemeClr val="accent2"/>
+                </a:solidFill>
+                <a:latin typeface="Consolas" panose="020B0609020204030204" pitchFamily="49" charset="0"/>
+                <a:cs typeface="Consolas" panose="020B0609020204030204" pitchFamily="49" charset="0"/>
+              </a:rPr>
+              <a:t>change_tables</a:t>
+            </a:r>
+            <a:r>
+              <a:rPr lang="en-GB" dirty="0"/>
+              <a:t>: Change the wiring, spectra and detector table locations</a:t>
+            </a:r>
+          </a:p>
+          <a:p>
+            <a:pPr marL="285750" indent="-285750">
+              <a:buFont typeface="Arial" panose="020B0604020202020204" pitchFamily="34" charset="0"/>
+              <a:buChar char="•"/>
+            </a:pPr>
+            <a:r>
+              <a:rPr lang="en-GB" dirty="0" err="1">
+                <a:solidFill>
+                  <a:schemeClr val="accent2"/>
+                </a:solidFill>
+                <a:latin typeface="Consolas" panose="020B0609020204030204" pitchFamily="49" charset="0"/>
+                <a:cs typeface="Consolas" panose="020B0609020204030204" pitchFamily="49" charset="0"/>
+              </a:rPr>
+              <a:t>change_monitor</a:t>
+            </a:r>
+            <a:r>
+              <a:rPr lang="en-GB" dirty="0"/>
+              <a:t>: Change the monitor to a specified spectrum and </a:t>
+            </a:r>
+            <a:r>
+              <a:rPr lang="en-GB" dirty="0" smtClean="0"/>
+              <a:t>range</a:t>
+            </a:r>
+          </a:p>
+          <a:p>
+            <a:pPr marL="285750" indent="-285750">
+              <a:buFont typeface="Arial" panose="020B0604020202020204" pitchFamily="34" charset="0"/>
+              <a:buChar char="•"/>
+            </a:pPr>
+            <a:endParaRPr lang="en-GB" dirty="0"/>
+          </a:p>
+          <a:p>
+            <a:r>
+              <a:rPr lang="en-GB" dirty="0" smtClean="0"/>
+              <a:t>If you use the following commands, you can stop a run from starting while you’re still applying changes:</a:t>
+            </a:r>
+          </a:p>
+          <a:p>
+            <a:pPr marL="285750" indent="-285750">
+              <a:buFont typeface="Arial" panose="020B0604020202020204" pitchFamily="34" charset="0"/>
+              <a:buChar char="•"/>
+            </a:pPr>
+            <a:endParaRPr lang="en-GB" dirty="0"/>
+          </a:p>
+          <a:p>
+            <a:pPr marL="285750" indent="-285750">
+              <a:buFont typeface="Arial" panose="020B0604020202020204" pitchFamily="34" charset="0"/>
+              <a:buChar char="•"/>
+            </a:pPr>
+            <a:r>
+              <a:rPr lang="en-GB" dirty="0" err="1">
+                <a:solidFill>
+                  <a:schemeClr val="accent2"/>
+                </a:solidFill>
+                <a:latin typeface="Consolas" panose="020B0609020204030204" pitchFamily="49" charset="0"/>
+                <a:cs typeface="Consolas" panose="020B0609020204030204" pitchFamily="49" charset="0"/>
+              </a:rPr>
+              <a:t>change_start</a:t>
+            </a:r>
+            <a:r>
+              <a:rPr lang="en-GB" dirty="0"/>
+              <a:t>: Marks the start of a change</a:t>
+            </a:r>
+          </a:p>
+          <a:p>
+            <a:pPr marL="285750" indent="-285750">
+              <a:buFont typeface="Arial" panose="020B0604020202020204" pitchFamily="34" charset="0"/>
+              <a:buChar char="•"/>
+            </a:pPr>
+            <a:r>
+              <a:rPr lang="en-GB" dirty="0" err="1">
+                <a:solidFill>
+                  <a:schemeClr val="accent2"/>
+                </a:solidFill>
+                <a:latin typeface="Consolas" panose="020B0609020204030204" pitchFamily="49" charset="0"/>
+                <a:cs typeface="Consolas" panose="020B0609020204030204" pitchFamily="49" charset="0"/>
+              </a:rPr>
+              <a:t>change_finish</a:t>
+            </a:r>
+            <a:r>
+              <a:rPr lang="en-GB" dirty="0"/>
+              <a:t>: Marks that the current set of changes is complete</a:t>
+            </a:r>
+            <a:r>
+              <a:rPr lang="en-GB" dirty="0" smtClean="0"/>
+              <a:t>.</a:t>
+            </a:r>
+            <a:endParaRPr lang="en-GB" dirty="0"/>
+          </a:p>
+        </p:txBody>
+      </p:sp>
+    </p:spTree>
+    <p:extLst>
+      <p:ext uri="{BB962C8B-B14F-4D97-AF65-F5344CB8AC3E}">
+        <p14:creationId xmlns:p14="http://schemas.microsoft.com/office/powerpoint/2010/main" val="1380173549"/>
+      </p:ext>
+    </p:extLst>
+  </p:cSld>
+  <p:clrMapOvr>
+    <a:masterClrMapping/>
+  </p:clrMapOvr>
+  <p:timing>
+    <p:tnLst>
+      <p:par>
+        <p:cTn id="1" dur="indefinite" restart="never" nodeType="tmRoot"/>
+      </p:par>
+    </p:tnLst>
+  </p:timing>
+</p:sld>
+</file>
+
 <file path=ppt/slides/slide14.xml><?xml version="1.0" encoding="utf-8"?>
 <p:sld xmlns:a="http://schemas.openxmlformats.org/drawingml/2006/main" xmlns:r="http://schemas.openxmlformats.org/officeDocument/2006/relationships" xmlns:p="http://schemas.openxmlformats.org/presentationml/2006/main">
   <p:cSld>
@@ -10202,7 +10099,7 @@
             </a:br>
             <a:r>
               <a:rPr lang="en-GB" dirty="0" smtClean="0"/>
-              <a:t>Experiment setup</a:t>
+              <a:t>Experiment details</a:t>
             </a:r>
             <a:endParaRPr lang="en-GB" dirty="0"/>
           </a:p>
@@ -10217,7 +10114,7 @@
         <p:spPr>
           <a:xfrm>
             <a:off x="395536" y="1844824"/>
-            <a:ext cx="8496944" cy="3416320"/>
+            <a:ext cx="8496944" cy="4001095"/>
           </a:xfrm>
           <a:prstGeom prst="rect">
             <a:avLst/>
@@ -10232,27 +10129,78 @@
           <a:p>
             <a:r>
               <a:rPr lang="en-GB" dirty="0"/>
-              <a:t>You can change various elements of the experiment setup using </a:t>
-            </a:r>
-            <a:r>
-              <a:rPr lang="en-GB" i="1" dirty="0" err="1"/>
-              <a:t>genie_python</a:t>
+              <a:t>You can change various experiment details with </a:t>
+            </a:r>
+            <a:r>
+              <a:rPr lang="en-GB" dirty="0" smtClean="0"/>
+              <a:t>one of the</a:t>
+            </a:r>
+            <a:r>
+              <a:rPr lang="en-GB" i="1" dirty="0" smtClean="0"/>
+              <a:t> “</a:t>
+            </a:r>
+            <a:r>
+              <a:rPr lang="en-GB" dirty="0">
+                <a:solidFill>
+                  <a:schemeClr val="accent2"/>
+                </a:solidFill>
+                <a:latin typeface="Consolas" panose="020B0609020204030204" pitchFamily="49" charset="0"/>
+                <a:cs typeface="Consolas" panose="020B0609020204030204" pitchFamily="49" charset="0"/>
+              </a:rPr>
+              <a:t>change</a:t>
+            </a:r>
+            <a:r>
+              <a:rPr lang="en-GB" dirty="0" smtClean="0">
+                <a:solidFill>
+                  <a:schemeClr val="accent2"/>
+                </a:solidFill>
+                <a:latin typeface="Consolas" panose="020B0609020204030204" pitchFamily="49" charset="0"/>
+                <a:cs typeface="Consolas" panose="020B0609020204030204" pitchFamily="49" charset="0"/>
+              </a:rPr>
+              <a:t>_...</a:t>
+            </a:r>
+            <a:r>
+              <a:rPr lang="en-GB" i="1" dirty="0" smtClean="0"/>
+              <a:t>”</a:t>
             </a:r>
             <a:r>
               <a:rPr lang="en-GB" dirty="0"/>
-              <a:t>. For example</a:t>
-            </a:r>
-            <a:r>
-              <a:rPr lang="en-GB" dirty="0" smtClean="0"/>
-              <a:t>:</a:t>
-            </a:r>
+              <a:t> </a:t>
+            </a:r>
+            <a:r>
+              <a:rPr lang="en-GB" dirty="0" smtClean="0"/>
+              <a:t>functions:</a:t>
+            </a:r>
+          </a:p>
+          <a:p>
+            <a:pPr lvl="1"/>
+            <a:endParaRPr lang="en-GB" i="1" dirty="0" smtClean="0"/>
           </a:p>
           <a:p>
             <a:pPr marL="285750" indent="-285750">
               <a:buFont typeface="Arial" panose="020B0604020202020204" pitchFamily="34" charset="0"/>
               <a:buChar char="•"/>
             </a:pPr>
-            <a:endParaRPr lang="en-GB" i="1" dirty="0"/>
+            <a:r>
+              <a:rPr lang="en-GB" dirty="0" err="1">
+                <a:solidFill>
+                  <a:schemeClr val="accent2"/>
+                </a:solidFill>
+                <a:latin typeface="Consolas" panose="020B0609020204030204" pitchFamily="49" charset="0"/>
+                <a:cs typeface="Consolas" panose="020B0609020204030204" pitchFamily="49" charset="0"/>
+              </a:rPr>
+              <a:t>g.change_title</a:t>
+            </a:r>
+            <a:r>
+              <a:rPr lang="en-GB" dirty="0">
+                <a:solidFill>
+                  <a:schemeClr val="accent2"/>
+                </a:solidFill>
+                <a:latin typeface="Consolas" panose="020B0609020204030204" pitchFamily="49" charset="0"/>
+                <a:cs typeface="Consolas" panose="020B0609020204030204" pitchFamily="49" charset="0"/>
+              </a:rPr>
+              <a:t>("New title")</a:t>
+            </a:r>
           </a:p>
           <a:p>
             <a:pPr marL="285750" indent="-285750">
@@ -10260,12 +10208,44 @@
               <a:buChar char="•"/>
             </a:pPr>
             <a:r>
-              <a:rPr lang="en-GB" i="1" dirty="0" err="1" smtClean="0"/>
-              <a:t>change_tcb</a:t>
-            </a:r>
-            <a:r>
-              <a:rPr lang="en-GB" dirty="0"/>
-              <a:t>: Change the time channel binning</a:t>
+              <a:rPr lang="en-GB" dirty="0" err="1">
+                <a:solidFill>
+                  <a:schemeClr val="accent2"/>
+                </a:solidFill>
+                <a:latin typeface="Consolas" panose="020B0609020204030204" pitchFamily="49" charset="0"/>
+                <a:cs typeface="Consolas" panose="020B0609020204030204" pitchFamily="49" charset="0"/>
+              </a:rPr>
+              <a:t>g.change_user</a:t>
+            </a:r>
+            <a:r>
+              <a:rPr lang="en-GB" dirty="0">
+                <a:solidFill>
+                  <a:schemeClr val="accent2"/>
+                </a:solidFill>
+                <a:latin typeface="Consolas" panose="020B0609020204030204" pitchFamily="49" charset="0"/>
+                <a:cs typeface="Consolas" panose="020B0609020204030204" pitchFamily="49" charset="0"/>
+              </a:rPr>
+              <a:t>(“Adrian </a:t>
+            </a:r>
+            <a:r>
+              <a:rPr lang="en-GB" dirty="0">
+                <a:solidFill>
+                  <a:schemeClr val="accent2"/>
+                </a:solidFill>
+                <a:latin typeface="Consolas" panose="020B0609020204030204" pitchFamily="49" charset="0"/>
+                <a:cs typeface="Consolas" panose="020B0609020204030204" pitchFamily="49" charset="0"/>
+              </a:rPr>
+              <a:t>and John</a:t>
+            </a:r>
+            <a:r>
+              <a:rPr lang="en-GB" dirty="0">
+                <a:solidFill>
+                  <a:schemeClr val="accent2"/>
+                </a:solidFill>
+                <a:latin typeface="Consolas" panose="020B0609020204030204" pitchFamily="49" charset="0"/>
+                <a:cs typeface="Consolas" panose="020B0609020204030204" pitchFamily="49" charset="0"/>
+              </a:rPr>
+              <a:t>")</a:t>
             </a:r>
           </a:p>
           <a:p>
@@ -10274,12 +10254,88 @@
               <a:buChar char="•"/>
             </a:pPr>
             <a:r>
-              <a:rPr lang="en-GB" i="1" dirty="0" err="1"/>
-              <a:t>change_tables</a:t>
-            </a:r>
-            <a:r>
-              <a:rPr lang="en-GB" dirty="0"/>
-              <a:t>: Change the wiring, spectra and detector table locations</a:t>
+              <a:rPr lang="en-GB" dirty="0" err="1">
+                <a:solidFill>
+                  <a:schemeClr val="accent2"/>
+                </a:solidFill>
+                <a:latin typeface="Consolas" panose="020B0609020204030204" pitchFamily="49" charset="0"/>
+                <a:cs typeface="Consolas" panose="020B0609020204030204" pitchFamily="49" charset="0"/>
+              </a:rPr>
+              <a:t>g.change_rb</a:t>
+            </a:r>
+            <a:r>
+              <a:rPr lang="en-GB" dirty="0">
+                <a:solidFill>
+                  <a:schemeClr val="accent2"/>
+                </a:solidFill>
+                <a:latin typeface="Consolas" panose="020B0609020204030204" pitchFamily="49" charset="0"/>
+                <a:cs typeface="Consolas" panose="020B0609020204030204" pitchFamily="49" charset="0"/>
+              </a:rPr>
+              <a:t>(10)</a:t>
+            </a:r>
+          </a:p>
+          <a:p>
+            <a:pPr lvl="1"/>
+            <a:endParaRPr lang="en-GB" i="1" dirty="0" smtClean="0"/>
+          </a:p>
+          <a:p>
+            <a:r>
+              <a:rPr lang="en-GB" sz="2000" i="1" dirty="0" smtClean="0">
+                <a:solidFill>
+                  <a:srgbClr val="00B050"/>
+                </a:solidFill>
+              </a:rPr>
+              <a:t>What </a:t>
+            </a:r>
+            <a:r>
+              <a:rPr lang="en-GB" sz="2000" i="1" dirty="0">
+                <a:solidFill>
+                  <a:srgbClr val="00B050"/>
+                </a:solidFill>
+              </a:rPr>
+              <a:t>other “change” commands are there?</a:t>
+            </a:r>
+          </a:p>
+          <a:p>
+            <a:pPr lvl="1"/>
+            <a:endParaRPr lang="en-GB" i="1" dirty="0" smtClean="0"/>
+          </a:p>
+          <a:p>
+            <a:r>
+              <a:rPr lang="en-GB" dirty="0" smtClean="0"/>
+              <a:t>You can get properties using the equivalent </a:t>
+            </a:r>
+            <a:r>
+              <a:rPr lang="en-GB" i="1" dirty="0" smtClean="0"/>
+              <a:t>“</a:t>
+            </a:r>
+            <a:r>
+              <a:rPr lang="en-GB" dirty="0">
+                <a:solidFill>
+                  <a:schemeClr val="accent2"/>
+                </a:solidFill>
+                <a:latin typeface="Consolas" panose="020B0609020204030204" pitchFamily="49" charset="0"/>
+                <a:cs typeface="Consolas" panose="020B0609020204030204" pitchFamily="49" charset="0"/>
+              </a:rPr>
+              <a:t>get</a:t>
+            </a:r>
+            <a:r>
+              <a:rPr lang="en-GB" dirty="0" smtClean="0">
+                <a:solidFill>
+                  <a:schemeClr val="accent2"/>
+                </a:solidFill>
+                <a:latin typeface="Consolas" panose="020B0609020204030204" pitchFamily="49" charset="0"/>
+                <a:cs typeface="Consolas" panose="020B0609020204030204" pitchFamily="49" charset="0"/>
+              </a:rPr>
+              <a:t>_...</a:t>
+            </a:r>
+            <a:r>
+              <a:rPr lang="en-GB" i="1" dirty="0" smtClean="0"/>
+              <a:t>” </a:t>
+            </a:r>
+            <a:r>
+              <a:rPr lang="en-GB" dirty="0" smtClean="0"/>
+              <a:t>command:</a:t>
             </a:r>
           </a:p>
           <a:p>
@@ -10287,39 +10343,65 @@
               <a:buFont typeface="Arial" panose="020B0604020202020204" pitchFamily="34" charset="0"/>
               <a:buChar char="•"/>
             </a:pPr>
-            <a:r>
-              <a:rPr lang="en-GB" i="1" dirty="0" err="1"/>
-              <a:t>change_monitor</a:t>
-            </a:r>
-            <a:r>
-              <a:rPr lang="en-GB" dirty="0"/>
-              <a:t>: Change the monitor to a specified spectrum and </a:t>
-            </a:r>
-            <a:r>
-              <a:rPr lang="en-GB" dirty="0" smtClean="0"/>
-              <a:t>range</a:t>
-            </a:r>
+            <a:endParaRPr lang="en-GB" dirty="0">
+              <a:solidFill>
+                <a:schemeClr val="accent2"/>
+              </a:solidFill>
+              <a:latin typeface="Consolas" panose="020B0609020204030204" pitchFamily="49" charset="0"/>
+              <a:cs typeface="Consolas" panose="020B0609020204030204" pitchFamily="49" charset="0"/>
+            </a:endParaRPr>
           </a:p>
           <a:p>
             <a:pPr marL="285750" indent="-285750">
               <a:buFont typeface="Arial" panose="020B0604020202020204" pitchFamily="34" charset="0"/>
               <a:buChar char="•"/>
             </a:pPr>
-            <a:endParaRPr lang="en-GB" dirty="0"/>
-          </a:p>
-          <a:p>
-            <a:r>
-              <a:rPr lang="en-GB" dirty="0" smtClean="0"/>
-              <a:t>If you use the following commands, you can stop a run from starting while you’re still applying changes:</a:t>
-            </a:r>
-            <a:endParaRPr lang="en-GB" dirty="0" smtClean="0"/>
+            <a:r>
+              <a:rPr lang="en-GB" dirty="0" err="1">
+                <a:solidFill>
+                  <a:schemeClr val="accent2"/>
+                </a:solidFill>
+                <a:latin typeface="Consolas" panose="020B0609020204030204" pitchFamily="49" charset="0"/>
+                <a:cs typeface="Consolas" panose="020B0609020204030204" pitchFamily="49" charset="0"/>
+              </a:rPr>
+              <a:t>g.get_title</a:t>
+            </a:r>
+            <a:r>
+              <a:rPr lang="en-GB" dirty="0">
+                <a:solidFill>
+                  <a:schemeClr val="accent2"/>
+                </a:solidFill>
+                <a:latin typeface="Consolas" panose="020B0609020204030204" pitchFamily="49" charset="0"/>
+                <a:cs typeface="Consolas" panose="020B0609020204030204" pitchFamily="49" charset="0"/>
+              </a:rPr>
+              <a:t>()</a:t>
+            </a:r>
           </a:p>
           <a:p>
             <a:pPr marL="285750" indent="-285750">
               <a:buFont typeface="Arial" panose="020B0604020202020204" pitchFamily="34" charset="0"/>
               <a:buChar char="•"/>
             </a:pPr>
-            <a:endParaRPr lang="en-GB" dirty="0"/>
+            <a:r>
+              <a:rPr lang="en-GB" dirty="0" err="1">
+                <a:solidFill>
+                  <a:schemeClr val="accent2"/>
+                </a:solidFill>
+                <a:latin typeface="Consolas" panose="020B0609020204030204" pitchFamily="49" charset="0"/>
+                <a:cs typeface="Consolas" panose="020B0609020204030204" pitchFamily="49" charset="0"/>
+              </a:rPr>
+              <a:t>g.get_user</a:t>
+            </a:r>
+            <a:r>
+              <a:rPr lang="en-GB" dirty="0">
+                <a:solidFill>
+                  <a:schemeClr val="accent2"/>
+                </a:solidFill>
+                <a:latin typeface="Consolas" panose="020B0609020204030204" pitchFamily="49" charset="0"/>
+                <a:cs typeface="Consolas" panose="020B0609020204030204" pitchFamily="49" charset="0"/>
+              </a:rPr>
+              <a:t>()</a:t>
+            </a:r>
           </a:p>
           <a:p>
             <a:pPr marL="285750" indent="-285750">
@@ -10327,39 +10409,32 @@
               <a:buChar char="•"/>
             </a:pPr>
             <a:r>
-              <a:rPr lang="en-GB" i="1" dirty="0" err="1"/>
-              <a:t>change_start</a:t>
-            </a:r>
-            <a:r>
-              <a:rPr lang="en-GB" dirty="0"/>
-              <a:t>: Marks the start of a change</a:t>
-            </a:r>
-          </a:p>
-          <a:p>
-            <a:pPr marL="285750" indent="-285750">
-              <a:buFont typeface="Arial" panose="020B0604020202020204" pitchFamily="34" charset="0"/>
-              <a:buChar char="•"/>
-            </a:pPr>
-            <a:r>
-              <a:rPr lang="en-GB" i="1" dirty="0" err="1"/>
-              <a:t>change_finish</a:t>
-            </a:r>
-            <a:r>
-              <a:rPr lang="en-GB" dirty="0"/>
-              <a:t>: Marks that the current set of changes is complete</a:t>
-            </a:r>
-            <a:r>
-              <a:rPr lang="en-GB" dirty="0" smtClean="0"/>
-              <a:t>.</a:t>
-            </a:r>
-            <a:endParaRPr lang="en-GB" dirty="0"/>
+              <a:rPr lang="en-GB" dirty="0" err="1">
+                <a:solidFill>
+                  <a:schemeClr val="accent2"/>
+                </a:solidFill>
+                <a:latin typeface="Consolas" panose="020B0609020204030204" pitchFamily="49" charset="0"/>
+                <a:cs typeface="Consolas" panose="020B0609020204030204" pitchFamily="49" charset="0"/>
+              </a:rPr>
+              <a:t>g.get_rb</a:t>
+            </a:r>
+            <a:r>
+              <a:rPr lang="en-GB" dirty="0">
+                <a:solidFill>
+                  <a:schemeClr val="accent2"/>
+                </a:solidFill>
+                <a:latin typeface="Consolas" panose="020B0609020204030204" pitchFamily="49" charset="0"/>
+                <a:cs typeface="Consolas" panose="020B0609020204030204" pitchFamily="49" charset="0"/>
+              </a:rPr>
+              <a:t>()</a:t>
+            </a:r>
           </a:p>
         </p:txBody>
       </p:sp>
     </p:spTree>
     <p:extLst>
       <p:ext uri="{BB962C8B-B14F-4D97-AF65-F5344CB8AC3E}">
-        <p14:creationId xmlns:p14="http://schemas.microsoft.com/office/powerpoint/2010/main" val="1380173549"/>
+        <p14:creationId xmlns:p14="http://schemas.microsoft.com/office/powerpoint/2010/main" val="1100711507"/>
       </p:ext>
     </p:extLst>
   </p:cSld>
@@ -10416,10 +10491,18 @@
               <a:rPr lang="en-GB" dirty="0" smtClean="0"/>
             </a:br>
             <a:r>
-              <a:rPr lang="en-GB" dirty="0" smtClean="0"/>
-              <a:t>Experiment details</a:t>
-            </a:r>
-            <a:endParaRPr lang="en-GB" dirty="0"/>
+              <a:rPr lang="en-GB" dirty="0" smtClean="0">
+                <a:solidFill>
+                  <a:srgbClr val="00B050"/>
+                </a:solidFill>
+              </a:rPr>
+              <a:t>Exercise</a:t>
+            </a:r>
+            <a:endParaRPr lang="en-GB" dirty="0">
+              <a:solidFill>
+                <a:srgbClr val="00B050"/>
+              </a:solidFill>
+            </a:endParaRPr>
           </a:p>
         </p:txBody>
       </p:sp>
@@ -10432,7 +10515,7 @@
         <p:spPr>
           <a:xfrm>
             <a:off x="395536" y="1844824"/>
-            <a:ext cx="8496944" cy="3724096"/>
+            <a:ext cx="8496944" cy="3754874"/>
           </a:xfrm>
           <a:prstGeom prst="rect">
             <a:avLst/>
@@ -10445,57 +10528,39 @@
           </a:bodyPr>
           <a:lstStyle/>
           <a:p>
-            <a:r>
-              <a:rPr lang="en-GB" dirty="0"/>
-              <a:t>You can change various experiment details with </a:t>
-            </a:r>
-            <a:r>
-              <a:rPr lang="en-GB" dirty="0" smtClean="0"/>
-              <a:t>one of the</a:t>
-            </a:r>
-            <a:r>
-              <a:rPr lang="en-GB" i="1" dirty="0" smtClean="0"/>
-              <a:t> “c</a:t>
-            </a:r>
-            <a:r>
-              <a:rPr lang="en-GB" i="1" dirty="0" smtClean="0"/>
-              <a:t>hange_...”</a:t>
-            </a:r>
-            <a:r>
-              <a:rPr lang="en-GB" dirty="0"/>
-              <a:t> </a:t>
-            </a:r>
-            <a:r>
-              <a:rPr lang="en-GB" dirty="0" smtClean="0"/>
-              <a:t>functions:</a:t>
-            </a:r>
-            <a:endParaRPr lang="en-GB" dirty="0" smtClean="0"/>
-          </a:p>
-          <a:p>
-            <a:pPr lvl="1"/>
-            <a:endParaRPr lang="en-GB" i="1" dirty="0" smtClean="0"/>
-          </a:p>
-          <a:p>
             <a:pPr marL="285750" indent="-285750">
               <a:buFont typeface="Arial" panose="020B0604020202020204" pitchFamily="34" charset="0"/>
               <a:buChar char="•"/>
             </a:pPr>
             <a:r>
-              <a:rPr lang="en-GB" i="1" dirty="0" err="1" smtClean="0"/>
-              <a:t>g.change_title</a:t>
-            </a:r>
-            <a:r>
-              <a:rPr lang="en-GB" i="1" dirty="0" smtClean="0"/>
-              <a:t>("New </a:t>
-            </a:r>
-            <a:r>
-              <a:rPr lang="en-GB" i="1" dirty="0"/>
-              <a:t>title</a:t>
-            </a:r>
-            <a:r>
-              <a:rPr lang="en-GB" i="1" dirty="0" smtClean="0"/>
-              <a:t>")</a:t>
-            </a:r>
+              <a:rPr lang="en-GB" sz="2000" dirty="0" smtClean="0">
+                <a:solidFill>
+                  <a:srgbClr val="00B050"/>
+                </a:solidFill>
+              </a:rPr>
+              <a:t>Change </a:t>
+            </a:r>
+            <a:r>
+              <a:rPr lang="en-GB" sz="2000" dirty="0">
+                <a:solidFill>
+                  <a:srgbClr val="00B050"/>
+                </a:solidFill>
+              </a:rPr>
+              <a:t>the title of the run to </a:t>
+            </a:r>
+            <a:r>
+              <a:rPr lang="en-GB" sz="2000" b="1" dirty="0" smtClean="0">
+                <a:solidFill>
+                  <a:srgbClr val="00B050"/>
+                </a:solidFill>
+              </a:rPr>
+              <a:t>Exercise 2</a:t>
+            </a:r>
+            <a:endParaRPr lang="en-GB" sz="2000" b="1" dirty="0">
+              <a:solidFill>
+                <a:srgbClr val="00B050"/>
+              </a:solidFill>
+            </a:endParaRPr>
           </a:p>
           <a:p>
             <a:pPr marL="285750" indent="-285750">
@@ -10503,20 +10568,20 @@
               <a:buChar char="•"/>
             </a:pPr>
             <a:r>
-              <a:rPr lang="en-GB" i="1" dirty="0" err="1" smtClean="0"/>
-              <a:t>g.change_user</a:t>
-            </a:r>
-            <a:r>
-              <a:rPr lang="en-GB" i="1" dirty="0" smtClean="0"/>
-              <a:t>(“Adrian </a:t>
-            </a:r>
-            <a:r>
-              <a:rPr lang="en-GB" i="1" dirty="0"/>
-              <a:t>and John</a:t>
-            </a:r>
-            <a:r>
-              <a:rPr lang="en-GB" i="1" dirty="0" smtClean="0"/>
-              <a:t>")</a:t>
+              <a:rPr lang="en-GB" sz="2000" dirty="0">
+                <a:solidFill>
+                  <a:srgbClr val="00B050"/>
+                </a:solidFill>
+              </a:rPr>
+              <a:t>Start a </a:t>
+            </a:r>
+            <a:r>
+              <a:rPr lang="en-GB" sz="2000" dirty="0" smtClean="0">
+                <a:solidFill>
+                  <a:srgbClr val="00B050"/>
+                </a:solidFill>
+              </a:rPr>
+              <a:t>run</a:t>
             </a:r>
           </a:p>
           <a:p>
@@ -10525,56 +10590,37 @@
               <a:buChar char="•"/>
             </a:pPr>
             <a:r>
-              <a:rPr lang="en-GB" i="1" dirty="0" err="1" smtClean="0"/>
-              <a:t>g.change_rb</a:t>
-            </a:r>
-            <a:r>
-              <a:rPr lang="en-GB" i="1" dirty="0" smtClean="0"/>
-              <a:t>(10)</a:t>
-            </a:r>
-          </a:p>
-          <a:p>
-            <a:pPr lvl="1"/>
-            <a:endParaRPr lang="en-GB" i="1" dirty="0" smtClean="0"/>
-          </a:p>
-          <a:p>
-            <a:r>
-              <a:rPr lang="en-GB" sz="2000" i="1" dirty="0" smtClean="0">
+              <a:rPr lang="en-GB" sz="2000" dirty="0" smtClean="0">
                 <a:solidFill>
                   <a:srgbClr val="00B050"/>
                 </a:solidFill>
               </a:rPr>
-              <a:t>What </a:t>
-            </a:r>
-            <a:r>
-              <a:rPr lang="en-GB" sz="2000" i="1" dirty="0">
+              <a:t>Wait </a:t>
+            </a:r>
+            <a:r>
+              <a:rPr lang="en-GB" sz="2000" dirty="0">
                 <a:solidFill>
                   <a:srgbClr val="00B050"/>
                 </a:solidFill>
               </a:rPr>
-              <a:t>other “change” commands are there?</a:t>
-            </a:r>
-          </a:p>
-          <a:p>
-            <a:pPr lvl="1"/>
-            <a:endParaRPr lang="en-GB" i="1" dirty="0" smtClean="0"/>
-          </a:p>
-          <a:p>
-            <a:r>
-              <a:rPr lang="en-GB" dirty="0" smtClean="0"/>
-              <a:t>You can get properties using the equivalent </a:t>
-            </a:r>
-            <a:r>
-              <a:rPr lang="en-GB" i="1" dirty="0" smtClean="0"/>
-              <a:t>“get_...” </a:t>
-            </a:r>
-            <a:r>
-              <a:rPr lang="en-GB" dirty="0" smtClean="0"/>
-              <a:t>command:</a:t>
-            </a:r>
-          </a:p>
-          <a:p>
-            <a:endParaRPr lang="en-GB" dirty="0" smtClean="0"/>
+              <a:t>for 1 </a:t>
+            </a:r>
+            <a:r>
+              <a:rPr lang="en-GB" sz="2000" dirty="0" err="1">
+                <a:solidFill>
+                  <a:srgbClr val="00B050"/>
+                </a:solidFill>
+              </a:rPr>
+              <a:t>uamps</a:t>
+            </a:r>
+            <a:r>
+              <a:rPr lang="en-GB" sz="2000" dirty="0">
+                <a:solidFill>
+                  <a:srgbClr val="00B050"/>
+                </a:solidFill>
+              </a:rPr>
+              <a:t> (maximum wait 10 seconds) before pausing</a:t>
+            </a:r>
           </a:p>
           <a:p>
             <a:pPr marL="285750" indent="-285750">
@@ -10582,12 +10628,36 @@
               <a:buChar char="•"/>
             </a:pPr>
             <a:r>
-              <a:rPr lang="en-GB" dirty="0" err="1" smtClean="0"/>
-              <a:t>g.get_title</a:t>
-            </a:r>
-            <a:r>
-              <a:rPr lang="en-GB" dirty="0" smtClean="0"/>
-              <a:t>()</a:t>
+              <a:rPr lang="en-GB" sz="2000" dirty="0">
+                <a:solidFill>
+                  <a:srgbClr val="00B050"/>
+                </a:solidFill>
+              </a:rPr>
+              <a:t>Set the value of </a:t>
+            </a:r>
+            <a:r>
+              <a:rPr lang="en-GB" sz="2000" b="1" dirty="0" smtClean="0">
+                <a:solidFill>
+                  <a:srgbClr val="00B050"/>
+                </a:solidFill>
+              </a:rPr>
+              <a:t>MY_BLOCK</a:t>
+            </a:r>
+            <a:r>
+              <a:rPr lang="en-GB" sz="2000" dirty="0" smtClean="0">
+                <a:solidFill>
+                  <a:srgbClr val="00B050"/>
+                </a:solidFill>
+              </a:rPr>
+              <a:t> </a:t>
+            </a:r>
+            <a:r>
+              <a:rPr lang="en-GB" sz="2000" dirty="0">
+                <a:solidFill>
+                  <a:srgbClr val="00B050"/>
+                </a:solidFill>
+              </a:rPr>
+              <a:t>to 5, with a high limit of 10, a low limit of 1 and put it under run control</a:t>
             </a:r>
           </a:p>
           <a:p>
@@ -10596,12 +10666,12 @@
               <a:buChar char="•"/>
             </a:pPr>
             <a:r>
-              <a:rPr lang="en-GB" i="1" dirty="0" err="1" smtClean="0"/>
-              <a:t>g.get_user</a:t>
-            </a:r>
-            <a:r>
-              <a:rPr lang="en-GB" i="1" dirty="0" smtClean="0"/>
-              <a:t>()</a:t>
+              <a:rPr lang="en-GB" sz="2000" dirty="0">
+                <a:solidFill>
+                  <a:srgbClr val="00B050"/>
+                </a:solidFill>
+              </a:rPr>
+              <a:t>Resume the run</a:t>
             </a:r>
           </a:p>
           <a:p>
@@ -10610,12 +10680,104 @@
               <a:buChar char="•"/>
             </a:pPr>
             <a:r>
-              <a:rPr lang="en-GB" i="1" dirty="0" err="1" smtClean="0"/>
-              <a:t>g.get_rb</a:t>
-            </a:r>
-            <a:r>
-              <a:rPr lang="en-GB" i="1" dirty="0" smtClean="0"/>
-              <a:t>()</a:t>
+              <a:rPr lang="en-GB" sz="2000" dirty="0">
+                <a:solidFill>
+                  <a:srgbClr val="00B050"/>
+                </a:solidFill>
+              </a:rPr>
+              <a:t>Set the value of </a:t>
+            </a:r>
+            <a:r>
+              <a:rPr lang="en-GB" sz="2000" b="1" dirty="0" smtClean="0">
+                <a:solidFill>
+                  <a:srgbClr val="00B050"/>
+                </a:solidFill>
+              </a:rPr>
+              <a:t>MY_BLOCK</a:t>
+            </a:r>
+            <a:r>
+              <a:rPr lang="en-GB" sz="2000" dirty="0" smtClean="0">
+                <a:solidFill>
+                  <a:srgbClr val="00B050"/>
+                </a:solidFill>
+              </a:rPr>
+              <a:t> </a:t>
+            </a:r>
+            <a:r>
+              <a:rPr lang="en-GB" sz="2000" dirty="0">
+                <a:solidFill>
+                  <a:srgbClr val="00B050"/>
+                </a:solidFill>
+              </a:rPr>
+              <a:t>to 20 and confirm (using </a:t>
+            </a:r>
+            <a:r>
+              <a:rPr lang="en-GB" sz="2000" dirty="0" err="1">
+                <a:solidFill>
+                  <a:srgbClr val="00B050"/>
+                </a:solidFill>
+              </a:rPr>
+              <a:t>genie_python</a:t>
+            </a:r>
+            <a:r>
+              <a:rPr lang="en-GB" sz="2000" dirty="0">
+                <a:solidFill>
+                  <a:srgbClr val="00B050"/>
+                </a:solidFill>
+              </a:rPr>
+              <a:t>) that the instrument has entered a waiting state</a:t>
+            </a:r>
+          </a:p>
+          <a:p>
+            <a:pPr marL="285750" indent="-285750">
+              <a:buFont typeface="Arial" panose="020B0604020202020204" pitchFamily="34" charset="0"/>
+              <a:buChar char="•"/>
+            </a:pPr>
+            <a:r>
+              <a:rPr lang="en-GB" sz="2000" dirty="0">
+                <a:solidFill>
+                  <a:srgbClr val="00B050"/>
+                </a:solidFill>
+              </a:rPr>
+              <a:t>Decrease the value of </a:t>
+            </a:r>
+            <a:r>
+              <a:rPr lang="en-GB" sz="2000" b="1" dirty="0" smtClean="0">
+                <a:solidFill>
+                  <a:srgbClr val="00B050"/>
+                </a:solidFill>
+              </a:rPr>
+              <a:t>MY_BLOCK</a:t>
+            </a:r>
+            <a:r>
+              <a:rPr lang="en-GB" sz="2000" dirty="0" smtClean="0">
+                <a:solidFill>
+                  <a:srgbClr val="00B050"/>
+                </a:solidFill>
+              </a:rPr>
+              <a:t> </a:t>
+            </a:r>
+            <a:r>
+              <a:rPr lang="en-GB" sz="2000" dirty="0">
+                <a:solidFill>
+                  <a:srgbClr val="00B050"/>
+                </a:solidFill>
+              </a:rPr>
+              <a:t>down in steps of 1 until it reaches 10. Wait for 1 second between steps. Notice how the run state changes back to running when the block value drops below 10.</a:t>
+            </a:r>
+          </a:p>
+          <a:p>
+            <a:pPr marL="285750" indent="-285750">
+              <a:buFont typeface="Arial" panose="020B0604020202020204" pitchFamily="34" charset="0"/>
+              <a:buChar char="•"/>
+            </a:pPr>
+            <a:r>
+              <a:rPr lang="en-GB" sz="2000" dirty="0">
+                <a:solidFill>
+                  <a:srgbClr val="00B050"/>
+                </a:solidFill>
+              </a:rPr>
+              <a:t>End the run</a:t>
             </a:r>
           </a:p>
         </p:txBody>
@@ -10623,7 +10785,7 @@
     </p:spTree>
     <p:extLst>
       <p:ext uri="{BB962C8B-B14F-4D97-AF65-F5344CB8AC3E}">
-        <p14:creationId xmlns:p14="http://schemas.microsoft.com/office/powerpoint/2010/main" val="1100711507"/>
+        <p14:creationId xmlns:p14="http://schemas.microsoft.com/office/powerpoint/2010/main" val="2754241730"/>
       </p:ext>
     </p:extLst>
   </p:cSld>
@@ -10674,357 +10836,6 @@
           <a:p>
             <a:r>
               <a:rPr lang="en-GB" dirty="0" smtClean="0"/>
-              <a:t>Common commands: </a:t>
-            </a:r>
-            <a:br>
-              <a:rPr lang="en-GB" dirty="0" smtClean="0"/>
-            </a:br>
-            <a:r>
-              <a:rPr lang="en-GB" dirty="0" smtClean="0">
-                <a:solidFill>
-                  <a:srgbClr val="00B050"/>
-                </a:solidFill>
-              </a:rPr>
-              <a:t>Exercise</a:t>
-            </a:r>
-            <a:endParaRPr lang="en-GB" dirty="0">
-              <a:solidFill>
-                <a:srgbClr val="00B050"/>
-              </a:solidFill>
-            </a:endParaRPr>
-          </a:p>
-        </p:txBody>
-      </p:sp>
-      <p:sp>
-        <p:nvSpPr>
-          <p:cNvPr id="4" name="TextBox 3"/>
-          <p:cNvSpPr txBox="1"/>
-          <p:nvPr/>
-        </p:nvSpPr>
-        <p:spPr>
-          <a:xfrm>
-            <a:off x="395536" y="1844824"/>
-            <a:ext cx="8496944" cy="3754874"/>
-          </a:xfrm>
-          <a:prstGeom prst="rect">
-            <a:avLst/>
-          </a:prstGeom>
-          <a:noFill/>
-        </p:spPr>
-        <p:txBody>
-          <a:bodyPr wrap="square" rtlCol="0">
-            <a:spAutoFit/>
-          </a:bodyPr>
-          <a:lstStyle/>
-          <a:p>
-            <a:pPr marL="285750" indent="-285750">
-              <a:buFont typeface="Arial" panose="020B0604020202020204" pitchFamily="34" charset="0"/>
-              <a:buChar char="•"/>
-            </a:pPr>
-            <a:r>
-              <a:rPr lang="en-GB" sz="2000" dirty="0" smtClean="0">
-                <a:solidFill>
-                  <a:srgbClr val="00B050"/>
-                </a:solidFill>
-              </a:rPr>
-              <a:t>Change </a:t>
-            </a:r>
-            <a:r>
-              <a:rPr lang="en-GB" sz="2000" dirty="0">
-                <a:solidFill>
-                  <a:srgbClr val="00B050"/>
-                </a:solidFill>
-              </a:rPr>
-              <a:t>the title of the run to </a:t>
-            </a:r>
-            <a:r>
-              <a:rPr lang="en-GB" sz="2000" b="1" dirty="0" smtClean="0">
-                <a:solidFill>
-                  <a:srgbClr val="00B050"/>
-                </a:solidFill>
-              </a:rPr>
-              <a:t>Exercise 2</a:t>
-            </a:r>
-            <a:endParaRPr lang="en-GB" sz="2000" b="1" dirty="0">
-              <a:solidFill>
-                <a:srgbClr val="00B050"/>
-              </a:solidFill>
-            </a:endParaRPr>
-          </a:p>
-          <a:p>
-            <a:pPr marL="285750" indent="-285750">
-              <a:buFont typeface="Arial" panose="020B0604020202020204" pitchFamily="34" charset="0"/>
-              <a:buChar char="•"/>
-            </a:pPr>
-            <a:r>
-              <a:rPr lang="en-GB" sz="2000" dirty="0">
-                <a:solidFill>
-                  <a:srgbClr val="00B050"/>
-                </a:solidFill>
-              </a:rPr>
-              <a:t>Start a </a:t>
-            </a:r>
-            <a:r>
-              <a:rPr lang="en-GB" sz="2000" dirty="0" smtClean="0">
-                <a:solidFill>
-                  <a:srgbClr val="00B050"/>
-                </a:solidFill>
-              </a:rPr>
-              <a:t>run</a:t>
-            </a:r>
-          </a:p>
-          <a:p>
-            <a:pPr marL="285750" indent="-285750">
-              <a:buFont typeface="Arial" panose="020B0604020202020204" pitchFamily="34" charset="0"/>
-              <a:buChar char="•"/>
-            </a:pPr>
-            <a:r>
-              <a:rPr lang="en-GB" sz="2000" dirty="0" smtClean="0">
-                <a:solidFill>
-                  <a:srgbClr val="00B050"/>
-                </a:solidFill>
-              </a:rPr>
-              <a:t>Wait </a:t>
-            </a:r>
-            <a:r>
-              <a:rPr lang="en-GB" sz="2000" dirty="0">
-                <a:solidFill>
-                  <a:srgbClr val="00B050"/>
-                </a:solidFill>
-              </a:rPr>
-              <a:t>for 1 </a:t>
-            </a:r>
-            <a:r>
-              <a:rPr lang="en-GB" sz="2000" dirty="0" err="1">
-                <a:solidFill>
-                  <a:srgbClr val="00B050"/>
-                </a:solidFill>
-              </a:rPr>
-              <a:t>uamps</a:t>
-            </a:r>
-            <a:r>
-              <a:rPr lang="en-GB" sz="2000" dirty="0">
-                <a:solidFill>
-                  <a:srgbClr val="00B050"/>
-                </a:solidFill>
-              </a:rPr>
-              <a:t> (maximum wait 10 seconds) before pausing</a:t>
-            </a:r>
-          </a:p>
-          <a:p>
-            <a:pPr marL="285750" indent="-285750">
-              <a:buFont typeface="Arial" panose="020B0604020202020204" pitchFamily="34" charset="0"/>
-              <a:buChar char="•"/>
-            </a:pPr>
-            <a:r>
-              <a:rPr lang="en-GB" sz="2000" dirty="0">
-                <a:solidFill>
-                  <a:srgbClr val="00B050"/>
-                </a:solidFill>
-              </a:rPr>
-              <a:t>Set the value of </a:t>
-            </a:r>
-            <a:r>
-              <a:rPr lang="en-GB" sz="2000" b="1" dirty="0" smtClean="0">
-                <a:solidFill>
-                  <a:srgbClr val="00B050"/>
-                </a:solidFill>
-              </a:rPr>
-              <a:t>MY_BLOCK</a:t>
-            </a:r>
-            <a:r>
-              <a:rPr lang="en-GB" sz="2000" dirty="0" smtClean="0">
-                <a:solidFill>
-                  <a:srgbClr val="00B050"/>
-                </a:solidFill>
-              </a:rPr>
-              <a:t> </a:t>
-            </a:r>
-            <a:r>
-              <a:rPr lang="en-GB" sz="2000" dirty="0">
-                <a:solidFill>
-                  <a:srgbClr val="00B050"/>
-                </a:solidFill>
-              </a:rPr>
-              <a:t>to 5, with a high limit of 10, a low limit of 1 and put it under run control</a:t>
-            </a:r>
-          </a:p>
-          <a:p>
-            <a:pPr marL="285750" indent="-285750">
-              <a:buFont typeface="Arial" panose="020B0604020202020204" pitchFamily="34" charset="0"/>
-              <a:buChar char="•"/>
-            </a:pPr>
-            <a:r>
-              <a:rPr lang="en-GB" sz="2000" dirty="0">
-                <a:solidFill>
-                  <a:srgbClr val="00B050"/>
-                </a:solidFill>
-              </a:rPr>
-              <a:t>Resume the run</a:t>
-            </a:r>
-          </a:p>
-          <a:p>
-            <a:pPr marL="285750" indent="-285750">
-              <a:buFont typeface="Arial" panose="020B0604020202020204" pitchFamily="34" charset="0"/>
-              <a:buChar char="•"/>
-            </a:pPr>
-            <a:r>
-              <a:rPr lang="en-GB" sz="2000" dirty="0">
-                <a:solidFill>
-                  <a:srgbClr val="00B050"/>
-                </a:solidFill>
-              </a:rPr>
-              <a:t>Set the value of </a:t>
-            </a:r>
-            <a:r>
-              <a:rPr lang="en-GB" sz="2000" b="1" dirty="0" smtClean="0">
-                <a:solidFill>
-                  <a:srgbClr val="00B050"/>
-                </a:solidFill>
-              </a:rPr>
-              <a:t>MY_BLOCK</a:t>
-            </a:r>
-            <a:r>
-              <a:rPr lang="en-GB" sz="2000" dirty="0" smtClean="0">
-                <a:solidFill>
-                  <a:srgbClr val="00B050"/>
-                </a:solidFill>
-              </a:rPr>
-              <a:t> </a:t>
-            </a:r>
-            <a:r>
-              <a:rPr lang="en-GB" sz="2000" dirty="0">
-                <a:solidFill>
-                  <a:srgbClr val="00B050"/>
-                </a:solidFill>
-              </a:rPr>
-              <a:t>to 20 and confirm (using </a:t>
-            </a:r>
-            <a:r>
-              <a:rPr lang="en-GB" sz="2000" dirty="0" err="1">
-                <a:solidFill>
-                  <a:srgbClr val="00B050"/>
-                </a:solidFill>
-              </a:rPr>
-              <a:t>genie_python</a:t>
-            </a:r>
-            <a:r>
-              <a:rPr lang="en-GB" sz="2000" dirty="0">
-                <a:solidFill>
-                  <a:srgbClr val="00B050"/>
-                </a:solidFill>
-              </a:rPr>
-              <a:t>) that the instrument has entered a waiting state</a:t>
-            </a:r>
-          </a:p>
-          <a:p>
-            <a:pPr marL="285750" indent="-285750">
-              <a:buFont typeface="Arial" panose="020B0604020202020204" pitchFamily="34" charset="0"/>
-              <a:buChar char="•"/>
-            </a:pPr>
-            <a:r>
-              <a:rPr lang="en-GB" sz="2000" dirty="0">
-                <a:solidFill>
-                  <a:srgbClr val="00B050"/>
-                </a:solidFill>
-              </a:rPr>
-              <a:t>Decrease the value of </a:t>
-            </a:r>
-            <a:r>
-              <a:rPr lang="en-GB" sz="2000" b="1" dirty="0" smtClean="0">
-                <a:solidFill>
-                  <a:srgbClr val="00B050"/>
-                </a:solidFill>
-              </a:rPr>
-              <a:t>MY_BLOCK</a:t>
-            </a:r>
-            <a:r>
-              <a:rPr lang="en-GB" sz="2000" dirty="0" smtClean="0">
-                <a:solidFill>
-                  <a:srgbClr val="00B050"/>
-                </a:solidFill>
-              </a:rPr>
-              <a:t> </a:t>
-            </a:r>
-            <a:r>
-              <a:rPr lang="en-GB" sz="2000" dirty="0">
-                <a:solidFill>
-                  <a:srgbClr val="00B050"/>
-                </a:solidFill>
-              </a:rPr>
-              <a:t>down in steps of 1 until it reaches 10. Wait for 1 second between steps. Notice how the run state changes back to running when the block value drops below 10.</a:t>
-            </a:r>
-          </a:p>
-          <a:p>
-            <a:pPr marL="285750" indent="-285750">
-              <a:buFont typeface="Arial" panose="020B0604020202020204" pitchFamily="34" charset="0"/>
-              <a:buChar char="•"/>
-            </a:pPr>
-            <a:r>
-              <a:rPr lang="en-GB" sz="2000" dirty="0">
-                <a:solidFill>
-                  <a:srgbClr val="00B050"/>
-                </a:solidFill>
-              </a:rPr>
-              <a:t>End the run</a:t>
-            </a:r>
-          </a:p>
-        </p:txBody>
-      </p:sp>
-    </p:spTree>
-    <p:extLst>
-      <p:ext uri="{BB962C8B-B14F-4D97-AF65-F5344CB8AC3E}">
-        <p14:creationId xmlns:p14="http://schemas.microsoft.com/office/powerpoint/2010/main" val="2754241730"/>
-      </p:ext>
-    </p:extLst>
-  </p:cSld>
-  <p:clrMapOvr>
-    <a:masterClrMapping/>
-  </p:clrMapOvr>
-  <p:timing>
-    <p:tnLst>
-      <p:par>
-        <p:cTn id="1" dur="indefinite" restart="never" nodeType="tmRoot"/>
-      </p:par>
-    </p:tnLst>
-  </p:timing>
-</p:sld>
-</file>
-
-<file path=ppt/slides/slide17.xml><?xml version="1.0" encoding="utf-8"?>
-<p:sld xmlns:a="http://schemas.openxmlformats.org/drawingml/2006/main" xmlns:r="http://schemas.openxmlformats.org/officeDocument/2006/relationships" xmlns:p="http://schemas.openxmlformats.org/presentationml/2006/main">
-  <p:cSld>
-    <p:spTree>
-      <p:nvGrpSpPr>
-        <p:cNvPr id="1" name=""/>
-        <p:cNvGrpSpPr/>
-        <p:nvPr/>
-      </p:nvGrpSpPr>
-      <p:grpSpPr>
-        <a:xfrm>
-          <a:off x="0" y="0"/>
-          <a:ext cx="0" cy="0"/>
-          <a:chOff x="0" y="0"/>
-          <a:chExt cx="0" cy="0"/>
-        </a:xfrm>
-      </p:grpSpPr>
-      <p:sp>
-        <p:nvSpPr>
-          <p:cNvPr id="2" name="Title 1"/>
-          <p:cNvSpPr>
-            <a:spLocks noGrp="1"/>
-          </p:cNvSpPr>
-          <p:nvPr>
-            <p:ph type="title"/>
-          </p:nvPr>
-        </p:nvSpPr>
-        <p:spPr/>
-        <p:txBody>
-          <a:bodyPr/>
-          <a:lstStyle/>
-          <a:p>
-            <a:r>
-              <a:rPr lang="en-GB" dirty="0" smtClean="0"/>
               <a:t>Scripting</a:t>
             </a:r>
             <a:br>
@@ -11391,7 +11202,7 @@
 </p:sld>
 </file>
 
-<file path=ppt/slides/slide18.xml><?xml version="1.0" encoding="utf-8"?>
+<file path=ppt/slides/slide17.xml><?xml version="1.0" encoding="utf-8"?>
 <p:sld xmlns:a="http://schemas.openxmlformats.org/drawingml/2006/main" xmlns:r="http://schemas.openxmlformats.org/officeDocument/2006/relationships" xmlns:p="http://schemas.openxmlformats.org/presentationml/2006/main">
   <p:cSld>
     <p:spTree>
@@ -11752,6 +11563,223 @@
 </p:sld>
 </file>
 
+<file path=ppt/slides/slide18.xml><?xml version="1.0" encoding="utf-8"?>
+<p:sld xmlns:a="http://schemas.openxmlformats.org/drawingml/2006/main" xmlns:r="http://schemas.openxmlformats.org/officeDocument/2006/relationships" xmlns:p="http://schemas.openxmlformats.org/presentationml/2006/main">
+  <p:cSld>
+    <p:spTree>
+      <p:nvGrpSpPr>
+        <p:cNvPr id="1" name=""/>
+        <p:cNvGrpSpPr/>
+        <p:nvPr/>
+      </p:nvGrpSpPr>
+      <p:grpSpPr>
+        <a:xfrm>
+          <a:off x="0" y="0"/>
+          <a:ext cx="0" cy="0"/>
+          <a:chOff x="0" y="0"/>
+          <a:chExt cx="0" cy="0"/>
+        </a:xfrm>
+      </p:grpSpPr>
+      <p:sp>
+        <p:nvSpPr>
+          <p:cNvPr id="2" name="Title 1"/>
+          <p:cNvSpPr>
+            <a:spLocks noGrp="1"/>
+          </p:cNvSpPr>
+          <p:nvPr>
+            <p:ph type="title"/>
+          </p:nvPr>
+        </p:nvSpPr>
+        <p:spPr/>
+        <p:txBody>
+          <a:bodyPr/>
+          <a:lstStyle/>
+          <a:p>
+            <a:r>
+              <a:rPr lang="en-GB" dirty="0" smtClean="0"/>
+              <a:t>Scripting</a:t>
+            </a:r>
+            <a:br>
+              <a:rPr lang="en-GB" dirty="0" smtClean="0"/>
+            </a:br>
+            <a:r>
+              <a:rPr lang="en-GB" dirty="0" smtClean="0"/>
+              <a:t>Load</a:t>
+            </a:r>
+            <a:endParaRPr lang="en-GB" dirty="0">
+              <a:solidFill>
+                <a:srgbClr val="00B050"/>
+              </a:solidFill>
+            </a:endParaRPr>
+          </a:p>
+        </p:txBody>
+      </p:sp>
+      <p:sp>
+        <p:nvSpPr>
+          <p:cNvPr id="4" name="TextBox 3"/>
+          <p:cNvSpPr txBox="1"/>
+          <p:nvPr/>
+        </p:nvSpPr>
+        <p:spPr>
+          <a:xfrm>
+            <a:off x="395536" y="1844824"/>
+            <a:ext cx="8496944" cy="2677656"/>
+          </a:xfrm>
+          <a:prstGeom prst="rect">
+            <a:avLst/>
+          </a:prstGeom>
+          <a:noFill/>
+        </p:spPr>
+        <p:txBody>
+          <a:bodyPr wrap="square" rtlCol="0">
+            <a:spAutoFit/>
+          </a:bodyPr>
+          <a:lstStyle/>
+          <a:p>
+            <a:pPr marL="285750" indent="-285750">
+              <a:buFont typeface="Arial" panose="020B0604020202020204" pitchFamily="34" charset="0"/>
+              <a:buChar char="•"/>
+            </a:pPr>
+            <a:r>
+              <a:rPr lang="en-GB" sz="2400" b="1" dirty="0" smtClean="0"/>
+              <a:t>Instrument </a:t>
+            </a:r>
+            <a:r>
+              <a:rPr lang="en-GB" sz="2400" b="1" dirty="0"/>
+              <a:t>scripts</a:t>
+            </a:r>
+            <a:r>
+              <a:rPr lang="en-GB" sz="2400" dirty="0"/>
+              <a:t> are loaded automatically when you open the scripting perspective</a:t>
+            </a:r>
+          </a:p>
+          <a:p>
+            <a:pPr marL="285750" indent="-285750">
+              <a:buFont typeface="Arial" panose="020B0604020202020204" pitchFamily="34" charset="0"/>
+              <a:buChar char="•"/>
+            </a:pPr>
+            <a:r>
+              <a:rPr lang="en-GB" sz="2400" b="1" dirty="0"/>
+              <a:t>User scripts</a:t>
+            </a:r>
+            <a:r>
+              <a:rPr lang="en-GB" sz="2400" dirty="0"/>
+              <a:t> can be loaded by using the </a:t>
+            </a:r>
+            <a:r>
+              <a:rPr lang="en-GB" sz="2400" dirty="0" err="1">
+                <a:solidFill>
+                  <a:schemeClr val="accent2"/>
+                </a:solidFill>
+                <a:latin typeface="Consolas" panose="020B0609020204030204" pitchFamily="49" charset="0"/>
+                <a:cs typeface="Consolas" panose="020B0609020204030204" pitchFamily="49" charset="0"/>
+              </a:rPr>
+              <a:t>load_script</a:t>
+            </a:r>
+            <a:r>
+              <a:rPr lang="en-GB" sz="2400" dirty="0">
+                <a:solidFill>
+                  <a:schemeClr val="accent2"/>
+                </a:solidFill>
+                <a:latin typeface="Consolas" panose="020B0609020204030204" pitchFamily="49" charset="0"/>
+                <a:cs typeface="Consolas" panose="020B0609020204030204" pitchFamily="49" charset="0"/>
+              </a:rPr>
+              <a:t> </a:t>
+            </a:r>
+            <a:r>
+              <a:rPr lang="en-GB" sz="2400" dirty="0" smtClean="0"/>
+              <a:t>function, e.g. </a:t>
+            </a:r>
+            <a:r>
+              <a:rPr lang="en-GB" sz="2400" dirty="0" err="1">
+                <a:solidFill>
+                  <a:schemeClr val="accent2"/>
+                </a:solidFill>
+                <a:latin typeface="Consolas" panose="020B0609020204030204" pitchFamily="49" charset="0"/>
+                <a:cs typeface="Consolas" panose="020B0609020204030204" pitchFamily="49" charset="0"/>
+              </a:rPr>
+              <a:t>g.load_script</a:t>
+            </a:r>
+            <a:r>
+              <a:rPr lang="en-GB" sz="2400" dirty="0">
+                <a:solidFill>
+                  <a:schemeClr val="accent2"/>
+                </a:solidFill>
+                <a:latin typeface="Consolas" panose="020B0609020204030204" pitchFamily="49" charset="0"/>
+                <a:cs typeface="Consolas" panose="020B0609020204030204" pitchFamily="49" charset="0"/>
+              </a:rPr>
+              <a:t>('C:\script\my_script.py</a:t>
+            </a:r>
+            <a:r>
+              <a:rPr lang="en-GB" sz="2400" dirty="0">
+                <a:solidFill>
+                  <a:schemeClr val="accent2"/>
+                </a:solidFill>
+                <a:latin typeface="Consolas" panose="020B0609020204030204" pitchFamily="49" charset="0"/>
+                <a:cs typeface="Consolas" panose="020B0609020204030204" pitchFamily="49" charset="0"/>
+              </a:rPr>
+              <a:t>')</a:t>
+            </a:r>
+          </a:p>
+          <a:p>
+            <a:pPr marL="285750" indent="-285750">
+              <a:buFont typeface="Arial" panose="020B0604020202020204" pitchFamily="34" charset="0"/>
+              <a:buChar char="•"/>
+            </a:pPr>
+            <a:endParaRPr lang="en-GB" sz="2400" i="1" dirty="0"/>
+          </a:p>
+          <a:p>
+            <a:pPr marL="285750" indent="-285750">
+              <a:buFont typeface="Arial" panose="020B0604020202020204" pitchFamily="34" charset="0"/>
+              <a:buChar char="•"/>
+            </a:pPr>
+            <a:r>
+              <a:rPr lang="en-GB" sz="2400" dirty="0" smtClean="0">
+                <a:solidFill>
+                  <a:srgbClr val="00B050"/>
+                </a:solidFill>
+              </a:rPr>
+              <a:t>Load </a:t>
+            </a:r>
+            <a:r>
+              <a:rPr lang="en-GB" sz="2400" dirty="0">
+                <a:solidFill>
+                  <a:srgbClr val="00B050"/>
+                </a:solidFill>
+              </a:rPr>
+              <a:t>your user script </a:t>
+            </a:r>
+            <a:r>
+              <a:rPr lang="en-GB" sz="2400" i="1" dirty="0">
+                <a:solidFill>
+                  <a:srgbClr val="00B050"/>
+                </a:solidFill>
+              </a:rPr>
+              <a:t>run_my_experiment.py</a:t>
+            </a:r>
+          </a:p>
+        </p:txBody>
+      </p:sp>
+    </p:spTree>
+    <p:extLst>
+      <p:ext uri="{BB962C8B-B14F-4D97-AF65-F5344CB8AC3E}">
+        <p14:creationId xmlns:p14="http://schemas.microsoft.com/office/powerpoint/2010/main" val="196124235"/>
+      </p:ext>
+    </p:extLst>
+  </p:cSld>
+  <p:clrMapOvr>
+    <a:masterClrMapping/>
+  </p:clrMapOvr>
+  <p:timing>
+    <p:tnLst>
+      <p:par>
+        <p:cTn id="1" dur="indefinite" restart="never" nodeType="tmRoot"/>
+      </p:par>
+    </p:tnLst>
+  </p:timing>
+</p:sld>
+</file>
+
 <file path=ppt/slides/slide19.xml><?xml version="1.0" encoding="utf-8"?>
 <p:sld xmlns:a="http://schemas.openxmlformats.org/drawingml/2006/main" xmlns:r="http://schemas.openxmlformats.org/officeDocument/2006/relationships" xmlns:p="http://schemas.openxmlformats.org/presentationml/2006/main">
   <p:cSld>
@@ -11793,7 +11821,7 @@
             </a:br>
             <a:r>
               <a:rPr lang="en-GB" dirty="0" smtClean="0"/>
-              <a:t>Load</a:t>
+              <a:t>Run</a:t>
             </a:r>
             <a:endParaRPr lang="en-GB" dirty="0">
               <a:solidFill>
@@ -11825,80 +11853,155 @@
           </a:bodyPr>
           <a:lstStyle/>
           <a:p>
-            <a:pPr marL="285750" indent="-285750">
+            <a:pPr marL="342900" indent="-342900">
               <a:buFont typeface="Arial" panose="020B0604020202020204" pitchFamily="34" charset="0"/>
               <a:buChar char="•"/>
             </a:pPr>
             <a:r>
-              <a:rPr lang="en-GB" sz="2400" b="1" dirty="0" smtClean="0"/>
-              <a:t>Instrument </a:t>
-            </a:r>
-            <a:r>
-              <a:rPr lang="en-GB" sz="2400" b="1" dirty="0"/>
-              <a:t>scripts</a:t>
-            </a:r>
-            <a:r>
               <a:rPr lang="en-GB" sz="2400" dirty="0"/>
-              <a:t> are loaded automatically when you open the scripting perspective</a:t>
-            </a:r>
-          </a:p>
-          <a:p>
-            <a:pPr marL="285750" indent="-285750">
+              <a:t>I</a:t>
+            </a:r>
+            <a:r>
+              <a:rPr lang="en-GB" sz="2400" dirty="0" smtClean="0"/>
+              <a:t>nstrument script functions can be called with </a:t>
+            </a:r>
+            <a:r>
+              <a:rPr lang="en-GB" sz="2400" dirty="0">
+                <a:solidFill>
+                  <a:schemeClr val="accent2"/>
+                </a:solidFill>
+                <a:latin typeface="Consolas" panose="020B0609020204030204" pitchFamily="49" charset="0"/>
+                <a:cs typeface="Consolas" panose="020B0609020204030204" pitchFamily="49" charset="0"/>
+              </a:rPr>
+              <a:t>inst.[</a:t>
+            </a:r>
+            <a:r>
+              <a:rPr lang="en-GB" sz="2400" dirty="0" err="1">
+                <a:solidFill>
+                  <a:schemeClr val="accent2"/>
+                </a:solidFill>
+                <a:latin typeface="Consolas" panose="020B0609020204030204" pitchFamily="49" charset="0"/>
+                <a:cs typeface="Consolas" panose="020B0609020204030204" pitchFamily="49" charset="0"/>
+              </a:rPr>
+              <a:t>function_name</a:t>
+            </a:r>
+            <a:r>
+              <a:rPr lang="en-GB" sz="2400" dirty="0">
+                <a:solidFill>
+                  <a:schemeClr val="accent2"/>
+                </a:solidFill>
+                <a:latin typeface="Consolas" panose="020B0609020204030204" pitchFamily="49" charset="0"/>
+                <a:cs typeface="Consolas" panose="020B0609020204030204" pitchFamily="49" charset="0"/>
+              </a:rPr>
+              <a:t>](</a:t>
+            </a:r>
+            <a:r>
+              <a:rPr lang="en-GB" sz="2400" dirty="0" err="1">
+                <a:solidFill>
+                  <a:schemeClr val="accent2"/>
+                </a:solidFill>
+                <a:latin typeface="Consolas" panose="020B0609020204030204" pitchFamily="49" charset="0"/>
+                <a:cs typeface="Consolas" panose="020B0609020204030204" pitchFamily="49" charset="0"/>
+              </a:rPr>
+              <a:t>args</a:t>
+            </a:r>
+            <a:r>
+              <a:rPr lang="en-GB" sz="2400" dirty="0" smtClean="0">
+                <a:solidFill>
+                  <a:schemeClr val="accent2"/>
+                </a:solidFill>
+                <a:latin typeface="Consolas" panose="020B0609020204030204" pitchFamily="49" charset="0"/>
+                <a:cs typeface="Consolas" panose="020B0609020204030204" pitchFamily="49" charset="0"/>
+              </a:rPr>
+              <a:t>)</a:t>
+            </a:r>
+            <a:r>
+              <a:rPr lang="en-GB" sz="2400" dirty="0" smtClean="0"/>
+              <a:t>, for </a:t>
+            </a:r>
+            <a:r>
+              <a:rPr lang="en-GB" sz="2400" dirty="0" smtClean="0"/>
+              <a:t>example:</a:t>
+            </a:r>
+          </a:p>
+          <a:p>
+            <a:pPr marL="800100" lvl="1" indent="-342900">
               <a:buFont typeface="Arial" panose="020B0604020202020204" pitchFamily="34" charset="0"/>
               <a:buChar char="•"/>
             </a:pPr>
             <a:r>
-              <a:rPr lang="en-GB" sz="2400" b="1" dirty="0"/>
-              <a:t>User scripts</a:t>
-            </a:r>
-            <a:r>
-              <a:rPr lang="en-GB" sz="2400" dirty="0"/>
-              <a:t> can be loaded by using the </a:t>
-            </a:r>
-            <a:r>
-              <a:rPr lang="en-GB" sz="2400" i="1" dirty="0" err="1"/>
-              <a:t>load_script</a:t>
-            </a:r>
-            <a:r>
-              <a:rPr lang="en-GB" sz="2400" dirty="0"/>
-              <a:t> </a:t>
-            </a:r>
-            <a:r>
-              <a:rPr lang="en-GB" sz="2400" dirty="0" smtClean="0"/>
-              <a:t>function, e.g. </a:t>
-            </a:r>
-            <a:r>
-              <a:rPr lang="en-GB" sz="2400" i="1" dirty="0" err="1" smtClean="0"/>
-              <a:t>g.load_script</a:t>
-            </a:r>
-            <a:r>
-              <a:rPr lang="en-GB" sz="2400" i="1" dirty="0"/>
-              <a:t>('C:\script\my_script.py</a:t>
-            </a:r>
-            <a:r>
-              <a:rPr lang="en-GB" sz="2400" i="1" dirty="0" smtClean="0"/>
-              <a:t>')</a:t>
-            </a:r>
-          </a:p>
-          <a:p>
-            <a:pPr marL="285750" indent="-285750">
+              <a:rPr lang="en-GB" sz="2400" dirty="0" err="1">
+                <a:solidFill>
+                  <a:schemeClr val="accent2"/>
+                </a:solidFill>
+                <a:latin typeface="Consolas" panose="020B0609020204030204" pitchFamily="49" charset="0"/>
+                <a:cs typeface="Consolas" panose="020B0609020204030204" pitchFamily="49" charset="0"/>
+              </a:rPr>
+              <a:t>inst.my_method</a:t>
+            </a:r>
+            <a:r>
+              <a:rPr lang="en-GB" sz="2400" dirty="0">
+                <a:solidFill>
+                  <a:schemeClr val="accent2"/>
+                </a:solidFill>
+                <a:latin typeface="Consolas" panose="020B0609020204030204" pitchFamily="49" charset="0"/>
+                <a:cs typeface="Consolas" panose="020B0609020204030204" pitchFamily="49" charset="0"/>
+              </a:rPr>
+              <a:t>("MY_BLOCK") </a:t>
+            </a:r>
+            <a:endParaRPr lang="en-GB" sz="2400" dirty="0">
+              <a:solidFill>
+                <a:schemeClr val="accent2"/>
+              </a:solidFill>
+              <a:latin typeface="Consolas" panose="020B0609020204030204" pitchFamily="49" charset="0"/>
+              <a:cs typeface="Consolas" panose="020B0609020204030204" pitchFamily="49" charset="0"/>
+            </a:endParaRPr>
+          </a:p>
+          <a:p>
+            <a:pPr marL="342900" indent="-342900">
               <a:buFont typeface="Arial" panose="020B0604020202020204" pitchFamily="34" charset="0"/>
               <a:buChar char="•"/>
             </a:pPr>
-            <a:endParaRPr lang="en-GB" sz="2400" i="1" dirty="0"/>
-          </a:p>
-          <a:p>
-            <a:pPr marL="285750" indent="-285750">
+            <a:r>
+              <a:rPr lang="en-GB" sz="2400" dirty="0" smtClean="0"/>
+              <a:t>The </a:t>
+            </a:r>
+            <a:r>
+              <a:rPr lang="en-GB" sz="2400" dirty="0"/>
+              <a:t>Ibex scripting perspective will provide auto-completion for instrument methods so you can see what is </a:t>
+            </a:r>
+            <a:r>
+              <a:rPr lang="en-GB" sz="2400" dirty="0" smtClean="0"/>
+              <a:t>available</a:t>
+            </a:r>
+          </a:p>
+          <a:p>
+            <a:pPr marL="342900" indent="-342900">
               <a:buFont typeface="Arial" panose="020B0604020202020204" pitchFamily="34" charset="0"/>
               <a:buChar char="•"/>
             </a:pPr>
+            <a:endParaRPr lang="en-GB" sz="2400" dirty="0"/>
+          </a:p>
+          <a:p>
+            <a:pPr marL="342900" indent="-342900">
+              <a:buFont typeface="Arial" panose="020B0604020202020204" pitchFamily="34" charset="0"/>
+              <a:buChar char="•"/>
+            </a:pPr>
+            <a:r>
+              <a:rPr lang="en-GB" sz="2400" dirty="0">
+                <a:solidFill>
+                  <a:srgbClr val="00B050"/>
+                </a:solidFill>
+              </a:rPr>
+              <a:t>Run the instrument </a:t>
+            </a:r>
             <a:r>
               <a:rPr lang="en-GB" sz="2400" dirty="0" smtClean="0">
                 <a:solidFill>
                   <a:srgbClr val="00B050"/>
                 </a:solidFill>
               </a:rPr>
-              <a:t>Load </a:t>
+              <a:t>function </a:t>
             </a:r>
             <a:r>
               <a:rPr lang="en-GB" sz="2400" dirty="0">
@@ -11906,23 +12009,28 @@
                   <a:srgbClr val="00B050"/>
                 </a:solidFill>
               </a:rPr>
-              <a:t>your user script </a:t>
-            </a:r>
-            <a:r>
-              <a:rPr lang="en-GB" sz="2400" i="1" dirty="0">
+              <a:t>you </a:t>
+            </a:r>
+            <a:r>
+              <a:rPr lang="en-GB" sz="2400" dirty="0" smtClean="0">
                 <a:solidFill>
                   <a:srgbClr val="00B050"/>
                 </a:solidFill>
               </a:rPr>
-              <a:t>run_my_experiment.py</a:t>
-            </a:r>
+              <a:t>wrote earlier</a:t>
+            </a:r>
+            <a:endParaRPr lang="en-GB" sz="2400" dirty="0">
+              <a:solidFill>
+                <a:srgbClr val="00B050"/>
+              </a:solidFill>
+            </a:endParaRPr>
           </a:p>
         </p:txBody>
       </p:sp>
     </p:spTree>
     <p:extLst>
       <p:ext uri="{BB962C8B-B14F-4D97-AF65-F5344CB8AC3E}">
-        <p14:creationId xmlns:p14="http://schemas.microsoft.com/office/powerpoint/2010/main" val="196124235"/>
+        <p14:creationId xmlns:p14="http://schemas.microsoft.com/office/powerpoint/2010/main" val="2846568426"/>
       </p:ext>
     </p:extLst>
   </p:cSld>
@@ -12106,225 +12214,6 @@
         <p:spPr>
           <a:xfrm>
             <a:off x="395536" y="1844824"/>
-            <a:ext cx="8496944" cy="2677656"/>
-          </a:xfrm>
-          <a:prstGeom prst="rect">
-            <a:avLst/>
-          </a:prstGeom>
-          <a:noFill/>
-        </p:spPr>
-        <p:txBody>
-          <a:bodyPr wrap="square" rtlCol="0">
-            <a:spAutoFit/>
-          </a:bodyPr>
-          <a:lstStyle/>
-          <a:p>
-            <a:pPr marL="342900" indent="-342900">
-              <a:buFont typeface="Arial" panose="020B0604020202020204" pitchFamily="34" charset="0"/>
-              <a:buChar char="•"/>
-            </a:pPr>
-            <a:r>
-              <a:rPr lang="en-GB" sz="2400" dirty="0"/>
-              <a:t>I</a:t>
-            </a:r>
-            <a:r>
-              <a:rPr lang="en-GB" sz="2400" dirty="0" smtClean="0"/>
-              <a:t>nstrument script functions can be called with </a:t>
-            </a:r>
-            <a:r>
-              <a:rPr lang="en-GB" sz="2400" i="1" dirty="0" smtClean="0"/>
-              <a:t>inst.[</a:t>
-            </a:r>
-            <a:r>
-              <a:rPr lang="en-GB" sz="2400" i="1" dirty="0" err="1" smtClean="0"/>
-              <a:t>function_name</a:t>
-            </a:r>
-            <a:r>
-              <a:rPr lang="en-GB" sz="2400" i="1" dirty="0" smtClean="0"/>
-              <a:t>](</a:t>
-            </a:r>
-            <a:r>
-              <a:rPr lang="en-GB" sz="2400" i="1" dirty="0" err="1" smtClean="0"/>
-              <a:t>args</a:t>
-            </a:r>
-            <a:r>
-              <a:rPr lang="en-GB" sz="2400" i="1" dirty="0" smtClean="0"/>
-              <a:t>), </a:t>
-            </a:r>
-            <a:r>
-              <a:rPr lang="en-GB" sz="2400" dirty="0" smtClean="0"/>
-              <a:t>for example:</a:t>
-            </a:r>
-          </a:p>
-          <a:p>
-            <a:pPr marL="800100" lvl="1" indent="-342900">
-              <a:buFont typeface="Arial" panose="020B0604020202020204" pitchFamily="34" charset="0"/>
-              <a:buChar char="•"/>
-            </a:pPr>
-            <a:r>
-              <a:rPr lang="en-GB" sz="2400" i="1" dirty="0" err="1" smtClean="0"/>
-              <a:t>inst.my_method</a:t>
-            </a:r>
-            <a:r>
-              <a:rPr lang="en-GB" sz="2400" i="1" dirty="0"/>
-              <a:t>("MY_BLOCK")</a:t>
-            </a:r>
-            <a:r>
-              <a:rPr lang="en-GB" sz="2400" dirty="0"/>
-              <a:t> </a:t>
-            </a:r>
-            <a:endParaRPr lang="en-GB" sz="2400" dirty="0" smtClean="0"/>
-          </a:p>
-          <a:p>
-            <a:pPr marL="342900" indent="-342900">
-              <a:buFont typeface="Arial" panose="020B0604020202020204" pitchFamily="34" charset="0"/>
-              <a:buChar char="•"/>
-            </a:pPr>
-            <a:r>
-              <a:rPr lang="en-GB" sz="2400" dirty="0" smtClean="0"/>
-              <a:t>The </a:t>
-            </a:r>
-            <a:r>
-              <a:rPr lang="en-GB" sz="2400" dirty="0"/>
-              <a:t>Ibex scripting perspective will provide auto-completion for instrument methods so you can see what is </a:t>
-            </a:r>
-            <a:r>
-              <a:rPr lang="en-GB" sz="2400" dirty="0" smtClean="0"/>
-              <a:t>available</a:t>
-            </a:r>
-          </a:p>
-          <a:p>
-            <a:pPr marL="342900" indent="-342900">
-              <a:buFont typeface="Arial" panose="020B0604020202020204" pitchFamily="34" charset="0"/>
-              <a:buChar char="•"/>
-            </a:pPr>
-            <a:endParaRPr lang="en-GB" sz="2400" dirty="0"/>
-          </a:p>
-          <a:p>
-            <a:pPr marL="342900" indent="-342900">
-              <a:buFont typeface="Arial" panose="020B0604020202020204" pitchFamily="34" charset="0"/>
-              <a:buChar char="•"/>
-            </a:pPr>
-            <a:r>
-              <a:rPr lang="en-GB" sz="2400" dirty="0">
-                <a:solidFill>
-                  <a:srgbClr val="00B050"/>
-                </a:solidFill>
-              </a:rPr>
-              <a:t>Run the instrument </a:t>
-            </a:r>
-            <a:r>
-              <a:rPr lang="en-GB" sz="2400" dirty="0" smtClean="0">
-                <a:solidFill>
-                  <a:srgbClr val="00B050"/>
-                </a:solidFill>
-              </a:rPr>
-              <a:t>function </a:t>
-            </a:r>
-            <a:r>
-              <a:rPr lang="en-GB" sz="2400" dirty="0">
-                <a:solidFill>
-                  <a:srgbClr val="00B050"/>
-                </a:solidFill>
-              </a:rPr>
-              <a:t>you </a:t>
-            </a:r>
-            <a:r>
-              <a:rPr lang="en-GB" sz="2400" dirty="0" smtClean="0">
-                <a:solidFill>
-                  <a:srgbClr val="00B050"/>
-                </a:solidFill>
-              </a:rPr>
-              <a:t>wrote earlier</a:t>
-            </a:r>
-            <a:endParaRPr lang="en-GB" sz="2400" dirty="0">
-              <a:solidFill>
-                <a:srgbClr val="00B050"/>
-              </a:solidFill>
-            </a:endParaRPr>
-          </a:p>
-        </p:txBody>
-      </p:sp>
-    </p:spTree>
-    <p:extLst>
-      <p:ext uri="{BB962C8B-B14F-4D97-AF65-F5344CB8AC3E}">
-        <p14:creationId xmlns:p14="http://schemas.microsoft.com/office/powerpoint/2010/main" val="2846568426"/>
-      </p:ext>
-    </p:extLst>
-  </p:cSld>
-  <p:clrMapOvr>
-    <a:masterClrMapping/>
-  </p:clrMapOvr>
-  <p:timing>
-    <p:tnLst>
-      <p:par>
-        <p:cTn id="1" dur="indefinite" restart="never" nodeType="tmRoot"/>
-      </p:par>
-    </p:tnLst>
-  </p:timing>
-</p:sld>
-</file>
-
-<file path=ppt/slides/slide21.xml><?xml version="1.0" encoding="utf-8"?>
-<p:sld xmlns:a="http://schemas.openxmlformats.org/drawingml/2006/main" xmlns:r="http://schemas.openxmlformats.org/officeDocument/2006/relationships" xmlns:p="http://schemas.openxmlformats.org/presentationml/2006/main">
-  <p:cSld>
-    <p:spTree>
-      <p:nvGrpSpPr>
-        <p:cNvPr id="1" name=""/>
-        <p:cNvGrpSpPr/>
-        <p:nvPr/>
-      </p:nvGrpSpPr>
-      <p:grpSpPr>
-        <a:xfrm>
-          <a:off x="0" y="0"/>
-          <a:ext cx="0" cy="0"/>
-          <a:chOff x="0" y="0"/>
-          <a:chExt cx="0" cy="0"/>
-        </a:xfrm>
-      </p:grpSpPr>
-      <p:sp>
-        <p:nvSpPr>
-          <p:cNvPr id="2" name="Title 1"/>
-          <p:cNvSpPr>
-            <a:spLocks noGrp="1"/>
-          </p:cNvSpPr>
-          <p:nvPr>
-            <p:ph type="title"/>
-          </p:nvPr>
-        </p:nvSpPr>
-        <p:spPr/>
-        <p:txBody>
-          <a:bodyPr/>
-          <a:lstStyle/>
-          <a:p>
-            <a:r>
-              <a:rPr lang="en-GB" dirty="0" smtClean="0"/>
-              <a:t>Scripting</a:t>
-            </a:r>
-            <a:br>
-              <a:rPr lang="en-GB" dirty="0" smtClean="0"/>
-            </a:br>
-            <a:r>
-              <a:rPr lang="en-GB" dirty="0" smtClean="0"/>
-              <a:t>Run</a:t>
-            </a:r>
-            <a:endParaRPr lang="en-GB" dirty="0">
-              <a:solidFill>
-                <a:srgbClr val="00B050"/>
-              </a:solidFill>
-            </a:endParaRPr>
-          </a:p>
-        </p:txBody>
-      </p:sp>
-      <p:sp>
-        <p:nvSpPr>
-          <p:cNvPr id="4" name="TextBox 3"/>
-          <p:cNvSpPr txBox="1"/>
-          <p:nvPr/>
-        </p:nvSpPr>
-        <p:spPr>
-          <a:xfrm>
-            <a:off x="395536" y="1844824"/>
             <a:ext cx="8496944" cy="3046988"/>
           </a:xfrm>
           <a:prstGeom prst="rect">
@@ -12347,12 +12236,28 @@
               <a:t>Functions loaded from user scripts using </a:t>
             </a:r>
             <a:r>
-              <a:rPr lang="en-GB" sz="2400" dirty="0" err="1" smtClean="0"/>
+              <a:rPr lang="en-GB" sz="2400" dirty="0" err="1">
+                <a:solidFill>
+                  <a:schemeClr val="accent2"/>
+                </a:solidFill>
+                <a:latin typeface="Consolas" panose="020B0609020204030204" pitchFamily="49" charset="0"/>
+                <a:cs typeface="Consolas" panose="020B0609020204030204" pitchFamily="49" charset="0"/>
+              </a:rPr>
               <a:t>g.load_script</a:t>
             </a:r>
             <a:r>
+              <a:rPr lang="en-GB" sz="2400" dirty="0">
+                <a:solidFill>
+                  <a:schemeClr val="accent2"/>
+                </a:solidFill>
+                <a:latin typeface="Consolas" panose="020B0609020204030204" pitchFamily="49" charset="0"/>
+                <a:cs typeface="Consolas" panose="020B0609020204030204" pitchFamily="49" charset="0"/>
+              </a:rPr>
+              <a:t>(...)</a:t>
+            </a:r>
+            <a:r>
               <a:rPr lang="en-GB" sz="2400" dirty="0"/>
-              <a:t>(...) </a:t>
+              <a:t> </a:t>
             </a:r>
             <a:r>
               <a:rPr lang="en-GB" sz="2400" dirty="0" smtClean="0"/>
@@ -12509,7 +12414,7 @@
 </p:sld>
 </file>
 
-<file path=ppt/slides/slide22.xml><?xml version="1.0" encoding="utf-8"?>
+<file path=ppt/slides/slide21.xml><?xml version="1.0" encoding="utf-8"?>
 <p:sld xmlns:a="http://schemas.openxmlformats.org/drawingml/2006/main" xmlns:r="http://schemas.openxmlformats.org/officeDocument/2006/relationships" xmlns:p="http://schemas.openxmlformats.org/presentationml/2006/main">
   <p:cSld>
     <p:spTree>
@@ -12631,15 +12536,33 @@
               <a:t>Run the command </a:t>
             </a:r>
             <a:r>
-              <a:rPr lang="en-GB" sz="2400" dirty="0" smtClean="0"/>
+              <a:rPr lang="en-GB" sz="2400" dirty="0">
+                <a:solidFill>
+                  <a:schemeClr val="accent2"/>
+                </a:solidFill>
+                <a:latin typeface="Consolas" panose="020B0609020204030204" pitchFamily="49" charset="0"/>
+                <a:cs typeface="Consolas" panose="020B0609020204030204" pitchFamily="49" charset="0"/>
+              </a:rPr>
               <a:t>reload(</a:t>
             </a:r>
             <a:r>
-              <a:rPr lang="en-GB" sz="2400" dirty="0" err="1" smtClean="0"/>
+              <a:rPr lang="en-GB" sz="2400" dirty="0" err="1">
+                <a:solidFill>
+                  <a:schemeClr val="accent2"/>
+                </a:solidFill>
+                <a:latin typeface="Consolas" panose="020B0609020204030204" pitchFamily="49" charset="0"/>
+                <a:cs typeface="Consolas" panose="020B0609020204030204" pitchFamily="49" charset="0"/>
+              </a:rPr>
               <a:t>inst</a:t>
             </a:r>
             <a:r>
-              <a:rPr lang="en-GB" sz="2400" dirty="0" smtClean="0"/>
+              <a:rPr lang="en-GB" sz="2400" dirty="0">
+                <a:solidFill>
+                  <a:schemeClr val="accent2"/>
+                </a:solidFill>
+                <a:latin typeface="Consolas" panose="020B0609020204030204" pitchFamily="49" charset="0"/>
+                <a:cs typeface="Consolas" panose="020B0609020204030204" pitchFamily="49" charset="0"/>
+              </a:rPr>
               <a:t>)</a:t>
             </a:r>
           </a:p>
@@ -12657,11 +12580,23 @@
               <a:t>Rerun </a:t>
             </a:r>
             <a:r>
-              <a:rPr lang="en-GB" sz="2400" dirty="0" err="1" smtClean="0"/>
+              <a:rPr lang="en-GB" sz="2400" dirty="0" err="1">
+                <a:solidFill>
+                  <a:schemeClr val="accent2"/>
+                </a:solidFill>
+                <a:latin typeface="Consolas" panose="020B0609020204030204" pitchFamily="49" charset="0"/>
+                <a:cs typeface="Consolas" panose="020B0609020204030204" pitchFamily="49" charset="0"/>
+              </a:rPr>
               <a:t>g.load_script</a:t>
             </a:r>
             <a:r>
-              <a:rPr lang="en-GB" sz="2400" dirty="0" smtClean="0"/>
+              <a:rPr lang="en-GB" sz="2400" dirty="0">
+                <a:solidFill>
+                  <a:schemeClr val="accent2"/>
+                </a:solidFill>
+                <a:latin typeface="Consolas" panose="020B0609020204030204" pitchFamily="49" charset="0"/>
+                <a:cs typeface="Consolas" panose="020B0609020204030204" pitchFamily="49" charset="0"/>
+              </a:rPr>
               <a:t>(…)</a:t>
             </a:r>
           </a:p>
@@ -12747,7 +12682,7 @@
 </p:sld>
 </file>
 
-<file path=ppt/slides/slide23.xml><?xml version="1.0" encoding="utf-8"?>
+<file path=ppt/slides/slide22.xml><?xml version="1.0" encoding="utf-8"?>
 <p:sld xmlns:a="http://schemas.openxmlformats.org/drawingml/2006/main" xmlns:r="http://schemas.openxmlformats.org/officeDocument/2006/relationships" xmlns:p="http://schemas.openxmlformats.org/presentationml/2006/main">
   <p:cSld>
     <p:spTree>
@@ -12860,72 +12795,141 @@
               <a:rPr lang="en-GB" dirty="0" smtClean="0"/>
               <a:t>command:</a:t>
             </a:r>
-            <a:endParaRPr lang="en-GB" dirty="0" smtClean="0"/>
           </a:p>
           <a:p>
             <a:pPr lvl="2"/>
             <a:r>
-              <a:rPr lang="en-GB" i="1" dirty="0" smtClean="0"/>
+              <a:rPr lang="en-GB" dirty="0" smtClean="0">
+                <a:solidFill>
+                  <a:schemeClr val="accent2"/>
+                </a:solidFill>
+                <a:latin typeface="Consolas" panose="020B0609020204030204" pitchFamily="49" charset="0"/>
+                <a:cs typeface="Consolas" panose="020B0609020204030204" pitchFamily="49" charset="0"/>
+              </a:rPr>
               <a:t>   from </a:t>
             </a:r>
             <a:r>
-              <a:rPr lang="en-GB" i="1" dirty="0"/>
+              <a:rPr lang="en-GB" dirty="0">
+                <a:solidFill>
+                  <a:schemeClr val="accent2"/>
+                </a:solidFill>
+                <a:latin typeface="Consolas" panose="020B0609020204030204" pitchFamily="49" charset="0"/>
+                <a:cs typeface="Consolas" panose="020B0609020204030204" pitchFamily="49" charset="0"/>
+              </a:rPr>
               <a:t>counts import vanadium </a:t>
             </a:r>
-            <a:endParaRPr lang="en-GB" i="1" dirty="0" smtClean="0"/>
+            <a:endParaRPr lang="en-GB" dirty="0" smtClean="0">
+              <a:solidFill>
+                <a:schemeClr val="accent2"/>
+              </a:solidFill>
+              <a:latin typeface="Consolas" panose="020B0609020204030204" pitchFamily="49" charset="0"/>
+              <a:cs typeface="Consolas" panose="020B0609020204030204" pitchFamily="49" charset="0"/>
+            </a:endParaRPr>
           </a:p>
           <a:p>
             <a:pPr lvl="2"/>
             <a:r>
-              <a:rPr lang="en-GB" i="1" dirty="0" smtClean="0"/>
+              <a:rPr lang="en-GB" dirty="0" smtClean="0">
+                <a:solidFill>
+                  <a:schemeClr val="accent2"/>
+                </a:solidFill>
+                <a:latin typeface="Consolas" panose="020B0609020204030204" pitchFamily="49" charset="0"/>
+                <a:cs typeface="Consolas" panose="020B0609020204030204" pitchFamily="49" charset="0"/>
+              </a:rPr>
               <a:t>   </a:t>
             </a:r>
             <a:r>
-              <a:rPr lang="en-GB" i="1" dirty="0" err="1" smtClean="0"/>
+              <a:rPr lang="en-GB" dirty="0" err="1" smtClean="0">
+                <a:solidFill>
+                  <a:schemeClr val="accent2"/>
+                </a:solidFill>
+                <a:latin typeface="Consolas" panose="020B0609020204030204" pitchFamily="49" charset="0"/>
+                <a:cs typeface="Consolas" panose="020B0609020204030204" pitchFamily="49" charset="0"/>
+              </a:rPr>
               <a:t>def</a:t>
             </a:r>
             <a:r>
-              <a:rPr lang="en-GB" i="1" dirty="0" smtClean="0"/>
+              <a:rPr lang="en-GB" dirty="0" smtClean="0">
+                <a:solidFill>
+                  <a:schemeClr val="accent2"/>
+                </a:solidFill>
+                <a:latin typeface="Consolas" panose="020B0609020204030204" pitchFamily="49" charset="0"/>
+                <a:cs typeface="Consolas" panose="020B0609020204030204" pitchFamily="49" charset="0"/>
+              </a:rPr>
               <a:t> </a:t>
             </a:r>
             <a:r>
-              <a:rPr lang="en-GB" i="1" dirty="0"/>
+              <a:rPr lang="en-GB" dirty="0">
+                <a:solidFill>
+                  <a:schemeClr val="accent2"/>
+                </a:solidFill>
+                <a:latin typeface="Consolas" panose="020B0609020204030204" pitchFamily="49" charset="0"/>
+                <a:cs typeface="Consolas" panose="020B0609020204030204" pitchFamily="49" charset="0"/>
+              </a:rPr>
               <a:t>calibration(): </a:t>
             </a:r>
-            <a:endParaRPr lang="en-GB" i="1" dirty="0" smtClean="0"/>
+            <a:endParaRPr lang="en-GB" dirty="0" smtClean="0">
+              <a:solidFill>
+                <a:schemeClr val="accent2"/>
+              </a:solidFill>
+              <a:latin typeface="Consolas" panose="020B0609020204030204" pitchFamily="49" charset="0"/>
+              <a:cs typeface="Consolas" panose="020B0609020204030204" pitchFamily="49" charset="0"/>
+            </a:endParaRPr>
           </a:p>
           <a:p>
             <a:pPr lvl="2"/>
             <a:r>
-              <a:rPr lang="en-GB" i="1" dirty="0"/>
+              <a:rPr lang="en-GB" dirty="0">
+                <a:solidFill>
+                  <a:schemeClr val="accent2"/>
+                </a:solidFill>
+                <a:latin typeface="Consolas" panose="020B0609020204030204" pitchFamily="49" charset="0"/>
+                <a:cs typeface="Consolas" panose="020B0609020204030204" pitchFamily="49" charset="0"/>
+              </a:rPr>
               <a:t> </a:t>
             </a:r>
             <a:r>
-              <a:rPr lang="en-GB" i="1" dirty="0" smtClean="0"/>
-              <a:t>      </a:t>
-            </a:r>
-            <a:r>
-              <a:rPr lang="en-GB" i="1" dirty="0" smtClean="0"/>
-              <a:t>for </a:t>
-            </a:r>
-            <a:r>
-              <a:rPr lang="en-GB" i="1" dirty="0" err="1" smtClean="0"/>
+              <a:rPr lang="en-GB" dirty="0" smtClean="0">
+                <a:solidFill>
+                  <a:schemeClr val="accent2"/>
+                </a:solidFill>
+                <a:latin typeface="Consolas" panose="020B0609020204030204" pitchFamily="49" charset="0"/>
+                <a:cs typeface="Consolas" panose="020B0609020204030204" pitchFamily="49" charset="0"/>
+              </a:rPr>
+              <a:t>      for </a:t>
+            </a:r>
+            <a:r>
+              <a:rPr lang="en-GB" dirty="0" err="1" smtClean="0">
+                <a:solidFill>
+                  <a:schemeClr val="accent2"/>
+                </a:solidFill>
+                <a:latin typeface="Consolas" panose="020B0609020204030204" pitchFamily="49" charset="0"/>
+                <a:cs typeface="Consolas" panose="020B0609020204030204" pitchFamily="49" charset="0"/>
+              </a:rPr>
               <a:t>i</a:t>
             </a:r>
             <a:r>
-              <a:rPr lang="en-GB" i="1" dirty="0" smtClean="0"/>
+              <a:rPr lang="en-GB" dirty="0" smtClean="0">
+                <a:solidFill>
+                  <a:schemeClr val="accent2"/>
+                </a:solidFill>
+                <a:latin typeface="Consolas" panose="020B0609020204030204" pitchFamily="49" charset="0"/>
+                <a:cs typeface="Consolas" panose="020B0609020204030204" pitchFamily="49" charset="0"/>
+              </a:rPr>
               <a:t> in range(5):</a:t>
             </a:r>
           </a:p>
           <a:p>
             <a:pPr lvl="2"/>
             <a:r>
-              <a:rPr lang="en-GB" i="1" dirty="0" smtClean="0"/>
-              <a:t>           vanadium</a:t>
-            </a:r>
-            <a:r>
-              <a:rPr lang="en-GB" i="1" dirty="0" smtClean="0"/>
-              <a:t>()</a:t>
+              <a:rPr lang="en-GB" dirty="0" smtClean="0">
+                <a:solidFill>
+                  <a:schemeClr val="accent2"/>
+                </a:solidFill>
+                <a:latin typeface="Consolas" panose="020B0609020204030204" pitchFamily="49" charset="0"/>
+                <a:cs typeface="Consolas" panose="020B0609020204030204" pitchFamily="49" charset="0"/>
+              </a:rPr>
+              <a:t>           vanadium()</a:t>
             </a:r>
           </a:p>
           <a:p>
@@ -13052,9 +13056,14 @@
 </p:sld>
 </file>
 
-<file path=ppt/slides/slide24.xml><?xml version="1.0" encoding="utf-8"?>
+<file path=ppt/slides/slide23.xml><?xml version="1.0" encoding="utf-8"?>
 <p:sld xmlns:a="http://schemas.openxmlformats.org/drawingml/2006/main" xmlns:r="http://schemas.openxmlformats.org/officeDocument/2006/relationships" xmlns:p="http://schemas.openxmlformats.org/presentationml/2006/main">
   <p:cSld>
+    <p:bg>
+      <p:bgRef idx="1001">
+        <a:schemeClr val="bg1"/>
+      </p:bgRef>
+    </p:bg>
     <p:spTree>
       <p:nvGrpSpPr>
         <p:cNvPr id="1" name=""/>
@@ -13296,7 +13305,7 @@
     </p:extLst>
   </p:cSld>
   <p:clrMapOvr>
-    <a:masterClrMapping/>
+    <a:overrideClrMapping bg1="lt1" tx1="dk1" bg2="lt2" tx2="dk2" accent1="accent1" accent2="accent2" accent3="accent3" accent4="accent4" accent5="accent5" accent6="accent6" hlink="hlink" folHlink="folHlink"/>
   </p:clrMapOvr>
   <p:timing>
     <p:tnLst>
@@ -13308,7 +13317,7 @@
 </p:sld>
 </file>
 
-<file path=ppt/slides/slide25.xml><?xml version="1.0" encoding="utf-8"?>
+<file path=ppt/slides/slide24.xml><?xml version="1.0" encoding="utf-8"?>
 <p:sld xmlns:a="http://schemas.openxmlformats.org/drawingml/2006/main" xmlns:r="http://schemas.openxmlformats.org/officeDocument/2006/relationships" xmlns:p="http://schemas.openxmlformats.org/presentationml/2006/main">
   <p:cSld>
     <p:spTree>
@@ -13534,7 +13543,7 @@
 </p:sld>
 </file>
 
-<file path=ppt/slides/slide26.xml><?xml version="1.0" encoding="utf-8"?>
+<file path=ppt/slides/slide25.xml><?xml version="1.0" encoding="utf-8"?>
 <p:sld xmlns:a="http://schemas.openxmlformats.org/drawingml/2006/main" xmlns:r="http://schemas.openxmlformats.org/officeDocument/2006/relationships" xmlns:p="http://schemas.openxmlformats.org/presentationml/2006/main">
   <p:cSld>
     <p:spTree>
@@ -13760,7 +13769,7 @@
 </p:sld>
 </file>
 
-<file path=ppt/slides/slide27.xml><?xml version="1.0" encoding="utf-8"?>
+<file path=ppt/slides/slide26.xml><?xml version="1.0" encoding="utf-8"?>
 <p:sld xmlns:a="http://schemas.openxmlformats.org/drawingml/2006/main" xmlns:r="http://schemas.openxmlformats.org/officeDocument/2006/relationships" xmlns:p="http://schemas.openxmlformats.org/presentationml/2006/main">
   <p:cSld>
     <p:spTree>
@@ -13986,7 +13995,7 @@
 </p:sld>
 </file>
 
-<file path=ppt/slides/slide28.xml><?xml version="1.0" encoding="utf-8"?>
+<file path=ppt/slides/slide27.xml><?xml version="1.0" encoding="utf-8"?>
 <p:sld xmlns:a="http://schemas.openxmlformats.org/drawingml/2006/main" xmlns:r="http://schemas.openxmlformats.org/officeDocument/2006/relationships" xmlns:p="http://schemas.openxmlformats.org/presentationml/2006/main">
   <p:cSld>
     <p:spTree>
@@ -14212,6 +14221,381 @@
 </p:sld>
 </file>
 
+<file path=ppt/slides/slide28.xml><?xml version="1.0" encoding="utf-8"?>
+<p:sld xmlns:a="http://schemas.openxmlformats.org/drawingml/2006/main" xmlns:r="http://schemas.openxmlformats.org/officeDocument/2006/relationships" xmlns:p="http://schemas.openxmlformats.org/presentationml/2006/main">
+  <p:cSld>
+    <p:spTree>
+      <p:nvGrpSpPr>
+        <p:cNvPr id="1" name=""/>
+        <p:cNvGrpSpPr/>
+        <p:nvPr/>
+      </p:nvGrpSpPr>
+      <p:grpSpPr>
+        <a:xfrm>
+          <a:off x="0" y="0"/>
+          <a:ext cx="0" cy="0"/>
+          <a:chOff x="0" y="0"/>
+          <a:chExt cx="0" cy="0"/>
+        </a:xfrm>
+      </p:grpSpPr>
+      <p:sp>
+        <p:nvSpPr>
+          <p:cNvPr id="2" name="Title 1"/>
+          <p:cNvSpPr>
+            <a:spLocks noGrp="1"/>
+          </p:cNvSpPr>
+          <p:nvPr>
+            <p:ph type="title"/>
+          </p:nvPr>
+        </p:nvSpPr>
+        <p:spPr/>
+        <p:txBody>
+          <a:bodyPr/>
+          <a:lstStyle/>
+          <a:p>
+            <a:r>
+              <a:rPr lang="en-GB" dirty="0" smtClean="0"/>
+              <a:t>Converting from </a:t>
+            </a:r>
+            <a:r>
+              <a:rPr lang="en-GB" dirty="0" err="1" smtClean="0"/>
+              <a:t>OpenGENIE</a:t>
+            </a:r>
+            <a:r>
+              <a:rPr lang="en-GB" dirty="0" smtClean="0"/>
+              <a:t/>
+            </a:r>
+            <a:br>
+              <a:rPr lang="en-GB" dirty="0" smtClean="0"/>
+            </a:br>
+            <a:r>
+              <a:rPr lang="en-GB" dirty="0" smtClean="0"/>
+              <a:t>Commands</a:t>
+            </a:r>
+            <a:endParaRPr lang="en-GB" dirty="0"/>
+          </a:p>
+        </p:txBody>
+      </p:sp>
+      <p:sp>
+        <p:nvSpPr>
+          <p:cNvPr id="6" name="TextBox 5"/>
+          <p:cNvSpPr txBox="1"/>
+          <p:nvPr/>
+        </p:nvSpPr>
+        <p:spPr>
+          <a:xfrm>
+            <a:off x="395536" y="1844824"/>
+            <a:ext cx="8496944" cy="2308324"/>
+          </a:xfrm>
+          <a:prstGeom prst="rect">
+            <a:avLst/>
+          </a:prstGeom>
+          <a:noFill/>
+        </p:spPr>
+        <p:txBody>
+          <a:bodyPr wrap="square" rtlCol="0">
+            <a:spAutoFit/>
+          </a:bodyPr>
+          <a:lstStyle/>
+          <a:p>
+            <a:pPr marL="342900" indent="-342900">
+              <a:buFont typeface="Arial" panose="020B0604020202020204" pitchFamily="34" charset="0"/>
+              <a:buChar char="•"/>
+            </a:pPr>
+            <a:r>
+              <a:rPr lang="en-GB" dirty="0"/>
+              <a:t>The majority of </a:t>
+            </a:r>
+            <a:r>
+              <a:rPr lang="en-GB" dirty="0" err="1"/>
+              <a:t>OpenGENIE</a:t>
+            </a:r>
+            <a:r>
+              <a:rPr lang="en-GB" dirty="0"/>
+              <a:t> </a:t>
+            </a:r>
+            <a:r>
+              <a:rPr lang="en-GB" dirty="0" smtClean="0"/>
+              <a:t>commands </a:t>
+            </a:r>
+            <a:r>
+              <a:rPr lang="en-GB" dirty="0"/>
+              <a:t>have a very close equivalent in </a:t>
+            </a:r>
+            <a:r>
+              <a:rPr lang="en-GB" dirty="0" err="1" smtClean="0"/>
+              <a:t>genie_python</a:t>
+            </a:r>
+            <a:r>
+              <a:rPr lang="en-GB" dirty="0" smtClean="0"/>
+              <a:t>:</a:t>
+            </a:r>
+          </a:p>
+          <a:p>
+            <a:pPr marL="800100" lvl="1" indent="-342900">
+              <a:buFont typeface="Arial" panose="020B0604020202020204" pitchFamily="34" charset="0"/>
+              <a:buChar char="•"/>
+            </a:pPr>
+            <a:r>
+              <a:rPr lang="en-GB" dirty="0">
+                <a:solidFill>
+                  <a:schemeClr val="accent4"/>
+                </a:solidFill>
+                <a:latin typeface="Consolas" panose="020B0609020204030204" pitchFamily="49" charset="0"/>
+                <a:cs typeface="Consolas" panose="020B0609020204030204" pitchFamily="49" charset="0"/>
+              </a:rPr>
+              <a:t>BEGIN </a:t>
+            </a:r>
+            <a:r>
+              <a:rPr lang="en-GB" dirty="0" smtClean="0"/>
+              <a:t>becomes </a:t>
+            </a:r>
+            <a:r>
+              <a:rPr lang="en-GB" dirty="0" err="1" smtClean="0">
+                <a:solidFill>
+                  <a:schemeClr val="accent2"/>
+                </a:solidFill>
+                <a:latin typeface="Consolas" panose="020B0609020204030204" pitchFamily="49" charset="0"/>
+                <a:cs typeface="Consolas" panose="020B0609020204030204" pitchFamily="49" charset="0"/>
+              </a:rPr>
+              <a:t>g.begin</a:t>
+            </a:r>
+            <a:r>
+              <a:rPr lang="en-GB" dirty="0" smtClean="0">
+                <a:solidFill>
+                  <a:schemeClr val="accent2"/>
+                </a:solidFill>
+                <a:latin typeface="Consolas" panose="020B0609020204030204" pitchFamily="49" charset="0"/>
+                <a:cs typeface="Consolas" panose="020B0609020204030204" pitchFamily="49" charset="0"/>
+              </a:rPr>
+              <a:t>()</a:t>
+            </a:r>
+          </a:p>
+          <a:p>
+            <a:pPr marL="800100" lvl="1" indent="-342900">
+              <a:buFont typeface="Arial" panose="020B0604020202020204" pitchFamily="34" charset="0"/>
+              <a:buChar char="•"/>
+            </a:pPr>
+            <a:r>
+              <a:rPr lang="en-GB" dirty="0">
+                <a:solidFill>
+                  <a:schemeClr val="accent4"/>
+                </a:solidFill>
+                <a:latin typeface="Consolas" panose="020B0609020204030204" pitchFamily="49" charset="0"/>
+                <a:cs typeface="Consolas" panose="020B0609020204030204" pitchFamily="49" charset="0"/>
+              </a:rPr>
+              <a:t>CHANGE TITLE=‘New title’ </a:t>
+            </a:r>
+            <a:r>
+              <a:rPr lang="en-GB" dirty="0" smtClean="0"/>
+              <a:t>becomes </a:t>
+            </a:r>
+            <a:r>
+              <a:rPr lang="en-GB" dirty="0" err="1">
+                <a:solidFill>
+                  <a:schemeClr val="accent2"/>
+                </a:solidFill>
+                <a:latin typeface="Consolas" panose="020B0609020204030204" pitchFamily="49" charset="0"/>
+                <a:cs typeface="Consolas" panose="020B0609020204030204" pitchFamily="49" charset="0"/>
+              </a:rPr>
+              <a:t>g.change_title</a:t>
+            </a:r>
+            <a:r>
+              <a:rPr lang="en-GB" dirty="0">
+                <a:solidFill>
+                  <a:schemeClr val="accent2"/>
+                </a:solidFill>
+                <a:latin typeface="Consolas" panose="020B0609020204030204" pitchFamily="49" charset="0"/>
+                <a:cs typeface="Consolas" panose="020B0609020204030204" pitchFamily="49" charset="0"/>
+              </a:rPr>
+              <a:t>(“New title”)</a:t>
+            </a:r>
+            <a:endParaRPr lang="en-GB" dirty="0">
+              <a:solidFill>
+                <a:schemeClr val="accent2"/>
+              </a:solidFill>
+              <a:latin typeface="Consolas" panose="020B0609020204030204" pitchFamily="49" charset="0"/>
+              <a:cs typeface="Consolas" panose="020B0609020204030204" pitchFamily="49" charset="0"/>
+            </a:endParaRPr>
+          </a:p>
+          <a:p>
+            <a:pPr marL="342900" indent="-342900">
+              <a:buFont typeface="Arial" panose="020B0604020202020204" pitchFamily="34" charset="0"/>
+              <a:buChar char="•"/>
+            </a:pPr>
+            <a:r>
+              <a:rPr lang="en-GB" dirty="0"/>
+              <a:t>Similarly, most arguments will be very </a:t>
+            </a:r>
+            <a:r>
+              <a:rPr lang="en-GB" dirty="0" smtClean="0"/>
+              <a:t>similar between</a:t>
+            </a:r>
+            <a:r>
+              <a:rPr lang="en-GB" dirty="0"/>
+              <a:t> </a:t>
+            </a:r>
+            <a:r>
+              <a:rPr lang="en-GB" dirty="0" err="1" smtClean="0"/>
+              <a:t>OpenGENIE</a:t>
+            </a:r>
+            <a:r>
+              <a:rPr lang="en-GB" dirty="0"/>
+              <a:t> </a:t>
+            </a:r>
+            <a:r>
+              <a:rPr lang="en-GB" dirty="0" smtClean="0"/>
+              <a:t>and</a:t>
+            </a:r>
+            <a:r>
+              <a:rPr lang="en-GB" dirty="0"/>
+              <a:t> </a:t>
+            </a:r>
+            <a:r>
+              <a:rPr lang="en-GB" dirty="0" err="1" smtClean="0"/>
+              <a:t>genie_python</a:t>
+            </a:r>
+            <a:r>
+              <a:rPr lang="en-GB" dirty="0" smtClean="0"/>
+              <a:t>:</a:t>
+            </a:r>
+          </a:p>
+          <a:p>
+            <a:pPr marL="800100" lvl="1" indent="-342900">
+              <a:buFont typeface="Arial" panose="020B0604020202020204" pitchFamily="34" charset="0"/>
+              <a:buChar char="•"/>
+            </a:pPr>
+            <a:r>
+              <a:rPr lang="en-GB" dirty="0">
+                <a:solidFill>
+                  <a:schemeClr val="accent4"/>
+                </a:solidFill>
+                <a:latin typeface="Consolas" panose="020B0609020204030204" pitchFamily="49" charset="0"/>
+                <a:cs typeface="Consolas" panose="020B0609020204030204" pitchFamily="49" charset="0"/>
+              </a:rPr>
+              <a:t>CSET/CONTROL TEMP1=5 LOWLIMIT=1 </a:t>
+            </a:r>
+            <a:r>
+              <a:rPr lang="en-GB" dirty="0">
+                <a:solidFill>
+                  <a:schemeClr val="accent4"/>
+                </a:solidFill>
+                <a:latin typeface="Consolas" panose="020B0609020204030204" pitchFamily="49" charset="0"/>
+                <a:cs typeface="Consolas" panose="020B0609020204030204" pitchFamily="49" charset="0"/>
+              </a:rPr>
+              <a:t>HIGHLIMIT=10</a:t>
+            </a:r>
+            <a:r>
+              <a:rPr lang="en-GB" i="1" dirty="0" smtClean="0"/>
+              <a:t> </a:t>
+            </a:r>
+            <a:r>
+              <a:rPr lang="en-GB" dirty="0"/>
+              <a:t>becomes </a:t>
+            </a:r>
+            <a:r>
+              <a:rPr lang="en-GB" dirty="0" err="1">
+                <a:solidFill>
+                  <a:schemeClr val="accent2"/>
+                </a:solidFill>
+                <a:latin typeface="Consolas" panose="020B0609020204030204" pitchFamily="49" charset="0"/>
+                <a:cs typeface="Consolas" panose="020B0609020204030204" pitchFamily="49" charset="0"/>
+              </a:rPr>
+              <a:t>g.cset</a:t>
+            </a:r>
+            <a:r>
+              <a:rPr lang="en-GB" dirty="0">
+                <a:solidFill>
+                  <a:schemeClr val="accent2"/>
+                </a:solidFill>
+                <a:latin typeface="Consolas" panose="020B0609020204030204" pitchFamily="49" charset="0"/>
+                <a:cs typeface="Consolas" panose="020B0609020204030204" pitchFamily="49" charset="0"/>
+              </a:rPr>
+              <a:t>(TEMP1=5, </a:t>
+            </a:r>
+            <a:r>
+              <a:rPr lang="en-GB" dirty="0" err="1">
+                <a:solidFill>
+                  <a:schemeClr val="accent2"/>
+                </a:solidFill>
+                <a:latin typeface="Consolas" panose="020B0609020204030204" pitchFamily="49" charset="0"/>
+                <a:cs typeface="Consolas" panose="020B0609020204030204" pitchFamily="49" charset="0"/>
+              </a:rPr>
+              <a:t>runcontrol</a:t>
+            </a:r>
+            <a:r>
+              <a:rPr lang="en-GB" dirty="0">
+                <a:solidFill>
+                  <a:schemeClr val="accent2"/>
+                </a:solidFill>
+                <a:latin typeface="Consolas" panose="020B0609020204030204" pitchFamily="49" charset="0"/>
+                <a:cs typeface="Consolas" panose="020B0609020204030204" pitchFamily="49" charset="0"/>
+              </a:rPr>
+              <a:t>=True, </a:t>
+            </a:r>
+            <a:r>
+              <a:rPr lang="en-GB" dirty="0" err="1">
+                <a:solidFill>
+                  <a:schemeClr val="accent2"/>
+                </a:solidFill>
+                <a:latin typeface="Consolas" panose="020B0609020204030204" pitchFamily="49" charset="0"/>
+                <a:cs typeface="Consolas" panose="020B0609020204030204" pitchFamily="49" charset="0"/>
+              </a:rPr>
+              <a:t>lowlimit</a:t>
+            </a:r>
+            <a:r>
+              <a:rPr lang="en-GB" dirty="0">
+                <a:solidFill>
+                  <a:schemeClr val="accent2"/>
+                </a:solidFill>
+                <a:latin typeface="Consolas" panose="020B0609020204030204" pitchFamily="49" charset="0"/>
+                <a:cs typeface="Consolas" panose="020B0609020204030204" pitchFamily="49" charset="0"/>
+              </a:rPr>
+              <a:t>=1, </a:t>
+            </a:r>
+            <a:r>
+              <a:rPr lang="en-GB" dirty="0" err="1">
+                <a:solidFill>
+                  <a:schemeClr val="accent2"/>
+                </a:solidFill>
+                <a:latin typeface="Consolas" panose="020B0609020204030204" pitchFamily="49" charset="0"/>
+                <a:cs typeface="Consolas" panose="020B0609020204030204" pitchFamily="49" charset="0"/>
+              </a:rPr>
+              <a:t>highlimit</a:t>
+            </a:r>
+            <a:r>
+              <a:rPr lang="en-GB" dirty="0">
+                <a:solidFill>
+                  <a:schemeClr val="accent2"/>
+                </a:solidFill>
+                <a:latin typeface="Consolas" panose="020B0609020204030204" pitchFamily="49" charset="0"/>
+                <a:cs typeface="Consolas" panose="020B0609020204030204" pitchFamily="49" charset="0"/>
+              </a:rPr>
+              <a:t>=10)</a:t>
+            </a:r>
+          </a:p>
+        </p:txBody>
+      </p:sp>
+    </p:spTree>
+    <p:extLst>
+      <p:ext uri="{BB962C8B-B14F-4D97-AF65-F5344CB8AC3E}">
+        <p14:creationId xmlns:p14="http://schemas.microsoft.com/office/powerpoint/2010/main" val="3876693292"/>
+      </p:ext>
+    </p:extLst>
+  </p:cSld>
+  <p:clrMapOvr>
+    <a:masterClrMapping/>
+  </p:clrMapOvr>
+  <p:timing>
+    <p:tnLst>
+      <p:par>
+        <p:cTn id="1" dur="indefinite" restart="never" nodeType="tmRoot"/>
+      </p:par>
+    </p:tnLst>
+  </p:timing>
+</p:sld>
+</file>
+
 <file path=ppt/slides/slide29.xml><?xml version="1.0" encoding="utf-8"?>
 <p:sld xmlns:a="http://schemas.openxmlformats.org/drawingml/2006/main" xmlns:r="http://schemas.openxmlformats.org/officeDocument/2006/relationships" xmlns:p="http://schemas.openxmlformats.org/presentationml/2006/main">
   <p:cSld>
@@ -14260,211 +14644,79 @@
               <a:rPr lang="en-GB" dirty="0" smtClean="0"/>
             </a:br>
             <a:r>
-              <a:rPr lang="en-GB" dirty="0" smtClean="0"/>
-              <a:t>Commands</a:t>
-            </a:r>
-            <a:endParaRPr lang="en-GB" dirty="0"/>
-          </a:p>
-        </p:txBody>
-      </p:sp>
-      <p:sp>
-        <p:nvSpPr>
-          <p:cNvPr id="6" name="TextBox 5"/>
-          <p:cNvSpPr txBox="1"/>
+              <a:rPr lang="en-GB" dirty="0" smtClean="0">
+                <a:solidFill>
+                  <a:srgbClr val="00B050"/>
+                </a:solidFill>
+              </a:rPr>
+              <a:t>Worked example</a:t>
+            </a:r>
+            <a:endParaRPr lang="en-GB" dirty="0">
+              <a:solidFill>
+                <a:srgbClr val="00B050"/>
+              </a:solidFill>
+            </a:endParaRPr>
+          </a:p>
+        </p:txBody>
+      </p:sp>
+      <p:pic>
+        <p:nvPicPr>
+          <p:cNvPr id="24578" name="Picture 2"/>
+          <p:cNvPicPr>
+            <a:picLocks noChangeAspect="1" noChangeArrowheads="1"/>
+          </p:cNvPicPr>
           <p:nvPr/>
-        </p:nvSpPr>
-        <p:spPr>
+        </p:nvPicPr>
+        <p:blipFill>
+          <a:blip r:embed="rId3">
+            <a:extLst>
+              <a:ext uri="{28A0092B-C50C-407E-A947-70E740481C1C}">
+                <a14:useLocalDpi xmlns:a14="http://schemas.microsoft.com/office/drawing/2010/main" val="0"/>
+              </a:ext>
+            </a:extLst>
+          </a:blip>
+          <a:srcRect/>
+          <a:stretch>
+            <a:fillRect/>
+          </a:stretch>
+        </p:blipFill>
+        <p:spPr bwMode="auto">
           <a:xfrm>
-            <a:off x="395536" y="1844824"/>
-            <a:ext cx="8496944" cy="2308324"/>
+            <a:off x="1547664" y="1676717"/>
+            <a:ext cx="4896544" cy="4923848"/>
           </a:xfrm>
           <a:prstGeom prst="rect">
             <a:avLst/>
           </a:prstGeom>
           <a:noFill/>
+          <a:ln>
+            <a:noFill/>
+          </a:ln>
+          <a:extLst>
+            <a:ext uri="{909E8E84-426E-40DD-AFC4-6F175D3DCCD1}">
+              <a14:hiddenFill xmlns:a14="http://schemas.microsoft.com/office/drawing/2010/main">
+                <a:solidFill>
+                  <a:schemeClr val="accent1"/>
+                </a:solidFill>
+              </a14:hiddenFill>
+            </a:ext>
+            <a:ext uri="{91240B29-F687-4F45-9708-019B960494DF}">
+              <a14:hiddenLine xmlns:a14="http://schemas.microsoft.com/office/drawing/2010/main" w="9525">
+                <a:solidFill>
+                  <a:schemeClr val="tx1"/>
+                </a:solidFill>
+                <a:miter lim="800000"/>
+                <a:headEnd/>
+                <a:tailEnd/>
+              </a14:hiddenLine>
+            </a:ext>
+          </a:extLst>
         </p:spPr>
-        <p:txBody>
-          <a:bodyPr wrap="square" rtlCol="0">
-            <a:spAutoFit/>
-          </a:bodyPr>
-          <a:lstStyle/>
-          <a:p>
-            <a:pPr marL="342900" indent="-342900">
-              <a:buFont typeface="Arial" panose="020B0604020202020204" pitchFamily="34" charset="0"/>
-              <a:buChar char="•"/>
-            </a:pPr>
-            <a:r>
-              <a:rPr lang="en-GB" dirty="0"/>
-              <a:t>The majority of </a:t>
-            </a:r>
-            <a:r>
-              <a:rPr lang="en-GB" dirty="0" err="1"/>
-              <a:t>OpenGENIE</a:t>
-            </a:r>
-            <a:r>
-              <a:rPr lang="en-GB" dirty="0"/>
-              <a:t> </a:t>
-            </a:r>
-            <a:r>
-              <a:rPr lang="en-GB" dirty="0" smtClean="0"/>
-              <a:t>commands </a:t>
-            </a:r>
-            <a:r>
-              <a:rPr lang="en-GB" dirty="0"/>
-              <a:t>have a very close equivalent in </a:t>
-            </a:r>
-            <a:r>
-              <a:rPr lang="en-GB" dirty="0" err="1" smtClean="0"/>
-              <a:t>genie_python</a:t>
-            </a:r>
-            <a:r>
-              <a:rPr lang="en-GB" dirty="0" smtClean="0"/>
-              <a:t>:</a:t>
-            </a:r>
-          </a:p>
-          <a:p>
-            <a:pPr marL="800100" lvl="1" indent="-342900">
-              <a:buFont typeface="Arial" panose="020B0604020202020204" pitchFamily="34" charset="0"/>
-              <a:buChar char="•"/>
-            </a:pPr>
-            <a:r>
-              <a:rPr lang="en-GB" i="1" dirty="0" smtClean="0"/>
-              <a:t>BEGIN</a:t>
-            </a:r>
-            <a:r>
-              <a:rPr lang="en-GB" dirty="0" smtClean="0"/>
-              <a:t> becomes </a:t>
-            </a:r>
-            <a:r>
-              <a:rPr lang="en-GB" i="1" dirty="0" err="1" smtClean="0"/>
-              <a:t>g.begin</a:t>
-            </a:r>
-            <a:r>
-              <a:rPr lang="en-GB" i="1" dirty="0" smtClean="0"/>
-              <a:t>()</a:t>
-            </a:r>
-          </a:p>
-          <a:p>
-            <a:pPr marL="800100" lvl="1" indent="-342900">
-              <a:buFont typeface="Arial" panose="020B0604020202020204" pitchFamily="34" charset="0"/>
-              <a:buChar char="•"/>
-            </a:pPr>
-            <a:r>
-              <a:rPr lang="en-GB" i="1" dirty="0" smtClean="0"/>
-              <a:t>CHANGE TITLE=‘New title’</a:t>
-            </a:r>
-            <a:r>
-              <a:rPr lang="en-GB" dirty="0" smtClean="0"/>
-              <a:t> becomes </a:t>
-            </a:r>
-            <a:r>
-              <a:rPr lang="en-GB" i="1" dirty="0" err="1" smtClean="0"/>
-              <a:t>g.change_title</a:t>
-            </a:r>
-            <a:r>
-              <a:rPr lang="en-GB" i="1" dirty="0" smtClean="0"/>
-              <a:t>(“New title”)</a:t>
-            </a:r>
-            <a:endParaRPr lang="en-GB" i="1" dirty="0"/>
-          </a:p>
-          <a:p>
-            <a:pPr marL="342900" indent="-342900">
-              <a:buFont typeface="Arial" panose="020B0604020202020204" pitchFamily="34" charset="0"/>
-              <a:buChar char="•"/>
-            </a:pPr>
-            <a:r>
-              <a:rPr lang="en-GB" dirty="0"/>
-              <a:t>Similarly, most arguments will be very </a:t>
-            </a:r>
-            <a:r>
-              <a:rPr lang="en-GB" dirty="0" smtClean="0"/>
-              <a:t>similar between</a:t>
-            </a:r>
-            <a:r>
-              <a:rPr lang="en-GB" dirty="0"/>
-              <a:t> </a:t>
-            </a:r>
-            <a:r>
-              <a:rPr lang="en-GB" dirty="0" err="1" smtClean="0"/>
-              <a:t>OpenGENIE</a:t>
-            </a:r>
-            <a:r>
-              <a:rPr lang="en-GB" dirty="0"/>
-              <a:t> </a:t>
-            </a:r>
-            <a:r>
-              <a:rPr lang="en-GB" dirty="0" smtClean="0"/>
-              <a:t>and</a:t>
-            </a:r>
-            <a:r>
-              <a:rPr lang="en-GB" dirty="0"/>
-              <a:t> </a:t>
-            </a:r>
-            <a:r>
-              <a:rPr lang="en-GB" dirty="0" err="1" smtClean="0"/>
-              <a:t>genie_python</a:t>
-            </a:r>
-            <a:r>
-              <a:rPr lang="en-GB" dirty="0" smtClean="0"/>
-              <a:t>:</a:t>
-            </a:r>
-          </a:p>
-          <a:p>
-            <a:pPr marL="800100" lvl="1" indent="-342900">
-              <a:buFont typeface="Arial" panose="020B0604020202020204" pitchFamily="34" charset="0"/>
-              <a:buChar char="•"/>
-            </a:pPr>
-            <a:r>
-              <a:rPr lang="en-GB" i="1" dirty="0"/>
-              <a:t>CSET/CONTROL TEMP1=5 LOWLIMIT=1 </a:t>
-            </a:r>
-            <a:r>
-              <a:rPr lang="en-GB" i="1" dirty="0" smtClean="0"/>
-              <a:t>HIGHLIMIT=10 </a:t>
-            </a:r>
-            <a:r>
-              <a:rPr lang="en-GB" dirty="0"/>
-              <a:t>becomes </a:t>
-            </a:r>
-            <a:r>
-              <a:rPr lang="en-GB" i="1" dirty="0" err="1"/>
-              <a:t>g.cset</a:t>
-            </a:r>
-            <a:r>
-              <a:rPr lang="en-GB" i="1" dirty="0"/>
-              <a:t>(TEMP1=5, </a:t>
-            </a:r>
-            <a:r>
-              <a:rPr lang="en-GB" i="1" dirty="0" err="1"/>
-              <a:t>runcontrol</a:t>
-            </a:r>
-            <a:r>
-              <a:rPr lang="en-GB" i="1" dirty="0"/>
-              <a:t>=True, </a:t>
-            </a:r>
-            <a:r>
-              <a:rPr lang="en-GB" i="1" dirty="0" err="1"/>
-              <a:t>lowlimit</a:t>
-            </a:r>
-            <a:r>
-              <a:rPr lang="en-GB" i="1" dirty="0"/>
-              <a:t>=1, </a:t>
-            </a:r>
-            <a:r>
-              <a:rPr lang="en-GB" i="1" dirty="0" err="1"/>
-              <a:t>highlimit</a:t>
-            </a:r>
-            <a:r>
-              <a:rPr lang="en-GB" i="1" dirty="0"/>
-              <a:t>=10)</a:t>
-            </a:r>
-          </a:p>
-        </p:txBody>
-      </p:sp>
+      </p:pic>
     </p:spTree>
     <p:extLst>
       <p:ext uri="{BB962C8B-B14F-4D97-AF65-F5344CB8AC3E}">
-        <p14:creationId xmlns:p14="http://schemas.microsoft.com/office/powerpoint/2010/main" val="3876693292"/>
+        <p14:creationId xmlns:p14="http://schemas.microsoft.com/office/powerpoint/2010/main" val="3377452204"/>
       </p:ext>
     </p:extLst>
   </p:cSld>
@@ -14534,7 +14786,7 @@
         <p:spPr/>
         <p:txBody>
           <a:bodyPr>
-            <a:normAutofit/>
+            <a:normAutofit fontScale="92500" lnSpcReduction="10000"/>
           </a:bodyPr>
           <a:lstStyle/>
           <a:p>
@@ -14558,7 +14810,49 @@
                   <a:srgbClr val="00B050"/>
                 </a:solidFill>
               </a:rPr>
-              <a:t>Tasks in green</a:t>
+              <a:t>Tasks in </a:t>
+            </a:r>
+            <a:r>
+              <a:rPr lang="en-GB" i="1" dirty="0" smtClean="0">
+                <a:solidFill>
+                  <a:srgbClr val="00B050"/>
+                </a:solidFill>
+              </a:rPr>
+              <a:t>green</a:t>
+            </a:r>
+          </a:p>
+          <a:p>
+            <a:pPr lvl="1"/>
+            <a:r>
+              <a:rPr lang="en-GB" dirty="0" err="1">
+                <a:solidFill>
+                  <a:schemeClr val="accent2"/>
+                </a:solidFill>
+                <a:latin typeface="Consolas" panose="020B0609020204030204" pitchFamily="49" charset="0"/>
+                <a:cs typeface="Consolas" panose="020B0609020204030204" pitchFamily="49" charset="0"/>
+              </a:rPr>
+              <a:t>genie_python</a:t>
+            </a:r>
+            <a:r>
+              <a:rPr lang="en-GB" dirty="0"/>
+              <a:t> code is in red</a:t>
+            </a:r>
+          </a:p>
+          <a:p>
+            <a:pPr lvl="1"/>
+            <a:r>
+              <a:rPr lang="en-GB" dirty="0" err="1">
+                <a:solidFill>
+                  <a:schemeClr val="accent4"/>
+                </a:solidFill>
+                <a:latin typeface="Consolas" panose="020B0609020204030204" pitchFamily="49" charset="0"/>
+                <a:cs typeface="Consolas" panose="020B0609020204030204" pitchFamily="49" charset="0"/>
+              </a:rPr>
+              <a:t>OPENGenie</a:t>
+            </a:r>
+            <a:r>
+              <a:rPr lang="en-GB" dirty="0"/>
+              <a:t> code is in purple</a:t>
             </a:r>
           </a:p>
           <a:p>
@@ -14676,143 +14970,6 @@
       </p:sp>
       <p:pic>
         <p:nvPicPr>
-          <p:cNvPr id="24578" name="Picture 2"/>
-          <p:cNvPicPr>
-            <a:picLocks noChangeAspect="1" noChangeArrowheads="1"/>
-          </p:cNvPicPr>
-          <p:nvPr/>
-        </p:nvPicPr>
-        <p:blipFill>
-          <a:blip r:embed="rId3">
-            <a:extLst>
-              <a:ext uri="{28A0092B-C50C-407E-A947-70E740481C1C}">
-                <a14:useLocalDpi xmlns:a14="http://schemas.microsoft.com/office/drawing/2010/main" val="0"/>
-              </a:ext>
-            </a:extLst>
-          </a:blip>
-          <a:srcRect/>
-          <a:stretch>
-            <a:fillRect/>
-          </a:stretch>
-        </p:blipFill>
-        <p:spPr bwMode="auto">
-          <a:xfrm>
-            <a:off x="1547664" y="1676717"/>
-            <a:ext cx="4896544" cy="4923848"/>
-          </a:xfrm>
-          <a:prstGeom prst="rect">
-            <a:avLst/>
-          </a:prstGeom>
-          <a:noFill/>
-          <a:ln>
-            <a:noFill/>
-          </a:ln>
-          <a:extLst>
-            <a:ext uri="{909E8E84-426E-40DD-AFC4-6F175D3DCCD1}">
-              <a14:hiddenFill xmlns:a14="http://schemas.microsoft.com/office/drawing/2010/main">
-                <a:solidFill>
-                  <a:schemeClr val="accent1"/>
-                </a:solidFill>
-              </a14:hiddenFill>
-            </a:ext>
-            <a:ext uri="{91240B29-F687-4F45-9708-019B960494DF}">
-              <a14:hiddenLine xmlns:a14="http://schemas.microsoft.com/office/drawing/2010/main" w="9525">
-                <a:solidFill>
-                  <a:schemeClr val="tx1"/>
-                </a:solidFill>
-                <a:miter lim="800000"/>
-                <a:headEnd/>
-                <a:tailEnd/>
-              </a14:hiddenLine>
-            </a:ext>
-          </a:extLst>
-        </p:spPr>
-      </p:pic>
-    </p:spTree>
-    <p:extLst>
-      <p:ext uri="{BB962C8B-B14F-4D97-AF65-F5344CB8AC3E}">
-        <p14:creationId xmlns:p14="http://schemas.microsoft.com/office/powerpoint/2010/main" val="3377452204"/>
-      </p:ext>
-    </p:extLst>
-  </p:cSld>
-  <p:clrMapOvr>
-    <a:masterClrMapping/>
-  </p:clrMapOvr>
-  <p:timing>
-    <p:tnLst>
-      <p:par>
-        <p:cTn id="1" dur="indefinite" restart="never" nodeType="tmRoot"/>
-      </p:par>
-    </p:tnLst>
-  </p:timing>
-</p:sld>
-</file>
-
-<file path=ppt/slides/slide31.xml><?xml version="1.0" encoding="utf-8"?>
-<p:sld xmlns:a="http://schemas.openxmlformats.org/drawingml/2006/main" xmlns:r="http://schemas.openxmlformats.org/officeDocument/2006/relationships" xmlns:p="http://schemas.openxmlformats.org/presentationml/2006/main">
-  <p:cSld>
-    <p:spTree>
-      <p:nvGrpSpPr>
-        <p:cNvPr id="1" name=""/>
-        <p:cNvGrpSpPr/>
-        <p:nvPr/>
-      </p:nvGrpSpPr>
-      <p:grpSpPr>
-        <a:xfrm>
-          <a:off x="0" y="0"/>
-          <a:ext cx="0" cy="0"/>
-          <a:chOff x="0" y="0"/>
-          <a:chExt cx="0" cy="0"/>
-        </a:xfrm>
-      </p:grpSpPr>
-      <p:sp>
-        <p:nvSpPr>
-          <p:cNvPr id="2" name="Title 1"/>
-          <p:cNvSpPr>
-            <a:spLocks noGrp="1"/>
-          </p:cNvSpPr>
-          <p:nvPr>
-            <p:ph type="title"/>
-          </p:nvPr>
-        </p:nvSpPr>
-        <p:spPr/>
-        <p:txBody>
-          <a:bodyPr/>
-          <a:lstStyle/>
-          <a:p>
-            <a:r>
-              <a:rPr lang="en-GB" dirty="0" smtClean="0"/>
-              <a:t>Converting from </a:t>
-            </a:r>
-            <a:r>
-              <a:rPr lang="en-GB" dirty="0" err="1" smtClean="0"/>
-              <a:t>OpenGENIE</a:t>
-            </a:r>
-            <a:r>
-              <a:rPr lang="en-GB" dirty="0" smtClean="0"/>
-              <a:t/>
-            </a:r>
-            <a:br>
-              <a:rPr lang="en-GB" dirty="0" smtClean="0"/>
-            </a:br>
-            <a:r>
-              <a:rPr lang="en-GB" dirty="0" smtClean="0">
-                <a:solidFill>
-                  <a:srgbClr val="00B050"/>
-                </a:solidFill>
-              </a:rPr>
-              <a:t>Worked example</a:t>
-            </a:r>
-            <a:endParaRPr lang="en-GB" dirty="0">
-              <a:solidFill>
-                <a:srgbClr val="00B050"/>
-              </a:solidFill>
-            </a:endParaRPr>
-          </a:p>
-        </p:txBody>
-      </p:sp>
-      <p:pic>
-        <p:nvPicPr>
           <p:cNvPr id="5122" name="Picture 2"/>
           <p:cNvPicPr>
             <a:picLocks noChangeAspect="1" noChangeArrowheads="1"/>
@@ -14885,7 +15042,7 @@
 </p:sld>
 </file>
 
-<file path=ppt/slides/slide32.xml><?xml version="1.0" encoding="utf-8"?>
+<file path=ppt/slides/slide31.xml><?xml version="1.0" encoding="utf-8"?>
 <p:sld xmlns:a="http://schemas.openxmlformats.org/drawingml/2006/main" xmlns:r="http://schemas.openxmlformats.org/officeDocument/2006/relationships" xmlns:p="http://schemas.openxmlformats.org/presentationml/2006/main">
   <p:cSld>
     <p:spTree>
@@ -15030,7 +15187,7 @@
 </p:sld>
 </file>
 
-<file path=ppt/slides/slide33.xml><?xml version="1.0" encoding="utf-8"?>
+<file path=ppt/slides/slide32.xml><?xml version="1.0" encoding="utf-8"?>
 <p:sld xmlns:a="http://schemas.openxmlformats.org/drawingml/2006/main" xmlns:r="http://schemas.openxmlformats.org/officeDocument/2006/relationships" xmlns:p="http://schemas.openxmlformats.org/presentationml/2006/main">
   <p:cSld>
     <p:spTree>
@@ -15459,7 +15616,21 @@
             </a:r>
             <a:r>
               <a:rPr lang="en-GB" sz="2400" dirty="0" smtClean="0"/>
-              <a:t>‘g’ </a:t>
+              <a:t>‘</a:t>
+            </a:r>
+            <a:r>
+              <a:rPr lang="en-GB" sz="2400" dirty="0">
+                <a:solidFill>
+                  <a:schemeClr val="accent2"/>
+                </a:solidFill>
+                <a:latin typeface="Consolas" panose="020B0609020204030204" pitchFamily="49" charset="0"/>
+                <a:cs typeface="Consolas" panose="020B0609020204030204" pitchFamily="49" charset="0"/>
+              </a:rPr>
+              <a:t>g</a:t>
+            </a:r>
+            <a:r>
+              <a:rPr lang="en-GB" sz="2400" dirty="0" smtClean="0"/>
+              <a:t>’ </a:t>
             </a:r>
             <a:r>
               <a:rPr lang="en-GB" sz="2400" dirty="0"/>
@@ -15481,16 +15652,24 @@
               <a:t>example: </a:t>
             </a:r>
             <a:r>
-              <a:rPr lang="en-GB" sz="2400" dirty="0" smtClean="0"/>
-              <a:t>‘</a:t>
-            </a:r>
-            <a:r>
-              <a:rPr lang="en-GB" sz="2400" dirty="0" err="1" smtClean="0"/>
+              <a:rPr lang="en-GB" sz="2400" dirty="0" err="1" smtClean="0">
+                <a:solidFill>
+                  <a:schemeClr val="accent2"/>
+                </a:solidFill>
+                <a:latin typeface="Consolas" panose="020B0609020204030204" pitchFamily="49" charset="0"/>
+                <a:cs typeface="Consolas" panose="020B0609020204030204" pitchFamily="49" charset="0"/>
+              </a:rPr>
               <a:t>g.get_version</a:t>
             </a:r>
             <a:r>
-              <a:rPr lang="en-GB" sz="2400" dirty="0" smtClean="0"/>
-              <a:t>()’</a:t>
+              <a:rPr lang="en-GB" sz="2400" dirty="0" smtClean="0">
+                <a:solidFill>
+                  <a:schemeClr val="accent2"/>
+                </a:solidFill>
+                <a:latin typeface="Consolas" panose="020B0609020204030204" pitchFamily="49" charset="0"/>
+                <a:cs typeface="Consolas" panose="020B0609020204030204" pitchFamily="49" charset="0"/>
+              </a:rPr>
+              <a:t>()</a:t>
             </a:r>
             <a:endParaRPr lang="en-GB" sz="2400" dirty="0"/>
           </a:p>
@@ -15655,19 +15834,43 @@
               <a:buChar char="-"/>
             </a:pPr>
             <a:r>
-              <a:rPr lang="en-GB" sz="2400" dirty="0" err="1" smtClean="0"/>
+              <a:rPr lang="en-GB" sz="2400" dirty="0" err="1">
+                <a:solidFill>
+                  <a:schemeClr val="accent2"/>
+                </a:solidFill>
+                <a:latin typeface="Consolas" panose="020B0609020204030204" pitchFamily="49" charset="0"/>
+                <a:cs typeface="Consolas" panose="020B0609020204030204" pitchFamily="49" charset="0"/>
+              </a:rPr>
               <a:t>g.add_spectrum</a:t>
             </a:r>
             <a:r>
-              <a:rPr lang="en-GB" sz="2400" dirty="0" smtClean="0"/>
+              <a:rPr lang="en-GB" sz="2400" dirty="0">
+                <a:solidFill>
+                  <a:schemeClr val="accent2"/>
+                </a:solidFill>
+                <a:latin typeface="Consolas" panose="020B0609020204030204" pitchFamily="49" charset="0"/>
+                <a:cs typeface="Consolas" panose="020B0609020204030204" pitchFamily="49" charset="0"/>
+              </a:rPr>
               <a:t>(1</a:t>
             </a:r>
             <a:r>
-              <a:rPr lang="en-GB" sz="2400" dirty="0"/>
+              <a:rPr lang="en-GB" sz="2400" dirty="0">
+                <a:solidFill>
+                  <a:schemeClr val="accent2"/>
+                </a:solidFill>
+                <a:latin typeface="Consolas" panose="020B0609020204030204" pitchFamily="49" charset="0"/>
+                <a:cs typeface="Consolas" panose="020B0609020204030204" pitchFamily="49" charset="0"/>
+              </a:rPr>
               <a:t>, 2</a:t>
             </a:r>
             <a:r>
-              <a:rPr lang="en-GB" sz="2400" dirty="0" smtClean="0"/>
+              <a:rPr lang="en-GB" sz="2400" dirty="0">
+                <a:solidFill>
+                  <a:schemeClr val="accent2"/>
+                </a:solidFill>
+                <a:latin typeface="Consolas" panose="020B0609020204030204" pitchFamily="49" charset="0"/>
+                <a:cs typeface="Consolas" panose="020B0609020204030204" pitchFamily="49" charset="0"/>
+              </a:rPr>
               <a:t>)</a:t>
             </a:r>
           </a:p>
@@ -15677,19 +15880,43 @@
               <a:buChar char="-"/>
             </a:pPr>
             <a:r>
-              <a:rPr lang="en-GB" sz="2400" dirty="0" err="1" smtClean="0"/>
+              <a:rPr lang="en-GB" sz="2400" dirty="0" err="1">
+                <a:solidFill>
+                  <a:schemeClr val="accent2"/>
+                </a:solidFill>
+                <a:latin typeface="Consolas" panose="020B0609020204030204" pitchFamily="49" charset="0"/>
+                <a:cs typeface="Consolas" panose="020B0609020204030204" pitchFamily="49" charset="0"/>
+              </a:rPr>
               <a:t>g.add_spectrum</a:t>
             </a:r>
             <a:r>
-              <a:rPr lang="en-GB" sz="2400" dirty="0" smtClean="0"/>
+              <a:rPr lang="en-GB" sz="2400" dirty="0">
+                <a:solidFill>
+                  <a:schemeClr val="accent2"/>
+                </a:solidFill>
+                <a:latin typeface="Consolas" panose="020B0609020204030204" pitchFamily="49" charset="0"/>
+                <a:cs typeface="Consolas" panose="020B0609020204030204" pitchFamily="49" charset="0"/>
+              </a:rPr>
               <a:t>(spectrum=1</a:t>
             </a:r>
             <a:r>
-              <a:rPr lang="en-GB" sz="2400" dirty="0"/>
+              <a:rPr lang="en-GB" sz="2400" dirty="0">
+                <a:solidFill>
+                  <a:schemeClr val="accent2"/>
+                </a:solidFill>
+                <a:latin typeface="Consolas" panose="020B0609020204030204" pitchFamily="49" charset="0"/>
+                <a:cs typeface="Consolas" panose="020B0609020204030204" pitchFamily="49" charset="0"/>
+              </a:rPr>
               <a:t>, period=2</a:t>
             </a:r>
             <a:r>
-              <a:rPr lang="en-GB" sz="2400" dirty="0" smtClean="0"/>
+              <a:rPr lang="en-GB" sz="2400" dirty="0">
+                <a:solidFill>
+                  <a:schemeClr val="accent2"/>
+                </a:solidFill>
+                <a:latin typeface="Consolas" panose="020B0609020204030204" pitchFamily="49" charset="0"/>
+                <a:cs typeface="Consolas" panose="020B0609020204030204" pitchFamily="49" charset="0"/>
+              </a:rPr>
               <a:t>)</a:t>
             </a:r>
           </a:p>
@@ -15699,19 +15926,43 @@
               <a:buChar char="-"/>
             </a:pPr>
             <a:r>
-              <a:rPr lang="en-GB" sz="2400" dirty="0" err="1" smtClean="0"/>
+              <a:rPr lang="en-GB" sz="2400" dirty="0" err="1">
+                <a:solidFill>
+                  <a:schemeClr val="accent2"/>
+                </a:solidFill>
+                <a:latin typeface="Consolas" panose="020B0609020204030204" pitchFamily="49" charset="0"/>
+                <a:cs typeface="Consolas" panose="020B0609020204030204" pitchFamily="49" charset="0"/>
+              </a:rPr>
               <a:t>g.add_spectrum</a:t>
             </a:r>
             <a:r>
-              <a:rPr lang="en-GB" sz="2400" dirty="0" smtClean="0"/>
+              <a:rPr lang="en-GB" sz="2400" dirty="0">
+                <a:solidFill>
+                  <a:schemeClr val="accent2"/>
+                </a:solidFill>
+                <a:latin typeface="Consolas" panose="020B0609020204030204" pitchFamily="49" charset="0"/>
+                <a:cs typeface="Consolas" panose="020B0609020204030204" pitchFamily="49" charset="0"/>
+              </a:rPr>
               <a:t>(1</a:t>
             </a:r>
             <a:r>
-              <a:rPr lang="en-GB" sz="2400" dirty="0"/>
+              <a:rPr lang="en-GB" sz="2400" dirty="0">
+                <a:solidFill>
+                  <a:schemeClr val="accent2"/>
+                </a:solidFill>
+                <a:latin typeface="Consolas" panose="020B0609020204030204" pitchFamily="49" charset="0"/>
+                <a:cs typeface="Consolas" panose="020B0609020204030204" pitchFamily="49" charset="0"/>
+              </a:rPr>
               <a:t>, period=2</a:t>
             </a:r>
             <a:r>
-              <a:rPr lang="en-GB" sz="2400" dirty="0" smtClean="0"/>
+              <a:rPr lang="en-GB" sz="2400" dirty="0">
+                <a:solidFill>
+                  <a:schemeClr val="accent2"/>
+                </a:solidFill>
+                <a:latin typeface="Consolas" panose="020B0609020204030204" pitchFamily="49" charset="0"/>
+                <a:cs typeface="Consolas" panose="020B0609020204030204" pitchFamily="49" charset="0"/>
+              </a:rPr>
               <a:t>)</a:t>
             </a:r>
           </a:p>
@@ -15721,19 +15972,43 @@
               <a:buChar char="-"/>
             </a:pPr>
             <a:r>
-              <a:rPr lang="en-GB" sz="2400" dirty="0" err="1" smtClean="0"/>
+              <a:rPr lang="en-GB" sz="2400" dirty="0" err="1">
+                <a:solidFill>
+                  <a:schemeClr val="accent2"/>
+                </a:solidFill>
+                <a:latin typeface="Consolas" panose="020B0609020204030204" pitchFamily="49" charset="0"/>
+                <a:cs typeface="Consolas" panose="020B0609020204030204" pitchFamily="49" charset="0"/>
+              </a:rPr>
               <a:t>g.add_spectrum</a:t>
             </a:r>
             <a:r>
-              <a:rPr lang="en-GB" sz="2400" dirty="0" smtClean="0"/>
+              <a:rPr lang="en-GB" sz="2400" dirty="0">
+                <a:solidFill>
+                  <a:schemeClr val="accent2"/>
+                </a:solidFill>
+                <a:latin typeface="Consolas" panose="020B0609020204030204" pitchFamily="49" charset="0"/>
+                <a:cs typeface="Consolas" panose="020B0609020204030204" pitchFamily="49" charset="0"/>
+              </a:rPr>
               <a:t>(period=2</a:t>
             </a:r>
             <a:r>
-              <a:rPr lang="en-GB" sz="2400" dirty="0"/>
+              <a:rPr lang="en-GB" sz="2400" dirty="0">
+                <a:solidFill>
+                  <a:schemeClr val="accent2"/>
+                </a:solidFill>
+                <a:latin typeface="Consolas" panose="020B0609020204030204" pitchFamily="49" charset="0"/>
+                <a:cs typeface="Consolas" panose="020B0609020204030204" pitchFamily="49" charset="0"/>
+              </a:rPr>
               <a:t>, </a:t>
             </a:r>
             <a:r>
-              <a:rPr lang="en-GB" sz="2400" dirty="0" smtClean="0"/>
+              <a:rPr lang="en-GB" sz="2400" dirty="0">
+                <a:solidFill>
+                  <a:schemeClr val="accent2"/>
+                </a:solidFill>
+                <a:latin typeface="Consolas" panose="020B0609020204030204" pitchFamily="49" charset="0"/>
+                <a:cs typeface="Consolas" panose="020B0609020204030204" pitchFamily="49" charset="0"/>
+              </a:rPr>
               <a:t>spectrum=1)</a:t>
             </a:r>
           </a:p>
@@ -15751,36 +16026,52 @@
               <a:t>Why is </a:t>
             </a:r>
             <a:r>
-              <a:rPr lang="en-GB" sz="2400" dirty="0" err="1" smtClean="0">
+              <a:rPr lang="en-GB" sz="2400" dirty="0" err="1">
+                <a:solidFill>
+                  <a:schemeClr val="accent2"/>
+                </a:solidFill>
+                <a:latin typeface="Consolas" panose="020B0609020204030204" pitchFamily="49" charset="0"/>
+                <a:cs typeface="Consolas" panose="020B0609020204030204" pitchFamily="49" charset="0"/>
+              </a:rPr>
+              <a:t>g.add_spectrum</a:t>
+            </a:r>
+            <a:r>
+              <a:rPr lang="en-GB" sz="2400" dirty="0">
+                <a:solidFill>
+                  <a:schemeClr val="accent2"/>
+                </a:solidFill>
+                <a:latin typeface="Consolas" panose="020B0609020204030204" pitchFamily="49" charset="0"/>
+                <a:cs typeface="Consolas" panose="020B0609020204030204" pitchFamily="49" charset="0"/>
+              </a:rPr>
+              <a:t>(2</a:t>
+            </a:r>
+            <a:r>
+              <a:rPr lang="en-GB" sz="2400" dirty="0">
+                <a:solidFill>
+                  <a:schemeClr val="accent2"/>
+                </a:solidFill>
+                <a:latin typeface="Consolas" panose="020B0609020204030204" pitchFamily="49" charset="0"/>
+                <a:cs typeface="Consolas" panose="020B0609020204030204" pitchFamily="49" charset="0"/>
+              </a:rPr>
+              <a:t>, </a:t>
+            </a:r>
+            <a:r>
+              <a:rPr lang="en-GB" sz="2400" dirty="0">
+                <a:solidFill>
+                  <a:schemeClr val="accent2"/>
+                </a:solidFill>
+                <a:latin typeface="Consolas" panose="020B0609020204030204" pitchFamily="49" charset="0"/>
+                <a:cs typeface="Consolas" panose="020B0609020204030204" pitchFamily="49" charset="0"/>
+              </a:rPr>
+              <a:t>spectrum=1) </a:t>
+            </a:r>
+            <a:r>
+              <a:rPr lang="en-GB" sz="2400" dirty="0" smtClean="0">
                 <a:solidFill>
                   <a:srgbClr val="00B050"/>
                 </a:solidFill>
               </a:rPr>
-              <a:t>g.add_spectrum</a:t>
-            </a:r>
-            <a:r>
-              <a:rPr lang="en-GB" sz="2400" dirty="0" smtClean="0">
-                <a:solidFill>
-                  <a:srgbClr val="00B050"/>
-                </a:solidFill>
-              </a:rPr>
-              <a:t>(2</a:t>
-            </a:r>
-            <a:r>
-              <a:rPr lang="en-GB" sz="2400" dirty="0">
-                <a:solidFill>
-                  <a:srgbClr val="00B050"/>
-                </a:solidFill>
-              </a:rPr>
-              <a:t>, </a:t>
-            </a:r>
-            <a:r>
-              <a:rPr lang="en-GB" sz="2400" dirty="0" smtClean="0">
-                <a:solidFill>
-                  <a:srgbClr val="00B050"/>
-                </a:solidFill>
-              </a:rPr>
-              <a:t>spectrum=1) invalid?</a:t>
+              <a:t>invalid?</a:t>
             </a:r>
           </a:p>
           <a:p>
@@ -15799,10 +16090,30 @@
             <a:r>
               <a:rPr lang="en-GB" sz="2400" dirty="0" err="1" smtClean="0">
                 <a:solidFill>
+                  <a:schemeClr val="accent2"/>
+                </a:solidFill>
+                <a:latin typeface="Consolas" panose="020B0609020204030204" pitchFamily="49" charset="0"/>
+                <a:cs typeface="Consolas" panose="020B0609020204030204" pitchFamily="49" charset="0"/>
+              </a:rPr>
+              <a:t>g.begin</a:t>
+            </a:r>
+            <a:r>
+              <a:rPr lang="en-GB" sz="2400" dirty="0" smtClean="0">
+                <a:solidFill>
+                  <a:schemeClr val="accent2"/>
+                </a:solidFill>
+                <a:latin typeface="Consolas" panose="020B0609020204030204" pitchFamily="49" charset="0"/>
+                <a:cs typeface="Consolas" panose="020B0609020204030204" pitchFamily="49" charset="0"/>
+              </a:rPr>
+              <a:t>(False)</a:t>
+            </a:r>
+            <a:r>
+              <a:rPr lang="en-GB" sz="2400" dirty="0" smtClean="0">
+                <a:solidFill>
                   <a:srgbClr val="00B050"/>
                 </a:solidFill>
               </a:rPr>
-              <a:t>g.begin</a:t>
+              <a:t>? </a:t>
             </a:r>
             <a:r>
               <a:rPr lang="en-GB" sz="2400" dirty="0" smtClean="0">
@@ -15810,7 +16121,7 @@
                   <a:srgbClr val="00B050"/>
                 </a:solidFill>
               </a:rPr>
-              <a:t>(False)? Can you think of why you might choose each one?</a:t>
+              <a:t>Can you think of why you might choose each one?</a:t>
             </a:r>
             <a:endParaRPr lang="en-GB" sz="2400" dirty="0" smtClean="0"/>
           </a:p>
@@ -15877,7 +16188,7 @@
             </a:br>
             <a:r>
               <a:rPr lang="en-GB" dirty="0" smtClean="0"/>
-              <a:t>Arguments</a:t>
+              <a:t>Switching run states</a:t>
             </a:r>
             <a:endParaRPr lang="en-GB" dirty="0"/>
           </a:p>
@@ -15892,7 +16203,7 @@
         <p:spPr>
           <a:xfrm>
             <a:off x="395536" y="1844824"/>
-            <a:ext cx="8496944" cy="3416320"/>
+            <a:ext cx="8496944" cy="2677656"/>
           </a:xfrm>
           <a:prstGeom prst="rect">
             <a:avLst/>
@@ -15905,190 +16216,155 @@
           </a:bodyPr>
           <a:lstStyle/>
           <a:p>
-            <a:pPr marL="285750" indent="-285750">
-              <a:buFontTx/>
-              <a:buChar char="-"/>
-            </a:pPr>
-            <a:r>
-              <a:rPr lang="en-GB" sz="2400" dirty="0"/>
-              <a:t>Arguments are passed to functions using standard Python syntax</a:t>
-            </a:r>
-            <a:r>
-              <a:rPr lang="en-GB" sz="2400" dirty="0" smtClean="0"/>
-              <a:t>. For example:</a:t>
-            </a:r>
-          </a:p>
-          <a:p>
-            <a:pPr marL="742950" lvl="1" indent="-285750">
-              <a:buFontTx/>
-              <a:buChar char="-"/>
-            </a:pPr>
-            <a:r>
-              <a:rPr lang="en-GB" sz="2400" dirty="0" err="1" smtClean="0"/>
-              <a:t>g.add_spectrum</a:t>
-            </a:r>
-            <a:r>
-              <a:rPr lang="en-GB" sz="2400" dirty="0" smtClean="0"/>
-              <a:t>(1</a:t>
-            </a:r>
-            <a:r>
-              <a:rPr lang="en-GB" sz="2400" dirty="0"/>
-              <a:t>, 2</a:t>
-            </a:r>
-            <a:r>
-              <a:rPr lang="en-GB" sz="2400" dirty="0" smtClean="0"/>
-              <a:t>)</a:t>
-            </a:r>
-          </a:p>
-          <a:p>
-            <a:pPr marL="742950" lvl="1" indent="-285750">
-              <a:buFontTx/>
-              <a:buChar char="-"/>
-            </a:pPr>
-            <a:r>
-              <a:rPr lang="en-GB" sz="2400" dirty="0" err="1" smtClean="0"/>
-              <a:t>g.add_spectrum</a:t>
-            </a:r>
-            <a:r>
-              <a:rPr lang="en-GB" sz="2400" dirty="0" smtClean="0"/>
-              <a:t>(spectrum=1</a:t>
-            </a:r>
-            <a:r>
-              <a:rPr lang="en-GB" sz="2400" dirty="0"/>
-              <a:t>, period=2</a:t>
-            </a:r>
-            <a:r>
-              <a:rPr lang="en-GB" sz="2400" dirty="0" smtClean="0"/>
-              <a:t>)</a:t>
-            </a:r>
-          </a:p>
-          <a:p>
-            <a:pPr marL="742950" lvl="1" indent="-285750">
-              <a:buFontTx/>
-              <a:buChar char="-"/>
-            </a:pPr>
-            <a:r>
-              <a:rPr lang="en-GB" sz="2400" dirty="0" err="1" smtClean="0"/>
-              <a:t>g.add_spectrum</a:t>
-            </a:r>
-            <a:r>
-              <a:rPr lang="en-GB" sz="2400" dirty="0" smtClean="0"/>
-              <a:t>(1</a:t>
-            </a:r>
-            <a:r>
-              <a:rPr lang="en-GB" sz="2400" dirty="0"/>
-              <a:t>, period=2</a:t>
-            </a:r>
-            <a:r>
-              <a:rPr lang="en-GB" sz="2400" dirty="0" smtClean="0"/>
-              <a:t>)</a:t>
-            </a:r>
-          </a:p>
-          <a:p>
-            <a:pPr marL="742950" lvl="1" indent="-285750">
-              <a:buFontTx/>
-              <a:buChar char="-"/>
-            </a:pPr>
-            <a:r>
-              <a:rPr lang="en-GB" sz="2400" dirty="0" err="1" smtClean="0"/>
-              <a:t>g.add_spectrum</a:t>
-            </a:r>
-            <a:r>
-              <a:rPr lang="en-GB" sz="2400" dirty="0" smtClean="0"/>
-              <a:t>(period=2</a:t>
-            </a:r>
-            <a:r>
-              <a:rPr lang="en-GB" sz="2400" dirty="0"/>
-              <a:t>, </a:t>
-            </a:r>
-            <a:r>
-              <a:rPr lang="en-GB" sz="2400" dirty="0" smtClean="0"/>
-              <a:t>spectrum=1)</a:t>
-            </a:r>
-          </a:p>
-          <a:p>
-            <a:pPr marL="285750" indent="-285750">
-              <a:buFontTx/>
-              <a:buChar char="-"/>
-            </a:pPr>
-            <a:r>
-              <a:rPr lang="en-GB" sz="2400" dirty="0" smtClean="0">
-                <a:solidFill>
-                  <a:srgbClr val="00B050"/>
-                </a:solidFill>
-              </a:rPr>
-              <a:t>Why is </a:t>
-            </a:r>
-            <a:r>
-              <a:rPr lang="en-GB" sz="2400" dirty="0" err="1" smtClean="0">
-                <a:solidFill>
-                  <a:srgbClr val="00B050"/>
-                </a:solidFill>
-              </a:rPr>
-              <a:t>g.add_spectrum</a:t>
-            </a:r>
-            <a:r>
-              <a:rPr lang="en-GB" sz="2400" dirty="0" smtClean="0">
-                <a:solidFill>
-                  <a:srgbClr val="00B050"/>
-                </a:solidFill>
-              </a:rPr>
-              <a:t>(2</a:t>
-            </a:r>
-            <a:r>
-              <a:rPr lang="en-GB" sz="2400" dirty="0">
-                <a:solidFill>
-                  <a:srgbClr val="00B050"/>
-                </a:solidFill>
-              </a:rPr>
-              <a:t>, </a:t>
-            </a:r>
-            <a:r>
-              <a:rPr lang="en-GB" sz="2400" dirty="0" smtClean="0">
-                <a:solidFill>
-                  <a:srgbClr val="00B050"/>
-                </a:solidFill>
-              </a:rPr>
-              <a:t>spectrum=1) invalid?</a:t>
-            </a:r>
-          </a:p>
-          <a:p>
-            <a:pPr marL="285750" indent="-285750">
-              <a:buFontTx/>
-              <a:buChar char="-"/>
-            </a:pPr>
-            <a:r>
-              <a:rPr lang="en-GB" sz="2400" dirty="0" smtClean="0">
-                <a:solidFill>
-                  <a:srgbClr val="00B050"/>
-                </a:solidFill>
-              </a:rPr>
-              <a:t>What are two equivalent ways of writing </a:t>
-            </a:r>
-            <a:r>
-              <a:rPr lang="en-GB" sz="2400" dirty="0" err="1" smtClean="0">
-                <a:solidFill>
-                  <a:srgbClr val="00B050"/>
-                </a:solidFill>
-              </a:rPr>
-              <a:t>g.begin</a:t>
-            </a:r>
-            <a:r>
-              <a:rPr lang="en-GB" sz="2400" dirty="0" smtClean="0">
-                <a:solidFill>
-                  <a:srgbClr val="00B050"/>
-                </a:solidFill>
-              </a:rPr>
-              <a:t>(False)? Can you think of why you might choose each one?</a:t>
-            </a:r>
-            <a:endParaRPr lang="en-GB" sz="2400" dirty="0" smtClean="0"/>
+            <a:pPr marL="342900" indent="-342900">
+              <a:buFont typeface="Arial" panose="020B0604020202020204" pitchFamily="34" charset="0"/>
+              <a:buChar char="•"/>
+            </a:pPr>
+            <a:r>
+              <a:rPr lang="en-GB" sz="2800" dirty="0">
+                <a:solidFill>
+                  <a:schemeClr val="accent2"/>
+                </a:solidFill>
+                <a:latin typeface="Consolas" panose="020B0609020204030204" pitchFamily="49" charset="0"/>
+                <a:cs typeface="Consolas" panose="020B0609020204030204" pitchFamily="49" charset="0"/>
+              </a:rPr>
+              <a:t>begin</a:t>
+            </a:r>
+            <a:r>
+              <a:rPr lang="en-GB" sz="2800" dirty="0" smtClean="0"/>
+              <a:t>: </a:t>
+            </a:r>
+            <a:r>
+              <a:rPr lang="en-GB" sz="2800" dirty="0"/>
+              <a:t>Begins a new run</a:t>
+            </a:r>
+          </a:p>
+          <a:p>
+            <a:pPr marL="342900" indent="-342900">
+              <a:buFont typeface="Arial" panose="020B0604020202020204" pitchFamily="34" charset="0"/>
+              <a:buChar char="•"/>
+            </a:pPr>
+            <a:r>
+              <a:rPr lang="en-GB" sz="2800" dirty="0">
+                <a:solidFill>
+                  <a:schemeClr val="accent2"/>
+                </a:solidFill>
+                <a:latin typeface="Consolas" panose="020B0609020204030204" pitchFamily="49" charset="0"/>
+                <a:cs typeface="Consolas" panose="020B0609020204030204" pitchFamily="49" charset="0"/>
+              </a:rPr>
+              <a:t>pause</a:t>
+            </a:r>
+            <a:r>
+              <a:rPr lang="en-GB" sz="2800" dirty="0" smtClean="0"/>
+              <a:t>: </a:t>
+            </a:r>
+            <a:r>
+              <a:rPr lang="en-GB" sz="2800" dirty="0"/>
+              <a:t>Pauses the current run</a:t>
+            </a:r>
+          </a:p>
+          <a:p>
+            <a:pPr marL="342900" indent="-342900">
+              <a:buFont typeface="Arial" panose="020B0604020202020204" pitchFamily="34" charset="0"/>
+              <a:buChar char="•"/>
+            </a:pPr>
+            <a:r>
+              <a:rPr lang="en-GB" sz="2800" dirty="0">
+                <a:solidFill>
+                  <a:schemeClr val="accent2"/>
+                </a:solidFill>
+                <a:latin typeface="Consolas" panose="020B0609020204030204" pitchFamily="49" charset="0"/>
+                <a:cs typeface="Consolas" panose="020B0609020204030204" pitchFamily="49" charset="0"/>
+              </a:rPr>
+              <a:t>resume</a:t>
+            </a:r>
+            <a:r>
+              <a:rPr lang="en-GB" sz="2800" dirty="0" smtClean="0"/>
+              <a:t>: </a:t>
+            </a:r>
+            <a:r>
+              <a:rPr lang="en-GB" sz="2800" dirty="0"/>
+              <a:t>Resumes the current run</a:t>
+            </a:r>
+          </a:p>
+          <a:p>
+            <a:pPr marL="342900" indent="-342900">
+              <a:buFont typeface="Arial" panose="020B0604020202020204" pitchFamily="34" charset="0"/>
+              <a:buChar char="•"/>
+            </a:pPr>
+            <a:r>
+              <a:rPr lang="en-GB" sz="2800" dirty="0">
+                <a:solidFill>
+                  <a:schemeClr val="accent2"/>
+                </a:solidFill>
+                <a:latin typeface="Consolas" panose="020B0609020204030204" pitchFamily="49" charset="0"/>
+                <a:cs typeface="Consolas" panose="020B0609020204030204" pitchFamily="49" charset="0"/>
+              </a:rPr>
+              <a:t>end</a:t>
+            </a:r>
+            <a:r>
+              <a:rPr lang="en-GB" sz="2800" dirty="0" smtClean="0"/>
+              <a:t>: </a:t>
+            </a:r>
+            <a:r>
+              <a:rPr lang="en-GB" sz="2800" dirty="0"/>
+              <a:t>Ends the current run</a:t>
+            </a:r>
+          </a:p>
+          <a:p>
+            <a:pPr marL="342900" indent="-342900">
+              <a:buFont typeface="Arial" panose="020B0604020202020204" pitchFamily="34" charset="0"/>
+              <a:buChar char="•"/>
+            </a:pPr>
+            <a:r>
+              <a:rPr lang="en-GB" sz="2800" dirty="0">
+                <a:solidFill>
+                  <a:schemeClr val="accent2"/>
+                </a:solidFill>
+                <a:latin typeface="Consolas" panose="020B0609020204030204" pitchFamily="49" charset="0"/>
+                <a:cs typeface="Consolas" panose="020B0609020204030204" pitchFamily="49" charset="0"/>
+              </a:rPr>
+              <a:t>abort</a:t>
+            </a:r>
+            <a:r>
+              <a:rPr lang="en-GB" sz="2800" dirty="0" smtClean="0"/>
+              <a:t>: </a:t>
+            </a:r>
+            <a:r>
+              <a:rPr lang="en-GB" sz="2800" dirty="0"/>
+              <a:t>Aborts the current </a:t>
+            </a:r>
+            <a:r>
+              <a:rPr lang="en-GB" sz="2800" dirty="0" smtClean="0"/>
+              <a:t>run</a:t>
+            </a:r>
+          </a:p>
+          <a:p>
+            <a:pPr marL="342900" indent="-342900">
+              <a:buFont typeface="Arial" panose="020B0604020202020204" pitchFamily="34" charset="0"/>
+              <a:buChar char="•"/>
+            </a:pPr>
+            <a:r>
+              <a:rPr lang="en-GB" sz="2800" dirty="0" err="1">
+                <a:solidFill>
+                  <a:schemeClr val="accent2"/>
+                </a:solidFill>
+                <a:latin typeface="Consolas" panose="020B0609020204030204" pitchFamily="49" charset="0"/>
+                <a:cs typeface="Consolas" panose="020B0609020204030204" pitchFamily="49" charset="0"/>
+              </a:rPr>
+              <a:t>get_runstate</a:t>
+            </a:r>
+            <a:r>
+              <a:rPr lang="en-GB" sz="2800" dirty="0" smtClean="0"/>
+              <a:t>: Gets the state of the current run</a:t>
+            </a:r>
           </a:p>
         </p:txBody>
       </p:sp>
     </p:spTree>
     <p:extLst>
       <p:ext uri="{BB962C8B-B14F-4D97-AF65-F5344CB8AC3E}">
-        <p14:creationId xmlns:p14="http://schemas.microsoft.com/office/powerpoint/2010/main" val="3051917528"/>
+        <p14:creationId xmlns:p14="http://schemas.microsoft.com/office/powerpoint/2010/main" val="3531924095"/>
       </p:ext>
     </p:extLst>
   </p:cSld>
@@ -16146,7 +16422,7 @@
             </a:br>
             <a:r>
               <a:rPr lang="en-GB" dirty="0" smtClean="0"/>
-              <a:t>Switching run states</a:t>
+              <a:t>Waiting</a:t>
             </a:r>
             <a:endParaRPr lang="en-GB" dirty="0"/>
           </a:p>
@@ -16161,7 +16437,7 @@
         <p:spPr>
           <a:xfrm>
             <a:off x="395536" y="1844824"/>
-            <a:ext cx="8496944" cy="2677656"/>
+            <a:ext cx="8496944" cy="4216539"/>
           </a:xfrm>
           <a:prstGeom prst="rect">
             <a:avLst/>
@@ -16179,16 +16455,36 @@
               <a:buChar char="•"/>
             </a:pPr>
             <a:r>
-              <a:rPr lang="en-GB" sz="2800" i="1" dirty="0" smtClean="0"/>
-              <a:t>begin</a:t>
-            </a:r>
-            <a:r>
-              <a:rPr lang="en-GB" sz="2800" dirty="0" smtClean="0"/>
-              <a:t>: </a:t>
-            </a:r>
-            <a:r>
-              <a:rPr lang="en-GB" sz="2800" dirty="0"/>
-              <a:t>Begins a new run</a:t>
+              <a:rPr lang="en-GB" sz="2400" dirty="0" smtClean="0"/>
+              <a:t>Wait for a specific event before continuing. Use a “</a:t>
+            </a:r>
+            <a:r>
+              <a:rPr lang="en-GB" sz="2400" dirty="0" err="1">
+                <a:solidFill>
+                  <a:schemeClr val="accent2"/>
+                </a:solidFill>
+                <a:latin typeface="Consolas" panose="020B0609020204030204" pitchFamily="49" charset="0"/>
+                <a:cs typeface="Consolas" panose="020B0609020204030204" pitchFamily="49" charset="0"/>
+              </a:rPr>
+              <a:t>waitfor</a:t>
+            </a:r>
+            <a:r>
+              <a:rPr lang="en-GB" sz="2400" dirty="0">
+                <a:solidFill>
+                  <a:schemeClr val="accent2"/>
+                </a:solidFill>
+                <a:latin typeface="Consolas" panose="020B0609020204030204" pitchFamily="49" charset="0"/>
+                <a:cs typeface="Consolas" panose="020B0609020204030204" pitchFamily="49" charset="0"/>
+              </a:rPr>
+              <a:t>_...</a:t>
+            </a:r>
+            <a:r>
+              <a:rPr lang="en-GB" sz="2400" i="1" dirty="0" smtClean="0"/>
+              <a:t>” </a:t>
+            </a:r>
+            <a:r>
+              <a:rPr lang="en-GB" sz="2400" dirty="0" smtClean="0"/>
+              <a:t>function:</a:t>
             </a:r>
           </a:p>
           <a:p>
@@ -16197,16 +16493,182 @@
               <a:buChar char="•"/>
             </a:pPr>
             <a:r>
-              <a:rPr lang="en-GB" sz="2800" i="1" dirty="0" smtClean="0"/>
-              <a:t>pause</a:t>
-            </a:r>
-            <a:r>
-              <a:rPr lang="en-GB" sz="2800" dirty="0" smtClean="0"/>
-              <a:t>: </a:t>
-            </a:r>
-            <a:r>
-              <a:rPr lang="en-GB" sz="2800" dirty="0"/>
-              <a:t>Pauses the current run</a:t>
+              <a:rPr lang="en-GB" sz="2400" dirty="0" smtClean="0">
+                <a:solidFill>
+                  <a:srgbClr val="00B050"/>
+                </a:solidFill>
+              </a:rPr>
+              <a:t>What do you think the following commands do?</a:t>
+            </a:r>
+          </a:p>
+          <a:p>
+            <a:pPr marL="800100" lvl="1" indent="-342900">
+              <a:buFont typeface="Arial" panose="020B0604020202020204" pitchFamily="34" charset="0"/>
+              <a:buChar char="•"/>
+            </a:pPr>
+            <a:r>
+              <a:rPr lang="en-GB" sz="2400" dirty="0" err="1">
+                <a:solidFill>
+                  <a:schemeClr val="accent2"/>
+                </a:solidFill>
+                <a:latin typeface="Consolas" panose="020B0609020204030204" pitchFamily="49" charset="0"/>
+                <a:cs typeface="Consolas" panose="020B0609020204030204" pitchFamily="49" charset="0"/>
+              </a:rPr>
+              <a:t>g.waitfor_time</a:t>
+            </a:r>
+            <a:r>
+              <a:rPr lang="en-GB" sz="2400" dirty="0">
+                <a:solidFill>
+                  <a:schemeClr val="accent2"/>
+                </a:solidFill>
+                <a:latin typeface="Consolas" panose="020B0609020204030204" pitchFamily="49" charset="0"/>
+                <a:cs typeface="Consolas" panose="020B0609020204030204" pitchFamily="49" charset="0"/>
+              </a:rPr>
+              <a:t>(seconds=10)</a:t>
+            </a:r>
+          </a:p>
+          <a:p>
+            <a:pPr marL="800100" lvl="1" indent="-342900">
+              <a:buFont typeface="Arial" panose="020B0604020202020204" pitchFamily="34" charset="0"/>
+              <a:buChar char="•"/>
+            </a:pPr>
+            <a:r>
+              <a:rPr lang="en-GB" sz="2400" dirty="0" err="1">
+                <a:solidFill>
+                  <a:schemeClr val="accent2"/>
+                </a:solidFill>
+                <a:latin typeface="Consolas" panose="020B0609020204030204" pitchFamily="49" charset="0"/>
+                <a:cs typeface="Consolas" panose="020B0609020204030204" pitchFamily="49" charset="0"/>
+              </a:rPr>
+              <a:t>g.waitfor_time</a:t>
+            </a:r>
+            <a:r>
+              <a:rPr lang="en-GB" sz="2400" dirty="0">
+                <a:solidFill>
+                  <a:schemeClr val="accent2"/>
+                </a:solidFill>
+                <a:latin typeface="Consolas" panose="020B0609020204030204" pitchFamily="49" charset="0"/>
+                <a:cs typeface="Consolas" panose="020B0609020204030204" pitchFamily="49" charset="0"/>
+              </a:rPr>
+              <a:t>(minutes=10)</a:t>
+            </a:r>
+          </a:p>
+          <a:p>
+            <a:pPr marL="800100" lvl="1" indent="-342900">
+              <a:buFont typeface="Arial" panose="020B0604020202020204" pitchFamily="34" charset="0"/>
+              <a:buChar char="•"/>
+            </a:pPr>
+            <a:r>
+              <a:rPr lang="en-GB" sz="2400" dirty="0" err="1">
+                <a:solidFill>
+                  <a:schemeClr val="accent2"/>
+                </a:solidFill>
+                <a:latin typeface="Consolas" panose="020B0609020204030204" pitchFamily="49" charset="0"/>
+                <a:cs typeface="Consolas" panose="020B0609020204030204" pitchFamily="49" charset="0"/>
+              </a:rPr>
+              <a:t>g.waitfor_uamps</a:t>
+            </a:r>
+            <a:r>
+              <a:rPr lang="en-GB" sz="2400" dirty="0">
+                <a:solidFill>
+                  <a:schemeClr val="accent2"/>
+                </a:solidFill>
+                <a:latin typeface="Consolas" panose="020B0609020204030204" pitchFamily="49" charset="0"/>
+                <a:cs typeface="Consolas" panose="020B0609020204030204" pitchFamily="49" charset="0"/>
+              </a:rPr>
+              <a:t>(10) </a:t>
+            </a:r>
+          </a:p>
+          <a:p>
+            <a:pPr marL="800100" lvl="1" indent="-342900">
+              <a:buFont typeface="Arial" panose="020B0604020202020204" pitchFamily="34" charset="0"/>
+              <a:buChar char="•"/>
+            </a:pPr>
+            <a:r>
+              <a:rPr lang="en-GB" sz="2400" dirty="0" err="1">
+                <a:solidFill>
+                  <a:schemeClr val="accent2"/>
+                </a:solidFill>
+                <a:latin typeface="Consolas" panose="020B0609020204030204" pitchFamily="49" charset="0"/>
+                <a:cs typeface="Consolas" panose="020B0609020204030204" pitchFamily="49" charset="0"/>
+              </a:rPr>
+              <a:t>g</a:t>
+            </a:r>
+            <a:r>
+              <a:rPr lang="en-GB" sz="2400" dirty="0" err="1">
+                <a:solidFill>
+                  <a:schemeClr val="accent2"/>
+                </a:solidFill>
+                <a:latin typeface="Consolas" panose="020B0609020204030204" pitchFamily="49" charset="0"/>
+                <a:cs typeface="Consolas" panose="020B0609020204030204" pitchFamily="49" charset="0"/>
+              </a:rPr>
+              <a:t>.waitfor_block</a:t>
+            </a:r>
+            <a:r>
+              <a:rPr lang="en-GB" sz="2400" dirty="0">
+                <a:solidFill>
+                  <a:schemeClr val="accent2"/>
+                </a:solidFill>
+                <a:latin typeface="Consolas" panose="020B0609020204030204" pitchFamily="49" charset="0"/>
+                <a:cs typeface="Consolas" panose="020B0609020204030204" pitchFamily="49" charset="0"/>
+              </a:rPr>
+              <a:t>("</a:t>
+            </a:r>
+            <a:r>
+              <a:rPr lang="en-GB" sz="2400" dirty="0">
+                <a:solidFill>
+                  <a:schemeClr val="accent2"/>
+                </a:solidFill>
+                <a:latin typeface="Consolas" panose="020B0609020204030204" pitchFamily="49" charset="0"/>
+                <a:cs typeface="Consolas" panose="020B0609020204030204" pitchFamily="49" charset="0"/>
+              </a:rPr>
+              <a:t>MY_BLOCK", </a:t>
+            </a:r>
+            <a:r>
+              <a:rPr lang="en-GB" sz="2400" dirty="0" err="1">
+                <a:solidFill>
+                  <a:schemeClr val="accent2"/>
+                </a:solidFill>
+                <a:latin typeface="Consolas" panose="020B0609020204030204" pitchFamily="49" charset="0"/>
+                <a:cs typeface="Consolas" panose="020B0609020204030204" pitchFamily="49" charset="0"/>
+              </a:rPr>
+              <a:t>lowlimit</a:t>
+            </a:r>
+            <a:r>
+              <a:rPr lang="en-GB" sz="2400" dirty="0">
+                <a:solidFill>
+                  <a:schemeClr val="accent2"/>
+                </a:solidFill>
+                <a:latin typeface="Consolas" panose="020B0609020204030204" pitchFamily="49" charset="0"/>
+                <a:cs typeface="Consolas" panose="020B0609020204030204" pitchFamily="49" charset="0"/>
+              </a:rPr>
+              <a:t>=10)</a:t>
+            </a:r>
+          </a:p>
+          <a:p>
+            <a:pPr marL="800100" lvl="1" indent="-342900">
+              <a:buFont typeface="Arial" panose="020B0604020202020204" pitchFamily="34" charset="0"/>
+              <a:buChar char="•"/>
+            </a:pPr>
+            <a:r>
+              <a:rPr lang="en-GB" sz="2400" dirty="0" err="1" smtClean="0">
+                <a:solidFill>
+                  <a:schemeClr val="accent2"/>
+                </a:solidFill>
+                <a:latin typeface="Consolas" panose="020B0609020204030204" pitchFamily="49" charset="0"/>
+                <a:cs typeface="Consolas" panose="020B0609020204030204" pitchFamily="49" charset="0"/>
+              </a:rPr>
+              <a:t>g.waitfor_move</a:t>
+            </a:r>
+            <a:r>
+              <a:rPr lang="en-GB" sz="2400" dirty="0">
+                <a:solidFill>
+                  <a:schemeClr val="accent2"/>
+                </a:solidFill>
+                <a:latin typeface="Consolas" panose="020B0609020204030204" pitchFamily="49" charset="0"/>
+                <a:cs typeface="Consolas" panose="020B0609020204030204" pitchFamily="49" charset="0"/>
+              </a:rPr>
+              <a:t>()</a:t>
             </a:r>
           </a:p>
           <a:p>
@@ -16215,78 +16677,49 @@
               <a:buChar char="•"/>
             </a:pPr>
             <a:r>
-              <a:rPr lang="en-GB" sz="2800" i="1" dirty="0" smtClean="0"/>
-              <a:t>resume</a:t>
-            </a:r>
-            <a:r>
-              <a:rPr lang="en-GB" sz="2800" dirty="0" smtClean="0"/>
-              <a:t>: </a:t>
-            </a:r>
-            <a:r>
-              <a:rPr lang="en-GB" sz="2800" dirty="0"/>
-              <a:t>Resumes the current run</a:t>
-            </a:r>
-          </a:p>
-          <a:p>
-            <a:pPr marL="342900" indent="-342900">
+              <a:rPr lang="en-GB" sz="2400" dirty="0">
+                <a:solidFill>
+                  <a:srgbClr val="00B050"/>
+                </a:solidFill>
+              </a:rPr>
+              <a:t>Use autocomplete to bring up a list of available </a:t>
+            </a:r>
+            <a:r>
+              <a:rPr lang="en-GB" sz="2400" dirty="0" err="1">
+                <a:solidFill>
+                  <a:schemeClr val="accent2"/>
+                </a:solidFill>
+                <a:latin typeface="Consolas" panose="020B0609020204030204" pitchFamily="49" charset="0"/>
+                <a:cs typeface="Consolas" panose="020B0609020204030204" pitchFamily="49" charset="0"/>
+              </a:rPr>
+              <a:t>waitfor</a:t>
+            </a:r>
+            <a:r>
+              <a:rPr lang="en-GB" sz="2400" dirty="0">
+                <a:solidFill>
+                  <a:srgbClr val="00B050"/>
+                </a:solidFill>
+              </a:rPr>
+              <a:t> functions</a:t>
+            </a:r>
+          </a:p>
+          <a:p>
+            <a:pPr marL="800100" lvl="1" indent="-342900">
               <a:buFont typeface="Arial" panose="020B0604020202020204" pitchFamily="34" charset="0"/>
               <a:buChar char="•"/>
             </a:pPr>
-            <a:r>
-              <a:rPr lang="en-GB" sz="2800" i="1" dirty="0" smtClean="0"/>
-              <a:t>end</a:t>
-            </a:r>
-            <a:r>
-              <a:rPr lang="en-GB" sz="2800" dirty="0" smtClean="0"/>
-              <a:t>: </a:t>
-            </a:r>
-            <a:r>
-              <a:rPr lang="en-GB" sz="2800" dirty="0"/>
-              <a:t>Ends the current run</a:t>
-            </a:r>
-          </a:p>
-          <a:p>
-            <a:pPr marL="342900" indent="-342900">
-              <a:buFont typeface="Arial" panose="020B0604020202020204" pitchFamily="34" charset="0"/>
-              <a:buChar char="•"/>
-            </a:pPr>
-            <a:r>
-              <a:rPr lang="en-GB" sz="2800" i="1" dirty="0" smtClean="0"/>
-              <a:t>abort</a:t>
-            </a:r>
-            <a:r>
-              <a:rPr lang="en-GB" sz="2800" dirty="0" smtClean="0"/>
-              <a:t>: </a:t>
-            </a:r>
-            <a:r>
-              <a:rPr lang="en-GB" sz="2800" dirty="0"/>
-              <a:t>Aborts the current </a:t>
-            </a:r>
-            <a:r>
-              <a:rPr lang="en-GB" sz="2800" dirty="0" smtClean="0"/>
-              <a:t>run</a:t>
-            </a:r>
-          </a:p>
-          <a:p>
-            <a:pPr marL="342900" indent="-342900">
-              <a:buFont typeface="Arial" panose="020B0604020202020204" pitchFamily="34" charset="0"/>
-              <a:buChar char="•"/>
-            </a:pPr>
-            <a:r>
-              <a:rPr lang="en-GB" sz="2800" i="1" dirty="0" err="1" smtClean="0"/>
-              <a:t>get_runstate</a:t>
-            </a:r>
-            <a:r>
-              <a:rPr lang="en-GB" sz="2800" dirty="0" smtClean="0"/>
-              <a:t>: Gets the state of the current run</a:t>
-            </a:r>
+            <a:endParaRPr lang="en-GB" sz="2400" dirty="0">
+              <a:solidFill>
+                <a:srgbClr val="00B050"/>
+              </a:solidFill>
+            </a:endParaRPr>
           </a:p>
         </p:txBody>
       </p:sp>
     </p:spTree>
     <p:extLst>
       <p:ext uri="{BB962C8B-B14F-4D97-AF65-F5344CB8AC3E}">
-        <p14:creationId xmlns:p14="http://schemas.microsoft.com/office/powerpoint/2010/main" val="3531924095"/>
+        <p14:creationId xmlns:p14="http://schemas.microsoft.com/office/powerpoint/2010/main" val="3123493383"/>
       </p:ext>
     </p:extLst>
   </p:cSld>
@@ -16344,7 +16777,7 @@
             </a:br>
             <a:r>
               <a:rPr lang="en-GB" dirty="0" smtClean="0"/>
-              <a:t>Waiting</a:t>
+              <a:t>Update and store</a:t>
             </a:r>
             <a:endParaRPr lang="en-GB" dirty="0"/>
           </a:p>
@@ -16359,7 +16792,7 @@
         <p:spPr>
           <a:xfrm>
             <a:off x="395536" y="1844824"/>
-            <a:ext cx="8496944" cy="4154984"/>
+            <a:ext cx="8496944" cy="3108543"/>
           </a:xfrm>
           <a:prstGeom prst="rect">
             <a:avLst/>
@@ -16377,46 +16810,12 @@
               <a:buChar char="•"/>
             </a:pPr>
             <a:r>
-              <a:rPr lang="en-GB" sz="2400" dirty="0" smtClean="0"/>
-              <a:t>Wait for a specific event before continuing. </a:t>
-            </a:r>
-            <a:r>
-              <a:rPr lang="en-GB" sz="2400" dirty="0" smtClean="0"/>
-              <a:t>Use a “</a:t>
-            </a:r>
-            <a:r>
-              <a:rPr lang="en-GB" sz="2400" i="1" dirty="0" err="1" smtClean="0"/>
-              <a:t>waitfor</a:t>
-            </a:r>
-            <a:r>
-              <a:rPr lang="en-GB" sz="2400" i="1" dirty="0" smtClean="0"/>
-              <a:t>_...” </a:t>
-            </a:r>
-            <a:r>
-              <a:rPr lang="en-GB" sz="2400" dirty="0" smtClean="0"/>
-              <a:t>function:</a:t>
-            </a:r>
-          </a:p>
-          <a:p>
-            <a:pPr marL="342900" indent="-342900">
-              <a:buFont typeface="Arial" panose="020B0604020202020204" pitchFamily="34" charset="0"/>
-              <a:buChar char="•"/>
-            </a:pPr>
-            <a:r>
-              <a:rPr lang="en-GB" sz="2400" dirty="0" smtClean="0">
-                <a:solidFill>
-                  <a:srgbClr val="00B050"/>
-                </a:solidFill>
-              </a:rPr>
-              <a:t>What </a:t>
-            </a:r>
-            <a:r>
-              <a:rPr lang="en-GB" sz="2400" dirty="0" smtClean="0">
-                <a:solidFill>
-                  <a:srgbClr val="00B050"/>
-                </a:solidFill>
-              </a:rPr>
-              <a:t>do you think the following commands do?</a:t>
+              <a:rPr lang="en-GB" sz="2800" dirty="0"/>
+              <a:t>You can update and store DAE results </a:t>
+            </a:r>
+            <a:r>
+              <a:rPr lang="en-GB" sz="2800" dirty="0" smtClean="0"/>
+              <a:t>using:</a:t>
             </a:r>
           </a:p>
           <a:p>
@@ -16425,28 +16824,26 @@
               <a:buChar char="•"/>
             </a:pPr>
             <a:r>
-              <a:rPr lang="en-GB" sz="2400" i="1" dirty="0" err="1" smtClean="0">
-                <a:solidFill>
-                  <a:srgbClr val="00B050"/>
-                </a:solidFill>
-              </a:rPr>
-              <a:t>g.waitfor_time</a:t>
-            </a:r>
-            <a:r>
-              <a:rPr lang="en-GB" sz="2400" i="1" dirty="0" smtClean="0">
-                <a:solidFill>
-                  <a:srgbClr val="00B050"/>
-                </a:solidFill>
-              </a:rPr>
-              <a:t>(seconds=10</a:t>
-            </a:r>
-            <a:r>
-              <a:rPr lang="en-GB" sz="2400" i="1" dirty="0" smtClean="0">
-                <a:solidFill>
-                  <a:srgbClr val="00B050"/>
-                </a:solidFill>
-              </a:rPr>
-              <a:t>)</a:t>
+              <a:rPr lang="en-GB" sz="2800" dirty="0">
+                <a:solidFill>
+                  <a:schemeClr val="accent2"/>
+                </a:solidFill>
+                <a:latin typeface="Consolas" panose="020B0609020204030204" pitchFamily="49" charset="0"/>
+                <a:cs typeface="Consolas" panose="020B0609020204030204" pitchFamily="49" charset="0"/>
+              </a:rPr>
+              <a:t>update</a:t>
+            </a:r>
+            <a:r>
+              <a:rPr lang="en-GB" sz="2800" dirty="0" smtClean="0"/>
+              <a:t>: </a:t>
+            </a:r>
+            <a:r>
+              <a:rPr lang="en-GB" sz="2800" dirty="0"/>
+              <a:t>Load the data from the DAE into </a:t>
+            </a:r>
+            <a:r>
+              <a:rPr lang="en-GB" sz="2800" dirty="0" smtClean="0"/>
+              <a:t>memory</a:t>
             </a:r>
           </a:p>
           <a:p>
@@ -16455,201 +16852,63 @@
               <a:buChar char="•"/>
             </a:pPr>
             <a:r>
-              <a:rPr lang="en-GB" sz="2400" i="1" dirty="0" err="1" smtClean="0">
-                <a:solidFill>
-                  <a:srgbClr val="00B050"/>
-                </a:solidFill>
-              </a:rPr>
-              <a:t>g.waitfor_time</a:t>
-            </a:r>
-            <a:r>
-              <a:rPr lang="en-GB" sz="2400" i="1" dirty="0" smtClean="0">
-                <a:solidFill>
-                  <a:srgbClr val="00B050"/>
-                </a:solidFill>
-              </a:rPr>
-              <a:t>(minutes=10</a:t>
-            </a:r>
-            <a:r>
-              <a:rPr lang="en-GB" sz="2400" i="1" dirty="0" smtClean="0">
-                <a:solidFill>
-                  <a:srgbClr val="00B050"/>
-                </a:solidFill>
-              </a:rPr>
-              <a:t>)</a:t>
-            </a:r>
-            <a:endParaRPr lang="en-GB" sz="2400" dirty="0" smtClean="0">
+              <a:rPr lang="en-GB" sz="2800" dirty="0">
+                <a:solidFill>
+                  <a:schemeClr val="accent2"/>
+                </a:solidFill>
+                <a:latin typeface="Consolas" panose="020B0609020204030204" pitchFamily="49" charset="0"/>
+                <a:cs typeface="Consolas" panose="020B0609020204030204" pitchFamily="49" charset="0"/>
+              </a:rPr>
+              <a:t>store</a:t>
+            </a:r>
+            <a:r>
+              <a:rPr lang="en-GB" sz="2800" dirty="0" smtClean="0"/>
+              <a:t>: </a:t>
+            </a:r>
+            <a:r>
+              <a:rPr lang="en-GB" sz="2800" dirty="0"/>
+              <a:t>Write the updated DAE information to </a:t>
+            </a:r>
+            <a:r>
+              <a:rPr lang="en-GB" sz="2800" dirty="0" smtClean="0"/>
+              <a:t>disk</a:t>
+            </a:r>
+          </a:p>
+          <a:p>
+            <a:pPr marL="800100" lvl="1" indent="-342900">
+              <a:buFont typeface="Arial" panose="020B0604020202020204" pitchFamily="34" charset="0"/>
+              <a:buChar char="•"/>
+            </a:pPr>
+            <a:r>
+              <a:rPr lang="en-GB" sz="2800" dirty="0" err="1">
+                <a:solidFill>
+                  <a:schemeClr val="accent2"/>
+                </a:solidFill>
+                <a:latin typeface="Consolas" panose="020B0609020204030204" pitchFamily="49" charset="0"/>
+                <a:cs typeface="Consolas" panose="020B0609020204030204" pitchFamily="49" charset="0"/>
+              </a:rPr>
+              <a:t>updatestore</a:t>
+            </a:r>
+            <a:r>
+              <a:rPr lang="en-GB" sz="2800" dirty="0" smtClean="0"/>
+              <a:t>: </a:t>
+            </a:r>
+            <a:r>
+              <a:rPr lang="en-GB" sz="2800" dirty="0"/>
+              <a:t>Load the data from the DAE into memory and store it to disk</a:t>
+            </a:r>
+            <a:endParaRPr lang="en-GB" sz="2800" dirty="0">
               <a:solidFill>
                 <a:srgbClr val="00B050"/>
               </a:solidFill>
             </a:endParaRPr>
           </a:p>
-          <a:p>
-            <a:pPr marL="800100" lvl="1" indent="-342900">
-              <a:buFont typeface="Arial" panose="020B0604020202020204" pitchFamily="34" charset="0"/>
-              <a:buChar char="•"/>
-            </a:pPr>
-            <a:r>
-              <a:rPr lang="en-GB" sz="2400" i="1" dirty="0" err="1" smtClean="0">
-                <a:solidFill>
-                  <a:srgbClr val="00B050"/>
-                </a:solidFill>
-              </a:rPr>
-              <a:t>g.waitfor_uamps</a:t>
-            </a:r>
-            <a:r>
-              <a:rPr lang="en-GB" sz="2400" i="1" dirty="0" smtClean="0">
-                <a:solidFill>
-                  <a:srgbClr val="00B050"/>
-                </a:solidFill>
-              </a:rPr>
-              <a:t>(10)</a:t>
-            </a:r>
-            <a:r>
-              <a:rPr lang="en-GB" sz="2400" dirty="0" smtClean="0">
-                <a:solidFill>
-                  <a:srgbClr val="00B050"/>
-                </a:solidFill>
-              </a:rPr>
-              <a:t> </a:t>
-            </a:r>
-          </a:p>
-          <a:p>
-            <a:pPr marL="800100" lvl="1" indent="-342900">
-              <a:buFont typeface="Arial" panose="020B0604020202020204" pitchFamily="34" charset="0"/>
-              <a:buChar char="•"/>
-            </a:pPr>
-            <a:r>
-              <a:rPr lang="en-GB" sz="2400" i="1" dirty="0" err="1">
-                <a:solidFill>
-                  <a:srgbClr val="00B050"/>
-                </a:solidFill>
-              </a:rPr>
-              <a:t>g</a:t>
-            </a:r>
-            <a:r>
-              <a:rPr lang="en-GB" sz="2400" i="1" dirty="0" err="1" smtClean="0">
-                <a:solidFill>
-                  <a:srgbClr val="00B050"/>
-                </a:solidFill>
-              </a:rPr>
-              <a:t>.waitfor_block</a:t>
-            </a:r>
-            <a:r>
-              <a:rPr lang="en-GB" sz="2400" i="1" dirty="0" smtClean="0">
-                <a:solidFill>
-                  <a:srgbClr val="00B050"/>
-                </a:solidFill>
-              </a:rPr>
-              <a:t>("</a:t>
-            </a:r>
-            <a:r>
-              <a:rPr lang="en-GB" sz="2400" i="1" dirty="0">
-                <a:solidFill>
-                  <a:srgbClr val="00B050"/>
-                </a:solidFill>
-              </a:rPr>
-              <a:t>MY_BLOCK", </a:t>
-            </a:r>
-            <a:r>
-              <a:rPr lang="en-GB" sz="2400" i="1" dirty="0" err="1" smtClean="0">
-                <a:solidFill>
-                  <a:srgbClr val="00B050"/>
-                </a:solidFill>
-              </a:rPr>
-              <a:t>lowlimit</a:t>
-            </a:r>
-            <a:r>
-              <a:rPr lang="en-GB" sz="2400" i="1" dirty="0" smtClean="0">
-                <a:solidFill>
-                  <a:srgbClr val="00B050"/>
-                </a:solidFill>
-              </a:rPr>
-              <a:t>=10</a:t>
-            </a:r>
-            <a:r>
-              <a:rPr lang="en-GB" sz="2400" i="1" dirty="0" smtClean="0">
-                <a:solidFill>
-                  <a:srgbClr val="00B050"/>
-                </a:solidFill>
-              </a:rPr>
-              <a:t>)</a:t>
-            </a:r>
-          </a:p>
-          <a:p>
-            <a:pPr marL="800100" lvl="1" indent="-342900">
-              <a:buFont typeface="Arial" panose="020B0604020202020204" pitchFamily="34" charset="0"/>
-              <a:buChar char="•"/>
-            </a:pPr>
-            <a:r>
-              <a:rPr lang="en-GB" sz="2400" i="1" dirty="0" err="1" smtClean="0">
-                <a:solidFill>
-                  <a:srgbClr val="00B050"/>
-                </a:solidFill>
-              </a:rPr>
-              <a:t>G.waitfor_move</a:t>
-            </a:r>
-            <a:r>
-              <a:rPr lang="en-GB" sz="2400" i="1" dirty="0" smtClean="0">
-                <a:solidFill>
-                  <a:srgbClr val="00B050"/>
-                </a:solidFill>
-              </a:rPr>
-              <a:t>()</a:t>
-            </a:r>
-            <a:endParaRPr lang="en-GB" sz="2400" i="1" dirty="0" smtClean="0">
-              <a:solidFill>
-                <a:srgbClr val="00B050"/>
-              </a:solidFill>
-            </a:endParaRPr>
-          </a:p>
-          <a:p>
-            <a:pPr marL="342900" indent="-342900">
-              <a:buFont typeface="Arial" panose="020B0604020202020204" pitchFamily="34" charset="0"/>
-              <a:buChar char="•"/>
-            </a:pPr>
-            <a:r>
-              <a:rPr lang="en-GB" sz="2400" dirty="0">
-                <a:solidFill>
-                  <a:srgbClr val="00B050"/>
-                </a:solidFill>
-              </a:rPr>
-              <a:t>Use autocomplete to bring up a list of available </a:t>
-            </a:r>
-            <a:r>
-              <a:rPr lang="en-GB" sz="2400" i="1" dirty="0" err="1">
-                <a:solidFill>
-                  <a:srgbClr val="00B050"/>
-                </a:solidFill>
-              </a:rPr>
-              <a:t>waitfor</a:t>
-            </a:r>
-            <a:r>
-              <a:rPr lang="en-GB" sz="2400" dirty="0">
-                <a:solidFill>
-                  <a:srgbClr val="00B050"/>
-                </a:solidFill>
-              </a:rPr>
-              <a:t> functions</a:t>
-            </a:r>
-          </a:p>
-          <a:p>
-            <a:pPr marL="800100" lvl="1" indent="-342900">
-              <a:buFont typeface="Arial" panose="020B0604020202020204" pitchFamily="34" charset="0"/>
-              <a:buChar char="•"/>
-            </a:pPr>
-            <a:endParaRPr lang="en-GB" sz="2400" dirty="0">
-              <a:solidFill>
-                <a:srgbClr val="00B050"/>
-              </a:solidFill>
-            </a:endParaRPr>
-          </a:p>
         </p:txBody>
       </p:sp>
     </p:spTree>
     <p:extLst>
       <p:ext uri="{BB962C8B-B14F-4D97-AF65-F5344CB8AC3E}">
-        <p14:creationId xmlns:p14="http://schemas.microsoft.com/office/powerpoint/2010/main" val="3123493383"/>
+        <p14:creationId xmlns:p14="http://schemas.microsoft.com/office/powerpoint/2010/main" val="1268031764"/>
       </p:ext>
     </p:extLst>
   </p:cSld>
@@ -17234,22 +17493,50 @@
 </a:theme>
 </file>
 
-<file path=customXml/item1.xml><?xml version="1.0" encoding="utf-8"?>
-<?mso-contentType ?>
-<FormTemplates xmlns="http://schemas.microsoft.com/sharepoint/v3/contenttype/forms">
-  <Display>DocumentLibraryForm</Display>
-  <Edit>DocumentLibraryForm</Edit>
-  <New>DocumentLibraryForm</New>
-</FormTemplates>
+<file path=ppt/theme/themeOverride1.xml><?xml version="1.0" encoding="utf-8"?>
+<a:themeOverride xmlns:a="http://schemas.openxmlformats.org/drawingml/2006/main">
+  <a:clrScheme name="Office">
+    <a:dk1>
+      <a:sysClr val="windowText" lastClr="000000"/>
+    </a:dk1>
+    <a:lt1>
+      <a:sysClr val="window" lastClr="FFFFFF"/>
+    </a:lt1>
+    <a:dk2>
+      <a:srgbClr val="1F497D"/>
+    </a:dk2>
+    <a:lt2>
+      <a:srgbClr val="EEECE1"/>
+    </a:lt2>
+    <a:accent1>
+      <a:srgbClr val="4F81BD"/>
+    </a:accent1>
+    <a:accent2>
+      <a:srgbClr val="C0504D"/>
+    </a:accent2>
+    <a:accent3>
+      <a:srgbClr val="9BBB59"/>
+    </a:accent3>
+    <a:accent4>
+      <a:srgbClr val="8064A2"/>
+    </a:accent4>
+    <a:accent5>
+      <a:srgbClr val="4BACC6"/>
+    </a:accent5>
+    <a:accent6>
+      <a:srgbClr val="F79646"/>
+    </a:accent6>
+    <a:hlink>
+      <a:srgbClr val="0000FF"/>
+    </a:hlink>
+    <a:folHlink>
+      <a:srgbClr val="800080"/>
+    </a:folHlink>
+  </a:clrScheme>
+</a:themeOverride>
 </file>
 
-<file path=customXml/item2.xml><?xml version="1.0" encoding="utf-8"?>
-<p:properties xmlns:p="http://schemas.microsoft.com/office/2006/metadata/properties" xmlns:xsi="http://www.w3.org/2001/XMLSchema-instance" xmlns:pc="http://schemas.microsoft.com/office/infopath/2007/PartnerControls">
-  <documentManagement/>
-</p:properties>
-</file>
-
-<file path=customXml/item3.xml><?xml version="1.0" encoding="utf-8"?>
+<file path=customXml/item1.xml><?xml version="1.0" encoding="utf-8"?>
 <ct:contentTypeSchema xmlns:ct="http://schemas.microsoft.com/office/2006/metadata/contentType" xmlns:ma="http://schemas.microsoft.com/office/2006/metadata/properties/metaAttributes" ct:_="" ma:_="" ma:contentTypeName="Document" ma:contentTypeID="0x010100D8BDAAA291872E4C9CBDBAE9DC1F214B" ma:contentTypeVersion="0" ma:contentTypeDescription="Create a new document." ma:contentTypeScope="" ma:versionID="37718d931242bc0231cb88c3dc8184c7">
   <xsd:schema xmlns:xsd="http://www.w3.org/2001/XMLSchema" xmlns:xs="http://www.w3.org/2001/XMLSchema" xmlns:p="http://schemas.microsoft.com/office/2006/metadata/properties" targetNamespace="http://schemas.microsoft.com/office/2006/metadata/properties" ma:root="true" ma:fieldsID="8022916f55ab85163ee9a5069dec31d5">
     <xsd:element name="properties">
@@ -17363,10 +17650,33 @@
 </ct:contentTypeSchema>
 </file>
 
+<file path=customXml/item2.xml><?xml version="1.0" encoding="utf-8"?>
+<p:properties xmlns:p="http://schemas.microsoft.com/office/2006/metadata/properties" xmlns:xsi="http://www.w3.org/2001/XMLSchema-instance" xmlns:pc="http://schemas.microsoft.com/office/infopath/2007/PartnerControls">
+  <documentManagement/>
+</p:properties>
+</file>
+
+<file path=customXml/item3.xml><?xml version="1.0" encoding="utf-8"?>
+<?mso-contentType ?>
+<FormTemplates xmlns="http://schemas.microsoft.com/sharepoint/v3/contenttype/forms">
+  <Display>DocumentLibraryForm</Display>
+  <Edit>DocumentLibraryForm</Edit>
+  <New>DocumentLibraryForm</New>
+</FormTemplates>
+</file>
+
 <file path=customXml/itemProps1.xml><?xml version="1.0" encoding="utf-8"?>
-<ds:datastoreItem xmlns:ds="http://schemas.openxmlformats.org/officeDocument/2006/customXml" ds:itemID="{1D176834-956F-4505-BD61-698C091AD5AA}">
+<ds:datastoreItem xmlns:ds="http://schemas.openxmlformats.org/officeDocument/2006/customXml" ds:itemID="{DD040A56-8D6F-4114-A272-42AE3B7D7ECA}">
   <ds:schemaRefs>
-    <ds:schemaRef ds:uri="http://schemas.microsoft.com/sharepoint/v3/contenttype/forms"/>
+    <ds:schemaRef ds:uri="http://schemas.microsoft.com/office/2006/metadata/contentType"/>
+    <ds:schemaRef ds:uri="http://schemas.microsoft.com/office/2006/metadata/properties/metaAttributes"/>
+    <ds:schemaRef ds:uri="http://www.w3.org/2001/XMLSchema"/>
+    <ds:schemaRef ds:uri="http://schemas.microsoft.com/office/2006/metadata/properties"/>
+    <ds:schemaRef ds:uri="http://schemas.openxmlformats.org/package/2006/metadata/core-properties"/>
+    <ds:schemaRef ds:uri="http://purl.org/dc/elements/1.1/"/>
+    <ds:schemaRef ds:uri="http://purl.org/dc/terms/"/>
+    <ds:schemaRef ds:uri="http://schemas.microsoft.com/internal/obd"/>
+    <ds:schemaRef ds:uri="http://schemas.microsoft.com/office/infopath/2007/PartnerControls"/>
   </ds:schemaRefs>
 </ds:datastoreItem>
 </file>
@@ -17387,17 +17697,9 @@
 </file>
 
 <file path=customXml/itemProps3.xml><?xml version="1.0" encoding="utf-8"?>
-<ds:datastoreItem xmlns:ds="http://schemas.openxmlformats.org/officeDocument/2006/customXml" ds:itemID="{DD040A56-8D6F-4114-A272-42AE3B7D7ECA}">
+<ds:datastoreItem xmlns:ds="http://schemas.openxmlformats.org/officeDocument/2006/customXml" ds:itemID="{1D176834-956F-4505-BD61-698C091AD5AA}">
   <ds:schemaRefs>
-    <ds:schemaRef ds:uri="http://schemas.microsoft.com/office/2006/metadata/contentType"/>
-    <ds:schemaRef ds:uri="http://schemas.microsoft.com/office/2006/metadata/properties/metaAttributes"/>
-    <ds:schemaRef ds:uri="http://www.w3.org/2001/XMLSchema"/>
-    <ds:schemaRef ds:uri="http://schemas.microsoft.com/office/2006/metadata/properties"/>
-    <ds:schemaRef ds:uri="http://schemas.openxmlformats.org/package/2006/metadata/core-properties"/>
-    <ds:schemaRef ds:uri="http://purl.org/dc/elements/1.1/"/>
-    <ds:schemaRef ds:uri="http://purl.org/dc/terms/"/>
-    <ds:schemaRef ds:uri="http://schemas.microsoft.com/internal/obd"/>
-    <ds:schemaRef ds:uri="http://schemas.microsoft.com/office/infopath/2007/PartnerControls"/>
+    <ds:schemaRef ds:uri="http://schemas.microsoft.com/sharepoint/v3/contenttype/forms"/>
   </ds:schemaRefs>
 </ds:datastoreItem>
 </file>
--- a/genie_python_and_ibex/genie_python_and_ibex.pptx
+++ b/genie_python_and_ibex/genie_python_and_ibex.pptx
@@ -253,7 +253,7 @@
           <a:p>
             <a:fld id="{0DA9C53C-B82A-4351-B1EF-A4391C7B86A2}" type="datetimeFigureOut">
               <a:rPr lang="en-GB" smtClean="0"/>
-              <a:t>18/07/2017</a:t>
+              <a:t>19/07/2017</a:t>
             </a:fld>
             <a:endParaRPr lang="en-GB" dirty="0"/>
           </a:p>
@@ -2403,7 +2403,7 @@
               <a:t> our old </a:t>
             </a:r>
             <a:r>
-              <a:rPr lang="en-GB" sz="1200" b="0" i="0" kern="1200" baseline="0" dirty="0" err="1" smtClean="0">
+              <a:rPr lang="en-GB" sz="1200" b="0" i="0" kern="1200" baseline="0" dirty="0" smtClean="0">
                 <a:solidFill>
                   <a:schemeClr val="tx1"/>
                 </a:solidFill>
@@ -2412,7 +2412,7 @@
                 <a:ea typeface="+mn-ea"/>
                 <a:cs typeface="+mn-cs"/>
               </a:rPr>
-              <a:t>OpenGENIE</a:t>
+              <a:t> Open GENIE </a:t>
             </a:r>
             <a:r>
               <a:rPr lang="en-GB" sz="1200" b="0" i="0" kern="1200" baseline="0" dirty="0" smtClean="0">
@@ -2424,7 +2424,7 @@
                 <a:ea typeface="+mn-ea"/>
                 <a:cs typeface="+mn-cs"/>
               </a:rPr>
-              <a:t> scripts to </a:t>
+              <a:t>scripts to </a:t>
             </a:r>
             <a:r>
               <a:rPr lang="en-GB" sz="1200" b="0" i="0" kern="1200" baseline="0" dirty="0" err="1" smtClean="0">
@@ -2987,7 +2987,15 @@
             </a:pPr>
             <a:r>
               <a:rPr lang="en-GB" b="0" dirty="0" smtClean="0"/>
-              <a:t>See https://github.com/ISISComputingGroup/ibex_user_manual/wiki/genie_python-and-Ibex-%28Exercise-solutions%29</a:t>
+              <a:t>See https://</a:t>
+            </a:r>
+            <a:r>
+              <a:rPr lang="en-GB" b="0" dirty="0" smtClean="0"/>
+              <a:t>github.com/ISISComputingGroup/IBEX_user_manual/wiki/genie_python-and-IBEX-</a:t>
+            </a:r>
+            <a:r>
+              <a:rPr lang="en-GB" b="0" dirty="0" smtClean="0"/>
+              <a:t>%28Exercise-solutions%29</a:t>
             </a:r>
           </a:p>
         </p:txBody>
@@ -3709,8 +3717,21 @@
             </a:pPr>
             <a:r>
               <a:rPr lang="en-GB" b="0" dirty="0" smtClean="0"/>
-              <a:t>https://github.com/ISISComputingGroup/ibex_user_manual/wiki/genie_python-and-Ibex-%28Converting-from-OpenGENIE%29</a:t>
-            </a:r>
+              <a:t>https://</a:t>
+            </a:r>
+            <a:r>
+              <a:rPr lang="en-GB" b="0" dirty="0" smtClean="0"/>
+              <a:t>github.com/ISISComputingGroup/IBEX_user_manual/wiki/genie_python-and-IBEX-</a:t>
+            </a:r>
+            <a:r>
+              <a:rPr lang="en-GB" b="0" dirty="0" smtClean="0"/>
+              <a:t>%</a:t>
+            </a:r>
+            <a:r>
+              <a:rPr lang="en-GB" b="0" dirty="0" smtClean="0"/>
+              <a:t>28Converting-from- Open GENIE%29</a:t>
+            </a:r>
+            <a:endParaRPr lang="en-GB" b="0" dirty="0" smtClean="0"/>
           </a:p>
         </p:txBody>
       </p:sp>
@@ -4068,7 +4089,43 @@
                 <a:ea typeface="+mn-ea"/>
                 <a:cs typeface="+mn-cs"/>
               </a:rPr>
-              <a:t>Full conversion steps at: https://github.com/ISISComputingGroup/ibex_user_manual/wiki/genie_python-and-Ibex-%28Converting-from-OpenGENIE%29</a:t>
+              <a:t>Full conversion steps at: https://</a:t>
+            </a:r>
+            <a:r>
+              <a:rPr lang="en-GB" sz="1200" b="0" i="0" kern="1200" dirty="0" smtClean="0">
+                <a:solidFill>
+                  <a:schemeClr val="tx1"/>
+                </a:solidFill>
+                <a:effectLst/>
+                <a:latin typeface="+mn-lt"/>
+                <a:ea typeface="+mn-ea"/>
+                <a:cs typeface="+mn-cs"/>
+              </a:rPr>
+              <a:t>github.com/ISISComputingGroup/IBEX_user_manual/wiki/genie_python-and-IBEX-</a:t>
+            </a:r>
+            <a:r>
+              <a:rPr lang="en-GB" sz="1200" b="0" i="0" kern="1200" dirty="0" smtClean="0">
+                <a:solidFill>
+                  <a:schemeClr val="tx1"/>
+                </a:solidFill>
+                <a:effectLst/>
+                <a:latin typeface="+mn-lt"/>
+                <a:ea typeface="+mn-ea"/>
+                <a:cs typeface="+mn-cs"/>
+              </a:rPr>
+              <a:t>%</a:t>
+            </a:r>
+            <a:r>
+              <a:rPr lang="en-GB" sz="1200" b="0" i="0" kern="1200" dirty="0" smtClean="0">
+                <a:solidFill>
+                  <a:schemeClr val="tx1"/>
+                </a:solidFill>
+                <a:effectLst/>
+                <a:latin typeface="+mn-lt"/>
+                <a:ea typeface="+mn-ea"/>
+                <a:cs typeface="+mn-cs"/>
+              </a:rPr>
+              <a:t>28Converting-from- Open GENIE%29</a:t>
             </a:r>
             <a:endParaRPr lang="en-GB" sz="1200" b="0" i="0" kern="1200" dirty="0">
               <a:solidFill>
@@ -4176,7 +4233,31 @@
                 <a:ea typeface="+mn-ea"/>
                 <a:cs typeface="+mn-cs"/>
               </a:rPr>
-              <a:t>https://github.com/ISISComputingGroup/ibex_user_manual/wiki/genie_python-and-Ibex-%28Exercise-solutions%29</a:t>
+              <a:t>https://</a:t>
+            </a:r>
+            <a:r>
+              <a:rPr lang="en-GB" sz="1200" b="0" i="0" kern="1200" dirty="0" smtClean="0">
+                <a:solidFill>
+                  <a:schemeClr val="tx1"/>
+                </a:solidFill>
+                <a:effectLst/>
+                <a:latin typeface="+mn-lt"/>
+                <a:ea typeface="+mn-ea"/>
+                <a:cs typeface="+mn-cs"/>
+              </a:rPr>
+              <a:t>github.com/ISISComputingGroup/IBEX_user_manual/wiki/genie_python-and-IBEX-</a:t>
+            </a:r>
+            <a:r>
+              <a:rPr lang="en-GB" sz="1200" b="0" i="0" kern="1200" dirty="0" smtClean="0">
+                <a:solidFill>
+                  <a:schemeClr val="tx1"/>
+                </a:solidFill>
+                <a:effectLst/>
+                <a:latin typeface="+mn-lt"/>
+                <a:ea typeface="+mn-ea"/>
+                <a:cs typeface="+mn-cs"/>
+              </a:rPr>
+              <a:t>%28Exercise-solutions%29</a:t>
             </a:r>
           </a:p>
           <a:p>
@@ -4460,14 +4541,8 @@
                 <a:ea typeface="+mn-ea"/>
                 <a:cs typeface="+mn-cs"/>
               </a:rPr>
-              <a:t> commands is from the scripting perspective of the Ibex client.</a:t>
-            </a:r>
-          </a:p>
-          <a:p>
-            <a:pPr marL="171450" indent="-171450">
-              <a:buFontTx/>
-              <a:buChar char="-"/>
-            </a:pPr>
+              <a:t> commands is from the scripting perspective of the </a:t>
+            </a:r>
             <a:r>
               <a:rPr lang="en-GB" sz="1200" b="0" i="0" kern="1200" dirty="0" smtClean="0">
                 <a:solidFill>
@@ -4478,14 +4553,8 @@
                 <a:ea typeface="+mn-ea"/>
                 <a:cs typeface="+mn-cs"/>
               </a:rPr>
-              <a:t>To open a scripting window:</a:t>
-            </a:r>
-          </a:p>
-          <a:p>
-            <a:pPr marL="628650" lvl="1" indent="-171450">
-              <a:buFontTx/>
-              <a:buChar char="-"/>
-            </a:pPr>
+              <a:t>IBEX </a:t>
+            </a:r>
             <a:r>
               <a:rPr lang="en-GB" sz="1200" b="0" i="0" kern="1200" dirty="0" smtClean="0">
                 <a:solidFill>
@@ -4496,7 +4565,67 @@
                 <a:ea typeface="+mn-ea"/>
                 <a:cs typeface="+mn-cs"/>
               </a:rPr>
-              <a:t>Start the Ibex client </a:t>
+              <a:t>client.</a:t>
+            </a:r>
+          </a:p>
+          <a:p>
+            <a:pPr marL="171450" indent="-171450">
+              <a:buFontTx/>
+              <a:buChar char="-"/>
+            </a:pPr>
+            <a:r>
+              <a:rPr lang="en-GB" sz="1200" b="0" i="0" kern="1200" dirty="0" smtClean="0">
+                <a:solidFill>
+                  <a:schemeClr val="tx1"/>
+                </a:solidFill>
+                <a:effectLst/>
+                <a:latin typeface="+mn-lt"/>
+                <a:ea typeface="+mn-ea"/>
+                <a:cs typeface="+mn-cs"/>
+              </a:rPr>
+              <a:t>To open a scripting window:</a:t>
+            </a:r>
+          </a:p>
+          <a:p>
+            <a:pPr marL="628650" lvl="1" indent="-171450">
+              <a:buFontTx/>
+              <a:buChar char="-"/>
+            </a:pPr>
+            <a:r>
+              <a:rPr lang="en-GB" sz="1200" b="0" i="0" kern="1200" dirty="0" smtClean="0">
+                <a:solidFill>
+                  <a:schemeClr val="tx1"/>
+                </a:solidFill>
+                <a:effectLst/>
+                <a:latin typeface="+mn-lt"/>
+                <a:ea typeface="+mn-ea"/>
+                <a:cs typeface="+mn-cs"/>
+              </a:rPr>
+              <a:t>Start the </a:t>
+            </a:r>
+            <a:r>
+              <a:rPr lang="en-GB" sz="1200" b="0" i="0" kern="1200" dirty="0" smtClean="0">
+                <a:solidFill>
+                  <a:schemeClr val="tx1"/>
+                </a:solidFill>
+                <a:effectLst/>
+                <a:latin typeface="+mn-lt"/>
+                <a:ea typeface="+mn-ea"/>
+                <a:cs typeface="+mn-cs"/>
+              </a:rPr>
+              <a:t>IBEX </a:t>
+            </a:r>
+            <a:r>
+              <a:rPr lang="en-GB" sz="1200" b="0" i="0" kern="1200" dirty="0" smtClean="0">
+                <a:solidFill>
+                  <a:schemeClr val="tx1"/>
+                </a:solidFill>
+                <a:effectLst/>
+                <a:latin typeface="+mn-lt"/>
+                <a:ea typeface="+mn-ea"/>
+                <a:cs typeface="+mn-cs"/>
+              </a:rPr>
+              <a:t>client </a:t>
             </a:r>
           </a:p>
           <a:p>
@@ -5625,7 +5754,7 @@
               <a:pPr>
                 <a:defRPr/>
               </a:pPr>
-              <a:t>18/07/2017</a:t>
+              <a:t>19/07/2017</a:t>
             </a:fld>
             <a:endParaRPr lang="en-GB" dirty="0"/>
           </a:p>
@@ -5822,7 +5951,7 @@
               <a:pPr>
                 <a:defRPr/>
               </a:pPr>
-              <a:t>18/07/2017</a:t>
+              <a:t>19/07/2017</a:t>
             </a:fld>
             <a:endParaRPr lang="en-GB" dirty="0"/>
           </a:p>
@@ -6029,7 +6158,7 @@
               <a:pPr>
                 <a:defRPr/>
               </a:pPr>
-              <a:t>18/07/2017</a:t>
+              <a:t>19/07/2017</a:t>
             </a:fld>
             <a:endParaRPr lang="en-GB" dirty="0"/>
           </a:p>
@@ -6226,7 +6355,7 @@
               <a:pPr>
                 <a:defRPr/>
               </a:pPr>
-              <a:t>18/07/2017</a:t>
+              <a:t>19/07/2017</a:t>
             </a:fld>
             <a:endParaRPr lang="en-GB" dirty="0"/>
           </a:p>
@@ -6499,7 +6628,7 @@
               <a:pPr>
                 <a:defRPr/>
               </a:pPr>
-              <a:t>18/07/2017</a:t>
+              <a:t>19/07/2017</a:t>
             </a:fld>
             <a:endParaRPr lang="en-GB" dirty="0"/>
           </a:p>
@@ -6814,7 +6943,7 @@
               <a:pPr>
                 <a:defRPr/>
               </a:pPr>
-              <a:t>18/07/2017</a:t>
+              <a:t>19/07/2017</a:t>
             </a:fld>
             <a:endParaRPr lang="en-GB" dirty="0"/>
           </a:p>
@@ -7263,7 +7392,7 @@
               <a:pPr>
                 <a:defRPr/>
               </a:pPr>
-              <a:t>18/07/2017</a:t>
+              <a:t>19/07/2017</a:t>
             </a:fld>
             <a:endParaRPr lang="en-GB" dirty="0"/>
           </a:p>
@@ -7408,7 +7537,7 @@
               <a:pPr>
                 <a:defRPr/>
               </a:pPr>
-              <a:t>18/07/2017</a:t>
+              <a:t>19/07/2017</a:t>
             </a:fld>
             <a:endParaRPr lang="en-GB" dirty="0"/>
           </a:p>
@@ -7530,7 +7659,7 @@
               <a:pPr>
                 <a:defRPr/>
               </a:pPr>
-              <a:t>18/07/2017</a:t>
+              <a:t>19/07/2017</a:t>
             </a:fld>
             <a:endParaRPr lang="en-GB" dirty="0"/>
           </a:p>
@@ -7834,7 +7963,7 @@
               <a:pPr>
                 <a:defRPr/>
               </a:pPr>
-              <a:t>18/07/2017</a:t>
+              <a:t>19/07/2017</a:t>
             </a:fld>
             <a:endParaRPr lang="en-GB" dirty="0"/>
           </a:p>
@@ -8117,7 +8246,7 @@
               <a:pPr>
                 <a:defRPr/>
               </a:pPr>
-              <a:t>18/07/2017</a:t>
+              <a:t>19/07/2017</a:t>
             </a:fld>
             <a:endParaRPr lang="en-GB" dirty="0"/>
           </a:p>
@@ -8412,7 +8541,7 @@
               <a:pPr>
                 <a:defRPr/>
               </a:pPr>
-              <a:t>18/07/2017</a:t>
+              <a:t>19/07/2017</a:t>
             </a:fld>
             <a:endParaRPr lang="en-GB" dirty="0"/>
           </a:p>
@@ -9024,7 +9153,23 @@
                   <a:schemeClr val="tx1"/>
                 </a:solidFill>
               </a:rPr>
-              <a:t> and Ibex</a:t>
+              <a:t> and </a:t>
+            </a:r>
+            <a:r>
+              <a:rPr lang="en-GB" sz="3600" b="1" dirty="0" smtClean="0">
+                <a:solidFill>
+                  <a:schemeClr val="tx1"/>
+                </a:solidFill>
+              </a:rPr>
+              <a:t>IBEX</a:t>
+            </a:r>
+            <a:r>
+              <a:rPr lang="en-GB" sz="3600" b="1" dirty="0" smtClean="0">
+                <a:solidFill>
+                  <a:schemeClr val="tx1"/>
+                </a:solidFill>
+              </a:rPr>
+              <a:t/>
             </a:r>
             <a:br>
               <a:rPr lang="en-GB" sz="3600" b="1" dirty="0" smtClean="0">
@@ -9154,7 +9299,7 @@
       </p:sp>
       <p:pic>
         <p:nvPicPr>
-          <p:cNvPr id="1026" name="Picture 2"/>
+          <p:cNvPr id="3" name="Picture 2"/>
           <p:cNvPicPr>
             <a:picLocks noChangeAspect="1" noChangeArrowheads="1"/>
           </p:cNvPicPr>
@@ -9175,8 +9320,8 @@
         </p:blipFill>
         <p:spPr bwMode="auto">
           <a:xfrm>
-            <a:off x="1187624" y="1556792"/>
-            <a:ext cx="7349428" cy="4476353"/>
+            <a:off x="323528" y="1916832"/>
+            <a:ext cx="8532440" cy="3618187"/>
           </a:xfrm>
           <a:prstGeom prst="rect">
             <a:avLst/>
@@ -9442,27 +9587,7 @@
                 <a:latin typeface="Consolas" panose="020B0609020204030204" pitchFamily="49" charset="0"/>
                 <a:cs typeface="Consolas" panose="020B0609020204030204" pitchFamily="49" charset="0"/>
               </a:rPr>
-              <a:t>c</a:t>
-            </a:r>
-            <a:r>
-              <a:rPr lang="en-GB" sz="1400" dirty="0" err="1">
-                <a:solidFill>
-                  <a:schemeClr val="accent2"/>
-                </a:solidFill>
-                <a:latin typeface="Consolas" panose="020B0609020204030204" pitchFamily="49" charset="0"/>
-                <a:cs typeface="Consolas" panose="020B0609020204030204" pitchFamily="49" charset="0"/>
-              </a:rPr>
-              <a:t>se</a:t>
-            </a:r>
-            <a:r>
-              <a:rPr lang="en-GB" sz="1400" dirty="0" err="1">
-                <a:solidFill>
-                  <a:schemeClr val="accent2"/>
-                </a:solidFill>
-                <a:latin typeface="Consolas" panose="020B0609020204030204" pitchFamily="49" charset="0"/>
-                <a:cs typeface="Consolas" panose="020B0609020204030204" pitchFamily="49" charset="0"/>
-              </a:rPr>
-              <a:t>t</a:t>
+              <a:t>cset</a:t>
             </a:r>
             <a:r>
               <a:rPr lang="en-GB" sz="1400" dirty="0"/>
@@ -9631,17 +9756,7 @@
                 <a:latin typeface="Consolas" panose="020B0609020204030204" pitchFamily="49" charset="0"/>
                 <a:cs typeface="Consolas" panose="020B0609020204030204" pitchFamily="49" charset="0"/>
               </a:rPr>
-              <a:t>=True</a:t>
-            </a:r>
-            <a:r>
-              <a:rPr lang="en-GB" sz="1400" dirty="0">
-                <a:solidFill>
-                  <a:schemeClr val="accent2"/>
-                </a:solidFill>
-                <a:latin typeface="Consolas" panose="020B0609020204030204" pitchFamily="49" charset="0"/>
-                <a:cs typeface="Consolas" panose="020B0609020204030204" pitchFamily="49" charset="0"/>
-              </a:rPr>
-              <a:t>)</a:t>
+              <a:t>=True)</a:t>
             </a:r>
           </a:p>
           <a:p>
@@ -10225,27 +10340,7 @@
                 <a:latin typeface="Consolas" panose="020B0609020204030204" pitchFamily="49" charset="0"/>
                 <a:cs typeface="Consolas" panose="020B0609020204030204" pitchFamily="49" charset="0"/>
               </a:rPr>
-              <a:t>(“Adrian </a:t>
-            </a:r>
-            <a:r>
-              <a:rPr lang="en-GB" dirty="0">
-                <a:solidFill>
-                  <a:schemeClr val="accent2"/>
-                </a:solidFill>
-                <a:latin typeface="Consolas" panose="020B0609020204030204" pitchFamily="49" charset="0"/>
-                <a:cs typeface="Consolas" panose="020B0609020204030204" pitchFamily="49" charset="0"/>
-              </a:rPr>
-              <a:t>and John</a:t>
-            </a:r>
-            <a:r>
-              <a:rPr lang="en-GB" dirty="0">
-                <a:solidFill>
-                  <a:schemeClr val="accent2"/>
-                </a:solidFill>
-                <a:latin typeface="Consolas" panose="020B0609020204030204" pitchFamily="49" charset="0"/>
-                <a:cs typeface="Consolas" panose="020B0609020204030204" pitchFamily="49" charset="0"/>
-              </a:rPr>
-              <a:t>")</a:t>
+              <a:t>(“Adrian and John")</a:t>
             </a:r>
           </a:p>
           <a:p>
@@ -10989,7 +11084,7 @@
             </a:pPr>
             <a:r>
               <a:rPr lang="en-GB" dirty="0" smtClean="0"/>
-              <a:t>Ibex </a:t>
+              <a:t>IBEX </a:t>
             </a:r>
             <a:r>
               <a:rPr lang="en-GB" dirty="0"/>
@@ -11708,17 +11803,7 @@
                 <a:latin typeface="Consolas" panose="020B0609020204030204" pitchFamily="49" charset="0"/>
                 <a:cs typeface="Consolas" panose="020B0609020204030204" pitchFamily="49" charset="0"/>
               </a:rPr>
-              <a:t>('C:\script\my_script.py</a:t>
-            </a:r>
-            <a:r>
-              <a:rPr lang="en-GB" sz="2400" dirty="0">
-                <a:solidFill>
-                  <a:schemeClr val="accent2"/>
-                </a:solidFill>
-                <a:latin typeface="Consolas" panose="020B0609020204030204" pitchFamily="49" charset="0"/>
-                <a:cs typeface="Consolas" panose="020B0609020204030204" pitchFamily="49" charset="0"/>
-              </a:rPr>
-              <a:t>')</a:t>
+              <a:t>('C:\script\my_script.py')</a:t>
             </a:r>
           </a:p>
           <a:p>
@@ -11840,7 +11925,7 @@
         <p:spPr>
           <a:xfrm>
             <a:off x="395536" y="1844824"/>
-            <a:ext cx="8496944" cy="2677656"/>
+            <a:ext cx="8496944" cy="3046988"/>
           </a:xfrm>
           <a:prstGeom prst="rect">
             <a:avLst/>
@@ -11917,11 +12002,7 @@
             </a:r>
             <a:r>
               <a:rPr lang="en-GB" sz="2400" dirty="0" smtClean="0"/>
-              <a:t>, for </a:t>
-            </a:r>
-            <a:r>
-              <a:rPr lang="en-GB" sz="2400" dirty="0" smtClean="0"/>
-              <a:t>example:</a:t>
+              <a:t>, for example:</a:t>
             </a:r>
           </a:p>
           <a:p>
@@ -11949,13 +12030,6 @@
               </a:rPr>
               <a:t>("MY_BLOCK") </a:t>
             </a:r>
-            <a:endParaRPr lang="en-GB" sz="2400" dirty="0">
-              <a:solidFill>
-                <a:schemeClr val="accent2"/>
-              </a:solidFill>
-              <a:latin typeface="Consolas" panose="020B0609020204030204" pitchFamily="49" charset="0"/>
-              <a:cs typeface="Consolas" panose="020B0609020204030204" pitchFamily="49" charset="0"/>
-            </a:endParaRPr>
           </a:p>
           <a:p>
             <a:pPr marL="342900" indent="-342900">
@@ -11967,8 +12041,12 @@
               <a:t>The </a:t>
             </a:r>
             <a:r>
+              <a:rPr lang="en-GB" sz="2400" dirty="0" smtClean="0"/>
+              <a:t>IBEX </a:t>
+            </a:r>
+            <a:r>
               <a:rPr lang="en-GB" sz="2400" dirty="0"/>
-              <a:t>Ibex scripting perspective will provide auto-completion for instrument methods so you can see what is </a:t>
+              <a:t>scripting perspective will provide auto-completion for instrument methods so you can see what is </a:t>
             </a:r>
             <a:r>
               <a:rPr lang="en-GB" sz="2400" dirty="0" smtClean="0"/>
@@ -12127,8 +12205,8 @@
               <a:t>Converting from </a:t>
             </a:r>
             <a:r>
-              <a:rPr lang="en-GB" dirty="0" err="1" smtClean="0"/>
-              <a:t>OpenGENIE</a:t>
+              <a:rPr lang="en-GB" dirty="0" smtClean="0"/>
+              <a:t> Open GENIE</a:t>
             </a:r>
             <a:endParaRPr lang="en-GB" dirty="0" smtClean="0"/>
           </a:p>
@@ -13354,8 +13432,8 @@
               <a:t>Converting from </a:t>
             </a:r>
             <a:r>
-              <a:rPr lang="en-GB" dirty="0" err="1" smtClean="0"/>
-              <a:t>OpenGENIE</a:t>
+              <a:rPr lang="en-GB" dirty="0" smtClean="0"/>
+              <a:t> Open GENIE</a:t>
             </a:r>
             <a:r>
               <a:rPr lang="en-GB" dirty="0" smtClean="0"/>
@@ -13580,8 +13658,8 @@
               <a:t>Converting from </a:t>
             </a:r>
             <a:r>
-              <a:rPr lang="en-GB" dirty="0" err="1" smtClean="0"/>
-              <a:t>OpenGENIE</a:t>
+              <a:rPr lang="en-GB" dirty="0" smtClean="0"/>
+              <a:t> Open GENIE</a:t>
             </a:r>
             <a:r>
               <a:rPr lang="en-GB" dirty="0" smtClean="0"/>
@@ -13806,8 +13884,8 @@
               <a:t>Converting from </a:t>
             </a:r>
             <a:r>
-              <a:rPr lang="en-GB" dirty="0" err="1" smtClean="0"/>
-              <a:t>OpenGENIE</a:t>
+              <a:rPr lang="en-GB" dirty="0" smtClean="0"/>
+              <a:t> Open GENIE</a:t>
             </a:r>
             <a:r>
               <a:rPr lang="en-GB" dirty="0" smtClean="0"/>
@@ -14032,8 +14110,8 @@
               <a:t>Converting from </a:t>
             </a:r>
             <a:r>
-              <a:rPr lang="en-GB" dirty="0" err="1" smtClean="0"/>
-              <a:t>OpenGENIE</a:t>
+              <a:rPr lang="en-GB" dirty="0" smtClean="0"/>
+              <a:t> Open GENIE</a:t>
             </a:r>
             <a:r>
               <a:rPr lang="en-GB" dirty="0" smtClean="0"/>
@@ -14258,8 +14336,8 @@
               <a:t>Converting from </a:t>
             </a:r>
             <a:r>
-              <a:rPr lang="en-GB" dirty="0" err="1" smtClean="0"/>
-              <a:t>OpenGENIE</a:t>
+              <a:rPr lang="en-GB" dirty="0" smtClean="0"/>
+              <a:t> Open GENIE</a:t>
             </a:r>
             <a:r>
               <a:rPr lang="en-GB" dirty="0" smtClean="0"/>
@@ -14307,8 +14385,8 @@
               <a:t>The majority of </a:t>
             </a:r>
             <a:r>
-              <a:rPr lang="en-GB" dirty="0" err="1"/>
-              <a:t>OpenGENIE</a:t>
+              <a:rPr lang="en-GB" dirty="0" smtClean="0"/>
+              <a:t> Open GENIE</a:t>
             </a:r>
             <a:r>
               <a:rPr lang="en-GB" dirty="0"/>
@@ -14410,13 +14488,6 @@
               </a:rPr>
               <a:t>(“New title”)</a:t>
             </a:r>
-            <a:endParaRPr lang="en-GB" dirty="0">
-              <a:solidFill>
-                <a:schemeClr val="accent2"/>
-              </a:solidFill>
-              <a:latin typeface="Consolas" panose="020B0609020204030204" pitchFamily="49" charset="0"/>
-              <a:cs typeface="Consolas" panose="020B0609020204030204" pitchFamily="49" charset="0"/>
-            </a:endParaRPr>
           </a:p>
           <a:p>
             <a:pPr marL="342900" indent="-342900">
@@ -14436,12 +14507,8 @@
               <a:t> </a:t>
             </a:r>
             <a:r>
-              <a:rPr lang="en-GB" dirty="0" err="1" smtClean="0"/>
-              <a:t>OpenGENIE</a:t>
-            </a:r>
-            <a:r>
-              <a:rPr lang="en-GB" dirty="0"/>
-              <a:t> </a:t>
+              <a:rPr lang="en-GB" dirty="0" smtClean="0"/>
+              <a:t> Open GENIE </a:t>
             </a:r>
             <a:r>
               <a:rPr lang="en-GB" dirty="0" smtClean="0"/>
@@ -14473,17 +14540,7 @@
                 <a:latin typeface="Consolas" panose="020B0609020204030204" pitchFamily="49" charset="0"/>
                 <a:cs typeface="Consolas" panose="020B0609020204030204" pitchFamily="49" charset="0"/>
               </a:rPr>
-              <a:t>CSET/CONTROL TEMP1=5 LOWLIMIT=1 </a:t>
-            </a:r>
-            <a:r>
-              <a:rPr lang="en-GB" dirty="0">
-                <a:solidFill>
-                  <a:schemeClr val="accent4"/>
-                </a:solidFill>
-                <a:latin typeface="Consolas" panose="020B0609020204030204" pitchFamily="49" charset="0"/>
-                <a:cs typeface="Consolas" panose="020B0609020204030204" pitchFamily="49" charset="0"/>
-              </a:rPr>
-              <a:t>HIGHLIMIT=10</a:t>
+              <a:t>CSET/CONTROL TEMP1=5 LOWLIMIT=1 HIGHLIMIT=10</a:t>
             </a:r>
             <a:r>
               <a:rPr lang="en-GB" i="1" dirty="0" smtClean="0"/>
@@ -14633,8 +14690,8 @@
               <a:t>Converting from </a:t>
             </a:r>
             <a:r>
-              <a:rPr lang="en-GB" dirty="0" err="1" smtClean="0"/>
-              <a:t>OpenGENIE</a:t>
+              <a:rPr lang="en-GB" dirty="0" smtClean="0"/>
+              <a:t> Open GENIE</a:t>
             </a:r>
             <a:r>
               <a:rPr lang="en-GB" dirty="0" smtClean="0"/>
@@ -14810,15 +14867,7 @@
                   <a:srgbClr val="00B050"/>
                 </a:solidFill>
               </a:rPr>
-              <a:t>Tasks in </a:t>
-            </a:r>
-            <a:r>
-              <a:rPr lang="en-GB" i="1" dirty="0" smtClean="0">
-                <a:solidFill>
-                  <a:srgbClr val="00B050"/>
-                </a:solidFill>
-              </a:rPr>
-              <a:t>green</a:t>
+              <a:t>Tasks in green</a:t>
             </a:r>
           </a:p>
           <a:p>
@@ -14841,18 +14890,22 @@
           <a:p>
             <a:pPr lvl="1"/>
             <a:r>
-              <a:rPr lang="en-GB" dirty="0" err="1">
+              <a:rPr lang="en-GB" dirty="0" smtClean="0">
                 <a:solidFill>
                   <a:schemeClr val="accent4"/>
                 </a:solidFill>
                 <a:latin typeface="Consolas" panose="020B0609020204030204" pitchFamily="49" charset="0"/>
                 <a:cs typeface="Consolas" panose="020B0609020204030204" pitchFamily="49" charset="0"/>
               </a:rPr>
-              <a:t>OPENGenie</a:t>
+              <a:t> Open GENIE</a:t>
+            </a:r>
+            <a:r>
+              <a:rPr lang="en-GB" dirty="0" smtClean="0"/>
+              <a:t> </a:t>
             </a:r>
             <a:r>
               <a:rPr lang="en-GB" dirty="0"/>
-              <a:t> code is in purple</a:t>
+              <a:t>code is in purple</a:t>
             </a:r>
           </a:p>
           <a:p>
@@ -14942,8 +14995,8 @@
               <a:t>Converting from </a:t>
             </a:r>
             <a:r>
-              <a:rPr lang="en-GB" dirty="0" err="1" smtClean="0"/>
-              <a:t>OpenGENIE</a:t>
+              <a:rPr lang="en-GB" dirty="0" smtClean="0"/>
+              <a:t> Open GENIE</a:t>
             </a:r>
             <a:r>
               <a:rPr lang="en-GB" dirty="0" smtClean="0"/>
@@ -15079,8 +15132,8 @@
               <a:t>Converting from </a:t>
             </a:r>
             <a:r>
-              <a:rPr lang="en-GB" dirty="0" err="1" smtClean="0"/>
-              <a:t>OpenGENIE</a:t>
+              <a:rPr lang="en-GB" dirty="0" smtClean="0"/>
+              <a:t> Open GENIE</a:t>
             </a:r>
             <a:r>
               <a:rPr lang="en-GB" dirty="0" smtClean="0"/>
@@ -15261,7 +15314,7 @@
               <a:rPr lang="en-GB" sz="2000" u="sng" dirty="0" smtClean="0">
                 <a:hlinkClick r:id="rId4"/>
               </a:rPr>
-              <a:t>shadow.nd.rl.ac.uk/ibex_user_manual/Home</a:t>
+              <a:t>shadow.nd.rl.ac.uk/IBEX_user_manual/Home</a:t>
             </a:r>
             <a:endParaRPr lang="en-GB" sz="2000" u="sng" dirty="0"/>
           </a:p>
@@ -15279,7 +15332,19 @@
               <a:rPr lang="en-GB" sz="2000" u="sng" dirty="0">
                 <a:hlinkClick r:id="rId5"/>
               </a:rPr>
-              <a:t>http://shadow.nd.rl.ac.uk/ibex_user_manual/genie_python-and-Ibex-(Introduction</a:t>
+              <a:t>http://</a:t>
+            </a:r>
+            <a:r>
+              <a:rPr lang="en-GB" sz="2000" u="sng" dirty="0" smtClean="0">
+                <a:hlinkClick r:id="rId5"/>
+              </a:rPr>
+              <a:t>shadow.nd.rl.ac.uk/IBEX_user_manual/genie_python-and-IBEX-</a:t>
+            </a:r>
+            <a:r>
+              <a:rPr lang="en-GB" sz="2000" u="sng" dirty="0">
+                <a:hlinkClick r:id="rId5"/>
+              </a:rPr>
+              <a:t>(Introduction</a:t>
             </a:r>
             <a:r>
               <a:rPr lang="en-GB" sz="2000" u="sng" dirty="0" smtClean="0">
@@ -15469,8 +15534,21 @@
                   <a:srgbClr val="00B050"/>
                 </a:solidFill>
               </a:rPr>
-              <a:t>a scripting window in Ibex</a:t>
-            </a:r>
+              <a:t>a scripting window in </a:t>
+            </a:r>
+            <a:r>
+              <a:rPr lang="en-GB" i="1" dirty="0" smtClean="0">
+                <a:solidFill>
+                  <a:srgbClr val="00B050"/>
+                </a:solidFill>
+              </a:rPr>
+              <a:t>IBEX</a:t>
+            </a:r>
+            <a:endParaRPr lang="en-GB" i="1" dirty="0">
+              <a:solidFill>
+                <a:srgbClr val="00B050"/>
+              </a:solidFill>
+            </a:endParaRPr>
           </a:p>
           <a:p>
             <a:pPr marL="285750" indent="-285750">
@@ -15851,27 +15929,7 @@
                 <a:latin typeface="Consolas" panose="020B0609020204030204" pitchFamily="49" charset="0"/>
                 <a:cs typeface="Consolas" panose="020B0609020204030204" pitchFamily="49" charset="0"/>
               </a:rPr>
-              <a:t>(1</a:t>
-            </a:r>
-            <a:r>
-              <a:rPr lang="en-GB" sz="2400" dirty="0">
-                <a:solidFill>
-                  <a:schemeClr val="accent2"/>
-                </a:solidFill>
-                <a:latin typeface="Consolas" panose="020B0609020204030204" pitchFamily="49" charset="0"/>
-                <a:cs typeface="Consolas" panose="020B0609020204030204" pitchFamily="49" charset="0"/>
-              </a:rPr>
-              <a:t>, 2</a:t>
-            </a:r>
-            <a:r>
-              <a:rPr lang="en-GB" sz="2400" dirty="0">
-                <a:solidFill>
-                  <a:schemeClr val="accent2"/>
-                </a:solidFill>
-                <a:latin typeface="Consolas" panose="020B0609020204030204" pitchFamily="49" charset="0"/>
-                <a:cs typeface="Consolas" panose="020B0609020204030204" pitchFamily="49" charset="0"/>
-              </a:rPr>
-              <a:t>)</a:t>
+              <a:t>(1, 2)</a:t>
             </a:r>
           </a:p>
           <a:p>
@@ -15897,27 +15955,7 @@
                 <a:latin typeface="Consolas" panose="020B0609020204030204" pitchFamily="49" charset="0"/>
                 <a:cs typeface="Consolas" panose="020B0609020204030204" pitchFamily="49" charset="0"/>
               </a:rPr>
-              <a:t>(spectrum=1</a:t>
-            </a:r>
-            <a:r>
-              <a:rPr lang="en-GB" sz="2400" dirty="0">
-                <a:solidFill>
-                  <a:schemeClr val="accent2"/>
-                </a:solidFill>
-                <a:latin typeface="Consolas" panose="020B0609020204030204" pitchFamily="49" charset="0"/>
-                <a:cs typeface="Consolas" panose="020B0609020204030204" pitchFamily="49" charset="0"/>
-              </a:rPr>
-              <a:t>, period=2</a:t>
-            </a:r>
-            <a:r>
-              <a:rPr lang="en-GB" sz="2400" dirty="0">
-                <a:solidFill>
-                  <a:schemeClr val="accent2"/>
-                </a:solidFill>
-                <a:latin typeface="Consolas" panose="020B0609020204030204" pitchFamily="49" charset="0"/>
-                <a:cs typeface="Consolas" panose="020B0609020204030204" pitchFamily="49" charset="0"/>
-              </a:rPr>
-              <a:t>)</a:t>
+              <a:t>(spectrum=1, period=2)</a:t>
             </a:r>
           </a:p>
           <a:p>
@@ -15943,27 +15981,7 @@
                 <a:latin typeface="Consolas" panose="020B0609020204030204" pitchFamily="49" charset="0"/>
                 <a:cs typeface="Consolas" panose="020B0609020204030204" pitchFamily="49" charset="0"/>
               </a:rPr>
-              <a:t>(1</a:t>
-            </a:r>
-            <a:r>
-              <a:rPr lang="en-GB" sz="2400" dirty="0">
-                <a:solidFill>
-                  <a:schemeClr val="accent2"/>
-                </a:solidFill>
-                <a:latin typeface="Consolas" panose="020B0609020204030204" pitchFamily="49" charset="0"/>
-                <a:cs typeface="Consolas" panose="020B0609020204030204" pitchFamily="49" charset="0"/>
-              </a:rPr>
-              <a:t>, period=2</a:t>
-            </a:r>
-            <a:r>
-              <a:rPr lang="en-GB" sz="2400" dirty="0">
-                <a:solidFill>
-                  <a:schemeClr val="accent2"/>
-                </a:solidFill>
-                <a:latin typeface="Consolas" panose="020B0609020204030204" pitchFamily="49" charset="0"/>
-                <a:cs typeface="Consolas" panose="020B0609020204030204" pitchFamily="49" charset="0"/>
-              </a:rPr>
-              <a:t>)</a:t>
+              <a:t>(1, period=2)</a:t>
             </a:r>
           </a:p>
           <a:p>
@@ -15989,27 +16007,7 @@
                 <a:latin typeface="Consolas" panose="020B0609020204030204" pitchFamily="49" charset="0"/>
                 <a:cs typeface="Consolas" panose="020B0609020204030204" pitchFamily="49" charset="0"/>
               </a:rPr>
-              <a:t>(period=2</a:t>
-            </a:r>
-            <a:r>
-              <a:rPr lang="en-GB" sz="2400" dirty="0">
-                <a:solidFill>
-                  <a:schemeClr val="accent2"/>
-                </a:solidFill>
-                <a:latin typeface="Consolas" panose="020B0609020204030204" pitchFamily="49" charset="0"/>
-                <a:cs typeface="Consolas" panose="020B0609020204030204" pitchFamily="49" charset="0"/>
-              </a:rPr>
-              <a:t>, </a:t>
-            </a:r>
-            <a:r>
-              <a:rPr lang="en-GB" sz="2400" dirty="0">
-                <a:solidFill>
-                  <a:schemeClr val="accent2"/>
-                </a:solidFill>
-                <a:latin typeface="Consolas" panose="020B0609020204030204" pitchFamily="49" charset="0"/>
-                <a:cs typeface="Consolas" panose="020B0609020204030204" pitchFamily="49" charset="0"/>
-              </a:rPr>
-              <a:t>spectrum=1)</a:t>
+              <a:t>(period=2, spectrum=1)</a:t>
             </a:r>
           </a:p>
           <a:p>
@@ -16043,27 +16041,7 @@
                 <a:latin typeface="Consolas" panose="020B0609020204030204" pitchFamily="49" charset="0"/>
                 <a:cs typeface="Consolas" panose="020B0609020204030204" pitchFamily="49" charset="0"/>
               </a:rPr>
-              <a:t>(2</a:t>
-            </a:r>
-            <a:r>
-              <a:rPr lang="en-GB" sz="2400" dirty="0">
-                <a:solidFill>
-                  <a:schemeClr val="accent2"/>
-                </a:solidFill>
-                <a:latin typeface="Consolas" panose="020B0609020204030204" pitchFamily="49" charset="0"/>
-                <a:cs typeface="Consolas" panose="020B0609020204030204" pitchFamily="49" charset="0"/>
-              </a:rPr>
-              <a:t>, </a:t>
-            </a:r>
-            <a:r>
-              <a:rPr lang="en-GB" sz="2400" dirty="0">
-                <a:solidFill>
-                  <a:schemeClr val="accent2"/>
-                </a:solidFill>
-                <a:latin typeface="Consolas" panose="020B0609020204030204" pitchFamily="49" charset="0"/>
-                <a:cs typeface="Consolas" panose="020B0609020204030204" pitchFamily="49" charset="0"/>
-              </a:rPr>
-              <a:t>spectrum=1) </a:t>
+              <a:t>(2, spectrum=1) </a:t>
             </a:r>
             <a:r>
               <a:rPr lang="en-GB" sz="2400" dirty="0" smtClean="0">
@@ -16113,15 +16091,7 @@
                   <a:srgbClr val="00B050"/>
                 </a:solidFill>
               </a:rPr>
-              <a:t>? </a:t>
-            </a:r>
-            <a:r>
-              <a:rPr lang="en-GB" sz="2400" dirty="0" smtClean="0">
-                <a:solidFill>
-                  <a:srgbClr val="00B050"/>
-                </a:solidFill>
-              </a:rPr>
-              <a:t>Can you think of why you might choose each one?</a:t>
+              <a:t>? Can you think of why you might choose each one?</a:t>
             </a:r>
             <a:endParaRPr lang="en-GB" sz="2400" dirty="0" smtClean="0"/>
           </a:p>
@@ -16436,8 +16406,8 @@
         </p:nvSpPr>
         <p:spPr>
           <a:xfrm>
-            <a:off x="395536" y="1844824"/>
-            <a:ext cx="8496944" cy="4216539"/>
+            <a:off x="395536" y="1772816"/>
+            <a:ext cx="8496944" cy="4524315"/>
           </a:xfrm>
           <a:prstGeom prst="rect">
             <a:avLst/>
@@ -16592,37 +16562,17 @@
                 <a:latin typeface="Consolas" panose="020B0609020204030204" pitchFamily="49" charset="0"/>
                 <a:cs typeface="Consolas" panose="020B0609020204030204" pitchFamily="49" charset="0"/>
               </a:rPr>
-              <a:t>g</a:t>
-            </a:r>
-            <a:r>
-              <a:rPr lang="en-GB" sz="2400" dirty="0" err="1">
+              <a:t>g.waitfor_block</a:t>
+            </a:r>
+            <a:r>
+              <a:rPr lang="en-GB" sz="2400" dirty="0">
                 <a:solidFill>
                   <a:schemeClr val="accent2"/>
                 </a:solidFill>
                 <a:latin typeface="Consolas" panose="020B0609020204030204" pitchFamily="49" charset="0"/>
                 <a:cs typeface="Consolas" panose="020B0609020204030204" pitchFamily="49" charset="0"/>
               </a:rPr>
-              <a:t>.waitfor_block</a:t>
-            </a:r>
-            <a:r>
-              <a:rPr lang="en-GB" sz="2400" dirty="0">
-                <a:solidFill>
-                  <a:schemeClr val="accent2"/>
-                </a:solidFill>
-                <a:latin typeface="Consolas" panose="020B0609020204030204" pitchFamily="49" charset="0"/>
-                <a:cs typeface="Consolas" panose="020B0609020204030204" pitchFamily="49" charset="0"/>
-              </a:rPr>
-              <a:t>("</a:t>
-            </a:r>
-            <a:r>
-              <a:rPr lang="en-GB" sz="2400" dirty="0">
-                <a:solidFill>
-                  <a:schemeClr val="accent2"/>
-                </a:solidFill>
-                <a:latin typeface="Consolas" panose="020B0609020204030204" pitchFamily="49" charset="0"/>
-                <a:cs typeface="Consolas" panose="020B0609020204030204" pitchFamily="49" charset="0"/>
-              </a:rPr>
-              <a:t>MY_BLOCK", </a:t>
+              <a:t>("MY_BLOCK", </a:t>
             </a:r>
             <a:r>
               <a:rPr lang="en-GB" sz="2400" dirty="0" err="1">
@@ -16661,7 +16611,7 @@
               <a:t>g.waitfor_move</a:t>
             </a:r>
             <a:r>
-              <a:rPr lang="en-GB" sz="2400" dirty="0">
+              <a:rPr lang="en-GB" sz="2400" dirty="0" smtClean="0">
                 <a:solidFill>
                   <a:schemeClr val="accent2"/>
                 </a:solidFill>
@@ -16670,6 +16620,39 @@
               </a:rPr>
               <a:t>()</a:t>
             </a:r>
+          </a:p>
+          <a:p>
+            <a:pPr marL="800100" lvl="1" indent="-342900">
+              <a:buFont typeface="Arial" panose="020B0604020202020204" pitchFamily="34" charset="0"/>
+              <a:buChar char="•"/>
+            </a:pPr>
+            <a:r>
+              <a:rPr lang="en-GB" sz="2400" dirty="0" err="1" smtClean="0">
+                <a:solidFill>
+                  <a:schemeClr val="accent2"/>
+                </a:solidFill>
+                <a:latin typeface="Consolas" panose="020B0609020204030204" pitchFamily="49" charset="0"/>
+                <a:cs typeface="Consolas" panose="020B0609020204030204" pitchFamily="49" charset="0"/>
+              </a:rPr>
+              <a:t>g.waitfor_runstate</a:t>
+            </a:r>
+            <a:r>
+              <a:rPr lang="en-GB" sz="2400" dirty="0" smtClean="0">
+                <a:solidFill>
+                  <a:schemeClr val="accent2"/>
+                </a:solidFill>
+                <a:latin typeface="Consolas" panose="020B0609020204030204" pitchFamily="49" charset="0"/>
+                <a:cs typeface="Consolas" panose="020B0609020204030204" pitchFamily="49" charset="0"/>
+              </a:rPr>
+              <a:t>(“Running”, 60)</a:t>
+            </a:r>
+            <a:endParaRPr lang="en-GB" sz="2400" dirty="0">
+              <a:solidFill>
+                <a:schemeClr val="accent2"/>
+              </a:solidFill>
+              <a:latin typeface="Consolas" panose="020B0609020204030204" pitchFamily="49" charset="0"/>
+              <a:cs typeface="Consolas" panose="020B0609020204030204" pitchFamily="49" charset="0"/>
+            </a:endParaRPr>
           </a:p>
           <a:p>
             <a:pPr marL="342900" indent="-342900">

--- a/genie_python_and_ibex/genie_python_and_ibex.pptx
+++ b/genie_python_and_ibex/genie_python_and_ibex.pptx
@@ -253,7 +253,7 @@
           <a:p>
             <a:fld id="{0DA9C53C-B82A-4351-B1EF-A4391C7B86A2}" type="datetimeFigureOut">
               <a:rPr lang="en-GB" smtClean="0"/>
-              <a:t>19/07/2017</a:t>
+              <a:t>25/08/2017</a:t>
             </a:fld>
             <a:endParaRPr lang="en-GB" dirty="0"/>
           </a:p>
@@ -2400,31 +2400,7 @@
                 <a:ea typeface="+mn-ea"/>
                 <a:cs typeface="+mn-cs"/>
               </a:rPr>
-              <a:t> our old </a:t>
-            </a:r>
-            <a:r>
-              <a:rPr lang="en-GB" sz="1200" b="0" i="0" kern="1200" baseline="0" dirty="0" smtClean="0">
-                <a:solidFill>
-                  <a:schemeClr val="tx1"/>
-                </a:solidFill>
-                <a:effectLst/>
-                <a:latin typeface="+mn-lt"/>
-                <a:ea typeface="+mn-ea"/>
-                <a:cs typeface="+mn-cs"/>
-              </a:rPr>
-              <a:t> Open GENIE </a:t>
-            </a:r>
-            <a:r>
-              <a:rPr lang="en-GB" sz="1200" b="0" i="0" kern="1200" baseline="0" dirty="0" smtClean="0">
-                <a:solidFill>
-                  <a:schemeClr val="tx1"/>
-                </a:solidFill>
-                <a:effectLst/>
-                <a:latin typeface="+mn-lt"/>
-                <a:ea typeface="+mn-ea"/>
-                <a:cs typeface="+mn-cs"/>
-              </a:rPr>
-              <a:t>scripts to </a:t>
+              <a:t> our old  Open GENIE scripts to </a:t>
             </a:r>
             <a:r>
               <a:rPr lang="en-GB" sz="1200" b="0" i="0" kern="1200" baseline="0" dirty="0" err="1" smtClean="0">
@@ -2987,15 +2963,7 @@
             </a:pPr>
             <a:r>
               <a:rPr lang="en-GB" b="0" dirty="0" smtClean="0"/>
-              <a:t>See https://</a:t>
-            </a:r>
-            <a:r>
-              <a:rPr lang="en-GB" b="0" dirty="0" smtClean="0"/>
-              <a:t>github.com/ISISComputingGroup/IBEX_user_manual/wiki/genie_python-and-IBEX-</a:t>
-            </a:r>
-            <a:r>
-              <a:rPr lang="en-GB" b="0" dirty="0" smtClean="0"/>
-              <a:t>%28Exercise-solutions%29</a:t>
+              <a:t>See https://github.com/ISISComputingGroup/IBEX_user_manual/wiki/genie_python-and-IBEX-%28Exercise-solutions%29</a:t>
             </a:r>
           </a:p>
         </p:txBody>
@@ -3717,21 +3685,8 @@
             </a:pPr>
             <a:r>
               <a:rPr lang="en-GB" b="0" dirty="0" smtClean="0"/>
-              <a:t>https://</a:t>
-            </a:r>
-            <a:r>
-              <a:rPr lang="en-GB" b="0" dirty="0" smtClean="0"/>
-              <a:t>github.com/ISISComputingGroup/IBEX_user_manual/wiki/genie_python-and-IBEX-</a:t>
-            </a:r>
-            <a:r>
-              <a:rPr lang="en-GB" b="0" dirty="0" smtClean="0"/>
-              <a:t>%</a:t>
-            </a:r>
-            <a:r>
-              <a:rPr lang="en-GB" b="0" dirty="0" smtClean="0"/>
-              <a:t>28Converting-from- Open GENIE%29</a:t>
-            </a:r>
-            <a:endParaRPr lang="en-GB" b="0" dirty="0" smtClean="0"/>
+              <a:t>https://github.com/ISISComputingGroup/IBEX_user_manual/wiki/genie_python-and-IBEX-%28Converting-from- Open GENIE%29</a:t>
+            </a:r>
           </a:p>
         </p:txBody>
       </p:sp>
@@ -4089,43 +4044,7 @@
                 <a:ea typeface="+mn-ea"/>
                 <a:cs typeface="+mn-cs"/>
               </a:rPr>
-              <a:t>Full conversion steps at: https://</a:t>
-            </a:r>
-            <a:r>
-              <a:rPr lang="en-GB" sz="1200" b="0" i="0" kern="1200" dirty="0" smtClean="0">
-                <a:solidFill>
-                  <a:schemeClr val="tx1"/>
-                </a:solidFill>
-                <a:effectLst/>
-                <a:latin typeface="+mn-lt"/>
-                <a:ea typeface="+mn-ea"/>
-                <a:cs typeface="+mn-cs"/>
-              </a:rPr>
-              <a:t>github.com/ISISComputingGroup/IBEX_user_manual/wiki/genie_python-and-IBEX-</a:t>
-            </a:r>
-            <a:r>
-              <a:rPr lang="en-GB" sz="1200" b="0" i="0" kern="1200" dirty="0" smtClean="0">
-                <a:solidFill>
-                  <a:schemeClr val="tx1"/>
-                </a:solidFill>
-                <a:effectLst/>
-                <a:latin typeface="+mn-lt"/>
-                <a:ea typeface="+mn-ea"/>
-                <a:cs typeface="+mn-cs"/>
-              </a:rPr>
-              <a:t>%</a:t>
-            </a:r>
-            <a:r>
-              <a:rPr lang="en-GB" sz="1200" b="0" i="0" kern="1200" dirty="0" smtClean="0">
-                <a:solidFill>
-                  <a:schemeClr val="tx1"/>
-                </a:solidFill>
-                <a:effectLst/>
-                <a:latin typeface="+mn-lt"/>
-                <a:ea typeface="+mn-ea"/>
-                <a:cs typeface="+mn-cs"/>
-              </a:rPr>
-              <a:t>28Converting-from- Open GENIE%29</a:t>
+              <a:t>Full conversion steps at: https://github.com/ISISComputingGroup/IBEX_user_manual/wiki/genie_python-and-IBEX-%28Converting-from- Open GENIE%29</a:t>
             </a:r>
             <a:endParaRPr lang="en-GB" sz="1200" b="0" i="0" kern="1200" dirty="0">
               <a:solidFill>
@@ -4233,31 +4152,7 @@
                 <a:ea typeface="+mn-ea"/>
                 <a:cs typeface="+mn-cs"/>
               </a:rPr>
-              <a:t>https://</a:t>
-            </a:r>
-            <a:r>
-              <a:rPr lang="en-GB" sz="1200" b="0" i="0" kern="1200" dirty="0" smtClean="0">
-                <a:solidFill>
-                  <a:schemeClr val="tx1"/>
-                </a:solidFill>
-                <a:effectLst/>
-                <a:latin typeface="+mn-lt"/>
-                <a:ea typeface="+mn-ea"/>
-                <a:cs typeface="+mn-cs"/>
-              </a:rPr>
-              <a:t>github.com/ISISComputingGroup/IBEX_user_manual/wiki/genie_python-and-IBEX-</a:t>
-            </a:r>
-            <a:r>
-              <a:rPr lang="en-GB" sz="1200" b="0" i="0" kern="1200" dirty="0" smtClean="0">
-                <a:solidFill>
-                  <a:schemeClr val="tx1"/>
-                </a:solidFill>
-                <a:effectLst/>
-                <a:latin typeface="+mn-lt"/>
-                <a:ea typeface="+mn-ea"/>
-                <a:cs typeface="+mn-cs"/>
-              </a:rPr>
-              <a:t>%28Exercise-solutions%29</a:t>
+              <a:t>https://github.com/ISISComputingGroup/IBEX_user_manual/wiki/genie_python-and-IBEX-%28Exercise-solutions%29</a:t>
             </a:r>
           </a:p>
           <a:p>
@@ -4541,8 +4436,14 @@
                 <a:ea typeface="+mn-ea"/>
                 <a:cs typeface="+mn-cs"/>
               </a:rPr>
-              <a:t> commands is from the scripting perspective of the </a:t>
-            </a:r>
+              <a:t> commands is from the scripting perspective of the IBEX client.</a:t>
+            </a:r>
+          </a:p>
+          <a:p>
+            <a:pPr marL="171450" indent="-171450">
+              <a:buFontTx/>
+              <a:buChar char="-"/>
+            </a:pPr>
             <a:r>
               <a:rPr lang="en-GB" sz="1200" b="0" i="0" kern="1200" dirty="0" smtClean="0">
                 <a:solidFill>
@@ -4553,8 +4454,14 @@
                 <a:ea typeface="+mn-ea"/>
                 <a:cs typeface="+mn-cs"/>
               </a:rPr>
-              <a:t>IBEX </a:t>
-            </a:r>
+              <a:t>To open a scripting window:</a:t>
+            </a:r>
+          </a:p>
+          <a:p>
+            <a:pPr marL="628650" lvl="1" indent="-171450">
+              <a:buFontTx/>
+              <a:buChar char="-"/>
+            </a:pPr>
             <a:r>
               <a:rPr lang="en-GB" sz="1200" b="0" i="0" kern="1200" dirty="0" smtClean="0">
                 <a:solidFill>
@@ -4565,67 +4472,7 @@
                 <a:ea typeface="+mn-ea"/>
                 <a:cs typeface="+mn-cs"/>
               </a:rPr>
-              <a:t>client.</a:t>
-            </a:r>
-          </a:p>
-          <a:p>
-            <a:pPr marL="171450" indent="-171450">
-              <a:buFontTx/>
-              <a:buChar char="-"/>
-            </a:pPr>
-            <a:r>
-              <a:rPr lang="en-GB" sz="1200" b="0" i="0" kern="1200" dirty="0" smtClean="0">
-                <a:solidFill>
-                  <a:schemeClr val="tx1"/>
-                </a:solidFill>
-                <a:effectLst/>
-                <a:latin typeface="+mn-lt"/>
-                <a:ea typeface="+mn-ea"/>
-                <a:cs typeface="+mn-cs"/>
-              </a:rPr>
-              <a:t>To open a scripting window:</a:t>
-            </a:r>
-          </a:p>
-          <a:p>
-            <a:pPr marL="628650" lvl="1" indent="-171450">
-              <a:buFontTx/>
-              <a:buChar char="-"/>
-            </a:pPr>
-            <a:r>
-              <a:rPr lang="en-GB" sz="1200" b="0" i="0" kern="1200" dirty="0" smtClean="0">
-                <a:solidFill>
-                  <a:schemeClr val="tx1"/>
-                </a:solidFill>
-                <a:effectLst/>
-                <a:latin typeface="+mn-lt"/>
-                <a:ea typeface="+mn-ea"/>
-                <a:cs typeface="+mn-cs"/>
-              </a:rPr>
-              <a:t>Start the </a:t>
-            </a:r>
-            <a:r>
-              <a:rPr lang="en-GB" sz="1200" b="0" i="0" kern="1200" dirty="0" smtClean="0">
-                <a:solidFill>
-                  <a:schemeClr val="tx1"/>
-                </a:solidFill>
-                <a:effectLst/>
-                <a:latin typeface="+mn-lt"/>
-                <a:ea typeface="+mn-ea"/>
-                <a:cs typeface="+mn-cs"/>
-              </a:rPr>
-              <a:t>IBEX </a:t>
-            </a:r>
-            <a:r>
-              <a:rPr lang="en-GB" sz="1200" b="0" i="0" kern="1200" dirty="0" smtClean="0">
-                <a:solidFill>
-                  <a:schemeClr val="tx1"/>
-                </a:solidFill>
-                <a:effectLst/>
-                <a:latin typeface="+mn-lt"/>
-                <a:ea typeface="+mn-ea"/>
-                <a:cs typeface="+mn-cs"/>
-              </a:rPr>
-              <a:t>client </a:t>
+              <a:t>Start the IBEX client </a:t>
             </a:r>
           </a:p>
           <a:p>
@@ -5754,7 +5601,7 @@
               <a:pPr>
                 <a:defRPr/>
               </a:pPr>
-              <a:t>19/07/2017</a:t>
+              <a:t>25/08/2017</a:t>
             </a:fld>
             <a:endParaRPr lang="en-GB" dirty="0"/>
           </a:p>
@@ -5951,7 +5798,7 @@
               <a:pPr>
                 <a:defRPr/>
               </a:pPr>
-              <a:t>19/07/2017</a:t>
+              <a:t>25/08/2017</a:t>
             </a:fld>
             <a:endParaRPr lang="en-GB" dirty="0"/>
           </a:p>
@@ -6158,7 +6005,7 @@
               <a:pPr>
                 <a:defRPr/>
               </a:pPr>
-              <a:t>19/07/2017</a:t>
+              <a:t>25/08/2017</a:t>
             </a:fld>
             <a:endParaRPr lang="en-GB" dirty="0"/>
           </a:p>
@@ -6355,7 +6202,7 @@
               <a:pPr>
                 <a:defRPr/>
               </a:pPr>
-              <a:t>19/07/2017</a:t>
+              <a:t>25/08/2017</a:t>
             </a:fld>
             <a:endParaRPr lang="en-GB" dirty="0"/>
           </a:p>
@@ -6628,7 +6475,7 @@
               <a:pPr>
                 <a:defRPr/>
               </a:pPr>
-              <a:t>19/07/2017</a:t>
+              <a:t>25/08/2017</a:t>
             </a:fld>
             <a:endParaRPr lang="en-GB" dirty="0"/>
           </a:p>
@@ -6943,7 +6790,7 @@
               <a:pPr>
                 <a:defRPr/>
               </a:pPr>
-              <a:t>19/07/2017</a:t>
+              <a:t>25/08/2017</a:t>
             </a:fld>
             <a:endParaRPr lang="en-GB" dirty="0"/>
           </a:p>
@@ -7392,7 +7239,7 @@
               <a:pPr>
                 <a:defRPr/>
               </a:pPr>
-              <a:t>19/07/2017</a:t>
+              <a:t>25/08/2017</a:t>
             </a:fld>
             <a:endParaRPr lang="en-GB" dirty="0"/>
           </a:p>
@@ -7537,7 +7384,7 @@
               <a:pPr>
                 <a:defRPr/>
               </a:pPr>
-              <a:t>19/07/2017</a:t>
+              <a:t>25/08/2017</a:t>
             </a:fld>
             <a:endParaRPr lang="en-GB" dirty="0"/>
           </a:p>
@@ -7659,7 +7506,7 @@
               <a:pPr>
                 <a:defRPr/>
               </a:pPr>
-              <a:t>19/07/2017</a:t>
+              <a:t>25/08/2017</a:t>
             </a:fld>
             <a:endParaRPr lang="en-GB" dirty="0"/>
           </a:p>
@@ -7963,7 +7810,7 @@
               <a:pPr>
                 <a:defRPr/>
               </a:pPr>
-              <a:t>19/07/2017</a:t>
+              <a:t>25/08/2017</a:t>
             </a:fld>
             <a:endParaRPr lang="en-GB" dirty="0"/>
           </a:p>
@@ -8246,7 +8093,7 @@
               <a:pPr>
                 <a:defRPr/>
               </a:pPr>
-              <a:t>19/07/2017</a:t>
+              <a:t>25/08/2017</a:t>
             </a:fld>
             <a:endParaRPr lang="en-GB" dirty="0"/>
           </a:p>
@@ -8541,7 +8388,7 @@
               <a:pPr>
                 <a:defRPr/>
               </a:pPr>
-              <a:t>19/07/2017</a:t>
+              <a:t>25/08/2017</a:t>
             </a:fld>
             <a:endParaRPr lang="en-GB" dirty="0"/>
           </a:p>
@@ -9153,23 +9000,7 @@
                   <a:schemeClr val="tx1"/>
                 </a:solidFill>
               </a:rPr>
-              <a:t> and </a:t>
-            </a:r>
-            <a:r>
-              <a:rPr lang="en-GB" sz="3600" b="1" dirty="0" smtClean="0">
-                <a:solidFill>
-                  <a:schemeClr val="tx1"/>
-                </a:solidFill>
-              </a:rPr>
-              <a:t>IBEX</a:t>
-            </a:r>
-            <a:r>
-              <a:rPr lang="en-GB" sz="3600" b="1" dirty="0" smtClean="0">
-                <a:solidFill>
-                  <a:schemeClr val="tx1"/>
-                </a:solidFill>
-              </a:rPr>
-              <a:t/>
+              <a:t> and IBEX</a:t>
             </a:r>
             <a:br>
               <a:rPr lang="en-GB" sz="3600" b="1" dirty="0" smtClean="0">
@@ -9299,7 +9130,7 @@
       </p:sp>
       <p:pic>
         <p:nvPicPr>
-          <p:cNvPr id="3" name="Picture 2"/>
+          <p:cNvPr id="1026" name="Picture 2"/>
           <p:cNvPicPr>
             <a:picLocks noChangeAspect="1" noChangeArrowheads="1"/>
           </p:cNvPicPr>
@@ -9320,8 +9151,8 @@
         </p:blipFill>
         <p:spPr bwMode="auto">
           <a:xfrm>
-            <a:off x="323528" y="1916832"/>
-            <a:ext cx="8532440" cy="3618187"/>
+            <a:off x="179512" y="1916832"/>
+            <a:ext cx="8748464" cy="3751652"/>
           </a:xfrm>
           <a:prstGeom prst="rect">
             <a:avLst/>
@@ -12038,11 +11869,7 @@
             </a:pPr>
             <a:r>
               <a:rPr lang="en-GB" sz="2400" dirty="0" smtClean="0"/>
-              <a:t>The </a:t>
-            </a:r>
-            <a:r>
-              <a:rPr lang="en-GB" sz="2400" dirty="0" smtClean="0"/>
-              <a:t>IBEX </a:t>
+              <a:t>The IBEX </a:t>
             </a:r>
             <a:r>
               <a:rPr lang="en-GB" sz="2400" dirty="0"/>
@@ -12202,13 +12029,8 @@
           <a:p>
             <a:r>
               <a:rPr lang="en-GB" dirty="0" smtClean="0"/>
-              <a:t>Converting from </a:t>
-            </a:r>
-            <a:r>
-              <a:rPr lang="en-GB" dirty="0" smtClean="0"/>
-              <a:t> Open GENIE</a:t>
-            </a:r>
-            <a:endParaRPr lang="en-GB" dirty="0" smtClean="0"/>
+              <a:t>Converting from  Open GENIE</a:t>
+            </a:r>
           </a:p>
         </p:txBody>
       </p:sp>
@@ -13429,15 +13251,7 @@
           <a:p>
             <a:r>
               <a:rPr lang="en-GB" dirty="0" smtClean="0"/>
-              <a:t>Converting from </a:t>
-            </a:r>
-            <a:r>
-              <a:rPr lang="en-GB" dirty="0" smtClean="0"/>
-              <a:t> Open GENIE</a:t>
-            </a:r>
-            <a:r>
-              <a:rPr lang="en-GB" dirty="0" smtClean="0"/>
-              <a:t/>
+              <a:t>Converting from  Open GENIE</a:t>
             </a:r>
             <a:br>
               <a:rPr lang="en-GB" dirty="0" smtClean="0"/>
@@ -13655,15 +13469,7 @@
           <a:p>
             <a:r>
               <a:rPr lang="en-GB" dirty="0" smtClean="0"/>
-              <a:t>Converting from </a:t>
-            </a:r>
-            <a:r>
-              <a:rPr lang="en-GB" dirty="0" smtClean="0"/>
-              <a:t> Open GENIE</a:t>
-            </a:r>
-            <a:r>
-              <a:rPr lang="en-GB" dirty="0" smtClean="0"/>
-              <a:t/>
+              <a:t>Converting from  Open GENIE</a:t>
             </a:r>
             <a:br>
               <a:rPr lang="en-GB" dirty="0" smtClean="0"/>
@@ -13881,15 +13687,7 @@
           <a:p>
             <a:r>
               <a:rPr lang="en-GB" dirty="0" smtClean="0"/>
-              <a:t>Converting from </a:t>
-            </a:r>
-            <a:r>
-              <a:rPr lang="en-GB" dirty="0" smtClean="0"/>
-              <a:t> Open GENIE</a:t>
-            </a:r>
-            <a:r>
-              <a:rPr lang="en-GB" dirty="0" smtClean="0"/>
-              <a:t/>
+              <a:t>Converting from  Open GENIE</a:t>
             </a:r>
             <a:br>
               <a:rPr lang="en-GB" dirty="0" smtClean="0"/>
@@ -14107,15 +13905,7 @@
           <a:p>
             <a:r>
               <a:rPr lang="en-GB" dirty="0" smtClean="0"/>
-              <a:t>Converting from </a:t>
-            </a:r>
-            <a:r>
-              <a:rPr lang="en-GB" dirty="0" smtClean="0"/>
-              <a:t> Open GENIE</a:t>
-            </a:r>
-            <a:r>
-              <a:rPr lang="en-GB" dirty="0" smtClean="0"/>
-              <a:t/>
+              <a:t>Converting from  Open GENIE</a:t>
             </a:r>
             <a:br>
               <a:rPr lang="en-GB" dirty="0" smtClean="0"/>
@@ -14333,15 +14123,7 @@
           <a:p>
             <a:r>
               <a:rPr lang="en-GB" dirty="0" smtClean="0"/>
-              <a:t>Converting from </a:t>
-            </a:r>
-            <a:r>
-              <a:rPr lang="en-GB" dirty="0" smtClean="0"/>
-              <a:t> Open GENIE</a:t>
-            </a:r>
-            <a:r>
-              <a:rPr lang="en-GB" dirty="0" smtClean="0"/>
-              <a:t/>
+              <a:t>Converting from  Open GENIE</a:t>
             </a:r>
             <a:br>
               <a:rPr lang="en-GB" dirty="0" smtClean="0"/>
@@ -14508,11 +14290,7 @@
             </a:r>
             <a:r>
               <a:rPr lang="en-GB" dirty="0" smtClean="0"/>
-              <a:t> Open GENIE </a:t>
-            </a:r>
-            <a:r>
-              <a:rPr lang="en-GB" dirty="0" smtClean="0"/>
-              <a:t>and</a:t>
+              <a:t> Open GENIE and</a:t>
             </a:r>
             <a:r>
               <a:rPr lang="en-GB" dirty="0"/>
@@ -14687,15 +14465,7 @@
           <a:p>
             <a:r>
               <a:rPr lang="en-GB" dirty="0" smtClean="0"/>
-              <a:t>Converting from </a:t>
-            </a:r>
-            <a:r>
-              <a:rPr lang="en-GB" dirty="0" smtClean="0"/>
-              <a:t> Open GENIE</a:t>
-            </a:r>
-            <a:r>
-              <a:rPr lang="en-GB" dirty="0" smtClean="0"/>
-              <a:t/>
+              <a:t>Converting from  Open GENIE</a:t>
             </a:r>
             <a:br>
               <a:rPr lang="en-GB" dirty="0" smtClean="0"/>
@@ -14992,15 +14762,7 @@
           <a:p>
             <a:r>
               <a:rPr lang="en-GB" dirty="0" smtClean="0"/>
-              <a:t>Converting from </a:t>
-            </a:r>
-            <a:r>
-              <a:rPr lang="en-GB" dirty="0" smtClean="0"/>
-              <a:t> Open GENIE</a:t>
-            </a:r>
-            <a:r>
-              <a:rPr lang="en-GB" dirty="0" smtClean="0"/>
-              <a:t/>
+              <a:t>Converting from  Open GENIE</a:t>
             </a:r>
             <a:br>
               <a:rPr lang="en-GB" dirty="0" smtClean="0"/>
@@ -15129,15 +14891,7 @@
           <a:p>
             <a:r>
               <a:rPr lang="en-GB" dirty="0" smtClean="0"/>
-              <a:t>Converting from </a:t>
-            </a:r>
-            <a:r>
-              <a:rPr lang="en-GB" dirty="0" smtClean="0"/>
-              <a:t> Open GENIE</a:t>
-            </a:r>
-            <a:r>
-              <a:rPr lang="en-GB" dirty="0" smtClean="0"/>
-              <a:t/>
+              <a:t>Converting from  Open GENIE</a:t>
             </a:r>
             <a:br>
               <a:rPr lang="en-GB" dirty="0" smtClean="0"/>
@@ -16073,7 +15827,7 @@
                 <a:latin typeface="Consolas" panose="020B0609020204030204" pitchFamily="49" charset="0"/>
                 <a:cs typeface="Consolas" panose="020B0609020204030204" pitchFamily="49" charset="0"/>
               </a:rPr>
-              <a:t>g.begin</a:t>
+              <a:t>g.end</a:t>
             </a:r>
             <a:r>
               <a:rPr lang="en-GB" sz="2400" dirty="0" smtClean="0">
@@ -16083,7 +15837,17 @@
                 <a:latin typeface="Consolas" panose="020B0609020204030204" pitchFamily="49" charset="0"/>
                 <a:cs typeface="Consolas" panose="020B0609020204030204" pitchFamily="49" charset="0"/>
               </a:rPr>
-              <a:t>(False)</a:t>
+              <a:t>(False</a:t>
+            </a:r>
+            <a:r>
+              <a:rPr lang="en-GB" sz="2400" dirty="0" smtClean="0">
+                <a:solidFill>
+                  <a:schemeClr val="accent2"/>
+                </a:solidFill>
+                <a:latin typeface="Consolas" panose="020B0609020204030204" pitchFamily="49" charset="0"/>
+                <a:cs typeface="Consolas" panose="020B0609020204030204" pitchFamily="49" charset="0"/>
+              </a:rPr>
+              <a:t>)</a:t>
             </a:r>
             <a:r>
               <a:rPr lang="en-GB" sz="2400" dirty="0" smtClean="0">
@@ -17520,6 +17284,21 @@
 </file>
 
 <file path=customXml/item1.xml><?xml version="1.0" encoding="utf-8"?>
+<?mso-contentType ?>
+<FormTemplates xmlns="http://schemas.microsoft.com/sharepoint/v3/contenttype/forms">
+  <Display>DocumentLibraryForm</Display>
+  <Edit>DocumentLibraryForm</Edit>
+  <New>DocumentLibraryForm</New>
+</FormTemplates>
+</file>
+
+<file path=customXml/item2.xml><?xml version="1.0" encoding="utf-8"?>
+<p:properties xmlns:p="http://schemas.microsoft.com/office/2006/metadata/properties" xmlns:xsi="http://www.w3.org/2001/XMLSchema-instance" xmlns:pc="http://schemas.microsoft.com/office/infopath/2007/PartnerControls">
+  <documentManagement/>
+</p:properties>
+</file>
+
+<file path=customXml/item3.xml><?xml version="1.0" encoding="utf-8"?>
 <ct:contentTypeSchema xmlns:ct="http://schemas.microsoft.com/office/2006/metadata/contentType" xmlns:ma="http://schemas.microsoft.com/office/2006/metadata/properties/metaAttributes" ct:_="" ma:_="" ma:contentTypeName="Document" ma:contentTypeID="0x010100D8BDAAA291872E4C9CBDBAE9DC1F214B" ma:contentTypeVersion="0" ma:contentTypeDescription="Create a new document." ma:contentTypeScope="" ma:versionID="37718d931242bc0231cb88c3dc8184c7">
   <xsd:schema xmlns:xsd="http://www.w3.org/2001/XMLSchema" xmlns:xs="http://www.w3.org/2001/XMLSchema" xmlns:p="http://schemas.microsoft.com/office/2006/metadata/properties" targetNamespace="http://schemas.microsoft.com/office/2006/metadata/properties" ma:root="true" ma:fieldsID="8022916f55ab85163ee9a5069dec31d5">
     <xsd:element name="properties">
@@ -17633,33 +17412,10 @@
 </ct:contentTypeSchema>
 </file>
 
-<file path=customXml/item2.xml><?xml version="1.0" encoding="utf-8"?>
-<p:properties xmlns:p="http://schemas.microsoft.com/office/2006/metadata/properties" xmlns:xsi="http://www.w3.org/2001/XMLSchema-instance" xmlns:pc="http://schemas.microsoft.com/office/infopath/2007/PartnerControls">
-  <documentManagement/>
-</p:properties>
-</file>
-
-<file path=customXml/item3.xml><?xml version="1.0" encoding="utf-8"?>
-<?mso-contentType ?>
-<FormTemplates xmlns="http://schemas.microsoft.com/sharepoint/v3/contenttype/forms">
-  <Display>DocumentLibraryForm</Display>
-  <Edit>DocumentLibraryForm</Edit>
-  <New>DocumentLibraryForm</New>
-</FormTemplates>
-</file>
-
 <file path=customXml/itemProps1.xml><?xml version="1.0" encoding="utf-8"?>
-<ds:datastoreItem xmlns:ds="http://schemas.openxmlformats.org/officeDocument/2006/customXml" ds:itemID="{DD040A56-8D6F-4114-A272-42AE3B7D7ECA}">
+<ds:datastoreItem xmlns:ds="http://schemas.openxmlformats.org/officeDocument/2006/customXml" ds:itemID="{1D176834-956F-4505-BD61-698C091AD5AA}">
   <ds:schemaRefs>
-    <ds:schemaRef ds:uri="http://schemas.microsoft.com/office/2006/metadata/contentType"/>
-    <ds:schemaRef ds:uri="http://schemas.microsoft.com/office/2006/metadata/properties/metaAttributes"/>
-    <ds:schemaRef ds:uri="http://www.w3.org/2001/XMLSchema"/>
-    <ds:schemaRef ds:uri="http://schemas.microsoft.com/office/2006/metadata/properties"/>
-    <ds:schemaRef ds:uri="http://schemas.openxmlformats.org/package/2006/metadata/core-properties"/>
-    <ds:schemaRef ds:uri="http://purl.org/dc/elements/1.1/"/>
-    <ds:schemaRef ds:uri="http://purl.org/dc/terms/"/>
-    <ds:schemaRef ds:uri="http://schemas.microsoft.com/internal/obd"/>
-    <ds:schemaRef ds:uri="http://schemas.microsoft.com/office/infopath/2007/PartnerControls"/>
+    <ds:schemaRef ds:uri="http://schemas.microsoft.com/sharepoint/v3/contenttype/forms"/>
   </ds:schemaRefs>
 </ds:datastoreItem>
 </file>
@@ -17680,9 +17436,17 @@
 </file>
 
 <file path=customXml/itemProps3.xml><?xml version="1.0" encoding="utf-8"?>
-<ds:datastoreItem xmlns:ds="http://schemas.openxmlformats.org/officeDocument/2006/customXml" ds:itemID="{1D176834-956F-4505-BD61-698C091AD5AA}">
+<ds:datastoreItem xmlns:ds="http://schemas.openxmlformats.org/officeDocument/2006/customXml" ds:itemID="{DD040A56-8D6F-4114-A272-42AE3B7D7ECA}">
   <ds:schemaRefs>
-    <ds:schemaRef ds:uri="http://schemas.microsoft.com/sharepoint/v3/contenttype/forms"/>
+    <ds:schemaRef ds:uri="http://schemas.microsoft.com/office/2006/metadata/contentType"/>
+    <ds:schemaRef ds:uri="http://schemas.microsoft.com/office/2006/metadata/properties/metaAttributes"/>
+    <ds:schemaRef ds:uri="http://www.w3.org/2001/XMLSchema"/>
+    <ds:schemaRef ds:uri="http://schemas.microsoft.com/office/2006/metadata/properties"/>
+    <ds:schemaRef ds:uri="http://schemas.openxmlformats.org/package/2006/metadata/core-properties"/>
+    <ds:schemaRef ds:uri="http://purl.org/dc/elements/1.1/"/>
+    <ds:schemaRef ds:uri="http://purl.org/dc/terms/"/>
+    <ds:schemaRef ds:uri="http://schemas.microsoft.com/internal/obd"/>
+    <ds:schemaRef ds:uri="http://schemas.microsoft.com/office/infopath/2007/PartnerControls"/>
   </ds:schemaRefs>
 </ds:datastoreItem>
 </file>
--- a/genie_python_and_ibex/genie_python_and_ibex.pptx
+++ b/genie_python_and_ibex/genie_python_and_ibex.pptx
@@ -253,7 +253,7 @@
           <a:p>
             <a:fld id="{0DA9C53C-B82A-4351-B1EF-A4391C7B86A2}" type="datetimeFigureOut">
               <a:rPr lang="en-GB" smtClean="0"/>
-              <a:t>25/08/2017</a:t>
+              <a:t>15/09/2017</a:t>
             </a:fld>
             <a:endParaRPr lang="en-GB" dirty="0"/>
           </a:p>
@@ -4190,15 +4190,7 @@
             </a:r>
             <a:r>
               <a:rPr lang="en-GB" dirty="0" smtClean="0"/>
-              <a:t> = (start + </a:t>
-            </a:r>
-            <a:r>
-              <a:rPr lang="en-GB" dirty="0" err="1" smtClean="0"/>
-              <a:t>i</a:t>
-            </a:r>
-            <a:r>
-              <a:rPr lang="en-GB" dirty="0" smtClean="0"/>
-              <a:t>*</a:t>
+              <a:t> = (start + i*</a:t>
             </a:r>
             <a:r>
               <a:rPr lang="en-GB" dirty="0" err="1" smtClean="0"/>
@@ -4211,6 +4203,36 @@
             <a:r>
               <a:rPr lang="en-GB" baseline="0" dirty="0" smtClean="0"/>
               <a:t> needing to increment step size and do modulo in one step</a:t>
+            </a:r>
+          </a:p>
+          <a:p>
+            <a:pPr marL="171450" indent="-171450">
+              <a:buFont typeface="Arial" panose="020B0604020202020204" pitchFamily="34" charset="0"/>
+              <a:buChar char="•"/>
+            </a:pPr>
+            <a:r>
+              <a:rPr lang="en-GB" sz="1200" b="0" i="0" kern="1200" baseline="0" dirty="0" smtClean="0">
+                <a:solidFill>
+                  <a:schemeClr val="tx1"/>
+                </a:solidFill>
+                <a:effectLst/>
+                <a:latin typeface="+mn-lt"/>
+                <a:ea typeface="+mn-ea"/>
+                <a:cs typeface="+mn-cs"/>
+              </a:rPr>
+              <a:t>There is a mistake in the script people should spot. IF () OR </a:t>
+            </a:r>
+            <a:r>
+              <a:rPr lang="en-GB" sz="1200" b="0" i="0" kern="1200" baseline="0" smtClean="0">
+                <a:solidFill>
+                  <a:schemeClr val="tx1"/>
+                </a:solidFill>
+                <a:effectLst/>
+                <a:latin typeface="+mn-lt"/>
+                <a:ea typeface="+mn-ea"/>
+                <a:cs typeface="+mn-cs"/>
+              </a:rPr>
+              <a:t>() should be IF () AND ()</a:t>
             </a:r>
             <a:endParaRPr lang="en-GB" sz="1200" b="0" i="0" kern="1200" dirty="0">
               <a:solidFill>
@@ -5601,7 +5623,7 @@
               <a:pPr>
                 <a:defRPr/>
               </a:pPr>
-              <a:t>25/08/2017</a:t>
+              <a:t>15/09/2017</a:t>
             </a:fld>
             <a:endParaRPr lang="en-GB" dirty="0"/>
           </a:p>
@@ -5798,7 +5820,7 @@
               <a:pPr>
                 <a:defRPr/>
               </a:pPr>
-              <a:t>25/08/2017</a:t>
+              <a:t>15/09/2017</a:t>
             </a:fld>
             <a:endParaRPr lang="en-GB" dirty="0"/>
           </a:p>
@@ -6005,7 +6027,7 @@
               <a:pPr>
                 <a:defRPr/>
               </a:pPr>
-              <a:t>25/08/2017</a:t>
+              <a:t>15/09/2017</a:t>
             </a:fld>
             <a:endParaRPr lang="en-GB" dirty="0"/>
           </a:p>
@@ -6202,7 +6224,7 @@
               <a:pPr>
                 <a:defRPr/>
               </a:pPr>
-              <a:t>25/08/2017</a:t>
+              <a:t>15/09/2017</a:t>
             </a:fld>
             <a:endParaRPr lang="en-GB" dirty="0"/>
           </a:p>
@@ -6475,7 +6497,7 @@
               <a:pPr>
                 <a:defRPr/>
               </a:pPr>
-              <a:t>25/08/2017</a:t>
+              <a:t>15/09/2017</a:t>
             </a:fld>
             <a:endParaRPr lang="en-GB" dirty="0"/>
           </a:p>
@@ -6790,7 +6812,7 @@
               <a:pPr>
                 <a:defRPr/>
               </a:pPr>
-              <a:t>25/08/2017</a:t>
+              <a:t>15/09/2017</a:t>
             </a:fld>
             <a:endParaRPr lang="en-GB" dirty="0"/>
           </a:p>
@@ -7239,7 +7261,7 @@
               <a:pPr>
                 <a:defRPr/>
               </a:pPr>
-              <a:t>25/08/2017</a:t>
+              <a:t>15/09/2017</a:t>
             </a:fld>
             <a:endParaRPr lang="en-GB" dirty="0"/>
           </a:p>
@@ -7384,7 +7406,7 @@
               <a:pPr>
                 <a:defRPr/>
               </a:pPr>
-              <a:t>25/08/2017</a:t>
+              <a:t>15/09/2017</a:t>
             </a:fld>
             <a:endParaRPr lang="en-GB" dirty="0"/>
           </a:p>
@@ -7506,7 +7528,7 @@
               <a:pPr>
                 <a:defRPr/>
               </a:pPr>
-              <a:t>25/08/2017</a:t>
+              <a:t>15/09/2017</a:t>
             </a:fld>
             <a:endParaRPr lang="en-GB" dirty="0"/>
           </a:p>
@@ -7810,7 +7832,7 @@
               <a:pPr>
                 <a:defRPr/>
               </a:pPr>
-              <a:t>25/08/2017</a:t>
+              <a:t>15/09/2017</a:t>
             </a:fld>
             <a:endParaRPr lang="en-GB" dirty="0"/>
           </a:p>
@@ -8093,7 +8115,7 @@
               <a:pPr>
                 <a:defRPr/>
               </a:pPr>
-              <a:t>25/08/2017</a:t>
+              <a:t>15/09/2017</a:t>
             </a:fld>
             <a:endParaRPr lang="en-GB" dirty="0"/>
           </a:p>
@@ -8388,7 +8410,7 @@
               <a:pPr>
                 <a:defRPr/>
               </a:pPr>
-              <a:t>25/08/2017</a:t>
+              <a:t>15/09/2017</a:t>
             </a:fld>
             <a:endParaRPr lang="en-GB" dirty="0"/>
           </a:p>
@@ -9130,7 +9152,7 @@
       </p:sp>
       <p:pic>
         <p:nvPicPr>
-          <p:cNvPr id="1026" name="Picture 2"/>
+          <p:cNvPr id="1027" name="Picture 3"/>
           <p:cNvPicPr>
             <a:picLocks noChangeAspect="1" noChangeArrowheads="1"/>
           </p:cNvPicPr>
@@ -9151,8 +9173,8 @@
         </p:blipFill>
         <p:spPr bwMode="auto">
           <a:xfrm>
-            <a:off x="179512" y="1916832"/>
-            <a:ext cx="8748464" cy="3751652"/>
+            <a:off x="179512" y="1700808"/>
+            <a:ext cx="8839721" cy="3332208"/>
           </a:xfrm>
           <a:prstGeom prst="rect">
             <a:avLst/>
@@ -10441,7 +10463,7 @@
         <p:spPr>
           <a:xfrm>
             <a:off x="395536" y="1844824"/>
-            <a:ext cx="8496944" cy="3754874"/>
+            <a:ext cx="8496944" cy="4093428"/>
           </a:xfrm>
           <a:prstGeom prst="rect">
             <a:avLst/>
@@ -10703,8 +10725,31 @@
                   <a:srgbClr val="00B050"/>
                 </a:solidFill>
               </a:rPr>
-              <a:t>End the run</a:t>
-            </a:r>
+              <a:t>End the </a:t>
+            </a:r>
+            <a:r>
+              <a:rPr lang="en-GB" sz="2000" dirty="0" smtClean="0">
+                <a:solidFill>
+                  <a:srgbClr val="00B050"/>
+                </a:solidFill>
+              </a:rPr>
+              <a:t>run</a:t>
+            </a:r>
+          </a:p>
+          <a:p>
+            <a:r>
+              <a:rPr lang="en-GB" sz="2000" i="1" dirty="0" smtClean="0">
+                <a:solidFill>
+                  <a:srgbClr val="00B050"/>
+                </a:solidFill>
+              </a:rPr>
+              <a:t>[20 minutes]</a:t>
+            </a:r>
+            <a:endParaRPr lang="en-GB" sz="2000" i="1" dirty="0">
+              <a:solidFill>
+                <a:srgbClr val="00B050"/>
+              </a:solidFill>
+            </a:endParaRPr>
           </a:p>
         </p:txBody>
       </p:sp>
@@ -10788,7 +10833,7 @@
         <p:spPr>
           <a:xfrm>
             <a:off x="395536" y="1844824"/>
-            <a:ext cx="8496944" cy="4524315"/>
+            <a:ext cx="8496944" cy="4801314"/>
           </a:xfrm>
           <a:prstGeom prst="rect">
             <a:avLst/>
@@ -11096,8 +11141,31 @@
                   <a:srgbClr val="00B050"/>
                 </a:solidFill>
               </a:rPr>
-              <a:t> script called run_my_experiment.py</a:t>
-            </a:r>
+              <a:t> script called </a:t>
+            </a:r>
+            <a:r>
+              <a:rPr lang="en-GB" dirty="0" smtClean="0">
+                <a:solidFill>
+                  <a:srgbClr val="00B050"/>
+                </a:solidFill>
+              </a:rPr>
+              <a:t>run_my_experiment.py</a:t>
+            </a:r>
+          </a:p>
+          <a:p>
+            <a:r>
+              <a:rPr lang="en-GB" i="1" dirty="0" smtClean="0">
+                <a:solidFill>
+                  <a:srgbClr val="00B050"/>
+                </a:solidFill>
+              </a:rPr>
+              <a:t>[5 minutes]</a:t>
+            </a:r>
+            <a:endParaRPr lang="en-GB" i="1" dirty="0">
+              <a:solidFill>
+                <a:srgbClr val="00B050"/>
+              </a:solidFill>
+            </a:endParaRPr>
           </a:p>
           <a:p>
             <a:pPr marL="800100" lvl="1" indent="-342900">
@@ -11188,7 +11256,7 @@
         <p:spPr>
           <a:xfrm>
             <a:off x="395536" y="1844824"/>
-            <a:ext cx="8496944" cy="4124206"/>
+            <a:ext cx="8496944" cy="4524315"/>
           </a:xfrm>
           <a:prstGeom prst="rect">
             <a:avLst/>
@@ -11267,6 +11335,28 @@
               <a:buChar char="•"/>
             </a:pPr>
             <a:r>
+              <a:rPr lang="en-GB" sz="1600" dirty="0" smtClean="0"/>
+              <a:t>Instrument scripts should start with </a:t>
+            </a:r>
+            <a:r>
+              <a:rPr lang="en-GB" sz="1600" b="1" dirty="0" smtClean="0"/>
+              <a:t>from </a:t>
+            </a:r>
+            <a:r>
+              <a:rPr lang="en-GB" sz="1600" b="1" dirty="0" err="1" smtClean="0"/>
+              <a:t>genie_python</a:t>
+            </a:r>
+            <a:r>
+              <a:rPr lang="en-GB" sz="1600" b="1" dirty="0" smtClean="0"/>
+              <a:t> import genie as g</a:t>
+            </a:r>
+          </a:p>
+          <a:p>
+            <a:pPr marL="285750" indent="-285750">
+              <a:buFont typeface="Arial" panose="020B0604020202020204" pitchFamily="34" charset="0"/>
+              <a:buChar char="•"/>
+            </a:pPr>
+            <a:r>
               <a:rPr lang="en-GB" sz="1600" dirty="0" smtClean="0">
                 <a:solidFill>
                   <a:srgbClr val="00B050"/>
@@ -11410,8 +11500,36 @@
                   <a:srgbClr val="00B050"/>
                 </a:solidFill>
               </a:rPr>
-              <a:t>Ends the run</a:t>
-            </a:r>
+              <a:t>Ends the </a:t>
+            </a:r>
+            <a:r>
+              <a:rPr lang="en-GB" sz="1600" dirty="0" smtClean="0">
+                <a:solidFill>
+                  <a:srgbClr val="00B050"/>
+                </a:solidFill>
+              </a:rPr>
+              <a:t>run</a:t>
+            </a:r>
+            <a:endParaRPr lang="en-GB" sz="1600" dirty="0">
+              <a:solidFill>
+                <a:srgbClr val="00B050"/>
+              </a:solidFill>
+            </a:endParaRPr>
+          </a:p>
+          <a:p>
+            <a:r>
+              <a:rPr lang="en-GB" sz="1600" i="1" dirty="0" smtClean="0">
+                <a:solidFill>
+                  <a:srgbClr val="00B050"/>
+                </a:solidFill>
+              </a:rPr>
+              <a:t>[15 minutes]</a:t>
+            </a:r>
+            <a:endParaRPr lang="en-GB" sz="1600" i="1" dirty="0">
+              <a:solidFill>
+                <a:srgbClr val="00B050"/>
+              </a:solidFill>
+            </a:endParaRPr>
           </a:p>
         </p:txBody>
       </p:sp>
@@ -11549,7 +11667,7 @@
         <p:spPr>
           <a:xfrm>
             <a:off x="395536" y="1844824"/>
-            <a:ext cx="8496944" cy="2677656"/>
+            <a:ext cx="8496944" cy="3046988"/>
           </a:xfrm>
           <a:prstGeom prst="rect">
             <a:avLst/>
@@ -11666,13 +11784,28 @@
               <a:t>your user script </a:t>
             </a:r>
             <a:r>
-              <a:rPr lang="en-GB" sz="2400" i="1" dirty="0">
+              <a:rPr lang="en-GB" sz="2400" i="1" dirty="0" smtClean="0">
                 <a:solidFill>
                   <a:srgbClr val="00B050"/>
                 </a:solidFill>
               </a:rPr>
               <a:t>run_my_experiment.py</a:t>
             </a:r>
+          </a:p>
+          <a:p>
+            <a:r>
+              <a:rPr lang="en-GB" sz="2400" i="1" dirty="0" smtClean="0">
+                <a:solidFill>
+                  <a:srgbClr val="00B050"/>
+                </a:solidFill>
+              </a:rPr>
+              <a:t>[2 minutes]</a:t>
+            </a:r>
+            <a:endParaRPr lang="en-GB" sz="2400" i="1" dirty="0">
+              <a:solidFill>
+                <a:srgbClr val="00B050"/>
+              </a:solidFill>
+            </a:endParaRPr>
           </a:p>
         </p:txBody>
       </p:sp>
@@ -11756,7 +11889,7 @@
         <p:spPr>
           <a:xfrm>
             <a:off x="395536" y="1844824"/>
-            <a:ext cx="8496944" cy="3046988"/>
+            <a:ext cx="8496944" cy="3416320"/>
           </a:xfrm>
           <a:prstGeom prst="rect">
             <a:avLst/>
@@ -11922,9 +12055,27 @@
                   <a:srgbClr val="00B050"/>
                 </a:solidFill>
               </a:rPr>
-              <a:t>wrote earlier</a:t>
-            </a:r>
-            <a:endParaRPr lang="en-GB" sz="2400" dirty="0">
+              <a:t>wrote </a:t>
+            </a:r>
+            <a:r>
+              <a:rPr lang="en-GB" sz="2400" dirty="0" smtClean="0">
+                <a:solidFill>
+                  <a:srgbClr val="00B050"/>
+                </a:solidFill>
+              </a:rPr>
+              <a:t>earlier</a:t>
+            </a:r>
+          </a:p>
+          <a:p>
+            <a:r>
+              <a:rPr lang="en-GB" sz="2400" i="1" dirty="0" smtClean="0">
+                <a:solidFill>
+                  <a:srgbClr val="00B050"/>
+                </a:solidFill>
+              </a:rPr>
+              <a:t>[2 minutes]</a:t>
+            </a:r>
+            <a:endParaRPr lang="en-GB" sz="2400" i="1" dirty="0">
               <a:solidFill>
                 <a:srgbClr val="00B050"/>
               </a:solidFill>
@@ -12114,7 +12265,7 @@
         <p:spPr>
           <a:xfrm>
             <a:off x="395536" y="1844824"/>
-            <a:ext cx="8496944" cy="3046988"/>
+            <a:ext cx="8496944" cy="3416320"/>
           </a:xfrm>
           <a:prstGeom prst="rect">
             <a:avLst/>
@@ -12228,8 +12379,31 @@
                   <a:srgbClr val="00B050"/>
                 </a:solidFill>
               </a:rPr>
-              <a:t>function you wrote earlier</a:t>
-            </a:r>
+              <a:t>function you wrote </a:t>
+            </a:r>
+            <a:r>
+              <a:rPr lang="en-GB" sz="2400" dirty="0" smtClean="0">
+                <a:solidFill>
+                  <a:srgbClr val="00B050"/>
+                </a:solidFill>
+              </a:rPr>
+              <a:t>earlier</a:t>
+            </a:r>
+          </a:p>
+          <a:p>
+            <a:r>
+              <a:rPr lang="en-GB" sz="2400" i="1" dirty="0" smtClean="0">
+                <a:solidFill>
+                  <a:srgbClr val="00B050"/>
+                </a:solidFill>
+              </a:rPr>
+              <a:t>[2 minutes]</a:t>
+            </a:r>
+            <a:endParaRPr lang="en-GB" sz="2400" i="1" dirty="0">
+              <a:solidFill>
+                <a:srgbClr val="00B050"/>
+              </a:solidFill>
+            </a:endParaRPr>
           </a:p>
           <a:p>
             <a:pPr marL="342900" indent="-342900">
@@ -12374,7 +12548,7 @@
         <p:spPr>
           <a:xfrm>
             <a:off x="395536" y="1844824"/>
-            <a:ext cx="8496944" cy="4154984"/>
+            <a:ext cx="8496944" cy="4524315"/>
           </a:xfrm>
           <a:prstGeom prst="rect">
             <a:avLst/>
@@ -12546,8 +12720,31 @@
                   <a:srgbClr val="00B050"/>
                 </a:solidFill>
               </a:rPr>
-              <a:t>Run it again and confirm the behaviour has changed</a:t>
-            </a:r>
+              <a:t>Run it again and confirm the behaviour has </a:t>
+            </a:r>
+            <a:r>
+              <a:rPr lang="en-GB" sz="2400" dirty="0" smtClean="0">
+                <a:solidFill>
+                  <a:srgbClr val="00B050"/>
+                </a:solidFill>
+              </a:rPr>
+              <a:t>changed</a:t>
+            </a:r>
+          </a:p>
+          <a:p>
+            <a:r>
+              <a:rPr lang="en-GB" sz="2400" i="1" dirty="0" smtClean="0">
+                <a:solidFill>
+                  <a:srgbClr val="00B050"/>
+                </a:solidFill>
+              </a:rPr>
+              <a:t>[5 minutes]</a:t>
+            </a:r>
+            <a:endParaRPr lang="en-GB" sz="2400" i="1" dirty="0">
+              <a:solidFill>
+                <a:srgbClr val="00B050"/>
+              </a:solidFill>
+            </a:endParaRPr>
           </a:p>
           <a:p>
             <a:pPr marL="342900" indent="-342900">
@@ -13025,7 +13222,7 @@
         <p:spPr>
           <a:xfrm>
             <a:off x="395536" y="1844824"/>
-            <a:ext cx="8496944" cy="3416320"/>
+            <a:ext cx="8496944" cy="3693319"/>
           </a:xfrm>
           <a:prstGeom prst="rect">
             <a:avLst/>
@@ -13192,8 +13389,31 @@
                   <a:srgbClr val="00B050"/>
                 </a:solidFill>
               </a:rPr>
-              <a:t>Where was the print statement at the top of your instrument script executed?</a:t>
-            </a:r>
+              <a:t>Where was the print statement at the top of your instrument script executed</a:t>
+            </a:r>
+            <a:r>
+              <a:rPr lang="en-GB" dirty="0" smtClean="0">
+                <a:solidFill>
+                  <a:srgbClr val="00B050"/>
+                </a:solidFill>
+              </a:rPr>
+              <a:t>?</a:t>
+            </a:r>
+          </a:p>
+          <a:p>
+            <a:r>
+              <a:rPr lang="en-GB" i="1" dirty="0" smtClean="0">
+                <a:solidFill>
+                  <a:srgbClr val="00B050"/>
+                </a:solidFill>
+              </a:rPr>
+              <a:t>[30 minutes]</a:t>
+            </a:r>
+            <a:endParaRPr lang="en-GB" i="1" dirty="0">
+              <a:solidFill>
+                <a:srgbClr val="00B050"/>
+              </a:solidFill>
+            </a:endParaRPr>
           </a:p>
         </p:txBody>
       </p:sp>
@@ -14613,7 +14833,7 @@
         <p:spPr/>
         <p:txBody>
           <a:bodyPr>
-            <a:normAutofit fontScale="92500" lnSpcReduction="10000"/>
+            <a:normAutofit fontScale="92500" lnSpcReduction="20000"/>
           </a:bodyPr>
           <a:lstStyle/>
           <a:p>
@@ -14637,8 +14857,32 @@
                   <a:srgbClr val="00B050"/>
                 </a:solidFill>
               </a:rPr>
-              <a:t>Tasks in green</a:t>
-            </a:r>
+              <a:t>Tasks in </a:t>
+            </a:r>
+            <a:r>
+              <a:rPr lang="en-GB" i="1" dirty="0" smtClean="0">
+                <a:solidFill>
+                  <a:srgbClr val="00B050"/>
+                </a:solidFill>
+              </a:rPr>
+              <a:t>green</a:t>
+            </a:r>
+          </a:p>
+          <a:p>
+            <a:pPr lvl="2"/>
+            <a:r>
+              <a:rPr lang="en-GB" i="1" dirty="0" smtClean="0">
+                <a:solidFill>
+                  <a:srgbClr val="00B050"/>
+                </a:solidFill>
+              </a:rPr>
+              <a:t>Some tasks have [time limits]. Don’t worry if you don’t finish in the time</a:t>
+            </a:r>
+            <a:endParaRPr lang="en-GB" i="1" dirty="0" smtClean="0">
+              <a:solidFill>
+                <a:srgbClr val="00B050"/>
+              </a:solidFill>
+            </a:endParaRPr>
           </a:p>
           <a:p>
             <a:pPr lvl="1"/>
@@ -14922,7 +15166,7 @@
       </p:sp>
       <p:pic>
         <p:nvPicPr>
-          <p:cNvPr id="26626" name="Picture 2"/>
+          <p:cNvPr id="2050" name="Picture 2"/>
           <p:cNvPicPr>
             <a:picLocks noChangeAspect="1" noChangeArrowheads="1"/>
           </p:cNvPicPr>
@@ -14943,8 +15187,8 @@
         </p:blipFill>
         <p:spPr bwMode="auto">
           <a:xfrm>
-            <a:off x="1835696" y="1439979"/>
-            <a:ext cx="5472607" cy="4580775"/>
+            <a:off x="683568" y="1628800"/>
+            <a:ext cx="5760640" cy="4990108"/>
           </a:xfrm>
           <a:prstGeom prst="rect">
             <a:avLst/>
@@ -14974,6 +15218,43 @@
           </a:extLst>
         </p:spPr>
       </p:pic>
+      <p:sp>
+        <p:nvSpPr>
+          <p:cNvPr id="3" name="Rectangle 2"/>
+          <p:cNvSpPr/>
+          <p:nvPr/>
+        </p:nvSpPr>
+        <p:spPr>
+          <a:xfrm>
+            <a:off x="6516216" y="5085184"/>
+            <a:ext cx="1441420" cy="369332"/>
+          </a:xfrm>
+          <a:prstGeom prst="rect">
+            <a:avLst/>
+          </a:prstGeom>
+        </p:spPr>
+        <p:txBody>
+          <a:bodyPr wrap="none">
+            <a:spAutoFit/>
+          </a:bodyPr>
+          <a:lstStyle/>
+          <a:p>
+            <a:r>
+              <a:rPr lang="en-GB" i="1" dirty="0">
+                <a:solidFill>
+                  <a:srgbClr val="00B050"/>
+                </a:solidFill>
+              </a:rPr>
+              <a:t>[30 minutes]</a:t>
+            </a:r>
+            <a:endParaRPr lang="en-GB" i="1" dirty="0">
+              <a:solidFill>
+                <a:srgbClr val="00B050"/>
+              </a:solidFill>
+            </a:endParaRPr>
+          </a:p>
+        </p:txBody>
+      </p:sp>
     </p:spTree>
     <p:extLst>
       <p:ext uri="{BB962C8B-B14F-4D97-AF65-F5344CB8AC3E}">
@@ -15257,7 +15538,7 @@
         <p:spPr>
           <a:xfrm>
             <a:off x="485825" y="4869160"/>
-            <a:ext cx="8280920" cy="1200329"/>
+            <a:ext cx="8280920" cy="1477328"/>
           </a:xfrm>
           <a:prstGeom prst="rect">
             <a:avLst/>
@@ -15329,8 +15610,31 @@
                   <a:srgbClr val="00B050"/>
                 </a:solidFill>
               </a:rPr>
-              <a:t>Output the square of all the integers between 1 and 10</a:t>
-            </a:r>
+              <a:t>Output the square of all the integers between 1 and </a:t>
+            </a:r>
+            <a:r>
+              <a:rPr lang="en-GB" i="1" dirty="0" smtClean="0">
+                <a:solidFill>
+                  <a:srgbClr val="00B050"/>
+                </a:solidFill>
+              </a:rPr>
+              <a:t>10</a:t>
+            </a:r>
+          </a:p>
+          <a:p>
+            <a:r>
+              <a:rPr lang="en-GB" i="1" dirty="0" smtClean="0">
+                <a:solidFill>
+                  <a:srgbClr val="00B050"/>
+                </a:solidFill>
+              </a:rPr>
+              <a:t>[10 minutes]</a:t>
+            </a:r>
+            <a:endParaRPr lang="en-GB" i="1" dirty="0">
+              <a:solidFill>
+                <a:srgbClr val="00B050"/>
+              </a:solidFill>
+            </a:endParaRPr>
           </a:p>
           <a:p>
             <a:pPr marL="285750" indent="-285750">
@@ -15837,17 +16141,7 @@
                 <a:latin typeface="Consolas" panose="020B0609020204030204" pitchFamily="49" charset="0"/>
                 <a:cs typeface="Consolas" panose="020B0609020204030204" pitchFamily="49" charset="0"/>
               </a:rPr>
-              <a:t>(False</a:t>
-            </a:r>
-            <a:r>
-              <a:rPr lang="en-GB" sz="2400" dirty="0" smtClean="0">
-                <a:solidFill>
-                  <a:schemeClr val="accent2"/>
-                </a:solidFill>
-                <a:latin typeface="Consolas" panose="020B0609020204030204" pitchFamily="49" charset="0"/>
-                <a:cs typeface="Consolas" panose="020B0609020204030204" pitchFamily="49" charset="0"/>
-              </a:rPr>
-              <a:t>)</a:t>
+              <a:t>(False)</a:t>
             </a:r>
             <a:r>
               <a:rPr lang="en-GB" sz="2400" dirty="0" smtClean="0">
@@ -17423,14 +17717,14 @@
 <file path=customXml/itemProps2.xml><?xml version="1.0" encoding="utf-8"?>
 <ds:datastoreItem xmlns:ds="http://schemas.openxmlformats.org/officeDocument/2006/customXml" ds:itemID="{D4D0713F-2886-4B1B-9132-0812576A847F}">
   <ds:schemaRefs>
+    <ds:schemaRef ds:uri="http://schemas.microsoft.com/office/2006/metadata/properties"/>
+    <ds:schemaRef ds:uri="http://purl.org/dc/dcmitype/"/>
+    <ds:schemaRef ds:uri="http://purl.org/dc/terms/"/>
     <ds:schemaRef ds:uri="http://schemas.microsoft.com/office/2006/documentManagement/types"/>
-    <ds:schemaRef ds:uri="http://purl.org/dc/terms/"/>
-    <ds:schemaRef ds:uri="http://schemas.microsoft.com/office/2006/metadata/properties"/>
+    <ds:schemaRef ds:uri="http://www.w3.org/XML/1998/namespace"/>
+    <ds:schemaRef ds:uri="http://schemas.openxmlformats.org/package/2006/metadata/core-properties"/>
     <ds:schemaRef ds:uri="http://purl.org/dc/elements/1.1/"/>
-    <ds:schemaRef ds:uri="http://schemas.openxmlformats.org/package/2006/metadata/core-properties"/>
-    <ds:schemaRef ds:uri="http://www.w3.org/XML/1998/namespace"/>
     <ds:schemaRef ds:uri="http://schemas.microsoft.com/office/infopath/2007/PartnerControls"/>
-    <ds:schemaRef ds:uri="http://purl.org/dc/dcmitype/"/>
   </ds:schemaRefs>
 </ds:datastoreItem>
 </file>

--- a/genie_python_and_ibex/genie_python_and_ibex.pptx
+++ b/genie_python_and_ibex/genie_python_and_ibex.pptx
@@ -253,7 +253,7 @@
           <a:p>
             <a:fld id="{0DA9C53C-B82A-4351-B1EF-A4391C7B86A2}" type="datetimeFigureOut">
               <a:rPr lang="en-GB" smtClean="0"/>
-              <a:t>15/09/2017</a:t>
+              <a:t>16/10/2017</a:t>
             </a:fld>
             <a:endParaRPr lang="en-GB" dirty="0"/>
           </a:p>
@@ -5623,7 +5623,7 @@
               <a:pPr>
                 <a:defRPr/>
               </a:pPr>
-              <a:t>15/09/2017</a:t>
+              <a:t>16/10/2017</a:t>
             </a:fld>
             <a:endParaRPr lang="en-GB" dirty="0"/>
           </a:p>
@@ -5820,7 +5820,7 @@
               <a:pPr>
                 <a:defRPr/>
               </a:pPr>
-              <a:t>15/09/2017</a:t>
+              <a:t>16/10/2017</a:t>
             </a:fld>
             <a:endParaRPr lang="en-GB" dirty="0"/>
           </a:p>
@@ -6027,7 +6027,7 @@
               <a:pPr>
                 <a:defRPr/>
               </a:pPr>
-              <a:t>15/09/2017</a:t>
+              <a:t>16/10/2017</a:t>
             </a:fld>
             <a:endParaRPr lang="en-GB" dirty="0"/>
           </a:p>
@@ -6224,7 +6224,7 @@
               <a:pPr>
                 <a:defRPr/>
               </a:pPr>
-              <a:t>15/09/2017</a:t>
+              <a:t>16/10/2017</a:t>
             </a:fld>
             <a:endParaRPr lang="en-GB" dirty="0"/>
           </a:p>
@@ -6497,7 +6497,7 @@
               <a:pPr>
                 <a:defRPr/>
               </a:pPr>
-              <a:t>15/09/2017</a:t>
+              <a:t>16/10/2017</a:t>
             </a:fld>
             <a:endParaRPr lang="en-GB" dirty="0"/>
           </a:p>
@@ -6812,7 +6812,7 @@
               <a:pPr>
                 <a:defRPr/>
               </a:pPr>
-              <a:t>15/09/2017</a:t>
+              <a:t>16/10/2017</a:t>
             </a:fld>
             <a:endParaRPr lang="en-GB" dirty="0"/>
           </a:p>
@@ -7261,7 +7261,7 @@
               <a:pPr>
                 <a:defRPr/>
               </a:pPr>
-              <a:t>15/09/2017</a:t>
+              <a:t>16/10/2017</a:t>
             </a:fld>
             <a:endParaRPr lang="en-GB" dirty="0"/>
           </a:p>
@@ -7406,7 +7406,7 @@
               <a:pPr>
                 <a:defRPr/>
               </a:pPr>
-              <a:t>15/09/2017</a:t>
+              <a:t>16/10/2017</a:t>
             </a:fld>
             <a:endParaRPr lang="en-GB" dirty="0"/>
           </a:p>
@@ -7528,7 +7528,7 @@
               <a:pPr>
                 <a:defRPr/>
               </a:pPr>
-              <a:t>15/09/2017</a:t>
+              <a:t>16/10/2017</a:t>
             </a:fld>
             <a:endParaRPr lang="en-GB" dirty="0"/>
           </a:p>
@@ -7832,7 +7832,7 @@
               <a:pPr>
                 <a:defRPr/>
               </a:pPr>
-              <a:t>15/09/2017</a:t>
+              <a:t>16/10/2017</a:t>
             </a:fld>
             <a:endParaRPr lang="en-GB" dirty="0"/>
           </a:p>
@@ -8115,7 +8115,7 @@
               <a:pPr>
                 <a:defRPr/>
               </a:pPr>
-              <a:t>15/09/2017</a:t>
+              <a:t>16/10/2017</a:t>
             </a:fld>
             <a:endParaRPr lang="en-GB" dirty="0"/>
           </a:p>
@@ -8410,7 +8410,7 @@
               <a:pPr>
                 <a:defRPr/>
               </a:pPr>
-              <a:t>15/09/2017</a:t>
+              <a:t>16/10/2017</a:t>
             </a:fld>
             <a:endParaRPr lang="en-GB" dirty="0"/>
           </a:p>
@@ -11667,7 +11667,7 @@
         <p:spPr>
           <a:xfrm>
             <a:off x="395536" y="1844824"/>
-            <a:ext cx="8496944" cy="3046988"/>
+            <a:ext cx="8496944" cy="3785652"/>
           </a:xfrm>
           <a:prstGeom prst="rect">
             <a:avLst/>
@@ -11745,15 +11745,46 @@
               <a:t>g.load_script</a:t>
             </a:r>
             <a:r>
-              <a:rPr lang="en-GB" sz="2400" dirty="0">
+              <a:rPr lang="en-GB" sz="2400" dirty="0" smtClean="0">
                 <a:solidFill>
                   <a:schemeClr val="accent2"/>
                 </a:solidFill>
                 <a:latin typeface="Consolas" panose="020B0609020204030204" pitchFamily="49" charset="0"/>
                 <a:cs typeface="Consolas" panose="020B0609020204030204" pitchFamily="49" charset="0"/>
               </a:rPr>
-              <a:t>('C:\script\my_script.py')</a:t>
-            </a:r>
+              <a:t>(‘run_my_experiment.py')</a:t>
+            </a:r>
+          </a:p>
+          <a:p>
+            <a:pPr marL="742950" lvl="1" indent="-285750">
+              <a:buFont typeface="Arial" panose="020B0604020202020204" pitchFamily="34" charset="0"/>
+              <a:buChar char="•"/>
+            </a:pPr>
+            <a:r>
+              <a:rPr lang="en-GB" sz="2400" dirty="0" err="1" smtClean="0">
+                <a:solidFill>
+                  <a:schemeClr val="accent2"/>
+                </a:solidFill>
+                <a:latin typeface="Consolas" panose="020B0609020204030204" pitchFamily="49" charset="0"/>
+                <a:cs typeface="Consolas" panose="020B0609020204030204" pitchFamily="49" charset="0"/>
+              </a:rPr>
+              <a:t>g.load_script</a:t>
+            </a:r>
+            <a:r>
+              <a:rPr lang="en-GB" sz="2400" dirty="0" smtClean="0">
+                <a:solidFill>
+                  <a:schemeClr val="accent2"/>
+                </a:solidFill>
+                <a:latin typeface="Consolas" panose="020B0609020204030204" pitchFamily="49" charset="0"/>
+                <a:cs typeface="Consolas" panose="020B0609020204030204" pitchFamily="49" charset="0"/>
+              </a:rPr>
+              <a:t> </a:t>
+            </a:r>
+            <a:r>
+              <a:rPr lang="en-GB" sz="2400" dirty="0"/>
+              <a:t>looks automatically in “C:\scripts”. A full path can be given for other locations</a:t>
+            </a:r>
+            <a:endParaRPr lang="en-GB" sz="2400" dirty="0"/>
           </a:p>
           <a:p>
             <a:pPr marL="285750" indent="-285750">
@@ -12055,15 +12086,7 @@
                   <a:srgbClr val="00B050"/>
                 </a:solidFill>
               </a:rPr>
-              <a:t>wrote </a:t>
-            </a:r>
-            <a:r>
-              <a:rPr lang="en-GB" sz="2400" dirty="0" smtClean="0">
-                <a:solidFill>
-                  <a:srgbClr val="00B050"/>
-                </a:solidFill>
-              </a:rPr>
-              <a:t>earlier</a:t>
+              <a:t>wrote earlier</a:t>
             </a:r>
           </a:p>
           <a:p>
@@ -13222,7 +13245,7 @@
         <p:spPr>
           <a:xfrm>
             <a:off x="395536" y="1844824"/>
-            <a:ext cx="8496944" cy="3693319"/>
+            <a:ext cx="8496944" cy="4247317"/>
           </a:xfrm>
           <a:prstGeom prst="rect">
             <a:avLst/>
@@ -13275,8 +13298,35 @@
                   <a:srgbClr val="00B050"/>
                 </a:solidFill>
               </a:rPr>
-              <a:t>The function sets the title to "Ramping [block name] from [initial value] to [final value]"</a:t>
-            </a:r>
+              <a:t>The function sets the title to "Ramping [block name] from [initial value] to [final value</a:t>
+            </a:r>
+            <a:r>
+              <a:rPr lang="en-GB" dirty="0" smtClean="0">
+                <a:solidFill>
+                  <a:srgbClr val="00B050"/>
+                </a:solidFill>
+              </a:rPr>
+              <a:t>]“</a:t>
+            </a:r>
+          </a:p>
+          <a:p>
+            <a:pPr marL="1200150" lvl="2" indent="-285750">
+              <a:buFont typeface="Arial" panose="020B0604020202020204" pitchFamily="34" charset="0"/>
+              <a:buChar char="•"/>
+            </a:pPr>
+            <a:r>
+              <a:rPr lang="en-GB" dirty="0" smtClean="0">
+                <a:solidFill>
+                  <a:srgbClr val="00B050"/>
+                </a:solidFill>
+              </a:rPr>
+              <a:t>The block name, initial and final values should all be provided as input arguments</a:t>
+            </a:r>
+            <a:endParaRPr lang="en-GB" dirty="0">
+              <a:solidFill>
+                <a:srgbClr val="00B050"/>
+              </a:solidFill>
+            </a:endParaRPr>
           </a:p>
           <a:p>
             <a:pPr marL="742950" lvl="1" indent="-285750">
@@ -14857,32 +14907,19 @@
                   <a:srgbClr val="00B050"/>
                 </a:solidFill>
               </a:rPr>
-              <a:t>Tasks in </a:t>
-            </a:r>
+              <a:t>Tasks in green</a:t>
+            </a:r>
+          </a:p>
+          <a:p>
+            <a:pPr lvl="2"/>
             <a:r>
               <a:rPr lang="en-GB" i="1" dirty="0" smtClean="0">
                 <a:solidFill>
                   <a:srgbClr val="00B050"/>
                 </a:solidFill>
               </a:rPr>
-              <a:t>green</a:t>
-            </a:r>
-          </a:p>
-          <a:p>
-            <a:pPr lvl="2"/>
-            <a:r>
-              <a:rPr lang="en-GB" i="1" dirty="0" smtClean="0">
-                <a:solidFill>
-                  <a:srgbClr val="00B050"/>
-                </a:solidFill>
-              </a:rPr>
               <a:t>Some tasks have [time limits]. Don’t worry if you don’t finish in the time</a:t>
             </a:r>
-            <a:endParaRPr lang="en-GB" i="1" dirty="0" smtClean="0">
-              <a:solidFill>
-                <a:srgbClr val="00B050"/>
-              </a:solidFill>
-            </a:endParaRPr>
           </a:p>
           <a:p>
             <a:pPr lvl="1"/>
@@ -15247,11 +15284,6 @@
               </a:rPr>
               <a:t>[30 minutes]</a:t>
             </a:r>
-            <a:endParaRPr lang="en-GB" i="1" dirty="0">
-              <a:solidFill>
-                <a:srgbClr val="00B050"/>
-              </a:solidFill>
-            </a:endParaRPr>
           </a:p>
         </p:txBody>
       </p:sp>
@@ -17578,21 +17610,6 @@
 </file>
 
 <file path=customXml/item1.xml><?xml version="1.0" encoding="utf-8"?>
-<?mso-contentType ?>
-<FormTemplates xmlns="http://schemas.microsoft.com/sharepoint/v3/contenttype/forms">
-  <Display>DocumentLibraryForm</Display>
-  <Edit>DocumentLibraryForm</Edit>
-  <New>DocumentLibraryForm</New>
-</FormTemplates>
-</file>
-
-<file path=customXml/item2.xml><?xml version="1.0" encoding="utf-8"?>
-<p:properties xmlns:p="http://schemas.microsoft.com/office/2006/metadata/properties" xmlns:xsi="http://www.w3.org/2001/XMLSchema-instance" xmlns:pc="http://schemas.microsoft.com/office/infopath/2007/PartnerControls">
-  <documentManagement/>
-</p:properties>
-</file>
-
-<file path=customXml/item3.xml><?xml version="1.0" encoding="utf-8"?>
 <ct:contentTypeSchema xmlns:ct="http://schemas.microsoft.com/office/2006/metadata/contentType" xmlns:ma="http://schemas.microsoft.com/office/2006/metadata/properties/metaAttributes" ct:_="" ma:_="" ma:contentTypeName="Document" ma:contentTypeID="0x010100D8BDAAA291872E4C9CBDBAE9DC1F214B" ma:contentTypeVersion="0" ma:contentTypeDescription="Create a new document." ma:contentTypeScope="" ma:versionID="37718d931242bc0231cb88c3dc8184c7">
   <xsd:schema xmlns:xsd="http://www.w3.org/2001/XMLSchema" xmlns:xs="http://www.w3.org/2001/XMLSchema" xmlns:p="http://schemas.microsoft.com/office/2006/metadata/properties" targetNamespace="http://schemas.microsoft.com/office/2006/metadata/properties" ma:root="true" ma:fieldsID="8022916f55ab85163ee9a5069dec31d5">
     <xsd:element name="properties">
@@ -17706,10 +17723,33 @@
 </ct:contentTypeSchema>
 </file>
 
+<file path=customXml/item2.xml><?xml version="1.0" encoding="utf-8"?>
+<p:properties xmlns:p="http://schemas.microsoft.com/office/2006/metadata/properties" xmlns:xsi="http://www.w3.org/2001/XMLSchema-instance" xmlns:pc="http://schemas.microsoft.com/office/infopath/2007/PartnerControls">
+  <documentManagement/>
+</p:properties>
+</file>
+
+<file path=customXml/item3.xml><?xml version="1.0" encoding="utf-8"?>
+<?mso-contentType ?>
+<FormTemplates xmlns="http://schemas.microsoft.com/sharepoint/v3/contenttype/forms">
+  <Display>DocumentLibraryForm</Display>
+  <Edit>DocumentLibraryForm</Edit>
+  <New>DocumentLibraryForm</New>
+</FormTemplates>
+</file>
+
 <file path=customXml/itemProps1.xml><?xml version="1.0" encoding="utf-8"?>
-<ds:datastoreItem xmlns:ds="http://schemas.openxmlformats.org/officeDocument/2006/customXml" ds:itemID="{1D176834-956F-4505-BD61-698C091AD5AA}">
+<ds:datastoreItem xmlns:ds="http://schemas.openxmlformats.org/officeDocument/2006/customXml" ds:itemID="{DD040A56-8D6F-4114-A272-42AE3B7D7ECA}">
   <ds:schemaRefs>
-    <ds:schemaRef ds:uri="http://schemas.microsoft.com/sharepoint/v3/contenttype/forms"/>
+    <ds:schemaRef ds:uri="http://schemas.microsoft.com/office/2006/metadata/contentType"/>
+    <ds:schemaRef ds:uri="http://schemas.microsoft.com/office/2006/metadata/properties/metaAttributes"/>
+    <ds:schemaRef ds:uri="http://www.w3.org/2001/XMLSchema"/>
+    <ds:schemaRef ds:uri="http://schemas.microsoft.com/office/2006/metadata/properties"/>
+    <ds:schemaRef ds:uri="http://schemas.openxmlformats.org/package/2006/metadata/core-properties"/>
+    <ds:schemaRef ds:uri="http://purl.org/dc/elements/1.1/"/>
+    <ds:schemaRef ds:uri="http://purl.org/dc/terms/"/>
+    <ds:schemaRef ds:uri="http://schemas.microsoft.com/internal/obd"/>
+    <ds:schemaRef ds:uri="http://schemas.microsoft.com/office/infopath/2007/PartnerControls"/>
   </ds:schemaRefs>
 </ds:datastoreItem>
 </file>
@@ -17730,17 +17770,9 @@
 </file>
 
 <file path=customXml/itemProps3.xml><?xml version="1.0" encoding="utf-8"?>
-<ds:datastoreItem xmlns:ds="http://schemas.openxmlformats.org/officeDocument/2006/customXml" ds:itemID="{DD040A56-8D6F-4114-A272-42AE3B7D7ECA}">
+<ds:datastoreItem xmlns:ds="http://schemas.openxmlformats.org/officeDocument/2006/customXml" ds:itemID="{1D176834-956F-4505-BD61-698C091AD5AA}">
   <ds:schemaRefs>
-    <ds:schemaRef ds:uri="http://schemas.microsoft.com/office/2006/metadata/contentType"/>
-    <ds:schemaRef ds:uri="http://schemas.microsoft.com/office/2006/metadata/properties/metaAttributes"/>
-    <ds:schemaRef ds:uri="http://www.w3.org/2001/XMLSchema"/>
-    <ds:schemaRef ds:uri="http://schemas.microsoft.com/office/2006/metadata/properties"/>
-    <ds:schemaRef ds:uri="http://schemas.openxmlformats.org/package/2006/metadata/core-properties"/>
-    <ds:schemaRef ds:uri="http://purl.org/dc/elements/1.1/"/>
-    <ds:schemaRef ds:uri="http://purl.org/dc/terms/"/>
-    <ds:schemaRef ds:uri="http://schemas.microsoft.com/internal/obd"/>
-    <ds:schemaRef ds:uri="http://schemas.microsoft.com/office/infopath/2007/PartnerControls"/>
+    <ds:schemaRef ds:uri="http://schemas.microsoft.com/sharepoint/v3/contenttype/forms"/>
   </ds:schemaRefs>
 </ds:datastoreItem>
 </file>
--- a/genie_python_and_ibex/genie_python_and_ibex.pptx
+++ b/genie_python_and_ibex/genie_python_and_ibex.pptx
@@ -31,9 +31,9 @@
     <p:sldId id="315" r:id="rId25"/>
     <p:sldId id="316" r:id="rId26"/>
     <p:sldId id="317" r:id="rId27"/>
-    <p:sldId id="318" r:id="rId28"/>
-    <p:sldId id="319" r:id="rId29"/>
-    <p:sldId id="333" r:id="rId30"/>
+    <p:sldId id="333" r:id="rId28"/>
+    <p:sldId id="318" r:id="rId29"/>
+    <p:sldId id="319" r:id="rId30"/>
     <p:sldId id="321" r:id="rId31"/>
     <p:sldId id="322" r:id="rId32"/>
     <p:sldId id="323" r:id="rId33"/>
@@ -2967,7 +2967,7 @@
           <a:p>
             <a:fld id="{EAEECE71-DBFB-4B75-8F10-14EC87FCE1EC}" type="slidenum">
               <a:rPr lang="en-GB" smtClean="0"/>
-              <a:t>24</a:t>
+              <a:t>25</a:t>
             </a:fld>
             <a:endParaRPr lang="en-GB" dirty="0"/>
           </a:p>
@@ -3071,7 +3071,7 @@
           <a:p>
             <a:fld id="{EAEECE71-DBFB-4B75-8F10-14EC87FCE1EC}" type="slidenum">
               <a:rPr lang="en-GB" smtClean="0"/>
-              <a:t>25</a:t>
+              <a:t>26</a:t>
             </a:fld>
             <a:endParaRPr lang="en-GB" dirty="0"/>
           </a:p>
@@ -12167,7 +12167,7 @@
         </p:nvSpPr>
         <p:spPr>
           <a:xfrm>
-            <a:off x="395536" y="1844824"/>
+            <a:off x="395536" y="1556792"/>
             <a:ext cx="8496944" cy="4401205"/>
           </a:xfrm>
           <a:prstGeom prst="rect">
@@ -14665,6 +14665,317 @@
           <a:p>
             <a:r>
               <a:rPr lang="en-GB" dirty="0" smtClean="0"/>
+              <a:t>Scripting: </a:t>
+            </a:r>
+            <a:br>
+              <a:rPr lang="en-GB" dirty="0" smtClean="0"/>
+            </a:br>
+            <a:r>
+              <a:rPr lang="en-GB" dirty="0" smtClean="0"/>
+              <a:t>Recap</a:t>
+            </a:r>
+            <a:endParaRPr lang="en-GB" dirty="0"/>
+          </a:p>
+        </p:txBody>
+      </p:sp>
+      <p:sp>
+        <p:nvSpPr>
+          <p:cNvPr id="3" name="Content Placeholder 2"/>
+          <p:cNvSpPr>
+            <a:spLocks noGrp="1"/>
+          </p:cNvSpPr>
+          <p:nvPr>
+            <p:ph idx="1"/>
+          </p:nvPr>
+        </p:nvSpPr>
+        <p:spPr>
+          <a:xfrm>
+            <a:off x="107504" y="1600200"/>
+            <a:ext cx="8928992" cy="4525963"/>
+          </a:xfrm>
+        </p:spPr>
+        <p:txBody>
+          <a:bodyPr/>
+          <a:lstStyle/>
+          <a:p>
+            <a:r>
+              <a:rPr lang="en-GB" sz="2400" dirty="0" smtClean="0">
+                <a:latin typeface="Arial" panose="020B0604020202020204" pitchFamily="34" charset="0"/>
+                <a:cs typeface="Arial" panose="020B0604020202020204" pitchFamily="34" charset="0"/>
+              </a:rPr>
+              <a:t>Instrument Scripts:</a:t>
+            </a:r>
+          </a:p>
+          <a:p>
+            <a:pPr lvl="1"/>
+            <a:r>
+              <a:rPr lang="en-GB" sz="1800" dirty="0" smtClean="0">
+                <a:latin typeface="Arial" panose="020B0604020202020204" pitchFamily="34" charset="0"/>
+                <a:cs typeface="Arial" panose="020B0604020202020204" pitchFamily="34" charset="0"/>
+              </a:rPr>
+              <a:t>Contain non-user-specific functionality</a:t>
+            </a:r>
+          </a:p>
+          <a:p>
+            <a:pPr lvl="1"/>
+            <a:r>
+              <a:rPr lang="en-GB" sz="1800" dirty="0" smtClean="0">
+                <a:latin typeface="Arial" panose="020B0604020202020204" pitchFamily="34" charset="0"/>
+                <a:cs typeface="Arial" panose="020B0604020202020204" pitchFamily="34" charset="0"/>
+              </a:rPr>
+              <a:t>Are loaded using </a:t>
+            </a:r>
+            <a:r>
+              <a:rPr lang="en-GB" sz="1800" b="1" dirty="0" smtClean="0">
+                <a:solidFill>
+                  <a:schemeClr val="accent2"/>
+                </a:solidFill>
+                <a:latin typeface="Courier New" panose="02070309020205020404" pitchFamily="49" charset="0"/>
+                <a:cs typeface="Courier New" panose="02070309020205020404" pitchFamily="49" charset="0"/>
+              </a:rPr>
+              <a:t>reload(</a:t>
+            </a:r>
+            <a:r>
+              <a:rPr lang="en-GB" sz="1800" b="1" dirty="0" err="1" smtClean="0">
+                <a:solidFill>
+                  <a:schemeClr val="accent2"/>
+                </a:solidFill>
+                <a:latin typeface="Courier New" panose="02070309020205020404" pitchFamily="49" charset="0"/>
+                <a:cs typeface="Courier New" panose="02070309020205020404" pitchFamily="49" charset="0"/>
+              </a:rPr>
+              <a:t>inst</a:t>
+            </a:r>
+            <a:r>
+              <a:rPr lang="en-GB" sz="1800" b="1" dirty="0" smtClean="0">
+                <a:solidFill>
+                  <a:schemeClr val="accent2"/>
+                </a:solidFill>
+                <a:latin typeface="Courier New" panose="02070309020205020404" pitchFamily="49" charset="0"/>
+                <a:cs typeface="Courier New" panose="02070309020205020404" pitchFamily="49" charset="0"/>
+              </a:rPr>
+              <a:t>)</a:t>
+            </a:r>
+          </a:p>
+          <a:p>
+            <a:pPr lvl="1"/>
+            <a:r>
+              <a:rPr lang="en-GB" sz="1800" dirty="0" smtClean="0">
+                <a:latin typeface="Arial" panose="020B0604020202020204" pitchFamily="34" charset="0"/>
+                <a:cs typeface="Arial" panose="020B0604020202020204" pitchFamily="34" charset="0"/>
+              </a:rPr>
+              <a:t>Functions are accessed via </a:t>
+            </a:r>
+            <a:r>
+              <a:rPr lang="en-GB" sz="1800" dirty="0" err="1" smtClean="0">
+                <a:latin typeface="Arial" panose="020B0604020202020204" pitchFamily="34" charset="0"/>
+                <a:cs typeface="Arial" panose="020B0604020202020204" pitchFamily="34" charset="0"/>
+              </a:rPr>
+              <a:t>inst</a:t>
+            </a:r>
+            <a:r>
+              <a:rPr lang="en-GB" sz="1800" dirty="0" smtClean="0">
+                <a:latin typeface="Arial" panose="020B0604020202020204" pitchFamily="34" charset="0"/>
+                <a:cs typeface="Arial" panose="020B0604020202020204" pitchFamily="34" charset="0"/>
+              </a:rPr>
+              <a:t> module, e.g. </a:t>
+            </a:r>
+            <a:r>
+              <a:rPr lang="en-GB" sz="1800" b="1" dirty="0" err="1" smtClean="0">
+                <a:solidFill>
+                  <a:schemeClr val="accent2"/>
+                </a:solidFill>
+                <a:latin typeface="Courier New" panose="02070309020205020404" pitchFamily="49" charset="0"/>
+                <a:cs typeface="Courier New" panose="02070309020205020404" pitchFamily="49" charset="0"/>
+              </a:rPr>
+              <a:t>inst.function_name</a:t>
+            </a:r>
+            <a:r>
+              <a:rPr lang="en-GB" sz="1800" b="1" dirty="0" smtClean="0">
+                <a:solidFill>
+                  <a:schemeClr val="accent2"/>
+                </a:solidFill>
+                <a:latin typeface="Courier New" panose="02070309020205020404" pitchFamily="49" charset="0"/>
+                <a:cs typeface="Courier New" panose="02070309020205020404" pitchFamily="49" charset="0"/>
+              </a:rPr>
+              <a:t>()</a:t>
+            </a:r>
+          </a:p>
+          <a:p>
+            <a:pPr lvl="1"/>
+            <a:r>
+              <a:rPr lang="en-GB" sz="1800" dirty="0" smtClean="0">
+                <a:latin typeface="Arial" panose="020B0604020202020204" pitchFamily="34" charset="0"/>
+                <a:cs typeface="Arial" panose="020B0604020202020204" pitchFamily="34" charset="0"/>
+              </a:rPr>
+              <a:t>Need to explicitly import </a:t>
+            </a:r>
+            <a:r>
+              <a:rPr lang="en-GB" sz="1800" dirty="0" err="1" smtClean="0">
+                <a:latin typeface="Arial" panose="020B0604020202020204" pitchFamily="34" charset="0"/>
+                <a:cs typeface="Arial" panose="020B0604020202020204" pitchFamily="34" charset="0"/>
+              </a:rPr>
+              <a:t>genie_python</a:t>
+            </a:r>
+            <a:endParaRPr lang="en-GB" sz="1800" dirty="0" smtClean="0">
+              <a:latin typeface="Arial" panose="020B0604020202020204" pitchFamily="34" charset="0"/>
+              <a:cs typeface="Arial" panose="020B0604020202020204" pitchFamily="34" charset="0"/>
+            </a:endParaRPr>
+          </a:p>
+          <a:p>
+            <a:endParaRPr lang="en-GB" sz="2000" dirty="0" smtClean="0">
+              <a:latin typeface="Arial" panose="020B0604020202020204" pitchFamily="34" charset="0"/>
+              <a:cs typeface="Arial" panose="020B0604020202020204" pitchFamily="34" charset="0"/>
+            </a:endParaRPr>
+          </a:p>
+          <a:p>
+            <a:r>
+              <a:rPr lang="en-GB" sz="2400" dirty="0" smtClean="0">
+                <a:latin typeface="Arial" panose="020B0604020202020204" pitchFamily="34" charset="0"/>
+                <a:cs typeface="Arial" panose="020B0604020202020204" pitchFamily="34" charset="0"/>
+              </a:rPr>
+              <a:t>User Scripts:</a:t>
+            </a:r>
+          </a:p>
+          <a:p>
+            <a:pPr lvl="1"/>
+            <a:r>
+              <a:rPr lang="en-GB" sz="1800" dirty="0" smtClean="0">
+                <a:latin typeface="Arial" panose="020B0604020202020204" pitchFamily="34" charset="0"/>
+                <a:cs typeface="Arial" panose="020B0604020202020204" pitchFamily="34" charset="0"/>
+              </a:rPr>
+              <a:t>Contain user-specific functionality</a:t>
+            </a:r>
+          </a:p>
+          <a:p>
+            <a:pPr lvl="1"/>
+            <a:r>
+              <a:rPr lang="en-GB" sz="1800" dirty="0" smtClean="0">
+                <a:latin typeface="Arial" panose="020B0604020202020204" pitchFamily="34" charset="0"/>
+                <a:cs typeface="Arial" panose="020B0604020202020204" pitchFamily="34" charset="0"/>
+              </a:rPr>
+              <a:t>Are loaded using </a:t>
+            </a:r>
+            <a:r>
+              <a:rPr lang="en-GB" sz="1800" b="1" dirty="0" err="1" smtClean="0">
+                <a:solidFill>
+                  <a:schemeClr val="accent2"/>
+                </a:solidFill>
+                <a:latin typeface="Courier New" panose="02070309020205020404" pitchFamily="49" charset="0"/>
+                <a:cs typeface="Courier New" panose="02070309020205020404" pitchFamily="49" charset="0"/>
+              </a:rPr>
+              <a:t>load_script</a:t>
+            </a:r>
+            <a:r>
+              <a:rPr lang="en-GB" sz="1800" b="1" dirty="0" smtClean="0">
+                <a:solidFill>
+                  <a:schemeClr val="accent2"/>
+                </a:solidFill>
+                <a:latin typeface="Courier New" panose="02070309020205020404" pitchFamily="49" charset="0"/>
+                <a:cs typeface="Courier New" panose="02070309020205020404" pitchFamily="49" charset="0"/>
+              </a:rPr>
+              <a:t>(“script_name.py”)</a:t>
+            </a:r>
+          </a:p>
+          <a:p>
+            <a:pPr lvl="1"/>
+            <a:r>
+              <a:rPr lang="en-GB" sz="1800" dirty="0" smtClean="0">
+                <a:latin typeface="Arial" panose="020B0604020202020204" pitchFamily="34" charset="0"/>
+                <a:cs typeface="Arial" panose="020B0604020202020204" pitchFamily="34" charset="0"/>
+              </a:rPr>
+              <a:t>Functions are accessed directly, e.g. </a:t>
+            </a:r>
+            <a:r>
+              <a:rPr lang="en-GB" sz="1800" b="1" dirty="0" err="1" smtClean="0">
+                <a:solidFill>
+                  <a:schemeClr val="accent2"/>
+                </a:solidFill>
+                <a:latin typeface="Courier New" panose="02070309020205020404" pitchFamily="49" charset="0"/>
+                <a:cs typeface="Courier New" panose="02070309020205020404" pitchFamily="49" charset="0"/>
+              </a:rPr>
+              <a:t>function_name</a:t>
+            </a:r>
+            <a:r>
+              <a:rPr lang="en-GB" sz="1800" b="1" dirty="0" smtClean="0">
+                <a:solidFill>
+                  <a:schemeClr val="accent2"/>
+                </a:solidFill>
+                <a:latin typeface="Courier New" panose="02070309020205020404" pitchFamily="49" charset="0"/>
+                <a:cs typeface="Courier New" panose="02070309020205020404" pitchFamily="49" charset="0"/>
+              </a:rPr>
+              <a:t>()</a:t>
+            </a:r>
+          </a:p>
+          <a:p>
+            <a:pPr lvl="1"/>
+            <a:r>
+              <a:rPr lang="en-GB" sz="1800" dirty="0" smtClean="0">
+                <a:latin typeface="Arial" panose="020B0604020202020204" pitchFamily="34" charset="0"/>
+                <a:cs typeface="Arial" panose="020B0604020202020204" pitchFamily="34" charset="0"/>
+              </a:rPr>
+              <a:t>Do not need to explicitly import </a:t>
+            </a:r>
+            <a:r>
+              <a:rPr lang="en-GB" sz="1800" dirty="0" err="1" smtClean="0">
+                <a:latin typeface="Arial" panose="020B0604020202020204" pitchFamily="34" charset="0"/>
+                <a:cs typeface="Arial" panose="020B0604020202020204" pitchFamily="34" charset="0"/>
+              </a:rPr>
+              <a:t>genie_python</a:t>
+            </a:r>
+            <a:endParaRPr lang="en-GB" sz="1800" dirty="0">
+              <a:latin typeface="Arial" panose="020B0604020202020204" pitchFamily="34" charset="0"/>
+              <a:cs typeface="Arial" panose="020B0604020202020204" pitchFamily="34" charset="0"/>
+            </a:endParaRPr>
+          </a:p>
+        </p:txBody>
+      </p:sp>
+    </p:spTree>
+    <p:extLst>
+      <p:ext uri="{BB962C8B-B14F-4D97-AF65-F5344CB8AC3E}">
+        <p14:creationId xmlns:p14="http://schemas.microsoft.com/office/powerpoint/2010/main" val="2284420345"/>
+      </p:ext>
+    </p:extLst>
+  </p:cSld>
+  <p:clrMapOvr>
+    <a:masterClrMapping/>
+  </p:clrMapOvr>
+</p:sld>
+</file>
+
+<file path=ppt/slides/slide25.xml><?xml version="1.0" encoding="utf-8"?>
+<p:sld xmlns:a="http://schemas.openxmlformats.org/drawingml/2006/main" xmlns:r="http://schemas.openxmlformats.org/officeDocument/2006/relationships" xmlns:p="http://schemas.openxmlformats.org/presentationml/2006/main">
+  <p:cSld>
+    <p:spTree>
+      <p:nvGrpSpPr>
+        <p:cNvPr id="1" name=""/>
+        <p:cNvGrpSpPr/>
+        <p:nvPr/>
+      </p:nvGrpSpPr>
+      <p:grpSpPr>
+        <a:xfrm>
+          <a:off x="0" y="0"/>
+          <a:ext cx="0" cy="0"/>
+          <a:chOff x="0" y="0"/>
+          <a:chExt cx="0" cy="0"/>
+        </a:xfrm>
+      </p:grpSpPr>
+      <p:sp>
+        <p:nvSpPr>
+          <p:cNvPr id="2" name="Title 1"/>
+          <p:cNvSpPr>
+            <a:spLocks noGrp="1"/>
+          </p:cNvSpPr>
+          <p:nvPr>
+            <p:ph type="title"/>
+          </p:nvPr>
+        </p:nvSpPr>
+        <p:spPr/>
+        <p:txBody>
+          <a:bodyPr/>
+          <a:lstStyle/>
+          <a:p>
+            <a:r>
+              <a:rPr lang="en-GB" dirty="0" smtClean="0"/>
               <a:t>Scripting:</a:t>
             </a:r>
             <a:r>
@@ -15009,7 +15320,7 @@
 </p:sld>
 </file>
 
-<file path=ppt/slides/slide25.xml><?xml version="1.0" encoding="utf-8"?>
+<file path=ppt/slides/slide26.xml><?xml version="1.0" encoding="utf-8"?>
 <p:sld xmlns:a="http://schemas.openxmlformats.org/drawingml/2006/main" xmlns:r="http://schemas.openxmlformats.org/officeDocument/2006/relationships" xmlns:p="http://schemas.openxmlformats.org/presentationml/2006/main">
   <p:cSld>
     <p:bg>
@@ -15321,317 +15632,6 @@
       </p:par>
     </p:tnLst>
   </p:timing>
-</p:sld>
-</file>
-
-<file path=ppt/slides/slide26.xml><?xml version="1.0" encoding="utf-8"?>
-<p:sld xmlns:a="http://schemas.openxmlformats.org/drawingml/2006/main" xmlns:r="http://schemas.openxmlformats.org/officeDocument/2006/relationships" xmlns:p="http://schemas.openxmlformats.org/presentationml/2006/main">
-  <p:cSld>
-    <p:spTree>
-      <p:nvGrpSpPr>
-        <p:cNvPr id="1" name=""/>
-        <p:cNvGrpSpPr/>
-        <p:nvPr/>
-      </p:nvGrpSpPr>
-      <p:grpSpPr>
-        <a:xfrm>
-          <a:off x="0" y="0"/>
-          <a:ext cx="0" cy="0"/>
-          <a:chOff x="0" y="0"/>
-          <a:chExt cx="0" cy="0"/>
-        </a:xfrm>
-      </p:grpSpPr>
-      <p:sp>
-        <p:nvSpPr>
-          <p:cNvPr id="2" name="Title 1"/>
-          <p:cNvSpPr>
-            <a:spLocks noGrp="1"/>
-          </p:cNvSpPr>
-          <p:nvPr>
-            <p:ph type="title"/>
-          </p:nvPr>
-        </p:nvSpPr>
-        <p:spPr/>
-        <p:txBody>
-          <a:bodyPr/>
-          <a:lstStyle/>
-          <a:p>
-            <a:r>
-              <a:rPr lang="en-GB" dirty="0" smtClean="0"/>
-              <a:t>Scripting: </a:t>
-            </a:r>
-            <a:br>
-              <a:rPr lang="en-GB" dirty="0" smtClean="0"/>
-            </a:br>
-            <a:r>
-              <a:rPr lang="en-GB" dirty="0" smtClean="0"/>
-              <a:t>Recap</a:t>
-            </a:r>
-            <a:endParaRPr lang="en-GB" dirty="0"/>
-          </a:p>
-        </p:txBody>
-      </p:sp>
-      <p:sp>
-        <p:nvSpPr>
-          <p:cNvPr id="3" name="Content Placeholder 2"/>
-          <p:cNvSpPr>
-            <a:spLocks noGrp="1"/>
-          </p:cNvSpPr>
-          <p:nvPr>
-            <p:ph idx="1"/>
-          </p:nvPr>
-        </p:nvSpPr>
-        <p:spPr>
-          <a:xfrm>
-            <a:off x="107504" y="1600200"/>
-            <a:ext cx="8928992" cy="4525963"/>
-          </a:xfrm>
-        </p:spPr>
-        <p:txBody>
-          <a:bodyPr/>
-          <a:lstStyle/>
-          <a:p>
-            <a:r>
-              <a:rPr lang="en-GB" sz="2400" dirty="0" smtClean="0">
-                <a:latin typeface="Arial" panose="020B0604020202020204" pitchFamily="34" charset="0"/>
-                <a:cs typeface="Arial" panose="020B0604020202020204" pitchFamily="34" charset="0"/>
-              </a:rPr>
-              <a:t>Instrument Scripts:</a:t>
-            </a:r>
-          </a:p>
-          <a:p>
-            <a:pPr lvl="1"/>
-            <a:r>
-              <a:rPr lang="en-GB" sz="1800" dirty="0" smtClean="0">
-                <a:latin typeface="Arial" panose="020B0604020202020204" pitchFamily="34" charset="0"/>
-                <a:cs typeface="Arial" panose="020B0604020202020204" pitchFamily="34" charset="0"/>
-              </a:rPr>
-              <a:t>Contain non-user-specific functionality</a:t>
-            </a:r>
-          </a:p>
-          <a:p>
-            <a:pPr lvl="1"/>
-            <a:r>
-              <a:rPr lang="en-GB" sz="1800" dirty="0" smtClean="0">
-                <a:latin typeface="Arial" panose="020B0604020202020204" pitchFamily="34" charset="0"/>
-                <a:cs typeface="Arial" panose="020B0604020202020204" pitchFamily="34" charset="0"/>
-              </a:rPr>
-              <a:t>Are loaded using </a:t>
-            </a:r>
-            <a:r>
-              <a:rPr lang="en-GB" sz="1800" b="1" dirty="0" smtClean="0">
-                <a:solidFill>
-                  <a:schemeClr val="accent2"/>
-                </a:solidFill>
-                <a:latin typeface="Courier New" panose="02070309020205020404" pitchFamily="49" charset="0"/>
-                <a:cs typeface="Courier New" panose="02070309020205020404" pitchFamily="49" charset="0"/>
-              </a:rPr>
-              <a:t>reload(</a:t>
-            </a:r>
-            <a:r>
-              <a:rPr lang="en-GB" sz="1800" b="1" dirty="0" err="1" smtClean="0">
-                <a:solidFill>
-                  <a:schemeClr val="accent2"/>
-                </a:solidFill>
-                <a:latin typeface="Courier New" panose="02070309020205020404" pitchFamily="49" charset="0"/>
-                <a:cs typeface="Courier New" panose="02070309020205020404" pitchFamily="49" charset="0"/>
-              </a:rPr>
-              <a:t>inst</a:t>
-            </a:r>
-            <a:r>
-              <a:rPr lang="en-GB" sz="1800" b="1" dirty="0" smtClean="0">
-                <a:solidFill>
-                  <a:schemeClr val="accent2"/>
-                </a:solidFill>
-                <a:latin typeface="Courier New" panose="02070309020205020404" pitchFamily="49" charset="0"/>
-                <a:cs typeface="Courier New" panose="02070309020205020404" pitchFamily="49" charset="0"/>
-              </a:rPr>
-              <a:t>)</a:t>
-            </a:r>
-          </a:p>
-          <a:p>
-            <a:pPr lvl="1"/>
-            <a:r>
-              <a:rPr lang="en-GB" sz="1800" dirty="0" smtClean="0">
-                <a:latin typeface="Arial" panose="020B0604020202020204" pitchFamily="34" charset="0"/>
-                <a:cs typeface="Arial" panose="020B0604020202020204" pitchFamily="34" charset="0"/>
-              </a:rPr>
-              <a:t>Functions are accessed via </a:t>
-            </a:r>
-            <a:r>
-              <a:rPr lang="en-GB" sz="1800" dirty="0" err="1" smtClean="0">
-                <a:latin typeface="Arial" panose="020B0604020202020204" pitchFamily="34" charset="0"/>
-                <a:cs typeface="Arial" panose="020B0604020202020204" pitchFamily="34" charset="0"/>
-              </a:rPr>
-              <a:t>inst</a:t>
-            </a:r>
-            <a:r>
-              <a:rPr lang="en-GB" sz="1800" dirty="0" smtClean="0">
-                <a:latin typeface="Arial" panose="020B0604020202020204" pitchFamily="34" charset="0"/>
-                <a:cs typeface="Arial" panose="020B0604020202020204" pitchFamily="34" charset="0"/>
-              </a:rPr>
-              <a:t> module, e.g. </a:t>
-            </a:r>
-            <a:r>
-              <a:rPr lang="en-GB" sz="1800" b="1" dirty="0" err="1" smtClean="0">
-                <a:solidFill>
-                  <a:schemeClr val="accent2"/>
-                </a:solidFill>
-                <a:latin typeface="Courier New" panose="02070309020205020404" pitchFamily="49" charset="0"/>
-                <a:cs typeface="Courier New" panose="02070309020205020404" pitchFamily="49" charset="0"/>
-              </a:rPr>
-              <a:t>inst.function_name</a:t>
-            </a:r>
-            <a:r>
-              <a:rPr lang="en-GB" sz="1800" b="1" dirty="0" smtClean="0">
-                <a:solidFill>
-                  <a:schemeClr val="accent2"/>
-                </a:solidFill>
-                <a:latin typeface="Courier New" panose="02070309020205020404" pitchFamily="49" charset="0"/>
-                <a:cs typeface="Courier New" panose="02070309020205020404" pitchFamily="49" charset="0"/>
-              </a:rPr>
-              <a:t>()</a:t>
-            </a:r>
-          </a:p>
-          <a:p>
-            <a:pPr lvl="1"/>
-            <a:r>
-              <a:rPr lang="en-GB" sz="1800" dirty="0" smtClean="0">
-                <a:latin typeface="Arial" panose="020B0604020202020204" pitchFamily="34" charset="0"/>
-                <a:cs typeface="Arial" panose="020B0604020202020204" pitchFamily="34" charset="0"/>
-              </a:rPr>
-              <a:t>Need to explicitly import </a:t>
-            </a:r>
-            <a:r>
-              <a:rPr lang="en-GB" sz="1800" dirty="0" err="1" smtClean="0">
-                <a:latin typeface="Arial" panose="020B0604020202020204" pitchFamily="34" charset="0"/>
-                <a:cs typeface="Arial" panose="020B0604020202020204" pitchFamily="34" charset="0"/>
-              </a:rPr>
-              <a:t>genie_python</a:t>
-            </a:r>
-            <a:endParaRPr lang="en-GB" sz="1800" dirty="0" smtClean="0">
-              <a:latin typeface="Arial" panose="020B0604020202020204" pitchFamily="34" charset="0"/>
-              <a:cs typeface="Arial" panose="020B0604020202020204" pitchFamily="34" charset="0"/>
-            </a:endParaRPr>
-          </a:p>
-          <a:p>
-            <a:endParaRPr lang="en-GB" sz="2000" dirty="0" smtClean="0">
-              <a:latin typeface="Arial" panose="020B0604020202020204" pitchFamily="34" charset="0"/>
-              <a:cs typeface="Arial" panose="020B0604020202020204" pitchFamily="34" charset="0"/>
-            </a:endParaRPr>
-          </a:p>
-          <a:p>
-            <a:r>
-              <a:rPr lang="en-GB" sz="2400" dirty="0" smtClean="0">
-                <a:latin typeface="Arial" panose="020B0604020202020204" pitchFamily="34" charset="0"/>
-                <a:cs typeface="Arial" panose="020B0604020202020204" pitchFamily="34" charset="0"/>
-              </a:rPr>
-              <a:t>User Scripts:</a:t>
-            </a:r>
-          </a:p>
-          <a:p>
-            <a:pPr lvl="1"/>
-            <a:r>
-              <a:rPr lang="en-GB" sz="1800" dirty="0" smtClean="0">
-                <a:latin typeface="Arial" panose="020B0604020202020204" pitchFamily="34" charset="0"/>
-                <a:cs typeface="Arial" panose="020B0604020202020204" pitchFamily="34" charset="0"/>
-              </a:rPr>
-              <a:t>Contain user-specific functionality</a:t>
-            </a:r>
-          </a:p>
-          <a:p>
-            <a:pPr lvl="1"/>
-            <a:r>
-              <a:rPr lang="en-GB" sz="1800" dirty="0" smtClean="0">
-                <a:latin typeface="Arial" panose="020B0604020202020204" pitchFamily="34" charset="0"/>
-                <a:cs typeface="Arial" panose="020B0604020202020204" pitchFamily="34" charset="0"/>
-              </a:rPr>
-              <a:t>Are loaded using </a:t>
-            </a:r>
-            <a:r>
-              <a:rPr lang="en-GB" sz="1800" b="1" dirty="0" err="1" smtClean="0">
-                <a:solidFill>
-                  <a:schemeClr val="accent2"/>
-                </a:solidFill>
-                <a:latin typeface="Courier New" panose="02070309020205020404" pitchFamily="49" charset="0"/>
-                <a:cs typeface="Courier New" panose="02070309020205020404" pitchFamily="49" charset="0"/>
-              </a:rPr>
-              <a:t>load_script</a:t>
-            </a:r>
-            <a:r>
-              <a:rPr lang="en-GB" sz="1800" b="1" dirty="0" smtClean="0">
-                <a:solidFill>
-                  <a:schemeClr val="accent2"/>
-                </a:solidFill>
-                <a:latin typeface="Courier New" panose="02070309020205020404" pitchFamily="49" charset="0"/>
-                <a:cs typeface="Courier New" panose="02070309020205020404" pitchFamily="49" charset="0"/>
-              </a:rPr>
-              <a:t>(“script_name.py”)</a:t>
-            </a:r>
-          </a:p>
-          <a:p>
-            <a:pPr lvl="1"/>
-            <a:r>
-              <a:rPr lang="en-GB" sz="1800" dirty="0" smtClean="0">
-                <a:latin typeface="Arial" panose="020B0604020202020204" pitchFamily="34" charset="0"/>
-                <a:cs typeface="Arial" panose="020B0604020202020204" pitchFamily="34" charset="0"/>
-              </a:rPr>
-              <a:t>Functions are accessed directly, e.g. </a:t>
-            </a:r>
-            <a:r>
-              <a:rPr lang="en-GB" sz="1800" b="1" dirty="0" err="1" smtClean="0">
-                <a:solidFill>
-                  <a:schemeClr val="accent2"/>
-                </a:solidFill>
-                <a:latin typeface="Courier New" panose="02070309020205020404" pitchFamily="49" charset="0"/>
-                <a:cs typeface="Courier New" panose="02070309020205020404" pitchFamily="49" charset="0"/>
-              </a:rPr>
-              <a:t>function_name</a:t>
-            </a:r>
-            <a:r>
-              <a:rPr lang="en-GB" sz="1800" b="1" dirty="0" smtClean="0">
-                <a:solidFill>
-                  <a:schemeClr val="accent2"/>
-                </a:solidFill>
-                <a:latin typeface="Courier New" panose="02070309020205020404" pitchFamily="49" charset="0"/>
-                <a:cs typeface="Courier New" panose="02070309020205020404" pitchFamily="49" charset="0"/>
-              </a:rPr>
-              <a:t>()</a:t>
-            </a:r>
-          </a:p>
-          <a:p>
-            <a:pPr lvl="1"/>
-            <a:r>
-              <a:rPr lang="en-GB" sz="1800" dirty="0" smtClean="0">
-                <a:latin typeface="Arial" panose="020B0604020202020204" pitchFamily="34" charset="0"/>
-                <a:cs typeface="Arial" panose="020B0604020202020204" pitchFamily="34" charset="0"/>
-              </a:rPr>
-              <a:t>Do not need to explicitly import </a:t>
-            </a:r>
-            <a:r>
-              <a:rPr lang="en-GB" sz="1800" dirty="0" err="1" smtClean="0">
-                <a:latin typeface="Arial" panose="020B0604020202020204" pitchFamily="34" charset="0"/>
-                <a:cs typeface="Arial" panose="020B0604020202020204" pitchFamily="34" charset="0"/>
-              </a:rPr>
-              <a:t>genie_python</a:t>
-            </a:r>
-            <a:endParaRPr lang="en-GB" sz="1800" dirty="0">
-              <a:latin typeface="Arial" panose="020B0604020202020204" pitchFamily="34" charset="0"/>
-              <a:cs typeface="Arial" panose="020B0604020202020204" pitchFamily="34" charset="0"/>
-            </a:endParaRPr>
-          </a:p>
-        </p:txBody>
-      </p:sp>
-    </p:spTree>
-    <p:extLst>
-      <p:ext uri="{BB962C8B-B14F-4D97-AF65-F5344CB8AC3E}">
-        <p14:creationId xmlns:p14="http://schemas.microsoft.com/office/powerpoint/2010/main" val="2284420345"/>
-      </p:ext>
-    </p:extLst>
-  </p:cSld>
-  <p:clrMapOvr>
-    <a:masterClrMapping/>
-  </p:clrMapOvr>
 </p:sld>
 </file>
 

--- a/genie_python_and_ibex/genie_python_and_ibex.pptx
+++ b/genie_python_and_ibex/genie_python_and_ibex.pptx
@@ -173,7 +173,7 @@
   </p:defaultTextStyle>
   <p:extLst>
     <p:ext uri="{EFAFB233-063F-42B5-8137-9DF3F51BA10A}">
-      <p15:sldGuideLst xmlns="" xmlns:p15="http://schemas.microsoft.com/office/powerpoint/2012/main">
+      <p15:sldGuideLst xmlns:p15="http://schemas.microsoft.com/office/powerpoint/2012/main">
         <p15:guide id="1" orient="horz" pos="2160">
           <p15:clr>
             <a:srgbClr val="A4A3A4"/>
@@ -272,7 +272,7 @@
           <a:p>
             <a:fld id="{0DA9C53C-B82A-4351-B1EF-A4391C7B86A2}" type="datetimeFigureOut">
               <a:rPr lang="en-GB" smtClean="0"/>
-              <a:t>26/01/2018</a:t>
+              <a:t>29/05/2018</a:t>
             </a:fld>
             <a:endParaRPr lang="en-GB" dirty="0"/>
           </a:p>
@@ -1950,19 +1950,7 @@
                 <a:ea typeface="+mn-ea"/>
                 <a:cs typeface="+mn-cs"/>
               </a:rPr>
-              <a:t> control. Why is that good</a:t>
-            </a:r>
-            <a:r>
-              <a:rPr lang="en-GB" sz="1200" b="0" i="0" kern="1200" baseline="0" dirty="0" smtClean="0">
-                <a:solidFill>
-                  <a:schemeClr val="tx1"/>
-                </a:solidFill>
-                <a:effectLst/>
-                <a:latin typeface="+mn-lt"/>
-                <a:ea typeface="+mn-ea"/>
-                <a:cs typeface="+mn-cs"/>
-              </a:rPr>
-              <a:t>?</a:t>
+              <a:t> control. Why is that good?</a:t>
             </a:r>
             <a:endParaRPr lang="en-GB" dirty="0" smtClean="0"/>
           </a:p>
@@ -5777,7 +5765,7 @@
               <a:pPr>
                 <a:defRPr/>
               </a:pPr>
-              <a:t>26/01/2018</a:t>
+              <a:t>29/05/2018</a:t>
             </a:fld>
             <a:endParaRPr lang="en-GB" dirty="0"/>
           </a:p>
@@ -5974,7 +5962,7 @@
               <a:pPr>
                 <a:defRPr/>
               </a:pPr>
-              <a:t>26/01/2018</a:t>
+              <a:t>29/05/2018</a:t>
             </a:fld>
             <a:endParaRPr lang="en-GB" dirty="0"/>
           </a:p>
@@ -6181,7 +6169,7 @@
               <a:pPr>
                 <a:defRPr/>
               </a:pPr>
-              <a:t>26/01/2018</a:t>
+              <a:t>29/05/2018</a:t>
             </a:fld>
             <a:endParaRPr lang="en-GB" dirty="0"/>
           </a:p>
@@ -6378,7 +6366,7 @@
               <a:pPr>
                 <a:defRPr/>
               </a:pPr>
-              <a:t>26/01/2018</a:t>
+              <a:t>29/05/2018</a:t>
             </a:fld>
             <a:endParaRPr lang="en-GB" dirty="0"/>
           </a:p>
@@ -6651,7 +6639,7 @@
               <a:pPr>
                 <a:defRPr/>
               </a:pPr>
-              <a:t>26/01/2018</a:t>
+              <a:t>29/05/2018</a:t>
             </a:fld>
             <a:endParaRPr lang="en-GB" dirty="0"/>
           </a:p>
@@ -6966,7 +6954,7 @@
               <a:pPr>
                 <a:defRPr/>
               </a:pPr>
-              <a:t>26/01/2018</a:t>
+              <a:t>29/05/2018</a:t>
             </a:fld>
             <a:endParaRPr lang="en-GB" dirty="0"/>
           </a:p>
@@ -7415,7 +7403,7 @@
               <a:pPr>
                 <a:defRPr/>
               </a:pPr>
-              <a:t>26/01/2018</a:t>
+              <a:t>29/05/2018</a:t>
             </a:fld>
             <a:endParaRPr lang="en-GB" dirty="0"/>
           </a:p>
@@ -7560,7 +7548,7 @@
               <a:pPr>
                 <a:defRPr/>
               </a:pPr>
-              <a:t>26/01/2018</a:t>
+              <a:t>29/05/2018</a:t>
             </a:fld>
             <a:endParaRPr lang="en-GB" dirty="0"/>
           </a:p>
@@ -7682,7 +7670,7 @@
               <a:pPr>
                 <a:defRPr/>
               </a:pPr>
-              <a:t>26/01/2018</a:t>
+              <a:t>29/05/2018</a:t>
             </a:fld>
             <a:endParaRPr lang="en-GB" dirty="0"/>
           </a:p>
@@ -7986,7 +7974,7 @@
               <a:pPr>
                 <a:defRPr/>
               </a:pPr>
-              <a:t>26/01/2018</a:t>
+              <a:t>29/05/2018</a:t>
             </a:fld>
             <a:endParaRPr lang="en-GB" dirty="0"/>
           </a:p>
@@ -8269,7 +8257,7 @@
               <a:pPr>
                 <a:defRPr/>
               </a:pPr>
-              <a:t>26/01/2018</a:t>
+              <a:t>29/05/2018</a:t>
             </a:fld>
             <a:endParaRPr lang="en-GB" dirty="0"/>
           </a:p>
@@ -8564,7 +8552,7 @@
               <a:pPr>
                 <a:defRPr/>
               </a:pPr>
-              <a:t>26/01/2018</a:t>
+              <a:t>29/05/2018</a:t>
             </a:fld>
             <a:endParaRPr lang="en-GB" dirty="0"/>
           </a:p>
@@ -11401,11 +11389,7 @@
             </a:pPr>
             <a:r>
               <a:rPr lang="en-GB" dirty="0" smtClean="0"/>
-              <a:t>Makes </a:t>
-            </a:r>
-            <a:r>
-              <a:rPr lang="en-GB" dirty="0" smtClean="0"/>
-              <a:t>complex code easier to edit and maintain</a:t>
+              <a:t>Makes complex code easier to edit and maintain</a:t>
             </a:r>
           </a:p>
           <a:p>
@@ -11639,13 +11623,8 @@
             </a:r>
             <a:r>
               <a:rPr lang="en-GB" sz="2400" b="1" i="1" dirty="0" smtClean="0"/>
-              <a:t>C</a:t>
-            </a:r>
-            <a:r>
-              <a:rPr lang="en-GB" sz="2400" b="1" i="1" dirty="0" smtClean="0"/>
-              <a:t>:\Scripts\</a:t>
-            </a:r>
-            <a:endParaRPr lang="en-GB" sz="2400" b="1" i="1" dirty="0" smtClean="0"/>
+              <a:t>C:\Scripts\</a:t>
+            </a:r>
           </a:p>
           <a:p>
             <a:endParaRPr lang="en-GB" sz="2400" dirty="0"/>
@@ -11773,15 +11752,7 @@
             </a:r>
             <a:r>
               <a:rPr lang="en-GB" sz="2400" i="1" dirty="0" smtClean="0"/>
-              <a:t>C:\Scripts\</a:t>
-            </a:r>
-            <a:r>
-              <a:rPr lang="en-GB" sz="2400" i="1" dirty="0" smtClean="0"/>
-              <a:t>.</a:t>
-            </a:r>
-            <a:r>
-              <a:rPr lang="en-GB" sz="2400" i="1" dirty="0" smtClean="0"/>
-              <a:t> </a:t>
+              <a:t>C:\Scripts\. </a:t>
             </a:r>
             <a:r>
               <a:rPr lang="en-GB" sz="2400" dirty="0"/>
@@ -11846,7 +11817,7 @@
 </file>
 
 <file path=ppt/slides/slide17.xml><?xml version="1.0" encoding="utf-8"?>
-<p:sld xmlns:a="http://schemas.openxmlformats.org/drawingml/2006/main" xmlns:r="http://schemas.openxmlformats.org/officeDocument/2006/relationships" xmlns:p="http://schemas.openxmlformats.org/presentationml/2006/main">
+<p:sld xmlns:a="http://schemas.openxmlformats.org/drawingml/2006/main" xmlns:r="http://schemas.openxmlformats.org/officeDocument/2006/relationships" xmlns:p="http://schemas.openxmlformats.org/presentationml/2006/main" show="0">
   <p:cSld>
     <p:spTree>
       <p:nvGrpSpPr>
@@ -11878,26 +11849,10 @@
           <a:lstStyle/>
           <a:p>
             <a:r>
-              <a:rPr lang="en-GB" dirty="0" smtClean="0">
-                <a:solidFill>
-                  <a:srgbClr val="00B050"/>
-                </a:solidFill>
-              </a:rPr>
-              <a:t>Worked </a:t>
-            </a:r>
-            <a:r>
-              <a:rPr lang="en-GB" dirty="0" smtClean="0">
-                <a:solidFill>
-                  <a:srgbClr val="00B050"/>
-                </a:solidFill>
-              </a:rPr>
-              <a:t>example</a:t>
-            </a:r>
-            <a:endParaRPr lang="en-GB" dirty="0">
-              <a:solidFill>
-                <a:srgbClr val="00B050"/>
-              </a:solidFill>
-            </a:endParaRPr>
+              <a:rPr lang="en-GB" dirty="0" smtClean="0"/>
+              <a:t>Worked example</a:t>
+            </a:r>
+            <a:endParaRPr lang="en-GB" dirty="0"/>
           </a:p>
         </p:txBody>
       </p:sp>
@@ -11955,142 +11910,6 @@
           </a:extLst>
         </p:spPr>
       </p:pic>
-      <p:sp>
-        <p:nvSpPr>
-          <p:cNvPr id="4" name="Rectangle 3"/>
-          <p:cNvSpPr/>
-          <p:nvPr/>
-        </p:nvSpPr>
-        <p:spPr>
-          <a:xfrm>
-            <a:off x="5378335" y="1628800"/>
-            <a:ext cx="3765665" cy="2031325"/>
-          </a:xfrm>
-          <a:prstGeom prst="rect">
-            <a:avLst/>
-          </a:prstGeom>
-        </p:spPr>
-        <p:txBody>
-          <a:bodyPr wrap="square">
-            <a:spAutoFit/>
-          </a:bodyPr>
-          <a:lstStyle/>
-          <a:p>
-            <a:pPr marL="342900" indent="-342900">
-              <a:buFont typeface="Arial" panose="020B0604020202020204" pitchFamily="34" charset="0"/>
-              <a:buChar char="•"/>
-            </a:pPr>
-            <a:endParaRPr lang="en-GB" dirty="0" smtClean="0">
-              <a:solidFill>
-                <a:srgbClr val="00B050"/>
-              </a:solidFill>
-            </a:endParaRPr>
-          </a:p>
-          <a:p>
-            <a:pPr marL="342900" indent="-342900">
-              <a:buFont typeface="Arial" panose="020B0604020202020204" pitchFamily="34" charset="0"/>
-              <a:buChar char="•"/>
-            </a:pPr>
-            <a:r>
-              <a:rPr lang="en-GB" dirty="0" smtClean="0">
-                <a:solidFill>
-                  <a:srgbClr val="00B050"/>
-                </a:solidFill>
-              </a:rPr>
-              <a:t>Create </a:t>
-            </a:r>
-            <a:r>
-              <a:rPr lang="en-GB" dirty="0">
-                <a:solidFill>
-                  <a:srgbClr val="00B050"/>
-                </a:solidFill>
-              </a:rPr>
-              <a:t>script </a:t>
-            </a:r>
-            <a:r>
-              <a:rPr lang="en-GB" i="1" dirty="0" smtClean="0">
-                <a:solidFill>
-                  <a:srgbClr val="00B050"/>
-                </a:solidFill>
-              </a:rPr>
-              <a:t>example_script.py </a:t>
-            </a:r>
-            <a:r>
-              <a:rPr lang="en-GB" dirty="0" smtClean="0">
-                <a:solidFill>
-                  <a:srgbClr val="00B050"/>
-                </a:solidFill>
-              </a:rPr>
-              <a:t>in </a:t>
-            </a:r>
-            <a:r>
-              <a:rPr lang="en-GB" i="1" dirty="0" smtClean="0">
-                <a:solidFill>
-                  <a:srgbClr val="00B050"/>
-                </a:solidFill>
-              </a:rPr>
-              <a:t>C:\Scripts\</a:t>
-            </a:r>
-          </a:p>
-          <a:p>
-            <a:pPr marL="342900" indent="-342900">
-              <a:buFont typeface="Arial" panose="020B0604020202020204" pitchFamily="34" charset="0"/>
-              <a:buChar char="•"/>
-            </a:pPr>
-            <a:r>
-              <a:rPr lang="en-GB" dirty="0" smtClean="0">
-                <a:solidFill>
-                  <a:srgbClr val="00B050"/>
-                </a:solidFill>
-              </a:rPr>
-              <a:t>Enter the code shown on the left</a:t>
-            </a:r>
-            <a:endParaRPr lang="en-GB" dirty="0">
-              <a:solidFill>
-                <a:srgbClr val="00B050"/>
-              </a:solidFill>
-            </a:endParaRPr>
-          </a:p>
-          <a:p>
-            <a:pPr marL="342900" indent="-342900">
-              <a:buFont typeface="Arial" panose="020B0604020202020204" pitchFamily="34" charset="0"/>
-              <a:buChar char="•"/>
-            </a:pPr>
-            <a:r>
-              <a:rPr lang="en-GB" dirty="0">
-                <a:solidFill>
-                  <a:srgbClr val="00B050"/>
-                </a:solidFill>
-              </a:rPr>
-              <a:t>Load your script using the </a:t>
-            </a:r>
-            <a:r>
-              <a:rPr lang="en-GB" dirty="0" err="1">
-                <a:solidFill>
-                  <a:srgbClr val="00B050"/>
-                </a:solidFill>
-              </a:rPr>
-              <a:t>load_script</a:t>
-            </a:r>
-            <a:r>
-              <a:rPr lang="en-GB" dirty="0">
-                <a:solidFill>
-                  <a:srgbClr val="00B050"/>
-                </a:solidFill>
-              </a:rPr>
-              <a:t> </a:t>
-            </a:r>
-            <a:r>
-              <a:rPr lang="en-GB" dirty="0" smtClean="0">
-                <a:solidFill>
-                  <a:srgbClr val="00B050"/>
-                </a:solidFill>
-              </a:rPr>
-              <a:t>command</a:t>
-            </a:r>
-          </a:p>
-        </p:txBody>
-      </p:sp>
     </p:spTree>
     <p:extLst>
       <p:ext uri="{BB962C8B-B14F-4D97-AF65-F5344CB8AC3E}">
@@ -12101,6 +11920,14 @@
   <p:clrMapOvr>
     <a:masterClrMapping/>
   </p:clrMapOvr>
+  <mc:AlternateContent xmlns:mc="http://schemas.openxmlformats.org/markup-compatibility/2006">
+    <mc:Choice xmlns:p14="http://schemas.microsoft.com/office/powerpoint/2010/main" Requires="p14">
+      <p:transition spd="slow" p14:dur="2000"/>
+    </mc:Choice>
+    <mc:Fallback>
+      <p:transition spd="slow"/>
+    </mc:Fallback>
+  </mc:AlternateContent>
   <p:timing>
     <p:tnLst>
       <p:par>
@@ -12213,21 +12040,8 @@
                   <a:srgbClr val="00B050"/>
                 </a:solidFill>
               </a:rPr>
-              <a:t>Exercise </a:t>
-            </a:r>
-            <a:r>
-              <a:rPr lang="en-GB" sz="2000" b="1" dirty="0" smtClean="0">
-                <a:solidFill>
-                  <a:srgbClr val="00B050"/>
-                </a:solidFill>
-              </a:rPr>
-              <a:t>1</a:t>
-            </a:r>
-            <a:endParaRPr lang="en-GB" sz="2000" b="1" dirty="0" smtClean="0">
-              <a:solidFill>
-                <a:srgbClr val="00B050"/>
-              </a:solidFill>
-            </a:endParaRPr>
+              <a:t>Exercise 1</a:t>
+            </a:r>
           </a:p>
           <a:p>
             <a:pPr marL="285750" indent="-285750">
@@ -12602,11 +12416,7 @@
             </a:r>
             <a:r>
               <a:rPr lang="en-GB" i="1" dirty="0" smtClean="0"/>
-              <a:t>Instrument\Settings\config\&lt;Instrument name&gt;\</a:t>
-            </a:r>
-            <a:r>
-              <a:rPr lang="en-GB" i="1" dirty="0" smtClean="0"/>
-              <a:t>Python\</a:t>
+              <a:t>Instrument\Settings\config\&lt;Instrument name&gt;\Python\</a:t>
             </a:r>
             <a:r>
               <a:rPr lang="en-GB" i="1" dirty="0" err="1" smtClean="0"/>
@@ -12616,7 +12426,6 @@
               <a:rPr lang="en-GB" i="1" dirty="0" smtClean="0"/>
               <a:t>\</a:t>
             </a:r>
-            <a:endParaRPr lang="en-GB" i="1" dirty="0" smtClean="0"/>
           </a:p>
           <a:p>
             <a:pPr marL="800100" lvl="1" indent="-342900">
@@ -12979,15 +12788,7 @@
                   <a:srgbClr val="00B050"/>
                 </a:solidFill>
               </a:rPr>
-              <a:t>inutes</a:t>
-            </a:r>
-            <a:r>
-              <a:rPr lang="en-GB" i="1" dirty="0" smtClean="0">
-                <a:solidFill>
-                  <a:srgbClr val="00B050"/>
-                </a:solidFill>
-              </a:rPr>
-              <a:t>]</a:t>
+              <a:t>inutes]</a:t>
             </a:r>
             <a:endParaRPr lang="en-GB" i="1" dirty="0">
               <a:solidFill>
@@ -13175,10 +12976,6 @@
               <a:rPr lang="en-GB" dirty="0" smtClean="0"/>
               <a:t>Scripting:</a:t>
             </a:r>
-            <a:r>
-              <a:rPr lang="en-GB" dirty="0" smtClean="0"/>
-              <a:t/>
-            </a:r>
             <a:br>
               <a:rPr lang="en-GB" dirty="0" smtClean="0"/>
             </a:br>
@@ -13190,11 +12987,6 @@
               </a:rPr>
               <a:t>Exercise</a:t>
             </a:r>
-            <a:endParaRPr lang="en-GB" dirty="0">
-              <a:solidFill>
-                <a:srgbClr val="00B050"/>
-              </a:solidFill>
-            </a:endParaRPr>
           </a:p>
         </p:txBody>
       </p:sp>
@@ -13226,11 +13018,7 @@
             </a:pPr>
             <a:r>
               <a:rPr lang="en-GB" sz="1600" dirty="0" smtClean="0"/>
-              <a:t>We </a:t>
-            </a:r>
-            <a:r>
-              <a:rPr lang="en-GB" sz="1600" dirty="0" smtClean="0"/>
-              <a:t>recommend </a:t>
+              <a:t>We recommend </a:t>
             </a:r>
             <a:r>
               <a:rPr lang="en-GB" sz="1600" dirty="0"/>
@@ -13815,10 +13603,6 @@
               <a:rPr lang="en-GB" dirty="0" smtClean="0"/>
               <a:t>Scripting:</a:t>
             </a:r>
-            <a:r>
-              <a:rPr lang="en-GB" dirty="0" smtClean="0"/>
-              <a:t/>
-            </a:r>
             <a:br>
               <a:rPr lang="en-GB" dirty="0" smtClean="0"/>
             </a:br>
@@ -14084,10 +13868,6 @@
             <a:r>
               <a:rPr lang="en-GB" dirty="0" smtClean="0"/>
               <a:t>Scripting:</a:t>
-            </a:r>
-            <a:r>
-              <a:rPr lang="en-GB" dirty="0" smtClean="0"/>
-              <a:t/>
             </a:r>
             <a:br>
               <a:rPr lang="en-GB" dirty="0" smtClean="0"/>
@@ -14372,10 +14152,6 @@
               <a:rPr lang="en-GB" dirty="0" smtClean="0"/>
               <a:t>Scripting:</a:t>
             </a:r>
-            <a:r>
-              <a:rPr lang="en-GB" dirty="0" smtClean="0"/>
-              <a:t/>
-            </a:r>
             <a:br>
               <a:rPr lang="en-GB" dirty="0" smtClean="0"/>
             </a:br>
@@ -14977,10 +14753,6 @@
             <a:r>
               <a:rPr lang="en-GB" dirty="0" smtClean="0"/>
               <a:t>Scripting:</a:t>
-            </a:r>
-            <a:r>
-              <a:rPr lang="en-GB" dirty="0" smtClean="0"/>
-              <a:t/>
             </a:r>
             <a:br>
               <a:rPr lang="en-GB" dirty="0" smtClean="0"/>
@@ -15360,10 +15132,6 @@
             <a:r>
               <a:rPr lang="en-GB" dirty="0" smtClean="0"/>
               <a:t>Scripting:</a:t>
-            </a:r>
-            <a:r>
-              <a:rPr lang="en-GB" dirty="0" smtClean="0"/>
-              <a:t/>
             </a:r>
             <a:br>
               <a:rPr lang="en-GB" dirty="0" smtClean="0"/>
@@ -21095,21 +20863,6 @@
 </file>
 
 <file path=customXml/item1.xml><?xml version="1.0" encoding="utf-8"?>
-<?mso-contentType ?>
-<FormTemplates xmlns="http://schemas.microsoft.com/sharepoint/v3/contenttype/forms">
-  <Display>DocumentLibraryForm</Display>
-  <Edit>DocumentLibraryForm</Edit>
-  <New>DocumentLibraryForm</New>
-</FormTemplates>
-</file>
-
-<file path=customXml/item2.xml><?xml version="1.0" encoding="utf-8"?>
-<p:properties xmlns:p="http://schemas.microsoft.com/office/2006/metadata/properties" xmlns:xsi="http://www.w3.org/2001/XMLSchema-instance" xmlns:pc="http://schemas.microsoft.com/office/infopath/2007/PartnerControls">
-  <documentManagement/>
-</p:properties>
-</file>
-
-<file path=customXml/item3.xml><?xml version="1.0" encoding="utf-8"?>
 <ct:contentTypeSchema xmlns:ct="http://schemas.microsoft.com/office/2006/metadata/contentType" xmlns:ma="http://schemas.microsoft.com/office/2006/metadata/properties/metaAttributes" ct:_="" ma:_="" ma:contentTypeName="Document" ma:contentTypeID="0x010100D8BDAAA291872E4C9CBDBAE9DC1F214B" ma:contentTypeVersion="0" ma:contentTypeDescription="Create a new document." ma:contentTypeScope="" ma:versionID="37718d931242bc0231cb88c3dc8184c7">
   <xsd:schema xmlns:xsd="http://www.w3.org/2001/XMLSchema" xmlns:xs="http://www.w3.org/2001/XMLSchema" xmlns:p="http://schemas.microsoft.com/office/2006/metadata/properties" targetNamespace="http://schemas.microsoft.com/office/2006/metadata/properties" ma:root="true" ma:fieldsID="8022916f55ab85163ee9a5069dec31d5">
     <xsd:element name="properties">
@@ -21223,10 +20976,33 @@
 </ct:contentTypeSchema>
 </file>
 
+<file path=customXml/item2.xml><?xml version="1.0" encoding="utf-8"?>
+<p:properties xmlns:p="http://schemas.microsoft.com/office/2006/metadata/properties" xmlns:xsi="http://www.w3.org/2001/XMLSchema-instance" xmlns:pc="http://schemas.microsoft.com/office/infopath/2007/PartnerControls">
+  <documentManagement/>
+</p:properties>
+</file>
+
+<file path=customXml/item3.xml><?xml version="1.0" encoding="utf-8"?>
+<?mso-contentType ?>
+<FormTemplates xmlns="http://schemas.microsoft.com/sharepoint/v3/contenttype/forms">
+  <Display>DocumentLibraryForm</Display>
+  <Edit>DocumentLibraryForm</Edit>
+  <New>DocumentLibraryForm</New>
+</FormTemplates>
+</file>
+
 <file path=customXml/itemProps1.xml><?xml version="1.0" encoding="utf-8"?>
-<ds:datastoreItem xmlns:ds="http://schemas.openxmlformats.org/officeDocument/2006/customXml" ds:itemID="{1D176834-956F-4505-BD61-698C091AD5AA}">
+<ds:datastoreItem xmlns:ds="http://schemas.openxmlformats.org/officeDocument/2006/customXml" ds:itemID="{DD040A56-8D6F-4114-A272-42AE3B7D7ECA}">
   <ds:schemaRefs>
-    <ds:schemaRef ds:uri="http://schemas.microsoft.com/sharepoint/v3/contenttype/forms"/>
+    <ds:schemaRef ds:uri="http://schemas.microsoft.com/office/2006/metadata/contentType"/>
+    <ds:schemaRef ds:uri="http://schemas.microsoft.com/office/2006/metadata/properties/metaAttributes"/>
+    <ds:schemaRef ds:uri="http://www.w3.org/2001/XMLSchema"/>
+    <ds:schemaRef ds:uri="http://schemas.microsoft.com/office/2006/metadata/properties"/>
+    <ds:schemaRef ds:uri="http://schemas.openxmlformats.org/package/2006/metadata/core-properties"/>
+    <ds:schemaRef ds:uri="http://purl.org/dc/elements/1.1/"/>
+    <ds:schemaRef ds:uri="http://purl.org/dc/terms/"/>
+    <ds:schemaRef ds:uri="http://schemas.microsoft.com/internal/obd"/>
+    <ds:schemaRef ds:uri="http://schemas.microsoft.com/office/infopath/2007/PartnerControls"/>
   </ds:schemaRefs>
 </ds:datastoreItem>
 </file>
@@ -21247,17 +21023,9 @@
 </file>
 
 <file path=customXml/itemProps3.xml><?xml version="1.0" encoding="utf-8"?>
-<ds:datastoreItem xmlns:ds="http://schemas.openxmlformats.org/officeDocument/2006/customXml" ds:itemID="{DD040A56-8D6F-4114-A272-42AE3B7D7ECA}">
+<ds:datastoreItem xmlns:ds="http://schemas.openxmlformats.org/officeDocument/2006/customXml" ds:itemID="{1D176834-956F-4505-BD61-698C091AD5AA}">
   <ds:schemaRefs>
-    <ds:schemaRef ds:uri="http://schemas.microsoft.com/office/2006/metadata/contentType"/>
-    <ds:schemaRef ds:uri="http://schemas.microsoft.com/office/2006/metadata/properties/metaAttributes"/>
-    <ds:schemaRef ds:uri="http://www.w3.org/2001/XMLSchema"/>
-    <ds:schemaRef ds:uri="http://schemas.microsoft.com/office/2006/metadata/properties"/>
-    <ds:schemaRef ds:uri="http://schemas.openxmlformats.org/package/2006/metadata/core-properties"/>
-    <ds:schemaRef ds:uri="http://purl.org/dc/elements/1.1/"/>
-    <ds:schemaRef ds:uri="http://purl.org/dc/terms/"/>
-    <ds:schemaRef ds:uri="http://schemas.microsoft.com/internal/obd"/>
-    <ds:schemaRef ds:uri="http://schemas.microsoft.com/office/infopath/2007/PartnerControls"/>
+    <ds:schemaRef ds:uri="http://schemas.microsoft.com/sharepoint/v3/contenttype/forms"/>
   </ds:schemaRefs>
 </ds:datastoreItem>
 </file>
--- a/genie_python_and_ibex/genie_python_and_ibex.pptx
+++ b/genie_python_and_ibex/genie_python_and_ibex.pptx
@@ -11,52 +11,52 @@
     <p:sldId id="299" r:id="rId5"/>
     <p:sldId id="270" r:id="rId6"/>
     <p:sldId id="298" r:id="rId7"/>
-    <p:sldId id="287" r:id="rId8"/>
-    <p:sldId id="329" r:id="rId9"/>
-    <p:sldId id="334" r:id="rId10"/>
-    <p:sldId id="288" r:id="rId11"/>
-    <p:sldId id="338" r:id="rId12"/>
-    <p:sldId id="302" r:id="rId13"/>
-    <p:sldId id="303" r:id="rId14"/>
-    <p:sldId id="305" r:id="rId15"/>
-    <p:sldId id="300" r:id="rId16"/>
+    <p:sldId id="351" r:id="rId8"/>
+    <p:sldId id="287" r:id="rId9"/>
+    <p:sldId id="329" r:id="rId10"/>
+    <p:sldId id="334" r:id="rId11"/>
+    <p:sldId id="288" r:id="rId12"/>
+    <p:sldId id="338" r:id="rId13"/>
+    <p:sldId id="302" r:id="rId14"/>
+    <p:sldId id="303" r:id="rId15"/>
+    <p:sldId id="305" r:id="rId16"/>
     <p:sldId id="310" r:id="rId17"/>
     <p:sldId id="309" r:id="rId18"/>
     <p:sldId id="306" r:id="rId19"/>
     <p:sldId id="307" r:id="rId20"/>
     <p:sldId id="336" r:id="rId21"/>
     <p:sldId id="335" r:id="rId22"/>
-    <p:sldId id="337" r:id="rId23"/>
-    <p:sldId id="340" r:id="rId24"/>
-    <p:sldId id="331" r:id="rId25"/>
-    <p:sldId id="332" r:id="rId26"/>
-    <p:sldId id="308" r:id="rId27"/>
-    <p:sldId id="311" r:id="rId28"/>
-    <p:sldId id="312" r:id="rId29"/>
-    <p:sldId id="339" r:id="rId30"/>
-    <p:sldId id="313" r:id="rId31"/>
-    <p:sldId id="315" r:id="rId32"/>
-    <p:sldId id="316" r:id="rId33"/>
+    <p:sldId id="350" r:id="rId23"/>
+    <p:sldId id="337" r:id="rId24"/>
+    <p:sldId id="340" r:id="rId25"/>
+    <p:sldId id="331" r:id="rId26"/>
+    <p:sldId id="332" r:id="rId27"/>
+    <p:sldId id="308" r:id="rId28"/>
+    <p:sldId id="311" r:id="rId29"/>
+    <p:sldId id="316" r:id="rId30"/>
+    <p:sldId id="312" r:id="rId31"/>
+    <p:sldId id="313" r:id="rId32"/>
+    <p:sldId id="315" r:id="rId33"/>
     <p:sldId id="317" r:id="rId34"/>
     <p:sldId id="333" r:id="rId35"/>
     <p:sldId id="318" r:id="rId36"/>
-    <p:sldId id="319" r:id="rId37"/>
-    <p:sldId id="341" r:id="rId38"/>
-    <p:sldId id="321" r:id="rId39"/>
-    <p:sldId id="322" r:id="rId40"/>
-    <p:sldId id="323" r:id="rId41"/>
-    <p:sldId id="324" r:id="rId42"/>
-    <p:sldId id="325" r:id="rId43"/>
-    <p:sldId id="326" r:id="rId44"/>
-    <p:sldId id="327" r:id="rId45"/>
-    <p:sldId id="328" r:id="rId46"/>
-    <p:sldId id="344" r:id="rId47"/>
-    <p:sldId id="343" r:id="rId48"/>
-    <p:sldId id="349" r:id="rId49"/>
-    <p:sldId id="348" r:id="rId50"/>
-    <p:sldId id="347" r:id="rId51"/>
-    <p:sldId id="342" r:id="rId52"/>
-    <p:sldId id="346" r:id="rId53"/>
+    <p:sldId id="341" r:id="rId37"/>
+    <p:sldId id="321" r:id="rId38"/>
+    <p:sldId id="322" r:id="rId39"/>
+    <p:sldId id="323" r:id="rId40"/>
+    <p:sldId id="324" r:id="rId41"/>
+    <p:sldId id="325" r:id="rId42"/>
+    <p:sldId id="326" r:id="rId43"/>
+    <p:sldId id="327" r:id="rId44"/>
+    <p:sldId id="344" r:id="rId45"/>
+    <p:sldId id="343" r:id="rId46"/>
+    <p:sldId id="349" r:id="rId47"/>
+    <p:sldId id="348" r:id="rId48"/>
+    <p:sldId id="347" r:id="rId49"/>
+    <p:sldId id="342" r:id="rId50"/>
+    <p:sldId id="346" r:id="rId51"/>
+    <p:sldId id="328" r:id="rId52"/>
+    <p:sldId id="319" r:id="rId53"/>
     <p:sldId id="272" r:id="rId54"/>
   </p:sldIdLst>
   <p:sldSz cx="9144000" cy="6858000" type="screen4x3"/>
@@ -188,7 +188,7 @@
   </p:defaultTextStyle>
   <p:extLst>
     <p:ext uri="{EFAFB233-063F-42B5-8137-9DF3F51BA10A}">
-      <p15:sldGuideLst xmlns:p15="http://schemas.microsoft.com/office/powerpoint/2012/main" xmlns="">
+      <p15:sldGuideLst xmlns:p15="http://schemas.microsoft.com/office/powerpoint/2012/main">
         <p15:guide id="1" orient="horz" pos="2160">
           <p15:clr>
             <a:srgbClr val="A4A3A4"/>
@@ -287,7 +287,7 @@
           <a:p>
             <a:fld id="{0DA9C53C-B82A-4351-B1EF-A4391C7B86A2}" type="datetimeFigureOut">
               <a:rPr lang="en-GB" smtClean="0"/>
-              <a:t>31/10/2018</a:t>
+              <a:t>16/04/2021</a:t>
             </a:fld>
             <a:endParaRPr lang="en-GB" dirty="0"/>
           </a:p>
@@ -683,188 +683,14 @@
           <a:bodyPr/>
           <a:lstStyle/>
           <a:p>
-            <a:pPr marL="171450" indent="-171450">
+            <a:pPr marL="0" indent="0">
               <a:buFontTx/>
-              <a:buChar char="-"/>
+              <a:buNone/>
             </a:pPr>
             <a:r>
               <a:rPr lang="en-GB" dirty="0" smtClean="0"/>
-              <a:t>This</a:t>
-            </a:r>
-            <a:r>
-              <a:rPr lang="en-GB" baseline="0" dirty="0" smtClean="0"/>
-              <a:t> should all be review of how arguments are passed to functions. They should know this.</a:t>
-            </a:r>
-            <a:endParaRPr lang="en-GB" dirty="0" smtClean="0"/>
-          </a:p>
-          <a:p>
-            <a:pPr marL="171450" indent="-171450">
-              <a:buFontTx/>
-              <a:buChar char="-"/>
-            </a:pPr>
-            <a:r>
-              <a:rPr lang="en-GB" dirty="0" smtClean="0"/>
-              <a:t>Arguments are passed to functions as a comma-separated list within brackets. For example ``</a:t>
-            </a:r>
-            <a:r>
-              <a:rPr lang="en-GB" dirty="0" err="1" smtClean="0"/>
-              <a:t>g.add_spectrum</a:t>
-            </a:r>
-            <a:r>
-              <a:rPr lang="en-GB" dirty="0" smtClean="0"/>
-              <a:t>(1, 2)``</a:t>
-            </a:r>
-          </a:p>
-          <a:p>
-            <a:pPr marL="171450" indent="-171450">
-              <a:buFontTx/>
-              <a:buChar char="-"/>
-            </a:pPr>
-            <a:r>
-              <a:rPr lang="en-GB" dirty="0" smtClean="0"/>
-              <a:t>Arguments may be named or not. For example ``</a:t>
-            </a:r>
-            <a:r>
-              <a:rPr lang="en-GB" dirty="0" err="1" smtClean="0"/>
-              <a:t>g.add_spectrum</a:t>
-            </a:r>
-            <a:r>
-              <a:rPr lang="en-GB" dirty="0" smtClean="0"/>
-              <a:t>(spectrum=1, period=2)``</a:t>
-            </a:r>
-          </a:p>
-          <a:p>
-            <a:pPr marL="171450" indent="-171450">
-              <a:buFontTx/>
-              <a:buChar char="-"/>
-            </a:pPr>
-            <a:r>
-              <a:rPr lang="en-GB" dirty="0" smtClean="0"/>
-              <a:t>Named and un-named arguments can be mixed but the named arguments must appear last. For example ``</a:t>
-            </a:r>
-            <a:r>
-              <a:rPr lang="en-GB" dirty="0" err="1" smtClean="0"/>
-              <a:t>g.add_spectrum</a:t>
-            </a:r>
-            <a:r>
-              <a:rPr lang="en-GB" dirty="0" smtClean="0"/>
-              <a:t>(1, period=2)``</a:t>
-            </a:r>
-          </a:p>
-          <a:p>
-            <a:pPr marL="171450" indent="-171450">
-              <a:buFontTx/>
-              <a:buChar char="-"/>
-            </a:pPr>
-            <a:r>
-              <a:rPr lang="en-GB" dirty="0" smtClean="0"/>
-              <a:t>Named arguments will be interpreted in the order of the function definition. Un-named arguments can be in any order. So ``</a:t>
-            </a:r>
-            <a:r>
-              <a:rPr lang="en-GB" dirty="0" err="1" smtClean="0"/>
-              <a:t>g.add_spectrum</a:t>
-            </a:r>
-            <a:r>
-              <a:rPr lang="en-GB" dirty="0" smtClean="0"/>
-              <a:t>(period=2, spectrum=1)`` would be valid but ``</a:t>
-            </a:r>
-            <a:r>
-              <a:rPr lang="en-GB" dirty="0" err="1" smtClean="0"/>
-              <a:t>g.add_spectrum</a:t>
-            </a:r>
-            <a:r>
-              <a:rPr lang="en-GB" dirty="0" smtClean="0"/>
-              <a:t>(2, spectrum=1)`` would not.</a:t>
-            </a:r>
-          </a:p>
-          <a:p>
-            <a:pPr marL="171450" indent="-171450">
-              <a:buFontTx/>
-              <a:buChar char="-"/>
-            </a:pPr>
-            <a:r>
-              <a:rPr lang="en-GB" dirty="0" smtClean="0"/>
-              <a:t>Some arguments may be defaulted in which case they do not need to be included in the argument list. For example ``</a:t>
-            </a:r>
-            <a:r>
-              <a:rPr lang="en-GB" dirty="0" err="1" smtClean="0"/>
-              <a:t>g.add_spectrum</a:t>
-            </a:r>
-            <a:r>
-              <a:rPr lang="en-GB" dirty="0" smtClean="0"/>
-              <a:t>(1)`` is equivalent to ``</a:t>
-            </a:r>
-            <a:r>
-              <a:rPr lang="en-GB" dirty="0" err="1" smtClean="0"/>
-              <a:t>g.add_spectrum</a:t>
-            </a:r>
-            <a:r>
-              <a:rPr lang="en-GB" dirty="0" smtClean="0"/>
-              <a:t>(1, 1)``.</a:t>
-            </a:r>
-          </a:p>
-          <a:p>
-            <a:pPr marL="171450" indent="-171450">
-              <a:buFontTx/>
-              <a:buChar char="-"/>
-            </a:pPr>
-            <a:r>
-              <a:rPr lang="en-GB" dirty="0" smtClean="0"/>
-              <a:t>The following three calls are all equivalent</a:t>
-            </a:r>
-          </a:p>
-          <a:p>
-            <a:pPr marL="628650" lvl="1" indent="-171450">
-              <a:buFontTx/>
-              <a:buChar char="-"/>
-            </a:pPr>
-            <a:r>
-              <a:rPr lang="en-GB" dirty="0" smtClean="0"/>
-              <a:t>g.begin()</a:t>
-            </a:r>
-          </a:p>
-          <a:p>
-            <a:pPr marL="628650" lvl="1" indent="-171450">
-              <a:buFontTx/>
-              <a:buChar char="-"/>
-            </a:pPr>
-            <a:r>
-              <a:rPr lang="en-GB" dirty="0" err="1" smtClean="0"/>
-              <a:t>g.begin</a:t>
-            </a:r>
-            <a:r>
-              <a:rPr lang="en-GB" dirty="0" smtClean="0"/>
-              <a:t>(False)</a:t>
-            </a:r>
-          </a:p>
-          <a:p>
-            <a:pPr marL="628650" lvl="1" indent="-171450">
-              <a:buFontTx/>
-              <a:buChar char="-"/>
-            </a:pPr>
-            <a:r>
-              <a:rPr lang="en-GB" dirty="0" err="1" smtClean="0"/>
-              <a:t>g.begin</a:t>
-            </a:r>
-            <a:r>
-              <a:rPr lang="en-GB" dirty="0" smtClean="0"/>
-              <a:t>(verbose=False)</a:t>
-            </a:r>
-          </a:p>
-          <a:p>
-            <a:pPr marL="171450" lvl="0" indent="-171450">
-              <a:buFontTx/>
-              <a:buChar char="-"/>
-            </a:pPr>
-            <a:r>
-              <a:rPr lang="en-GB" dirty="0" smtClean="0"/>
-              <a:t>I</a:t>
-            </a:r>
-            <a:r>
-              <a:rPr lang="en-GB" baseline="0" dirty="0" smtClean="0"/>
-              <a:t> would pick the first if I never want verbose output, I would choose the latter if I sometimes wanted verbose output and wanted to make my choice explicit. I would use the final syntax if the script was being read/modified by a novice user unfamiliar with what the argument is likely to mean</a:t>
-            </a:r>
-            <a:endParaRPr lang="en-GB" dirty="0" smtClean="0"/>
+              <a:t>Mention this is done automatically on end run</a:t>
+            </a:r>
           </a:p>
         </p:txBody>
       </p:sp>
@@ -1341,7 +1167,7 @@
           <a:p>
             <a:fld id="{EAEECE71-DBFB-4B75-8F10-14EC87FCE1EC}" type="slidenum">
               <a:rPr lang="en-GB" smtClean="0"/>
-              <a:t>21</a:t>
+              <a:t>22</a:t>
             </a:fld>
             <a:endParaRPr lang="en-GB" dirty="0"/>
           </a:p>
@@ -1429,7 +1255,7 @@
           <a:p>
             <a:fld id="{EAEECE71-DBFB-4B75-8F10-14EC87FCE1EC}" type="slidenum">
               <a:rPr lang="en-GB" smtClean="0"/>
-              <a:t>22</a:t>
+              <a:t>23</a:t>
             </a:fld>
             <a:endParaRPr lang="en-GB" dirty="0"/>
           </a:p>
@@ -1525,7 +1351,7 @@
           <a:p>
             <a:fld id="{EAEECE71-DBFB-4B75-8F10-14EC87FCE1EC}" type="slidenum">
               <a:rPr lang="en-GB" smtClean="0"/>
-              <a:t>23</a:t>
+              <a:t>24</a:t>
             </a:fld>
             <a:endParaRPr lang="en-GB" dirty="0"/>
           </a:p>
@@ -2002,7 +1828,7 @@
           <a:p>
             <a:fld id="{EAEECE71-DBFB-4B75-8F10-14EC87FCE1EC}" type="slidenum">
               <a:rPr lang="en-GB" smtClean="0"/>
-              <a:t>24</a:t>
+              <a:t>25</a:t>
             </a:fld>
             <a:endParaRPr lang="en-GB" dirty="0"/>
           </a:p>
@@ -2065,35 +1891,48 @@
           <a:bodyPr/>
           <a:lstStyle/>
           <a:p>
-            <a:pPr marL="171450" indent="-171450">
+            <a:pPr marL="0" marR="0" indent="0" algn="l" defTabSz="914400" rtl="0" eaLnBrk="1" fontAlgn="auto" latinLnBrk="0" hangingPunct="1">
+              <a:lnSpc>
+                <a:spcPct val="100000"/>
+              </a:lnSpc>
+              <a:spcBef>
+                <a:spcPts val="0"/>
+              </a:spcBef>
+              <a:spcAft>
+                <a:spcPts val="0"/>
+              </a:spcAft>
+              <a:buClrTx/>
+              <a:buSzTx/>
               <a:buFontTx/>
-              <a:buChar char="-"/>
-            </a:pPr>
-            <a:r>
-              <a:rPr lang="en-GB" sz="1200" b="0" i="0" kern="1200" dirty="0" smtClean="0">
-                <a:solidFill>
-                  <a:schemeClr val="tx1"/>
-                </a:solidFill>
-                <a:effectLst/>
-                <a:latin typeface="+mn-lt"/>
-                <a:ea typeface="+mn-ea"/>
-                <a:cs typeface="+mn-cs"/>
-              </a:rPr>
-              <a:t>Explain what it means for scripts to be under version</a:t>
-            </a:r>
-            <a:r>
-              <a:rPr lang="en-GB" sz="1200" b="0" i="0" kern="1200" baseline="0" dirty="0" smtClean="0">
-                <a:solidFill>
-                  <a:schemeClr val="tx1"/>
-                </a:solidFill>
-                <a:effectLst/>
-                <a:latin typeface="+mn-lt"/>
-                <a:ea typeface="+mn-ea"/>
-                <a:cs typeface="+mn-cs"/>
-              </a:rPr>
-              <a:t> control. Why is that good?</a:t>
-            </a:r>
-            <a:endParaRPr lang="en-GB" dirty="0" smtClean="0"/>
+              <a:buNone/>
+              <a:tabLst/>
+              <a:defRPr/>
+            </a:pPr>
+            <a:r>
+              <a:rPr lang="en-GB" sz="1200" b="0" dirty="0" smtClean="0"/>
+              <a:t>-</a:t>
+            </a:r>
+            <a:r>
+              <a:rPr lang="en-GB" sz="1200" b="0" baseline="0" dirty="0" smtClean="0"/>
+              <a:t> Again, running should be easy but most likely where they will run into problems. Check the scripting window </a:t>
+            </a:r>
+            <a:r>
+              <a:rPr lang="en-GB" sz="1200" b="0" baseline="0" dirty="0" err="1" smtClean="0"/>
+              <a:t>startup</a:t>
+            </a:r>
+            <a:r>
+              <a:rPr lang="en-GB" sz="1200" b="0" baseline="0" dirty="0" smtClean="0"/>
+              <a:t> for signs of issues loading </a:t>
+            </a:r>
+            <a:r>
+              <a:rPr lang="en-GB" sz="1200" b="0" baseline="0" dirty="0" err="1" smtClean="0"/>
+              <a:t>inst</a:t>
+            </a:r>
+            <a:r>
+              <a:rPr lang="en-GB" sz="1200" b="0" baseline="0" smtClean="0"/>
+              <a:t> scripts</a:t>
+            </a:r>
+            <a:endParaRPr lang="en-GB" b="0" dirty="0" smtClean="0"/>
           </a:p>
         </p:txBody>
       </p:sp>
@@ -2114,7 +1953,7 @@
           <a:p>
             <a:fld id="{EAEECE71-DBFB-4B75-8F10-14EC87FCE1EC}" type="slidenum">
               <a:rPr lang="en-GB" smtClean="0"/>
-              <a:t>25</a:t>
+              <a:t>26</a:t>
             </a:fld>
             <a:endParaRPr lang="en-GB" dirty="0"/>
           </a:p>
@@ -2434,131 +2273,30 @@
               <a:buChar char="-"/>
             </a:pPr>
             <a:r>
-              <a:rPr lang="en-GB" dirty="0" err="1" smtClean="0"/>
-              <a:t>def</a:t>
-            </a:r>
-            <a:r>
-              <a:rPr lang="en-GB" dirty="0" smtClean="0"/>
-              <a:t> </a:t>
-            </a:r>
-            <a:r>
-              <a:rPr lang="en-GB" dirty="0" err="1" smtClean="0"/>
-              <a:t>set_up_instrument</a:t>
-            </a:r>
-            <a:r>
-              <a:rPr lang="en-GB" dirty="0" smtClean="0"/>
-              <a:t>(): </a:t>
-            </a:r>
-          </a:p>
-          <a:p>
-            <a:pPr marL="457200" lvl="1" indent="0">
-              <a:buFontTx/>
-              <a:buNone/>
-            </a:pPr>
-            <a:r>
-              <a:rPr lang="en-GB" dirty="0" err="1" smtClean="0"/>
-              <a:t>g.change</a:t>
-            </a:r>
-            <a:r>
-              <a:rPr lang="en-GB" dirty="0" smtClean="0"/>
-              <a:t>(title="My experiment", user="Adrian")</a:t>
-            </a:r>
-          </a:p>
-          <a:p>
-            <a:pPr marL="171450" indent="-171450">
-              <a:buFontTx/>
-              <a:buChar char="-"/>
-            </a:pPr>
-            <a:r>
-              <a:rPr lang="en-GB" dirty="0" err="1" smtClean="0"/>
-              <a:t>def</a:t>
-            </a:r>
-            <a:r>
-              <a:rPr lang="en-GB" dirty="0" smtClean="0"/>
-              <a:t> </a:t>
-            </a:r>
-            <a:r>
-              <a:rPr lang="en-GB" dirty="0" err="1" smtClean="0"/>
-              <a:t>get_uamps_run</a:t>
-            </a:r>
-            <a:r>
-              <a:rPr lang="en-GB" dirty="0" smtClean="0"/>
-              <a:t>(): </a:t>
-            </a:r>
-          </a:p>
-          <a:p>
-            <a:pPr marL="457200" lvl="1" indent="0">
-              <a:buFontTx/>
-              <a:buNone/>
-            </a:pPr>
-            <a:r>
-              <a:rPr lang="en-GB" dirty="0" smtClean="0"/>
-              <a:t>g.begin() </a:t>
-            </a:r>
-          </a:p>
-          <a:p>
-            <a:pPr marL="457200" lvl="1" indent="0">
-              <a:buFontTx/>
-              <a:buNone/>
-            </a:pPr>
-            <a:r>
-              <a:rPr lang="en-GB" dirty="0" smtClean="0"/>
-              <a:t>period = </a:t>
-            </a:r>
-            <a:r>
-              <a:rPr lang="en-GB" dirty="0" err="1" smtClean="0"/>
-              <a:t>g.get_period</a:t>
-            </a:r>
-            <a:r>
-              <a:rPr lang="en-GB" dirty="0" smtClean="0"/>
-              <a:t>() </a:t>
-            </a:r>
-          </a:p>
-          <a:p>
-            <a:pPr marL="457200" lvl="1" indent="0">
-              <a:buFontTx/>
-              <a:buNone/>
-            </a:pPr>
-            <a:r>
-              <a:rPr lang="en-GB" dirty="0" smtClean="0"/>
-              <a:t>for </a:t>
-            </a:r>
-            <a:r>
-              <a:rPr lang="en-GB" dirty="0" err="1" smtClean="0"/>
-              <a:t>i</a:t>
-            </a:r>
-            <a:r>
-              <a:rPr lang="en-GB" dirty="0" smtClean="0"/>
-              <a:t> in range(10): </a:t>
-            </a:r>
-          </a:p>
-          <a:p>
-            <a:pPr marL="457200" lvl="1" indent="0">
-              <a:buFontTx/>
-              <a:buNone/>
-            </a:pPr>
-            <a:r>
-              <a:rPr lang="en-GB" dirty="0" smtClean="0"/>
-              <a:t>	print "Total current after {0}s: {1}.format(i+1, </a:t>
-            </a:r>
-            <a:r>
-              <a:rPr lang="en-GB" dirty="0" err="1" smtClean="0"/>
-              <a:t>g.get_uamps</a:t>
-            </a:r>
-            <a:r>
-              <a:rPr lang="en-GB" dirty="0" smtClean="0"/>
-              <a:t>(period)) </a:t>
-            </a:r>
-          </a:p>
-          <a:p>
-            <a:pPr marL="457200" lvl="1" indent="0">
-              <a:buFontTx/>
-              <a:buNone/>
-            </a:pPr>
-            <a:r>
-              <a:rPr lang="en-GB" dirty="0" smtClean="0"/>
-              <a:t>g.end()</a:t>
-            </a:r>
+              <a:rPr lang="en-GB" sz="1200" b="0" i="0" kern="1200" dirty="0" smtClean="0">
+                <a:solidFill>
+                  <a:schemeClr val="tx1"/>
+                </a:solidFill>
+                <a:effectLst/>
+                <a:latin typeface="+mn-lt"/>
+                <a:ea typeface="+mn-ea"/>
+                <a:cs typeface="+mn-cs"/>
+              </a:rPr>
+              <a:t>Explain what it means for scripts to be under version</a:t>
+            </a:r>
+            <a:r>
+              <a:rPr lang="en-GB" sz="1200" b="0" i="0" kern="1200" baseline="0" dirty="0" smtClean="0">
+                <a:solidFill>
+                  <a:schemeClr val="tx1"/>
+                </a:solidFill>
+                <a:effectLst/>
+                <a:latin typeface="+mn-lt"/>
+                <a:ea typeface="+mn-ea"/>
+                <a:cs typeface="+mn-cs"/>
+              </a:rPr>
+              <a:t> control. Why is that good?</a:t>
+            </a:r>
+            <a:endParaRPr lang="en-GB" dirty="0" smtClean="0"/>
           </a:p>
         </p:txBody>
       </p:sp>
@@ -2642,48 +2380,136 @@
           <a:bodyPr/>
           <a:lstStyle/>
           <a:p>
-            <a:pPr marL="0" marR="0" indent="0" algn="l" defTabSz="914400" rtl="0" eaLnBrk="1" fontAlgn="auto" latinLnBrk="0" hangingPunct="1">
-              <a:lnSpc>
-                <a:spcPct val="100000"/>
-              </a:lnSpc>
-              <a:spcBef>
-                <a:spcPts val="0"/>
-              </a:spcBef>
-              <a:spcAft>
-                <a:spcPts val="0"/>
-              </a:spcAft>
-              <a:buClrTx/>
-              <a:buSzTx/>
+            <a:pPr marL="171450" indent="-171450">
+              <a:buFontTx/>
+              <a:buChar char="-"/>
+            </a:pPr>
+            <a:r>
+              <a:rPr lang="en-GB" dirty="0" err="1" smtClean="0"/>
+              <a:t>def</a:t>
+            </a:r>
+            <a:r>
+              <a:rPr lang="en-GB" dirty="0" smtClean="0"/>
+              <a:t> </a:t>
+            </a:r>
+            <a:r>
+              <a:rPr lang="en-GB" dirty="0" err="1" smtClean="0"/>
+              <a:t>set_up_instrument</a:t>
+            </a:r>
+            <a:r>
+              <a:rPr lang="en-GB" dirty="0" smtClean="0"/>
+              <a:t>(): </a:t>
+            </a:r>
+          </a:p>
+          <a:p>
+            <a:pPr marL="457200" lvl="1" indent="0">
               <a:buFontTx/>
               <a:buNone/>
-              <a:tabLst/>
-              <a:defRPr/>
-            </a:pPr>
-            <a:r>
-              <a:rPr lang="en-GB" sz="1200" b="0" dirty="0" smtClean="0"/>
-              <a:t>-</a:t>
-            </a:r>
-            <a:r>
-              <a:rPr lang="en-GB" sz="1200" b="0" baseline="0" dirty="0" smtClean="0"/>
-              <a:t> Again, running should be easy but most likely where they will run into problems. Check the scripting window </a:t>
-            </a:r>
-            <a:r>
-              <a:rPr lang="en-GB" sz="1200" b="0" baseline="0" dirty="0" err="1" smtClean="0"/>
-              <a:t>startup</a:t>
-            </a:r>
-            <a:r>
-              <a:rPr lang="en-GB" sz="1200" b="0" baseline="0" dirty="0" smtClean="0"/>
-              <a:t> for signs of issues loading </a:t>
-            </a:r>
-            <a:r>
-              <a:rPr lang="en-GB" sz="1200" b="0" baseline="0" dirty="0" err="1" smtClean="0"/>
-              <a:t>inst</a:t>
-            </a:r>
-            <a:r>
-              <a:rPr lang="en-GB" sz="1200" b="0" baseline="0" dirty="0" smtClean="0"/>
-              <a:t> scripts</a:t>
-            </a:r>
-            <a:endParaRPr lang="en-GB" b="0" dirty="0" smtClean="0"/>
+            </a:pPr>
+            <a:r>
+              <a:rPr lang="en-GB" dirty="0" err="1" smtClean="0"/>
+              <a:t>g.change</a:t>
+            </a:r>
+            <a:r>
+              <a:rPr lang="en-GB" dirty="0" smtClean="0"/>
+              <a:t>(title="My experiment", user="Adrian")</a:t>
+            </a:r>
+          </a:p>
+          <a:p>
+            <a:pPr marL="171450" indent="-171450">
+              <a:buFontTx/>
+              <a:buChar char="-"/>
+            </a:pPr>
+            <a:r>
+              <a:rPr lang="en-GB" dirty="0" err="1" smtClean="0"/>
+              <a:t>def</a:t>
+            </a:r>
+            <a:r>
+              <a:rPr lang="en-GB" dirty="0" smtClean="0"/>
+              <a:t> </a:t>
+            </a:r>
+            <a:r>
+              <a:rPr lang="en-GB" dirty="0" err="1" smtClean="0"/>
+              <a:t>get_uamps_run</a:t>
+            </a:r>
+            <a:r>
+              <a:rPr lang="en-GB" dirty="0" smtClean="0"/>
+              <a:t>(): </a:t>
+            </a:r>
+          </a:p>
+          <a:p>
+            <a:pPr marL="457200" lvl="1" indent="0">
+              <a:buFontTx/>
+              <a:buNone/>
+            </a:pPr>
+            <a:r>
+              <a:rPr lang="en-GB" dirty="0" smtClean="0"/>
+              <a:t>g.begin() </a:t>
+            </a:r>
+          </a:p>
+          <a:p>
+            <a:pPr marL="457200" lvl="1" indent="0">
+              <a:buFontTx/>
+              <a:buNone/>
+            </a:pPr>
+            <a:r>
+              <a:rPr lang="en-GB" dirty="0" smtClean="0"/>
+              <a:t>period = </a:t>
+            </a:r>
+            <a:r>
+              <a:rPr lang="en-GB" dirty="0" err="1" smtClean="0"/>
+              <a:t>g.get_period</a:t>
+            </a:r>
+            <a:r>
+              <a:rPr lang="en-GB" dirty="0" smtClean="0"/>
+              <a:t>() </a:t>
+            </a:r>
+          </a:p>
+          <a:p>
+            <a:pPr marL="457200" lvl="1" indent="0">
+              <a:buFontTx/>
+              <a:buNone/>
+            </a:pPr>
+            <a:r>
+              <a:rPr lang="en-GB" dirty="0" smtClean="0"/>
+              <a:t>for </a:t>
+            </a:r>
+            <a:r>
+              <a:rPr lang="en-GB" dirty="0" err="1" smtClean="0"/>
+              <a:t>i</a:t>
+            </a:r>
+            <a:r>
+              <a:rPr lang="en-GB" dirty="0" smtClean="0"/>
+              <a:t> in range(10): </a:t>
+            </a:r>
+          </a:p>
+          <a:p>
+            <a:pPr marL="457200" lvl="1" indent="0">
+              <a:buFontTx/>
+              <a:buNone/>
+            </a:pPr>
+            <a:r>
+              <a:rPr lang="en-GB" dirty="0" smtClean="0"/>
+              <a:t>	print "Total current after {0}s: {1}.format(i+1, </a:t>
+            </a:r>
+            <a:r>
+              <a:rPr lang="en-GB" dirty="0" err="1" smtClean="0"/>
+              <a:t>g.get_uamps</a:t>
+            </a:r>
+            <a:r>
+              <a:rPr lang="en-GB" dirty="0" smtClean="0"/>
+              <a:t>(period)) </a:t>
+            </a:r>
+          </a:p>
+          <a:p>
+            <a:pPr marL="457200" lvl="1" indent="0">
+              <a:buFontTx/>
+              <a:buNone/>
+            </a:pPr>
+            <a:r>
+              <a:rPr lang="en-GB" dirty="0" smtClean="0"/>
+              <a:t>g.end()</a:t>
+            </a:r>
           </a:p>
         </p:txBody>
       </p:sp>
@@ -2805,7 +2631,7 @@
               <a:t>inst</a:t>
             </a:r>
             <a:r>
-              <a:rPr lang="en-GB" sz="1200" b="0" baseline="0" smtClean="0"/>
+              <a:rPr lang="en-GB" sz="1200" b="0" baseline="0" dirty="0" smtClean="0"/>
               <a:t> scripts</a:t>
             </a:r>
             <a:endParaRPr lang="en-GB" b="0" dirty="0" smtClean="0"/>
@@ -3113,8 +2939,13 @@
             </a:pPr>
             <a:r>
               <a:rPr lang="en-GB" b="0" dirty="0" smtClean="0"/>
-              <a:t>See https://github.com/ISISComputingGroup/IBEX_user_manual/wiki/genie_python-and-IBEX-%28Exercise-solutions%29</a:t>
-            </a:r>
+              <a:t>No ENDPROCEDURE</a:t>
+            </a:r>
+            <a:r>
+              <a:rPr lang="en-GB" b="0" baseline="0" dirty="0" smtClean="0"/>
+              <a:t> needed in Python, indentation makes it implicit</a:t>
+            </a:r>
+            <a:endParaRPr lang="en-GB" b="0" dirty="0" smtClean="0"/>
           </a:p>
         </p:txBody>
       </p:sp>
@@ -3135,7 +2966,7 @@
           <a:p>
             <a:fld id="{EAEECE71-DBFB-4B75-8F10-14EC87FCE1EC}" type="slidenum">
               <a:rPr lang="en-GB" smtClean="0"/>
-              <a:t>33</a:t>
+              <a:t>34</a:t>
             </a:fld>
             <a:endParaRPr lang="en-GB" dirty="0"/>
           </a:p>
@@ -3217,13 +3048,8 @@
             </a:pPr>
             <a:r>
               <a:rPr lang="en-GB" b="0" dirty="0" smtClean="0"/>
-              <a:t>No ENDPROCEDURE</a:t>
-            </a:r>
-            <a:r>
-              <a:rPr lang="en-GB" b="0" baseline="0" dirty="0" smtClean="0"/>
-              <a:t> needed in Python, indentation makes it implicit</a:t>
-            </a:r>
-            <a:endParaRPr lang="en-GB" b="0" dirty="0" smtClean="0"/>
+              <a:t>Arguments don’t need typing in Python</a:t>
+            </a:r>
           </a:p>
         </p:txBody>
       </p:sp>
@@ -3307,7 +3133,7 @@
           <a:bodyPr/>
           <a:lstStyle/>
           <a:p>
-            <a:pPr marL="0" marR="0" indent="0" algn="l" defTabSz="914400" rtl="0" eaLnBrk="1" fontAlgn="auto" latinLnBrk="0" hangingPunct="1">
+            <a:pPr marL="171450" marR="0" indent="-171450" algn="l" defTabSz="914400" rtl="0" eaLnBrk="1" fontAlgn="auto" latinLnBrk="0" hangingPunct="1">
               <a:lnSpc>
                 <a:spcPct val="100000"/>
               </a:lnSpc>
@@ -3320,14 +3146,42 @@
               <a:buClrTx/>
               <a:buSzTx/>
               <a:buFontTx/>
-              <a:buNone/>
+              <a:buChar char="-"/>
               <a:tabLst/>
               <a:defRPr/>
             </a:pPr>
             <a:r>
               <a:rPr lang="en-GB" b="0" dirty="0" smtClean="0"/>
-              <a:t>Arguments don’t need typing in Python</a:t>
-            </a:r>
+              <a:t>The endpoint</a:t>
+            </a:r>
+            <a:r>
+              <a:rPr lang="en-GB" b="0" baseline="0" dirty="0" smtClean="0"/>
+              <a:t> of Python’s range function is not inclusive</a:t>
+            </a:r>
+          </a:p>
+          <a:p>
+            <a:pPr marL="171450" marR="0" indent="-171450" algn="l" defTabSz="914400" rtl="0" eaLnBrk="1" fontAlgn="auto" latinLnBrk="0" hangingPunct="1">
+              <a:lnSpc>
+                <a:spcPct val="100000"/>
+              </a:lnSpc>
+              <a:spcBef>
+                <a:spcPts val="0"/>
+              </a:spcBef>
+              <a:spcAft>
+                <a:spcPts val="0"/>
+              </a:spcAft>
+              <a:buClrTx/>
+              <a:buSzTx/>
+              <a:buFontTx/>
+              <a:buChar char="-"/>
+              <a:tabLst/>
+              <a:defRPr/>
+            </a:pPr>
+            <a:r>
+              <a:rPr lang="en-GB" b="0" baseline="0" dirty="0" smtClean="0"/>
+              <a:t>No ENDLOOP needed in python</a:t>
+            </a:r>
+            <a:endParaRPr lang="en-GB" b="0" dirty="0" smtClean="0"/>
           </a:p>
         </p:txBody>
       </p:sp>
@@ -3411,7 +3265,7 @@
           <a:bodyPr/>
           <a:lstStyle/>
           <a:p>
-            <a:pPr marL="171450" marR="0" indent="-171450" algn="l" defTabSz="914400" rtl="0" eaLnBrk="1" fontAlgn="auto" latinLnBrk="0" hangingPunct="1">
+            <a:pPr marL="0" marR="0" indent="0" algn="l" defTabSz="914400" rtl="0" eaLnBrk="1" fontAlgn="auto" latinLnBrk="0" hangingPunct="1">
               <a:lnSpc>
                 <a:spcPct val="100000"/>
               </a:lnSpc>
@@ -3424,40 +3278,13 @@
               <a:buClrTx/>
               <a:buSzTx/>
               <a:buFontTx/>
-              <a:buChar char="-"/>
+              <a:buNone/>
               <a:tabLst/>
               <a:defRPr/>
             </a:pPr>
             <a:r>
-              <a:rPr lang="en-GB" b="0" dirty="0" smtClean="0"/>
-              <a:t>The endpoint</a:t>
-            </a:r>
-            <a:r>
               <a:rPr lang="en-GB" b="0" baseline="0" dirty="0" smtClean="0"/>
-              <a:t> of Python’s range function is not inclusive</a:t>
-            </a:r>
-          </a:p>
-          <a:p>
-            <a:pPr marL="171450" marR="0" indent="-171450" algn="l" defTabSz="914400" rtl="0" eaLnBrk="1" fontAlgn="auto" latinLnBrk="0" hangingPunct="1">
-              <a:lnSpc>
-                <a:spcPct val="100000"/>
-              </a:lnSpc>
-              <a:spcBef>
-                <a:spcPts val="0"/>
-              </a:spcBef>
-              <a:spcAft>
-                <a:spcPts val="0"/>
-              </a:spcAft>
-              <a:buClrTx/>
-              <a:buSzTx/>
-              <a:buFontTx/>
-              <a:buChar char="-"/>
-              <a:tabLst/>
-              <a:defRPr/>
-            </a:pPr>
-            <a:r>
-              <a:rPr lang="en-GB" b="0" baseline="0" dirty="0" smtClean="0"/>
-              <a:t>No ENDLOOP needed in python</a:t>
+              <a:t>No ENDIF needed in python</a:t>
             </a:r>
             <a:endParaRPr lang="en-GB" b="0" dirty="0" smtClean="0"/>
           </a:p>
@@ -3561,8 +3388,28 @@
               <a:defRPr/>
             </a:pPr>
             <a:r>
-              <a:rPr lang="en-GB" b="0" baseline="0" dirty="0" smtClean="0"/>
-              <a:t>No ENDIF needed in python</a:t>
+              <a:rPr lang="en-GB" sz="1200" b="1" i="0" kern="1200" dirty="0" smtClean="0">
+                <a:solidFill>
+                  <a:schemeClr val="tx1"/>
+                </a:solidFill>
+                <a:effectLst/>
+                <a:latin typeface="+mn-lt"/>
+                <a:ea typeface="+mn-ea"/>
+                <a:cs typeface="+mn-cs"/>
+              </a:rPr>
+              <a:t>NOTE</a:t>
+            </a:r>
+            <a:r>
+              <a:rPr lang="en-GB" sz="1200" b="0" i="0" kern="1200" dirty="0" smtClean="0">
+                <a:solidFill>
+                  <a:schemeClr val="tx1"/>
+                </a:solidFill>
+                <a:effectLst/>
+                <a:latin typeface="+mn-lt"/>
+                <a:ea typeface="+mn-ea"/>
+                <a:cs typeface="+mn-cs"/>
+              </a:rPr>
+              <a:t> Python is case sensitive and the arguments, apart from the block name, are in lower case</a:t>
             </a:r>
             <a:endParaRPr lang="en-GB" b="0" dirty="0" smtClean="0"/>
           </a:p>
@@ -3776,7 +3623,7 @@
               <a:defRPr/>
             </a:pPr>
             <a:r>
-              <a:rPr lang="en-GB" sz="1200" b="1" i="0" kern="1200" dirty="0" smtClean="0">
+              <a:rPr lang="en-GB" sz="1200" b="0" i="0" kern="1200" dirty="0" smtClean="0">
                 <a:solidFill>
                   <a:schemeClr val="tx1"/>
                 </a:solidFill>
@@ -3785,10 +3632,10 @@
                 <a:ea typeface="+mn-ea"/>
                 <a:cs typeface="+mn-cs"/>
               </a:rPr>
-              <a:t>NOTE</a:t>
-            </a:r>
-            <a:r>
-              <a:rPr lang="en-GB" sz="1200" b="0" i="0" kern="1200" dirty="0" smtClean="0">
+              <a:t>Go</a:t>
+            </a:r>
+            <a:r>
+              <a:rPr lang="en-GB" sz="1200" b="0" i="0" kern="1200" baseline="0" dirty="0" smtClean="0">
                 <a:solidFill>
                   <a:schemeClr val="tx1"/>
                 </a:solidFill>
@@ -3797,9 +3644,31 @@
                 <a:ea typeface="+mn-ea"/>
                 <a:cs typeface="+mn-cs"/>
               </a:rPr>
-              <a:t> Python is case sensitive and the arguments, apart from the block name, are in lower case</a:t>
-            </a:r>
-            <a:endParaRPr lang="en-GB" b="0" dirty="0" smtClean="0"/>
+              <a:t> through this step-by step with the attendees so they’re happy with the conversion process:</a:t>
+            </a:r>
+          </a:p>
+          <a:p>
+            <a:pPr marL="0" marR="0" indent="0" algn="l" defTabSz="914400" rtl="0" eaLnBrk="1" fontAlgn="auto" latinLnBrk="0" hangingPunct="1">
+              <a:lnSpc>
+                <a:spcPct val="100000"/>
+              </a:lnSpc>
+              <a:spcBef>
+                <a:spcPts val="0"/>
+              </a:spcBef>
+              <a:spcAft>
+                <a:spcPts val="0"/>
+              </a:spcAft>
+              <a:buClrTx/>
+              <a:buSzTx/>
+              <a:buFontTx/>
+              <a:buNone/>
+              <a:tabLst/>
+              <a:defRPr/>
+            </a:pPr>
+            <a:r>
+              <a:rPr lang="en-GB" b="0" dirty="0" smtClean="0"/>
+              <a:t>https://github.com/ISISComputingGroup/IBEX_user_manual/wiki/genie_python-and-IBEX-%28Converting-from- Open GENIE%29</a:t>
+            </a:r>
           </a:p>
         </p:txBody>
       </p:sp>
@@ -3883,22 +3752,9 @@
           <a:bodyPr/>
           <a:lstStyle/>
           <a:p>
-            <a:pPr marL="0" marR="0" indent="0" algn="l" defTabSz="914400" rtl="0" eaLnBrk="1" fontAlgn="auto" latinLnBrk="0" hangingPunct="1">
-              <a:lnSpc>
-                <a:spcPct val="100000"/>
-              </a:lnSpc>
-              <a:spcBef>
-                <a:spcPts val="0"/>
-              </a:spcBef>
-              <a:spcAft>
-                <a:spcPts val="0"/>
-              </a:spcAft>
-              <a:buClrTx/>
-              <a:buSzTx/>
-              <a:buFontTx/>
-              <a:buNone/>
-              <a:tabLst/>
-              <a:defRPr/>
+            <a:pPr marL="171450" indent="-171450">
+              <a:buFont typeface="Arial" panose="020B0604020202020204" pitchFamily="34" charset="0"/>
+              <a:buChar char="•"/>
             </a:pPr>
             <a:r>
               <a:rPr lang="en-GB" sz="1200" b="0" i="0" kern="1200" dirty="0" smtClean="0">
@@ -3910,10 +3766,16 @@
                 <a:ea typeface="+mn-ea"/>
                 <a:cs typeface="+mn-cs"/>
               </a:rPr>
-              <a:t>Go</a:t>
-            </a:r>
-            <a:r>
-              <a:rPr lang="en-GB" sz="1200" b="0" i="0" kern="1200" baseline="0" dirty="0" smtClean="0">
+              <a:t>Rather than use the value 10 for the number of minutes to wait, we've set it as a variable. That means if we change the value, we only need to change it in one place.</a:t>
+            </a:r>
+          </a:p>
+          <a:p>
+            <a:pPr marL="171450" indent="-171450">
+              <a:buFont typeface="Arial" panose="020B0604020202020204" pitchFamily="34" charset="0"/>
+              <a:buChar char="•"/>
+            </a:pPr>
+            <a:r>
+              <a:rPr lang="en-GB" sz="1200" b="0" i="0" kern="1200" dirty="0" smtClean="0">
                 <a:solidFill>
                   <a:schemeClr val="tx1"/>
                 </a:solidFill>
@@ -3922,31 +3784,149 @@
                 <a:ea typeface="+mn-ea"/>
                 <a:cs typeface="+mn-cs"/>
               </a:rPr>
-              <a:t> through this step-by step with the attendees so they’re happy with the conversion process:</a:t>
-            </a:r>
-          </a:p>
-          <a:p>
-            <a:pPr marL="0" marR="0" indent="0" algn="l" defTabSz="914400" rtl="0" eaLnBrk="1" fontAlgn="auto" latinLnBrk="0" hangingPunct="1">
-              <a:lnSpc>
-                <a:spcPct val="100000"/>
-              </a:lnSpc>
-              <a:spcBef>
-                <a:spcPts val="0"/>
-              </a:spcBef>
-              <a:spcAft>
-                <a:spcPts val="0"/>
-              </a:spcAft>
-              <a:buClrTx/>
-              <a:buSzTx/>
-              <a:buFontTx/>
-              <a:buNone/>
-              <a:tabLst/>
-              <a:defRPr/>
-            </a:pPr>
-            <a:r>
-              <a:rPr lang="en-GB" b="0" dirty="0" smtClean="0"/>
-              <a:t>https://github.com/ISISComputingGroup/IBEX_user_manual/wiki/genie_python-and-IBEX-%28Converting-from- Open GENIE%29</a:t>
-            </a:r>
+              <a:t>We've used the minutes argument in </a:t>
+            </a:r>
+            <a:r>
+              <a:rPr lang="en-GB" sz="1200" b="0" i="0" kern="1200" dirty="0" err="1" smtClean="0">
+                <a:solidFill>
+                  <a:schemeClr val="tx1"/>
+                </a:solidFill>
+                <a:effectLst/>
+                <a:latin typeface="+mn-lt"/>
+                <a:ea typeface="+mn-ea"/>
+                <a:cs typeface="+mn-cs"/>
+              </a:rPr>
+              <a:t>waitfor_time</a:t>
+            </a:r>
+            <a:r>
+              <a:rPr lang="en-GB" sz="1200" b="0" i="0" kern="1200" dirty="0" smtClean="0">
+                <a:solidFill>
+                  <a:schemeClr val="tx1"/>
+                </a:solidFill>
+                <a:effectLst/>
+                <a:latin typeface="+mn-lt"/>
+                <a:ea typeface="+mn-ea"/>
+                <a:cs typeface="+mn-cs"/>
+              </a:rPr>
+              <a:t> rather than having to apply the conversion factor between minutes and seconds ourselves.</a:t>
+            </a:r>
+          </a:p>
+          <a:p>
+            <a:pPr marL="171450" indent="-171450">
+              <a:buFont typeface="Arial" panose="020B0604020202020204" pitchFamily="34" charset="0"/>
+              <a:buChar char="•"/>
+            </a:pPr>
+            <a:r>
+              <a:rPr lang="en-GB" sz="1200" b="0" i="0" kern="1200" dirty="0" smtClean="0">
+                <a:solidFill>
+                  <a:schemeClr val="tx1"/>
+                </a:solidFill>
+                <a:effectLst/>
+                <a:latin typeface="+mn-lt"/>
+                <a:ea typeface="+mn-ea"/>
+                <a:cs typeface="+mn-cs"/>
+              </a:rPr>
+              <a:t>We've used the syntax "...".format(arg1, arg2) to build our output strings. There are lots of ways to build strings in Python. Alternatively you can just use "..." + </a:t>
+            </a:r>
+            <a:r>
+              <a:rPr lang="en-GB" sz="1200" b="0" i="0" kern="1200" dirty="0" err="1" smtClean="0">
+                <a:solidFill>
+                  <a:schemeClr val="tx1"/>
+                </a:solidFill>
+                <a:effectLst/>
+                <a:latin typeface="+mn-lt"/>
+                <a:ea typeface="+mn-ea"/>
+                <a:cs typeface="+mn-cs"/>
+              </a:rPr>
+              <a:t>str</a:t>
+            </a:r>
+            <a:r>
+              <a:rPr lang="en-GB" sz="1200" b="0" i="0" kern="1200" dirty="0" smtClean="0">
+                <a:solidFill>
+                  <a:schemeClr val="tx1"/>
+                </a:solidFill>
+                <a:effectLst/>
+                <a:latin typeface="+mn-lt"/>
+                <a:ea typeface="+mn-ea"/>
+                <a:cs typeface="+mn-cs"/>
+              </a:rPr>
+              <a:t>(arg1) + "..." + </a:t>
+            </a:r>
+            <a:r>
+              <a:rPr lang="en-GB" sz="1200" b="0" i="0" kern="1200" dirty="0" err="1" smtClean="0">
+                <a:solidFill>
+                  <a:schemeClr val="tx1"/>
+                </a:solidFill>
+                <a:effectLst/>
+                <a:latin typeface="+mn-lt"/>
+                <a:ea typeface="+mn-ea"/>
+                <a:cs typeface="+mn-cs"/>
+              </a:rPr>
+              <a:t>str</a:t>
+            </a:r>
+            <a:r>
+              <a:rPr lang="en-GB" sz="1200" b="0" i="0" kern="1200" dirty="0" smtClean="0">
+                <a:solidFill>
+                  <a:schemeClr val="tx1"/>
+                </a:solidFill>
+                <a:effectLst/>
+                <a:latin typeface="+mn-lt"/>
+                <a:ea typeface="+mn-ea"/>
+                <a:cs typeface="+mn-cs"/>
+              </a:rPr>
+              <a:t>(arg2) + "..." but we like this way because it makes it easier to read and you don't have to remember to use </a:t>
+            </a:r>
+            <a:r>
+              <a:rPr lang="en-GB" sz="1200" b="0" i="0" kern="1200" dirty="0" err="1" smtClean="0">
+                <a:solidFill>
+                  <a:schemeClr val="tx1"/>
+                </a:solidFill>
+                <a:effectLst/>
+                <a:latin typeface="+mn-lt"/>
+                <a:ea typeface="+mn-ea"/>
+                <a:cs typeface="+mn-cs"/>
+              </a:rPr>
+              <a:t>str</a:t>
+            </a:r>
+            <a:r>
+              <a:rPr lang="en-GB" sz="1200" b="0" i="0" kern="1200" dirty="0" smtClean="0">
+                <a:solidFill>
+                  <a:schemeClr val="tx1"/>
+                </a:solidFill>
+                <a:effectLst/>
+                <a:latin typeface="+mn-lt"/>
+                <a:ea typeface="+mn-ea"/>
+                <a:cs typeface="+mn-cs"/>
+              </a:rPr>
+              <a:t>(...) to convert the types</a:t>
+            </a:r>
+          </a:p>
+          <a:p>
+            <a:pPr marL="171450" indent="-171450">
+              <a:buFont typeface="Arial" panose="020B0604020202020204" pitchFamily="34" charset="0"/>
+              <a:buChar char="•"/>
+            </a:pPr>
+            <a:r>
+              <a:rPr lang="en-GB" sz="1200" b="0" i="0" kern="1200" dirty="0" smtClean="0">
+                <a:solidFill>
+                  <a:schemeClr val="tx1"/>
+                </a:solidFill>
+                <a:effectLst/>
+                <a:latin typeface="+mn-lt"/>
+                <a:ea typeface="+mn-ea"/>
+                <a:cs typeface="+mn-cs"/>
+              </a:rPr>
+              <a:t>Full conversion steps at: https://github.com/ISISComputingGroup/IBEX_user_manual/wiki/genie_python-and-IBEX-%28Converting-from- Open GENIE%29</a:t>
+            </a:r>
+            <a:endParaRPr lang="en-GB" sz="1200" b="0" i="0" kern="1200" dirty="0">
+              <a:solidFill>
+                <a:schemeClr val="tx1"/>
+              </a:solidFill>
+              <a:effectLst/>
+              <a:latin typeface="+mn-lt"/>
+              <a:ea typeface="+mn-ea"/>
+              <a:cs typeface="+mn-cs"/>
+            </a:endParaRPr>
           </a:p>
         </p:txBody>
       </p:sp>
@@ -4044,13 +4024,26 @@
                 <a:ea typeface="+mn-ea"/>
                 <a:cs typeface="+mn-cs"/>
               </a:rPr>
-              <a:t>Rather than use the value 10 for the number of minutes to wait, we've set it as a variable. That means if we change the value, we only need to change it in one place.</a:t>
-            </a:r>
-          </a:p>
-          <a:p>
-            <a:pPr marL="171450" indent="-171450">
+              <a:t>https://github.com/ISISComputingGroup/IBEX_user_manual/wiki/genie_python-and-IBEX-%28Exercise-solutions%29</a:t>
+            </a:r>
+          </a:p>
+          <a:p>
+            <a:pPr marL="171450" marR="0" indent="-171450" algn="l" defTabSz="914400" rtl="0" eaLnBrk="1" fontAlgn="auto" latinLnBrk="0" hangingPunct="1">
+              <a:lnSpc>
+                <a:spcPct val="100000"/>
+              </a:lnSpc>
+              <a:spcBef>
+                <a:spcPts val="0"/>
+              </a:spcBef>
+              <a:spcAft>
+                <a:spcPts val="0"/>
+              </a:spcAft>
+              <a:buClrTx/>
+              <a:buSzTx/>
               <a:buFont typeface="Arial" panose="020B0604020202020204" pitchFamily="34" charset="0"/>
               <a:buChar char="•"/>
+              <a:tabLst/>
+              <a:defRPr/>
             </a:pPr>
             <a:r>
               <a:rPr lang="en-GB" sz="1200" b="0" i="0" kern="1200" dirty="0" smtClean="0">
@@ -4062,10 +4055,10 @@
                 <a:ea typeface="+mn-ea"/>
                 <a:cs typeface="+mn-cs"/>
               </a:rPr>
-              <a:t>We've used the minutes argument in </a:t>
-            </a:r>
-            <a:r>
-              <a:rPr lang="en-GB" sz="1200" b="0" i="0" kern="1200" dirty="0" err="1" smtClean="0">
+              <a:t>Should be quite straightforward.</a:t>
+            </a:r>
+            <a:r>
+              <a:rPr lang="en-GB" sz="1200" b="0" i="0" kern="1200" baseline="0" dirty="0" smtClean="0">
                 <a:solidFill>
                   <a:schemeClr val="tx1"/>
                 </a:solidFill>
@@ -4074,7 +4067,7 @@
                 <a:ea typeface="+mn-ea"/>
                 <a:cs typeface="+mn-cs"/>
               </a:rPr>
-              <a:t>waitfor_time</a:t>
+              <a:t> </a:t>
             </a:r>
             <a:r>
               <a:rPr lang="en-GB" sz="1200" b="0" i="0" kern="1200" dirty="0" smtClean="0">
@@ -4086,16 +4079,10 @@
                 <a:ea typeface="+mn-ea"/>
                 <a:cs typeface="+mn-cs"/>
               </a:rPr>
-              <a:t> rather than having to apply the conversion factor between minutes and seconds ourselves.</a:t>
-            </a:r>
-          </a:p>
-          <a:p>
-            <a:pPr marL="171450" indent="-171450">
-              <a:buFont typeface="Arial" panose="020B0604020202020204" pitchFamily="34" charset="0"/>
-              <a:buChar char="•"/>
-            </a:pPr>
-            <a:r>
-              <a:rPr lang="en-GB" sz="1200" b="0" i="0" kern="1200" dirty="0" smtClean="0">
+              <a:t>Encourage attendees</a:t>
+            </a:r>
+            <a:r>
+              <a:rPr lang="en-GB" sz="1200" b="0" i="0" kern="1200" baseline="0" dirty="0" smtClean="0">
                 <a:solidFill>
                   <a:schemeClr val="tx1"/>
                 </a:solidFill>
@@ -4104,10 +4091,25 @@
                 <a:ea typeface="+mn-ea"/>
                 <a:cs typeface="+mn-cs"/>
               </a:rPr>
-              <a:t>We've used the syntax "...".format(arg1, arg2) to build our output strings. There are lots of ways to build strings in Python. Alternatively you can just use "..." + </a:t>
-            </a:r>
-            <a:r>
-              <a:rPr lang="en-GB" sz="1200" b="0" i="0" kern="1200" dirty="0" err="1" smtClean="0">
+              <a:t> to actively think about the script they are writing, notably:</a:t>
+            </a:r>
+            <a:endParaRPr lang="en-GB" sz="1200" b="0" i="0" kern="1200" dirty="0" smtClean="0">
+              <a:solidFill>
+                <a:schemeClr val="tx1"/>
+              </a:solidFill>
+              <a:effectLst/>
+              <a:latin typeface="+mn-lt"/>
+              <a:ea typeface="+mn-ea"/>
+              <a:cs typeface="+mn-cs"/>
+            </a:endParaRPr>
+          </a:p>
+          <a:p>
+            <a:pPr marL="628650" lvl="1" indent="-171450">
+              <a:buFont typeface="Arial" panose="020B0604020202020204" pitchFamily="34" charset="0"/>
+              <a:buChar char="•"/>
+            </a:pPr>
+            <a:r>
+              <a:rPr lang="en-GB" sz="1200" b="0" i="0" kern="1200" baseline="0" dirty="0" smtClean="0">
                 <a:solidFill>
                   <a:schemeClr val="tx1"/>
                 </a:solidFill>
@@ -4116,10 +4118,32 @@
                 <a:ea typeface="+mn-ea"/>
                 <a:cs typeface="+mn-cs"/>
               </a:rPr>
-              <a:t>str</a:t>
-            </a:r>
-            <a:r>
-              <a:rPr lang="en-GB" sz="1200" b="0" i="0" kern="1200" dirty="0" smtClean="0">
+              <a:t>the simplification “</a:t>
+            </a:r>
+            <a:r>
+              <a:rPr lang="en-GB" dirty="0" smtClean="0"/>
+              <a:t>setpoint = (start + i*</a:t>
+            </a:r>
+            <a:r>
+              <a:rPr lang="en-GB" dirty="0" err="1" smtClean="0"/>
+              <a:t>step_size</a:t>
+            </a:r>
+            <a:r>
+              <a:rPr lang="en-GB" dirty="0" smtClean="0"/>
+              <a:t>) % 360” to avoid</a:t>
+            </a:r>
+            <a:r>
+              <a:rPr lang="en-GB" baseline="0" dirty="0" smtClean="0"/>
+              <a:t> needing to increment step size and do modulo in one step</a:t>
+            </a:r>
+          </a:p>
+          <a:p>
+            <a:pPr marL="628650" lvl="1" indent="-171450">
+              <a:buFont typeface="Arial" panose="020B0604020202020204" pitchFamily="34" charset="0"/>
+              <a:buChar char="•"/>
+            </a:pPr>
+            <a:r>
+              <a:rPr lang="en-GB" sz="1200" b="0" i="0" kern="1200" baseline="0" dirty="0" smtClean="0">
                 <a:solidFill>
                   <a:schemeClr val="tx1"/>
                 </a:solidFill>
@@ -4128,74 +4152,14 @@
                 <a:ea typeface="+mn-ea"/>
                 <a:cs typeface="+mn-cs"/>
               </a:rPr>
-              <a:t>(arg1) + "..." + </a:t>
-            </a:r>
-            <a:r>
-              <a:rPr lang="en-GB" sz="1200" b="0" i="0" kern="1200" dirty="0" err="1" smtClean="0">
-                <a:solidFill>
-                  <a:schemeClr val="tx1"/>
-                </a:solidFill>
-                <a:effectLst/>
-                <a:latin typeface="+mn-lt"/>
-                <a:ea typeface="+mn-ea"/>
-                <a:cs typeface="+mn-cs"/>
-              </a:rPr>
-              <a:t>str</a:t>
-            </a:r>
-            <a:r>
-              <a:rPr lang="en-GB" sz="1200" b="0" i="0" kern="1200" dirty="0" smtClean="0">
-                <a:solidFill>
-                  <a:schemeClr val="tx1"/>
-                </a:solidFill>
-                <a:effectLst/>
-                <a:latin typeface="+mn-lt"/>
-                <a:ea typeface="+mn-ea"/>
-                <a:cs typeface="+mn-cs"/>
-              </a:rPr>
-              <a:t>(arg2) + "..." but we like this way because it makes it easier to read and you don't have to remember to use </a:t>
-            </a:r>
-            <a:r>
-              <a:rPr lang="en-GB" sz="1200" b="0" i="0" kern="1200" dirty="0" err="1" smtClean="0">
-                <a:solidFill>
-                  <a:schemeClr val="tx1"/>
-                </a:solidFill>
-                <a:effectLst/>
-                <a:latin typeface="+mn-lt"/>
-                <a:ea typeface="+mn-ea"/>
-                <a:cs typeface="+mn-cs"/>
-              </a:rPr>
-              <a:t>str</a:t>
-            </a:r>
-            <a:r>
-              <a:rPr lang="en-GB" sz="1200" b="0" i="0" kern="1200" dirty="0" smtClean="0">
-                <a:solidFill>
-                  <a:schemeClr val="tx1"/>
-                </a:solidFill>
-                <a:effectLst/>
-                <a:latin typeface="+mn-lt"/>
-                <a:ea typeface="+mn-ea"/>
-                <a:cs typeface="+mn-cs"/>
-              </a:rPr>
-              <a:t>(...) to convert the types</a:t>
-            </a:r>
-          </a:p>
-          <a:p>
-            <a:pPr marL="171450" indent="-171450">
+              <a:t>There is a mistake in the script people should spot. IF () OR () should be IF () AND ()</a:t>
+            </a:r>
+          </a:p>
+          <a:p>
+            <a:pPr marL="457200" lvl="1" indent="0">
               <a:buFont typeface="Arial" panose="020B0604020202020204" pitchFamily="34" charset="0"/>
-              <a:buChar char="•"/>
-            </a:pPr>
-            <a:r>
-              <a:rPr lang="en-GB" sz="1200" b="0" i="0" kern="1200" dirty="0" smtClean="0">
-                <a:solidFill>
-                  <a:schemeClr val="tx1"/>
-                </a:solidFill>
-                <a:effectLst/>
-                <a:latin typeface="+mn-lt"/>
-                <a:ea typeface="+mn-ea"/>
-                <a:cs typeface="+mn-cs"/>
-              </a:rPr>
-              <a:t>Full conversion steps at: https://github.com/ISISComputingGroup/IBEX_user_manual/wiki/genie_python-and-IBEX-%28Converting-from- Open GENIE%29</a:t>
-            </a:r>
+              <a:buNone/>
+            </a:pPr>
             <a:endParaRPr lang="en-GB" sz="1200" b="0" i="0" kern="1200" dirty="0">
               <a:solidFill>
                 <a:schemeClr val="tx1"/>
@@ -4225,7 +4189,7 @@
           <a:p>
             <a:fld id="{EAEECE71-DBFB-4B75-8F10-14EC87FCE1EC}" type="slidenum">
               <a:rPr lang="en-GB" smtClean="0"/>
-              <a:t>41</a:t>
+              <a:t>48</a:t>
             </a:fld>
             <a:endParaRPr lang="en-GB" dirty="0"/>
           </a:p>
@@ -4288,25 +4252,7 @@
           <a:bodyPr/>
           <a:lstStyle/>
           <a:p>
-            <a:pPr marL="171450" indent="-171450">
-              <a:buFont typeface="Arial" panose="020B0604020202020204" pitchFamily="34" charset="0"/>
-              <a:buChar char="•"/>
-            </a:pPr>
-            <a:r>
-              <a:rPr lang="en-GB" sz="1200" b="0" i="0" kern="1200" dirty="0" smtClean="0">
-                <a:solidFill>
-                  <a:schemeClr val="tx1"/>
-                </a:solidFill>
-                <a:effectLst/>
-                <a:latin typeface="+mn-lt"/>
-                <a:ea typeface="+mn-ea"/>
-                <a:cs typeface="+mn-cs"/>
-              </a:rPr>
-              <a:t>https://github.com/ISISComputingGroup/IBEX_user_manual/wiki/genie_python-and-IBEX-%28Exercise-solutions%29</a:t>
-            </a:r>
-          </a:p>
-          <a:p>
-            <a:pPr marL="171450" marR="0" indent="-171450" algn="l" defTabSz="914400" rtl="0" eaLnBrk="1" fontAlgn="auto" latinLnBrk="0" hangingPunct="1">
+            <a:pPr marL="0" marR="0" indent="0" algn="l" defTabSz="914400" rtl="0" eaLnBrk="1" fontAlgn="auto" latinLnBrk="0" hangingPunct="1">
               <a:lnSpc>
                 <a:spcPct val="100000"/>
               </a:lnSpc>
@@ -4318,135 +4264,15 @@
               </a:spcAft>
               <a:buClrTx/>
               <a:buSzTx/>
-              <a:buFont typeface="Arial" panose="020B0604020202020204" pitchFamily="34" charset="0"/>
-              <a:buChar char="•"/>
+              <a:buFontTx/>
+              <a:buNone/>
               <a:tabLst/>
               <a:defRPr/>
             </a:pPr>
             <a:r>
-              <a:rPr lang="en-GB" sz="1200" b="0" i="0" kern="1200" dirty="0" smtClean="0">
-                <a:solidFill>
-                  <a:schemeClr val="tx1"/>
-                </a:solidFill>
-                <a:effectLst/>
-                <a:latin typeface="+mn-lt"/>
-                <a:ea typeface="+mn-ea"/>
-                <a:cs typeface="+mn-cs"/>
-              </a:rPr>
-              <a:t>Should be quite straightforward.</a:t>
-            </a:r>
-            <a:r>
-              <a:rPr lang="en-GB" sz="1200" b="0" i="0" kern="1200" baseline="0" dirty="0" smtClean="0">
-                <a:solidFill>
-                  <a:schemeClr val="tx1"/>
-                </a:solidFill>
-                <a:effectLst/>
-                <a:latin typeface="+mn-lt"/>
-                <a:ea typeface="+mn-ea"/>
-                <a:cs typeface="+mn-cs"/>
-              </a:rPr>
-              <a:t> </a:t>
-            </a:r>
-            <a:r>
-              <a:rPr lang="en-GB" sz="1200" b="0" i="0" kern="1200" dirty="0" smtClean="0">
-                <a:solidFill>
-                  <a:schemeClr val="tx1"/>
-                </a:solidFill>
-                <a:effectLst/>
-                <a:latin typeface="+mn-lt"/>
-                <a:ea typeface="+mn-ea"/>
-                <a:cs typeface="+mn-cs"/>
-              </a:rPr>
-              <a:t>Encourage attendees</a:t>
-            </a:r>
-            <a:r>
-              <a:rPr lang="en-GB" sz="1200" b="0" i="0" kern="1200" baseline="0" dirty="0" smtClean="0">
-                <a:solidFill>
-                  <a:schemeClr val="tx1"/>
-                </a:solidFill>
-                <a:effectLst/>
-                <a:latin typeface="+mn-lt"/>
-                <a:ea typeface="+mn-ea"/>
-                <a:cs typeface="+mn-cs"/>
-              </a:rPr>
-              <a:t> to actively think about the script they are writing, notably:</a:t>
-            </a:r>
-            <a:endParaRPr lang="en-GB" sz="1200" b="0" i="0" kern="1200" dirty="0" smtClean="0">
-              <a:solidFill>
-                <a:schemeClr val="tx1"/>
-              </a:solidFill>
-              <a:effectLst/>
-              <a:latin typeface="+mn-lt"/>
-              <a:ea typeface="+mn-ea"/>
-              <a:cs typeface="+mn-cs"/>
-            </a:endParaRPr>
-          </a:p>
-          <a:p>
-            <a:pPr marL="628650" lvl="1" indent="-171450">
-              <a:buFont typeface="Arial" panose="020B0604020202020204" pitchFamily="34" charset="0"/>
-              <a:buChar char="•"/>
-            </a:pPr>
-            <a:r>
-              <a:rPr lang="en-GB" sz="1200" b="0" i="0" kern="1200" baseline="0" dirty="0" smtClean="0">
-                <a:solidFill>
-                  <a:schemeClr val="tx1"/>
-                </a:solidFill>
-                <a:effectLst/>
-                <a:latin typeface="+mn-lt"/>
-                <a:ea typeface="+mn-ea"/>
-                <a:cs typeface="+mn-cs"/>
-              </a:rPr>
-              <a:t>the simplification “</a:t>
-            </a:r>
-            <a:r>
-              <a:rPr lang="en-GB" dirty="0" smtClean="0"/>
-              <a:t>setpoint = (start + i*</a:t>
-            </a:r>
-            <a:r>
-              <a:rPr lang="en-GB" dirty="0" err="1" smtClean="0"/>
-              <a:t>step_size</a:t>
-            </a:r>
-            <a:r>
-              <a:rPr lang="en-GB" dirty="0" smtClean="0"/>
-              <a:t>) % 360” to avoid</a:t>
-            </a:r>
-            <a:r>
-              <a:rPr lang="en-GB" baseline="0" dirty="0" smtClean="0"/>
-              <a:t> needing to increment step size and do modulo in one step</a:t>
-            </a:r>
-          </a:p>
-          <a:p>
-            <a:pPr marL="628650" lvl="1" indent="-171450">
-              <a:buFont typeface="Arial" panose="020B0604020202020204" pitchFamily="34" charset="0"/>
-              <a:buChar char="•"/>
-            </a:pPr>
-            <a:r>
-              <a:rPr lang="en-GB" sz="1200" b="0" i="0" kern="1200" baseline="0" dirty="0" smtClean="0">
-                <a:solidFill>
-                  <a:schemeClr val="tx1"/>
-                </a:solidFill>
-                <a:effectLst/>
-                <a:latin typeface="+mn-lt"/>
-                <a:ea typeface="+mn-ea"/>
-                <a:cs typeface="+mn-cs"/>
-              </a:rPr>
-              <a:t>There is a mistake in the script people should spot. IF () OR () should be IF () AND ()</a:t>
-            </a:r>
-          </a:p>
-          <a:p>
-            <a:pPr marL="457200" lvl="1" indent="0">
-              <a:buFont typeface="Arial" panose="020B0604020202020204" pitchFamily="34" charset="0"/>
-              <a:buNone/>
-            </a:pPr>
-            <a:endParaRPr lang="en-GB" sz="1200" b="0" i="0" kern="1200" dirty="0">
-              <a:solidFill>
-                <a:schemeClr val="tx1"/>
-              </a:solidFill>
-              <a:effectLst/>
-              <a:latin typeface="+mn-lt"/>
-              <a:ea typeface="+mn-ea"/>
-              <a:cs typeface="+mn-cs"/>
-            </a:endParaRPr>
+              <a:rPr lang="en-GB" b="0" dirty="0" smtClean="0"/>
+              <a:t>See https://github.com/ISISComputingGroup/IBEX_user_manual/wiki/genie_python-and-IBEX-%28Exercise-solutions%29</a:t>
+            </a:r>
           </a:p>
         </p:txBody>
       </p:sp>
@@ -4467,7 +4293,7 @@
           <a:p>
             <a:fld id="{EAEECE71-DBFB-4B75-8F10-14EC87FCE1EC}" type="slidenum">
               <a:rPr lang="en-GB" smtClean="0"/>
-              <a:t>42</a:t>
+              <a:t>49</a:t>
             </a:fld>
             <a:endParaRPr lang="en-GB" dirty="0"/>
           </a:p>
@@ -4624,180 +4450,11 @@
           <a:bodyPr/>
           <a:lstStyle/>
           <a:p>
-            <a:pPr marL="171450" indent="-171450">
-              <a:buFontTx/>
-              <a:buChar char="-"/>
-            </a:pPr>
-            <a:r>
-              <a:rPr lang="en-GB" sz="1200" b="0" i="0" kern="1200" dirty="0" smtClean="0">
-                <a:solidFill>
-                  <a:schemeClr val="tx1"/>
-                </a:solidFill>
-                <a:effectLst/>
-                <a:latin typeface="+mn-lt"/>
-                <a:ea typeface="+mn-ea"/>
-                <a:cs typeface="+mn-cs"/>
-              </a:rPr>
-              <a:t>The best way to run genie_python commands is from the scripting perspective of the IBEX client.</a:t>
-            </a:r>
-          </a:p>
-          <a:p>
-            <a:pPr marL="171450" indent="-171450">
-              <a:buFontTx/>
-              <a:buChar char="-"/>
-            </a:pPr>
-            <a:r>
-              <a:rPr lang="en-GB" sz="1200" b="0" i="0" kern="1200" dirty="0" smtClean="0">
-                <a:solidFill>
-                  <a:schemeClr val="tx1"/>
-                </a:solidFill>
-                <a:effectLst/>
-                <a:latin typeface="+mn-lt"/>
-                <a:ea typeface="+mn-ea"/>
-                <a:cs typeface="+mn-cs"/>
-              </a:rPr>
-              <a:t>To open a scripting window:</a:t>
-            </a:r>
-          </a:p>
-          <a:p>
-            <a:pPr marL="628650" lvl="1" indent="-171450">
-              <a:buFontTx/>
-              <a:buChar char="-"/>
-            </a:pPr>
-            <a:r>
-              <a:rPr lang="en-GB" sz="1200" b="0" i="0" kern="1200" dirty="0" smtClean="0">
-                <a:solidFill>
-                  <a:schemeClr val="tx1"/>
-                </a:solidFill>
-                <a:effectLst/>
-                <a:latin typeface="+mn-lt"/>
-                <a:ea typeface="+mn-ea"/>
-                <a:cs typeface="+mn-cs"/>
-              </a:rPr>
-              <a:t>Start the IBEX client </a:t>
-            </a:r>
-          </a:p>
-          <a:p>
-            <a:pPr marL="628650" lvl="1" indent="-171450">
-              <a:buFontTx/>
-              <a:buChar char="-"/>
-            </a:pPr>
-            <a:r>
-              <a:rPr lang="en-GB" sz="1200" b="0" i="0" kern="1200" dirty="0" smtClean="0">
-                <a:solidFill>
-                  <a:schemeClr val="tx1"/>
-                </a:solidFill>
-                <a:effectLst/>
-                <a:latin typeface="+mn-lt"/>
-                <a:ea typeface="+mn-ea"/>
-                <a:cs typeface="+mn-cs"/>
-              </a:rPr>
-              <a:t>Open the scripting perspective</a:t>
-            </a:r>
-          </a:p>
-          <a:p>
-            <a:endParaRPr lang="en-GB" sz="1200" b="0" i="0" kern="1200" dirty="0" smtClean="0">
-              <a:solidFill>
-                <a:schemeClr val="tx1"/>
-              </a:solidFill>
-              <a:effectLst/>
-              <a:latin typeface="+mn-lt"/>
-              <a:ea typeface="+mn-ea"/>
-              <a:cs typeface="+mn-cs"/>
-            </a:endParaRPr>
-          </a:p>
-          <a:p>
-            <a:pPr marL="171450" indent="-171450">
-              <a:buFontTx/>
-              <a:buChar char="-"/>
-            </a:pPr>
-            <a:r>
-              <a:rPr lang="en-GB" sz="1200" b="0" i="0" kern="1200" dirty="0" smtClean="0">
-                <a:solidFill>
-                  <a:schemeClr val="tx1"/>
-                </a:solidFill>
-                <a:effectLst/>
-                <a:latin typeface="+mn-lt"/>
-                <a:ea typeface="+mn-ea"/>
-                <a:cs typeface="+mn-cs"/>
-              </a:rPr>
-              <a:t>The exercise is mostly a warm up to make sure:</a:t>
-            </a:r>
-          </a:p>
-          <a:p>
-            <a:pPr marL="628650" lvl="1" indent="-171450">
-              <a:buFontTx/>
-              <a:buChar char="-"/>
-            </a:pPr>
-            <a:r>
-              <a:rPr lang="en-GB" sz="1200" b="0" i="0" kern="1200" dirty="0" smtClean="0">
-                <a:solidFill>
-                  <a:schemeClr val="tx1"/>
-                </a:solidFill>
-                <a:effectLst/>
-                <a:latin typeface="+mn-lt"/>
-                <a:ea typeface="+mn-ea"/>
-                <a:cs typeface="+mn-cs"/>
-              </a:rPr>
-              <a:t>People</a:t>
-            </a:r>
-            <a:r>
-              <a:rPr lang="en-GB" sz="1200" b="0" i="0" kern="1200" baseline="0" dirty="0" smtClean="0">
-                <a:solidFill>
-                  <a:schemeClr val="tx1"/>
-                </a:solidFill>
-                <a:effectLst/>
-                <a:latin typeface="+mn-lt"/>
-                <a:ea typeface="+mn-ea"/>
-                <a:cs typeface="+mn-cs"/>
-              </a:rPr>
-              <a:t> are comfortable with their PC setup</a:t>
-            </a:r>
-          </a:p>
-          <a:p>
-            <a:pPr marL="628650" lvl="1" indent="-171450">
-              <a:buFontTx/>
-              <a:buChar char="-"/>
-            </a:pPr>
-            <a:r>
-              <a:rPr lang="en-GB" sz="1200" b="0" i="0" kern="1200" baseline="0" dirty="0" smtClean="0">
-                <a:solidFill>
-                  <a:schemeClr val="tx1"/>
-                </a:solidFill>
-                <a:effectLst/>
-                <a:latin typeface="+mn-lt"/>
-                <a:ea typeface="+mn-ea"/>
-                <a:cs typeface="+mn-cs"/>
-              </a:rPr>
-              <a:t>Their server is running</a:t>
-            </a:r>
-          </a:p>
-          <a:p>
-            <a:pPr marL="628650" lvl="1" indent="-171450">
-              <a:buFontTx/>
-              <a:buChar char="-"/>
-            </a:pPr>
-            <a:r>
-              <a:rPr lang="en-GB" sz="1200" b="0" i="0" kern="1200" baseline="0" dirty="0" smtClean="0">
-                <a:solidFill>
-                  <a:schemeClr val="tx1"/>
-                </a:solidFill>
-                <a:effectLst/>
-                <a:latin typeface="+mn-lt"/>
-                <a:ea typeface="+mn-ea"/>
-                <a:cs typeface="+mn-cs"/>
-              </a:rPr>
-              <a:t>They have prerequisite Python knowledge</a:t>
-            </a:r>
-            <a:endParaRPr lang="en-GB" sz="1200" b="0" i="0" kern="1200" dirty="0">
-              <a:solidFill>
-                <a:schemeClr val="tx1"/>
-              </a:solidFill>
-              <a:effectLst/>
-              <a:latin typeface="+mn-lt"/>
-              <a:ea typeface="+mn-ea"/>
-              <a:cs typeface="+mn-cs"/>
-            </a:endParaRPr>
+            <a:pPr marL="0" lvl="0" indent="0">
+              <a:buFont typeface="Arial" panose="020B0604020202020204" pitchFamily="34" charset="0"/>
+              <a:buNone/>
+            </a:pPr>
+            <a:endParaRPr lang="en-GB" baseline="0" dirty="0" smtClean="0"/>
           </a:p>
         </p:txBody>
       </p:sp>
@@ -4827,7 +4484,7 @@
     </p:spTree>
     <p:extLst>
       <p:ext uri="{BB962C8B-B14F-4D97-AF65-F5344CB8AC3E}">
-        <p14:creationId xmlns:p14="http://schemas.microsoft.com/office/powerpoint/2010/main" val="1049264693"/>
+        <p14:creationId xmlns:p14="http://schemas.microsoft.com/office/powerpoint/2010/main" val="1831558568"/>
       </p:ext>
     </p:extLst>
   </p:cSld>
@@ -4881,21 +4538,180 @@
           <a:bodyPr/>
           <a:lstStyle/>
           <a:p>
-            <a:r>
-              <a:rPr lang="en-GB" dirty="0" smtClean="0"/>
-              <a:t>Quick note about python 2/3.</a:t>
-            </a:r>
-            <a:endParaRPr lang="en-GB" baseline="0" dirty="0" smtClean="0"/>
-          </a:p>
-          <a:p>
-            <a:endParaRPr lang="en-GB" baseline="0" dirty="0" smtClean="0"/>
-          </a:p>
-          <a:p>
-            <a:r>
-              <a:rPr lang="en-GB" baseline="0" dirty="0" smtClean="0"/>
-              <a:t>This is just to make them aware of the changes that will be coming in the next couple of years but don’t get too deep into the technical differences</a:t>
-            </a:r>
-            <a:endParaRPr lang="en-GB" dirty="0" smtClean="0"/>
+            <a:pPr marL="171450" indent="-171450">
+              <a:buFontTx/>
+              <a:buChar char="-"/>
+            </a:pPr>
+            <a:r>
+              <a:rPr lang="en-GB" sz="1200" b="0" i="0" kern="1200" dirty="0" smtClean="0">
+                <a:solidFill>
+                  <a:schemeClr val="tx1"/>
+                </a:solidFill>
+                <a:effectLst/>
+                <a:latin typeface="+mn-lt"/>
+                <a:ea typeface="+mn-ea"/>
+                <a:cs typeface="+mn-cs"/>
+              </a:rPr>
+              <a:t>The best way to run genie_python commands is from the scripting perspective of the IBEX client.</a:t>
+            </a:r>
+          </a:p>
+          <a:p>
+            <a:pPr marL="171450" indent="-171450">
+              <a:buFontTx/>
+              <a:buChar char="-"/>
+            </a:pPr>
+            <a:r>
+              <a:rPr lang="en-GB" sz="1200" b="0" i="0" kern="1200" dirty="0" smtClean="0">
+                <a:solidFill>
+                  <a:schemeClr val="tx1"/>
+                </a:solidFill>
+                <a:effectLst/>
+                <a:latin typeface="+mn-lt"/>
+                <a:ea typeface="+mn-ea"/>
+                <a:cs typeface="+mn-cs"/>
+              </a:rPr>
+              <a:t>To open a scripting window:</a:t>
+            </a:r>
+          </a:p>
+          <a:p>
+            <a:pPr marL="628650" lvl="1" indent="-171450">
+              <a:buFontTx/>
+              <a:buChar char="-"/>
+            </a:pPr>
+            <a:r>
+              <a:rPr lang="en-GB" sz="1200" b="0" i="0" kern="1200" dirty="0" smtClean="0">
+                <a:solidFill>
+                  <a:schemeClr val="tx1"/>
+                </a:solidFill>
+                <a:effectLst/>
+                <a:latin typeface="+mn-lt"/>
+                <a:ea typeface="+mn-ea"/>
+                <a:cs typeface="+mn-cs"/>
+              </a:rPr>
+              <a:t>Start the IBEX client </a:t>
+            </a:r>
+          </a:p>
+          <a:p>
+            <a:pPr marL="628650" lvl="1" indent="-171450">
+              <a:buFontTx/>
+              <a:buChar char="-"/>
+            </a:pPr>
+            <a:r>
+              <a:rPr lang="en-GB" sz="1200" b="0" i="0" kern="1200" dirty="0" smtClean="0">
+                <a:solidFill>
+                  <a:schemeClr val="tx1"/>
+                </a:solidFill>
+                <a:effectLst/>
+                <a:latin typeface="+mn-lt"/>
+                <a:ea typeface="+mn-ea"/>
+                <a:cs typeface="+mn-cs"/>
+              </a:rPr>
+              <a:t>Open the scripting perspective</a:t>
+            </a:r>
+          </a:p>
+          <a:p>
+            <a:endParaRPr lang="en-GB" sz="1200" b="0" i="0" kern="1200" dirty="0" smtClean="0">
+              <a:solidFill>
+                <a:schemeClr val="tx1"/>
+              </a:solidFill>
+              <a:effectLst/>
+              <a:latin typeface="+mn-lt"/>
+              <a:ea typeface="+mn-ea"/>
+              <a:cs typeface="+mn-cs"/>
+            </a:endParaRPr>
+          </a:p>
+          <a:p>
+            <a:pPr marL="171450" indent="-171450">
+              <a:buFontTx/>
+              <a:buChar char="-"/>
+            </a:pPr>
+            <a:r>
+              <a:rPr lang="en-GB" sz="1200" b="0" i="0" kern="1200" dirty="0" smtClean="0">
+                <a:solidFill>
+                  <a:schemeClr val="tx1"/>
+                </a:solidFill>
+                <a:effectLst/>
+                <a:latin typeface="+mn-lt"/>
+                <a:ea typeface="+mn-ea"/>
+                <a:cs typeface="+mn-cs"/>
+              </a:rPr>
+              <a:t>The exercise is mostly a warm up to make sure:</a:t>
+            </a:r>
+          </a:p>
+          <a:p>
+            <a:pPr marL="628650" lvl="1" indent="-171450">
+              <a:buFontTx/>
+              <a:buChar char="-"/>
+            </a:pPr>
+            <a:r>
+              <a:rPr lang="en-GB" sz="1200" b="0" i="0" kern="1200" dirty="0" smtClean="0">
+                <a:solidFill>
+                  <a:schemeClr val="tx1"/>
+                </a:solidFill>
+                <a:effectLst/>
+                <a:latin typeface="+mn-lt"/>
+                <a:ea typeface="+mn-ea"/>
+                <a:cs typeface="+mn-cs"/>
+              </a:rPr>
+              <a:t>People</a:t>
+            </a:r>
+            <a:r>
+              <a:rPr lang="en-GB" sz="1200" b="0" i="0" kern="1200" baseline="0" dirty="0" smtClean="0">
+                <a:solidFill>
+                  <a:schemeClr val="tx1"/>
+                </a:solidFill>
+                <a:effectLst/>
+                <a:latin typeface="+mn-lt"/>
+                <a:ea typeface="+mn-ea"/>
+                <a:cs typeface="+mn-cs"/>
+              </a:rPr>
+              <a:t> are comfortable with their PC setup</a:t>
+            </a:r>
+          </a:p>
+          <a:p>
+            <a:pPr marL="628650" lvl="1" indent="-171450">
+              <a:buFontTx/>
+              <a:buChar char="-"/>
+            </a:pPr>
+            <a:r>
+              <a:rPr lang="en-GB" sz="1200" b="0" i="0" kern="1200" baseline="0" dirty="0" smtClean="0">
+                <a:solidFill>
+                  <a:schemeClr val="tx1"/>
+                </a:solidFill>
+                <a:effectLst/>
+                <a:latin typeface="+mn-lt"/>
+                <a:ea typeface="+mn-ea"/>
+                <a:cs typeface="+mn-cs"/>
+              </a:rPr>
+              <a:t>Their server is running</a:t>
+            </a:r>
+          </a:p>
+          <a:p>
+            <a:pPr marL="628650" lvl="1" indent="-171450">
+              <a:buFontTx/>
+              <a:buChar char="-"/>
+            </a:pPr>
+            <a:r>
+              <a:rPr lang="en-GB" sz="1200" b="0" i="0" kern="1200" baseline="0" dirty="0" smtClean="0">
+                <a:solidFill>
+                  <a:schemeClr val="tx1"/>
+                </a:solidFill>
+                <a:effectLst/>
+                <a:latin typeface="+mn-lt"/>
+                <a:ea typeface="+mn-ea"/>
+                <a:cs typeface="+mn-cs"/>
+              </a:rPr>
+              <a:t>They have prerequisite Python knowledge</a:t>
+            </a:r>
+            <a:endParaRPr lang="en-GB" sz="1200" b="0" i="0" kern="1200" dirty="0">
+              <a:solidFill>
+                <a:schemeClr val="tx1"/>
+              </a:solidFill>
+              <a:effectLst/>
+              <a:latin typeface="+mn-lt"/>
+              <a:ea typeface="+mn-ea"/>
+              <a:cs typeface="+mn-cs"/>
+            </a:endParaRPr>
           </a:p>
         </p:txBody>
       </p:sp>
@@ -4925,7 +4741,7 @@
     </p:spTree>
     <p:extLst>
       <p:ext uri="{BB962C8B-B14F-4D97-AF65-F5344CB8AC3E}">
-        <p14:creationId xmlns:p14="http://schemas.microsoft.com/office/powerpoint/2010/main" val="2778980125"/>
+        <p14:creationId xmlns:p14="http://schemas.microsoft.com/office/powerpoint/2010/main" val="1049264693"/>
       </p:ext>
     </p:extLst>
   </p:cSld>
@@ -4979,54 +4795,21 @@
           <a:bodyPr/>
           <a:lstStyle/>
           <a:p>
-            <a:pPr marL="171450" indent="-171450">
-              <a:buFontTx/>
-              <a:buChar char="-"/>
-            </a:pPr>
             <a:r>
               <a:rPr lang="en-GB" dirty="0" smtClean="0"/>
-              <a:t>Functions accessed via the ``g`` namespace</a:t>
-            </a:r>
-          </a:p>
-          <a:p>
-            <a:pPr marL="171450" indent="-171450">
-              <a:buFontTx/>
-              <a:buChar char="-"/>
-            </a:pPr>
-            <a:r>
-              <a:rPr lang="en-GB" dirty="0" smtClean="0"/>
-              <a:t>You should have noticed immediately after you typed ``g.`` that an auto-complete window appeared:</a:t>
-            </a:r>
-          </a:p>
-          <a:p>
-            <a:pPr marL="171450" indent="-171450">
-              <a:buFontTx/>
-              <a:buChar char="-"/>
-            </a:pPr>
-            <a:r>
-              <a:rPr lang="en-GB" dirty="0" smtClean="0"/>
-              <a:t>The window lists the available commands, and the arguments they take, in brackets. </a:t>
-            </a:r>
-          </a:p>
-          <a:p>
-            <a:pPr marL="171450" indent="-171450">
-              <a:buFontTx/>
-              <a:buChar char="-"/>
-            </a:pPr>
-            <a:r>
-              <a:rPr lang="en-GB" dirty="0" smtClean="0"/>
-              <a:t>A description of the highlighted functions and its arguments is also given. </a:t>
-            </a:r>
-          </a:p>
-          <a:p>
-            <a:pPr marL="171450" indent="-171450">
-              <a:buFontTx/>
-              <a:buChar char="-"/>
-            </a:pPr>
-            <a:r>
-              <a:rPr lang="en-GB" dirty="0" smtClean="0"/>
-              <a:t>The list will be refined as you type more characters.</a:t>
-            </a:r>
+              <a:t>Quick note about python 2/3.</a:t>
+            </a:r>
+            <a:endParaRPr lang="en-GB" baseline="0" dirty="0" smtClean="0"/>
+          </a:p>
+          <a:p>
+            <a:endParaRPr lang="en-GB" baseline="0" dirty="0" smtClean="0"/>
+          </a:p>
+          <a:p>
+            <a:r>
+              <a:rPr lang="en-GB" baseline="0" dirty="0" smtClean="0"/>
+              <a:t>This is just to make them aware of the changes that will be coming in the next couple of years but don’t get too deep into the technical differences</a:t>
+            </a:r>
+            <a:endParaRPr lang="en-GB" dirty="0" smtClean="0"/>
           </a:p>
         </p:txBody>
       </p:sp>
@@ -5047,7 +4830,7 @@
           <a:p>
             <a:fld id="{EAEECE71-DBFB-4B75-8F10-14EC87FCE1EC}" type="slidenum">
               <a:rPr lang="en-GB" smtClean="0"/>
-              <a:t>7</a:t>
+              <a:t>6</a:t>
             </a:fld>
             <a:endParaRPr lang="en-GB" dirty="0"/>
           </a:p>
@@ -5056,7 +4839,7 @@
     </p:spTree>
     <p:extLst>
       <p:ext uri="{BB962C8B-B14F-4D97-AF65-F5344CB8AC3E}">
-        <p14:creationId xmlns:p14="http://schemas.microsoft.com/office/powerpoint/2010/main" val="1049264693"/>
+        <p14:creationId xmlns:p14="http://schemas.microsoft.com/office/powerpoint/2010/main" val="2778980125"/>
       </p:ext>
     </p:extLst>
   </p:cSld>
@@ -5116,11 +4899,7 @@
             </a:pPr>
             <a:r>
               <a:rPr lang="en-GB" dirty="0" smtClean="0"/>
-              <a:t>Run</a:t>
-            </a:r>
-            <a:r>
-              <a:rPr lang="en-GB" baseline="0" dirty="0" smtClean="0"/>
-              <a:t> through the basic run state commands</a:t>
+              <a:t>Functions accessed via the ``g`` namespace</a:t>
             </a:r>
           </a:p>
           <a:p>
@@ -5130,15 +4909,37 @@
             </a:pPr>
             <a:r>
               <a:rPr lang="en-GB" dirty="0" smtClean="0"/>
-              <a:t>Warn</a:t>
-            </a:r>
-            <a:r>
-              <a:rPr lang="en-GB" baseline="0" dirty="0" smtClean="0"/>
-              <a:t> users </a:t>
-            </a:r>
+              <a:t>You should have noticed immediately after you typed ``g.`` that an auto-complete window appeared:</a:t>
+            </a:r>
+          </a:p>
+          <a:p>
+            <a:pPr marL="171450" indent="-171450">
+              <a:buFontTx/>
+              <a:buChar char="-"/>
+            </a:pPr>
             <a:r>
               <a:rPr lang="en-GB" dirty="0" smtClean="0"/>
-              <a:t>not to assume the resultant state when using these commands. For example, you may run ``g.begin()`` and then expect the instrument to be running. That may be true, but it could also be waiting, vetoing, or still setup. It's a good idea to put checks into your scripts that you've reached the expected state.</a:t>
+              <a:t>The window lists the available commands, and the arguments they take, in brackets. </a:t>
+            </a:r>
+          </a:p>
+          <a:p>
+            <a:pPr marL="171450" indent="-171450">
+              <a:buFontTx/>
+              <a:buChar char="-"/>
+            </a:pPr>
+            <a:r>
+              <a:rPr lang="en-GB" dirty="0" smtClean="0"/>
+              <a:t>A description of the highlighted functions and its arguments is also given. </a:t>
+            </a:r>
+          </a:p>
+          <a:p>
+            <a:pPr marL="171450" indent="-171450">
+              <a:buFontTx/>
+              <a:buChar char="-"/>
+            </a:pPr>
+            <a:r>
+              <a:rPr lang="en-GB" dirty="0" smtClean="0"/>
+              <a:t>The list will be refined as you type more characters.</a:t>
             </a:r>
           </a:p>
         </p:txBody>
@@ -5160,7 +4961,7 @@
           <a:p>
             <a:fld id="{EAEECE71-DBFB-4B75-8F10-14EC87FCE1EC}" type="slidenum">
               <a:rPr lang="en-GB" smtClean="0"/>
-              <a:t>9</a:t>
+              <a:t>8</a:t>
             </a:fld>
             <a:endParaRPr lang="en-GB" dirty="0"/>
           </a:p>
@@ -5229,15 +5030,11 @@
             </a:pPr>
             <a:r>
               <a:rPr lang="en-GB" dirty="0" smtClean="0"/>
-              <a:t>``</a:t>
-            </a:r>
-            <a:r>
-              <a:rPr lang="en-GB" dirty="0" err="1" smtClean="0"/>
-              <a:t>g.waitfor_time</a:t>
-            </a:r>
-            <a:r>
-              <a:rPr lang="en-GB" dirty="0" smtClean="0"/>
-              <a:t>(seconds=10)``. Wait for 10 seconds</a:t>
+              <a:t>Run</a:t>
+            </a:r>
+            <a:r>
+              <a:rPr lang="en-GB" baseline="0" dirty="0" smtClean="0"/>
+              <a:t> through the basic run state commands</a:t>
             </a:r>
           </a:p>
           <a:p>
@@ -5247,64 +5044,15 @@
             </a:pPr>
             <a:r>
               <a:rPr lang="en-GB" dirty="0" smtClean="0"/>
-              <a:t>``</a:t>
-            </a:r>
-            <a:r>
-              <a:rPr lang="en-GB" dirty="0" err="1" smtClean="0"/>
-              <a:t>g.waitfor_time</a:t>
+              <a:t>Warn</a:t>
+            </a:r>
+            <a:r>
+              <a:rPr lang="en-GB" baseline="0" dirty="0" smtClean="0"/>
+              <a:t> users </a:t>
             </a:r>
             <a:r>
               <a:rPr lang="en-GB" dirty="0" smtClean="0"/>
-              <a:t>(minutes=10)``. Wait for 10 minutes</a:t>
-            </a:r>
-          </a:p>
-          <a:p>
-            <a:pPr marL="171450" indent="-171450">
-              <a:buFontTx/>
-              <a:buChar char="-"/>
-            </a:pPr>
-            <a:r>
-              <a:rPr lang="en-GB" dirty="0" smtClean="0"/>
-              <a:t>``</a:t>
-            </a:r>
-            <a:r>
-              <a:rPr lang="en-GB" dirty="0" err="1" smtClean="0"/>
-              <a:t>g.waitfor_uamps</a:t>
-            </a:r>
-            <a:r>
-              <a:rPr lang="en-GB" dirty="0" smtClean="0"/>
-              <a:t>(10)``. Wait for the total received current to reach 10 </a:t>
-            </a:r>
-            <a:r>
-              <a:rPr lang="en-GB" dirty="0" err="1" smtClean="0"/>
-              <a:t>uamps</a:t>
-            </a:r>
-            <a:endParaRPr lang="en-GB" dirty="0" smtClean="0"/>
-          </a:p>
-          <a:p>
-            <a:pPr marL="171450" indent="-171450">
-              <a:buFontTx/>
-              <a:buChar char="-"/>
-            </a:pPr>
-            <a:r>
-              <a:rPr lang="en-GB" dirty="0" smtClean="0"/>
-              <a:t>``</a:t>
-            </a:r>
-            <a:r>
-              <a:rPr lang="en-GB" dirty="0" err="1" smtClean="0"/>
-              <a:t>g.waitfor_block</a:t>
-            </a:r>
-            <a:r>
-              <a:rPr lang="en-GB" dirty="0" smtClean="0"/>
-              <a:t>(block="MY_BLOCK", </a:t>
-            </a:r>
-            <a:r>
-              <a:rPr lang="en-GB" dirty="0" err="1" smtClean="0"/>
-              <a:t>lowlimit</a:t>
-            </a:r>
-            <a:r>
-              <a:rPr lang="en-GB" dirty="0" smtClean="0"/>
-              <a:t>=10)``. Wait for the block "MY_BLOCK" to be greater than or equal to 10</a:t>
+              <a:t>not to assume the resultant state when using these commands. For example, you may run ``g.begin()`` and then expect the instrument to be running. That may be true, but it could also be waiting, vetoing, or still setup. It's a good idea to put checks into your scripts that you've reached the expected state.</a:t>
             </a:r>
           </a:p>
         </p:txBody>
@@ -5389,13 +5137,88 @@
           <a:bodyPr/>
           <a:lstStyle/>
           <a:p>
-            <a:pPr marL="0" indent="0">
+            <a:pPr marL="171450" indent="-171450">
               <a:buFontTx/>
-              <a:buNone/>
+              <a:buChar char="-"/>
             </a:pPr>
             <a:r>
               <a:rPr lang="en-GB" dirty="0" smtClean="0"/>
-              <a:t>Mention this is done automatically on end run</a:t>
+              <a:t>``</a:t>
+            </a:r>
+            <a:r>
+              <a:rPr lang="en-GB" dirty="0" err="1" smtClean="0"/>
+              <a:t>g.waitfor_time</a:t>
+            </a:r>
+            <a:r>
+              <a:rPr lang="en-GB" dirty="0" smtClean="0"/>
+              <a:t>(seconds=10)``. Wait for 10 seconds</a:t>
+            </a:r>
+          </a:p>
+          <a:p>
+            <a:pPr marL="171450" indent="-171450">
+              <a:buFontTx/>
+              <a:buChar char="-"/>
+            </a:pPr>
+            <a:r>
+              <a:rPr lang="en-GB" dirty="0" smtClean="0"/>
+              <a:t>``</a:t>
+            </a:r>
+            <a:r>
+              <a:rPr lang="en-GB" dirty="0" err="1" smtClean="0"/>
+              <a:t>g.waitfor_time</a:t>
+            </a:r>
+            <a:r>
+              <a:rPr lang="en-GB" dirty="0" smtClean="0"/>
+              <a:t>(minutes=10)``. Wait for 10 minutes</a:t>
+            </a:r>
+          </a:p>
+          <a:p>
+            <a:pPr marL="171450" indent="-171450">
+              <a:buFontTx/>
+              <a:buChar char="-"/>
+            </a:pPr>
+            <a:r>
+              <a:rPr lang="en-GB" dirty="0" smtClean="0"/>
+              <a:t>``</a:t>
+            </a:r>
+            <a:r>
+              <a:rPr lang="en-GB" dirty="0" err="1" smtClean="0"/>
+              <a:t>g.waitfor_uamps</a:t>
+            </a:r>
+            <a:r>
+              <a:rPr lang="en-GB" dirty="0" smtClean="0"/>
+              <a:t>(10)``. Wait for the total received current to reach 10 </a:t>
+            </a:r>
+            <a:r>
+              <a:rPr lang="en-GB" dirty="0" err="1" smtClean="0"/>
+              <a:t>uamps</a:t>
+            </a:r>
+            <a:endParaRPr lang="en-GB" dirty="0" smtClean="0"/>
+          </a:p>
+          <a:p>
+            <a:pPr marL="171450" indent="-171450">
+              <a:buFontTx/>
+              <a:buChar char="-"/>
+            </a:pPr>
+            <a:r>
+              <a:rPr lang="en-GB" dirty="0" smtClean="0"/>
+              <a:t>``</a:t>
+            </a:r>
+            <a:r>
+              <a:rPr lang="en-GB" dirty="0" err="1" smtClean="0"/>
+              <a:t>g.waitfor_block</a:t>
+            </a:r>
+            <a:r>
+              <a:rPr lang="en-GB" dirty="0" smtClean="0"/>
+              <a:t>(block="MY_BLOCK", </a:t>
+            </a:r>
+            <a:r>
+              <a:rPr lang="en-GB" dirty="0" err="1" smtClean="0"/>
+              <a:t>lowlimit</a:t>
+            </a:r>
+            <a:r>
+              <a:rPr lang="en-GB" dirty="0" smtClean="0"/>
+              <a:t>=10)``. Wait for the block "MY_BLOCK" to be greater than or equal to 10</a:t>
             </a:r>
           </a:p>
         </p:txBody>
@@ -5627,7 +5450,7 @@
               <a:pPr>
                 <a:defRPr/>
               </a:pPr>
-              <a:t>31/10/2018</a:t>
+              <a:t>16/04/2021</a:t>
             </a:fld>
             <a:endParaRPr lang="en-GB" dirty="0"/>
           </a:p>
@@ -5824,7 +5647,7 @@
               <a:pPr>
                 <a:defRPr/>
               </a:pPr>
-              <a:t>31/10/2018</a:t>
+              <a:t>16/04/2021</a:t>
             </a:fld>
             <a:endParaRPr lang="en-GB" dirty="0"/>
           </a:p>
@@ -6031,7 +5854,7 @@
               <a:pPr>
                 <a:defRPr/>
               </a:pPr>
-              <a:t>31/10/2018</a:t>
+              <a:t>16/04/2021</a:t>
             </a:fld>
             <a:endParaRPr lang="en-GB" dirty="0"/>
           </a:p>
@@ -6228,7 +6051,7 @@
               <a:pPr>
                 <a:defRPr/>
               </a:pPr>
-              <a:t>31/10/2018</a:t>
+              <a:t>16/04/2021</a:t>
             </a:fld>
             <a:endParaRPr lang="en-GB" dirty="0"/>
           </a:p>
@@ -6501,7 +6324,7 @@
               <a:pPr>
                 <a:defRPr/>
               </a:pPr>
-              <a:t>31/10/2018</a:t>
+              <a:t>16/04/2021</a:t>
             </a:fld>
             <a:endParaRPr lang="en-GB" dirty="0"/>
           </a:p>
@@ -6816,7 +6639,7 @@
               <a:pPr>
                 <a:defRPr/>
               </a:pPr>
-              <a:t>31/10/2018</a:t>
+              <a:t>16/04/2021</a:t>
             </a:fld>
             <a:endParaRPr lang="en-GB" dirty="0"/>
           </a:p>
@@ -7265,7 +7088,7 @@
               <a:pPr>
                 <a:defRPr/>
               </a:pPr>
-              <a:t>31/10/2018</a:t>
+              <a:t>16/04/2021</a:t>
             </a:fld>
             <a:endParaRPr lang="en-GB" dirty="0"/>
           </a:p>
@@ -7410,7 +7233,7 @@
               <a:pPr>
                 <a:defRPr/>
               </a:pPr>
-              <a:t>31/10/2018</a:t>
+              <a:t>16/04/2021</a:t>
             </a:fld>
             <a:endParaRPr lang="en-GB" dirty="0"/>
           </a:p>
@@ -7532,7 +7355,7 @@
               <a:pPr>
                 <a:defRPr/>
               </a:pPr>
-              <a:t>31/10/2018</a:t>
+              <a:t>16/04/2021</a:t>
             </a:fld>
             <a:endParaRPr lang="en-GB" dirty="0"/>
           </a:p>
@@ -7836,7 +7659,7 @@
               <a:pPr>
                 <a:defRPr/>
               </a:pPr>
-              <a:t>31/10/2018</a:t>
+              <a:t>16/04/2021</a:t>
             </a:fld>
             <a:endParaRPr lang="en-GB" dirty="0"/>
           </a:p>
@@ -8119,7 +7942,7 @@
               <a:pPr>
                 <a:defRPr/>
               </a:pPr>
-              <a:t>31/10/2018</a:t>
+              <a:t>16/04/2021</a:t>
             </a:fld>
             <a:endParaRPr lang="en-GB" dirty="0"/>
           </a:p>
@@ -8414,7 +8237,7 @@
               <a:pPr>
                 <a:defRPr/>
               </a:pPr>
-              <a:t>31/10/2018</a:t>
+              <a:t>16/04/2021</a:t>
             </a:fld>
             <a:endParaRPr lang="en-GB" dirty="0"/>
           </a:p>
@@ -9125,7 +8948,7 @@
           <a:p>
             <a:r>
               <a:rPr lang="en-GB" dirty="0" smtClean="0"/>
-              <a:t>Waiting</a:t>
+              <a:t>Switching run states</a:t>
             </a:r>
             <a:endParaRPr lang="en-GB" dirty="0"/>
           </a:p>
@@ -9139,8 +8962,8 @@
         </p:nvSpPr>
         <p:spPr>
           <a:xfrm>
-            <a:off x="323528" y="1417638"/>
-            <a:ext cx="8496944" cy="4524315"/>
+            <a:off x="107504" y="1268760"/>
+            <a:ext cx="8928992" cy="3898824"/>
           </a:xfrm>
           <a:prstGeom prst="rect">
             <a:avLst/>
@@ -9154,296 +8977,172 @@
           <a:lstStyle/>
           <a:p>
             <a:pPr marL="342900" indent="-342900">
+              <a:lnSpc>
+                <a:spcPct val="150000"/>
+              </a:lnSpc>
               <a:buFont typeface="Arial" panose="020B0604020202020204" pitchFamily="34" charset="0"/>
               <a:buChar char="•"/>
             </a:pPr>
             <a:r>
-              <a:rPr lang="en-GB" sz="2400" dirty="0" smtClean="0"/>
-              <a:t>Wait for a specific event before continuing. Use a “</a:t>
-            </a:r>
-            <a:r>
-              <a:rPr lang="en-GB" sz="2400" dirty="0" err="1" smtClean="0">
+              <a:rPr lang="en-GB" sz="2800" dirty="0" smtClean="0">
                 <a:solidFill>
                   <a:schemeClr val="accent2"/>
                 </a:solidFill>
                 <a:latin typeface="Consolas" panose="020B0609020204030204" pitchFamily="49" charset="0"/>
                 <a:cs typeface="Consolas" panose="020B0609020204030204" pitchFamily="49" charset="0"/>
               </a:rPr>
-              <a:t>g.waitfor</a:t>
-            </a:r>
-            <a:r>
-              <a:rPr lang="en-GB" sz="2400" dirty="0">
+              <a:t>g.begin()</a:t>
+            </a:r>
+            <a:r>
+              <a:rPr lang="en-GB" sz="2800" dirty="0" smtClean="0"/>
+              <a:t>: </a:t>
+            </a:r>
+            <a:r>
+              <a:rPr lang="en-GB" sz="2800" dirty="0"/>
+              <a:t>Begins a new run</a:t>
+            </a:r>
+          </a:p>
+          <a:p>
+            <a:pPr marL="342900" indent="-342900">
+              <a:lnSpc>
+                <a:spcPct val="150000"/>
+              </a:lnSpc>
+              <a:buFont typeface="Arial" panose="020B0604020202020204" pitchFamily="34" charset="0"/>
+              <a:buChar char="•"/>
+            </a:pPr>
+            <a:r>
+              <a:rPr lang="en-GB" sz="2800" dirty="0" smtClean="0">
                 <a:solidFill>
                   <a:schemeClr val="accent2"/>
                 </a:solidFill>
                 <a:latin typeface="Consolas" panose="020B0609020204030204" pitchFamily="49" charset="0"/>
                 <a:cs typeface="Consolas" panose="020B0609020204030204" pitchFamily="49" charset="0"/>
               </a:rPr>
-              <a:t>_...</a:t>
-            </a:r>
-            <a:r>
-              <a:rPr lang="en-GB" sz="2400" i="1" dirty="0" smtClean="0"/>
-              <a:t>” </a:t>
-            </a:r>
-            <a:r>
-              <a:rPr lang="en-GB" sz="2400" dirty="0" smtClean="0"/>
-              <a:t>function:</a:t>
+              <a:t>g.pause()</a:t>
+            </a:r>
+            <a:r>
+              <a:rPr lang="en-GB" sz="2800" dirty="0" smtClean="0"/>
+              <a:t>: </a:t>
+            </a:r>
+            <a:r>
+              <a:rPr lang="en-GB" sz="2800" dirty="0"/>
+              <a:t>Pauses the current run</a:t>
             </a:r>
           </a:p>
           <a:p>
             <a:pPr marL="342900" indent="-342900">
+              <a:lnSpc>
+                <a:spcPct val="150000"/>
+              </a:lnSpc>
               <a:buFont typeface="Arial" panose="020B0604020202020204" pitchFamily="34" charset="0"/>
               <a:buChar char="•"/>
             </a:pPr>
             <a:r>
-              <a:rPr lang="en-GB" sz="2400" dirty="0" smtClean="0">
-                <a:solidFill>
-                  <a:srgbClr val="00B050"/>
-                </a:solidFill>
-              </a:rPr>
-              <a:t>What do you think the following commands do?</a:t>
-            </a:r>
-          </a:p>
-          <a:p>
-            <a:pPr marL="800100" lvl="1" indent="-342900">
+              <a:rPr lang="en-GB" sz="2800" dirty="0" smtClean="0">
+                <a:solidFill>
+                  <a:schemeClr val="accent2"/>
+                </a:solidFill>
+                <a:latin typeface="Consolas" panose="020B0609020204030204" pitchFamily="49" charset="0"/>
+                <a:cs typeface="Consolas" panose="020B0609020204030204" pitchFamily="49" charset="0"/>
+              </a:rPr>
+              <a:t>g.resume()</a:t>
+            </a:r>
+            <a:r>
+              <a:rPr lang="en-GB" sz="2800" dirty="0" smtClean="0"/>
+              <a:t>: </a:t>
+            </a:r>
+            <a:r>
+              <a:rPr lang="en-GB" sz="2800" dirty="0"/>
+              <a:t>Resumes the current run</a:t>
+            </a:r>
+          </a:p>
+          <a:p>
+            <a:pPr marL="342900" indent="-342900">
+              <a:lnSpc>
+                <a:spcPct val="150000"/>
+              </a:lnSpc>
               <a:buFont typeface="Arial" panose="020B0604020202020204" pitchFamily="34" charset="0"/>
               <a:buChar char="•"/>
             </a:pPr>
             <a:r>
-              <a:rPr lang="en-GB" sz="2400" dirty="0" err="1">
+              <a:rPr lang="en-GB" sz="2800" dirty="0" smtClean="0">
                 <a:solidFill>
                   <a:schemeClr val="accent2"/>
                 </a:solidFill>
                 <a:latin typeface="Consolas" panose="020B0609020204030204" pitchFamily="49" charset="0"/>
                 <a:cs typeface="Consolas" panose="020B0609020204030204" pitchFamily="49" charset="0"/>
               </a:rPr>
-              <a:t>g.waitfor_time</a:t>
-            </a:r>
-            <a:r>
-              <a:rPr lang="en-GB" sz="2400" dirty="0">
+              <a:t>g.end()</a:t>
+            </a:r>
+            <a:r>
+              <a:rPr lang="en-GB" sz="2800" dirty="0" smtClean="0"/>
+              <a:t>: </a:t>
+            </a:r>
+            <a:r>
+              <a:rPr lang="en-GB" sz="2800" dirty="0"/>
+              <a:t>Ends the current run</a:t>
+            </a:r>
+          </a:p>
+          <a:p>
+            <a:pPr marL="342900" indent="-342900">
+              <a:lnSpc>
+                <a:spcPct val="150000"/>
+              </a:lnSpc>
+              <a:buFont typeface="Arial" panose="020B0604020202020204" pitchFamily="34" charset="0"/>
+              <a:buChar char="•"/>
+            </a:pPr>
+            <a:r>
+              <a:rPr lang="en-GB" sz="2800" dirty="0" smtClean="0">
                 <a:solidFill>
                   <a:schemeClr val="accent2"/>
                 </a:solidFill>
                 <a:latin typeface="Consolas" panose="020B0609020204030204" pitchFamily="49" charset="0"/>
                 <a:cs typeface="Consolas" panose="020B0609020204030204" pitchFamily="49" charset="0"/>
               </a:rPr>
-              <a:t>(seconds=10)</a:t>
-            </a:r>
-          </a:p>
-          <a:p>
-            <a:pPr marL="800100" lvl="1" indent="-342900">
+              <a:t>g.abort()</a:t>
+            </a:r>
+            <a:r>
+              <a:rPr lang="en-GB" sz="2800" dirty="0" smtClean="0"/>
+              <a:t>: </a:t>
+            </a:r>
+            <a:r>
+              <a:rPr lang="en-GB" sz="2800" dirty="0"/>
+              <a:t>Aborts the current </a:t>
+            </a:r>
+            <a:r>
+              <a:rPr lang="en-GB" sz="2800" dirty="0" smtClean="0"/>
+              <a:t>run</a:t>
+            </a:r>
+          </a:p>
+          <a:p>
+            <a:pPr marL="342900" indent="-342900">
+              <a:lnSpc>
+                <a:spcPct val="150000"/>
+              </a:lnSpc>
               <a:buFont typeface="Arial" panose="020B0604020202020204" pitchFamily="34" charset="0"/>
               <a:buChar char="•"/>
             </a:pPr>
             <a:r>
-              <a:rPr lang="en-GB" sz="2400" dirty="0" err="1">
+              <a:rPr lang="en-GB" sz="2800" dirty="0" smtClean="0">
                 <a:solidFill>
                   <a:schemeClr val="accent2"/>
                 </a:solidFill>
                 <a:latin typeface="Consolas" panose="020B0609020204030204" pitchFamily="49" charset="0"/>
                 <a:cs typeface="Consolas" panose="020B0609020204030204" pitchFamily="49" charset="0"/>
               </a:rPr>
-              <a:t>g.waitfor_time</a:t>
-            </a:r>
-            <a:r>
-              <a:rPr lang="en-GB" sz="2400" dirty="0">
-                <a:solidFill>
-                  <a:schemeClr val="accent2"/>
-                </a:solidFill>
-                <a:latin typeface="Consolas" panose="020B0609020204030204" pitchFamily="49" charset="0"/>
-                <a:cs typeface="Consolas" panose="020B0609020204030204" pitchFamily="49" charset="0"/>
-              </a:rPr>
-              <a:t>(minutes=10)</a:t>
-            </a:r>
-          </a:p>
-          <a:p>
-            <a:pPr marL="800100" lvl="1" indent="-342900">
-              <a:buFont typeface="Arial" panose="020B0604020202020204" pitchFamily="34" charset="0"/>
-              <a:buChar char="•"/>
-            </a:pPr>
-            <a:r>
-              <a:rPr lang="en-GB" sz="2400" dirty="0" err="1">
-                <a:solidFill>
-                  <a:schemeClr val="accent2"/>
-                </a:solidFill>
-                <a:latin typeface="Consolas" panose="020B0609020204030204" pitchFamily="49" charset="0"/>
-                <a:cs typeface="Consolas" panose="020B0609020204030204" pitchFamily="49" charset="0"/>
-              </a:rPr>
-              <a:t>g.waitfor_uamps</a:t>
-            </a:r>
-            <a:r>
-              <a:rPr lang="en-GB" sz="2400" dirty="0">
-                <a:solidFill>
-                  <a:schemeClr val="accent2"/>
-                </a:solidFill>
-                <a:latin typeface="Consolas" panose="020B0609020204030204" pitchFamily="49" charset="0"/>
-                <a:cs typeface="Consolas" panose="020B0609020204030204" pitchFamily="49" charset="0"/>
-              </a:rPr>
-              <a:t>(10) </a:t>
-            </a:r>
-          </a:p>
-          <a:p>
-            <a:pPr marL="800100" lvl="1" indent="-342900">
-              <a:buFont typeface="Arial" panose="020B0604020202020204" pitchFamily="34" charset="0"/>
-              <a:buChar char="•"/>
-            </a:pPr>
-            <a:r>
-              <a:rPr lang="en-GB" sz="2400" dirty="0" err="1">
-                <a:solidFill>
-                  <a:schemeClr val="accent2"/>
-                </a:solidFill>
-                <a:latin typeface="Consolas" panose="020B0609020204030204" pitchFamily="49" charset="0"/>
-                <a:cs typeface="Consolas" panose="020B0609020204030204" pitchFamily="49" charset="0"/>
-              </a:rPr>
-              <a:t>g.waitfor_block</a:t>
-            </a:r>
-            <a:r>
-              <a:rPr lang="en-GB" sz="2400" dirty="0">
-                <a:solidFill>
-                  <a:schemeClr val="accent2"/>
-                </a:solidFill>
-                <a:latin typeface="Consolas" panose="020B0609020204030204" pitchFamily="49" charset="0"/>
-                <a:cs typeface="Consolas" panose="020B0609020204030204" pitchFamily="49" charset="0"/>
-              </a:rPr>
-              <a:t>("MY_BLOCK", </a:t>
-            </a:r>
-            <a:r>
-              <a:rPr lang="en-GB" sz="2400" dirty="0" err="1">
-                <a:solidFill>
-                  <a:schemeClr val="accent2"/>
-                </a:solidFill>
-                <a:latin typeface="Consolas" panose="020B0609020204030204" pitchFamily="49" charset="0"/>
-                <a:cs typeface="Consolas" panose="020B0609020204030204" pitchFamily="49" charset="0"/>
-              </a:rPr>
-              <a:t>lowlimit</a:t>
-            </a:r>
-            <a:r>
-              <a:rPr lang="en-GB" sz="2400" dirty="0">
-                <a:solidFill>
-                  <a:schemeClr val="accent2"/>
-                </a:solidFill>
-                <a:latin typeface="Consolas" panose="020B0609020204030204" pitchFamily="49" charset="0"/>
-                <a:cs typeface="Consolas" panose="020B0609020204030204" pitchFamily="49" charset="0"/>
-              </a:rPr>
-              <a:t>=10)</a:t>
-            </a:r>
-          </a:p>
-          <a:p>
-            <a:pPr marL="800100" lvl="1" indent="-342900">
-              <a:buFont typeface="Arial" panose="020B0604020202020204" pitchFamily="34" charset="0"/>
-              <a:buChar char="•"/>
-            </a:pPr>
-            <a:r>
-              <a:rPr lang="en-GB" sz="2400" dirty="0" err="1" smtClean="0">
-                <a:solidFill>
-                  <a:schemeClr val="accent2"/>
-                </a:solidFill>
-                <a:latin typeface="Consolas" panose="020B0609020204030204" pitchFamily="49" charset="0"/>
-                <a:cs typeface="Consolas" panose="020B0609020204030204" pitchFamily="49" charset="0"/>
-              </a:rPr>
-              <a:t>g.waitfor_move</a:t>
-            </a:r>
-            <a:r>
-              <a:rPr lang="en-GB" sz="2400" dirty="0" smtClean="0">
-                <a:solidFill>
-                  <a:schemeClr val="accent2"/>
-                </a:solidFill>
-                <a:latin typeface="Consolas" panose="020B0609020204030204" pitchFamily="49" charset="0"/>
-                <a:cs typeface="Consolas" panose="020B0609020204030204" pitchFamily="49" charset="0"/>
-              </a:rPr>
-              <a:t>()</a:t>
-            </a:r>
-          </a:p>
-          <a:p>
-            <a:pPr marL="800100" lvl="1" indent="-342900">
-              <a:buFont typeface="Arial" panose="020B0604020202020204" pitchFamily="34" charset="0"/>
-              <a:buChar char="•"/>
-            </a:pPr>
-            <a:r>
-              <a:rPr lang="en-GB" sz="2400" dirty="0" err="1" smtClean="0">
-                <a:solidFill>
-                  <a:schemeClr val="accent2"/>
-                </a:solidFill>
-                <a:latin typeface="Consolas" panose="020B0609020204030204" pitchFamily="49" charset="0"/>
-                <a:cs typeface="Consolas" panose="020B0609020204030204" pitchFamily="49" charset="0"/>
-              </a:rPr>
-              <a:t>g.waitfor_runstate</a:t>
-            </a:r>
-            <a:r>
-              <a:rPr lang="en-GB" sz="2400" dirty="0" smtClean="0">
-                <a:solidFill>
-                  <a:schemeClr val="accent2"/>
-                </a:solidFill>
-                <a:latin typeface="Consolas" panose="020B0609020204030204" pitchFamily="49" charset="0"/>
-                <a:cs typeface="Consolas" panose="020B0609020204030204" pitchFamily="49" charset="0"/>
-              </a:rPr>
-              <a:t>(“Running”, 60)</a:t>
-            </a:r>
-            <a:endParaRPr lang="en-GB" sz="2400" dirty="0">
-              <a:solidFill>
-                <a:schemeClr val="accent2"/>
-              </a:solidFill>
-              <a:latin typeface="Consolas" panose="020B0609020204030204" pitchFamily="49" charset="0"/>
-              <a:cs typeface="Consolas" panose="020B0609020204030204" pitchFamily="49" charset="0"/>
-            </a:endParaRPr>
-          </a:p>
-          <a:p>
-            <a:pPr marL="342900" indent="-342900">
-              <a:buFont typeface="Arial" panose="020B0604020202020204" pitchFamily="34" charset="0"/>
-              <a:buChar char="•"/>
-            </a:pPr>
-            <a:r>
-              <a:rPr lang="en-GB" sz="2400" dirty="0">
-                <a:solidFill>
-                  <a:srgbClr val="00B050"/>
-                </a:solidFill>
-              </a:rPr>
-              <a:t>Use autocomplete to bring up a list of available </a:t>
-            </a:r>
-            <a:r>
-              <a:rPr lang="en-GB" sz="2400" dirty="0" err="1" smtClean="0">
-                <a:solidFill>
-                  <a:schemeClr val="accent2"/>
-                </a:solidFill>
-                <a:latin typeface="Consolas" panose="020B0609020204030204" pitchFamily="49" charset="0"/>
-                <a:cs typeface="Consolas" panose="020B0609020204030204" pitchFamily="49" charset="0"/>
-              </a:rPr>
-              <a:t>g.waitfor</a:t>
-            </a:r>
-            <a:r>
-              <a:rPr lang="en-GB" sz="2400" dirty="0" smtClean="0">
-                <a:solidFill>
-                  <a:srgbClr val="00B050"/>
-                </a:solidFill>
-              </a:rPr>
-              <a:t> </a:t>
-            </a:r>
-            <a:r>
-              <a:rPr lang="en-GB" sz="2400" dirty="0">
-                <a:solidFill>
-                  <a:srgbClr val="00B050"/>
-                </a:solidFill>
-              </a:rPr>
-              <a:t>functions</a:t>
-            </a:r>
-          </a:p>
-          <a:p>
-            <a:pPr marL="800100" lvl="1" indent="-342900">
-              <a:buFont typeface="Arial" panose="020B0604020202020204" pitchFamily="34" charset="0"/>
-              <a:buChar char="•"/>
-            </a:pPr>
-            <a:endParaRPr lang="en-GB" sz="2400" dirty="0">
-              <a:solidFill>
-                <a:srgbClr val="00B050"/>
-              </a:solidFill>
-            </a:endParaRPr>
+              <a:t>g.get_runstate()</a:t>
+            </a:r>
+            <a:r>
+              <a:rPr lang="en-GB" sz="2800" dirty="0" smtClean="0"/>
+              <a:t>: Gets the state of the current run</a:t>
+            </a:r>
           </a:p>
         </p:txBody>
       </p:sp>
     </p:spTree>
     <p:extLst>
       <p:ext uri="{BB962C8B-B14F-4D97-AF65-F5344CB8AC3E}">
-        <p14:creationId xmlns:p14="http://schemas.microsoft.com/office/powerpoint/2010/main" val="3123493383"/>
+        <p14:creationId xmlns:p14="http://schemas.microsoft.com/office/powerpoint/2010/main" val="3531924095"/>
       </p:ext>
     </p:extLst>
   </p:cSld>
@@ -9487,19 +9186,14 @@
             <p:ph type="title"/>
           </p:nvPr>
         </p:nvSpPr>
-        <p:spPr>
-          <a:xfrm>
-            <a:off x="529208" y="188640"/>
-            <a:ext cx="8229600" cy="1143000"/>
-          </a:xfrm>
-        </p:spPr>
+        <p:spPr/>
         <p:txBody>
           <a:bodyPr/>
           <a:lstStyle/>
           <a:p>
             <a:r>
               <a:rPr lang="en-GB" dirty="0" smtClean="0"/>
-              <a:t>Update and store</a:t>
+              <a:t>Waiting</a:t>
             </a:r>
             <a:endParaRPr lang="en-GB" dirty="0"/>
           </a:p>
@@ -9513,8 +9207,8 @@
         </p:nvSpPr>
         <p:spPr>
           <a:xfrm>
-            <a:off x="395536" y="1844824"/>
-            <a:ext cx="8496944" cy="3785652"/>
+            <a:off x="323528" y="1417638"/>
+            <a:ext cx="8496944" cy="4524315"/>
           </a:xfrm>
           <a:prstGeom prst="rect">
             <a:avLst/>
@@ -9528,55 +9222,232 @@
           <a:lstStyle/>
           <a:p>
             <a:pPr marL="342900" indent="-342900">
-              <a:lnSpc>
-                <a:spcPct val="150000"/>
-              </a:lnSpc>
               <a:buFont typeface="Arial" panose="020B0604020202020204" pitchFamily="34" charset="0"/>
               <a:buChar char="•"/>
             </a:pPr>
             <a:r>
-              <a:rPr lang="en-GB" sz="2800" dirty="0"/>
-              <a:t>You can update and store DAE results </a:t>
-            </a:r>
-            <a:r>
-              <a:rPr lang="en-GB" sz="2800" dirty="0" smtClean="0"/>
-              <a:t>using:</a:t>
+              <a:rPr lang="en-GB" sz="2400" dirty="0" smtClean="0"/>
+              <a:t>Wait for a specific event before continuing. Use a “</a:t>
+            </a:r>
+            <a:r>
+              <a:rPr lang="en-GB" sz="2400" dirty="0" err="1" smtClean="0">
+                <a:solidFill>
+                  <a:schemeClr val="accent2"/>
+                </a:solidFill>
+                <a:latin typeface="Consolas" panose="020B0609020204030204" pitchFamily="49" charset="0"/>
+                <a:cs typeface="Consolas" panose="020B0609020204030204" pitchFamily="49" charset="0"/>
+              </a:rPr>
+              <a:t>g.waitfor</a:t>
+            </a:r>
+            <a:r>
+              <a:rPr lang="en-GB" sz="2400" dirty="0">
+                <a:solidFill>
+                  <a:schemeClr val="accent2"/>
+                </a:solidFill>
+                <a:latin typeface="Consolas" panose="020B0609020204030204" pitchFamily="49" charset="0"/>
+                <a:cs typeface="Consolas" panose="020B0609020204030204" pitchFamily="49" charset="0"/>
+              </a:rPr>
+              <a:t>_...</a:t>
+            </a:r>
+            <a:r>
+              <a:rPr lang="en-GB" sz="2400" i="1" dirty="0" smtClean="0"/>
+              <a:t>” </a:t>
+            </a:r>
+            <a:r>
+              <a:rPr lang="en-GB" sz="2400" dirty="0" smtClean="0"/>
+              <a:t>function:</a:t>
             </a:r>
           </a:p>
           <a:p>
             <a:pPr marL="342900" indent="-342900">
-              <a:lnSpc>
-                <a:spcPct val="150000"/>
-              </a:lnSpc>
               <a:buFont typeface="Arial" panose="020B0604020202020204" pitchFamily="34" charset="0"/>
               <a:buChar char="•"/>
             </a:pPr>
-            <a:endParaRPr lang="en-GB" sz="2800" dirty="0" smtClean="0"/>
-          </a:p>
-          <a:p>
-            <a:pPr lvl="1" algn="ctr">
-              <a:lnSpc>
-                <a:spcPct val="150000"/>
-              </a:lnSpc>
-            </a:pPr>
-            <a:r>
-              <a:rPr lang="en-GB" sz="2800" dirty="0" smtClean="0">
+            <a:r>
+              <a:rPr lang="en-GB" sz="2400" dirty="0" smtClean="0">
+                <a:solidFill>
+                  <a:srgbClr val="00B050"/>
+                </a:solidFill>
+              </a:rPr>
+              <a:t>What do you think the following commands do?</a:t>
+            </a:r>
+          </a:p>
+          <a:p>
+            <a:pPr marL="800100" lvl="1" indent="-342900">
+              <a:buFont typeface="Arial" panose="020B0604020202020204" pitchFamily="34" charset="0"/>
+              <a:buChar char="•"/>
+            </a:pPr>
+            <a:r>
+              <a:rPr lang="en-GB" sz="2400" dirty="0" err="1">
                 <a:solidFill>
                   <a:schemeClr val="accent2"/>
                 </a:solidFill>
                 <a:latin typeface="Consolas" panose="020B0609020204030204" pitchFamily="49" charset="0"/>
                 <a:cs typeface="Consolas" panose="020B0609020204030204" pitchFamily="49" charset="0"/>
               </a:rPr>
-              <a:t>g.updatestore()</a:t>
-            </a:r>
-          </a:p>
-          <a:p>
-            <a:pPr lvl="1" algn="ctr">
-              <a:lnSpc>
-                <a:spcPct val="150000"/>
-              </a:lnSpc>
-            </a:pPr>
-            <a:endParaRPr lang="en-GB" sz="2800" dirty="0" smtClean="0">
+              <a:t>g.waitfor_time</a:t>
+            </a:r>
+            <a:r>
+              <a:rPr lang="en-GB" sz="2400" dirty="0">
+                <a:solidFill>
+                  <a:schemeClr val="accent2"/>
+                </a:solidFill>
+                <a:latin typeface="Consolas" panose="020B0609020204030204" pitchFamily="49" charset="0"/>
+                <a:cs typeface="Consolas" panose="020B0609020204030204" pitchFamily="49" charset="0"/>
+              </a:rPr>
+              <a:t>(seconds=10)</a:t>
+            </a:r>
+          </a:p>
+          <a:p>
+            <a:pPr marL="800100" lvl="1" indent="-342900">
+              <a:buFont typeface="Arial" panose="020B0604020202020204" pitchFamily="34" charset="0"/>
+              <a:buChar char="•"/>
+            </a:pPr>
+            <a:r>
+              <a:rPr lang="en-GB" sz="2400" dirty="0" err="1">
+                <a:solidFill>
+                  <a:schemeClr val="accent2"/>
+                </a:solidFill>
+                <a:latin typeface="Consolas" panose="020B0609020204030204" pitchFamily="49" charset="0"/>
+                <a:cs typeface="Consolas" panose="020B0609020204030204" pitchFamily="49" charset="0"/>
+              </a:rPr>
+              <a:t>g.waitfor_time</a:t>
+            </a:r>
+            <a:r>
+              <a:rPr lang="en-GB" sz="2400" dirty="0">
+                <a:solidFill>
+                  <a:schemeClr val="accent2"/>
+                </a:solidFill>
+                <a:latin typeface="Consolas" panose="020B0609020204030204" pitchFamily="49" charset="0"/>
+                <a:cs typeface="Consolas" panose="020B0609020204030204" pitchFamily="49" charset="0"/>
+              </a:rPr>
+              <a:t>(minutes=10)</a:t>
+            </a:r>
+          </a:p>
+          <a:p>
+            <a:pPr marL="800100" lvl="1" indent="-342900">
+              <a:buFont typeface="Arial" panose="020B0604020202020204" pitchFamily="34" charset="0"/>
+              <a:buChar char="•"/>
+            </a:pPr>
+            <a:r>
+              <a:rPr lang="en-GB" sz="2400" dirty="0" err="1">
+                <a:solidFill>
+                  <a:schemeClr val="accent2"/>
+                </a:solidFill>
+                <a:latin typeface="Consolas" panose="020B0609020204030204" pitchFamily="49" charset="0"/>
+                <a:cs typeface="Consolas" panose="020B0609020204030204" pitchFamily="49" charset="0"/>
+              </a:rPr>
+              <a:t>g.waitfor_uamps</a:t>
+            </a:r>
+            <a:r>
+              <a:rPr lang="en-GB" sz="2400" dirty="0">
+                <a:solidFill>
+                  <a:schemeClr val="accent2"/>
+                </a:solidFill>
+                <a:latin typeface="Consolas" panose="020B0609020204030204" pitchFamily="49" charset="0"/>
+                <a:cs typeface="Consolas" panose="020B0609020204030204" pitchFamily="49" charset="0"/>
+              </a:rPr>
+              <a:t>(10) </a:t>
+            </a:r>
+          </a:p>
+          <a:p>
+            <a:pPr marL="800100" lvl="1" indent="-342900">
+              <a:buFont typeface="Arial" panose="020B0604020202020204" pitchFamily="34" charset="0"/>
+              <a:buChar char="•"/>
+            </a:pPr>
+            <a:r>
+              <a:rPr lang="en-GB" sz="2400" dirty="0" err="1">
+                <a:solidFill>
+                  <a:schemeClr val="accent2"/>
+                </a:solidFill>
+                <a:latin typeface="Consolas" panose="020B0609020204030204" pitchFamily="49" charset="0"/>
+                <a:cs typeface="Consolas" panose="020B0609020204030204" pitchFamily="49" charset="0"/>
+              </a:rPr>
+              <a:t>g.waitfor_block</a:t>
+            </a:r>
+            <a:r>
+              <a:rPr lang="en-GB" sz="2400" dirty="0">
+                <a:solidFill>
+                  <a:schemeClr val="accent2"/>
+                </a:solidFill>
+                <a:latin typeface="Consolas" panose="020B0609020204030204" pitchFamily="49" charset="0"/>
+                <a:cs typeface="Consolas" panose="020B0609020204030204" pitchFamily="49" charset="0"/>
+              </a:rPr>
+              <a:t>("MY_BLOCK", </a:t>
+            </a:r>
+            <a:r>
+              <a:rPr lang="en-GB" sz="2400" dirty="0" err="1">
+                <a:solidFill>
+                  <a:schemeClr val="accent2"/>
+                </a:solidFill>
+                <a:latin typeface="Consolas" panose="020B0609020204030204" pitchFamily="49" charset="0"/>
+                <a:cs typeface="Consolas" panose="020B0609020204030204" pitchFamily="49" charset="0"/>
+              </a:rPr>
+              <a:t>lowlimit</a:t>
+            </a:r>
+            <a:r>
+              <a:rPr lang="en-GB" sz="2400" dirty="0">
+                <a:solidFill>
+                  <a:schemeClr val="accent2"/>
+                </a:solidFill>
+                <a:latin typeface="Consolas" panose="020B0609020204030204" pitchFamily="49" charset="0"/>
+                <a:cs typeface="Consolas" panose="020B0609020204030204" pitchFamily="49" charset="0"/>
+              </a:rPr>
+              <a:t>=10)</a:t>
+            </a:r>
+          </a:p>
+          <a:p>
+            <a:pPr marL="800100" lvl="1" indent="-342900">
+              <a:buFont typeface="Arial" panose="020B0604020202020204" pitchFamily="34" charset="0"/>
+              <a:buChar char="•"/>
+            </a:pPr>
+            <a:r>
+              <a:rPr lang="en-GB" sz="2400" dirty="0" err="1" smtClean="0">
+                <a:solidFill>
+                  <a:schemeClr val="accent2"/>
+                </a:solidFill>
+                <a:latin typeface="Consolas" panose="020B0609020204030204" pitchFamily="49" charset="0"/>
+                <a:cs typeface="Consolas" panose="020B0609020204030204" pitchFamily="49" charset="0"/>
+              </a:rPr>
+              <a:t>g.waitfor_move</a:t>
+            </a:r>
+            <a:r>
+              <a:rPr lang="en-GB" sz="2400" dirty="0" smtClean="0">
+                <a:solidFill>
+                  <a:schemeClr val="accent2"/>
+                </a:solidFill>
+                <a:latin typeface="Consolas" panose="020B0609020204030204" pitchFamily="49" charset="0"/>
+                <a:cs typeface="Consolas" panose="020B0609020204030204" pitchFamily="49" charset="0"/>
+              </a:rPr>
+              <a:t>()</a:t>
+            </a:r>
+          </a:p>
+          <a:p>
+            <a:pPr marL="800100" lvl="1" indent="-342900">
+              <a:buFont typeface="Arial" panose="020B0604020202020204" pitchFamily="34" charset="0"/>
+              <a:buChar char="•"/>
+            </a:pPr>
+            <a:r>
+              <a:rPr lang="en-GB" sz="2400" dirty="0" err="1" smtClean="0">
+                <a:solidFill>
+                  <a:schemeClr val="accent2"/>
+                </a:solidFill>
+                <a:latin typeface="Consolas" panose="020B0609020204030204" pitchFamily="49" charset="0"/>
+                <a:cs typeface="Consolas" panose="020B0609020204030204" pitchFamily="49" charset="0"/>
+              </a:rPr>
+              <a:t>g.waitfor_runstate</a:t>
+            </a:r>
+            <a:r>
+              <a:rPr lang="en-GB" sz="2400" dirty="0" smtClean="0">
+                <a:solidFill>
+                  <a:schemeClr val="accent2"/>
+                </a:solidFill>
+                <a:latin typeface="Consolas" panose="020B0609020204030204" pitchFamily="49" charset="0"/>
+                <a:cs typeface="Consolas" panose="020B0609020204030204" pitchFamily="49" charset="0"/>
+              </a:rPr>
+              <a:t>(“Running”, 60)</a:t>
+            </a:r>
+            <a:endParaRPr lang="en-GB" sz="2400" dirty="0">
               <a:solidFill>
                 <a:schemeClr val="accent2"/>
               </a:solidFill>
@@ -9585,25 +9456,50 @@
             </a:endParaRPr>
           </a:p>
           <a:p>
-            <a:pPr marL="457200" indent="-457200">
-              <a:lnSpc>
-                <a:spcPct val="150000"/>
-              </a:lnSpc>
+            <a:pPr marL="342900" indent="-342900">
               <a:buFont typeface="Arial" panose="020B0604020202020204" pitchFamily="34" charset="0"/>
               <a:buChar char="•"/>
             </a:pPr>
             <a:r>
-              <a:rPr lang="en-GB" sz="2400" dirty="0" smtClean="0"/>
-              <a:t>Saves a snapshot of </a:t>
-            </a:r>
-            <a:r>
-              <a:rPr lang="en-GB" sz="2400" dirty="0"/>
-              <a:t>data from the DAE into </a:t>
-            </a:r>
-            <a:r>
-              <a:rPr lang="en-GB" sz="2400" dirty="0" smtClean="0"/>
-              <a:t>memory and store it to disk without having to end the current run.</a:t>
-            </a:r>
+              <a:rPr lang="en-GB" sz="2400" dirty="0">
+                <a:solidFill>
+                  <a:srgbClr val="00B050"/>
+                </a:solidFill>
+              </a:rPr>
+              <a:t>Use autocomplete to bring up a list of available </a:t>
+            </a:r>
+            <a:r>
+              <a:rPr lang="en-GB" sz="2400" dirty="0" err="1" smtClean="0">
+                <a:solidFill>
+                  <a:schemeClr val="accent2"/>
+                </a:solidFill>
+                <a:latin typeface="Consolas" panose="020B0609020204030204" pitchFamily="49" charset="0"/>
+                <a:cs typeface="Consolas" panose="020B0609020204030204" pitchFamily="49" charset="0"/>
+              </a:rPr>
+              <a:t>g.waitfor</a:t>
+            </a:r>
+            <a:r>
+              <a:rPr lang="en-GB" sz="2400" dirty="0" smtClean="0">
+                <a:solidFill>
+                  <a:srgbClr val="00B050"/>
+                </a:solidFill>
+              </a:rPr>
+              <a:t> </a:t>
+            </a:r>
+            <a:r>
+              <a:rPr lang="en-GB" sz="2400" dirty="0">
+                <a:solidFill>
+                  <a:srgbClr val="00B050"/>
+                </a:solidFill>
+              </a:rPr>
+              <a:t>functions</a:t>
+            </a:r>
+          </a:p>
+          <a:p>
+            <a:pPr marL="800100" lvl="1" indent="-342900">
+              <a:buFont typeface="Arial" panose="020B0604020202020204" pitchFamily="34" charset="0"/>
+              <a:buChar char="•"/>
+            </a:pPr>
             <a:endParaRPr lang="en-GB" sz="2400" dirty="0">
               <a:solidFill>
                 <a:srgbClr val="00B050"/>
@@ -9615,7 +9511,7 @@
     </p:spTree>
     <p:extLst>
       <p:ext uri="{BB962C8B-B14F-4D97-AF65-F5344CB8AC3E}">
-        <p14:creationId xmlns:p14="http://schemas.microsoft.com/office/powerpoint/2010/main" val="1268031764"/>
+        <p14:creationId xmlns:p14="http://schemas.microsoft.com/office/powerpoint/2010/main" val="3123493383"/>
       </p:ext>
     </p:extLst>
   </p:cSld>
@@ -9661,7 +9557,7 @@
         </p:nvSpPr>
         <p:spPr>
           <a:xfrm>
-            <a:off x="457200" y="260648"/>
+            <a:off x="529208" y="188640"/>
             <a:ext cx="8229600" cy="1143000"/>
           </a:xfrm>
         </p:spPr>
@@ -9671,7 +9567,7 @@
           <a:p>
             <a:r>
               <a:rPr lang="en-GB" dirty="0" smtClean="0"/>
-              <a:t>Arguments</a:t>
+              <a:t>Update and store</a:t>
             </a:r>
             <a:endParaRPr lang="en-GB" dirty="0"/>
           </a:p>
@@ -9685,7 +9581,7 @@
         </p:nvSpPr>
         <p:spPr>
           <a:xfrm>
-            <a:off x="323528" y="1700808"/>
+            <a:off x="395536" y="1844824"/>
             <a:ext cx="8496944" cy="3785652"/>
           </a:xfrm>
           <a:prstGeom prst="rect">
@@ -9700,108 +9596,55 @@
           <a:lstStyle/>
           <a:p>
             <a:pPr marL="342900" indent="-342900">
+              <a:lnSpc>
+                <a:spcPct val="150000"/>
+              </a:lnSpc>
               <a:buFont typeface="Arial" panose="020B0604020202020204" pitchFamily="34" charset="0"/>
               <a:buChar char="•"/>
             </a:pPr>
             <a:r>
-              <a:rPr lang="en-GB" sz="2400" dirty="0"/>
-              <a:t>Arguments are passed to functions using standard Python syntax</a:t>
-            </a:r>
-            <a:r>
-              <a:rPr lang="en-GB" sz="2400" dirty="0" smtClean="0"/>
-              <a:t>. For example:</a:t>
-            </a:r>
-          </a:p>
-          <a:p>
-            <a:pPr marL="800100" lvl="1" indent="-342900">
+              <a:rPr lang="en-GB" sz="2800" dirty="0"/>
+              <a:t>You can update and store DAE results </a:t>
+            </a:r>
+            <a:r>
+              <a:rPr lang="en-GB" sz="2800" dirty="0" smtClean="0"/>
+              <a:t>using:</a:t>
+            </a:r>
+          </a:p>
+          <a:p>
+            <a:pPr marL="342900" indent="-342900">
+              <a:lnSpc>
+                <a:spcPct val="150000"/>
+              </a:lnSpc>
               <a:buFont typeface="Arial" panose="020B0604020202020204" pitchFamily="34" charset="0"/>
               <a:buChar char="•"/>
             </a:pPr>
-            <a:r>
-              <a:rPr lang="en-GB" sz="2400" dirty="0" err="1">
+            <a:endParaRPr lang="en-GB" sz="2800" dirty="0" smtClean="0"/>
+          </a:p>
+          <a:p>
+            <a:pPr lvl="1" algn="ctr">
+              <a:lnSpc>
+                <a:spcPct val="150000"/>
+              </a:lnSpc>
+            </a:pPr>
+            <a:r>
+              <a:rPr lang="en-GB" sz="2800" dirty="0" smtClean="0">
                 <a:solidFill>
                   <a:schemeClr val="accent2"/>
                 </a:solidFill>
                 <a:latin typeface="Consolas" panose="020B0609020204030204" pitchFamily="49" charset="0"/>
                 <a:cs typeface="Consolas" panose="020B0609020204030204" pitchFamily="49" charset="0"/>
               </a:rPr>
-              <a:t>g.add_spectrum</a:t>
-            </a:r>
-            <a:r>
-              <a:rPr lang="en-GB" sz="2400" dirty="0">
-                <a:solidFill>
-                  <a:schemeClr val="accent2"/>
-                </a:solidFill>
-                <a:latin typeface="Consolas" panose="020B0609020204030204" pitchFamily="49" charset="0"/>
-                <a:cs typeface="Consolas" panose="020B0609020204030204" pitchFamily="49" charset="0"/>
-              </a:rPr>
-              <a:t>(1, 2)</a:t>
-            </a:r>
-          </a:p>
-          <a:p>
-            <a:pPr marL="800100" lvl="1" indent="-342900">
-              <a:buFont typeface="Arial" panose="020B0604020202020204" pitchFamily="34" charset="0"/>
-              <a:buChar char="•"/>
-            </a:pPr>
-            <a:r>
-              <a:rPr lang="en-GB" sz="2400" dirty="0">
-                <a:solidFill>
-                  <a:schemeClr val="accent2"/>
-                </a:solidFill>
-                <a:latin typeface="Consolas" panose="020B0609020204030204" pitchFamily="49" charset="0"/>
-                <a:cs typeface="Consolas" panose="020B0609020204030204" pitchFamily="49" charset="0"/>
-              </a:rPr>
-              <a:t>g.add_spectrum(spectrum=1, period=2)</a:t>
-            </a:r>
-          </a:p>
-          <a:p>
-            <a:pPr marL="800100" lvl="1" indent="-342900">
-              <a:buFont typeface="Arial" panose="020B0604020202020204" pitchFamily="34" charset="0"/>
-              <a:buChar char="•"/>
-            </a:pPr>
-            <a:r>
-              <a:rPr lang="en-GB" sz="2400" dirty="0">
-                <a:solidFill>
-                  <a:schemeClr val="accent2"/>
-                </a:solidFill>
-                <a:latin typeface="Consolas" panose="020B0609020204030204" pitchFamily="49" charset="0"/>
-                <a:cs typeface="Consolas" panose="020B0609020204030204" pitchFamily="49" charset="0"/>
-              </a:rPr>
-              <a:t>g.add_spectrum(1, period=2)</a:t>
-            </a:r>
-          </a:p>
-          <a:p>
-            <a:pPr marL="800100" lvl="1" indent="-342900">
-              <a:buFont typeface="Arial" panose="020B0604020202020204" pitchFamily="34" charset="0"/>
-              <a:buChar char="•"/>
-            </a:pPr>
-            <a:r>
-              <a:rPr lang="en-GB" sz="2400" dirty="0">
-                <a:solidFill>
-                  <a:schemeClr val="accent2"/>
-                </a:solidFill>
-                <a:latin typeface="Consolas" panose="020B0609020204030204" pitchFamily="49" charset="0"/>
-                <a:cs typeface="Consolas" panose="020B0609020204030204" pitchFamily="49" charset="0"/>
-              </a:rPr>
-              <a:t>g.add_spectrum(period=2, spectrum=1</a:t>
-            </a:r>
-            <a:r>
-              <a:rPr lang="en-GB" sz="2400" dirty="0" smtClean="0">
-                <a:solidFill>
-                  <a:schemeClr val="accent2"/>
-                </a:solidFill>
-                <a:latin typeface="Consolas" panose="020B0609020204030204" pitchFamily="49" charset="0"/>
-                <a:cs typeface="Consolas" panose="020B0609020204030204" pitchFamily="49" charset="0"/>
-              </a:rPr>
-              <a:t>)</a:t>
-            </a:r>
-          </a:p>
-          <a:p>
-            <a:pPr marL="800100" lvl="1" indent="-342900">
-              <a:buFont typeface="Arial" panose="020B0604020202020204" pitchFamily="34" charset="0"/>
-              <a:buChar char="•"/>
-            </a:pPr>
-            <a:endParaRPr lang="en-GB" sz="2400" dirty="0">
+              <a:t>g.updatestore()</a:t>
+            </a:r>
+          </a:p>
+          <a:p>
+            <a:pPr lvl="1" algn="ctr">
+              <a:lnSpc>
+                <a:spcPct val="150000"/>
+              </a:lnSpc>
+            </a:pPr>
+            <a:endParaRPr lang="en-GB" sz="2800" dirty="0" smtClean="0">
               <a:solidFill>
                 <a:schemeClr val="accent2"/>
               </a:solidFill>
@@ -9810,76 +9653,37 @@
             </a:endParaRPr>
           </a:p>
           <a:p>
-            <a:pPr marL="342900" indent="-342900">
+            <a:pPr marL="457200" indent="-457200">
+              <a:lnSpc>
+                <a:spcPct val="150000"/>
+              </a:lnSpc>
               <a:buFont typeface="Arial" panose="020B0604020202020204" pitchFamily="34" charset="0"/>
               <a:buChar char="•"/>
             </a:pPr>
             <a:r>
-              <a:rPr lang="en-GB" sz="2400" dirty="0" smtClean="0">
-                <a:solidFill>
-                  <a:srgbClr val="00B050"/>
-                </a:solidFill>
-              </a:rPr>
-              <a:t>Why is </a:t>
-            </a:r>
-            <a:r>
-              <a:rPr lang="en-GB" sz="2400" dirty="0">
-                <a:solidFill>
-                  <a:schemeClr val="accent2"/>
-                </a:solidFill>
-                <a:latin typeface="Consolas" panose="020B0609020204030204" pitchFamily="49" charset="0"/>
-                <a:cs typeface="Consolas" panose="020B0609020204030204" pitchFamily="49" charset="0"/>
-              </a:rPr>
-              <a:t>g.add_spectrum(2, spectrum=1) </a:t>
-            </a:r>
-            <a:r>
-              <a:rPr lang="en-GB" sz="2400" dirty="0" smtClean="0">
-                <a:solidFill>
-                  <a:srgbClr val="00B050"/>
-                </a:solidFill>
-              </a:rPr>
-              <a:t>invalid?</a:t>
-            </a:r>
-          </a:p>
-          <a:p>
-            <a:pPr marL="342900" indent="-342900">
-              <a:buFont typeface="Arial" panose="020B0604020202020204" pitchFamily="34" charset="0"/>
-              <a:buChar char="•"/>
-            </a:pPr>
-            <a:r>
-              <a:rPr lang="en-GB" sz="2400" dirty="0" smtClean="0">
-                <a:solidFill>
-                  <a:srgbClr val="00B050"/>
-                </a:solidFill>
-              </a:rPr>
-              <a:t>What are two equivalent ways of writing </a:t>
-            </a:r>
-            <a:r>
-              <a:rPr lang="en-GB" sz="2400" dirty="0" smtClean="0">
-                <a:solidFill>
-                  <a:schemeClr val="accent2"/>
-                </a:solidFill>
-                <a:latin typeface="Consolas" panose="020B0609020204030204" pitchFamily="49" charset="0"/>
-                <a:cs typeface="Consolas" panose="020B0609020204030204" pitchFamily="49" charset="0"/>
-              </a:rPr>
-              <a:t>g.begin(False)</a:t>
-            </a:r>
-            <a:r>
-              <a:rPr lang="en-GB" sz="2400" dirty="0" smtClean="0">
-                <a:solidFill>
-                  <a:srgbClr val="00B050"/>
-                </a:solidFill>
-              </a:rPr>
-              <a:t>? Can you think of why you might choose each one?</a:t>
-            </a:r>
-            <a:endParaRPr lang="en-GB" sz="2400" dirty="0" smtClean="0"/>
+              <a:rPr lang="en-GB" sz="2400" dirty="0" smtClean="0"/>
+              <a:t>Saves a snapshot of </a:t>
+            </a:r>
+            <a:r>
+              <a:rPr lang="en-GB" sz="2400" dirty="0"/>
+              <a:t>data from the DAE into </a:t>
+            </a:r>
+            <a:r>
+              <a:rPr lang="en-GB" sz="2400" dirty="0" smtClean="0"/>
+              <a:t>memory and store it to disk without having to end the current run.</a:t>
+            </a:r>
+            <a:endParaRPr lang="en-GB" sz="2400" dirty="0">
+              <a:solidFill>
+                <a:srgbClr val="00B050"/>
+              </a:solidFill>
+            </a:endParaRPr>
           </a:p>
         </p:txBody>
       </p:sp>
     </p:spTree>
     <p:extLst>
       <p:ext uri="{BB962C8B-B14F-4D97-AF65-F5344CB8AC3E}">
-        <p14:creationId xmlns:p14="http://schemas.microsoft.com/office/powerpoint/2010/main" val="1035202503"/>
+        <p14:creationId xmlns:p14="http://schemas.microsoft.com/office/powerpoint/2010/main" val="1268031764"/>
       </p:ext>
     </p:extLst>
   </p:cSld>
@@ -11967,6 +11771,41 @@
       </p:grpSpPr>
       <p:sp>
         <p:nvSpPr>
+          <p:cNvPr id="2" name="Title 1"/>
+          <p:cNvSpPr>
+            <a:spLocks noGrp="1"/>
+          </p:cNvSpPr>
+          <p:nvPr>
+            <p:ph type="title"/>
+          </p:nvPr>
+        </p:nvSpPr>
+        <p:spPr/>
+        <p:txBody>
+          <a:bodyPr/>
+          <a:lstStyle/>
+          <a:p>
+            <a:r>
+              <a:rPr lang="en-GB" dirty="0" smtClean="0"/>
+              <a:t>Blocks: </a:t>
+            </a:r>
+            <a:r>
+              <a:rPr lang="en-GB" dirty="0" smtClean="0">
+                <a:solidFill>
+                  <a:srgbClr val="C00000"/>
+                </a:solidFill>
+              </a:rPr>
+              <a:t>b.</a:t>
+            </a:r>
+            <a:endParaRPr lang="en-GB" dirty="0">
+              <a:solidFill>
+                <a:srgbClr val="C00000"/>
+              </a:solidFill>
+            </a:endParaRPr>
+          </a:p>
+        </p:txBody>
+      </p:sp>
+      <p:sp>
+        <p:nvSpPr>
           <p:cNvPr id="3" name="Content Placeholder 2"/>
           <p:cNvSpPr>
             <a:spLocks noGrp="1"/>
@@ -11977,84 +11816,83 @@
         </p:nvSpPr>
         <p:spPr>
           <a:xfrm>
-            <a:off x="457200" y="260648"/>
-            <a:ext cx="8229600" cy="5865515"/>
+            <a:off x="471442" y="1393056"/>
+            <a:ext cx="8229600" cy="4525963"/>
           </a:xfrm>
         </p:spPr>
         <p:txBody>
           <a:bodyPr/>
           <a:lstStyle/>
           <a:p>
-            <a:endParaRPr lang="en-GB" dirty="0" smtClean="0">
-              <a:solidFill>
-                <a:srgbClr val="00B050"/>
-              </a:solidFill>
-            </a:endParaRPr>
-          </a:p>
-          <a:p>
-            <a:endParaRPr lang="en-GB" dirty="0">
-              <a:solidFill>
-                <a:srgbClr val="00B050"/>
-              </a:solidFill>
-            </a:endParaRPr>
-          </a:p>
-          <a:p>
-            <a:endParaRPr lang="en-GB" dirty="0" smtClean="0">
-              <a:solidFill>
-                <a:srgbClr val="00B050"/>
-              </a:solidFill>
-            </a:endParaRPr>
-          </a:p>
-          <a:p>
-            <a:endParaRPr lang="en-GB" dirty="0">
-              <a:solidFill>
-                <a:srgbClr val="00B050"/>
-              </a:solidFill>
-            </a:endParaRPr>
-          </a:p>
-          <a:p>
-            <a:pPr marL="0" indent="0">
-              <a:buNone/>
-            </a:pPr>
-            <a:r>
-              <a:rPr lang="en-GB" dirty="0" smtClean="0">
-                <a:solidFill>
-                  <a:srgbClr val="00B050"/>
-                </a:solidFill>
-              </a:rPr>
-              <a:t>Try </a:t>
-            </a:r>
-            <a:r>
-              <a:rPr lang="en-GB" dirty="0">
-                <a:solidFill>
-                  <a:srgbClr val="00B050"/>
-                </a:solidFill>
-              </a:rPr>
-              <a:t>using the previous commands to get and set the value of the blocks in the current </a:t>
-            </a:r>
-            <a:r>
-              <a:rPr lang="en-GB" dirty="0" smtClean="0">
-                <a:solidFill>
-                  <a:srgbClr val="00B050"/>
-                </a:solidFill>
-              </a:rPr>
-              <a:t>configuration.</a:t>
-            </a:r>
-            <a:endParaRPr lang="en-GB" dirty="0">
-              <a:solidFill>
-                <a:srgbClr val="00B050"/>
-              </a:solidFill>
-            </a:endParaRPr>
-          </a:p>
-          <a:p>
-            <a:endParaRPr lang="en-GB" dirty="0"/>
+            <a:r>
+              <a:rPr lang="en-GB" sz="2800" dirty="0" smtClean="0"/>
+              <a:t>Typing a block name every time you do a </a:t>
+            </a:r>
+            <a:r>
+              <a:rPr lang="en-GB" sz="2800" dirty="0" err="1" smtClean="0"/>
+              <a:t>cset</a:t>
+            </a:r>
+            <a:r>
+              <a:rPr lang="en-GB" sz="2800" dirty="0" smtClean="0"/>
+              <a:t>/get can lead to errors</a:t>
+            </a:r>
+          </a:p>
+          <a:p>
+            <a:r>
+              <a:rPr lang="en-GB" sz="2800" dirty="0" smtClean="0"/>
+              <a:t>Typing </a:t>
+            </a:r>
+            <a:r>
+              <a:rPr lang="en-GB" sz="2800" dirty="0" smtClean="0">
+                <a:solidFill>
+                  <a:srgbClr val="C00000"/>
+                </a:solidFill>
+              </a:rPr>
+              <a:t>b. </a:t>
+            </a:r>
+            <a:r>
+              <a:rPr lang="en-GB" sz="2800" dirty="0" smtClean="0"/>
+              <a:t>will give you an autocomplete list of all available blocks, which you can use anywhere you would normally use a block name</a:t>
+            </a:r>
+          </a:p>
+          <a:p>
+            <a:pPr>
+              <a:lnSpc>
+                <a:spcPct val="150000"/>
+              </a:lnSpc>
+            </a:pPr>
+            <a:endParaRPr lang="en-GB" sz="2800" dirty="0"/>
           </a:p>
         </p:txBody>
       </p:sp>
+      <p:pic>
+        <p:nvPicPr>
+          <p:cNvPr id="4" name="Picture 3"/>
+          <p:cNvPicPr>
+            <a:picLocks noChangeAspect="1"/>
+          </p:cNvPicPr>
+          <p:nvPr/>
+        </p:nvPicPr>
+        <p:blipFill>
+          <a:blip r:embed="rId2"/>
+          <a:stretch>
+            <a:fillRect/>
+          </a:stretch>
+        </p:blipFill>
+        <p:spPr>
+          <a:xfrm>
+            <a:off x="2057400" y="3861048"/>
+            <a:ext cx="5029200" cy="2619375"/>
+          </a:xfrm>
+          <a:prstGeom prst="rect">
+            <a:avLst/>
+          </a:prstGeom>
+        </p:spPr>
+      </p:pic>
     </p:spTree>
     <p:extLst>
       <p:ext uri="{BB962C8B-B14F-4D97-AF65-F5344CB8AC3E}">
-        <p14:creationId xmlns:p14="http://schemas.microsoft.com/office/powerpoint/2010/main" val="537835176"/>
+        <p14:creationId xmlns:p14="http://schemas.microsoft.com/office/powerpoint/2010/main" val="1037415853"/>
       </p:ext>
     </p:extLst>
   </p:cSld>
@@ -12114,10 +11952,15 @@
             <p:ph idx="1"/>
           </p:nvPr>
         </p:nvSpPr>
-        <p:spPr/>
+        <p:spPr>
+          <a:xfrm>
+            <a:off x="457200" y="1600200"/>
+            <a:ext cx="8229600" cy="4925144"/>
+          </a:xfrm>
+        </p:spPr>
         <p:txBody>
           <a:bodyPr>
-            <a:normAutofit fontScale="85000" lnSpcReduction="10000"/>
+            <a:normAutofit fontScale="77500" lnSpcReduction="20000"/>
           </a:bodyPr>
           <a:lstStyle/>
           <a:p>
@@ -12182,8 +12025,26 @@
             </a:pPr>
             <a:r>
               <a:rPr lang="en-GB" dirty="0" smtClean="0"/>
-              <a:t>Script Server</a:t>
-            </a:r>
+              <a:t>Script </a:t>
+            </a:r>
+            <a:r>
+              <a:rPr lang="en-GB" dirty="0" smtClean="0"/>
+              <a:t>Server</a:t>
+            </a:r>
+          </a:p>
+          <a:p>
+            <a:pPr marL="514350" indent="-514350">
+              <a:lnSpc>
+                <a:spcPct val="200000"/>
+              </a:lnSpc>
+              <a:buFont typeface="+mj-lt"/>
+              <a:buAutoNum type="arabicPeriod"/>
+            </a:pPr>
+            <a:r>
+              <a:rPr lang="en-GB" dirty="0" smtClean="0"/>
+              <a:t>Long exercises</a:t>
+            </a:r>
+            <a:endParaRPr lang="en-GB" dirty="0" smtClean="0"/>
           </a:p>
         </p:txBody>
       </p:sp>
@@ -12226,36 +12087,94 @@
       </p:grpSpPr>
       <p:sp>
         <p:nvSpPr>
-          <p:cNvPr id="5" name="Rectangle 4"/>
-          <p:cNvSpPr/>
-          <p:nvPr/>
+          <p:cNvPr id="3" name="Content Placeholder 2"/>
+          <p:cNvSpPr>
+            <a:spLocks noGrp="1"/>
+          </p:cNvSpPr>
+          <p:nvPr>
+            <p:ph idx="1"/>
+          </p:nvPr>
         </p:nvSpPr>
         <p:spPr>
           <a:xfrm>
-            <a:off x="539552" y="2852936"/>
-            <a:ext cx="8208912" cy="769441"/>
+            <a:off x="457200" y="260648"/>
+            <a:ext cx="8229600" cy="5865515"/>
           </a:xfrm>
-          <a:prstGeom prst="rect">
-            <a:avLst/>
-          </a:prstGeom>
         </p:spPr>
         <p:txBody>
-          <a:bodyPr wrap="square">
-            <a:spAutoFit/>
-          </a:bodyPr>
+          <a:bodyPr/>
           <a:lstStyle/>
           <a:p>
-            <a:r>
-              <a:rPr lang="en-GB" sz="4400" dirty="0"/>
-              <a:t>Scripting</a:t>
-            </a:r>
+            <a:endParaRPr lang="en-GB" dirty="0" smtClean="0">
+              <a:solidFill>
+                <a:srgbClr val="00B050"/>
+              </a:solidFill>
+            </a:endParaRPr>
+          </a:p>
+          <a:p>
+            <a:endParaRPr lang="en-GB" dirty="0">
+              <a:solidFill>
+                <a:srgbClr val="00B050"/>
+              </a:solidFill>
+            </a:endParaRPr>
+          </a:p>
+          <a:p>
+            <a:endParaRPr lang="en-GB" dirty="0" smtClean="0">
+              <a:solidFill>
+                <a:srgbClr val="00B050"/>
+              </a:solidFill>
+            </a:endParaRPr>
+          </a:p>
+          <a:p>
+            <a:endParaRPr lang="en-GB" dirty="0">
+              <a:solidFill>
+                <a:srgbClr val="00B050"/>
+              </a:solidFill>
+            </a:endParaRPr>
+          </a:p>
+          <a:p>
+            <a:pPr marL="0" indent="0">
+              <a:buNone/>
+            </a:pPr>
+            <a:r>
+              <a:rPr lang="en-GB" dirty="0" smtClean="0">
+                <a:solidFill>
+                  <a:srgbClr val="00B050"/>
+                </a:solidFill>
+              </a:rPr>
+              <a:t>Try </a:t>
+            </a:r>
+            <a:r>
+              <a:rPr lang="en-GB" dirty="0">
+                <a:solidFill>
+                  <a:srgbClr val="00B050"/>
+                </a:solidFill>
+              </a:rPr>
+              <a:t>using the previous commands to get and set the value of the blocks in the current </a:t>
+            </a:r>
+            <a:r>
+              <a:rPr lang="en-GB" dirty="0" smtClean="0">
+                <a:solidFill>
+                  <a:srgbClr val="00B050"/>
+                </a:solidFill>
+              </a:rPr>
+              <a:t>configuration.</a:t>
+            </a:r>
+            <a:endParaRPr lang="en-GB" dirty="0">
+              <a:solidFill>
+                <a:srgbClr val="00B050"/>
+              </a:solidFill>
+            </a:endParaRPr>
+          </a:p>
+          <a:p>
+            <a:endParaRPr lang="en-GB" dirty="0"/>
           </a:p>
         </p:txBody>
       </p:sp>
     </p:spTree>
     <p:extLst>
       <p:ext uri="{BB962C8B-B14F-4D97-AF65-F5344CB8AC3E}">
-        <p14:creationId xmlns:p14="http://schemas.microsoft.com/office/powerpoint/2010/main" val="3193210675"/>
+        <p14:creationId xmlns:p14="http://schemas.microsoft.com/office/powerpoint/2010/main" val="537835176"/>
       </p:ext>
     </p:extLst>
   </p:cSld>
@@ -12284,6 +12203,64 @@
       </p:grpSpPr>
       <p:sp>
         <p:nvSpPr>
+          <p:cNvPr id="5" name="Rectangle 4"/>
+          <p:cNvSpPr/>
+          <p:nvPr/>
+        </p:nvSpPr>
+        <p:spPr>
+          <a:xfrm>
+            <a:off x="539552" y="2852936"/>
+            <a:ext cx="8208912" cy="769441"/>
+          </a:xfrm>
+          <a:prstGeom prst="rect">
+            <a:avLst/>
+          </a:prstGeom>
+        </p:spPr>
+        <p:txBody>
+          <a:bodyPr wrap="square">
+            <a:spAutoFit/>
+          </a:bodyPr>
+          <a:lstStyle/>
+          <a:p>
+            <a:r>
+              <a:rPr lang="en-GB" sz="4400" dirty="0"/>
+              <a:t>Scripting</a:t>
+            </a:r>
+          </a:p>
+        </p:txBody>
+      </p:sp>
+    </p:spTree>
+    <p:extLst>
+      <p:ext uri="{BB962C8B-B14F-4D97-AF65-F5344CB8AC3E}">
+        <p14:creationId xmlns:p14="http://schemas.microsoft.com/office/powerpoint/2010/main" val="3193210675"/>
+      </p:ext>
+    </p:extLst>
+  </p:cSld>
+  <p:clrMapOvr>
+    <a:masterClrMapping/>
+  </p:clrMapOvr>
+</p:sld>
+</file>
+
+<file path=ppt/slides/slide22.xml><?xml version="1.0" encoding="utf-8"?>
+<p:sld xmlns:a="http://schemas.openxmlformats.org/drawingml/2006/main" xmlns:r="http://schemas.openxmlformats.org/officeDocument/2006/relationships" xmlns:p="http://schemas.openxmlformats.org/presentationml/2006/main">
+  <p:cSld>
+    <p:spTree>
+      <p:nvGrpSpPr>
+        <p:cNvPr id="1" name=""/>
+        <p:cNvGrpSpPr/>
+        <p:nvPr/>
+      </p:nvGrpSpPr>
+      <p:grpSpPr>
+        <a:xfrm>
+          <a:off x="0" y="0"/>
+          <a:ext cx="0" cy="0"/>
+          <a:chOff x="0" y="0"/>
+          <a:chExt cx="0" cy="0"/>
+        </a:xfrm>
+      </p:grpSpPr>
+      <p:sp>
+        <p:nvSpPr>
           <p:cNvPr id="4" name="TextBox 3"/>
           <p:cNvSpPr txBox="1"/>
           <p:nvPr/>
@@ -12487,7 +12464,7 @@
 </p:sld>
 </file>
 
-<file path=ppt/slides/slide22.xml><?xml version="1.0" encoding="utf-8"?>
+<file path=ppt/slides/slide23.xml><?xml version="1.0" encoding="utf-8"?>
 <p:sld xmlns:a="http://schemas.openxmlformats.org/drawingml/2006/main" xmlns:r="http://schemas.openxmlformats.org/officeDocument/2006/relationships" xmlns:p="http://schemas.openxmlformats.org/presentationml/2006/main">
   <p:cSld>
     <p:spTree>
@@ -12756,7 +12733,7 @@
 </p:sld>
 </file>
 
-<file path=ppt/slides/slide23.xml><?xml version="1.0" encoding="utf-8"?>
+<file path=ppt/slides/slide24.xml><?xml version="1.0" encoding="utf-8"?>
 <p:sld xmlns:a="http://schemas.openxmlformats.org/drawingml/2006/main" xmlns:r="http://schemas.openxmlformats.org/officeDocument/2006/relationships" xmlns:p="http://schemas.openxmlformats.org/presentationml/2006/main" show="0">
   <p:cSld>
     <p:spTree>
@@ -12848,371 +12825,6 @@
 </p:sld>
 </file>
 
-<file path=ppt/slides/slide24.xml><?xml version="1.0" encoding="utf-8"?>
-<p:sld xmlns:a="http://schemas.openxmlformats.org/drawingml/2006/main" xmlns:r="http://schemas.openxmlformats.org/officeDocument/2006/relationships" xmlns:p="http://schemas.openxmlformats.org/presentationml/2006/main">
-  <p:cSld>
-    <p:spTree>
-      <p:nvGrpSpPr>
-        <p:cNvPr id="1" name=""/>
-        <p:cNvGrpSpPr/>
-        <p:nvPr/>
-      </p:nvGrpSpPr>
-      <p:grpSpPr>
-        <a:xfrm>
-          <a:off x="0" y="0"/>
-          <a:ext cx="0" cy="0"/>
-          <a:chOff x="0" y="0"/>
-          <a:chExt cx="0" cy="0"/>
-        </a:xfrm>
-      </p:grpSpPr>
-      <p:sp>
-        <p:nvSpPr>
-          <p:cNvPr id="2" name="Title 1"/>
-          <p:cNvSpPr>
-            <a:spLocks noGrp="1"/>
-          </p:cNvSpPr>
-          <p:nvPr>
-            <p:ph type="title"/>
-          </p:nvPr>
-        </p:nvSpPr>
-        <p:spPr>
-          <a:xfrm>
-            <a:off x="457200" y="0"/>
-            <a:ext cx="8229600" cy="1143000"/>
-          </a:xfrm>
-        </p:spPr>
-        <p:txBody>
-          <a:bodyPr/>
-          <a:lstStyle/>
-          <a:p>
-            <a:r>
-              <a:rPr lang="en-GB" dirty="0" smtClean="0">
-                <a:solidFill>
-                  <a:srgbClr val="00B050"/>
-                </a:solidFill>
-              </a:rPr>
-              <a:t>Exercise</a:t>
-            </a:r>
-            <a:endParaRPr lang="en-GB" dirty="0">
-              <a:solidFill>
-                <a:srgbClr val="00B050"/>
-              </a:solidFill>
-            </a:endParaRPr>
-          </a:p>
-        </p:txBody>
-      </p:sp>
-      <p:sp>
-        <p:nvSpPr>
-          <p:cNvPr id="4" name="TextBox 3"/>
-          <p:cNvSpPr txBox="1"/>
-          <p:nvPr/>
-        </p:nvSpPr>
-        <p:spPr>
-          <a:xfrm>
-            <a:off x="457200" y="1143000"/>
-            <a:ext cx="8496944" cy="5478423"/>
-          </a:xfrm>
-          <a:prstGeom prst="rect">
-            <a:avLst/>
-          </a:prstGeom>
-          <a:noFill/>
-        </p:spPr>
-        <p:txBody>
-          <a:bodyPr wrap="square" rtlCol="0">
-            <a:spAutoFit/>
-          </a:bodyPr>
-          <a:lstStyle/>
-          <a:p>
-            <a:pPr marL="285750" indent="-285750">
-              <a:buFont typeface="Arial" panose="020B0604020202020204" pitchFamily="34" charset="0"/>
-              <a:buChar char="•"/>
-            </a:pPr>
-            <a:r>
-              <a:rPr lang="en-GB" sz="2200" dirty="0" smtClean="0">
-                <a:solidFill>
-                  <a:srgbClr val="00B050"/>
-                </a:solidFill>
-              </a:rPr>
-              <a:t>Create a user script</a:t>
-            </a:r>
-          </a:p>
-          <a:p>
-            <a:pPr marL="285750" indent="-285750">
-              <a:buFont typeface="Arial" panose="020B0604020202020204" pitchFamily="34" charset="0"/>
-              <a:buChar char="•"/>
-            </a:pPr>
-            <a:r>
-              <a:rPr lang="en-GB" sz="2200" dirty="0" smtClean="0">
-                <a:solidFill>
-                  <a:srgbClr val="00B050"/>
-                </a:solidFill>
-              </a:rPr>
-              <a:t>Change the title of the run to </a:t>
-            </a:r>
-            <a:r>
-              <a:rPr lang="en-GB" sz="2200" b="1" dirty="0" smtClean="0">
-                <a:solidFill>
-                  <a:srgbClr val="00B050"/>
-                </a:solidFill>
-              </a:rPr>
-              <a:t>Exercise 1</a:t>
-            </a:r>
-          </a:p>
-          <a:p>
-            <a:pPr marL="285750" indent="-285750">
-              <a:buFont typeface="Arial" panose="020B0604020202020204" pitchFamily="34" charset="0"/>
-              <a:buChar char="•"/>
-            </a:pPr>
-            <a:r>
-              <a:rPr lang="en-GB" sz="2200" dirty="0" smtClean="0">
-                <a:solidFill>
-                  <a:srgbClr val="00B050"/>
-                </a:solidFill>
-              </a:rPr>
-              <a:t>Start </a:t>
-            </a:r>
-            <a:r>
-              <a:rPr lang="en-GB" sz="2200" dirty="0">
-                <a:solidFill>
-                  <a:srgbClr val="00B050"/>
-                </a:solidFill>
-              </a:rPr>
-              <a:t>a </a:t>
-            </a:r>
-            <a:r>
-              <a:rPr lang="en-GB" sz="2200" dirty="0" smtClean="0">
-                <a:solidFill>
-                  <a:srgbClr val="00B050"/>
-                </a:solidFill>
-              </a:rPr>
-              <a:t>run</a:t>
-            </a:r>
-          </a:p>
-          <a:p>
-            <a:pPr marL="285750" indent="-285750">
-              <a:buFont typeface="Arial" panose="020B0604020202020204" pitchFamily="34" charset="0"/>
-              <a:buChar char="•"/>
-            </a:pPr>
-            <a:r>
-              <a:rPr lang="en-GB" sz="2200" dirty="0" smtClean="0">
-                <a:solidFill>
-                  <a:srgbClr val="00B050"/>
-                </a:solidFill>
-              </a:rPr>
-              <a:t>Wait </a:t>
-            </a:r>
-            <a:r>
-              <a:rPr lang="en-GB" sz="2200" dirty="0">
-                <a:solidFill>
-                  <a:srgbClr val="00B050"/>
-                </a:solidFill>
-              </a:rPr>
-              <a:t>for 1 </a:t>
-            </a:r>
-            <a:r>
-              <a:rPr lang="en-GB" sz="2200" dirty="0" err="1">
-                <a:solidFill>
-                  <a:srgbClr val="00B050"/>
-                </a:solidFill>
-              </a:rPr>
-              <a:t>uamps</a:t>
-            </a:r>
-            <a:r>
-              <a:rPr lang="en-GB" sz="2200" dirty="0">
-                <a:solidFill>
-                  <a:srgbClr val="00B050"/>
-                </a:solidFill>
-              </a:rPr>
-              <a:t> (maximum wait 10 seconds) before pausing</a:t>
-            </a:r>
-          </a:p>
-          <a:p>
-            <a:pPr marL="285750" indent="-285750">
-              <a:buFont typeface="Arial" panose="020B0604020202020204" pitchFamily="34" charset="0"/>
-              <a:buChar char="•"/>
-            </a:pPr>
-            <a:r>
-              <a:rPr lang="en-GB" sz="2200" dirty="0">
-                <a:solidFill>
-                  <a:srgbClr val="00B050"/>
-                </a:solidFill>
-              </a:rPr>
-              <a:t>Set the value of </a:t>
-            </a:r>
-            <a:r>
-              <a:rPr lang="en-GB" sz="2200" b="1" dirty="0" smtClean="0">
-                <a:solidFill>
-                  <a:srgbClr val="00B050"/>
-                </a:solidFill>
-              </a:rPr>
-              <a:t>MY_BLOCK</a:t>
-            </a:r>
-            <a:r>
-              <a:rPr lang="en-GB" sz="2200" dirty="0" smtClean="0">
-                <a:solidFill>
-                  <a:srgbClr val="00B050"/>
-                </a:solidFill>
-              </a:rPr>
-              <a:t> </a:t>
-            </a:r>
-            <a:r>
-              <a:rPr lang="en-GB" sz="2200" dirty="0">
-                <a:solidFill>
-                  <a:srgbClr val="00B050"/>
-                </a:solidFill>
-              </a:rPr>
-              <a:t>to 5, with a high limit of 10, a low limit of 1 and put it under run control</a:t>
-            </a:r>
-          </a:p>
-          <a:p>
-            <a:pPr marL="285750" indent="-285750">
-              <a:buFont typeface="Arial" panose="020B0604020202020204" pitchFamily="34" charset="0"/>
-              <a:buChar char="•"/>
-            </a:pPr>
-            <a:r>
-              <a:rPr lang="en-GB" sz="2200" dirty="0">
-                <a:solidFill>
-                  <a:srgbClr val="00B050"/>
-                </a:solidFill>
-              </a:rPr>
-              <a:t>Resume the run</a:t>
-            </a:r>
-          </a:p>
-          <a:p>
-            <a:pPr marL="285750" indent="-285750">
-              <a:buFont typeface="Arial" panose="020B0604020202020204" pitchFamily="34" charset="0"/>
-              <a:buChar char="•"/>
-            </a:pPr>
-            <a:r>
-              <a:rPr lang="en-GB" sz="2200" dirty="0">
-                <a:solidFill>
-                  <a:srgbClr val="00B050"/>
-                </a:solidFill>
-              </a:rPr>
-              <a:t>Set the value of </a:t>
-            </a:r>
-            <a:r>
-              <a:rPr lang="en-GB" sz="2200" b="1" dirty="0" smtClean="0">
-                <a:solidFill>
-                  <a:srgbClr val="00B050"/>
-                </a:solidFill>
-              </a:rPr>
-              <a:t>MY_BLOCK</a:t>
-            </a:r>
-            <a:r>
-              <a:rPr lang="en-GB" sz="2200" dirty="0" smtClean="0">
-                <a:solidFill>
-                  <a:srgbClr val="00B050"/>
-                </a:solidFill>
-              </a:rPr>
-              <a:t> </a:t>
-            </a:r>
-            <a:r>
-              <a:rPr lang="en-GB" sz="2200" dirty="0">
-                <a:solidFill>
-                  <a:srgbClr val="00B050"/>
-                </a:solidFill>
-              </a:rPr>
-              <a:t>to 20 and confirm (using genie_python) that the instrument has entered a waiting state</a:t>
-            </a:r>
-          </a:p>
-          <a:p>
-            <a:pPr marL="285750" indent="-285750">
-              <a:buFont typeface="Arial" panose="020B0604020202020204" pitchFamily="34" charset="0"/>
-              <a:buChar char="•"/>
-            </a:pPr>
-            <a:r>
-              <a:rPr lang="en-GB" sz="2200" dirty="0">
-                <a:solidFill>
-                  <a:srgbClr val="00B050"/>
-                </a:solidFill>
-              </a:rPr>
-              <a:t>Decrease the value of </a:t>
-            </a:r>
-            <a:r>
-              <a:rPr lang="en-GB" sz="2200" b="1" dirty="0" smtClean="0">
-                <a:solidFill>
-                  <a:srgbClr val="00B050"/>
-                </a:solidFill>
-              </a:rPr>
-              <a:t>MY_BLOCK</a:t>
-            </a:r>
-            <a:r>
-              <a:rPr lang="en-GB" sz="2200" dirty="0" smtClean="0">
-                <a:solidFill>
-                  <a:srgbClr val="00B050"/>
-                </a:solidFill>
-              </a:rPr>
-              <a:t> </a:t>
-            </a:r>
-            <a:r>
-              <a:rPr lang="en-GB" sz="2200" dirty="0">
-                <a:solidFill>
-                  <a:srgbClr val="00B050"/>
-                </a:solidFill>
-              </a:rPr>
-              <a:t>down in steps of 1 until it reaches 10. Wait for 1 second between steps. Notice how the run state changes back to running when the block value drops below 10.</a:t>
-            </a:r>
-          </a:p>
-          <a:p>
-            <a:pPr marL="285750" indent="-285750">
-              <a:buFont typeface="Arial" panose="020B0604020202020204" pitchFamily="34" charset="0"/>
-              <a:buChar char="•"/>
-            </a:pPr>
-            <a:r>
-              <a:rPr lang="en-GB" sz="2200" dirty="0">
-                <a:solidFill>
-                  <a:srgbClr val="00B050"/>
-                </a:solidFill>
-              </a:rPr>
-              <a:t>End the </a:t>
-            </a:r>
-            <a:r>
-              <a:rPr lang="en-GB" sz="2200" dirty="0" smtClean="0">
-                <a:solidFill>
-                  <a:srgbClr val="00B050"/>
-                </a:solidFill>
-              </a:rPr>
-              <a:t>run</a:t>
-            </a:r>
-          </a:p>
-          <a:p>
-            <a:r>
-              <a:rPr lang="en-GB" sz="2000" i="1" dirty="0" smtClean="0">
-                <a:solidFill>
-                  <a:srgbClr val="00B050"/>
-                </a:solidFill>
-              </a:rPr>
-              <a:t>[20 minutes]</a:t>
-            </a:r>
-            <a:endParaRPr lang="en-GB" sz="2000" i="1" dirty="0">
-              <a:solidFill>
-                <a:srgbClr val="00B050"/>
-              </a:solidFill>
-            </a:endParaRPr>
-          </a:p>
-        </p:txBody>
-      </p:sp>
-    </p:spTree>
-    <p:extLst>
-      <p:ext uri="{BB962C8B-B14F-4D97-AF65-F5344CB8AC3E}">
-        <p14:creationId xmlns:p14="http://schemas.microsoft.com/office/powerpoint/2010/main" val="2754241730"/>
-      </p:ext>
-    </p:extLst>
-  </p:cSld>
-  <p:clrMapOvr>
-    <a:masterClrMapping/>
-  </p:clrMapOvr>
-  <p:timing>
-    <p:tnLst>
-      <p:par>
-        <p:cTn id="1" dur="indefinite" restart="never" nodeType="tmRoot"/>
-      </p:par>
-    </p:tnLst>
-  </p:timing>
-</p:sld>
-</file>
-
 <file path=ppt/slides/slide25.xml><?xml version="1.0" encoding="utf-8"?>
 <p:sld xmlns:a="http://schemas.openxmlformats.org/drawingml/2006/main" xmlns:r="http://schemas.openxmlformats.org/officeDocument/2006/relationships" xmlns:p="http://schemas.openxmlformats.org/presentationml/2006/main">
   <p:cSld>
@@ -13242,7 +12854,7 @@
         </p:nvSpPr>
         <p:spPr>
           <a:xfrm>
-            <a:off x="467544" y="197768"/>
+            <a:off x="457200" y="0"/>
             <a:ext cx="8229600" cy="1143000"/>
           </a:xfrm>
         </p:spPr>
@@ -13251,8 +12863,12 @@
           <a:lstStyle/>
           <a:p>
             <a:r>
-              <a:rPr lang="en-GB" dirty="0" smtClean="0"/>
-              <a:t>Instrument Scripts</a:t>
+              <a:rPr lang="en-GB" dirty="0" smtClean="0">
+                <a:solidFill>
+                  <a:srgbClr val="00B050"/>
+                </a:solidFill>
+              </a:rPr>
+              <a:t>Exercise</a:t>
             </a:r>
             <a:endParaRPr lang="en-GB" dirty="0">
               <a:solidFill>
@@ -13270,8 +12886,8 @@
         </p:nvSpPr>
         <p:spPr>
           <a:xfrm>
-            <a:off x="251520" y="1340768"/>
-            <a:ext cx="8892480" cy="5386090"/>
+            <a:off x="323528" y="908720"/>
+            <a:ext cx="8496944" cy="5816977"/>
           </a:xfrm>
           <a:prstGeom prst="rect">
             <a:avLst/>
@@ -13284,154 +12900,26 @@
           </a:bodyPr>
           <a:lstStyle/>
           <a:p>
-            <a:pPr marL="342900" indent="-342900">
-              <a:buFont typeface="Arial" panose="020B0604020202020204" pitchFamily="34" charset="0"/>
-              <a:buChar char="•"/>
-            </a:pPr>
-            <a:r>
-              <a:rPr lang="en-GB" sz="2400" b="1" dirty="0"/>
-              <a:t>Instrument scripts </a:t>
-            </a:r>
-            <a:r>
-              <a:rPr lang="en-GB" sz="2400" dirty="0" smtClean="0"/>
-              <a:t>are located </a:t>
-            </a:r>
-            <a:r>
-              <a:rPr lang="en-GB" sz="2400" dirty="0"/>
-              <a:t>in: </a:t>
-            </a:r>
-            <a:endParaRPr lang="en-GB" sz="2400" dirty="0" smtClean="0"/>
-          </a:p>
-          <a:p>
-            <a:pPr marL="800100" lvl="1" indent="-342900">
-              <a:buFont typeface="Arial" panose="020B0604020202020204" pitchFamily="34" charset="0"/>
-              <a:buChar char="•"/>
-            </a:pPr>
-            <a:r>
-              <a:rPr lang="en-GB" sz="2400" i="1" dirty="0"/>
-              <a:t>C:\</a:t>
-            </a:r>
-            <a:r>
-              <a:rPr lang="en-GB" sz="2400" i="1" dirty="0" smtClean="0"/>
-              <a:t>Instrument\Settings\config\&lt;Instrument name&gt;\Python\</a:t>
-            </a:r>
-            <a:r>
-              <a:rPr lang="en-GB" sz="2400" i="1" dirty="0" err="1" smtClean="0"/>
-              <a:t>inst</a:t>
-            </a:r>
-            <a:r>
-              <a:rPr lang="en-GB" sz="2400" i="1" dirty="0" smtClean="0"/>
-              <a:t>\</a:t>
-            </a:r>
-          </a:p>
-          <a:p>
-            <a:pPr marL="800100" lvl="1" indent="-342900">
-              <a:buFont typeface="Arial" panose="020B0604020202020204" pitchFamily="34" charset="0"/>
-              <a:buChar char="•"/>
-            </a:pPr>
-            <a:endParaRPr lang="en-GB" sz="2400" dirty="0"/>
-          </a:p>
-          <a:p>
-            <a:pPr marL="342900" indent="-342900">
-              <a:buFont typeface="Arial" panose="020B0604020202020204" pitchFamily="34" charset="0"/>
-              <a:buChar char="•"/>
-            </a:pPr>
-            <a:r>
-              <a:rPr lang="en-GB" sz="2400" dirty="0" smtClean="0"/>
-              <a:t>IBEX </a:t>
-            </a:r>
-            <a:r>
-              <a:rPr lang="en-GB" sz="2400" dirty="0"/>
-              <a:t>puts all </a:t>
-            </a:r>
-            <a:r>
-              <a:rPr lang="en-GB" sz="2400" dirty="0" smtClean="0"/>
-              <a:t>Instrument </a:t>
-            </a:r>
-            <a:r>
-              <a:rPr lang="en-GB" sz="2400" dirty="0"/>
-              <a:t>scripts under version </a:t>
-            </a:r>
-            <a:r>
-              <a:rPr lang="en-GB" sz="2400" dirty="0" smtClean="0"/>
-              <a:t>control.</a:t>
-            </a:r>
-          </a:p>
-          <a:p>
-            <a:pPr marL="342900" indent="-342900">
-              <a:buFont typeface="Arial" panose="020B0604020202020204" pitchFamily="34" charset="0"/>
-              <a:buChar char="•"/>
-            </a:pPr>
-            <a:endParaRPr lang="en-GB" sz="2400" dirty="0" smtClean="0"/>
-          </a:p>
-          <a:p>
-            <a:pPr marL="342900" indent="-342900">
-              <a:buFont typeface="Arial" panose="020B0604020202020204" pitchFamily="34" charset="0"/>
-              <a:buChar char="•"/>
-            </a:pPr>
-            <a:r>
-              <a:rPr lang="en-GB" sz="2400" dirty="0" smtClean="0"/>
-              <a:t>Instrument </a:t>
-            </a:r>
-            <a:r>
-              <a:rPr lang="en-GB" sz="2400" dirty="0"/>
-              <a:t>scripts are loaded automatically when you open the scripting </a:t>
-            </a:r>
-            <a:r>
-              <a:rPr lang="en-GB" sz="2400" dirty="0" smtClean="0"/>
-              <a:t>perspective, or by calling </a:t>
-            </a:r>
-            <a:r>
-              <a:rPr lang="en-GB" sz="2400" dirty="0" smtClean="0">
-                <a:solidFill>
-                  <a:srgbClr val="C00000"/>
-                </a:solidFill>
-                <a:latin typeface="Courier New" panose="02070309020205020404" pitchFamily="49" charset="0"/>
-                <a:cs typeface="Courier New" panose="02070309020205020404" pitchFamily="49" charset="0"/>
-              </a:rPr>
-              <a:t>reload(</a:t>
-            </a:r>
-            <a:r>
-              <a:rPr lang="en-GB" sz="2400" dirty="0" err="1" smtClean="0">
-                <a:solidFill>
-                  <a:srgbClr val="C00000"/>
-                </a:solidFill>
-                <a:latin typeface="Courier New" panose="02070309020205020404" pitchFamily="49" charset="0"/>
-                <a:cs typeface="Courier New" panose="02070309020205020404" pitchFamily="49" charset="0"/>
-              </a:rPr>
-              <a:t>inst</a:t>
-            </a:r>
-            <a:r>
-              <a:rPr lang="en-GB" sz="2400" dirty="0" smtClean="0">
-                <a:solidFill>
-                  <a:srgbClr val="C00000"/>
-                </a:solidFill>
-                <a:latin typeface="Courier New" panose="02070309020205020404" pitchFamily="49" charset="0"/>
-                <a:cs typeface="Courier New" panose="02070309020205020404" pitchFamily="49" charset="0"/>
-              </a:rPr>
-              <a:t>)</a:t>
-            </a:r>
-            <a:r>
-              <a:rPr lang="en-GB" sz="2400" dirty="0" smtClean="0">
-                <a:latin typeface="Courier New" panose="02070309020205020404" pitchFamily="49" charset="0"/>
-                <a:cs typeface="Courier New" panose="02070309020205020404" pitchFamily="49" charset="0"/>
-              </a:rPr>
-              <a:t>.</a:t>
-            </a:r>
-            <a:endParaRPr lang="en-GB" sz="2400" dirty="0" smtClean="0">
-              <a:solidFill>
-                <a:srgbClr val="C00000"/>
-              </a:solidFill>
-              <a:latin typeface="Courier New" panose="02070309020205020404" pitchFamily="49" charset="0"/>
-              <a:cs typeface="Courier New" panose="02070309020205020404" pitchFamily="49" charset="0"/>
-            </a:endParaRPr>
-          </a:p>
-          <a:p>
             <a:pPr marL="285750" indent="-285750">
               <a:buFont typeface="Arial" panose="020B0604020202020204" pitchFamily="34" charset="0"/>
               <a:buChar char="•"/>
             </a:pPr>
-            <a:endParaRPr lang="en-GB" sz="2400" dirty="0"/>
+            <a:r>
+              <a:rPr lang="en-GB" sz="2200" dirty="0" smtClean="0">
+                <a:solidFill>
+                  <a:srgbClr val="00B050"/>
+                </a:solidFill>
+              </a:rPr>
+              <a:t>Create a user </a:t>
+            </a:r>
+            <a:r>
+              <a:rPr lang="en-GB" sz="2200" dirty="0" smtClean="0">
+                <a:solidFill>
+                  <a:srgbClr val="00B050"/>
+                </a:solidFill>
+              </a:rPr>
+              <a:t>script</a:t>
+            </a:r>
           </a:p>
           <a:p>
             <a:pPr marL="285750" indent="-285750">
@@ -13439,80 +12927,328 @@
               <a:buChar char="•"/>
             </a:pPr>
             <a:r>
-              <a:rPr lang="en-GB" sz="2400" dirty="0"/>
-              <a:t>Instrument scripts should start with </a:t>
-            </a:r>
-            <a:r>
-              <a:rPr lang="en-GB" sz="2400" dirty="0">
+              <a:rPr lang="en-GB" sz="2200" dirty="0" smtClean="0">
+                <a:solidFill>
+                  <a:srgbClr val="00B050"/>
+                </a:solidFill>
+              </a:rPr>
+              <a:t>Make sure it has </a:t>
+            </a:r>
+            <a:r>
+              <a:rPr lang="en-GB" sz="2000" dirty="0">
                 <a:solidFill>
                   <a:srgbClr val="C00000"/>
                 </a:solidFill>
                 <a:latin typeface="Courier New" panose="02070309020205020404" pitchFamily="49" charset="0"/>
                 <a:cs typeface="Courier New" panose="02070309020205020404" pitchFamily="49" charset="0"/>
               </a:rPr>
-              <a:t>from genie_python import genie as </a:t>
-            </a:r>
-            <a:r>
-              <a:rPr lang="en-GB" sz="2400" dirty="0" smtClean="0">
+              <a:t>from </a:t>
+            </a:r>
+            <a:r>
+              <a:rPr lang="en-GB" sz="2000" dirty="0" err="1">
                 <a:solidFill>
                   <a:srgbClr val="C00000"/>
                 </a:solidFill>
                 <a:latin typeface="Courier New" panose="02070309020205020404" pitchFamily="49" charset="0"/>
                 <a:cs typeface="Courier New" panose="02070309020205020404" pitchFamily="49" charset="0"/>
               </a:rPr>
-              <a:t>g</a:t>
-            </a:r>
-            <a:r>
-              <a:rPr lang="en-GB" sz="2400" b="1" dirty="0" smtClean="0">
-                <a:solidFill>
-                  <a:schemeClr val="accent2"/>
+              <a:t>genie_python</a:t>
+            </a:r>
+            <a:r>
+              <a:rPr lang="en-GB" sz="2000" dirty="0">
+                <a:solidFill>
+                  <a:srgbClr val="C00000"/>
                 </a:solidFill>
                 <a:latin typeface="Courier New" panose="02070309020205020404" pitchFamily="49" charset="0"/>
                 <a:cs typeface="Courier New" panose="02070309020205020404" pitchFamily="49" charset="0"/>
               </a:rPr>
+              <a:t> import genie as g</a:t>
+            </a:r>
+            <a:r>
+              <a:rPr lang="en-GB" sz="2000" b="1" dirty="0">
+                <a:solidFill>
+                  <a:schemeClr val="accent2"/>
+                </a:solidFill>
+                <a:latin typeface="Courier New" panose="02070309020205020404" pitchFamily="49" charset="0"/>
+                <a:cs typeface="Courier New" panose="02070309020205020404" pitchFamily="49" charset="0"/>
+              </a:rPr>
               <a:t> </a:t>
             </a:r>
-            <a:r>
-              <a:rPr lang="en-GB" sz="2400" dirty="0" smtClean="0"/>
-              <a:t>(otherwise genie_python commands will not be available)</a:t>
-            </a:r>
-            <a:endParaRPr lang="en-GB" sz="2400" dirty="0"/>
-          </a:p>
-          <a:p>
-            <a:endParaRPr lang="en-GB" sz="2000" b="1" dirty="0" smtClean="0">
+            <a:endParaRPr lang="en-GB" sz="2200" dirty="0">
               <a:solidFill>
-                <a:schemeClr val="accent2"/>
+                <a:srgbClr val="00B050"/>
               </a:solidFill>
-              <a:latin typeface="Courier New" panose="02070309020205020404" pitchFamily="49" charset="0"/>
-              <a:cs typeface="Courier New" panose="02070309020205020404" pitchFamily="49" charset="0"/>
             </a:endParaRPr>
           </a:p>
           <a:p>
-            <a:pPr marL="342900" indent="-342900">
+            <a:pPr marL="285750" indent="-285750">
               <a:buFont typeface="Arial" panose="020B0604020202020204" pitchFamily="34" charset="0"/>
               <a:buChar char="•"/>
             </a:pPr>
-            <a:endParaRPr lang="en-GB" b="1" dirty="0">
-              <a:solidFill>
-                <a:schemeClr val="accent2"/>
-              </a:solidFill>
-              <a:latin typeface="Courier New" panose="02070309020205020404" pitchFamily="49" charset="0"/>
-              <a:cs typeface="Courier New" panose="02070309020205020404" pitchFamily="49" charset="0"/>
-            </a:endParaRPr>
-          </a:p>
-          <a:p>
-            <a:pPr marL="800100" lvl="1" indent="-342900">
+            <a:r>
+              <a:rPr lang="en-GB" sz="2200" dirty="0" smtClean="0">
+                <a:solidFill>
+                  <a:srgbClr val="00B050"/>
+                </a:solidFill>
+              </a:rPr>
+              <a:t>Change </a:t>
+            </a:r>
+            <a:r>
+              <a:rPr lang="en-GB" sz="2200" dirty="0" smtClean="0">
+                <a:solidFill>
+                  <a:srgbClr val="00B050"/>
+                </a:solidFill>
+              </a:rPr>
+              <a:t>the title of the run to </a:t>
+            </a:r>
+            <a:r>
+              <a:rPr lang="en-GB" sz="2200" b="1" dirty="0" smtClean="0">
+                <a:solidFill>
+                  <a:srgbClr val="00B050"/>
+                </a:solidFill>
+              </a:rPr>
+              <a:t>Exercise 1</a:t>
+            </a:r>
+          </a:p>
+          <a:p>
+            <a:pPr marL="285750" indent="-285750">
               <a:buFont typeface="Arial" panose="020B0604020202020204" pitchFamily="34" charset="0"/>
               <a:buChar char="•"/>
             </a:pPr>
-            <a:endParaRPr lang="en-GB" dirty="0"/>
+            <a:r>
+              <a:rPr lang="en-GB" sz="2200" dirty="0" smtClean="0">
+                <a:solidFill>
+                  <a:srgbClr val="00B050"/>
+                </a:solidFill>
+              </a:rPr>
+              <a:t>Start </a:t>
+            </a:r>
+            <a:r>
+              <a:rPr lang="en-GB" sz="2200" dirty="0">
+                <a:solidFill>
+                  <a:srgbClr val="00B050"/>
+                </a:solidFill>
+              </a:rPr>
+              <a:t>a </a:t>
+            </a:r>
+            <a:r>
+              <a:rPr lang="en-GB" sz="2200" dirty="0" smtClean="0">
+                <a:solidFill>
+                  <a:srgbClr val="00B050"/>
+                </a:solidFill>
+              </a:rPr>
+              <a:t>run</a:t>
+            </a:r>
+          </a:p>
+          <a:p>
+            <a:pPr marL="285750" indent="-285750">
+              <a:buFont typeface="Arial" panose="020B0604020202020204" pitchFamily="34" charset="0"/>
+              <a:buChar char="•"/>
+            </a:pPr>
+            <a:r>
+              <a:rPr lang="en-GB" sz="2200" dirty="0" smtClean="0">
+                <a:solidFill>
+                  <a:srgbClr val="00B050"/>
+                </a:solidFill>
+              </a:rPr>
+              <a:t>Wait </a:t>
+            </a:r>
+            <a:r>
+              <a:rPr lang="en-GB" sz="2200" dirty="0">
+                <a:solidFill>
+                  <a:srgbClr val="00B050"/>
+                </a:solidFill>
+              </a:rPr>
+              <a:t>for 1 </a:t>
+            </a:r>
+            <a:r>
+              <a:rPr lang="en-GB" sz="2200" dirty="0" err="1">
+                <a:solidFill>
+                  <a:srgbClr val="00B050"/>
+                </a:solidFill>
+              </a:rPr>
+              <a:t>uamps</a:t>
+            </a:r>
+            <a:r>
+              <a:rPr lang="en-GB" sz="2200" dirty="0">
+                <a:solidFill>
+                  <a:srgbClr val="00B050"/>
+                </a:solidFill>
+              </a:rPr>
+              <a:t> (maximum wait 10 seconds) before pausing</a:t>
+            </a:r>
+          </a:p>
+          <a:p>
+            <a:pPr marL="285750" indent="-285750">
+              <a:buFont typeface="Arial" panose="020B0604020202020204" pitchFamily="34" charset="0"/>
+              <a:buChar char="•"/>
+            </a:pPr>
+            <a:r>
+              <a:rPr lang="en-GB" sz="2200" dirty="0">
+                <a:solidFill>
+                  <a:srgbClr val="00B050"/>
+                </a:solidFill>
+              </a:rPr>
+              <a:t>Set the value of </a:t>
+            </a:r>
+            <a:r>
+              <a:rPr lang="en-GB" sz="2200" b="1" dirty="0" smtClean="0">
+                <a:solidFill>
+                  <a:srgbClr val="00B050"/>
+                </a:solidFill>
+              </a:rPr>
+              <a:t>MY_BLOCK</a:t>
+            </a:r>
+            <a:r>
+              <a:rPr lang="en-GB" sz="2200" dirty="0" smtClean="0">
+                <a:solidFill>
+                  <a:srgbClr val="00B050"/>
+                </a:solidFill>
+              </a:rPr>
+              <a:t> </a:t>
+            </a:r>
+            <a:r>
+              <a:rPr lang="en-GB" sz="2200" dirty="0">
+                <a:solidFill>
+                  <a:srgbClr val="00B050"/>
+                </a:solidFill>
+              </a:rPr>
+              <a:t>to 5, with a high limit of 10, a low limit of 1 and put it under run control</a:t>
+            </a:r>
+          </a:p>
+          <a:p>
+            <a:pPr marL="285750" indent="-285750">
+              <a:buFont typeface="Arial" panose="020B0604020202020204" pitchFamily="34" charset="0"/>
+              <a:buChar char="•"/>
+            </a:pPr>
+            <a:r>
+              <a:rPr lang="en-GB" sz="2200" dirty="0">
+                <a:solidFill>
+                  <a:srgbClr val="00B050"/>
+                </a:solidFill>
+              </a:rPr>
+              <a:t>Resume the run</a:t>
+            </a:r>
+          </a:p>
+          <a:p>
+            <a:pPr marL="285750" indent="-285750">
+              <a:buFont typeface="Arial" panose="020B0604020202020204" pitchFamily="34" charset="0"/>
+              <a:buChar char="•"/>
+            </a:pPr>
+            <a:r>
+              <a:rPr lang="en-GB" sz="2200" dirty="0">
+                <a:solidFill>
+                  <a:srgbClr val="00B050"/>
+                </a:solidFill>
+              </a:rPr>
+              <a:t>Set the value of </a:t>
+            </a:r>
+            <a:r>
+              <a:rPr lang="en-GB" sz="2200" b="1" dirty="0" smtClean="0">
+                <a:solidFill>
+                  <a:srgbClr val="00B050"/>
+                </a:solidFill>
+              </a:rPr>
+              <a:t>MY_BLOCK</a:t>
+            </a:r>
+            <a:r>
+              <a:rPr lang="en-GB" sz="2200" dirty="0" smtClean="0">
+                <a:solidFill>
+                  <a:srgbClr val="00B050"/>
+                </a:solidFill>
+              </a:rPr>
+              <a:t> </a:t>
+            </a:r>
+            <a:r>
+              <a:rPr lang="en-GB" sz="2200" dirty="0">
+                <a:solidFill>
+                  <a:srgbClr val="00B050"/>
+                </a:solidFill>
+              </a:rPr>
+              <a:t>to 20 and confirm (using genie_python) that the instrument has entered a waiting state</a:t>
+            </a:r>
+          </a:p>
+          <a:p>
+            <a:pPr marL="285750" indent="-285750">
+              <a:buFont typeface="Arial" panose="020B0604020202020204" pitchFamily="34" charset="0"/>
+              <a:buChar char="•"/>
+            </a:pPr>
+            <a:r>
+              <a:rPr lang="en-GB" sz="2200" dirty="0">
+                <a:solidFill>
+                  <a:srgbClr val="00B050"/>
+                </a:solidFill>
+              </a:rPr>
+              <a:t>Decrease the value of </a:t>
+            </a:r>
+            <a:r>
+              <a:rPr lang="en-GB" sz="2200" b="1" dirty="0" smtClean="0">
+                <a:solidFill>
+                  <a:srgbClr val="00B050"/>
+                </a:solidFill>
+              </a:rPr>
+              <a:t>MY_BLOCK</a:t>
+            </a:r>
+            <a:r>
+              <a:rPr lang="en-GB" sz="2200" dirty="0" smtClean="0">
+                <a:solidFill>
+                  <a:srgbClr val="00B050"/>
+                </a:solidFill>
+              </a:rPr>
+              <a:t> </a:t>
+            </a:r>
+            <a:r>
+              <a:rPr lang="en-GB" sz="2200" dirty="0">
+                <a:solidFill>
+                  <a:srgbClr val="00B050"/>
+                </a:solidFill>
+              </a:rPr>
+              <a:t>down in steps of 1 until it reaches 10. Wait for 1 second between steps. Notice how the run state changes back to running when the block value drops below 10.</a:t>
+            </a:r>
+          </a:p>
+          <a:p>
+            <a:pPr marL="285750" indent="-285750">
+              <a:buFont typeface="Arial" panose="020B0604020202020204" pitchFamily="34" charset="0"/>
+              <a:buChar char="•"/>
+            </a:pPr>
+            <a:r>
+              <a:rPr lang="en-GB" sz="2200" dirty="0">
+                <a:solidFill>
+                  <a:srgbClr val="00B050"/>
+                </a:solidFill>
+              </a:rPr>
+              <a:t>End the </a:t>
+            </a:r>
+            <a:r>
+              <a:rPr lang="en-GB" sz="2200" dirty="0" smtClean="0">
+                <a:solidFill>
+                  <a:srgbClr val="00B050"/>
+                </a:solidFill>
+              </a:rPr>
+              <a:t>run</a:t>
+            </a:r>
+          </a:p>
+          <a:p>
+            <a:r>
+              <a:rPr lang="en-GB" sz="2000" i="1" dirty="0" smtClean="0">
+                <a:solidFill>
+                  <a:srgbClr val="00B050"/>
+                </a:solidFill>
+              </a:rPr>
+              <a:t>[20 minutes]</a:t>
+            </a:r>
+            <a:endParaRPr lang="en-GB" sz="2000" i="1" dirty="0">
+              <a:solidFill>
+                <a:srgbClr val="00B050"/>
+              </a:solidFill>
+            </a:endParaRPr>
           </a:p>
         </p:txBody>
       </p:sp>
     </p:spTree>
     <p:extLst>
       <p:ext uri="{BB962C8B-B14F-4D97-AF65-F5344CB8AC3E}">
-        <p14:creationId xmlns:p14="http://schemas.microsoft.com/office/powerpoint/2010/main" val="730955884"/>
+        <p14:creationId xmlns:p14="http://schemas.microsoft.com/office/powerpoint/2010/main" val="2754241730"/>
       </p:ext>
     </p:extLst>
   </p:cSld>
@@ -13562,1133 +13298,20 @@
           <a:lstStyle/>
           <a:p>
             <a:r>
-              <a:rPr lang="en-GB" dirty="0"/>
-              <a:t>Instrument </a:t>
-            </a:r>
-            <a:r>
-              <a:rPr lang="en-GB" dirty="0" smtClean="0"/>
-              <a:t>Scripts: </a:t>
-            </a:r>
-            <a:r>
               <a:rPr lang="en-GB" dirty="0" smtClean="0">
                 <a:solidFill>
                   <a:srgbClr val="00B050"/>
                 </a:solidFill>
               </a:rPr>
+              <a:t>Run </a:t>
+            </a:r>
+            <a:r>
+              <a:rPr lang="en-GB" dirty="0" smtClean="0">
+                <a:solidFill>
+                  <a:srgbClr val="00B050"/>
+                </a:solidFill>
+              </a:rPr>
               <a:t>Exercise</a:t>
-            </a:r>
-            <a:endParaRPr lang="en-GB" dirty="0">
-              <a:solidFill>
-                <a:srgbClr val="00B050"/>
-              </a:solidFill>
-            </a:endParaRPr>
-          </a:p>
-        </p:txBody>
-      </p:sp>
-      <p:sp>
-        <p:nvSpPr>
-          <p:cNvPr id="3" name="Content Placeholder 2"/>
-          <p:cNvSpPr>
-            <a:spLocks noGrp="1"/>
-          </p:cNvSpPr>
-          <p:nvPr>
-            <p:ph idx="1"/>
-          </p:nvPr>
-        </p:nvSpPr>
-        <p:spPr/>
-        <p:txBody>
-          <a:bodyPr/>
-          <a:lstStyle/>
-          <a:p>
-            <a:r>
-              <a:rPr lang="en-GB" sz="2800" dirty="0">
-                <a:solidFill>
-                  <a:srgbClr val="00B050"/>
-                </a:solidFill>
-              </a:rPr>
-              <a:t>Create an </a:t>
-            </a:r>
-            <a:r>
-              <a:rPr lang="en-GB" sz="2800" b="1" dirty="0">
-                <a:solidFill>
-                  <a:srgbClr val="00B050"/>
-                </a:solidFill>
-              </a:rPr>
-              <a:t>instrument script </a:t>
-            </a:r>
-            <a:r>
-              <a:rPr lang="en-GB" sz="2800" i="1" dirty="0">
-                <a:solidFill>
-                  <a:srgbClr val="00B050"/>
-                </a:solidFill>
-              </a:rPr>
-              <a:t>set_up_instrument.py</a:t>
-            </a:r>
-            <a:r>
-              <a:rPr lang="en-GB" sz="2800" dirty="0">
-                <a:solidFill>
-                  <a:srgbClr val="00B050"/>
-                </a:solidFill>
-              </a:rPr>
-              <a:t> in </a:t>
-            </a:r>
-            <a:r>
-              <a:rPr lang="en-GB" sz="2800" i="1" dirty="0">
-                <a:solidFill>
-                  <a:srgbClr val="00B050"/>
-                </a:solidFill>
-              </a:rPr>
-              <a:t>C:\Instrument\Settings\config\&lt;Instrument Name&gt;\Python\</a:t>
-            </a:r>
-            <a:r>
-              <a:rPr lang="en-GB" sz="2800" i="1" dirty="0" err="1">
-                <a:solidFill>
-                  <a:srgbClr val="00B050"/>
-                </a:solidFill>
-              </a:rPr>
-              <a:t>inst</a:t>
-            </a:r>
-            <a:r>
-              <a:rPr lang="en-GB" sz="2800" i="1" dirty="0">
-                <a:solidFill>
-                  <a:srgbClr val="00B050"/>
-                </a:solidFill>
-              </a:rPr>
-              <a:t>\</a:t>
-            </a:r>
-          </a:p>
-          <a:p>
-            <a:r>
-              <a:rPr lang="en-GB" sz="2800" dirty="0">
-                <a:solidFill>
-                  <a:srgbClr val="00B050"/>
-                </a:solidFill>
-              </a:rPr>
-              <a:t>In it, set the run title to a title of your choice</a:t>
-            </a:r>
-          </a:p>
-          <a:p>
-            <a:r>
-              <a:rPr lang="en-GB" sz="2800" dirty="0">
-                <a:solidFill>
-                  <a:srgbClr val="00B050"/>
-                </a:solidFill>
-              </a:rPr>
-              <a:t>Try loading the script using </a:t>
-            </a:r>
-            <a:r>
-              <a:rPr lang="en-GB" sz="2800" b="1" dirty="0">
-                <a:solidFill>
-                  <a:srgbClr val="00B050"/>
-                </a:solidFill>
-                <a:latin typeface="Courier New" panose="02070309020205020404" pitchFamily="49" charset="0"/>
-                <a:cs typeface="Courier New" panose="02070309020205020404" pitchFamily="49" charset="0"/>
-              </a:rPr>
-              <a:t>reload(</a:t>
-            </a:r>
-            <a:r>
-              <a:rPr lang="en-GB" sz="2800" b="1" dirty="0" err="1">
-                <a:solidFill>
-                  <a:srgbClr val="00B050"/>
-                </a:solidFill>
-                <a:latin typeface="Courier New" panose="02070309020205020404" pitchFamily="49" charset="0"/>
-                <a:cs typeface="Courier New" panose="02070309020205020404" pitchFamily="49" charset="0"/>
-              </a:rPr>
-              <a:t>inst</a:t>
-            </a:r>
-            <a:r>
-              <a:rPr lang="en-GB" sz="2800" b="1" dirty="0">
-                <a:solidFill>
-                  <a:srgbClr val="00B050"/>
-                </a:solidFill>
-                <a:latin typeface="Courier New" panose="02070309020205020404" pitchFamily="49" charset="0"/>
-                <a:cs typeface="Courier New" panose="02070309020205020404" pitchFamily="49" charset="0"/>
-              </a:rPr>
-              <a:t>)</a:t>
-            </a:r>
-            <a:r>
-              <a:rPr lang="en-GB" sz="2800" dirty="0">
-                <a:solidFill>
-                  <a:srgbClr val="00B050"/>
-                </a:solidFill>
-              </a:rPr>
-              <a:t>. What does it say?</a:t>
-            </a:r>
-          </a:p>
-          <a:p>
-            <a:r>
-              <a:rPr lang="en-GB" sz="2800" dirty="0">
-                <a:solidFill>
-                  <a:srgbClr val="00B050"/>
-                </a:solidFill>
-              </a:rPr>
-              <a:t>Add the import for genie_python and load the script again</a:t>
-            </a:r>
-            <a:endParaRPr lang="en-GB" sz="2800" i="1" dirty="0">
-              <a:solidFill>
-                <a:srgbClr val="00B050"/>
-              </a:solidFill>
-            </a:endParaRPr>
-          </a:p>
-          <a:p>
-            <a:r>
-              <a:rPr lang="en-GB" sz="2800" i="1" dirty="0">
-                <a:solidFill>
-                  <a:srgbClr val="00B050"/>
-                </a:solidFill>
-              </a:rPr>
-              <a:t>[5 minutes]</a:t>
-            </a:r>
-          </a:p>
-          <a:p>
-            <a:endParaRPr lang="en-GB" dirty="0"/>
-          </a:p>
-        </p:txBody>
-      </p:sp>
-    </p:spTree>
-    <p:extLst>
-      <p:ext uri="{BB962C8B-B14F-4D97-AF65-F5344CB8AC3E}">
-        <p14:creationId xmlns:p14="http://schemas.microsoft.com/office/powerpoint/2010/main" val="934777314"/>
-      </p:ext>
-    </p:extLst>
-  </p:cSld>
-  <p:clrMapOvr>
-    <a:masterClrMapping/>
-  </p:clrMapOvr>
-</p:sld>
-</file>
-
-<file path=ppt/slides/slide27.xml><?xml version="1.0" encoding="utf-8"?>
-<p:sld xmlns:a="http://schemas.openxmlformats.org/drawingml/2006/main" xmlns:r="http://schemas.openxmlformats.org/officeDocument/2006/relationships" xmlns:p="http://schemas.openxmlformats.org/presentationml/2006/main">
-  <p:cSld>
-    <p:spTree>
-      <p:nvGrpSpPr>
-        <p:cNvPr id="1" name=""/>
-        <p:cNvGrpSpPr/>
-        <p:nvPr/>
-      </p:nvGrpSpPr>
-      <p:grpSpPr>
-        <a:xfrm>
-          <a:off x="0" y="0"/>
-          <a:ext cx="0" cy="0"/>
-          <a:chOff x="0" y="0"/>
-          <a:chExt cx="0" cy="0"/>
-        </a:xfrm>
-      </p:grpSpPr>
-      <p:sp>
-        <p:nvSpPr>
-          <p:cNvPr id="2" name="Title 1"/>
-          <p:cNvSpPr>
-            <a:spLocks noGrp="1"/>
-          </p:cNvSpPr>
-          <p:nvPr>
-            <p:ph type="title"/>
-          </p:nvPr>
-        </p:nvSpPr>
-        <p:spPr/>
-        <p:txBody>
-          <a:bodyPr/>
-          <a:lstStyle/>
-          <a:p>
-            <a:r>
-              <a:rPr lang="en-GB" dirty="0" smtClean="0">
-                <a:solidFill>
-                  <a:srgbClr val="00B050"/>
-                </a:solidFill>
-              </a:rPr>
-              <a:t>Exercise</a:t>
-            </a:r>
-            <a:endParaRPr lang="en-GB" dirty="0">
-              <a:solidFill>
-                <a:srgbClr val="00B050"/>
-              </a:solidFill>
-            </a:endParaRPr>
-          </a:p>
-        </p:txBody>
-      </p:sp>
-      <p:sp>
-        <p:nvSpPr>
-          <p:cNvPr id="4" name="TextBox 3"/>
-          <p:cNvSpPr txBox="1"/>
-          <p:nvPr/>
-        </p:nvSpPr>
-        <p:spPr>
-          <a:xfrm>
-            <a:off x="457200" y="1340768"/>
-            <a:ext cx="8496944" cy="5078313"/>
-          </a:xfrm>
-          <a:prstGeom prst="rect">
-            <a:avLst/>
-          </a:prstGeom>
-          <a:noFill/>
-        </p:spPr>
-        <p:txBody>
-          <a:bodyPr wrap="square" rtlCol="0">
-            <a:spAutoFit/>
-          </a:bodyPr>
-          <a:lstStyle/>
-          <a:p>
-            <a:pPr marL="285750" indent="-285750">
-              <a:buFont typeface="Arial" panose="020B0604020202020204" pitchFamily="34" charset="0"/>
-              <a:buChar char="•"/>
-            </a:pPr>
-            <a:r>
-              <a:rPr lang="en-GB" dirty="0" smtClean="0"/>
-              <a:t>We recommend </a:t>
-            </a:r>
-            <a:r>
-              <a:rPr lang="en-GB" dirty="0"/>
-              <a:t>all executable code within a script should be contained within functions and classes. For example</a:t>
-            </a:r>
-            <a:r>
-              <a:rPr lang="en-GB" dirty="0" smtClean="0"/>
-              <a:t>:</a:t>
-            </a:r>
-          </a:p>
-          <a:p>
-            <a:pPr marL="285750" indent="-285750">
-              <a:buFont typeface="Arial" panose="020B0604020202020204" pitchFamily="34" charset="0"/>
-              <a:buChar char="•"/>
-            </a:pPr>
-            <a:endParaRPr lang="en-GB" dirty="0"/>
-          </a:p>
-          <a:p>
-            <a:pPr marL="285750" indent="-285750">
-              <a:buFont typeface="Arial" panose="020B0604020202020204" pitchFamily="34" charset="0"/>
-              <a:buChar char="•"/>
-            </a:pPr>
-            <a:endParaRPr lang="en-GB" dirty="0" smtClean="0"/>
-          </a:p>
-          <a:p>
-            <a:pPr marL="285750" indent="-285750">
-              <a:buFont typeface="Arial" panose="020B0604020202020204" pitchFamily="34" charset="0"/>
-              <a:buChar char="•"/>
-            </a:pPr>
-            <a:endParaRPr lang="en-GB" dirty="0" smtClean="0"/>
-          </a:p>
-          <a:p>
-            <a:endParaRPr lang="en-GB" dirty="0"/>
-          </a:p>
-          <a:p>
-            <a:pPr marL="285750" indent="-285750">
-              <a:buFont typeface="Arial" panose="020B0604020202020204" pitchFamily="34" charset="0"/>
-              <a:buChar char="•"/>
-            </a:pPr>
-            <a:r>
-              <a:rPr lang="en-GB" dirty="0" smtClean="0">
-                <a:solidFill>
-                  <a:srgbClr val="00B050"/>
-                </a:solidFill>
-              </a:rPr>
-              <a:t>Update </a:t>
-            </a:r>
-            <a:r>
-              <a:rPr lang="en-GB" dirty="0">
-                <a:solidFill>
-                  <a:srgbClr val="00B050"/>
-                </a:solidFill>
-              </a:rPr>
-              <a:t>your instrument script, </a:t>
-            </a:r>
-            <a:r>
-              <a:rPr lang="en-GB" i="1" dirty="0">
-                <a:solidFill>
-                  <a:srgbClr val="00B050"/>
-                </a:solidFill>
-              </a:rPr>
-              <a:t>set_up_instrument.py</a:t>
-            </a:r>
-            <a:r>
-              <a:rPr lang="en-GB" dirty="0">
-                <a:solidFill>
-                  <a:srgbClr val="00B050"/>
-                </a:solidFill>
-              </a:rPr>
-              <a:t>, so that it contains a single function</a:t>
-            </a:r>
-          </a:p>
-          <a:p>
-            <a:pPr marL="742950" lvl="1" indent="-285750">
-              <a:buFont typeface="Arial" panose="020B0604020202020204" pitchFamily="34" charset="0"/>
-              <a:buChar char="•"/>
-            </a:pPr>
-            <a:r>
-              <a:rPr lang="en-GB" dirty="0">
-                <a:solidFill>
-                  <a:srgbClr val="00B050"/>
-                </a:solidFill>
-              </a:rPr>
-              <a:t>The function should be called "</a:t>
-            </a:r>
-            <a:r>
-              <a:rPr lang="en-GB" dirty="0" err="1">
-                <a:solidFill>
-                  <a:srgbClr val="00B050"/>
-                </a:solidFill>
-              </a:rPr>
-              <a:t>set_up_instrument</a:t>
-            </a:r>
-            <a:r>
-              <a:rPr lang="en-GB" dirty="0">
-                <a:solidFill>
-                  <a:srgbClr val="00B050"/>
-                </a:solidFill>
-              </a:rPr>
-              <a:t>"</a:t>
-            </a:r>
-          </a:p>
-          <a:p>
-            <a:pPr marL="742950" lvl="1" indent="-285750">
-              <a:buFont typeface="Arial" panose="020B0604020202020204" pitchFamily="34" charset="0"/>
-              <a:buChar char="•"/>
-            </a:pPr>
-            <a:r>
-              <a:rPr lang="en-GB" dirty="0">
-                <a:solidFill>
-                  <a:srgbClr val="00B050"/>
-                </a:solidFill>
-              </a:rPr>
-              <a:t>It should set the title to "My experiment"</a:t>
-            </a:r>
-          </a:p>
-          <a:p>
-            <a:pPr marL="742950" lvl="1" indent="-285750">
-              <a:buFont typeface="Arial" panose="020B0604020202020204" pitchFamily="34" charset="0"/>
-              <a:buChar char="•"/>
-            </a:pPr>
-            <a:r>
-              <a:rPr lang="en-GB" dirty="0">
-                <a:solidFill>
-                  <a:srgbClr val="00B050"/>
-                </a:solidFill>
-              </a:rPr>
-              <a:t>It should set the username to your name</a:t>
-            </a:r>
-          </a:p>
-          <a:p>
-            <a:pPr marL="285750" indent="-285750">
-              <a:buFont typeface="Arial" panose="020B0604020202020204" pitchFamily="34" charset="0"/>
-              <a:buChar char="•"/>
-            </a:pPr>
-            <a:r>
-              <a:rPr lang="en-GB" dirty="0" smtClean="0">
-                <a:solidFill>
-                  <a:srgbClr val="00B050"/>
-                </a:solidFill>
-              </a:rPr>
-              <a:t>Create a </a:t>
-            </a:r>
-            <a:r>
-              <a:rPr lang="en-GB" b="1" dirty="0" smtClean="0">
-                <a:solidFill>
-                  <a:srgbClr val="00B050"/>
-                </a:solidFill>
-              </a:rPr>
-              <a:t>user </a:t>
-            </a:r>
-            <a:r>
-              <a:rPr lang="en-GB" b="1" dirty="0">
-                <a:solidFill>
-                  <a:srgbClr val="00B050"/>
-                </a:solidFill>
-              </a:rPr>
-              <a:t>script</a:t>
-            </a:r>
-            <a:r>
-              <a:rPr lang="en-GB" dirty="0">
-                <a:solidFill>
-                  <a:srgbClr val="00B050"/>
-                </a:solidFill>
-              </a:rPr>
-              <a:t>,</a:t>
-            </a:r>
-            <a:r>
-              <a:rPr lang="en-GB" i="1" dirty="0">
-                <a:solidFill>
-                  <a:srgbClr val="00B050"/>
-                </a:solidFill>
-              </a:rPr>
-              <a:t> run_my_experiment.py</a:t>
-            </a:r>
-            <a:r>
-              <a:rPr lang="en-GB" dirty="0">
-                <a:solidFill>
-                  <a:srgbClr val="00B050"/>
-                </a:solidFill>
-              </a:rPr>
-              <a:t> which contains a function that does the following</a:t>
-            </a:r>
-          </a:p>
-          <a:p>
-            <a:pPr marL="742950" lvl="1" indent="-285750">
-              <a:buFont typeface="Arial" panose="020B0604020202020204" pitchFamily="34" charset="0"/>
-              <a:buChar char="•"/>
-            </a:pPr>
-            <a:r>
-              <a:rPr lang="en-GB" dirty="0">
-                <a:solidFill>
-                  <a:srgbClr val="00B050"/>
-                </a:solidFill>
-              </a:rPr>
-              <a:t>Begins the run</a:t>
-            </a:r>
-          </a:p>
-          <a:p>
-            <a:pPr marL="742950" lvl="1" indent="-285750">
-              <a:buFont typeface="Arial" panose="020B0604020202020204" pitchFamily="34" charset="0"/>
-              <a:buChar char="•"/>
-            </a:pPr>
-            <a:r>
-              <a:rPr lang="en-GB" dirty="0">
-                <a:solidFill>
-                  <a:srgbClr val="00B050"/>
-                </a:solidFill>
-              </a:rPr>
-              <a:t>Prints the current </a:t>
-            </a:r>
-            <a:r>
-              <a:rPr lang="en-GB" dirty="0" err="1">
-                <a:solidFill>
-                  <a:srgbClr val="00B050"/>
-                </a:solidFill>
-              </a:rPr>
-              <a:t>uamps</a:t>
-            </a:r>
-            <a:r>
-              <a:rPr lang="en-GB" dirty="0">
-                <a:solidFill>
-                  <a:srgbClr val="00B050"/>
-                </a:solidFill>
-              </a:rPr>
-              <a:t> for the current period over 10 seconds at 1 second intervals</a:t>
-            </a:r>
-          </a:p>
-          <a:p>
-            <a:pPr marL="742950" lvl="1" indent="-285750">
-              <a:buFont typeface="Arial" panose="020B0604020202020204" pitchFamily="34" charset="0"/>
-              <a:buChar char="•"/>
-            </a:pPr>
-            <a:r>
-              <a:rPr lang="en-GB" dirty="0">
-                <a:solidFill>
-                  <a:srgbClr val="00B050"/>
-                </a:solidFill>
-              </a:rPr>
-              <a:t>Ends the </a:t>
-            </a:r>
-            <a:r>
-              <a:rPr lang="en-GB" dirty="0" smtClean="0">
-                <a:solidFill>
-                  <a:srgbClr val="00B050"/>
-                </a:solidFill>
-              </a:rPr>
-              <a:t>run</a:t>
-            </a:r>
-            <a:endParaRPr lang="en-GB" dirty="0">
-              <a:solidFill>
-                <a:srgbClr val="00B050"/>
-              </a:solidFill>
-            </a:endParaRPr>
-          </a:p>
-          <a:p>
-            <a:r>
-              <a:rPr lang="en-GB" i="1" dirty="0" smtClean="0">
-                <a:solidFill>
-                  <a:srgbClr val="00B050"/>
-                </a:solidFill>
-              </a:rPr>
-              <a:t>[15 minutes]</a:t>
-            </a:r>
-            <a:endParaRPr lang="en-GB" i="1" dirty="0">
-              <a:solidFill>
-                <a:srgbClr val="00B050"/>
-              </a:solidFill>
-            </a:endParaRPr>
-          </a:p>
-        </p:txBody>
-      </p:sp>
-      <p:sp>
-        <p:nvSpPr>
-          <p:cNvPr id="6" name="Rectangle 2"/>
-          <p:cNvSpPr>
-            <a:spLocks noChangeArrowheads="1"/>
-          </p:cNvSpPr>
-          <p:nvPr/>
-        </p:nvSpPr>
-        <p:spPr bwMode="auto">
-          <a:xfrm>
-            <a:off x="107998" y="2060848"/>
-            <a:ext cx="9036496" cy="523220"/>
-          </a:xfrm>
-          <a:prstGeom prst="rect">
-            <a:avLst/>
-          </a:prstGeom>
-          <a:solidFill>
-            <a:srgbClr val="FFFFFF"/>
-          </a:solidFill>
-          <a:ln>
-            <a:noFill/>
-          </a:ln>
-          <a:effectLst/>
-          <a:extLst>
-            <a:ext uri="{91240B29-F687-4F45-9708-019B960494DF}">
-              <a14:hiddenLine xmlns:a14="http://schemas.microsoft.com/office/drawing/2010/main" w="9525">
-                <a:solidFill>
-                  <a:schemeClr val="tx1"/>
-                </a:solidFill>
-                <a:miter lim="800000"/>
-                <a:headEnd/>
-                <a:tailEnd/>
-              </a14:hiddenLine>
-            </a:ext>
-            <a:ext uri="{AF507438-7753-43E0-B8FC-AC1667EBCBE1}">
-              <a14:hiddenEffects xmlns:a14="http://schemas.microsoft.com/office/drawing/2010/main">
-                <a:effectLst>
-                  <a:outerShdw dist="35921" dir="2700000" algn="ctr" rotWithShape="0">
-                    <a:schemeClr val="bg2"/>
-                  </a:outerShdw>
-                </a:effectLst>
-              </a14:hiddenEffects>
-            </a:ext>
-          </a:extLst>
-        </p:spPr>
-        <p:txBody>
-          <a:bodyPr vert="horz" wrap="square" lIns="91440" tIns="45720" rIns="91440" bIns="45720" numCol="1" anchor="ctr" anchorCtr="0" compatLnSpc="1">
-            <a:prstTxWarp prst="textNoShape">
-              <a:avLst/>
-            </a:prstTxWarp>
-            <a:spAutoFit/>
-          </a:bodyPr>
-          <a:lstStyle/>
-          <a:p>
-            <a:pPr marL="0" marR="0" lvl="0" indent="0" algn="l" defTabSz="914400" rtl="0" eaLnBrk="0" fontAlgn="base" latinLnBrk="0" hangingPunct="0">
-              <a:lnSpc>
-                <a:spcPct val="100000"/>
-              </a:lnSpc>
-              <a:spcBef>
-                <a:spcPct val="0"/>
-              </a:spcBef>
-              <a:spcAft>
-                <a:spcPct val="0"/>
-              </a:spcAft>
-              <a:buClrTx/>
-              <a:buSzTx/>
-              <a:buFontTx/>
-              <a:buNone/>
-              <a:tabLst/>
-            </a:pPr>
-            <a:r>
-              <a:rPr kumimoji="0" lang="en-US" altLang="en-US" sz="1400" b="1" i="0" u="none" strike="noStrike" cap="none" normalizeH="0" baseline="0" dirty="0" err="1" smtClean="0">
-                <a:ln>
-                  <a:noFill/>
-                </a:ln>
-                <a:solidFill>
-                  <a:srgbClr val="000080"/>
-                </a:solidFill>
-                <a:effectLst/>
-                <a:latin typeface="Courier New" panose="02070309020205020404" pitchFamily="49" charset="0"/>
-                <a:cs typeface="Courier New" panose="02070309020205020404" pitchFamily="49" charset="0"/>
-              </a:rPr>
-              <a:t>def</a:t>
-            </a:r>
-            <a:r>
-              <a:rPr kumimoji="0" lang="en-US" altLang="en-US" sz="1400" b="1" i="0" u="none" strike="noStrike" cap="none" normalizeH="0" baseline="0" dirty="0" smtClean="0">
-                <a:ln>
-                  <a:noFill/>
-                </a:ln>
-                <a:solidFill>
-                  <a:srgbClr val="000080"/>
-                </a:solidFill>
-                <a:effectLst/>
-                <a:latin typeface="Courier New" panose="02070309020205020404" pitchFamily="49" charset="0"/>
-                <a:cs typeface="Courier New" panose="02070309020205020404" pitchFamily="49" charset="0"/>
-              </a:rPr>
-              <a:t> </a:t>
-            </a:r>
-            <a:r>
-              <a:rPr kumimoji="0" lang="en-US" altLang="en-US" sz="1400" b="0" i="0" u="none" strike="noStrike" cap="none" normalizeH="0" baseline="0" dirty="0" err="1" smtClean="0">
-                <a:ln>
-                  <a:noFill/>
-                </a:ln>
-                <a:solidFill>
-                  <a:srgbClr val="000000"/>
-                </a:solidFill>
-                <a:effectLst/>
-                <a:latin typeface="Courier New" panose="02070309020205020404" pitchFamily="49" charset="0"/>
-                <a:cs typeface="Courier New" panose="02070309020205020404" pitchFamily="49" charset="0"/>
-              </a:rPr>
-              <a:t>my_function</a:t>
-            </a:r>
-            <a:r>
-              <a:rPr kumimoji="0" lang="en-US" altLang="en-US" sz="1400" b="0" i="0" u="none" strike="noStrike" cap="none" normalizeH="0" baseline="0" dirty="0" smtClean="0">
-                <a:ln>
-                  <a:noFill/>
-                </a:ln>
-                <a:solidFill>
-                  <a:srgbClr val="000000"/>
-                </a:solidFill>
-                <a:effectLst/>
-                <a:latin typeface="Courier New" panose="02070309020205020404" pitchFamily="49" charset="0"/>
-                <a:cs typeface="Courier New" panose="02070309020205020404" pitchFamily="49" charset="0"/>
-              </a:rPr>
-              <a:t>(arg1, arg2):</a:t>
-            </a:r>
-            <a:br>
-              <a:rPr kumimoji="0" lang="en-US" altLang="en-US" sz="1400" b="0" i="0" u="none" strike="noStrike" cap="none" normalizeH="0" baseline="0" dirty="0" smtClean="0">
-                <a:ln>
-                  <a:noFill/>
-                </a:ln>
-                <a:solidFill>
-                  <a:srgbClr val="000000"/>
-                </a:solidFill>
-                <a:effectLst/>
-                <a:latin typeface="Courier New" panose="02070309020205020404" pitchFamily="49" charset="0"/>
-                <a:cs typeface="Courier New" panose="02070309020205020404" pitchFamily="49" charset="0"/>
-              </a:rPr>
-            </a:br>
-            <a:r>
-              <a:rPr kumimoji="0" lang="en-US" altLang="en-US" sz="1400" b="0" i="0" u="none" strike="noStrike" cap="none" normalizeH="0" baseline="0" dirty="0" smtClean="0">
-                <a:ln>
-                  <a:noFill/>
-                </a:ln>
-                <a:solidFill>
-                  <a:srgbClr val="000000"/>
-                </a:solidFill>
-                <a:effectLst/>
-                <a:latin typeface="Courier New" panose="02070309020205020404" pitchFamily="49" charset="0"/>
-                <a:cs typeface="Courier New" panose="02070309020205020404" pitchFamily="49" charset="0"/>
-              </a:rPr>
-              <a:t>    </a:t>
-            </a:r>
-            <a:r>
-              <a:rPr kumimoji="0" lang="en-US" altLang="en-US" sz="1400" b="1" i="0" u="none" strike="noStrike" cap="none" normalizeH="0" baseline="0" dirty="0" smtClean="0">
-                <a:ln>
-                  <a:noFill/>
-                </a:ln>
-                <a:solidFill>
-                  <a:srgbClr val="000080"/>
-                </a:solidFill>
-                <a:effectLst/>
-                <a:latin typeface="Courier New" panose="02070309020205020404" pitchFamily="49" charset="0"/>
-                <a:cs typeface="Courier New" panose="02070309020205020404" pitchFamily="49" charset="0"/>
-              </a:rPr>
-              <a:t>print</a:t>
-            </a:r>
-            <a:r>
-              <a:rPr kumimoji="0" lang="en-US" altLang="en-US" sz="1400" b="0" i="0" u="none" strike="noStrike" cap="none" normalizeH="0" baseline="0" dirty="0" smtClean="0">
-                <a:ln>
-                  <a:noFill/>
-                </a:ln>
-                <a:solidFill>
-                  <a:srgbClr val="000000"/>
-                </a:solidFill>
-                <a:effectLst/>
-                <a:latin typeface="Courier New" panose="02070309020205020404" pitchFamily="49" charset="0"/>
-                <a:cs typeface="Courier New" panose="02070309020205020404" pitchFamily="49" charset="0"/>
-              </a:rPr>
-              <a:t>(</a:t>
-            </a:r>
-            <a:r>
-              <a:rPr kumimoji="0" lang="en-US" altLang="en-US" sz="1400" b="1" i="0" u="none" strike="noStrike" cap="none" normalizeH="0" baseline="0" dirty="0" smtClean="0">
-                <a:ln>
-                  <a:noFill/>
-                </a:ln>
-                <a:solidFill>
-                  <a:srgbClr val="008000"/>
-                </a:solidFill>
-                <a:effectLst/>
-                <a:latin typeface="Courier New" panose="02070309020205020404" pitchFamily="49" charset="0"/>
-                <a:cs typeface="Courier New" panose="02070309020205020404" pitchFamily="49" charset="0"/>
-              </a:rPr>
-              <a:t>"The first argument is {}, the second argument is {}"</a:t>
-            </a:r>
-            <a:r>
-              <a:rPr kumimoji="0" lang="en-US" altLang="en-US" sz="1400" b="0" i="0" u="none" strike="noStrike" cap="none" normalizeH="0" baseline="0" dirty="0" smtClean="0">
-                <a:ln>
-                  <a:noFill/>
-                </a:ln>
-                <a:solidFill>
-                  <a:srgbClr val="000000"/>
-                </a:solidFill>
-                <a:effectLst/>
-                <a:latin typeface="Courier New" panose="02070309020205020404" pitchFamily="49" charset="0"/>
-                <a:cs typeface="Courier New" panose="02070309020205020404" pitchFamily="49" charset="0"/>
-              </a:rPr>
-              <a:t>.format(arg1,</a:t>
-            </a:r>
-            <a:r>
-              <a:rPr kumimoji="0" lang="en-US" altLang="en-US" sz="1400" b="0" i="0" u="none" strike="noStrike" cap="none" normalizeH="0" dirty="0" smtClean="0">
-                <a:ln>
-                  <a:noFill/>
-                </a:ln>
-                <a:solidFill>
-                  <a:srgbClr val="000000"/>
-                </a:solidFill>
-                <a:effectLst/>
-                <a:latin typeface="Courier New" panose="02070309020205020404" pitchFamily="49" charset="0"/>
-                <a:cs typeface="Courier New" panose="02070309020205020404" pitchFamily="49" charset="0"/>
-              </a:rPr>
-              <a:t> </a:t>
-            </a:r>
-            <a:r>
-              <a:rPr kumimoji="0" lang="en-US" altLang="en-US" sz="1400" b="0" i="0" u="none" strike="noStrike" cap="none" normalizeH="0" baseline="0" dirty="0" smtClean="0">
-                <a:ln>
-                  <a:noFill/>
-                </a:ln>
-                <a:solidFill>
-                  <a:srgbClr val="000000"/>
-                </a:solidFill>
-                <a:effectLst/>
-                <a:latin typeface="Courier New" panose="02070309020205020404" pitchFamily="49" charset="0"/>
-                <a:cs typeface="Courier New" panose="02070309020205020404" pitchFamily="49" charset="0"/>
-              </a:rPr>
-              <a:t>arg2))</a:t>
-            </a:r>
-            <a:endParaRPr kumimoji="0" lang="en-US" altLang="en-US" sz="1400" b="0" i="0" u="none" strike="noStrike" cap="none" normalizeH="0" baseline="0" dirty="0" smtClean="0">
-              <a:ln>
-                <a:noFill/>
-              </a:ln>
-              <a:solidFill>
-                <a:schemeClr val="tx1"/>
-              </a:solidFill>
-              <a:effectLst/>
-            </a:endParaRPr>
-          </a:p>
-        </p:txBody>
-      </p:sp>
-    </p:spTree>
-    <p:extLst>
-      <p:ext uri="{BB962C8B-B14F-4D97-AF65-F5344CB8AC3E}">
-        <p14:creationId xmlns:p14="http://schemas.microsoft.com/office/powerpoint/2010/main" val="707563875"/>
-      </p:ext>
-    </p:extLst>
-  </p:cSld>
-  <p:clrMapOvr>
-    <a:masterClrMapping/>
-  </p:clrMapOvr>
-  <p:timing>
-    <p:tnLst>
-      <p:par>
-        <p:cTn id="1" dur="indefinite" restart="never" nodeType="tmRoot"/>
-      </p:par>
-    </p:tnLst>
-  </p:timing>
-</p:sld>
-</file>
-
-<file path=ppt/slides/slide28.xml><?xml version="1.0" encoding="utf-8"?>
-<p:sld xmlns:a="http://schemas.openxmlformats.org/drawingml/2006/main" xmlns:r="http://schemas.openxmlformats.org/officeDocument/2006/relationships" xmlns:p="http://schemas.openxmlformats.org/presentationml/2006/main">
-  <p:cSld>
-    <p:spTree>
-      <p:nvGrpSpPr>
-        <p:cNvPr id="1" name=""/>
-        <p:cNvGrpSpPr/>
-        <p:nvPr/>
-      </p:nvGrpSpPr>
-      <p:grpSpPr>
-        <a:xfrm>
-          <a:off x="0" y="0"/>
-          <a:ext cx="0" cy="0"/>
-          <a:chOff x="0" y="0"/>
-          <a:chExt cx="0" cy="0"/>
-        </a:xfrm>
-      </p:grpSpPr>
-      <p:sp>
-        <p:nvSpPr>
-          <p:cNvPr id="2" name="Title 1"/>
-          <p:cNvSpPr>
-            <a:spLocks noGrp="1"/>
-          </p:cNvSpPr>
-          <p:nvPr>
-            <p:ph type="title"/>
-          </p:nvPr>
-        </p:nvSpPr>
-        <p:spPr/>
-        <p:txBody>
-          <a:bodyPr/>
-          <a:lstStyle/>
-          <a:p>
-            <a:r>
-              <a:rPr lang="en-GB" dirty="0" smtClean="0">
-                <a:solidFill>
-                  <a:srgbClr val="00B050"/>
-                </a:solidFill>
-              </a:rPr>
-              <a:t>Run Exercise 1</a:t>
-            </a:r>
-            <a:endParaRPr lang="en-GB" dirty="0">
-              <a:solidFill>
-                <a:srgbClr val="00B050"/>
-              </a:solidFill>
-            </a:endParaRPr>
-          </a:p>
-        </p:txBody>
-      </p:sp>
-      <p:sp>
-        <p:nvSpPr>
-          <p:cNvPr id="4" name="TextBox 3"/>
-          <p:cNvSpPr txBox="1"/>
-          <p:nvPr/>
-        </p:nvSpPr>
-        <p:spPr>
-          <a:xfrm>
-            <a:off x="323528" y="1700808"/>
-            <a:ext cx="8496944" cy="4524315"/>
-          </a:xfrm>
-          <a:prstGeom prst="rect">
-            <a:avLst/>
-          </a:prstGeom>
-          <a:noFill/>
-        </p:spPr>
-        <p:txBody>
-          <a:bodyPr wrap="square" rtlCol="0">
-            <a:spAutoFit/>
-          </a:bodyPr>
-          <a:lstStyle/>
-          <a:p>
-            <a:pPr marL="342900" indent="-342900">
-              <a:lnSpc>
-                <a:spcPct val="150000"/>
-              </a:lnSpc>
-              <a:buFont typeface="Arial" panose="020B0604020202020204" pitchFamily="34" charset="0"/>
-              <a:buChar char="•"/>
-            </a:pPr>
-            <a:r>
-              <a:rPr lang="en-GB" sz="2400" dirty="0"/>
-              <a:t>I</a:t>
-            </a:r>
-            <a:r>
-              <a:rPr lang="en-GB" sz="2400" dirty="0" smtClean="0"/>
-              <a:t>nstrument script functions can be called with </a:t>
-            </a:r>
-            <a:r>
-              <a:rPr lang="en-GB" sz="2400" dirty="0">
-                <a:solidFill>
-                  <a:schemeClr val="accent2"/>
-                </a:solidFill>
-                <a:latin typeface="Consolas" panose="020B0609020204030204" pitchFamily="49" charset="0"/>
-                <a:cs typeface="Consolas" panose="020B0609020204030204" pitchFamily="49" charset="0"/>
-              </a:rPr>
-              <a:t>inst.[</a:t>
-            </a:r>
-            <a:r>
-              <a:rPr lang="en-GB" sz="2400" dirty="0" err="1">
-                <a:solidFill>
-                  <a:schemeClr val="accent2"/>
-                </a:solidFill>
-                <a:latin typeface="Consolas" panose="020B0609020204030204" pitchFamily="49" charset="0"/>
-                <a:cs typeface="Consolas" panose="020B0609020204030204" pitchFamily="49" charset="0"/>
-              </a:rPr>
-              <a:t>function_name</a:t>
-            </a:r>
-            <a:r>
-              <a:rPr lang="en-GB" sz="2400" dirty="0">
-                <a:solidFill>
-                  <a:schemeClr val="accent2"/>
-                </a:solidFill>
-                <a:latin typeface="Consolas" panose="020B0609020204030204" pitchFamily="49" charset="0"/>
-                <a:cs typeface="Consolas" panose="020B0609020204030204" pitchFamily="49" charset="0"/>
-              </a:rPr>
-              <a:t>](</a:t>
-            </a:r>
-            <a:r>
-              <a:rPr lang="en-GB" sz="2400" dirty="0" err="1">
-                <a:solidFill>
-                  <a:schemeClr val="accent2"/>
-                </a:solidFill>
-                <a:latin typeface="Consolas" panose="020B0609020204030204" pitchFamily="49" charset="0"/>
-                <a:cs typeface="Consolas" panose="020B0609020204030204" pitchFamily="49" charset="0"/>
-              </a:rPr>
-              <a:t>args</a:t>
-            </a:r>
-            <a:r>
-              <a:rPr lang="en-GB" sz="2400" dirty="0" smtClean="0">
-                <a:solidFill>
-                  <a:schemeClr val="accent2"/>
-                </a:solidFill>
-                <a:latin typeface="Consolas" panose="020B0609020204030204" pitchFamily="49" charset="0"/>
-                <a:cs typeface="Consolas" panose="020B0609020204030204" pitchFamily="49" charset="0"/>
-              </a:rPr>
-              <a:t>)</a:t>
-            </a:r>
-            <a:r>
-              <a:rPr lang="en-GB" sz="2400" dirty="0" smtClean="0"/>
-              <a:t>, for example:</a:t>
-            </a:r>
-          </a:p>
-          <a:p>
-            <a:pPr marL="800100" lvl="1" indent="-342900">
-              <a:lnSpc>
-                <a:spcPct val="150000"/>
-              </a:lnSpc>
-              <a:buFont typeface="Arial" panose="020B0604020202020204" pitchFamily="34" charset="0"/>
-              <a:buChar char="•"/>
-            </a:pPr>
-            <a:r>
-              <a:rPr lang="en-GB" sz="2400" dirty="0" err="1">
-                <a:solidFill>
-                  <a:schemeClr val="accent2"/>
-                </a:solidFill>
-                <a:latin typeface="Consolas" panose="020B0609020204030204" pitchFamily="49" charset="0"/>
-                <a:cs typeface="Consolas" panose="020B0609020204030204" pitchFamily="49" charset="0"/>
-              </a:rPr>
-              <a:t>inst.my_method</a:t>
-            </a:r>
-            <a:r>
-              <a:rPr lang="en-GB" sz="2400" dirty="0">
-                <a:solidFill>
-                  <a:schemeClr val="accent2"/>
-                </a:solidFill>
-                <a:latin typeface="Consolas" panose="020B0609020204030204" pitchFamily="49" charset="0"/>
-                <a:cs typeface="Consolas" panose="020B0609020204030204" pitchFamily="49" charset="0"/>
-              </a:rPr>
-              <a:t>("MY_BLOCK") </a:t>
-            </a:r>
-          </a:p>
-          <a:p>
-            <a:pPr marL="342900" indent="-342900">
-              <a:lnSpc>
-                <a:spcPct val="150000"/>
-              </a:lnSpc>
-              <a:buFont typeface="Arial" panose="020B0604020202020204" pitchFamily="34" charset="0"/>
-              <a:buChar char="•"/>
-            </a:pPr>
-            <a:r>
-              <a:rPr lang="en-GB" sz="2400" dirty="0" smtClean="0"/>
-              <a:t>The IBEX </a:t>
-            </a:r>
-            <a:r>
-              <a:rPr lang="en-GB" sz="2400" dirty="0"/>
-              <a:t>scripting perspective will provide auto-completion for instrument methods so you can see what is </a:t>
-            </a:r>
-            <a:r>
-              <a:rPr lang="en-GB" sz="2400" dirty="0" smtClean="0"/>
-              <a:t>available</a:t>
-            </a:r>
-            <a:endParaRPr lang="en-GB" sz="2400" dirty="0"/>
-          </a:p>
-          <a:p>
-            <a:pPr marL="342900" indent="-342900">
-              <a:lnSpc>
-                <a:spcPct val="150000"/>
-              </a:lnSpc>
-              <a:buFont typeface="Arial" panose="020B0604020202020204" pitchFamily="34" charset="0"/>
-              <a:buChar char="•"/>
-            </a:pPr>
-            <a:r>
-              <a:rPr lang="en-GB" sz="2400" dirty="0">
-                <a:solidFill>
-                  <a:srgbClr val="00B050"/>
-                </a:solidFill>
-              </a:rPr>
-              <a:t>Run the instrument </a:t>
-            </a:r>
-            <a:r>
-              <a:rPr lang="en-GB" sz="2400" dirty="0" smtClean="0">
-                <a:solidFill>
-                  <a:srgbClr val="00B050"/>
-                </a:solidFill>
-              </a:rPr>
-              <a:t>function </a:t>
-            </a:r>
-            <a:r>
-              <a:rPr lang="en-GB" sz="2400" dirty="0">
-                <a:solidFill>
-                  <a:srgbClr val="00B050"/>
-                </a:solidFill>
-              </a:rPr>
-              <a:t>you </a:t>
-            </a:r>
-            <a:r>
-              <a:rPr lang="en-GB" sz="2400" dirty="0" smtClean="0">
-                <a:solidFill>
-                  <a:srgbClr val="00B050"/>
-                </a:solidFill>
-              </a:rPr>
-              <a:t>wrote earlier</a:t>
-            </a:r>
-          </a:p>
-          <a:p>
-            <a:pPr>
-              <a:lnSpc>
-                <a:spcPct val="150000"/>
-              </a:lnSpc>
-            </a:pPr>
-            <a:r>
-              <a:rPr lang="en-GB" sz="2400" i="1" dirty="0" smtClean="0">
-                <a:solidFill>
-                  <a:srgbClr val="00B050"/>
-                </a:solidFill>
-              </a:rPr>
-              <a:t>[2 minutes]</a:t>
-            </a:r>
-            <a:endParaRPr lang="en-GB" sz="2400" i="1" dirty="0">
-              <a:solidFill>
-                <a:srgbClr val="00B050"/>
-              </a:solidFill>
-            </a:endParaRPr>
-          </a:p>
-        </p:txBody>
-      </p:sp>
-    </p:spTree>
-    <p:extLst>
-      <p:ext uri="{BB962C8B-B14F-4D97-AF65-F5344CB8AC3E}">
-        <p14:creationId xmlns:p14="http://schemas.microsoft.com/office/powerpoint/2010/main" val="2846568426"/>
-      </p:ext>
-    </p:extLst>
-  </p:cSld>
-  <p:clrMapOvr>
-    <a:masterClrMapping/>
-  </p:clrMapOvr>
-  <p:timing>
-    <p:tnLst>
-      <p:par>
-        <p:cTn id="1" dur="indefinite" restart="never" nodeType="tmRoot"/>
-      </p:par>
-    </p:tnLst>
-  </p:timing>
-</p:sld>
-</file>
-
-<file path=ppt/slides/slide29.xml><?xml version="1.0" encoding="utf-8"?>
-<p:sld xmlns:a="http://schemas.openxmlformats.org/drawingml/2006/main" xmlns:r="http://schemas.openxmlformats.org/officeDocument/2006/relationships" xmlns:p="http://schemas.openxmlformats.org/presentationml/2006/main">
-  <p:cSld>
-    <p:spTree>
-      <p:nvGrpSpPr>
-        <p:cNvPr id="1" name=""/>
-        <p:cNvGrpSpPr/>
-        <p:nvPr/>
-      </p:nvGrpSpPr>
-      <p:grpSpPr>
-        <a:xfrm>
-          <a:off x="0" y="0"/>
-          <a:ext cx="0" cy="0"/>
-          <a:chOff x="0" y="0"/>
-          <a:chExt cx="0" cy="0"/>
-        </a:xfrm>
-      </p:grpSpPr>
-      <p:sp>
-        <p:nvSpPr>
-          <p:cNvPr id="2" name="Title 1"/>
-          <p:cNvSpPr>
-            <a:spLocks noGrp="1"/>
-          </p:cNvSpPr>
-          <p:nvPr>
-            <p:ph type="title"/>
-          </p:nvPr>
-        </p:nvSpPr>
-        <p:spPr/>
-        <p:txBody>
-          <a:bodyPr/>
-          <a:lstStyle/>
-          <a:p>
-            <a:r>
-              <a:rPr lang="en-GB" dirty="0" smtClean="0">
-                <a:solidFill>
-                  <a:srgbClr val="00B050"/>
-                </a:solidFill>
-              </a:rPr>
-              <a:t>Run Exercise 2</a:t>
             </a:r>
             <a:endParaRPr lang="en-GB" dirty="0">
               <a:solidFill>
@@ -14831,6 +13454,11 @@
               </a:rPr>
               <a:t>earlier</a:t>
             </a:r>
+            <a:endParaRPr lang="en-GB" sz="2400" dirty="0" smtClean="0">
+              <a:solidFill>
+                <a:srgbClr val="00B050"/>
+              </a:solidFill>
+            </a:endParaRPr>
           </a:p>
           <a:p>
             <a:r>
@@ -14930,6 +13558,1234 @@
 </p:sld>
 </file>
 
+<file path=ppt/slides/slide27.xml><?xml version="1.0" encoding="utf-8"?>
+<p:sld xmlns:a="http://schemas.openxmlformats.org/drawingml/2006/main" xmlns:r="http://schemas.openxmlformats.org/officeDocument/2006/relationships" xmlns:p="http://schemas.openxmlformats.org/presentationml/2006/main">
+  <p:cSld>
+    <p:spTree>
+      <p:nvGrpSpPr>
+        <p:cNvPr id="1" name=""/>
+        <p:cNvGrpSpPr/>
+        <p:nvPr/>
+      </p:nvGrpSpPr>
+      <p:grpSpPr>
+        <a:xfrm>
+          <a:off x="0" y="0"/>
+          <a:ext cx="0" cy="0"/>
+          <a:chOff x="0" y="0"/>
+          <a:chExt cx="0" cy="0"/>
+        </a:xfrm>
+      </p:grpSpPr>
+      <p:sp>
+        <p:nvSpPr>
+          <p:cNvPr id="2" name="Title 1"/>
+          <p:cNvSpPr>
+            <a:spLocks noGrp="1"/>
+          </p:cNvSpPr>
+          <p:nvPr>
+            <p:ph type="title"/>
+          </p:nvPr>
+        </p:nvSpPr>
+        <p:spPr>
+          <a:xfrm>
+            <a:off x="467544" y="197768"/>
+            <a:ext cx="8229600" cy="1143000"/>
+          </a:xfrm>
+        </p:spPr>
+        <p:txBody>
+          <a:bodyPr/>
+          <a:lstStyle/>
+          <a:p>
+            <a:r>
+              <a:rPr lang="en-GB" dirty="0" smtClean="0"/>
+              <a:t>Instrument Scripts</a:t>
+            </a:r>
+            <a:endParaRPr lang="en-GB" dirty="0">
+              <a:solidFill>
+                <a:srgbClr val="00B050"/>
+              </a:solidFill>
+            </a:endParaRPr>
+          </a:p>
+        </p:txBody>
+      </p:sp>
+      <p:sp>
+        <p:nvSpPr>
+          <p:cNvPr id="4" name="TextBox 3"/>
+          <p:cNvSpPr txBox="1"/>
+          <p:nvPr/>
+        </p:nvSpPr>
+        <p:spPr>
+          <a:xfrm>
+            <a:off x="251520" y="1340768"/>
+            <a:ext cx="8892480" cy="5386090"/>
+          </a:xfrm>
+          <a:prstGeom prst="rect">
+            <a:avLst/>
+          </a:prstGeom>
+          <a:noFill/>
+        </p:spPr>
+        <p:txBody>
+          <a:bodyPr wrap="square" rtlCol="0">
+            <a:spAutoFit/>
+          </a:bodyPr>
+          <a:lstStyle/>
+          <a:p>
+            <a:pPr marL="342900" indent="-342900">
+              <a:buFont typeface="Arial" panose="020B0604020202020204" pitchFamily="34" charset="0"/>
+              <a:buChar char="•"/>
+            </a:pPr>
+            <a:r>
+              <a:rPr lang="en-GB" sz="2400" b="1" dirty="0"/>
+              <a:t>Instrument scripts </a:t>
+            </a:r>
+            <a:r>
+              <a:rPr lang="en-GB" sz="2400" dirty="0" smtClean="0"/>
+              <a:t>are located </a:t>
+            </a:r>
+            <a:r>
+              <a:rPr lang="en-GB" sz="2400" dirty="0"/>
+              <a:t>in: </a:t>
+            </a:r>
+            <a:endParaRPr lang="en-GB" sz="2400" dirty="0" smtClean="0"/>
+          </a:p>
+          <a:p>
+            <a:pPr marL="800100" lvl="1" indent="-342900">
+              <a:buFont typeface="Arial" panose="020B0604020202020204" pitchFamily="34" charset="0"/>
+              <a:buChar char="•"/>
+            </a:pPr>
+            <a:r>
+              <a:rPr lang="en-GB" sz="2400" i="1" dirty="0"/>
+              <a:t>C:\</a:t>
+            </a:r>
+            <a:r>
+              <a:rPr lang="en-GB" sz="2400" i="1" dirty="0" smtClean="0"/>
+              <a:t>Instrument\Settings\config\&lt;Instrument name&gt;\Python\</a:t>
+            </a:r>
+            <a:r>
+              <a:rPr lang="en-GB" sz="2400" i="1" dirty="0" err="1" smtClean="0"/>
+              <a:t>inst</a:t>
+            </a:r>
+            <a:r>
+              <a:rPr lang="en-GB" sz="2400" i="1" dirty="0" smtClean="0"/>
+              <a:t>\</a:t>
+            </a:r>
+          </a:p>
+          <a:p>
+            <a:pPr marL="800100" lvl="1" indent="-342900">
+              <a:buFont typeface="Arial" panose="020B0604020202020204" pitchFamily="34" charset="0"/>
+              <a:buChar char="•"/>
+            </a:pPr>
+            <a:endParaRPr lang="en-GB" sz="2400" dirty="0"/>
+          </a:p>
+          <a:p>
+            <a:pPr marL="342900" indent="-342900">
+              <a:buFont typeface="Arial" panose="020B0604020202020204" pitchFamily="34" charset="0"/>
+              <a:buChar char="•"/>
+            </a:pPr>
+            <a:r>
+              <a:rPr lang="en-GB" sz="2400" dirty="0" smtClean="0"/>
+              <a:t>IBEX </a:t>
+            </a:r>
+            <a:r>
+              <a:rPr lang="en-GB" sz="2400" dirty="0"/>
+              <a:t>puts all </a:t>
+            </a:r>
+            <a:r>
+              <a:rPr lang="en-GB" sz="2400" dirty="0" smtClean="0"/>
+              <a:t>Instrument </a:t>
+            </a:r>
+            <a:r>
+              <a:rPr lang="en-GB" sz="2400" dirty="0"/>
+              <a:t>scripts under version </a:t>
+            </a:r>
+            <a:r>
+              <a:rPr lang="en-GB" sz="2400" dirty="0" smtClean="0"/>
+              <a:t>control.</a:t>
+            </a:r>
+          </a:p>
+          <a:p>
+            <a:pPr marL="342900" indent="-342900">
+              <a:buFont typeface="Arial" panose="020B0604020202020204" pitchFamily="34" charset="0"/>
+              <a:buChar char="•"/>
+            </a:pPr>
+            <a:endParaRPr lang="en-GB" sz="2400" dirty="0" smtClean="0"/>
+          </a:p>
+          <a:p>
+            <a:pPr marL="342900" indent="-342900">
+              <a:buFont typeface="Arial" panose="020B0604020202020204" pitchFamily="34" charset="0"/>
+              <a:buChar char="•"/>
+            </a:pPr>
+            <a:r>
+              <a:rPr lang="en-GB" sz="2400" dirty="0" smtClean="0"/>
+              <a:t>Instrument </a:t>
+            </a:r>
+            <a:r>
+              <a:rPr lang="en-GB" sz="2400" dirty="0"/>
+              <a:t>scripts are loaded automatically when you open the scripting </a:t>
+            </a:r>
+            <a:r>
+              <a:rPr lang="en-GB" sz="2400" dirty="0" smtClean="0"/>
+              <a:t>perspective, or by calling </a:t>
+            </a:r>
+            <a:r>
+              <a:rPr lang="en-GB" sz="2400" dirty="0" smtClean="0">
+                <a:solidFill>
+                  <a:srgbClr val="C00000"/>
+                </a:solidFill>
+                <a:latin typeface="Courier New" panose="02070309020205020404" pitchFamily="49" charset="0"/>
+                <a:cs typeface="Courier New" panose="02070309020205020404" pitchFamily="49" charset="0"/>
+              </a:rPr>
+              <a:t>reload(</a:t>
+            </a:r>
+            <a:r>
+              <a:rPr lang="en-GB" sz="2400" dirty="0" err="1" smtClean="0">
+                <a:solidFill>
+                  <a:srgbClr val="C00000"/>
+                </a:solidFill>
+                <a:latin typeface="Courier New" panose="02070309020205020404" pitchFamily="49" charset="0"/>
+                <a:cs typeface="Courier New" panose="02070309020205020404" pitchFamily="49" charset="0"/>
+              </a:rPr>
+              <a:t>inst</a:t>
+            </a:r>
+            <a:r>
+              <a:rPr lang="en-GB" sz="2400" dirty="0" smtClean="0">
+                <a:solidFill>
+                  <a:srgbClr val="C00000"/>
+                </a:solidFill>
+                <a:latin typeface="Courier New" panose="02070309020205020404" pitchFamily="49" charset="0"/>
+                <a:cs typeface="Courier New" panose="02070309020205020404" pitchFamily="49" charset="0"/>
+              </a:rPr>
+              <a:t>)</a:t>
+            </a:r>
+            <a:r>
+              <a:rPr lang="en-GB" sz="2400" dirty="0" smtClean="0">
+                <a:latin typeface="Courier New" panose="02070309020205020404" pitchFamily="49" charset="0"/>
+                <a:cs typeface="Courier New" panose="02070309020205020404" pitchFamily="49" charset="0"/>
+              </a:rPr>
+              <a:t>.</a:t>
+            </a:r>
+            <a:endParaRPr lang="en-GB" sz="2400" dirty="0" smtClean="0">
+              <a:solidFill>
+                <a:srgbClr val="C00000"/>
+              </a:solidFill>
+              <a:latin typeface="Courier New" panose="02070309020205020404" pitchFamily="49" charset="0"/>
+              <a:cs typeface="Courier New" panose="02070309020205020404" pitchFamily="49" charset="0"/>
+            </a:endParaRPr>
+          </a:p>
+          <a:p>
+            <a:pPr marL="285750" indent="-285750">
+              <a:buFont typeface="Arial" panose="020B0604020202020204" pitchFamily="34" charset="0"/>
+              <a:buChar char="•"/>
+            </a:pPr>
+            <a:endParaRPr lang="en-GB" sz="2400" dirty="0"/>
+          </a:p>
+          <a:p>
+            <a:pPr marL="285750" indent="-285750">
+              <a:buFont typeface="Arial" panose="020B0604020202020204" pitchFamily="34" charset="0"/>
+              <a:buChar char="•"/>
+            </a:pPr>
+            <a:r>
+              <a:rPr lang="en-GB" sz="2400" dirty="0"/>
+              <a:t>Instrument scripts should start with </a:t>
+            </a:r>
+            <a:r>
+              <a:rPr lang="en-GB" sz="2400" dirty="0">
+                <a:solidFill>
+                  <a:srgbClr val="C00000"/>
+                </a:solidFill>
+                <a:latin typeface="Courier New" panose="02070309020205020404" pitchFamily="49" charset="0"/>
+                <a:cs typeface="Courier New" panose="02070309020205020404" pitchFamily="49" charset="0"/>
+              </a:rPr>
+              <a:t>from genie_python import genie as </a:t>
+            </a:r>
+            <a:r>
+              <a:rPr lang="en-GB" sz="2400" dirty="0" smtClean="0">
+                <a:solidFill>
+                  <a:srgbClr val="C00000"/>
+                </a:solidFill>
+                <a:latin typeface="Courier New" panose="02070309020205020404" pitchFamily="49" charset="0"/>
+                <a:cs typeface="Courier New" panose="02070309020205020404" pitchFamily="49" charset="0"/>
+              </a:rPr>
+              <a:t>g</a:t>
+            </a:r>
+            <a:r>
+              <a:rPr lang="en-GB" sz="2400" b="1" dirty="0" smtClean="0">
+                <a:solidFill>
+                  <a:schemeClr val="accent2"/>
+                </a:solidFill>
+                <a:latin typeface="Courier New" panose="02070309020205020404" pitchFamily="49" charset="0"/>
+                <a:cs typeface="Courier New" panose="02070309020205020404" pitchFamily="49" charset="0"/>
+              </a:rPr>
+              <a:t> </a:t>
+            </a:r>
+            <a:r>
+              <a:rPr lang="en-GB" sz="2400" dirty="0" smtClean="0"/>
+              <a:t>(otherwise genie_python commands will not be available)</a:t>
+            </a:r>
+            <a:endParaRPr lang="en-GB" sz="2400" dirty="0"/>
+          </a:p>
+          <a:p>
+            <a:endParaRPr lang="en-GB" sz="2000" b="1" dirty="0" smtClean="0">
+              <a:solidFill>
+                <a:schemeClr val="accent2"/>
+              </a:solidFill>
+              <a:latin typeface="Courier New" panose="02070309020205020404" pitchFamily="49" charset="0"/>
+              <a:cs typeface="Courier New" panose="02070309020205020404" pitchFamily="49" charset="0"/>
+            </a:endParaRPr>
+          </a:p>
+          <a:p>
+            <a:pPr marL="342900" indent="-342900">
+              <a:buFont typeface="Arial" panose="020B0604020202020204" pitchFamily="34" charset="0"/>
+              <a:buChar char="•"/>
+            </a:pPr>
+            <a:endParaRPr lang="en-GB" b="1" dirty="0">
+              <a:solidFill>
+                <a:schemeClr val="accent2"/>
+              </a:solidFill>
+              <a:latin typeface="Courier New" panose="02070309020205020404" pitchFamily="49" charset="0"/>
+              <a:cs typeface="Courier New" panose="02070309020205020404" pitchFamily="49" charset="0"/>
+            </a:endParaRPr>
+          </a:p>
+          <a:p>
+            <a:pPr marL="800100" lvl="1" indent="-342900">
+              <a:buFont typeface="Arial" panose="020B0604020202020204" pitchFamily="34" charset="0"/>
+              <a:buChar char="•"/>
+            </a:pPr>
+            <a:endParaRPr lang="en-GB" dirty="0"/>
+          </a:p>
+        </p:txBody>
+      </p:sp>
+    </p:spTree>
+    <p:extLst>
+      <p:ext uri="{BB962C8B-B14F-4D97-AF65-F5344CB8AC3E}">
+        <p14:creationId xmlns:p14="http://schemas.microsoft.com/office/powerpoint/2010/main" val="730955884"/>
+      </p:ext>
+    </p:extLst>
+  </p:cSld>
+  <p:clrMapOvr>
+    <a:masterClrMapping/>
+  </p:clrMapOvr>
+  <p:timing>
+    <p:tnLst>
+      <p:par>
+        <p:cTn id="1" dur="indefinite" restart="never" nodeType="tmRoot"/>
+      </p:par>
+    </p:tnLst>
+  </p:timing>
+</p:sld>
+</file>
+
+<file path=ppt/slides/slide28.xml><?xml version="1.0" encoding="utf-8"?>
+<p:sld xmlns:a="http://schemas.openxmlformats.org/drawingml/2006/main" xmlns:r="http://schemas.openxmlformats.org/officeDocument/2006/relationships" xmlns:p="http://schemas.openxmlformats.org/presentationml/2006/main">
+  <p:cSld>
+    <p:spTree>
+      <p:nvGrpSpPr>
+        <p:cNvPr id="1" name=""/>
+        <p:cNvGrpSpPr/>
+        <p:nvPr/>
+      </p:nvGrpSpPr>
+      <p:grpSpPr>
+        <a:xfrm>
+          <a:off x="0" y="0"/>
+          <a:ext cx="0" cy="0"/>
+          <a:chOff x="0" y="0"/>
+          <a:chExt cx="0" cy="0"/>
+        </a:xfrm>
+      </p:grpSpPr>
+      <p:sp>
+        <p:nvSpPr>
+          <p:cNvPr id="2" name="Title 1"/>
+          <p:cNvSpPr>
+            <a:spLocks noGrp="1"/>
+          </p:cNvSpPr>
+          <p:nvPr>
+            <p:ph type="title"/>
+          </p:nvPr>
+        </p:nvSpPr>
+        <p:spPr/>
+        <p:txBody>
+          <a:bodyPr/>
+          <a:lstStyle/>
+          <a:p>
+            <a:r>
+              <a:rPr lang="en-GB" dirty="0" smtClean="0">
+                <a:solidFill>
+                  <a:srgbClr val="00B050"/>
+                </a:solidFill>
+              </a:rPr>
+              <a:t>Exercise</a:t>
+            </a:r>
+            <a:endParaRPr lang="en-GB" dirty="0">
+              <a:solidFill>
+                <a:srgbClr val="00B050"/>
+              </a:solidFill>
+            </a:endParaRPr>
+          </a:p>
+        </p:txBody>
+      </p:sp>
+      <p:sp>
+        <p:nvSpPr>
+          <p:cNvPr id="4" name="TextBox 3"/>
+          <p:cNvSpPr txBox="1"/>
+          <p:nvPr/>
+        </p:nvSpPr>
+        <p:spPr>
+          <a:xfrm>
+            <a:off x="457200" y="1340768"/>
+            <a:ext cx="8496944" cy="3970318"/>
+          </a:xfrm>
+          <a:prstGeom prst="rect">
+            <a:avLst/>
+          </a:prstGeom>
+          <a:noFill/>
+        </p:spPr>
+        <p:txBody>
+          <a:bodyPr wrap="square" rtlCol="0">
+            <a:spAutoFit/>
+          </a:bodyPr>
+          <a:lstStyle/>
+          <a:p>
+            <a:pPr marL="285750" indent="-285750">
+              <a:buFont typeface="Arial" panose="020B0604020202020204" pitchFamily="34" charset="0"/>
+              <a:buChar char="•"/>
+            </a:pPr>
+            <a:r>
+              <a:rPr lang="en-GB" dirty="0" smtClean="0"/>
+              <a:t>We recommend </a:t>
+            </a:r>
+            <a:r>
+              <a:rPr lang="en-GB" dirty="0"/>
+              <a:t>all executable code within a script should be contained within functions and classes. For example</a:t>
+            </a:r>
+            <a:r>
+              <a:rPr lang="en-GB" dirty="0" smtClean="0"/>
+              <a:t>:</a:t>
+            </a:r>
+          </a:p>
+          <a:p>
+            <a:pPr marL="285750" indent="-285750">
+              <a:buFont typeface="Arial" panose="020B0604020202020204" pitchFamily="34" charset="0"/>
+              <a:buChar char="•"/>
+            </a:pPr>
+            <a:endParaRPr lang="en-GB" dirty="0"/>
+          </a:p>
+          <a:p>
+            <a:pPr marL="285750" indent="-285750">
+              <a:buFont typeface="Arial" panose="020B0604020202020204" pitchFamily="34" charset="0"/>
+              <a:buChar char="•"/>
+            </a:pPr>
+            <a:endParaRPr lang="en-GB" dirty="0" smtClean="0"/>
+          </a:p>
+          <a:p>
+            <a:pPr marL="285750" indent="-285750">
+              <a:buFont typeface="Arial" panose="020B0604020202020204" pitchFamily="34" charset="0"/>
+              <a:buChar char="•"/>
+            </a:pPr>
+            <a:endParaRPr lang="en-GB" dirty="0" smtClean="0"/>
+          </a:p>
+          <a:p>
+            <a:endParaRPr lang="en-GB" dirty="0" smtClean="0"/>
+          </a:p>
+          <a:p>
+            <a:pPr marL="285750" indent="-285750">
+              <a:buFont typeface="Arial" panose="020B0604020202020204" pitchFamily="34" charset="0"/>
+              <a:buChar char="•"/>
+            </a:pPr>
+            <a:r>
+              <a:rPr lang="en-GB" dirty="0">
+                <a:solidFill>
+                  <a:srgbClr val="00B050"/>
+                </a:solidFill>
+              </a:rPr>
+              <a:t>Create an </a:t>
+            </a:r>
+            <a:r>
+              <a:rPr lang="en-GB" b="1" dirty="0">
+                <a:solidFill>
+                  <a:srgbClr val="00B050"/>
+                </a:solidFill>
+              </a:rPr>
+              <a:t>instrument script </a:t>
+            </a:r>
+            <a:r>
+              <a:rPr lang="en-GB" i="1" dirty="0">
+                <a:solidFill>
+                  <a:srgbClr val="00B050"/>
+                </a:solidFill>
+              </a:rPr>
+              <a:t>set_up_instrument.py</a:t>
+            </a:r>
+            <a:r>
+              <a:rPr lang="en-GB" dirty="0">
+                <a:solidFill>
+                  <a:srgbClr val="00B050"/>
+                </a:solidFill>
+              </a:rPr>
+              <a:t> in </a:t>
+            </a:r>
+            <a:r>
+              <a:rPr lang="en-GB" i="1" dirty="0">
+                <a:solidFill>
+                  <a:srgbClr val="00B050"/>
+                </a:solidFill>
+              </a:rPr>
+              <a:t>C:\Instrument\Settings\config\&lt;Instrument Name&gt;\Python\</a:t>
+            </a:r>
+            <a:r>
+              <a:rPr lang="en-GB" i="1" dirty="0" err="1">
+                <a:solidFill>
+                  <a:srgbClr val="00B050"/>
+                </a:solidFill>
+              </a:rPr>
+              <a:t>inst</a:t>
+            </a:r>
+            <a:r>
+              <a:rPr lang="en-GB" i="1" dirty="0">
+                <a:solidFill>
+                  <a:srgbClr val="00B050"/>
+                </a:solidFill>
+              </a:rPr>
+              <a:t>\</a:t>
+            </a:r>
+          </a:p>
+          <a:p>
+            <a:pPr marL="285750" indent="-285750">
+              <a:buFont typeface="Arial" panose="020B0604020202020204" pitchFamily="34" charset="0"/>
+              <a:buChar char="•"/>
+            </a:pPr>
+            <a:r>
+              <a:rPr lang="en-GB" dirty="0" smtClean="0">
+                <a:solidFill>
+                  <a:srgbClr val="00B050"/>
+                </a:solidFill>
+              </a:rPr>
+              <a:t>In this script </a:t>
+            </a:r>
+            <a:r>
+              <a:rPr lang="en-GB" dirty="0" smtClean="0">
+                <a:solidFill>
+                  <a:srgbClr val="00B050"/>
+                </a:solidFill>
+              </a:rPr>
+              <a:t>add:</a:t>
+            </a:r>
+          </a:p>
+          <a:p>
+            <a:pPr marL="742950" lvl="1" indent="-285750">
+              <a:buFont typeface="Arial" panose="020B0604020202020204" pitchFamily="34" charset="0"/>
+              <a:buChar char="•"/>
+            </a:pPr>
+            <a:r>
+              <a:rPr lang="en-GB" dirty="0" smtClean="0">
+                <a:solidFill>
+                  <a:srgbClr val="C00000"/>
+                </a:solidFill>
+              </a:rPr>
+              <a:t>from </a:t>
+            </a:r>
+            <a:r>
+              <a:rPr lang="en-GB" dirty="0" err="1">
+                <a:solidFill>
+                  <a:srgbClr val="C00000"/>
+                </a:solidFill>
+              </a:rPr>
+              <a:t>genie_python</a:t>
+            </a:r>
+            <a:r>
+              <a:rPr lang="en-GB" dirty="0">
+                <a:solidFill>
+                  <a:srgbClr val="C00000"/>
+                </a:solidFill>
+              </a:rPr>
+              <a:t> import genie as </a:t>
+            </a:r>
+            <a:r>
+              <a:rPr lang="en-GB" dirty="0" smtClean="0">
+                <a:solidFill>
+                  <a:srgbClr val="C00000"/>
+                </a:solidFill>
+              </a:rPr>
+              <a:t>g</a:t>
+            </a:r>
+          </a:p>
+          <a:p>
+            <a:pPr marL="742950" lvl="1" indent="-285750">
+              <a:buFont typeface="Arial" panose="020B0604020202020204" pitchFamily="34" charset="0"/>
+              <a:buChar char="•"/>
+            </a:pPr>
+            <a:r>
+              <a:rPr lang="en-GB" dirty="0" smtClean="0">
+                <a:solidFill>
+                  <a:srgbClr val="00B050"/>
+                </a:solidFill>
+              </a:rPr>
+              <a:t>A </a:t>
+            </a:r>
+            <a:r>
+              <a:rPr lang="en-GB" dirty="0">
+                <a:solidFill>
+                  <a:srgbClr val="00B050"/>
+                </a:solidFill>
+              </a:rPr>
+              <a:t>function </a:t>
+            </a:r>
+            <a:r>
+              <a:rPr lang="en-GB" dirty="0" smtClean="0">
+                <a:solidFill>
+                  <a:srgbClr val="00B050"/>
+                </a:solidFill>
+              </a:rPr>
+              <a:t>called "</a:t>
+            </a:r>
+            <a:r>
+              <a:rPr lang="en-GB" dirty="0" err="1" smtClean="0">
+                <a:solidFill>
+                  <a:srgbClr val="00B050"/>
+                </a:solidFill>
+              </a:rPr>
+              <a:t>set_up_instrument</a:t>
+            </a:r>
+            <a:r>
+              <a:rPr lang="en-GB" dirty="0" smtClean="0">
+                <a:solidFill>
+                  <a:srgbClr val="00B050"/>
+                </a:solidFill>
+              </a:rPr>
+              <a:t>"</a:t>
+            </a:r>
+            <a:endParaRPr lang="en-GB" dirty="0">
+              <a:solidFill>
+                <a:srgbClr val="00B050"/>
+              </a:solidFill>
+            </a:endParaRPr>
+          </a:p>
+          <a:p>
+            <a:pPr marL="742950" lvl="1" indent="-285750">
+              <a:buFont typeface="Arial" panose="020B0604020202020204" pitchFamily="34" charset="0"/>
+              <a:buChar char="•"/>
+            </a:pPr>
+            <a:r>
+              <a:rPr lang="en-GB" dirty="0" smtClean="0">
+                <a:solidFill>
+                  <a:srgbClr val="00B050"/>
+                </a:solidFill>
+              </a:rPr>
+              <a:t>The function </a:t>
+            </a:r>
+            <a:r>
+              <a:rPr lang="en-GB" dirty="0">
+                <a:solidFill>
+                  <a:srgbClr val="00B050"/>
+                </a:solidFill>
+              </a:rPr>
+              <a:t>should set the title to "My experiment"</a:t>
+            </a:r>
+          </a:p>
+          <a:p>
+            <a:pPr marL="742950" lvl="1" indent="-285750">
+              <a:buFont typeface="Arial" panose="020B0604020202020204" pitchFamily="34" charset="0"/>
+              <a:buChar char="•"/>
+            </a:pPr>
+            <a:r>
+              <a:rPr lang="en-GB" dirty="0" smtClean="0">
+                <a:solidFill>
+                  <a:srgbClr val="00B050"/>
+                </a:solidFill>
+              </a:rPr>
+              <a:t>The function</a:t>
+            </a:r>
+            <a:r>
+              <a:rPr lang="en-GB" dirty="0" smtClean="0">
+                <a:solidFill>
+                  <a:srgbClr val="00B050"/>
+                </a:solidFill>
+              </a:rPr>
+              <a:t> </a:t>
+            </a:r>
+            <a:r>
+              <a:rPr lang="en-GB" dirty="0">
+                <a:solidFill>
+                  <a:srgbClr val="00B050"/>
+                </a:solidFill>
+              </a:rPr>
+              <a:t>should set the username to your name</a:t>
+            </a:r>
+          </a:p>
+          <a:p>
+            <a:r>
+              <a:rPr lang="en-GB" i="1" dirty="0" smtClean="0">
+                <a:solidFill>
+                  <a:srgbClr val="00B050"/>
+                </a:solidFill>
+              </a:rPr>
+              <a:t>[10 </a:t>
+            </a:r>
+            <a:r>
+              <a:rPr lang="en-GB" i="1" dirty="0" smtClean="0">
+                <a:solidFill>
+                  <a:srgbClr val="00B050"/>
+                </a:solidFill>
+              </a:rPr>
+              <a:t>minutes]</a:t>
+            </a:r>
+            <a:endParaRPr lang="en-GB" i="1" dirty="0">
+              <a:solidFill>
+                <a:srgbClr val="00B050"/>
+              </a:solidFill>
+            </a:endParaRPr>
+          </a:p>
+        </p:txBody>
+      </p:sp>
+      <p:sp>
+        <p:nvSpPr>
+          <p:cNvPr id="6" name="Rectangle 2"/>
+          <p:cNvSpPr>
+            <a:spLocks noChangeArrowheads="1"/>
+          </p:cNvSpPr>
+          <p:nvPr/>
+        </p:nvSpPr>
+        <p:spPr bwMode="auto">
+          <a:xfrm>
+            <a:off x="107998" y="2060848"/>
+            <a:ext cx="9036496" cy="523220"/>
+          </a:xfrm>
+          <a:prstGeom prst="rect">
+            <a:avLst/>
+          </a:prstGeom>
+          <a:solidFill>
+            <a:srgbClr val="FFFFFF"/>
+          </a:solidFill>
+          <a:ln>
+            <a:noFill/>
+          </a:ln>
+          <a:effectLst/>
+          <a:extLst>
+            <a:ext uri="{91240B29-F687-4F45-9708-019B960494DF}">
+              <a14:hiddenLine xmlns:a14="http://schemas.microsoft.com/office/drawing/2010/main" w="9525">
+                <a:solidFill>
+                  <a:schemeClr val="tx1"/>
+                </a:solidFill>
+                <a:miter lim="800000"/>
+                <a:headEnd/>
+                <a:tailEnd/>
+              </a14:hiddenLine>
+            </a:ext>
+            <a:ext uri="{AF507438-7753-43E0-B8FC-AC1667EBCBE1}">
+              <a14:hiddenEffects xmlns:a14="http://schemas.microsoft.com/office/drawing/2010/main">
+                <a:effectLst>
+                  <a:outerShdw dist="35921" dir="2700000" algn="ctr" rotWithShape="0">
+                    <a:schemeClr val="bg2"/>
+                  </a:outerShdw>
+                </a:effectLst>
+              </a14:hiddenEffects>
+            </a:ext>
+          </a:extLst>
+        </p:spPr>
+        <p:txBody>
+          <a:bodyPr vert="horz" wrap="square" lIns="91440" tIns="45720" rIns="91440" bIns="45720" numCol="1" anchor="ctr" anchorCtr="0" compatLnSpc="1">
+            <a:prstTxWarp prst="textNoShape">
+              <a:avLst/>
+            </a:prstTxWarp>
+            <a:spAutoFit/>
+          </a:bodyPr>
+          <a:lstStyle/>
+          <a:p>
+            <a:pPr marL="0" marR="0" lvl="0" indent="0" algn="l" defTabSz="914400" rtl="0" eaLnBrk="0" fontAlgn="base" latinLnBrk="0" hangingPunct="0">
+              <a:lnSpc>
+                <a:spcPct val="100000"/>
+              </a:lnSpc>
+              <a:spcBef>
+                <a:spcPct val="0"/>
+              </a:spcBef>
+              <a:spcAft>
+                <a:spcPct val="0"/>
+              </a:spcAft>
+              <a:buClrTx/>
+              <a:buSzTx/>
+              <a:buFontTx/>
+              <a:buNone/>
+              <a:tabLst/>
+            </a:pPr>
+            <a:r>
+              <a:rPr kumimoji="0" lang="en-US" altLang="en-US" sz="1400" b="1" i="0" u="none" strike="noStrike" cap="none" normalizeH="0" baseline="0" dirty="0" err="1" smtClean="0">
+                <a:ln>
+                  <a:noFill/>
+                </a:ln>
+                <a:solidFill>
+                  <a:srgbClr val="000080"/>
+                </a:solidFill>
+                <a:effectLst/>
+                <a:latin typeface="Courier New" panose="02070309020205020404" pitchFamily="49" charset="0"/>
+                <a:cs typeface="Courier New" panose="02070309020205020404" pitchFamily="49" charset="0"/>
+              </a:rPr>
+              <a:t>def</a:t>
+            </a:r>
+            <a:r>
+              <a:rPr kumimoji="0" lang="en-US" altLang="en-US" sz="1400" b="1" i="0" u="none" strike="noStrike" cap="none" normalizeH="0" baseline="0" dirty="0" smtClean="0">
+                <a:ln>
+                  <a:noFill/>
+                </a:ln>
+                <a:solidFill>
+                  <a:srgbClr val="000080"/>
+                </a:solidFill>
+                <a:effectLst/>
+                <a:latin typeface="Courier New" panose="02070309020205020404" pitchFamily="49" charset="0"/>
+                <a:cs typeface="Courier New" panose="02070309020205020404" pitchFamily="49" charset="0"/>
+              </a:rPr>
+              <a:t> </a:t>
+            </a:r>
+            <a:r>
+              <a:rPr kumimoji="0" lang="en-US" altLang="en-US" sz="1400" b="0" i="0" u="none" strike="noStrike" cap="none" normalizeH="0" baseline="0" dirty="0" err="1" smtClean="0">
+                <a:ln>
+                  <a:noFill/>
+                </a:ln>
+                <a:solidFill>
+                  <a:srgbClr val="000000"/>
+                </a:solidFill>
+                <a:effectLst/>
+                <a:latin typeface="Courier New" panose="02070309020205020404" pitchFamily="49" charset="0"/>
+                <a:cs typeface="Courier New" panose="02070309020205020404" pitchFamily="49" charset="0"/>
+              </a:rPr>
+              <a:t>my_function</a:t>
+            </a:r>
+            <a:r>
+              <a:rPr kumimoji="0" lang="en-US" altLang="en-US" sz="1400" b="0" i="0" u="none" strike="noStrike" cap="none" normalizeH="0" baseline="0" dirty="0" smtClean="0">
+                <a:ln>
+                  <a:noFill/>
+                </a:ln>
+                <a:solidFill>
+                  <a:srgbClr val="000000"/>
+                </a:solidFill>
+                <a:effectLst/>
+                <a:latin typeface="Courier New" panose="02070309020205020404" pitchFamily="49" charset="0"/>
+                <a:cs typeface="Courier New" panose="02070309020205020404" pitchFamily="49" charset="0"/>
+              </a:rPr>
+              <a:t>(arg1, arg2):</a:t>
+            </a:r>
+            <a:br>
+              <a:rPr kumimoji="0" lang="en-US" altLang="en-US" sz="1400" b="0" i="0" u="none" strike="noStrike" cap="none" normalizeH="0" baseline="0" dirty="0" smtClean="0">
+                <a:ln>
+                  <a:noFill/>
+                </a:ln>
+                <a:solidFill>
+                  <a:srgbClr val="000000"/>
+                </a:solidFill>
+                <a:effectLst/>
+                <a:latin typeface="Courier New" panose="02070309020205020404" pitchFamily="49" charset="0"/>
+                <a:cs typeface="Courier New" panose="02070309020205020404" pitchFamily="49" charset="0"/>
+              </a:rPr>
+            </a:br>
+            <a:r>
+              <a:rPr kumimoji="0" lang="en-US" altLang="en-US" sz="1400" b="0" i="0" u="none" strike="noStrike" cap="none" normalizeH="0" baseline="0" dirty="0" smtClean="0">
+                <a:ln>
+                  <a:noFill/>
+                </a:ln>
+                <a:solidFill>
+                  <a:srgbClr val="000000"/>
+                </a:solidFill>
+                <a:effectLst/>
+                <a:latin typeface="Courier New" panose="02070309020205020404" pitchFamily="49" charset="0"/>
+                <a:cs typeface="Courier New" panose="02070309020205020404" pitchFamily="49" charset="0"/>
+              </a:rPr>
+              <a:t>    </a:t>
+            </a:r>
+            <a:r>
+              <a:rPr kumimoji="0" lang="en-US" altLang="en-US" sz="1400" b="1" i="0" u="none" strike="noStrike" cap="none" normalizeH="0" baseline="0" dirty="0" smtClean="0">
+                <a:ln>
+                  <a:noFill/>
+                </a:ln>
+                <a:solidFill>
+                  <a:srgbClr val="000080"/>
+                </a:solidFill>
+                <a:effectLst/>
+                <a:latin typeface="Courier New" panose="02070309020205020404" pitchFamily="49" charset="0"/>
+                <a:cs typeface="Courier New" panose="02070309020205020404" pitchFamily="49" charset="0"/>
+              </a:rPr>
+              <a:t>print</a:t>
+            </a:r>
+            <a:r>
+              <a:rPr kumimoji="0" lang="en-US" altLang="en-US" sz="1400" b="0" i="0" u="none" strike="noStrike" cap="none" normalizeH="0" baseline="0" dirty="0" smtClean="0">
+                <a:ln>
+                  <a:noFill/>
+                </a:ln>
+                <a:solidFill>
+                  <a:srgbClr val="000000"/>
+                </a:solidFill>
+                <a:effectLst/>
+                <a:latin typeface="Courier New" panose="02070309020205020404" pitchFamily="49" charset="0"/>
+                <a:cs typeface="Courier New" panose="02070309020205020404" pitchFamily="49" charset="0"/>
+              </a:rPr>
+              <a:t>(</a:t>
+            </a:r>
+            <a:r>
+              <a:rPr kumimoji="0" lang="en-US" altLang="en-US" sz="1400" b="1" i="0" u="none" strike="noStrike" cap="none" normalizeH="0" baseline="0" dirty="0" smtClean="0">
+                <a:ln>
+                  <a:noFill/>
+                </a:ln>
+                <a:solidFill>
+                  <a:srgbClr val="008000"/>
+                </a:solidFill>
+                <a:effectLst/>
+                <a:latin typeface="Courier New" panose="02070309020205020404" pitchFamily="49" charset="0"/>
+                <a:cs typeface="Courier New" panose="02070309020205020404" pitchFamily="49" charset="0"/>
+              </a:rPr>
+              <a:t>"The first argument is {}, the second argument is {}"</a:t>
+            </a:r>
+            <a:r>
+              <a:rPr kumimoji="0" lang="en-US" altLang="en-US" sz="1400" b="0" i="0" u="none" strike="noStrike" cap="none" normalizeH="0" baseline="0" dirty="0" smtClean="0">
+                <a:ln>
+                  <a:noFill/>
+                </a:ln>
+                <a:solidFill>
+                  <a:srgbClr val="000000"/>
+                </a:solidFill>
+                <a:effectLst/>
+                <a:latin typeface="Courier New" panose="02070309020205020404" pitchFamily="49" charset="0"/>
+                <a:cs typeface="Courier New" panose="02070309020205020404" pitchFamily="49" charset="0"/>
+              </a:rPr>
+              <a:t>.format(arg1,</a:t>
+            </a:r>
+            <a:r>
+              <a:rPr kumimoji="0" lang="en-US" altLang="en-US" sz="1400" b="0" i="0" u="none" strike="noStrike" cap="none" normalizeH="0" dirty="0" smtClean="0">
+                <a:ln>
+                  <a:noFill/>
+                </a:ln>
+                <a:solidFill>
+                  <a:srgbClr val="000000"/>
+                </a:solidFill>
+                <a:effectLst/>
+                <a:latin typeface="Courier New" panose="02070309020205020404" pitchFamily="49" charset="0"/>
+                <a:cs typeface="Courier New" panose="02070309020205020404" pitchFamily="49" charset="0"/>
+              </a:rPr>
+              <a:t> </a:t>
+            </a:r>
+            <a:r>
+              <a:rPr kumimoji="0" lang="en-US" altLang="en-US" sz="1400" b="0" i="0" u="none" strike="noStrike" cap="none" normalizeH="0" baseline="0" dirty="0" smtClean="0">
+                <a:ln>
+                  <a:noFill/>
+                </a:ln>
+                <a:solidFill>
+                  <a:srgbClr val="000000"/>
+                </a:solidFill>
+                <a:effectLst/>
+                <a:latin typeface="Courier New" panose="02070309020205020404" pitchFamily="49" charset="0"/>
+                <a:cs typeface="Courier New" panose="02070309020205020404" pitchFamily="49" charset="0"/>
+              </a:rPr>
+              <a:t>arg2))</a:t>
+            </a:r>
+            <a:endParaRPr kumimoji="0" lang="en-US" altLang="en-US" sz="1400" b="0" i="0" u="none" strike="noStrike" cap="none" normalizeH="0" baseline="0" dirty="0" smtClean="0">
+              <a:ln>
+                <a:noFill/>
+              </a:ln>
+              <a:solidFill>
+                <a:schemeClr val="tx1"/>
+              </a:solidFill>
+              <a:effectLst/>
+            </a:endParaRPr>
+          </a:p>
+        </p:txBody>
+      </p:sp>
+    </p:spTree>
+    <p:extLst>
+      <p:ext uri="{BB962C8B-B14F-4D97-AF65-F5344CB8AC3E}">
+        <p14:creationId xmlns:p14="http://schemas.microsoft.com/office/powerpoint/2010/main" val="707563875"/>
+      </p:ext>
+    </p:extLst>
+  </p:cSld>
+  <p:clrMapOvr>
+    <a:masterClrMapping/>
+  </p:clrMapOvr>
+  <p:timing>
+    <p:tnLst>
+      <p:par>
+        <p:cTn id="1" dur="indefinite" restart="never" nodeType="tmRoot"/>
+      </p:par>
+    </p:tnLst>
+  </p:timing>
+</p:sld>
+</file>
+
+<file path=ppt/slides/slide29.xml><?xml version="1.0" encoding="utf-8"?>
+<p:sld xmlns:a="http://schemas.openxmlformats.org/drawingml/2006/main" xmlns:r="http://schemas.openxmlformats.org/officeDocument/2006/relationships" xmlns:p="http://schemas.openxmlformats.org/presentationml/2006/main">
+  <p:cSld>
+    <p:spTree>
+      <p:nvGrpSpPr>
+        <p:cNvPr id="1" name=""/>
+        <p:cNvGrpSpPr/>
+        <p:nvPr/>
+      </p:nvGrpSpPr>
+      <p:grpSpPr>
+        <a:xfrm>
+          <a:off x="0" y="0"/>
+          <a:ext cx="0" cy="0"/>
+          <a:chOff x="0" y="0"/>
+          <a:chExt cx="0" cy="0"/>
+        </a:xfrm>
+      </p:grpSpPr>
+      <p:sp>
+        <p:nvSpPr>
+          <p:cNvPr id="2" name="Title 1"/>
+          <p:cNvSpPr>
+            <a:spLocks noGrp="1"/>
+          </p:cNvSpPr>
+          <p:nvPr>
+            <p:ph type="title"/>
+          </p:nvPr>
+        </p:nvSpPr>
+        <p:spPr/>
+        <p:txBody>
+          <a:bodyPr/>
+          <a:lstStyle/>
+          <a:p>
+            <a:r>
+              <a:rPr lang="en-GB" dirty="0" smtClean="0">
+                <a:solidFill>
+                  <a:srgbClr val="00B050"/>
+                </a:solidFill>
+              </a:rPr>
+              <a:t>Run </a:t>
+            </a:r>
+            <a:r>
+              <a:rPr lang="en-GB" dirty="0" smtClean="0">
+                <a:solidFill>
+                  <a:srgbClr val="00B050"/>
+                </a:solidFill>
+              </a:rPr>
+              <a:t>Exercise</a:t>
+            </a:r>
+            <a:endParaRPr lang="en-GB" dirty="0">
+              <a:solidFill>
+                <a:srgbClr val="00B050"/>
+              </a:solidFill>
+            </a:endParaRPr>
+          </a:p>
+        </p:txBody>
+      </p:sp>
+      <p:sp>
+        <p:nvSpPr>
+          <p:cNvPr id="4" name="TextBox 3"/>
+          <p:cNvSpPr txBox="1"/>
+          <p:nvPr/>
+        </p:nvSpPr>
+        <p:spPr>
+          <a:xfrm>
+            <a:off x="323528" y="1268760"/>
+            <a:ext cx="8496944" cy="4524315"/>
+          </a:xfrm>
+          <a:prstGeom prst="rect">
+            <a:avLst/>
+          </a:prstGeom>
+          <a:noFill/>
+        </p:spPr>
+        <p:txBody>
+          <a:bodyPr wrap="square" rtlCol="0">
+            <a:spAutoFit/>
+          </a:bodyPr>
+          <a:lstStyle/>
+          <a:p>
+            <a:pPr marL="342900" indent="-342900">
+              <a:lnSpc>
+                <a:spcPct val="150000"/>
+              </a:lnSpc>
+              <a:buFont typeface="Arial" panose="020B0604020202020204" pitchFamily="34" charset="0"/>
+              <a:buChar char="•"/>
+            </a:pPr>
+            <a:r>
+              <a:rPr lang="en-GB" sz="2400" dirty="0" smtClean="0"/>
+              <a:t>Instrument </a:t>
+            </a:r>
+            <a:r>
+              <a:rPr lang="en-GB" sz="2400" dirty="0" smtClean="0"/>
+              <a:t>script functions can be called with </a:t>
+            </a:r>
+            <a:r>
+              <a:rPr lang="en-GB" sz="2400" dirty="0">
+                <a:solidFill>
+                  <a:schemeClr val="accent2"/>
+                </a:solidFill>
+                <a:latin typeface="Consolas" panose="020B0609020204030204" pitchFamily="49" charset="0"/>
+                <a:cs typeface="Consolas" panose="020B0609020204030204" pitchFamily="49" charset="0"/>
+              </a:rPr>
+              <a:t>inst.[</a:t>
+            </a:r>
+            <a:r>
+              <a:rPr lang="en-GB" sz="2400" dirty="0" err="1">
+                <a:solidFill>
+                  <a:schemeClr val="accent2"/>
+                </a:solidFill>
+                <a:latin typeface="Consolas" panose="020B0609020204030204" pitchFamily="49" charset="0"/>
+                <a:cs typeface="Consolas" panose="020B0609020204030204" pitchFamily="49" charset="0"/>
+              </a:rPr>
+              <a:t>function_name</a:t>
+            </a:r>
+            <a:r>
+              <a:rPr lang="en-GB" sz="2400" dirty="0">
+                <a:solidFill>
+                  <a:schemeClr val="accent2"/>
+                </a:solidFill>
+                <a:latin typeface="Consolas" panose="020B0609020204030204" pitchFamily="49" charset="0"/>
+                <a:cs typeface="Consolas" panose="020B0609020204030204" pitchFamily="49" charset="0"/>
+              </a:rPr>
+              <a:t>](</a:t>
+            </a:r>
+            <a:r>
+              <a:rPr lang="en-GB" sz="2400" dirty="0" err="1">
+                <a:solidFill>
+                  <a:schemeClr val="accent2"/>
+                </a:solidFill>
+                <a:latin typeface="Consolas" panose="020B0609020204030204" pitchFamily="49" charset="0"/>
+                <a:cs typeface="Consolas" panose="020B0609020204030204" pitchFamily="49" charset="0"/>
+              </a:rPr>
+              <a:t>args</a:t>
+            </a:r>
+            <a:r>
+              <a:rPr lang="en-GB" sz="2400" dirty="0" smtClean="0">
+                <a:solidFill>
+                  <a:schemeClr val="accent2"/>
+                </a:solidFill>
+                <a:latin typeface="Consolas" panose="020B0609020204030204" pitchFamily="49" charset="0"/>
+                <a:cs typeface="Consolas" panose="020B0609020204030204" pitchFamily="49" charset="0"/>
+              </a:rPr>
+              <a:t>)</a:t>
+            </a:r>
+            <a:r>
+              <a:rPr lang="en-GB" sz="2400" dirty="0" smtClean="0"/>
+              <a:t>, for example:</a:t>
+            </a:r>
+          </a:p>
+          <a:p>
+            <a:pPr marL="800100" lvl="1" indent="-342900">
+              <a:lnSpc>
+                <a:spcPct val="150000"/>
+              </a:lnSpc>
+              <a:buFont typeface="Arial" panose="020B0604020202020204" pitchFamily="34" charset="0"/>
+              <a:buChar char="•"/>
+            </a:pPr>
+            <a:r>
+              <a:rPr lang="en-GB" sz="2400" dirty="0" err="1">
+                <a:solidFill>
+                  <a:schemeClr val="accent2"/>
+                </a:solidFill>
+                <a:latin typeface="Consolas" panose="020B0609020204030204" pitchFamily="49" charset="0"/>
+                <a:cs typeface="Consolas" panose="020B0609020204030204" pitchFamily="49" charset="0"/>
+              </a:rPr>
+              <a:t>inst.my_method</a:t>
+            </a:r>
+            <a:r>
+              <a:rPr lang="en-GB" sz="2400" dirty="0">
+                <a:solidFill>
+                  <a:schemeClr val="accent2"/>
+                </a:solidFill>
+                <a:latin typeface="Consolas" panose="020B0609020204030204" pitchFamily="49" charset="0"/>
+                <a:cs typeface="Consolas" panose="020B0609020204030204" pitchFamily="49" charset="0"/>
+              </a:rPr>
+              <a:t>("MY_BLOCK") </a:t>
+            </a:r>
+          </a:p>
+          <a:p>
+            <a:pPr marL="342900" indent="-342900">
+              <a:lnSpc>
+                <a:spcPct val="150000"/>
+              </a:lnSpc>
+              <a:buFont typeface="Arial" panose="020B0604020202020204" pitchFamily="34" charset="0"/>
+              <a:buChar char="•"/>
+            </a:pPr>
+            <a:r>
+              <a:rPr lang="en-GB" sz="2400" dirty="0" smtClean="0"/>
+              <a:t>The IBEX </a:t>
+            </a:r>
+            <a:r>
+              <a:rPr lang="en-GB" sz="2400" dirty="0"/>
+              <a:t>scripting perspective will provide auto-completion for instrument methods so you can see what is </a:t>
+            </a:r>
+            <a:r>
+              <a:rPr lang="en-GB" sz="2400" dirty="0" smtClean="0"/>
+              <a:t>available</a:t>
+            </a:r>
+            <a:endParaRPr lang="en-GB" sz="2400" dirty="0"/>
+          </a:p>
+          <a:p>
+            <a:pPr marL="342900" indent="-342900">
+              <a:lnSpc>
+                <a:spcPct val="150000"/>
+              </a:lnSpc>
+              <a:buFont typeface="Arial" panose="020B0604020202020204" pitchFamily="34" charset="0"/>
+              <a:buChar char="•"/>
+            </a:pPr>
+            <a:r>
+              <a:rPr lang="en-GB" sz="2400" dirty="0">
+                <a:solidFill>
+                  <a:srgbClr val="00B050"/>
+                </a:solidFill>
+              </a:rPr>
+              <a:t>Run the instrument </a:t>
+            </a:r>
+            <a:r>
+              <a:rPr lang="en-GB" sz="2400" dirty="0" smtClean="0">
+                <a:solidFill>
+                  <a:srgbClr val="00B050"/>
+                </a:solidFill>
+              </a:rPr>
+              <a:t>function </a:t>
+            </a:r>
+            <a:r>
+              <a:rPr lang="en-GB" sz="2400" dirty="0">
+                <a:solidFill>
+                  <a:srgbClr val="00B050"/>
+                </a:solidFill>
+              </a:rPr>
+              <a:t>you </a:t>
+            </a:r>
+            <a:r>
+              <a:rPr lang="en-GB" sz="2400" dirty="0" smtClean="0">
+                <a:solidFill>
+                  <a:srgbClr val="00B050"/>
+                </a:solidFill>
+              </a:rPr>
+              <a:t>wrote earlier</a:t>
+            </a:r>
+          </a:p>
+          <a:p>
+            <a:pPr>
+              <a:lnSpc>
+                <a:spcPct val="150000"/>
+              </a:lnSpc>
+            </a:pPr>
+            <a:r>
+              <a:rPr lang="en-GB" sz="2400" i="1" dirty="0" smtClean="0">
+                <a:solidFill>
+                  <a:srgbClr val="00B050"/>
+                </a:solidFill>
+              </a:rPr>
+              <a:t>[2 minutes]</a:t>
+            </a:r>
+            <a:endParaRPr lang="en-GB" sz="2400" i="1" dirty="0">
+              <a:solidFill>
+                <a:srgbClr val="00B050"/>
+              </a:solidFill>
+            </a:endParaRPr>
+          </a:p>
+        </p:txBody>
+      </p:sp>
+    </p:spTree>
+    <p:extLst>
+      <p:ext uri="{BB962C8B-B14F-4D97-AF65-F5344CB8AC3E}">
+        <p14:creationId xmlns:p14="http://schemas.microsoft.com/office/powerpoint/2010/main" val="2846568426"/>
+      </p:ext>
+    </p:extLst>
+  </p:cSld>
+  <p:clrMapOvr>
+    <a:masterClrMapping/>
+  </p:clrMapOvr>
+  <p:timing>
+    <p:tnLst>
+      <p:par>
+        <p:cTn id="1" dur="indefinite" restart="never" nodeType="tmRoot"/>
+      </p:par>
+    </p:tnLst>
+  </p:timing>
+</p:sld>
+</file>
+
 <file path=ppt/slides/slide3.xml><?xml version="1.0" encoding="utf-8"?>
 <p:sld xmlns:a="http://schemas.openxmlformats.org/drawingml/2006/main" xmlns:r="http://schemas.openxmlformats.org/officeDocument/2006/relationships" xmlns:p="http://schemas.openxmlformats.org/presentationml/2006/main">
   <p:cSld>
@@ -14988,7 +14844,7 @@
         </p:spPr>
         <p:txBody>
           <a:bodyPr>
-            <a:normAutofit fontScale="85000" lnSpcReduction="20000"/>
+            <a:normAutofit fontScale="92500" lnSpcReduction="20000"/>
           </a:bodyPr>
           <a:lstStyle/>
           <a:p>
@@ -15088,15 +14944,13 @@
             <a:pPr lvl="2"/>
             <a:r>
               <a:rPr lang="en-GB" dirty="0" smtClean="0"/>
-              <a:t>If you want to spend more or less time on a section please just let us know</a:t>
-            </a:r>
-          </a:p>
-          <a:p>
+              <a:t>If you want to spend more or less time on a section please just let us </a:t>
+            </a:r>
             <a:r>
               <a:rPr lang="en-GB" dirty="0" smtClean="0"/>
-              <a:t>Slides are available in a folder on your desktop</a:t>
-            </a:r>
-            <a:endParaRPr lang="en-GB" dirty="0"/>
+              <a:t>know</a:t>
+            </a:r>
+            <a:endParaRPr lang="en-GB" dirty="0" smtClean="0"/>
           </a:p>
         </p:txBody>
       </p:sp>
@@ -15321,8 +15175,21 @@
                   <a:srgbClr val="00B050"/>
                 </a:solidFill>
               </a:rPr>
-              <a:t>Modify your instrument script to output the current at 0.1 second intervals</a:t>
-            </a:r>
+              <a:t>Modify your </a:t>
+            </a:r>
+            <a:r>
+              <a:rPr lang="en-GB" sz="2400" dirty="0" smtClean="0">
+                <a:solidFill>
+                  <a:srgbClr val="00B050"/>
+                </a:solidFill>
+              </a:rPr>
+              <a:t>user script to set the title to something different</a:t>
+            </a:r>
+            <a:endParaRPr lang="en-GB" sz="2400" dirty="0">
+              <a:solidFill>
+                <a:srgbClr val="00B050"/>
+              </a:solidFill>
+            </a:endParaRPr>
           </a:p>
           <a:p>
             <a:pPr marL="342900" indent="-342900">
@@ -16064,11 +15931,6 @@
 <file path=ppt/slides/slide33.xml><?xml version="1.0" encoding="utf-8"?>
 <p:sld xmlns:a="http://schemas.openxmlformats.org/drawingml/2006/main" xmlns:r="http://schemas.openxmlformats.org/officeDocument/2006/relationships" xmlns:p="http://schemas.openxmlformats.org/presentationml/2006/main">
   <p:cSld>
-    <p:bg>
-      <p:bgRef idx="1001">
-        <a:schemeClr val="bg1"/>
-      </p:bgRef>
-    </p:bg>
     <p:spTree>
       <p:nvGrpSpPr>
         <p:cNvPr id="1" name=""/>
@@ -16085,305 +15947,6 @@
       </p:grpSpPr>
       <p:sp>
         <p:nvSpPr>
-          <p:cNvPr id="2" name="Title 1"/>
-          <p:cNvSpPr>
-            <a:spLocks noGrp="1"/>
-          </p:cNvSpPr>
-          <p:nvPr>
-            <p:ph type="title"/>
-          </p:nvPr>
-        </p:nvSpPr>
-        <p:spPr/>
-        <p:txBody>
-          <a:bodyPr/>
-          <a:lstStyle/>
-          <a:p>
-            <a:r>
-              <a:rPr lang="en-GB" dirty="0" smtClean="0">
-                <a:solidFill>
-                  <a:srgbClr val="00B050"/>
-                </a:solidFill>
-              </a:rPr>
-              <a:t>Exercise</a:t>
-            </a:r>
-            <a:endParaRPr lang="en-GB" dirty="0">
-              <a:solidFill>
-                <a:srgbClr val="00B050"/>
-              </a:solidFill>
-            </a:endParaRPr>
-          </a:p>
-        </p:txBody>
-      </p:sp>
-      <p:sp>
-        <p:nvSpPr>
-          <p:cNvPr id="4" name="TextBox 3"/>
-          <p:cNvSpPr txBox="1"/>
-          <p:nvPr/>
-        </p:nvSpPr>
-        <p:spPr>
-          <a:xfrm>
-            <a:off x="395536" y="1556792"/>
-            <a:ext cx="8496944" cy="4247317"/>
-          </a:xfrm>
-          <a:prstGeom prst="rect">
-            <a:avLst/>
-          </a:prstGeom>
-          <a:noFill/>
-        </p:spPr>
-        <p:txBody>
-          <a:bodyPr wrap="square" rtlCol="0">
-            <a:spAutoFit/>
-          </a:bodyPr>
-          <a:lstStyle/>
-          <a:p>
-            <a:pPr marL="285750" indent="-285750">
-              <a:buFont typeface="Arial" panose="020B0604020202020204" pitchFamily="34" charset="0"/>
-              <a:buChar char="•"/>
-            </a:pPr>
-            <a:r>
-              <a:rPr lang="en-GB" dirty="0">
-                <a:solidFill>
-                  <a:srgbClr val="00B050"/>
-                </a:solidFill>
-              </a:rPr>
-              <a:t>Create a new </a:t>
-            </a:r>
-            <a:r>
-              <a:rPr lang="en-GB" b="1" dirty="0">
-                <a:solidFill>
-                  <a:srgbClr val="00B050"/>
-                </a:solidFill>
-              </a:rPr>
-              <a:t>instrument script </a:t>
-            </a:r>
-            <a:r>
-              <a:rPr lang="en-GB" dirty="0">
-                <a:solidFill>
-                  <a:srgbClr val="00B050"/>
-                </a:solidFill>
-              </a:rPr>
-              <a:t>containing a function</a:t>
-            </a:r>
-          </a:p>
-          <a:p>
-            <a:pPr marL="742950" lvl="1" indent="-285750">
-              <a:buFont typeface="Arial" panose="020B0604020202020204" pitchFamily="34" charset="0"/>
-              <a:buChar char="•"/>
-            </a:pPr>
-            <a:r>
-              <a:rPr lang="en-GB" dirty="0">
-                <a:solidFill>
-                  <a:srgbClr val="00B050"/>
-                </a:solidFill>
-              </a:rPr>
-              <a:t>The function sets the title to "Ramping [block name] from [initial value] to [final value</a:t>
-            </a:r>
-            <a:r>
-              <a:rPr lang="en-GB" dirty="0" smtClean="0">
-                <a:solidFill>
-                  <a:srgbClr val="00B050"/>
-                </a:solidFill>
-              </a:rPr>
-              <a:t>]“</a:t>
-            </a:r>
-          </a:p>
-          <a:p>
-            <a:pPr marL="1200150" lvl="2" indent="-285750">
-              <a:buFont typeface="Arial" panose="020B0604020202020204" pitchFamily="34" charset="0"/>
-              <a:buChar char="•"/>
-            </a:pPr>
-            <a:r>
-              <a:rPr lang="en-GB" dirty="0" smtClean="0">
-                <a:solidFill>
-                  <a:srgbClr val="00B050"/>
-                </a:solidFill>
-              </a:rPr>
-              <a:t>The block name, initial and final values should all be provided as input arguments</a:t>
-            </a:r>
-            <a:endParaRPr lang="en-GB" dirty="0">
-              <a:solidFill>
-                <a:srgbClr val="00B050"/>
-              </a:solidFill>
-            </a:endParaRPr>
-          </a:p>
-          <a:p>
-            <a:pPr marL="742950" lvl="1" indent="-285750">
-              <a:buFont typeface="Arial" panose="020B0604020202020204" pitchFamily="34" charset="0"/>
-              <a:buChar char="•"/>
-            </a:pPr>
-            <a:r>
-              <a:rPr lang="en-GB" dirty="0">
-                <a:solidFill>
-                  <a:srgbClr val="00B050"/>
-                </a:solidFill>
-              </a:rPr>
-              <a:t>The method begins a run and then changes the value of the block incrementally in steps of size 1</a:t>
-            </a:r>
-          </a:p>
-          <a:p>
-            <a:pPr marL="742950" lvl="1" indent="-285750">
-              <a:buFont typeface="Arial" panose="020B0604020202020204" pitchFamily="34" charset="0"/>
-              <a:buChar char="•"/>
-            </a:pPr>
-            <a:r>
-              <a:rPr lang="en-GB" dirty="0">
-                <a:solidFill>
-                  <a:srgbClr val="00B050"/>
-                </a:solidFill>
-              </a:rPr>
-              <a:t>Once the target is reached, the method ends the run</a:t>
-            </a:r>
-          </a:p>
-          <a:p>
-            <a:pPr marL="285750" indent="-285750">
-              <a:buFont typeface="Arial" panose="020B0604020202020204" pitchFamily="34" charset="0"/>
-              <a:buChar char="•"/>
-            </a:pPr>
-            <a:r>
-              <a:rPr lang="en-GB" dirty="0">
-                <a:solidFill>
-                  <a:srgbClr val="00B050"/>
-                </a:solidFill>
-              </a:rPr>
-              <a:t>Put a line at the top of your instrument script </a:t>
-            </a:r>
-            <a:r>
-              <a:rPr lang="en-GB" b="1" dirty="0">
-                <a:solidFill>
-                  <a:srgbClr val="00B050"/>
-                </a:solidFill>
-              </a:rPr>
-              <a:t>outside the function definition</a:t>
-            </a:r>
-            <a:r>
-              <a:rPr lang="en-GB" dirty="0">
-                <a:solidFill>
-                  <a:srgbClr val="00B050"/>
-                </a:solidFill>
-              </a:rPr>
-              <a:t> that prints the current title</a:t>
-            </a:r>
-          </a:p>
-          <a:p>
-            <a:pPr marL="285750" indent="-285750">
-              <a:buFont typeface="Arial" panose="020B0604020202020204" pitchFamily="34" charset="0"/>
-              <a:buChar char="•"/>
-            </a:pPr>
-            <a:r>
-              <a:rPr lang="en-GB" dirty="0">
-                <a:solidFill>
-                  <a:srgbClr val="00B050"/>
-                </a:solidFill>
-              </a:rPr>
-              <a:t>Create a new user script containing a function</a:t>
-            </a:r>
-          </a:p>
-          <a:p>
-            <a:pPr marL="742950" lvl="1" indent="-285750">
-              <a:buFont typeface="Arial" panose="020B0604020202020204" pitchFamily="34" charset="0"/>
-              <a:buChar char="•"/>
-            </a:pPr>
-            <a:r>
-              <a:rPr lang="en-GB" dirty="0">
-                <a:solidFill>
-                  <a:srgbClr val="00B050"/>
-                </a:solidFill>
-              </a:rPr>
-              <a:t>The function runs the new instrument script on two different blocks</a:t>
-            </a:r>
-          </a:p>
-          <a:p>
-            <a:pPr marL="285750" indent="-285750">
-              <a:buFont typeface="Arial" panose="020B0604020202020204" pitchFamily="34" charset="0"/>
-              <a:buChar char="•"/>
-            </a:pPr>
-            <a:r>
-              <a:rPr lang="en-GB" dirty="0">
-                <a:solidFill>
-                  <a:srgbClr val="00B050"/>
-                </a:solidFill>
-              </a:rPr>
-              <a:t>Load and run your new user-script function</a:t>
-            </a:r>
-          </a:p>
-          <a:p>
-            <a:pPr marL="285750" indent="-285750">
-              <a:buFont typeface="Arial" panose="020B0604020202020204" pitchFamily="34" charset="0"/>
-              <a:buChar char="•"/>
-            </a:pPr>
-            <a:r>
-              <a:rPr lang="en-GB" dirty="0">
-                <a:solidFill>
-                  <a:srgbClr val="00B050"/>
-                </a:solidFill>
-              </a:rPr>
-              <a:t>Where was the print statement at the top of your instrument script executed</a:t>
-            </a:r>
-            <a:r>
-              <a:rPr lang="en-GB" dirty="0" smtClean="0">
-                <a:solidFill>
-                  <a:srgbClr val="00B050"/>
-                </a:solidFill>
-              </a:rPr>
-              <a:t>?</a:t>
-            </a:r>
-          </a:p>
-          <a:p>
-            <a:r>
-              <a:rPr lang="en-GB" i="1" dirty="0" smtClean="0">
-                <a:solidFill>
-                  <a:srgbClr val="00B050"/>
-                </a:solidFill>
-              </a:rPr>
-              <a:t>[30 minutes]</a:t>
-            </a:r>
-            <a:endParaRPr lang="en-GB" i="1" dirty="0">
-              <a:solidFill>
-                <a:srgbClr val="00B050"/>
-              </a:solidFill>
-            </a:endParaRPr>
-          </a:p>
-        </p:txBody>
-      </p:sp>
-    </p:spTree>
-    <p:extLst>
-      <p:ext uri="{BB962C8B-B14F-4D97-AF65-F5344CB8AC3E}">
-        <p14:creationId xmlns:p14="http://schemas.microsoft.com/office/powerpoint/2010/main" val="2674125957"/>
-      </p:ext>
-    </p:extLst>
-  </p:cSld>
-  <p:clrMapOvr>
-    <a:overrideClrMapping bg1="lt1" tx1="dk1" bg2="lt2" tx2="dk2" accent1="accent1" accent2="accent2" accent3="accent3" accent4="accent4" accent5="accent5" accent6="accent6" hlink="hlink" folHlink="folHlink"/>
-  </p:clrMapOvr>
-  <p:timing>
-    <p:tnLst>
-      <p:par>
-        <p:cTn id="1" dur="indefinite" restart="never" nodeType="tmRoot"/>
-      </p:par>
-    </p:tnLst>
-  </p:timing>
-</p:sld>
-</file>
-
-<file path=ppt/slides/slide34.xml><?xml version="1.0" encoding="utf-8"?>
-<p:sld xmlns:a="http://schemas.openxmlformats.org/drawingml/2006/main" xmlns:r="http://schemas.openxmlformats.org/officeDocument/2006/relationships" xmlns:p="http://schemas.openxmlformats.org/presentationml/2006/main">
-  <p:cSld>
-    <p:spTree>
-      <p:nvGrpSpPr>
-        <p:cNvPr id="1" name=""/>
-        <p:cNvGrpSpPr/>
-        <p:nvPr/>
-      </p:nvGrpSpPr>
-      <p:grpSpPr>
-        <a:xfrm>
-          <a:off x="0" y="0"/>
-          <a:ext cx="0" cy="0"/>
-          <a:chOff x="0" y="0"/>
-          <a:chExt cx="0" cy="0"/>
-        </a:xfrm>
-      </p:grpSpPr>
-      <p:sp>
-        <p:nvSpPr>
           <p:cNvPr id="2" name="Rectangle 1"/>
           <p:cNvSpPr/>
           <p:nvPr/>
@@ -16409,11 +15972,7 @@
             </a:r>
             <a:r>
               <a:rPr lang="en-GB" sz="4400" dirty="0" smtClean="0"/>
-              <a:t>Open </a:t>
-            </a:r>
-            <a:r>
-              <a:rPr lang="en-GB" sz="4400" dirty="0" smtClean="0"/>
-              <a:t>GENIE</a:t>
+              <a:t>Open GENIE</a:t>
             </a:r>
             <a:endParaRPr lang="en-GB" sz="4400" dirty="0"/>
           </a:p>
@@ -16432,7 +15991,7 @@
 </p:sld>
 </file>
 
-<file path=ppt/slides/slide35.xml><?xml version="1.0" encoding="utf-8"?>
+<file path=ppt/slides/slide34.xml><?xml version="1.0" encoding="utf-8"?>
 <p:sld xmlns:a="http://schemas.openxmlformats.org/drawingml/2006/main" xmlns:r="http://schemas.openxmlformats.org/officeDocument/2006/relationships" xmlns:p="http://schemas.openxmlformats.org/presentationml/2006/main">
   <p:cSld>
     <p:spTree>
@@ -16650,7 +16209,7 @@
 </p:sld>
 </file>
 
-<file path=ppt/slides/slide36.xml><?xml version="1.0" encoding="utf-8"?>
+<file path=ppt/slides/slide35.xml><?xml version="1.0" encoding="utf-8"?>
 <p:sld xmlns:a="http://schemas.openxmlformats.org/drawingml/2006/main" xmlns:r="http://schemas.openxmlformats.org/officeDocument/2006/relationships" xmlns:p="http://schemas.openxmlformats.org/presentationml/2006/main">
   <p:cSld>
     <p:spTree>
@@ -16861,7 +16420,7 @@
 </p:sld>
 </file>
 
-<file path=ppt/slides/slide37.xml><?xml version="1.0" encoding="utf-8"?>
+<file path=ppt/slides/slide36.xml><?xml version="1.0" encoding="utf-8"?>
 <p:sld xmlns:a="http://schemas.openxmlformats.org/drawingml/2006/main" xmlns:r="http://schemas.openxmlformats.org/officeDocument/2006/relationships" xmlns:p="http://schemas.openxmlformats.org/presentationml/2006/main">
   <p:cSld>
     <p:spTree>
@@ -17072,7 +16631,7 @@
 </p:sld>
 </file>
 
-<file path=ppt/slides/slide38.xml><?xml version="1.0" encoding="utf-8"?>
+<file path=ppt/slides/slide37.xml><?xml version="1.0" encoding="utf-8"?>
 <p:sld xmlns:a="http://schemas.openxmlformats.org/drawingml/2006/main" xmlns:r="http://schemas.openxmlformats.org/officeDocument/2006/relationships" xmlns:p="http://schemas.openxmlformats.org/presentationml/2006/main">
   <p:cSld>
     <p:spTree>
@@ -17283,7 +16842,7 @@
 </p:sld>
 </file>
 
-<file path=ppt/slides/slide39.xml><?xml version="1.0" encoding="utf-8"?>
+<file path=ppt/slides/slide38.xml><?xml version="1.0" encoding="utf-8"?>
 <p:sld xmlns:a="http://schemas.openxmlformats.org/drawingml/2006/main" xmlns:r="http://schemas.openxmlformats.org/officeDocument/2006/relationships" xmlns:p="http://schemas.openxmlformats.org/presentationml/2006/main">
   <p:cSld>
     <p:spTree>
@@ -17625,211 +17184,7 @@
 </p:sld>
 </file>
 
-<file path=ppt/slides/slide4.xml><?xml version="1.0" encoding="utf-8"?>
-<p:sld xmlns:a="http://schemas.openxmlformats.org/drawingml/2006/main" xmlns:r="http://schemas.openxmlformats.org/officeDocument/2006/relationships" xmlns:p="http://schemas.openxmlformats.org/presentationml/2006/main">
-  <p:cSld>
-    <p:spTree>
-      <p:nvGrpSpPr>
-        <p:cNvPr id="1" name=""/>
-        <p:cNvGrpSpPr/>
-        <p:nvPr/>
-      </p:nvGrpSpPr>
-      <p:grpSpPr>
-        <a:xfrm>
-          <a:off x="0" y="0"/>
-          <a:ext cx="0" cy="0"/>
-          <a:chOff x="0" y="0"/>
-          <a:chExt cx="0" cy="0"/>
-        </a:xfrm>
-      </p:grpSpPr>
-      <p:sp>
-        <p:nvSpPr>
-          <p:cNvPr id="2" name="Title 1"/>
-          <p:cNvSpPr>
-            <a:spLocks noGrp="1"/>
-          </p:cNvSpPr>
-          <p:nvPr>
-            <p:ph type="title"/>
-          </p:nvPr>
-        </p:nvSpPr>
-        <p:spPr/>
-        <p:txBody>
-          <a:bodyPr/>
-          <a:lstStyle/>
-          <a:p>
-            <a:r>
-              <a:rPr lang="en-GB" dirty="0" smtClean="0"/>
-              <a:t>Getting started</a:t>
-            </a:r>
-            <a:endParaRPr lang="en-GB" dirty="0"/>
-          </a:p>
-        </p:txBody>
-      </p:sp>
-      <p:sp>
-        <p:nvSpPr>
-          <p:cNvPr id="4" name="TextBox 3"/>
-          <p:cNvSpPr txBox="1"/>
-          <p:nvPr/>
-        </p:nvSpPr>
-        <p:spPr>
-          <a:xfrm>
-            <a:off x="485825" y="4869160"/>
-            <a:ext cx="8280920" cy="1477328"/>
-          </a:xfrm>
-          <a:prstGeom prst="rect">
-            <a:avLst/>
-          </a:prstGeom>
-          <a:noFill/>
-        </p:spPr>
-        <p:txBody>
-          <a:bodyPr wrap="square" rtlCol="0">
-            <a:spAutoFit/>
-          </a:bodyPr>
-          <a:lstStyle/>
-          <a:p>
-            <a:pPr marL="285750" indent="-285750">
-              <a:buFont typeface="Arial" panose="020B0604020202020204" pitchFamily="34" charset="0"/>
-              <a:buChar char="•"/>
-            </a:pPr>
-            <a:r>
-              <a:rPr lang="en-GB" i="1" dirty="0" smtClean="0">
-                <a:solidFill>
-                  <a:srgbClr val="00B050"/>
-                </a:solidFill>
-              </a:rPr>
-              <a:t>Open </a:t>
-            </a:r>
-            <a:r>
-              <a:rPr lang="en-GB" i="1" dirty="0">
-                <a:solidFill>
-                  <a:srgbClr val="00B050"/>
-                </a:solidFill>
-              </a:rPr>
-              <a:t>a scripting window in </a:t>
-            </a:r>
-            <a:r>
-              <a:rPr lang="en-GB" i="1" dirty="0" smtClean="0">
-                <a:solidFill>
-                  <a:srgbClr val="00B050"/>
-                </a:solidFill>
-              </a:rPr>
-              <a:t>IBEX</a:t>
-            </a:r>
-            <a:endParaRPr lang="en-GB" i="1" dirty="0">
-              <a:solidFill>
-                <a:srgbClr val="00B050"/>
-              </a:solidFill>
-            </a:endParaRPr>
-          </a:p>
-          <a:p>
-            <a:pPr marL="285750" indent="-285750">
-              <a:buFont typeface="Arial" panose="020B0604020202020204" pitchFamily="34" charset="0"/>
-              <a:buChar char="•"/>
-            </a:pPr>
-            <a:r>
-              <a:rPr lang="en-GB" i="1" dirty="0">
-                <a:solidFill>
-                  <a:srgbClr val="00B050"/>
-                </a:solidFill>
-              </a:rPr>
-              <a:t>Output "Hello, world!" to the console</a:t>
-            </a:r>
-          </a:p>
-          <a:p>
-            <a:pPr marL="285750" indent="-285750">
-              <a:buFont typeface="Arial" panose="020B0604020202020204" pitchFamily="34" charset="0"/>
-              <a:buChar char="•"/>
-            </a:pPr>
-            <a:r>
-              <a:rPr lang="en-GB" i="1" dirty="0">
-                <a:solidFill>
-                  <a:srgbClr val="00B050"/>
-                </a:solidFill>
-              </a:rPr>
-              <a:t>Output the square of all the integers between 1 and </a:t>
-            </a:r>
-            <a:r>
-              <a:rPr lang="en-GB" i="1" dirty="0" smtClean="0">
-                <a:solidFill>
-                  <a:srgbClr val="00B050"/>
-                </a:solidFill>
-              </a:rPr>
-              <a:t>10</a:t>
-            </a:r>
-          </a:p>
-          <a:p>
-            <a:r>
-              <a:rPr lang="en-GB" i="1" dirty="0" smtClean="0">
-                <a:solidFill>
-                  <a:srgbClr val="00B050"/>
-                </a:solidFill>
-              </a:rPr>
-              <a:t>[10 minutes]</a:t>
-            </a:r>
-            <a:endParaRPr lang="en-GB" i="1" dirty="0">
-              <a:solidFill>
-                <a:srgbClr val="00B050"/>
-              </a:solidFill>
-            </a:endParaRPr>
-          </a:p>
-          <a:p>
-            <a:pPr marL="285750" indent="-285750">
-              <a:buFont typeface="Arial" panose="020B0604020202020204" pitchFamily="34" charset="0"/>
-              <a:buChar char="•"/>
-            </a:pPr>
-            <a:endParaRPr lang="en-GB" i="1" dirty="0">
-              <a:solidFill>
-                <a:srgbClr val="00B050"/>
-              </a:solidFill>
-            </a:endParaRPr>
-          </a:p>
-        </p:txBody>
-      </p:sp>
-      <p:pic>
-        <p:nvPicPr>
-          <p:cNvPr id="7" name="Picture 6"/>
-          <p:cNvPicPr>
-            <a:picLocks noChangeAspect="1"/>
-          </p:cNvPicPr>
-          <p:nvPr/>
-        </p:nvPicPr>
-        <p:blipFill>
-          <a:blip r:embed="rId3"/>
-          <a:stretch>
-            <a:fillRect/>
-          </a:stretch>
-        </p:blipFill>
-        <p:spPr>
-          <a:xfrm>
-            <a:off x="3334920" y="1393267"/>
-            <a:ext cx="2474160" cy="3475893"/>
-          </a:xfrm>
-          <a:prstGeom prst="rect">
-            <a:avLst/>
-          </a:prstGeom>
-        </p:spPr>
-      </p:pic>
-    </p:spTree>
-    <p:extLst>
-      <p:ext uri="{BB962C8B-B14F-4D97-AF65-F5344CB8AC3E}">
-        <p14:creationId xmlns:p14="http://schemas.microsoft.com/office/powerpoint/2010/main" val="3301990217"/>
-      </p:ext>
-    </p:extLst>
-  </p:cSld>
-  <p:clrMapOvr>
-    <a:masterClrMapping/>
-  </p:clrMapOvr>
-  <p:timing>
-    <p:tnLst>
-      <p:par>
-        <p:cTn id="1" dur="indefinite" restart="never" nodeType="tmRoot"/>
-      </p:par>
-    </p:tnLst>
-  </p:timing>
-</p:sld>
-</file>
-
-<file path=ppt/slides/slide40.xml><?xml version="1.0" encoding="utf-8"?>
+<file path=ppt/slides/slide39.xml><?xml version="1.0" encoding="utf-8"?>
 <p:sld xmlns:a="http://schemas.openxmlformats.org/drawingml/2006/main" xmlns:r="http://schemas.openxmlformats.org/officeDocument/2006/relationships" xmlns:p="http://schemas.openxmlformats.org/presentationml/2006/main">
   <p:cSld>
     <p:spTree>
@@ -17926,7 +17281,157 @@
 </p:sld>
 </file>
 
-<file path=ppt/slides/slide41.xml><?xml version="1.0" encoding="utf-8"?>
+<file path=ppt/slides/slide4.xml><?xml version="1.0" encoding="utf-8"?>
+<p:sld xmlns:a="http://schemas.openxmlformats.org/drawingml/2006/main" xmlns:r="http://schemas.openxmlformats.org/officeDocument/2006/relationships" xmlns:p="http://schemas.openxmlformats.org/presentationml/2006/main">
+  <p:cSld>
+    <p:spTree>
+      <p:nvGrpSpPr>
+        <p:cNvPr id="1" name=""/>
+        <p:cNvGrpSpPr/>
+        <p:nvPr/>
+      </p:nvGrpSpPr>
+      <p:grpSpPr>
+        <a:xfrm>
+          <a:off x="0" y="0"/>
+          <a:ext cx="0" cy="0"/>
+          <a:chOff x="0" y="0"/>
+          <a:chExt cx="0" cy="0"/>
+        </a:xfrm>
+      </p:grpSpPr>
+      <p:sp>
+        <p:nvSpPr>
+          <p:cNvPr id="2" name="Title 1"/>
+          <p:cNvSpPr>
+            <a:spLocks noGrp="1"/>
+          </p:cNvSpPr>
+          <p:nvPr>
+            <p:ph type="title"/>
+          </p:nvPr>
+        </p:nvSpPr>
+        <p:spPr/>
+        <p:txBody>
+          <a:bodyPr/>
+          <a:lstStyle/>
+          <a:p>
+            <a:r>
+              <a:rPr lang="en-GB" dirty="0" smtClean="0"/>
+              <a:t>Recap of last time</a:t>
+            </a:r>
+            <a:endParaRPr lang="en-GB" dirty="0"/>
+          </a:p>
+        </p:txBody>
+      </p:sp>
+      <p:sp>
+        <p:nvSpPr>
+          <p:cNvPr id="3" name="Content Placeholder 2"/>
+          <p:cNvSpPr>
+            <a:spLocks noGrp="1"/>
+          </p:cNvSpPr>
+          <p:nvPr>
+            <p:ph idx="1"/>
+          </p:nvPr>
+        </p:nvSpPr>
+        <p:spPr>
+          <a:xfrm>
+            <a:off x="457200" y="1268760"/>
+            <a:ext cx="8229600" cy="4680520"/>
+          </a:xfrm>
+        </p:spPr>
+        <p:txBody>
+          <a:bodyPr>
+            <a:normAutofit/>
+          </a:bodyPr>
+          <a:lstStyle/>
+          <a:p>
+            <a:pPr marL="0" indent="0">
+              <a:buNone/>
+            </a:pPr>
+            <a:r>
+              <a:rPr lang="en-GB" i="1" dirty="0" smtClean="0">
+                <a:solidFill>
+                  <a:srgbClr val="00B050"/>
+                </a:solidFill>
+              </a:rPr>
+              <a:t>Edit the current configuration to:</a:t>
+            </a:r>
+          </a:p>
+          <a:p>
+            <a:pPr marL="857250" lvl="1" indent="-457200"/>
+            <a:r>
+              <a:rPr lang="en-GB" i="1" dirty="0" smtClean="0">
+                <a:solidFill>
+                  <a:srgbClr val="00B050"/>
+                </a:solidFill>
+              </a:rPr>
+              <a:t>Start the simple IOC</a:t>
+            </a:r>
+          </a:p>
+          <a:p>
+            <a:pPr marL="857250" lvl="1" indent="-457200"/>
+            <a:r>
+              <a:rPr lang="en-GB" i="1" dirty="0" smtClean="0">
+                <a:solidFill>
+                  <a:srgbClr val="00B050"/>
+                </a:solidFill>
+              </a:rPr>
+              <a:t>Contain a block called “MY_BLOCK” pointing at SIMPLE:VALUE1</a:t>
+            </a:r>
+            <a:endParaRPr lang="en-GB" i="1" dirty="0">
+              <a:solidFill>
+                <a:srgbClr val="00B050"/>
+              </a:solidFill>
+            </a:endParaRPr>
+          </a:p>
+          <a:p>
+            <a:pPr marL="0" indent="0">
+              <a:buNone/>
+            </a:pPr>
+            <a:r>
+              <a:rPr lang="en-GB" i="1" dirty="0" smtClean="0">
+                <a:solidFill>
+                  <a:srgbClr val="00B050"/>
+                </a:solidFill>
+              </a:rPr>
+              <a:t>[5 </a:t>
+            </a:r>
+            <a:r>
+              <a:rPr lang="en-GB" i="1" dirty="0">
+                <a:solidFill>
+                  <a:srgbClr val="00B050"/>
+                </a:solidFill>
+              </a:rPr>
+              <a:t>minutes]</a:t>
+            </a:r>
+          </a:p>
+          <a:p>
+            <a:pPr marL="0" indent="0">
+              <a:buNone/>
+            </a:pPr>
+            <a:endParaRPr lang="en-GB" dirty="0"/>
+          </a:p>
+        </p:txBody>
+      </p:sp>
+    </p:spTree>
+    <p:extLst>
+      <p:ext uri="{BB962C8B-B14F-4D97-AF65-F5344CB8AC3E}">
+        <p14:creationId xmlns:p14="http://schemas.microsoft.com/office/powerpoint/2010/main" val="1361512173"/>
+      </p:ext>
+    </p:extLst>
+  </p:cSld>
+  <p:clrMapOvr>
+    <a:masterClrMapping/>
+  </p:clrMapOvr>
+  <p:timing>
+    <p:tnLst>
+      <p:par>
+        <p:cTn id="1" dur="indefinite" restart="never" nodeType="tmRoot"/>
+      </p:par>
+    </p:tnLst>
+  </p:timing>
+</p:sld>
+</file>
+
+<file path=ppt/slides/slide40.xml><?xml version="1.0" encoding="utf-8"?>
 <p:sld xmlns:a="http://schemas.openxmlformats.org/drawingml/2006/main" xmlns:r="http://schemas.openxmlformats.org/officeDocument/2006/relationships" xmlns:p="http://schemas.openxmlformats.org/presentationml/2006/main">
   <p:cSld>
     <p:spTree>
@@ -18945,20 +18450,6 @@
               </a:rPr>
               <a:t>))</a:t>
             </a:r>
-            <a:r>
-              <a:rPr kumimoji="0" lang="en-US" altLang="en-US" sz="1400" b="0" i="0" u="none" strike="noStrike" cap="none" normalizeH="0" baseline="0" dirty="0" smtClean="0">
-                <a:ln>
-                  <a:noFill/>
-                </a:ln>
-                <a:solidFill>
-                  <a:srgbClr val="000000"/>
-                </a:solidFill>
-                <a:effectLst/>
-                <a:latin typeface="Courier New" panose="02070309020205020404" pitchFamily="49" charset="0"/>
-                <a:cs typeface="Courier New" panose="02070309020205020404" pitchFamily="49" charset="0"/>
-              </a:rPr>
-              <a:t/>
-            </a:r>
             <a:br>
               <a:rPr kumimoji="0" lang="en-US" altLang="en-US" sz="1400" b="0" i="0" u="none" strike="noStrike" cap="none" normalizeH="0" baseline="0" dirty="0" smtClean="0">
                 <a:ln>
@@ -19835,161 +19326,7 @@
 </p:sld>
 </file>
 
-<file path=ppt/slides/slide42.xml><?xml version="1.0" encoding="utf-8"?>
-<p:sld xmlns:a="http://schemas.openxmlformats.org/drawingml/2006/main" xmlns:r="http://schemas.openxmlformats.org/officeDocument/2006/relationships" xmlns:p="http://schemas.openxmlformats.org/presentationml/2006/main">
-  <p:cSld>
-    <p:spTree>
-      <p:nvGrpSpPr>
-        <p:cNvPr id="1" name=""/>
-        <p:cNvGrpSpPr/>
-        <p:nvPr/>
-      </p:nvGrpSpPr>
-      <p:grpSpPr>
-        <a:xfrm>
-          <a:off x="0" y="0"/>
-          <a:ext cx="0" cy="0"/>
-          <a:chOff x="0" y="0"/>
-          <a:chExt cx="0" cy="0"/>
-        </a:xfrm>
-      </p:grpSpPr>
-      <p:sp>
-        <p:nvSpPr>
-          <p:cNvPr id="2" name="Title 1"/>
-          <p:cNvSpPr>
-            <a:spLocks noGrp="1"/>
-          </p:cNvSpPr>
-          <p:nvPr>
-            <p:ph type="title"/>
-          </p:nvPr>
-        </p:nvSpPr>
-        <p:spPr/>
-        <p:txBody>
-          <a:bodyPr/>
-          <a:lstStyle/>
-          <a:p>
-            <a:r>
-              <a:rPr lang="en-GB" dirty="0" smtClean="0">
-                <a:solidFill>
-                  <a:srgbClr val="00B050"/>
-                </a:solidFill>
-              </a:rPr>
-              <a:t>Exercise: Translate to genie_python</a:t>
-            </a:r>
-            <a:endParaRPr lang="en-GB" dirty="0">
-              <a:solidFill>
-                <a:srgbClr val="00B050"/>
-              </a:solidFill>
-            </a:endParaRPr>
-          </a:p>
-        </p:txBody>
-      </p:sp>
-      <p:pic>
-        <p:nvPicPr>
-          <p:cNvPr id="2050" name="Picture 2"/>
-          <p:cNvPicPr>
-            <a:picLocks noChangeAspect="1" noChangeArrowheads="1"/>
-          </p:cNvPicPr>
-          <p:nvPr/>
-        </p:nvPicPr>
-        <p:blipFill>
-          <a:blip r:embed="rId3">
-            <a:extLst>
-              <a:ext uri="{28A0092B-C50C-407E-A947-70E740481C1C}">
-                <a14:useLocalDpi xmlns:a14="http://schemas.microsoft.com/office/drawing/2010/main" val="0"/>
-              </a:ext>
-            </a:extLst>
-          </a:blip>
-          <a:srcRect/>
-          <a:stretch>
-            <a:fillRect/>
-          </a:stretch>
-        </p:blipFill>
-        <p:spPr bwMode="auto">
-          <a:xfrm>
-            <a:off x="683568" y="1628800"/>
-            <a:ext cx="5760640" cy="4990108"/>
-          </a:xfrm>
-          <a:prstGeom prst="rect">
-            <a:avLst/>
-          </a:prstGeom>
-          <a:noFill/>
-          <a:ln>
-            <a:noFill/>
-          </a:ln>
-          <a:extLst>
-            <a:ext uri="{909E8E84-426E-40DD-AFC4-6F175D3DCCD1}">
-              <a14:hiddenFill xmlns:a14="http://schemas.microsoft.com/office/drawing/2010/main">
-                <a:solidFill>
-                  <a:schemeClr val="accent1"/>
-                </a:solidFill>
-              </a14:hiddenFill>
-            </a:ext>
-            <a:ext uri="{91240B29-F687-4F45-9708-019B960494DF}">
-              <a14:hiddenLine xmlns:a14="http://schemas.microsoft.com/office/drawing/2010/main" w="9525">
-                <a:solidFill>
-                  <a:schemeClr val="tx1"/>
-                </a:solidFill>
-                <a:miter lim="800000"/>
-                <a:headEnd/>
-                <a:tailEnd/>
-              </a14:hiddenLine>
-            </a:ext>
-          </a:extLst>
-        </p:spPr>
-      </p:pic>
-      <p:sp>
-        <p:nvSpPr>
-          <p:cNvPr id="3" name="Rectangle 2"/>
-          <p:cNvSpPr/>
-          <p:nvPr/>
-        </p:nvSpPr>
-        <p:spPr>
-          <a:xfrm>
-            <a:off x="6516216" y="5085184"/>
-            <a:ext cx="1441420" cy="369332"/>
-          </a:xfrm>
-          <a:prstGeom prst="rect">
-            <a:avLst/>
-          </a:prstGeom>
-        </p:spPr>
-        <p:txBody>
-          <a:bodyPr wrap="none">
-            <a:spAutoFit/>
-          </a:bodyPr>
-          <a:lstStyle/>
-          <a:p>
-            <a:r>
-              <a:rPr lang="en-GB" i="1" dirty="0">
-                <a:solidFill>
-                  <a:srgbClr val="00B050"/>
-                </a:solidFill>
-              </a:rPr>
-              <a:t>[30 minutes]</a:t>
-            </a:r>
-          </a:p>
-        </p:txBody>
-      </p:sp>
-    </p:spTree>
-    <p:extLst>
-      <p:ext uri="{BB962C8B-B14F-4D97-AF65-F5344CB8AC3E}">
-        <p14:creationId xmlns:p14="http://schemas.microsoft.com/office/powerpoint/2010/main" val="1774851183"/>
-      </p:ext>
-    </p:extLst>
-  </p:cSld>
-  <p:clrMapOvr>
-    <a:masterClrMapping/>
-  </p:clrMapOvr>
-  <p:timing>
-    <p:tnLst>
-      <p:par>
-        <p:cTn id="1" dur="indefinite" restart="never" nodeType="tmRoot"/>
-      </p:par>
-    </p:tnLst>
-  </p:timing>
-</p:sld>
-</file>
-
-<file path=ppt/slides/slide43.xml><?xml version="1.0" encoding="utf-8"?>
+<file path=ppt/slides/slide41.xml><?xml version="1.0" encoding="utf-8"?>
 <p:sld xmlns:a="http://schemas.openxmlformats.org/drawingml/2006/main" xmlns:r="http://schemas.openxmlformats.org/officeDocument/2006/relationships" xmlns:p="http://schemas.openxmlformats.org/presentationml/2006/main">
   <p:cSld>
     <p:spTree>
@@ -20178,7 +19515,7 @@
 </p:sld>
 </file>
 
-<file path=ppt/slides/slide44.xml><?xml version="1.0" encoding="utf-8"?>
+<file path=ppt/slides/slide42.xml><?xml version="1.0" encoding="utf-8"?>
 <p:sld xmlns:a="http://schemas.openxmlformats.org/drawingml/2006/main" xmlns:r="http://schemas.openxmlformats.org/officeDocument/2006/relationships" xmlns:p="http://schemas.openxmlformats.org/presentationml/2006/main">
   <p:cSld>
     <p:spTree>
@@ -22632,7 +21969,7 @@
 </p:sld>
 </file>
 
-<file path=ppt/slides/slide45.xml><?xml version="1.0" encoding="utf-8"?>
+<file path=ppt/slides/slide43.xml><?xml version="1.0" encoding="utf-8"?>
 <p:sld xmlns:a="http://schemas.openxmlformats.org/drawingml/2006/main" xmlns:r="http://schemas.openxmlformats.org/officeDocument/2006/relationships" xmlns:p="http://schemas.openxmlformats.org/presentationml/2006/main">
   <p:cSld>
     <p:spTree>
@@ -22873,7 +22210,7 @@
 </p:sld>
 </file>
 
-<file path=ppt/slides/slide46.xml><?xml version="1.0" encoding="utf-8"?>
+<file path=ppt/slides/slide44.xml><?xml version="1.0" encoding="utf-8"?>
 <p:sld xmlns:a="http://schemas.openxmlformats.org/drawingml/2006/main" xmlns:r="http://schemas.openxmlformats.org/officeDocument/2006/relationships" xmlns:p="http://schemas.openxmlformats.org/presentationml/2006/main">
   <p:cSld>
     <p:spTree>
@@ -23382,7 +22719,7 @@
 </p:sld>
 </file>
 
-<file path=ppt/slides/slide47.xml><?xml version="1.0" encoding="utf-8"?>
+<file path=ppt/slides/slide45.xml><?xml version="1.0" encoding="utf-8"?>
 <p:sld xmlns:a="http://schemas.openxmlformats.org/drawingml/2006/main" xmlns:r="http://schemas.openxmlformats.org/officeDocument/2006/relationships" xmlns:p="http://schemas.openxmlformats.org/presentationml/2006/main">
   <p:cSld>
     <p:spTree>
@@ -23460,7 +22797,23 @@
                   <a:srgbClr val="C00000"/>
                 </a:solidFill>
               </a:rPr>
-              <a:t>from genie_python import genie as g</a:t>
+              <a:t>from </a:t>
+            </a:r>
+            <a:r>
+              <a:rPr lang="en-GB" sz="2800" dirty="0" err="1" smtClean="0">
+                <a:solidFill>
+                  <a:srgbClr val="C00000"/>
+                </a:solidFill>
+              </a:rPr>
+              <a:t>genie_python</a:t>
+            </a:r>
+            <a:r>
+              <a:rPr lang="en-GB" sz="2800" dirty="0" smtClean="0">
+                <a:solidFill>
+                  <a:srgbClr val="C00000"/>
+                </a:solidFill>
+              </a:rPr>
+              <a:t> import genie as g</a:t>
             </a:r>
           </a:p>
           <a:p>
@@ -23471,12 +22824,8 @@
               <a:buNone/>
             </a:pPr>
             <a:r>
-              <a:rPr lang="en-GB" sz="2800" dirty="0"/>
-              <a:t>a</a:t>
-            </a:r>
-            <a:r>
               <a:rPr lang="en-GB" sz="2800" dirty="0" smtClean="0"/>
-              <a:t>t the top to use </a:t>
+              <a:t>at the top to use </a:t>
             </a:r>
             <a:r>
               <a:rPr lang="en-GB" sz="2800" dirty="0" err="1" smtClean="0"/>
@@ -23484,11 +22833,7 @@
             </a:r>
             <a:r>
               <a:rPr lang="en-GB" sz="2800" dirty="0" smtClean="0"/>
-              <a:t> </a:t>
-            </a:r>
-            <a:r>
-              <a:rPr lang="en-GB" sz="2800" dirty="0" smtClean="0"/>
-              <a:t>commands.</a:t>
+              <a:t> commands.</a:t>
             </a:r>
           </a:p>
           <a:p>
@@ -23498,8 +22843,12 @@
               </a:lnSpc>
             </a:pPr>
             <a:r>
+              <a:rPr lang="en-GB" sz="2800" dirty="0" smtClean="0"/>
+              <a:t>The </a:t>
+            </a:r>
+            <a:r>
               <a:rPr lang="en-GB" sz="2800" dirty="0"/>
-              <a:t>The script server executes Python scripts. </a:t>
+              <a:t>script server executes Python scripts. </a:t>
             </a:r>
             <a:endParaRPr lang="en-GB" sz="2800" dirty="0" smtClean="0"/>
           </a:p>
@@ -23552,7 +22901,7 @@
 </p:sld>
 </file>
 
-<file path=ppt/slides/slide48.xml><?xml version="1.0" encoding="utf-8"?>
+<file path=ppt/slides/slide46.xml><?xml version="1.0" encoding="utf-8"?>
 <p:sld xmlns:a="http://schemas.openxmlformats.org/drawingml/2006/main" xmlns:r="http://schemas.openxmlformats.org/officeDocument/2006/relationships" xmlns:p="http://schemas.openxmlformats.org/presentationml/2006/main">
   <p:cSld>
     <p:spTree>
@@ -23726,7 +23075,7 @@
 </p:sld>
 </file>
 
-<file path=ppt/slides/slide49.xml><?xml version="1.0" encoding="utf-8"?>
+<file path=ppt/slides/slide47.xml><?xml version="1.0" encoding="utf-8"?>
 <p:sld xmlns:a="http://schemas.openxmlformats.org/drawingml/2006/main" xmlns:r="http://schemas.openxmlformats.org/officeDocument/2006/relationships" xmlns:p="http://schemas.openxmlformats.org/presentationml/2006/main">
   <p:cSld>
     <p:spTree>
@@ -23838,6 +23187,464 @@
   <p:clrMapOvr>
     <a:masterClrMapping/>
   </p:clrMapOvr>
+</p:sld>
+</file>
+
+<file path=ppt/slides/slide48.xml><?xml version="1.0" encoding="utf-8"?>
+<p:sld xmlns:a="http://schemas.openxmlformats.org/drawingml/2006/main" xmlns:r="http://schemas.openxmlformats.org/officeDocument/2006/relationships" xmlns:p="http://schemas.openxmlformats.org/presentationml/2006/main">
+  <p:cSld>
+    <p:spTree>
+      <p:nvGrpSpPr>
+        <p:cNvPr id="1" name=""/>
+        <p:cNvGrpSpPr/>
+        <p:nvPr/>
+      </p:nvGrpSpPr>
+      <p:grpSpPr>
+        <a:xfrm>
+          <a:off x="0" y="0"/>
+          <a:ext cx="0" cy="0"/>
+          <a:chOff x="0" y="0"/>
+          <a:chExt cx="0" cy="0"/>
+        </a:xfrm>
+      </p:grpSpPr>
+      <p:sp>
+        <p:nvSpPr>
+          <p:cNvPr id="2" name="Title 1"/>
+          <p:cNvSpPr>
+            <a:spLocks noGrp="1"/>
+          </p:cNvSpPr>
+          <p:nvPr>
+            <p:ph type="title"/>
+          </p:nvPr>
+        </p:nvSpPr>
+        <p:spPr/>
+        <p:txBody>
+          <a:bodyPr/>
+          <a:lstStyle/>
+          <a:p>
+            <a:r>
+              <a:rPr lang="en-GB" dirty="0" smtClean="0">
+                <a:solidFill>
+                  <a:srgbClr val="00B050"/>
+                </a:solidFill>
+              </a:rPr>
+              <a:t>Exercise: Translate to genie_python</a:t>
+            </a:r>
+            <a:endParaRPr lang="en-GB" dirty="0">
+              <a:solidFill>
+                <a:srgbClr val="00B050"/>
+              </a:solidFill>
+            </a:endParaRPr>
+          </a:p>
+        </p:txBody>
+      </p:sp>
+      <p:pic>
+        <p:nvPicPr>
+          <p:cNvPr id="2050" name="Picture 2"/>
+          <p:cNvPicPr>
+            <a:picLocks noChangeAspect="1" noChangeArrowheads="1"/>
+          </p:cNvPicPr>
+          <p:nvPr/>
+        </p:nvPicPr>
+        <p:blipFill>
+          <a:blip r:embed="rId3">
+            <a:extLst>
+              <a:ext uri="{28A0092B-C50C-407E-A947-70E740481C1C}">
+                <a14:useLocalDpi xmlns:a14="http://schemas.microsoft.com/office/drawing/2010/main" val="0"/>
+              </a:ext>
+            </a:extLst>
+          </a:blip>
+          <a:srcRect/>
+          <a:stretch>
+            <a:fillRect/>
+          </a:stretch>
+        </p:blipFill>
+        <p:spPr bwMode="auto">
+          <a:xfrm>
+            <a:off x="683568" y="1628800"/>
+            <a:ext cx="5760640" cy="4990108"/>
+          </a:xfrm>
+          <a:prstGeom prst="rect">
+            <a:avLst/>
+          </a:prstGeom>
+          <a:noFill/>
+          <a:ln>
+            <a:noFill/>
+          </a:ln>
+          <a:extLst>
+            <a:ext uri="{909E8E84-426E-40DD-AFC4-6F175D3DCCD1}">
+              <a14:hiddenFill xmlns:a14="http://schemas.microsoft.com/office/drawing/2010/main">
+                <a:solidFill>
+                  <a:schemeClr val="accent1"/>
+                </a:solidFill>
+              </a14:hiddenFill>
+            </a:ext>
+            <a:ext uri="{91240B29-F687-4F45-9708-019B960494DF}">
+              <a14:hiddenLine xmlns:a14="http://schemas.microsoft.com/office/drawing/2010/main" w="9525">
+                <a:solidFill>
+                  <a:schemeClr val="tx1"/>
+                </a:solidFill>
+                <a:miter lim="800000"/>
+                <a:headEnd/>
+                <a:tailEnd/>
+              </a14:hiddenLine>
+            </a:ext>
+          </a:extLst>
+        </p:spPr>
+      </p:pic>
+      <p:sp>
+        <p:nvSpPr>
+          <p:cNvPr id="3" name="Rectangle 2"/>
+          <p:cNvSpPr/>
+          <p:nvPr/>
+        </p:nvSpPr>
+        <p:spPr>
+          <a:xfrm>
+            <a:off x="6516216" y="5085184"/>
+            <a:ext cx="1441420" cy="369332"/>
+          </a:xfrm>
+          <a:prstGeom prst="rect">
+            <a:avLst/>
+          </a:prstGeom>
+        </p:spPr>
+        <p:txBody>
+          <a:bodyPr wrap="none">
+            <a:spAutoFit/>
+          </a:bodyPr>
+          <a:lstStyle/>
+          <a:p>
+            <a:r>
+              <a:rPr lang="en-GB" i="1" dirty="0">
+                <a:solidFill>
+                  <a:srgbClr val="00B050"/>
+                </a:solidFill>
+              </a:rPr>
+              <a:t>[30 minutes]</a:t>
+            </a:r>
+          </a:p>
+        </p:txBody>
+      </p:sp>
+    </p:spTree>
+    <p:extLst>
+      <p:ext uri="{BB962C8B-B14F-4D97-AF65-F5344CB8AC3E}">
+        <p14:creationId xmlns:p14="http://schemas.microsoft.com/office/powerpoint/2010/main" val="1774851183"/>
+      </p:ext>
+    </p:extLst>
+  </p:cSld>
+  <p:clrMapOvr>
+    <a:masterClrMapping/>
+  </p:clrMapOvr>
+  <p:timing>
+    <p:tnLst>
+      <p:par>
+        <p:cTn id="1" dur="indefinite" restart="never" nodeType="tmRoot"/>
+      </p:par>
+    </p:tnLst>
+  </p:timing>
+</p:sld>
+</file>
+
+<file path=ppt/slides/slide49.xml><?xml version="1.0" encoding="utf-8"?>
+<p:sld xmlns:a="http://schemas.openxmlformats.org/drawingml/2006/main" xmlns:r="http://schemas.openxmlformats.org/officeDocument/2006/relationships" xmlns:p="http://schemas.openxmlformats.org/presentationml/2006/main">
+  <p:cSld>
+    <p:bg>
+      <p:bgRef idx="1001">
+        <a:schemeClr val="bg1"/>
+      </p:bgRef>
+    </p:bg>
+    <p:spTree>
+      <p:nvGrpSpPr>
+        <p:cNvPr id="1" name=""/>
+        <p:cNvGrpSpPr/>
+        <p:nvPr/>
+      </p:nvGrpSpPr>
+      <p:grpSpPr>
+        <a:xfrm>
+          <a:off x="0" y="0"/>
+          <a:ext cx="0" cy="0"/>
+          <a:chOff x="0" y="0"/>
+          <a:chExt cx="0" cy="0"/>
+        </a:xfrm>
+      </p:grpSpPr>
+      <p:sp>
+        <p:nvSpPr>
+          <p:cNvPr id="2" name="Title 1"/>
+          <p:cNvSpPr>
+            <a:spLocks noGrp="1"/>
+          </p:cNvSpPr>
+          <p:nvPr>
+            <p:ph type="title"/>
+          </p:nvPr>
+        </p:nvSpPr>
+        <p:spPr/>
+        <p:txBody>
+          <a:bodyPr/>
+          <a:lstStyle/>
+          <a:p>
+            <a:r>
+              <a:rPr lang="en-GB" dirty="0" smtClean="0">
+                <a:solidFill>
+                  <a:srgbClr val="00B050"/>
+                </a:solidFill>
+              </a:rPr>
+              <a:t>Exercise</a:t>
+            </a:r>
+            <a:endParaRPr lang="en-GB" dirty="0">
+              <a:solidFill>
+                <a:srgbClr val="00B050"/>
+              </a:solidFill>
+            </a:endParaRPr>
+          </a:p>
+        </p:txBody>
+      </p:sp>
+      <p:sp>
+        <p:nvSpPr>
+          <p:cNvPr id="4" name="TextBox 3"/>
+          <p:cNvSpPr txBox="1"/>
+          <p:nvPr/>
+        </p:nvSpPr>
+        <p:spPr>
+          <a:xfrm>
+            <a:off x="395536" y="1556792"/>
+            <a:ext cx="8496944" cy="4247317"/>
+          </a:xfrm>
+          <a:prstGeom prst="rect">
+            <a:avLst/>
+          </a:prstGeom>
+          <a:noFill/>
+        </p:spPr>
+        <p:txBody>
+          <a:bodyPr wrap="square" rtlCol="0">
+            <a:spAutoFit/>
+          </a:bodyPr>
+          <a:lstStyle/>
+          <a:p>
+            <a:pPr marL="285750" indent="-285750">
+              <a:buFont typeface="Arial" panose="020B0604020202020204" pitchFamily="34" charset="0"/>
+              <a:buChar char="•"/>
+            </a:pPr>
+            <a:r>
+              <a:rPr lang="en-GB" dirty="0">
+                <a:solidFill>
+                  <a:srgbClr val="00B050"/>
+                </a:solidFill>
+              </a:rPr>
+              <a:t>Create a new </a:t>
+            </a:r>
+            <a:r>
+              <a:rPr lang="en-GB" b="1" dirty="0">
+                <a:solidFill>
+                  <a:srgbClr val="00B050"/>
+                </a:solidFill>
+              </a:rPr>
+              <a:t>instrument script </a:t>
+            </a:r>
+            <a:r>
+              <a:rPr lang="en-GB" dirty="0">
+                <a:solidFill>
+                  <a:srgbClr val="00B050"/>
+                </a:solidFill>
+              </a:rPr>
+              <a:t>containing a function</a:t>
+            </a:r>
+          </a:p>
+          <a:p>
+            <a:pPr marL="742950" lvl="1" indent="-285750">
+              <a:buFont typeface="Arial" panose="020B0604020202020204" pitchFamily="34" charset="0"/>
+              <a:buChar char="•"/>
+            </a:pPr>
+            <a:r>
+              <a:rPr lang="en-GB" dirty="0">
+                <a:solidFill>
+                  <a:srgbClr val="00B050"/>
+                </a:solidFill>
+              </a:rPr>
+              <a:t>The function sets the title to "Ramping [block name] from [initial value] to [final value</a:t>
+            </a:r>
+            <a:r>
+              <a:rPr lang="en-GB" dirty="0" smtClean="0">
+                <a:solidFill>
+                  <a:srgbClr val="00B050"/>
+                </a:solidFill>
+              </a:rPr>
+              <a:t>]“</a:t>
+            </a:r>
+          </a:p>
+          <a:p>
+            <a:pPr marL="1200150" lvl="2" indent="-285750">
+              <a:buFont typeface="Arial" panose="020B0604020202020204" pitchFamily="34" charset="0"/>
+              <a:buChar char="•"/>
+            </a:pPr>
+            <a:r>
+              <a:rPr lang="en-GB" dirty="0" smtClean="0">
+                <a:solidFill>
+                  <a:srgbClr val="00B050"/>
+                </a:solidFill>
+              </a:rPr>
+              <a:t>The block name, initial and final values should all be provided as input arguments</a:t>
+            </a:r>
+            <a:endParaRPr lang="en-GB" dirty="0">
+              <a:solidFill>
+                <a:srgbClr val="00B050"/>
+              </a:solidFill>
+            </a:endParaRPr>
+          </a:p>
+          <a:p>
+            <a:pPr marL="742950" lvl="1" indent="-285750">
+              <a:buFont typeface="Arial" panose="020B0604020202020204" pitchFamily="34" charset="0"/>
+              <a:buChar char="•"/>
+            </a:pPr>
+            <a:r>
+              <a:rPr lang="en-GB" dirty="0">
+                <a:solidFill>
+                  <a:srgbClr val="00B050"/>
+                </a:solidFill>
+              </a:rPr>
+              <a:t>The method begins a run and then changes the value of the block incrementally in steps of size 1</a:t>
+            </a:r>
+          </a:p>
+          <a:p>
+            <a:pPr marL="742950" lvl="1" indent="-285750">
+              <a:buFont typeface="Arial" panose="020B0604020202020204" pitchFamily="34" charset="0"/>
+              <a:buChar char="•"/>
+            </a:pPr>
+            <a:r>
+              <a:rPr lang="en-GB" dirty="0">
+                <a:solidFill>
+                  <a:srgbClr val="00B050"/>
+                </a:solidFill>
+              </a:rPr>
+              <a:t>Once the target is reached, the method ends the run</a:t>
+            </a:r>
+          </a:p>
+          <a:p>
+            <a:pPr marL="285750" indent="-285750">
+              <a:buFont typeface="Arial" panose="020B0604020202020204" pitchFamily="34" charset="0"/>
+              <a:buChar char="•"/>
+            </a:pPr>
+            <a:r>
+              <a:rPr lang="en-GB" dirty="0">
+                <a:solidFill>
+                  <a:srgbClr val="00B050"/>
+                </a:solidFill>
+              </a:rPr>
+              <a:t>Put a line at the top of your instrument script </a:t>
+            </a:r>
+            <a:r>
+              <a:rPr lang="en-GB" b="1" dirty="0">
+                <a:solidFill>
+                  <a:srgbClr val="00B050"/>
+                </a:solidFill>
+              </a:rPr>
+              <a:t>outside the function definition</a:t>
+            </a:r>
+            <a:r>
+              <a:rPr lang="en-GB" dirty="0">
+                <a:solidFill>
+                  <a:srgbClr val="00B050"/>
+                </a:solidFill>
+              </a:rPr>
+              <a:t> that prints the current title</a:t>
+            </a:r>
+          </a:p>
+          <a:p>
+            <a:pPr marL="285750" indent="-285750">
+              <a:buFont typeface="Arial" panose="020B0604020202020204" pitchFamily="34" charset="0"/>
+              <a:buChar char="•"/>
+            </a:pPr>
+            <a:r>
+              <a:rPr lang="en-GB" dirty="0">
+                <a:solidFill>
+                  <a:srgbClr val="00B050"/>
+                </a:solidFill>
+              </a:rPr>
+              <a:t>Create a new user script containing a function</a:t>
+            </a:r>
+          </a:p>
+          <a:p>
+            <a:pPr marL="742950" lvl="1" indent="-285750">
+              <a:buFont typeface="Arial" panose="020B0604020202020204" pitchFamily="34" charset="0"/>
+              <a:buChar char="•"/>
+            </a:pPr>
+            <a:r>
+              <a:rPr lang="en-GB" dirty="0">
+                <a:solidFill>
+                  <a:srgbClr val="00B050"/>
+                </a:solidFill>
+              </a:rPr>
+              <a:t>The function runs the new instrument script on two different blocks</a:t>
+            </a:r>
+          </a:p>
+          <a:p>
+            <a:pPr marL="285750" indent="-285750">
+              <a:buFont typeface="Arial" panose="020B0604020202020204" pitchFamily="34" charset="0"/>
+              <a:buChar char="•"/>
+            </a:pPr>
+            <a:r>
+              <a:rPr lang="en-GB" dirty="0">
+                <a:solidFill>
+                  <a:srgbClr val="00B050"/>
+                </a:solidFill>
+              </a:rPr>
+              <a:t>Load and run your new user-script function</a:t>
+            </a:r>
+          </a:p>
+          <a:p>
+            <a:pPr marL="285750" indent="-285750">
+              <a:buFont typeface="Arial" panose="020B0604020202020204" pitchFamily="34" charset="0"/>
+              <a:buChar char="•"/>
+            </a:pPr>
+            <a:r>
+              <a:rPr lang="en-GB" dirty="0">
+                <a:solidFill>
+                  <a:srgbClr val="00B050"/>
+                </a:solidFill>
+              </a:rPr>
+              <a:t>Where was the print statement at the top of your instrument script executed</a:t>
+            </a:r>
+            <a:r>
+              <a:rPr lang="en-GB" dirty="0" smtClean="0">
+                <a:solidFill>
+                  <a:srgbClr val="00B050"/>
+                </a:solidFill>
+              </a:rPr>
+              <a:t>?</a:t>
+            </a:r>
+          </a:p>
+          <a:p>
+            <a:r>
+              <a:rPr lang="en-GB" i="1" dirty="0" smtClean="0">
+                <a:solidFill>
+                  <a:srgbClr val="00B050"/>
+                </a:solidFill>
+              </a:rPr>
+              <a:t>[30 minutes]</a:t>
+            </a:r>
+            <a:endParaRPr lang="en-GB" i="1" dirty="0">
+              <a:solidFill>
+                <a:srgbClr val="00B050"/>
+              </a:solidFill>
+            </a:endParaRPr>
+          </a:p>
+        </p:txBody>
+      </p:sp>
+    </p:spTree>
+    <p:extLst>
+      <p:ext uri="{BB962C8B-B14F-4D97-AF65-F5344CB8AC3E}">
+        <p14:creationId xmlns:p14="http://schemas.microsoft.com/office/powerpoint/2010/main" val="2674125957"/>
+      </p:ext>
+    </p:extLst>
+  </p:cSld>
+  <p:clrMapOvr>
+    <a:overrideClrMapping bg1="lt1" tx1="dk1" bg2="lt2" tx2="dk2" accent1="accent1" accent2="accent2" accent3="accent3" accent4="accent4" accent5="accent5" accent6="accent6" hlink="hlink" folHlink="folHlink"/>
+  </p:clrMapOvr>
+  <p:timing>
+    <p:tnLst>
+      <p:par>
+        <p:cTn id="1" dur="indefinite" restart="never" nodeType="tmRoot"/>
+      </p:par>
+    </p:tnLst>
+  </p:timing>
 </p:sld>
 </file>
 
@@ -23875,7 +23682,7 @@
           <a:p>
             <a:r>
               <a:rPr lang="en-GB" dirty="0" smtClean="0"/>
-              <a:t>Python 2/3</a:t>
+              <a:t>Getting started</a:t>
             </a:r>
             <a:endParaRPr lang="en-GB" dirty="0"/>
           </a:p>
@@ -23883,130 +23690,165 @@
       </p:sp>
       <p:sp>
         <p:nvSpPr>
-          <p:cNvPr id="3" name="Content Placeholder 2"/>
-          <p:cNvSpPr>
-            <a:spLocks noGrp="1"/>
-          </p:cNvSpPr>
-          <p:nvPr>
-            <p:ph idx="1"/>
-          </p:nvPr>
+          <p:cNvPr id="4" name="TextBox 3"/>
+          <p:cNvSpPr txBox="1"/>
+          <p:nvPr/>
         </p:nvSpPr>
         <p:spPr>
           <a:xfrm>
-            <a:off x="395536" y="1196752"/>
-            <a:ext cx="8229600" cy="4968552"/>
+            <a:off x="485825" y="4869160"/>
+            <a:ext cx="8280920" cy="1477328"/>
           </a:xfrm>
+          <a:prstGeom prst="rect">
+            <a:avLst/>
+          </a:prstGeom>
+          <a:noFill/>
         </p:spPr>
         <p:txBody>
-          <a:bodyPr/>
+          <a:bodyPr wrap="square" rtlCol="0">
+            <a:spAutoFit/>
+          </a:bodyPr>
           <a:lstStyle/>
           <a:p>
-            <a:r>
-              <a:rPr lang="en-GB" sz="2800" dirty="0" smtClean="0"/>
-              <a:t>Currently using Python 2 – but Python 3 is coming soon!</a:t>
-            </a:r>
-          </a:p>
-          <a:p>
-            <a:r>
-              <a:rPr lang="en-GB" sz="2800" dirty="0" smtClean="0"/>
-              <a:t>What does this mean for instrument scripts?</a:t>
-            </a:r>
-          </a:p>
-          <a:p>
-            <a:pPr lvl="1"/>
-            <a:r>
-              <a:rPr lang="en-GB" dirty="0" smtClean="0"/>
-              <a:t>Most code will not need changing</a:t>
-            </a:r>
-          </a:p>
-          <a:p>
-            <a:pPr lvl="1"/>
-            <a:r>
-              <a:rPr lang="en-GB" dirty="0" smtClean="0">
-                <a:solidFill>
-                  <a:srgbClr val="C00000"/>
-                </a:solidFill>
-                <a:latin typeface="Consolas" panose="020B0609020204030204" pitchFamily="49" charset="0"/>
-                <a:cs typeface="Courier New" panose="02070309020205020404" pitchFamily="49" charset="0"/>
-              </a:rPr>
-              <a:t>print “hello”</a:t>
-            </a:r>
-            <a:r>
-              <a:rPr lang="en-GB" dirty="0" smtClean="0">
-                <a:solidFill>
-                  <a:schemeClr val="accent2"/>
-                </a:solidFill>
-                <a:latin typeface="Consolas" panose="020B0609020204030204" pitchFamily="49" charset="0"/>
-                <a:cs typeface="Courier New" panose="02070309020205020404" pitchFamily="49" charset="0"/>
-              </a:rPr>
-              <a:t> </a:t>
-            </a:r>
-            <a:r>
-              <a:rPr lang="en-GB" dirty="0" smtClean="0">
-                <a:latin typeface="+mj-lt"/>
-                <a:cs typeface="Courier New" panose="02070309020205020404" pitchFamily="49" charset="0"/>
-                <a:sym typeface="Wingdings" panose="05000000000000000000" pitchFamily="2" charset="2"/>
-              </a:rPr>
-              <a:t></a:t>
-            </a:r>
-            <a:r>
-              <a:rPr lang="en-GB" dirty="0" smtClean="0">
-                <a:latin typeface="Courier New" panose="02070309020205020404" pitchFamily="49" charset="0"/>
-                <a:cs typeface="Courier New" panose="02070309020205020404" pitchFamily="49" charset="0"/>
-              </a:rPr>
-              <a:t> </a:t>
-            </a:r>
-            <a:r>
-              <a:rPr lang="en-GB" dirty="0" smtClean="0">
-                <a:solidFill>
-                  <a:srgbClr val="C00000"/>
-                </a:solidFill>
-                <a:latin typeface="Consolas" panose="020B0609020204030204" pitchFamily="49" charset="0"/>
-                <a:cs typeface="Courier New" panose="02070309020205020404" pitchFamily="49" charset="0"/>
-              </a:rPr>
-              <a:t>print(“hello”)</a:t>
-            </a:r>
-          </a:p>
-          <a:p>
-            <a:pPr lvl="1"/>
-            <a:r>
-              <a:rPr lang="en-GB" dirty="0" smtClean="0">
-                <a:cs typeface="Courier New" panose="02070309020205020404" pitchFamily="49" charset="0"/>
-              </a:rPr>
-              <a:t>A few other changes behind the scenes which are less likely to affect instrument scripts</a:t>
-            </a:r>
-          </a:p>
-          <a:p>
-            <a:r>
-              <a:rPr lang="en-GB" sz="2800" dirty="0" smtClean="0">
-                <a:cs typeface="Courier New" panose="02070309020205020404" pitchFamily="49" charset="0"/>
-              </a:rPr>
-              <a:t>We will run a converter when we move to Python 3</a:t>
-            </a:r>
-          </a:p>
-          <a:p>
-            <a:r>
-              <a:rPr lang="en-GB" sz="2800" dirty="0" smtClean="0">
-                <a:cs typeface="Courier New" panose="02070309020205020404" pitchFamily="49" charset="0"/>
-              </a:rPr>
-              <a:t>However, develop good habits by writing Python 3 compatible code today!</a:t>
-            </a:r>
-            <a:endParaRPr lang="en-GB" sz="2800" dirty="0">
-              <a:cs typeface="Courier New" panose="02070309020205020404" pitchFamily="49" charset="0"/>
+            <a:pPr marL="285750" indent="-285750">
+              <a:buFont typeface="Arial" panose="020B0604020202020204" pitchFamily="34" charset="0"/>
+              <a:buChar char="•"/>
+            </a:pPr>
+            <a:r>
+              <a:rPr lang="en-GB" i="1" dirty="0" smtClean="0">
+                <a:solidFill>
+                  <a:srgbClr val="00B050"/>
+                </a:solidFill>
+              </a:rPr>
+              <a:t>Open </a:t>
+            </a:r>
+            <a:r>
+              <a:rPr lang="en-GB" i="1" dirty="0">
+                <a:solidFill>
+                  <a:srgbClr val="00B050"/>
+                </a:solidFill>
+              </a:rPr>
+              <a:t>a scripting window in </a:t>
+            </a:r>
+            <a:r>
+              <a:rPr lang="en-GB" i="1" dirty="0" smtClean="0">
+                <a:solidFill>
+                  <a:srgbClr val="00B050"/>
+                </a:solidFill>
+              </a:rPr>
+              <a:t>IBEX</a:t>
+            </a:r>
+            <a:endParaRPr lang="en-GB" i="1" dirty="0">
+              <a:solidFill>
+                <a:srgbClr val="00B050"/>
+              </a:solidFill>
             </a:endParaRPr>
           </a:p>
+          <a:p>
+            <a:pPr marL="285750" indent="-285750">
+              <a:buFont typeface="Arial" panose="020B0604020202020204" pitchFamily="34" charset="0"/>
+              <a:buChar char="•"/>
+            </a:pPr>
+            <a:r>
+              <a:rPr lang="en-GB" i="1" dirty="0">
+                <a:solidFill>
+                  <a:srgbClr val="00B050"/>
+                </a:solidFill>
+              </a:rPr>
+              <a:t>Output "Hello, world!" to the console</a:t>
+            </a:r>
+          </a:p>
+          <a:p>
+            <a:pPr marL="285750" indent="-285750">
+              <a:buFont typeface="Arial" panose="020B0604020202020204" pitchFamily="34" charset="0"/>
+              <a:buChar char="•"/>
+            </a:pPr>
+            <a:r>
+              <a:rPr lang="en-GB" i="1" dirty="0">
+                <a:solidFill>
+                  <a:srgbClr val="00B050"/>
+                </a:solidFill>
+              </a:rPr>
+              <a:t>Output the square of all the integers between 1 and </a:t>
+            </a:r>
+            <a:r>
+              <a:rPr lang="en-GB" i="1" dirty="0" smtClean="0">
+                <a:solidFill>
+                  <a:srgbClr val="00B050"/>
+                </a:solidFill>
+              </a:rPr>
+              <a:t>10</a:t>
+            </a:r>
+          </a:p>
+          <a:p>
+            <a:r>
+              <a:rPr lang="en-GB" i="1" dirty="0" smtClean="0">
+                <a:solidFill>
+                  <a:srgbClr val="00B050"/>
+                </a:solidFill>
+              </a:rPr>
+              <a:t>[10 minutes]</a:t>
+            </a:r>
+            <a:endParaRPr lang="en-GB" i="1" dirty="0">
+              <a:solidFill>
+                <a:srgbClr val="00B050"/>
+              </a:solidFill>
+            </a:endParaRPr>
+          </a:p>
+          <a:p>
+            <a:pPr marL="285750" indent="-285750">
+              <a:buFont typeface="Arial" panose="020B0604020202020204" pitchFamily="34" charset="0"/>
+              <a:buChar char="•"/>
+            </a:pPr>
+            <a:endParaRPr lang="en-GB" i="1" dirty="0">
+              <a:solidFill>
+                <a:srgbClr val="00B050"/>
+              </a:solidFill>
+            </a:endParaRPr>
+          </a:p>
         </p:txBody>
       </p:sp>
+      <p:pic>
+        <p:nvPicPr>
+          <p:cNvPr id="7" name="Picture 6"/>
+          <p:cNvPicPr>
+            <a:picLocks noChangeAspect="1"/>
+          </p:cNvPicPr>
+          <p:nvPr/>
+        </p:nvPicPr>
+        <p:blipFill>
+          <a:blip r:embed="rId3"/>
+          <a:stretch>
+            <a:fillRect/>
+          </a:stretch>
+        </p:blipFill>
+        <p:spPr>
+          <a:xfrm>
+            <a:off x="3334920" y="1393267"/>
+            <a:ext cx="2474160" cy="3475893"/>
+          </a:xfrm>
+          <a:prstGeom prst="rect">
+            <a:avLst/>
+          </a:prstGeom>
+        </p:spPr>
+      </p:pic>
     </p:spTree>
     <p:extLst>
       <p:ext uri="{BB962C8B-B14F-4D97-AF65-F5344CB8AC3E}">
-        <p14:creationId xmlns:p14="http://schemas.microsoft.com/office/powerpoint/2010/main" val="310136975"/>
+        <p14:creationId xmlns:p14="http://schemas.microsoft.com/office/powerpoint/2010/main" val="3301990217"/>
       </p:ext>
     </p:extLst>
   </p:cSld>
   <p:clrMapOvr>
     <a:masterClrMapping/>
   </p:clrMapOvr>
+  <p:timing>
+    <p:tnLst>
+      <p:par>
+        <p:cTn id="1" dur="indefinite" restart="never" nodeType="tmRoot"/>
+      </p:par>
+    </p:tnLst>
+  </p:timing>
 </p:sld>
 </file>
 
@@ -24202,7 +24044,7 @@
       </p:grpSpPr>
       <p:sp>
         <p:nvSpPr>
-          <p:cNvPr id="4" name="Title 1"/>
+          <p:cNvPr id="2" name="Title 1"/>
           <p:cNvSpPr>
             <a:spLocks noGrp="1"/>
           </p:cNvSpPr>
@@ -24210,10 +24052,33 @@
             <p:ph type="title"/>
           </p:nvPr>
         </p:nvSpPr>
+        <p:spPr/>
+        <p:txBody>
+          <a:bodyPr/>
+          <a:lstStyle/>
+          <a:p>
+            <a:r>
+              <a:rPr lang="en-GB" dirty="0" smtClean="0"/>
+              <a:t>Python 2/3</a:t>
+            </a:r>
+            <a:endParaRPr lang="en-GB" dirty="0"/>
+          </a:p>
+        </p:txBody>
+      </p:sp>
+      <p:sp>
+        <p:nvSpPr>
+          <p:cNvPr id="3" name="Content Placeholder 2"/>
+          <p:cNvSpPr>
+            <a:spLocks noGrp="1"/>
+          </p:cNvSpPr>
+          <p:nvPr>
+            <p:ph idx="1"/>
+          </p:nvPr>
+        </p:nvSpPr>
         <p:spPr>
           <a:xfrm>
-            <a:off x="539552" y="2996952"/>
-            <a:ext cx="8229600" cy="1143000"/>
+            <a:off x="395536" y="1196752"/>
+            <a:ext cx="8229600" cy="4968552"/>
           </a:xfrm>
         </p:spPr>
         <p:txBody>
@@ -24221,17 +24086,31 @@
           <a:lstStyle/>
           <a:p>
             <a:r>
-              <a:rPr lang="en-GB" sz="4400" b="0" cap="none" dirty="0" smtClean="0"/>
-              <a:t>Common Commands</a:t>
-            </a:r>
-            <a:endParaRPr lang="en-GB" sz="4400" b="0" cap="none" dirty="0"/>
+              <a:rPr lang="en-GB" sz="2800" dirty="0" err="1"/>
+              <a:t>g</a:t>
+            </a:r>
+            <a:r>
+              <a:rPr lang="en-GB" sz="2800" dirty="0" err="1" smtClean="0"/>
+              <a:t>enie_python</a:t>
+            </a:r>
+            <a:r>
+              <a:rPr lang="en-GB" sz="2800" dirty="0" smtClean="0"/>
+              <a:t> uses Python 3</a:t>
+            </a:r>
+          </a:p>
+          <a:p>
+            <a:r>
+              <a:rPr lang="en-GB" sz="2800" dirty="0" smtClean="0"/>
+              <a:t>Python 2 is now depreciated but is still popular in places and so be wary when looking at online tutorials etc.</a:t>
+            </a:r>
+            <a:endParaRPr lang="en-GB" sz="2800" dirty="0" smtClean="0"/>
           </a:p>
         </p:txBody>
       </p:sp>
     </p:spTree>
     <p:extLst>
       <p:ext uri="{BB962C8B-B14F-4D97-AF65-F5344CB8AC3E}">
-        <p14:creationId xmlns:p14="http://schemas.microsoft.com/office/powerpoint/2010/main" val="4179659229"/>
+        <p14:creationId xmlns:p14="http://schemas.microsoft.com/office/powerpoint/2010/main" val="310136975"/>
       </p:ext>
     </p:extLst>
   </p:cSld>
@@ -24260,6 +24139,64 @@
       </p:grpSpPr>
       <p:sp>
         <p:nvSpPr>
+          <p:cNvPr id="4" name="Title 1"/>
+          <p:cNvSpPr>
+            <a:spLocks noGrp="1"/>
+          </p:cNvSpPr>
+          <p:nvPr>
+            <p:ph type="title"/>
+          </p:nvPr>
+        </p:nvSpPr>
+        <p:spPr>
+          <a:xfrm>
+            <a:off x="539552" y="2996952"/>
+            <a:ext cx="8229600" cy="1143000"/>
+          </a:xfrm>
+        </p:spPr>
+        <p:txBody>
+          <a:bodyPr/>
+          <a:lstStyle/>
+          <a:p>
+            <a:r>
+              <a:rPr lang="en-GB" sz="4400" b="0" cap="none" dirty="0" smtClean="0"/>
+              <a:t>Common Commands</a:t>
+            </a:r>
+            <a:endParaRPr lang="en-GB" sz="4400" b="0" cap="none" dirty="0"/>
+          </a:p>
+        </p:txBody>
+      </p:sp>
+    </p:spTree>
+    <p:extLst>
+      <p:ext uri="{BB962C8B-B14F-4D97-AF65-F5344CB8AC3E}">
+        <p14:creationId xmlns:p14="http://schemas.microsoft.com/office/powerpoint/2010/main" val="4179659229"/>
+      </p:ext>
+    </p:extLst>
+  </p:cSld>
+  <p:clrMapOvr>
+    <a:masterClrMapping/>
+  </p:clrMapOvr>
+</p:sld>
+</file>
+
+<file path=ppt/slides/slide8.xml><?xml version="1.0" encoding="utf-8"?>
+<p:sld xmlns:a="http://schemas.openxmlformats.org/drawingml/2006/main" xmlns:r="http://schemas.openxmlformats.org/officeDocument/2006/relationships" xmlns:p="http://schemas.openxmlformats.org/presentationml/2006/main">
+  <p:cSld>
+    <p:spTree>
+      <p:nvGrpSpPr>
+        <p:cNvPr id="1" name=""/>
+        <p:cNvGrpSpPr/>
+        <p:nvPr/>
+      </p:nvGrpSpPr>
+      <p:grpSpPr>
+        <a:xfrm>
+          <a:off x="0" y="0"/>
+          <a:ext cx="0" cy="0"/>
+          <a:chOff x="0" y="0"/>
+          <a:chExt cx="0" cy="0"/>
+        </a:xfrm>
+      </p:grpSpPr>
+      <p:sp>
+        <p:nvSpPr>
           <p:cNvPr id="2" name="Title 1"/>
           <p:cNvSpPr>
             <a:spLocks noGrp="1"/>
@@ -24524,7 +24461,7 @@
 </p:sld>
 </file>
 
-<file path=ppt/slides/slide8.xml><?xml version="1.0" encoding="utf-8"?>
+<file path=ppt/slides/slide9.xml><?xml version="1.0" encoding="utf-8"?>
 <p:sld xmlns:a="http://schemas.openxmlformats.org/drawingml/2006/main" xmlns:r="http://schemas.openxmlformats.org/officeDocument/2006/relationships" xmlns:p="http://schemas.openxmlformats.org/presentationml/2006/main">
   <p:cSld>
     <p:spTree>
@@ -24661,251 +24598,6 @@
   <p:clrMapOvr>
     <a:masterClrMapping/>
   </p:clrMapOvr>
-</p:sld>
-</file>
-
-<file path=ppt/slides/slide9.xml><?xml version="1.0" encoding="utf-8"?>
-<p:sld xmlns:a="http://schemas.openxmlformats.org/drawingml/2006/main" xmlns:r="http://schemas.openxmlformats.org/officeDocument/2006/relationships" xmlns:p="http://schemas.openxmlformats.org/presentationml/2006/main">
-  <p:cSld>
-    <p:spTree>
-      <p:nvGrpSpPr>
-        <p:cNvPr id="1" name=""/>
-        <p:cNvGrpSpPr/>
-        <p:nvPr/>
-      </p:nvGrpSpPr>
-      <p:grpSpPr>
-        <a:xfrm>
-          <a:off x="0" y="0"/>
-          <a:ext cx="0" cy="0"/>
-          <a:chOff x="0" y="0"/>
-          <a:chExt cx="0" cy="0"/>
-        </a:xfrm>
-      </p:grpSpPr>
-      <p:sp>
-        <p:nvSpPr>
-          <p:cNvPr id="2" name="Title 1"/>
-          <p:cNvSpPr>
-            <a:spLocks noGrp="1"/>
-          </p:cNvSpPr>
-          <p:nvPr>
-            <p:ph type="title"/>
-          </p:nvPr>
-        </p:nvSpPr>
-        <p:spPr/>
-        <p:txBody>
-          <a:bodyPr/>
-          <a:lstStyle/>
-          <a:p>
-            <a:r>
-              <a:rPr lang="en-GB" dirty="0" smtClean="0"/>
-              <a:t>Switching run states</a:t>
-            </a:r>
-            <a:endParaRPr lang="en-GB" dirty="0"/>
-          </a:p>
-        </p:txBody>
-      </p:sp>
-      <p:sp>
-        <p:nvSpPr>
-          <p:cNvPr id="3" name="TextBox 2"/>
-          <p:cNvSpPr txBox="1"/>
-          <p:nvPr/>
-        </p:nvSpPr>
-        <p:spPr>
-          <a:xfrm>
-            <a:off x="107504" y="1268760"/>
-            <a:ext cx="8928992" cy="3898824"/>
-          </a:xfrm>
-          <a:prstGeom prst="rect">
-            <a:avLst/>
-          </a:prstGeom>
-          <a:noFill/>
-        </p:spPr>
-        <p:txBody>
-          <a:bodyPr wrap="square" rtlCol="0">
-            <a:spAutoFit/>
-          </a:bodyPr>
-          <a:lstStyle/>
-          <a:p>
-            <a:pPr marL="342900" indent="-342900">
-              <a:lnSpc>
-                <a:spcPct val="150000"/>
-              </a:lnSpc>
-              <a:buFont typeface="Arial" panose="020B0604020202020204" pitchFamily="34" charset="0"/>
-              <a:buChar char="•"/>
-            </a:pPr>
-            <a:r>
-              <a:rPr lang="en-GB" sz="2800" dirty="0" smtClean="0">
-                <a:solidFill>
-                  <a:schemeClr val="accent2"/>
-                </a:solidFill>
-                <a:latin typeface="Consolas" panose="020B0609020204030204" pitchFamily="49" charset="0"/>
-                <a:cs typeface="Consolas" panose="020B0609020204030204" pitchFamily="49" charset="0"/>
-              </a:rPr>
-              <a:t>g.begin()</a:t>
-            </a:r>
-            <a:r>
-              <a:rPr lang="en-GB" sz="2800" dirty="0" smtClean="0"/>
-              <a:t>: </a:t>
-            </a:r>
-            <a:r>
-              <a:rPr lang="en-GB" sz="2800" dirty="0"/>
-              <a:t>Begins a new run</a:t>
-            </a:r>
-          </a:p>
-          <a:p>
-            <a:pPr marL="342900" indent="-342900">
-              <a:lnSpc>
-                <a:spcPct val="150000"/>
-              </a:lnSpc>
-              <a:buFont typeface="Arial" panose="020B0604020202020204" pitchFamily="34" charset="0"/>
-              <a:buChar char="•"/>
-            </a:pPr>
-            <a:r>
-              <a:rPr lang="en-GB" sz="2800" dirty="0" smtClean="0">
-                <a:solidFill>
-                  <a:schemeClr val="accent2"/>
-                </a:solidFill>
-                <a:latin typeface="Consolas" panose="020B0609020204030204" pitchFamily="49" charset="0"/>
-                <a:cs typeface="Consolas" panose="020B0609020204030204" pitchFamily="49" charset="0"/>
-              </a:rPr>
-              <a:t>g.pause()</a:t>
-            </a:r>
-            <a:r>
-              <a:rPr lang="en-GB" sz="2800" dirty="0" smtClean="0"/>
-              <a:t>: </a:t>
-            </a:r>
-            <a:r>
-              <a:rPr lang="en-GB" sz="2800" dirty="0"/>
-              <a:t>Pauses the current run</a:t>
-            </a:r>
-          </a:p>
-          <a:p>
-            <a:pPr marL="342900" indent="-342900">
-              <a:lnSpc>
-                <a:spcPct val="150000"/>
-              </a:lnSpc>
-              <a:buFont typeface="Arial" panose="020B0604020202020204" pitchFamily="34" charset="0"/>
-              <a:buChar char="•"/>
-            </a:pPr>
-            <a:r>
-              <a:rPr lang="en-GB" sz="2800" dirty="0" smtClean="0">
-                <a:solidFill>
-                  <a:schemeClr val="accent2"/>
-                </a:solidFill>
-                <a:latin typeface="Consolas" panose="020B0609020204030204" pitchFamily="49" charset="0"/>
-                <a:cs typeface="Consolas" panose="020B0609020204030204" pitchFamily="49" charset="0"/>
-              </a:rPr>
-              <a:t>g.resume()</a:t>
-            </a:r>
-            <a:r>
-              <a:rPr lang="en-GB" sz="2800" dirty="0" smtClean="0"/>
-              <a:t>: </a:t>
-            </a:r>
-            <a:r>
-              <a:rPr lang="en-GB" sz="2800" dirty="0"/>
-              <a:t>Resumes the current run</a:t>
-            </a:r>
-          </a:p>
-          <a:p>
-            <a:pPr marL="342900" indent="-342900">
-              <a:lnSpc>
-                <a:spcPct val="150000"/>
-              </a:lnSpc>
-              <a:buFont typeface="Arial" panose="020B0604020202020204" pitchFamily="34" charset="0"/>
-              <a:buChar char="•"/>
-            </a:pPr>
-            <a:r>
-              <a:rPr lang="en-GB" sz="2800" dirty="0" smtClean="0">
-                <a:solidFill>
-                  <a:schemeClr val="accent2"/>
-                </a:solidFill>
-                <a:latin typeface="Consolas" panose="020B0609020204030204" pitchFamily="49" charset="0"/>
-                <a:cs typeface="Consolas" panose="020B0609020204030204" pitchFamily="49" charset="0"/>
-              </a:rPr>
-              <a:t>g.end()</a:t>
-            </a:r>
-            <a:r>
-              <a:rPr lang="en-GB" sz="2800" dirty="0" smtClean="0"/>
-              <a:t>: </a:t>
-            </a:r>
-            <a:r>
-              <a:rPr lang="en-GB" sz="2800" dirty="0"/>
-              <a:t>Ends the current run</a:t>
-            </a:r>
-          </a:p>
-          <a:p>
-            <a:pPr marL="342900" indent="-342900">
-              <a:lnSpc>
-                <a:spcPct val="150000"/>
-              </a:lnSpc>
-              <a:buFont typeface="Arial" panose="020B0604020202020204" pitchFamily="34" charset="0"/>
-              <a:buChar char="•"/>
-            </a:pPr>
-            <a:r>
-              <a:rPr lang="en-GB" sz="2800" dirty="0" smtClean="0">
-                <a:solidFill>
-                  <a:schemeClr val="accent2"/>
-                </a:solidFill>
-                <a:latin typeface="Consolas" panose="020B0609020204030204" pitchFamily="49" charset="0"/>
-                <a:cs typeface="Consolas" panose="020B0609020204030204" pitchFamily="49" charset="0"/>
-              </a:rPr>
-              <a:t>g.abort()</a:t>
-            </a:r>
-            <a:r>
-              <a:rPr lang="en-GB" sz="2800" dirty="0" smtClean="0"/>
-              <a:t>: </a:t>
-            </a:r>
-            <a:r>
-              <a:rPr lang="en-GB" sz="2800" dirty="0"/>
-              <a:t>Aborts the current </a:t>
-            </a:r>
-            <a:r>
-              <a:rPr lang="en-GB" sz="2800" dirty="0" smtClean="0"/>
-              <a:t>run</a:t>
-            </a:r>
-          </a:p>
-          <a:p>
-            <a:pPr marL="342900" indent="-342900">
-              <a:lnSpc>
-                <a:spcPct val="150000"/>
-              </a:lnSpc>
-              <a:buFont typeface="Arial" panose="020B0604020202020204" pitchFamily="34" charset="0"/>
-              <a:buChar char="•"/>
-            </a:pPr>
-            <a:r>
-              <a:rPr lang="en-GB" sz="2800" dirty="0" smtClean="0">
-                <a:solidFill>
-                  <a:schemeClr val="accent2"/>
-                </a:solidFill>
-                <a:latin typeface="Consolas" panose="020B0609020204030204" pitchFamily="49" charset="0"/>
-                <a:cs typeface="Consolas" panose="020B0609020204030204" pitchFamily="49" charset="0"/>
-              </a:rPr>
-              <a:t>g.get_runstate()</a:t>
-            </a:r>
-            <a:r>
-              <a:rPr lang="en-GB" sz="2800" dirty="0" smtClean="0"/>
-              <a:t>: Gets the state of the current run</a:t>
-            </a:r>
-          </a:p>
-        </p:txBody>
-      </p:sp>
-    </p:spTree>
-    <p:extLst>
-      <p:ext uri="{BB962C8B-B14F-4D97-AF65-F5344CB8AC3E}">
-        <p14:creationId xmlns:p14="http://schemas.microsoft.com/office/powerpoint/2010/main" val="3531924095"/>
-      </p:ext>
-    </p:extLst>
-  </p:cSld>
-  <p:clrMapOvr>
-    <a:masterClrMapping/>
-  </p:clrMapOvr>
-  <p:timing>
-    <p:tnLst>
-      <p:par>
-        <p:cTn id="1" dur="indefinite" restart="never" nodeType="tmRoot"/>
-      </p:par>
-    </p:tnLst>
-  </p:timing>
 </p:sld>
 </file>
 
@@ -25521,18 +25213,18 @@
 </file>
 
 <file path=customXml/item1.xml><?xml version="1.0" encoding="utf-8"?>
-<p:properties xmlns:p="http://schemas.microsoft.com/office/2006/metadata/properties" xmlns:xsi="http://www.w3.org/2001/XMLSchema-instance" xmlns:pc="http://schemas.microsoft.com/office/infopath/2007/PartnerControls">
-  <documentManagement/>
-</p:properties>
-</file>
-
-<file path=customXml/item2.xml><?xml version="1.0" encoding="utf-8"?>
 <?mso-contentType ?>
 <FormTemplates xmlns="http://schemas.microsoft.com/sharepoint/v3/contenttype/forms">
   <Display>DocumentLibraryForm</Display>
   <Edit>DocumentLibraryForm</Edit>
   <New>DocumentLibraryForm</New>
 </FormTemplates>
+</file>
+
+<file path=customXml/item2.xml><?xml version="1.0" encoding="utf-8"?>
+<p:properties xmlns:p="http://schemas.microsoft.com/office/2006/metadata/properties" xmlns:xsi="http://www.w3.org/2001/XMLSchema-instance" xmlns:pc="http://schemas.microsoft.com/office/infopath/2007/PartnerControls">
+  <documentManagement/>
+</p:properties>
 </file>
 
 <file path=customXml/item3.xml><?xml version="1.0" encoding="utf-8"?>
@@ -25650,6 +25342,14 @@
 </file>
 
 <file path=customXml/itemProps1.xml><?xml version="1.0" encoding="utf-8"?>
+<ds:datastoreItem xmlns:ds="http://schemas.openxmlformats.org/officeDocument/2006/customXml" ds:itemID="{1D176834-956F-4505-BD61-698C091AD5AA}">
+  <ds:schemaRefs>
+    <ds:schemaRef ds:uri="http://schemas.microsoft.com/sharepoint/v3/contenttype/forms"/>
+  </ds:schemaRefs>
+</ds:datastoreItem>
+</file>
+
+<file path=customXml/itemProps2.xml><?xml version="1.0" encoding="utf-8"?>
 <ds:datastoreItem xmlns:ds="http://schemas.openxmlformats.org/officeDocument/2006/customXml" ds:itemID="{D4D0713F-2886-4B1B-9132-0812576A847F}">
   <ds:schemaRefs>
     <ds:schemaRef ds:uri="http://purl.org/dc/terms/"/>
@@ -25660,14 +25360,6 @@
     <ds:schemaRef ds:uri="http://schemas.microsoft.com/office/2006/metadata/properties"/>
     <ds:schemaRef ds:uri="http://www.w3.org/XML/1998/namespace"/>
     <ds:schemaRef ds:uri="http://purl.org/dc/dcmitype/"/>
-  </ds:schemaRefs>
-</ds:datastoreItem>
-</file>
-
-<file path=customXml/itemProps2.xml><?xml version="1.0" encoding="utf-8"?>
-<ds:datastoreItem xmlns:ds="http://schemas.openxmlformats.org/officeDocument/2006/customXml" ds:itemID="{1D176834-956F-4505-BD61-698C091AD5AA}">
-  <ds:schemaRefs>
-    <ds:schemaRef ds:uri="http://schemas.microsoft.com/sharepoint/v3/contenttype/forms"/>
   </ds:schemaRefs>
 </ds:datastoreItem>
 </file>
